--- a/2018Oct-Tutorial_HiRACsICalibrations.pptx
+++ b/2018Oct-Tutorial_HiRACsICalibrations.pptx
@@ -5,7 +5,7 @@
     <p:sldMasterId id="2147483648" r:id="rId1"/>
   </p:sldMasterIdLst>
   <p:notesMasterIdLst>
-    <p:notesMasterId r:id="rId49"/>
+    <p:notesMasterId r:id="rId50"/>
   </p:notesMasterIdLst>
   <p:sldIdLst>
     <p:sldId id="256" r:id="rId2"/>
@@ -29,32 +29,33 @@
     <p:sldId id="289" r:id="rId20"/>
     <p:sldId id="290" r:id="rId21"/>
     <p:sldId id="267" r:id="rId22"/>
-    <p:sldId id="259" r:id="rId23"/>
-    <p:sldId id="291" r:id="rId24"/>
+    <p:sldId id="291" r:id="rId23"/>
+    <p:sldId id="259" r:id="rId24"/>
     <p:sldId id="292" r:id="rId25"/>
-    <p:sldId id="293" r:id="rId26"/>
-    <p:sldId id="294" r:id="rId27"/>
-    <p:sldId id="295" r:id="rId28"/>
-    <p:sldId id="296" r:id="rId29"/>
-    <p:sldId id="297" r:id="rId30"/>
-    <p:sldId id="260" r:id="rId31"/>
-    <p:sldId id="269" r:id="rId32"/>
-    <p:sldId id="261" r:id="rId33"/>
-    <p:sldId id="298" r:id="rId34"/>
-    <p:sldId id="299" r:id="rId35"/>
-    <p:sldId id="300" r:id="rId36"/>
-    <p:sldId id="262" r:id="rId37"/>
-    <p:sldId id="270" r:id="rId38"/>
-    <p:sldId id="263" r:id="rId39"/>
-    <p:sldId id="264" r:id="rId40"/>
-    <p:sldId id="271" r:id="rId41"/>
-    <p:sldId id="272" r:id="rId42"/>
-    <p:sldId id="273" r:id="rId43"/>
-    <p:sldId id="274" r:id="rId44"/>
-    <p:sldId id="275" r:id="rId45"/>
-    <p:sldId id="276" r:id="rId46"/>
-    <p:sldId id="301" r:id="rId47"/>
-    <p:sldId id="302" r:id="rId48"/>
+    <p:sldId id="303" r:id="rId26"/>
+    <p:sldId id="293" r:id="rId27"/>
+    <p:sldId id="294" r:id="rId28"/>
+    <p:sldId id="295" r:id="rId29"/>
+    <p:sldId id="269" r:id="rId30"/>
+    <p:sldId id="296" r:id="rId31"/>
+    <p:sldId id="297" r:id="rId32"/>
+    <p:sldId id="260" r:id="rId33"/>
+    <p:sldId id="261" r:id="rId34"/>
+    <p:sldId id="298" r:id="rId35"/>
+    <p:sldId id="299" r:id="rId36"/>
+    <p:sldId id="300" r:id="rId37"/>
+    <p:sldId id="262" r:id="rId38"/>
+    <p:sldId id="270" r:id="rId39"/>
+    <p:sldId id="263" r:id="rId40"/>
+    <p:sldId id="264" r:id="rId41"/>
+    <p:sldId id="271" r:id="rId42"/>
+    <p:sldId id="272" r:id="rId43"/>
+    <p:sldId id="273" r:id="rId44"/>
+    <p:sldId id="274" r:id="rId45"/>
+    <p:sldId id="275" r:id="rId46"/>
+    <p:sldId id="276" r:id="rId47"/>
+    <p:sldId id="301" r:id="rId48"/>
+    <p:sldId id="302" r:id="rId49"/>
   </p:sldIdLst>
   <p:sldSz cx="12192000" cy="6858000"/>
   <p:notesSz cx="6858000" cy="9144000"/>
@@ -243,7 +244,7 @@
           <a:p>
             <a:fld id="{56884FD5-078F-452E-9E34-3872B0A18C88}" type="datetimeFigureOut">
               <a:rPr lang="en-US" smtClean="0"/>
-              <a:t>10/23/2018</a:t>
+              <a:t>10/24/2018</a:t>
             </a:fld>
             <a:endParaRPr lang="en-US"/>
           </a:p>
@@ -726,7 +727,7 @@
           <a:p>
             <a:fld id="{2AB85655-92EE-4FFE-AD52-8C3D789CC0B5}" type="datetimeFigureOut">
               <a:rPr lang="en-US" smtClean="0"/>
-              <a:t>10/23/2018</a:t>
+              <a:t>10/24/2018</a:t>
             </a:fld>
             <a:endParaRPr lang="en-US"/>
           </a:p>
@@ -896,7 +897,7 @@
           <a:p>
             <a:fld id="{2AB85655-92EE-4FFE-AD52-8C3D789CC0B5}" type="datetimeFigureOut">
               <a:rPr lang="en-US" smtClean="0"/>
-              <a:t>10/23/2018</a:t>
+              <a:t>10/24/2018</a:t>
             </a:fld>
             <a:endParaRPr lang="en-US"/>
           </a:p>
@@ -1076,7 +1077,7 @@
           <a:p>
             <a:fld id="{2AB85655-92EE-4FFE-AD52-8C3D789CC0B5}" type="datetimeFigureOut">
               <a:rPr lang="en-US" smtClean="0"/>
-              <a:t>10/23/2018</a:t>
+              <a:t>10/24/2018</a:t>
             </a:fld>
             <a:endParaRPr lang="en-US"/>
           </a:p>
@@ -1246,7 +1247,7 @@
           <a:p>
             <a:fld id="{2AB85655-92EE-4FFE-AD52-8C3D789CC0B5}" type="datetimeFigureOut">
               <a:rPr lang="en-US" smtClean="0"/>
-              <a:t>10/23/2018</a:t>
+              <a:t>10/24/2018</a:t>
             </a:fld>
             <a:endParaRPr lang="en-US"/>
           </a:p>
@@ -1492,7 +1493,7 @@
           <a:p>
             <a:fld id="{2AB85655-92EE-4FFE-AD52-8C3D789CC0B5}" type="datetimeFigureOut">
               <a:rPr lang="en-US" smtClean="0"/>
-              <a:t>10/23/2018</a:t>
+              <a:t>10/24/2018</a:t>
             </a:fld>
             <a:endParaRPr lang="en-US"/>
           </a:p>
@@ -1724,7 +1725,7 @@
           <a:p>
             <a:fld id="{2AB85655-92EE-4FFE-AD52-8C3D789CC0B5}" type="datetimeFigureOut">
               <a:rPr lang="en-US" smtClean="0"/>
-              <a:t>10/23/2018</a:t>
+              <a:t>10/24/2018</a:t>
             </a:fld>
             <a:endParaRPr lang="en-US"/>
           </a:p>
@@ -2091,7 +2092,7 @@
           <a:p>
             <a:fld id="{2AB85655-92EE-4FFE-AD52-8C3D789CC0B5}" type="datetimeFigureOut">
               <a:rPr lang="en-US" smtClean="0"/>
-              <a:t>10/23/2018</a:t>
+              <a:t>10/24/2018</a:t>
             </a:fld>
             <a:endParaRPr lang="en-US"/>
           </a:p>
@@ -2209,7 +2210,7 @@
           <a:p>
             <a:fld id="{2AB85655-92EE-4FFE-AD52-8C3D789CC0B5}" type="datetimeFigureOut">
               <a:rPr lang="en-US" smtClean="0"/>
-              <a:t>10/23/2018</a:t>
+              <a:t>10/24/2018</a:t>
             </a:fld>
             <a:endParaRPr lang="en-US"/>
           </a:p>
@@ -2304,7 +2305,7 @@
           <a:p>
             <a:fld id="{2AB85655-92EE-4FFE-AD52-8C3D789CC0B5}" type="datetimeFigureOut">
               <a:rPr lang="en-US" smtClean="0"/>
-              <a:t>10/23/2018</a:t>
+              <a:t>10/24/2018</a:t>
             </a:fld>
             <a:endParaRPr lang="en-US"/>
           </a:p>
@@ -2581,7 +2582,7 @@
           <a:p>
             <a:fld id="{2AB85655-92EE-4FFE-AD52-8C3D789CC0B5}" type="datetimeFigureOut">
               <a:rPr lang="en-US" smtClean="0"/>
-              <a:t>10/23/2018</a:t>
+              <a:t>10/24/2018</a:t>
             </a:fld>
             <a:endParaRPr lang="en-US"/>
           </a:p>
@@ -2834,7 +2835,7 @@
           <a:p>
             <a:fld id="{2AB85655-92EE-4FFE-AD52-8C3D789CC0B5}" type="datetimeFigureOut">
               <a:rPr lang="en-US" smtClean="0"/>
-              <a:t>10/23/2018</a:t>
+              <a:t>10/24/2018</a:t>
             </a:fld>
             <a:endParaRPr lang="en-US"/>
           </a:p>
@@ -3047,7 +3048,7 @@
           <a:p>
             <a:fld id="{2AB85655-92EE-4FFE-AD52-8C3D789CC0B5}" type="datetimeFigureOut">
               <a:rPr lang="en-US" smtClean="0"/>
-              <a:t>10/23/2018</a:t>
+              <a:t>10/24/2018</a:t>
             </a:fld>
             <a:endParaRPr lang="en-US"/>
           </a:p>
@@ -6907,7 +6908,7 @@
         </p:nvSpPr>
         <p:spPr>
           <a:xfrm>
-            <a:off x="631371" y="769778"/>
+            <a:off x="353465" y="769778"/>
             <a:ext cx="6008915" cy="646331"/>
           </a:xfrm>
           <a:prstGeom prst="rect">
@@ -7201,9 +7202,387 @@
           </a:p>
         </p:txBody>
       </p:sp>
+      <p:sp>
+        <p:nvSpPr>
+          <p:cNvPr id="5" name="TextBox 4"/>
+          <p:cNvSpPr txBox="1"/>
+          <p:nvPr/>
+        </p:nvSpPr>
+        <p:spPr>
+          <a:xfrm>
+            <a:off x="87086" y="1363754"/>
+            <a:ext cx="5641361" cy="3693319"/>
+          </a:xfrm>
+          <a:prstGeom prst="rect">
+            <a:avLst/>
+          </a:prstGeom>
+          <a:noFill/>
+        </p:spPr>
+        <p:txBody>
+          <a:bodyPr wrap="square" rtlCol="0">
+            <a:spAutoFit/>
+          </a:bodyPr>
+          <a:lstStyle/>
+          <a:p>
+            <a:r>
+              <a:rPr lang="en-US" dirty="0" smtClean="0">
+                <a:latin typeface="Times New Roman" panose="02020603050405020304" pitchFamily="18" charset="0"/>
+                <a:cs typeface="Times New Roman" panose="02020603050405020304" pitchFamily="18" charset="0"/>
+              </a:rPr>
+              <a:t>● To find  the range of ∆E-E line of each particle for all the </a:t>
+            </a:r>
+          </a:p>
+          <a:p>
+            <a:r>
+              <a:rPr lang="en-US" dirty="0">
+                <a:latin typeface="Times New Roman" panose="02020603050405020304" pitchFamily="18" charset="0"/>
+                <a:cs typeface="Times New Roman" panose="02020603050405020304" pitchFamily="18" charset="0"/>
+              </a:rPr>
+              <a:t> </a:t>
+            </a:r>
+            <a:r>
+              <a:rPr lang="en-US" dirty="0" smtClean="0">
+                <a:latin typeface="Times New Roman" panose="02020603050405020304" pitchFamily="18" charset="0"/>
+                <a:cs typeface="Times New Roman" panose="02020603050405020304" pitchFamily="18" charset="0"/>
+              </a:rPr>
+              <a:t>      telescopes. Save as </a:t>
+            </a:r>
+            <a:r>
+              <a:rPr lang="en-US" i="1" dirty="0" smtClean="0">
+                <a:solidFill>
+                  <a:srgbClr val="00B050"/>
+                </a:solidFill>
+                <a:latin typeface="Times New Roman" panose="02020603050405020304" pitchFamily="18" charset="0"/>
+                <a:cs typeface="Times New Roman" panose="02020603050405020304" pitchFamily="18" charset="0"/>
+              </a:rPr>
+              <a:t>/calibrations/DEEFITCut.dat</a:t>
+            </a:r>
+          </a:p>
+          <a:p>
+            <a:endParaRPr lang="en-US" i="1" dirty="0" smtClean="0">
+              <a:solidFill>
+                <a:srgbClr val="00B050"/>
+              </a:solidFill>
+              <a:latin typeface="Times New Roman" panose="02020603050405020304" pitchFamily="18" charset="0"/>
+              <a:cs typeface="Times New Roman" panose="02020603050405020304" pitchFamily="18" charset="0"/>
+            </a:endParaRPr>
+          </a:p>
+          <a:p>
+            <a:r>
+              <a:rPr lang="en-US" dirty="0">
+                <a:latin typeface="Times New Roman" panose="02020603050405020304" pitchFamily="18" charset="0"/>
+                <a:cs typeface="Times New Roman" panose="02020603050405020304" pitchFamily="18" charset="0"/>
+              </a:rPr>
+              <a:t>● </a:t>
+            </a:r>
+            <a:r>
+              <a:rPr lang="en-US" dirty="0" smtClean="0">
+                <a:latin typeface="Times New Roman" panose="02020603050405020304" pitchFamily="18" charset="0"/>
+                <a:cs typeface="Times New Roman" panose="02020603050405020304" pitchFamily="18" charset="0"/>
+              </a:rPr>
+              <a:t> Read the cut file and the fit parameter, calculate</a:t>
+            </a:r>
+          </a:p>
+          <a:p>
+            <a:r>
+              <a:rPr lang="en-US" dirty="0">
+                <a:latin typeface="Times New Roman" panose="02020603050405020304" pitchFamily="18" charset="0"/>
+                <a:cs typeface="Times New Roman" panose="02020603050405020304" pitchFamily="18" charset="0"/>
+              </a:rPr>
+              <a:t> </a:t>
+            </a:r>
+            <a:r>
+              <a:rPr lang="en-US" dirty="0" smtClean="0">
+                <a:latin typeface="Times New Roman" panose="02020603050405020304" pitchFamily="18" charset="0"/>
+                <a:cs typeface="Times New Roman" panose="02020603050405020304" pitchFamily="18" charset="0"/>
+              </a:rPr>
+              <a:t>    </a:t>
+            </a:r>
+            <a:r>
+              <a:rPr lang="en-US" dirty="0" err="1" smtClean="0">
+                <a:latin typeface="Times New Roman" panose="02020603050405020304" pitchFamily="18" charset="0"/>
+                <a:cs typeface="Times New Roman" panose="02020603050405020304" pitchFamily="18" charset="0"/>
+              </a:rPr>
+              <a:t>CsIV</a:t>
+            </a:r>
+            <a:r>
+              <a:rPr lang="en-US" dirty="0" smtClean="0">
+                <a:latin typeface="Times New Roman" panose="02020603050405020304" pitchFamily="18" charset="0"/>
+                <a:cs typeface="Times New Roman" panose="02020603050405020304" pitchFamily="18" charset="0"/>
+              </a:rPr>
+              <a:t>, </a:t>
+            </a:r>
+            <a:r>
+              <a:rPr lang="en-US" dirty="0" err="1" smtClean="0">
+                <a:latin typeface="Times New Roman" panose="02020603050405020304" pitchFamily="18" charset="0"/>
+                <a:cs typeface="Times New Roman" panose="02020603050405020304" pitchFamily="18" charset="0"/>
+              </a:rPr>
+              <a:t>errCsIV</a:t>
+            </a:r>
+            <a:r>
+              <a:rPr lang="en-US" dirty="0" smtClean="0">
+                <a:latin typeface="Times New Roman" panose="02020603050405020304" pitchFamily="18" charset="0"/>
+                <a:cs typeface="Times New Roman" panose="02020603050405020304" pitchFamily="18" charset="0"/>
+              </a:rPr>
+              <a:t>, </a:t>
+            </a:r>
+            <a:r>
+              <a:rPr lang="en-US" dirty="0" err="1" smtClean="0">
+                <a:latin typeface="Times New Roman" panose="02020603050405020304" pitchFamily="18" charset="0"/>
+                <a:cs typeface="Times New Roman" panose="02020603050405020304" pitchFamily="18" charset="0"/>
+              </a:rPr>
+              <a:t>Esi</a:t>
+            </a:r>
+            <a:r>
+              <a:rPr lang="en-US" dirty="0" smtClean="0">
+                <a:latin typeface="Times New Roman" panose="02020603050405020304" pitchFamily="18" charset="0"/>
+                <a:cs typeface="Times New Roman" panose="02020603050405020304" pitchFamily="18" charset="0"/>
+              </a:rPr>
+              <a:t>, </a:t>
+            </a:r>
+            <a:r>
+              <a:rPr lang="en-US" dirty="0" err="1" smtClean="0">
+                <a:latin typeface="Times New Roman" panose="02020603050405020304" pitchFamily="18" charset="0"/>
+                <a:cs typeface="Times New Roman" panose="02020603050405020304" pitchFamily="18" charset="0"/>
+              </a:rPr>
+              <a:t>errESi</a:t>
+            </a:r>
+            <a:r>
+              <a:rPr lang="en-US" dirty="0" smtClean="0">
+                <a:latin typeface="Times New Roman" panose="02020603050405020304" pitchFamily="18" charset="0"/>
+                <a:cs typeface="Times New Roman" panose="02020603050405020304" pitchFamily="18" charset="0"/>
+              </a:rPr>
+              <a:t>, </a:t>
+            </a:r>
+            <a:r>
+              <a:rPr lang="en-US" dirty="0" err="1" smtClean="0">
+                <a:latin typeface="Times New Roman" panose="02020603050405020304" pitchFamily="18" charset="0"/>
+                <a:cs typeface="Times New Roman" panose="02020603050405020304" pitchFamily="18" charset="0"/>
+              </a:rPr>
+              <a:t>CsIE</a:t>
+            </a:r>
+            <a:r>
+              <a:rPr lang="en-US" dirty="0" smtClean="0">
+                <a:latin typeface="Times New Roman" panose="02020603050405020304" pitchFamily="18" charset="0"/>
+                <a:cs typeface="Times New Roman" panose="02020603050405020304" pitchFamily="18" charset="0"/>
+              </a:rPr>
+              <a:t>, </a:t>
+            </a:r>
+            <a:r>
+              <a:rPr lang="en-US" dirty="0" err="1" smtClean="0">
+                <a:latin typeface="Times New Roman" panose="02020603050405020304" pitchFamily="18" charset="0"/>
+                <a:cs typeface="Times New Roman" panose="02020603050405020304" pitchFamily="18" charset="0"/>
+              </a:rPr>
+              <a:t>errCsIE</a:t>
+            </a:r>
+            <a:r>
+              <a:rPr lang="en-US" dirty="0" smtClean="0">
+                <a:latin typeface="Times New Roman" panose="02020603050405020304" pitchFamily="18" charset="0"/>
+                <a:cs typeface="Times New Roman" panose="02020603050405020304" pitchFamily="18" charset="0"/>
+              </a:rPr>
+              <a:t> with</a:t>
+            </a:r>
+          </a:p>
+          <a:p>
+            <a:r>
+              <a:rPr lang="en-US" dirty="0">
+                <a:latin typeface="Times New Roman" panose="02020603050405020304" pitchFamily="18" charset="0"/>
+                <a:cs typeface="Times New Roman" panose="02020603050405020304" pitchFamily="18" charset="0"/>
+              </a:rPr>
+              <a:t> </a:t>
+            </a:r>
+            <a:r>
+              <a:rPr lang="en-US" dirty="0" smtClean="0">
+                <a:latin typeface="Times New Roman" panose="02020603050405020304" pitchFamily="18" charset="0"/>
+                <a:cs typeface="Times New Roman" panose="02020603050405020304" pitchFamily="18" charset="0"/>
+              </a:rPr>
+              <a:t>    certain channel step.</a:t>
+            </a:r>
+          </a:p>
+          <a:p>
+            <a:r>
+              <a:rPr lang="en-US" dirty="0">
+                <a:solidFill>
+                  <a:srgbClr val="00B050"/>
+                </a:solidFill>
+                <a:latin typeface="Times New Roman" panose="02020603050405020304" pitchFamily="18" charset="0"/>
+                <a:cs typeface="Times New Roman" panose="02020603050405020304" pitchFamily="18" charset="0"/>
+              </a:rPr>
+              <a:t> </a:t>
+            </a:r>
+            <a:r>
+              <a:rPr lang="en-US" dirty="0" smtClean="0">
+                <a:solidFill>
+                  <a:srgbClr val="00B050"/>
+                </a:solidFill>
+                <a:latin typeface="Times New Roman" panose="02020603050405020304" pitchFamily="18" charset="0"/>
+                <a:cs typeface="Times New Roman" panose="02020603050405020304" pitchFamily="18" charset="0"/>
+              </a:rPr>
+              <a:t>    (It takes a long time to calculate all the particles for</a:t>
+            </a:r>
+          </a:p>
+          <a:p>
+            <a:r>
+              <a:rPr lang="en-US" dirty="0">
+                <a:solidFill>
+                  <a:srgbClr val="00B050"/>
+                </a:solidFill>
+                <a:latin typeface="Times New Roman" panose="02020603050405020304" pitchFamily="18" charset="0"/>
+                <a:cs typeface="Times New Roman" panose="02020603050405020304" pitchFamily="18" charset="0"/>
+              </a:rPr>
+              <a:t> </a:t>
+            </a:r>
+            <a:r>
+              <a:rPr lang="en-US" dirty="0" smtClean="0">
+                <a:solidFill>
+                  <a:srgbClr val="00B050"/>
+                </a:solidFill>
+                <a:latin typeface="Times New Roman" panose="02020603050405020304" pitchFamily="18" charset="0"/>
+                <a:cs typeface="Times New Roman" panose="02020603050405020304" pitchFamily="18" charset="0"/>
+              </a:rPr>
+              <a:t>     all the telescopes, so it would be better to take more</a:t>
+            </a:r>
+          </a:p>
+          <a:p>
+            <a:r>
+              <a:rPr lang="en-US" dirty="0">
+                <a:solidFill>
+                  <a:srgbClr val="00B050"/>
+                </a:solidFill>
+                <a:latin typeface="Times New Roman" panose="02020603050405020304" pitchFamily="18" charset="0"/>
+                <a:cs typeface="Times New Roman" panose="02020603050405020304" pitchFamily="18" charset="0"/>
+              </a:rPr>
+              <a:t> </a:t>
+            </a:r>
+            <a:r>
+              <a:rPr lang="en-US" dirty="0" smtClean="0">
+                <a:solidFill>
+                  <a:srgbClr val="00B050"/>
+                </a:solidFill>
+                <a:latin typeface="Times New Roman" panose="02020603050405020304" pitchFamily="18" charset="0"/>
+                <a:cs typeface="Times New Roman" panose="02020603050405020304" pitchFamily="18" charset="0"/>
+              </a:rPr>
+              <a:t>     points at one time, and then extract as many points </a:t>
+            </a:r>
+          </a:p>
+          <a:p>
+            <a:r>
+              <a:rPr lang="en-US" dirty="0">
+                <a:solidFill>
+                  <a:srgbClr val="00B050"/>
+                </a:solidFill>
+                <a:latin typeface="Times New Roman" panose="02020603050405020304" pitchFamily="18" charset="0"/>
+                <a:cs typeface="Times New Roman" panose="02020603050405020304" pitchFamily="18" charset="0"/>
+              </a:rPr>
+              <a:t> </a:t>
+            </a:r>
+            <a:r>
+              <a:rPr lang="en-US" dirty="0" smtClean="0">
+                <a:solidFill>
+                  <a:srgbClr val="00B050"/>
+                </a:solidFill>
+                <a:latin typeface="Times New Roman" panose="02020603050405020304" pitchFamily="18" charset="0"/>
+                <a:cs typeface="Times New Roman" panose="02020603050405020304" pitchFamily="18" charset="0"/>
+              </a:rPr>
+              <a:t>     as we want from this file when we do some analysis.)</a:t>
+            </a:r>
+          </a:p>
+          <a:p>
+            <a:endParaRPr lang="en-US" dirty="0" smtClean="0">
+              <a:latin typeface="Times New Roman" panose="02020603050405020304" pitchFamily="18" charset="0"/>
+              <a:cs typeface="Times New Roman" panose="02020603050405020304" pitchFamily="18" charset="0"/>
+            </a:endParaRPr>
+          </a:p>
+          <a:p>
+            <a:endParaRPr lang="en-US" dirty="0" smtClean="0">
+              <a:latin typeface="Times New Roman" panose="02020603050405020304" pitchFamily="18" charset="0"/>
+              <a:cs typeface="Times New Roman" panose="02020603050405020304" pitchFamily="18" charset="0"/>
+            </a:endParaRPr>
+          </a:p>
+          <a:p>
+            <a:r>
+              <a:rPr lang="en-US" dirty="0">
+                <a:latin typeface="Times New Roman" panose="02020603050405020304" pitchFamily="18" charset="0"/>
+                <a:cs typeface="Times New Roman" panose="02020603050405020304" pitchFamily="18" charset="0"/>
+              </a:rPr>
+              <a:t>●</a:t>
+            </a:r>
+            <a:r>
+              <a:rPr lang="en-US" dirty="0" smtClean="0">
+                <a:latin typeface="Times New Roman" panose="02020603050405020304" pitchFamily="18" charset="0"/>
+                <a:cs typeface="Times New Roman" panose="02020603050405020304" pitchFamily="18" charset="0"/>
+              </a:rPr>
+              <a:t> Extract a few points(about 20 points for each particle)</a:t>
+            </a:r>
+            <a:endParaRPr lang="en-US" dirty="0">
+              <a:solidFill>
+                <a:srgbClr val="00B050"/>
+              </a:solidFill>
+              <a:latin typeface="Times New Roman" panose="02020603050405020304" pitchFamily="18" charset="0"/>
+              <a:cs typeface="Times New Roman" panose="02020603050405020304" pitchFamily="18" charset="0"/>
+            </a:endParaRPr>
+          </a:p>
+        </p:txBody>
+      </p:sp>
+      <p:sp>
+        <p:nvSpPr>
+          <p:cNvPr id="8" name="Rectangle 7"/>
+          <p:cNvSpPr/>
+          <p:nvPr/>
+        </p:nvSpPr>
+        <p:spPr>
+          <a:xfrm>
+            <a:off x="87086" y="481637"/>
+            <a:ext cx="8258205" cy="646331"/>
+          </a:xfrm>
+          <a:prstGeom prst="rect">
+            <a:avLst/>
+          </a:prstGeom>
+        </p:spPr>
+        <p:txBody>
+          <a:bodyPr wrap="square">
+            <a:spAutoFit/>
+          </a:bodyPr>
+          <a:lstStyle/>
+          <a:p>
+            <a:r>
+              <a:rPr lang="en-US" b="1" dirty="0">
+                <a:solidFill>
+                  <a:srgbClr val="81ABFF"/>
+                </a:solidFill>
+                <a:latin typeface="Times New Roman" panose="02020603050405020304" pitchFamily="18" charset="0"/>
+                <a:cs typeface="Times New Roman" panose="02020603050405020304" pitchFamily="18" charset="0"/>
+              </a:rPr>
+              <a:t>(macro to be used:  </a:t>
+            </a:r>
+            <a:r>
+              <a:rPr lang="en-US" b="1" dirty="0" smtClean="0">
+                <a:solidFill>
+                  <a:srgbClr val="81ABFF"/>
+                </a:solidFill>
+                <a:latin typeface="Times New Roman" panose="02020603050405020304" pitchFamily="18" charset="0"/>
+                <a:cs typeface="Times New Roman" panose="02020603050405020304" pitchFamily="18" charset="0"/>
+              </a:rPr>
+              <a:t>DEEFITReadCutFile.cpp)</a:t>
+            </a:r>
+          </a:p>
+          <a:p>
+            <a:r>
+              <a:rPr lang="en-US" b="1" dirty="0">
+                <a:solidFill>
+                  <a:srgbClr val="81ABFF"/>
+                </a:solidFill>
+                <a:latin typeface="Times New Roman" panose="02020603050405020304" pitchFamily="18" charset="0"/>
+                <a:cs typeface="Times New Roman" panose="02020603050405020304" pitchFamily="18" charset="0"/>
+              </a:rPr>
+              <a:t>(macro to be used:  DEEFITExtractPoints.cpp)</a:t>
+            </a:r>
+          </a:p>
+        </p:txBody>
+      </p:sp>
       <p:pic>
         <p:nvPicPr>
-          <p:cNvPr id="3" name="Picture 2"/>
+          <p:cNvPr id="9" name="Picture 8"/>
           <p:cNvPicPr>
             <a:picLocks noChangeAspect="1"/>
           </p:cNvPicPr>
@@ -7223,60 +7602,14 @@
         </p:blipFill>
         <p:spPr>
           <a:xfrm>
-            <a:off x="1021975" y="594392"/>
-            <a:ext cx="9618119" cy="6130399"/>
+            <a:off x="5600442" y="546848"/>
+            <a:ext cx="6492948" cy="6106228"/>
           </a:xfrm>
           <a:prstGeom prst="rect">
             <a:avLst/>
           </a:prstGeom>
         </p:spPr>
       </p:pic>
-      <p:sp>
-        <p:nvSpPr>
-          <p:cNvPr id="4" name="Oval 3"/>
-          <p:cNvSpPr/>
-          <p:nvPr/>
-        </p:nvSpPr>
-        <p:spPr>
-          <a:xfrm>
-            <a:off x="805543" y="4589928"/>
-            <a:ext cx="3552592" cy="514671"/>
-          </a:xfrm>
-          <a:prstGeom prst="ellipse">
-            <a:avLst/>
-          </a:prstGeom>
-          <a:noFill/>
-          <a:ln w="22225">
-            <a:solidFill>
-              <a:srgbClr val="FF0000"/>
-            </a:solidFill>
-          </a:ln>
-        </p:spPr>
-        <p:style>
-          <a:lnRef idx="2">
-            <a:schemeClr val="accent1">
-              <a:shade val="50000"/>
-            </a:schemeClr>
-          </a:lnRef>
-          <a:fillRef idx="1">
-            <a:schemeClr val="accent1"/>
-          </a:fillRef>
-          <a:effectRef idx="0">
-            <a:schemeClr val="accent1"/>
-          </a:effectRef>
-          <a:fontRef idx="minor">
-            <a:schemeClr val="lt1"/>
-          </a:fontRef>
-        </p:style>
-        <p:txBody>
-          <a:bodyPr rtlCol="0" anchor="ctr"/>
-          <a:lstStyle/>
-          <a:p>
-            <a:pPr algn="ctr"/>
-            <a:endParaRPr lang="en-US"/>
-          </a:p>
-        </p:txBody>
-      </p:sp>
     </p:spTree>
     <p:extLst>
       <p:ext uri="{BB962C8B-B14F-4D97-AF65-F5344CB8AC3E}">
@@ -7333,14 +7666,7 @@
                 <a:latin typeface="Times New Roman" panose="02020603050405020304" pitchFamily="18" charset="0"/>
                 <a:cs typeface="Times New Roman" panose="02020603050405020304" pitchFamily="18" charset="0"/>
               </a:rPr>
-              <a:t>To estimate the errors of ∆</a:t>
-            </a:r>
-            <a:r>
-              <a:rPr lang="en-US" b="1" u="sng" dirty="0" smtClean="0">
-                <a:latin typeface="Times New Roman" panose="02020603050405020304" pitchFamily="18" charset="0"/>
-                <a:cs typeface="Times New Roman" panose="02020603050405020304" pitchFamily="18" charset="0"/>
-              </a:rPr>
-              <a:t>E-E points: </a:t>
+              <a:t>To estimate the errors of ∆E-E points: </a:t>
             </a:r>
           </a:p>
           <a:p>
@@ -7386,51 +7712,37 @@
                 <a:latin typeface="Times New Roman" panose="02020603050405020304" pitchFamily="18" charset="0"/>
                 <a:cs typeface="Times New Roman" panose="02020603050405020304" pitchFamily="18" charset="0"/>
               </a:rPr>
-              <a:t>(1) </a:t>
+              <a:t>(1) For errors of voltage: </a:t>
+            </a:r>
+          </a:p>
+          <a:p>
+            <a:r>
+              <a:rPr lang="en-US" dirty="0">
+                <a:latin typeface="Times New Roman" panose="02020603050405020304" pitchFamily="18" charset="0"/>
+                <a:cs typeface="Times New Roman" panose="02020603050405020304" pitchFamily="18" charset="0"/>
+              </a:rPr>
+              <a:t> </a:t>
             </a:r>
             <a:r>
               <a:rPr lang="en-US" dirty="0" smtClean="0">
                 <a:latin typeface="Times New Roman" panose="02020603050405020304" pitchFamily="18" charset="0"/>
                 <a:cs typeface="Times New Roman" panose="02020603050405020304" pitchFamily="18" charset="0"/>
               </a:rPr>
-              <a:t>For errors of voltage: </a:t>
-            </a:r>
-          </a:p>
-          <a:p>
-            <a:r>
-              <a:rPr lang="en-US" dirty="0">
-                <a:latin typeface="Times New Roman" panose="02020603050405020304" pitchFamily="18" charset="0"/>
-                <a:cs typeface="Times New Roman" panose="02020603050405020304" pitchFamily="18" charset="0"/>
-              </a:rPr>
-              <a:t> </a:t>
+              <a:t>       </a:t>
+            </a:r>
+            <a:r>
+              <a:rPr lang="en-US" dirty="0" err="1" smtClean="0">
+                <a:latin typeface="Times New Roman" panose="02020603050405020304" pitchFamily="18" charset="0"/>
+                <a:cs typeface="Times New Roman" panose="02020603050405020304" pitchFamily="18" charset="0"/>
+              </a:rPr>
+              <a:t>CsIV</a:t>
             </a:r>
             <a:r>
               <a:rPr lang="en-US" dirty="0" smtClean="0">
                 <a:latin typeface="Times New Roman" panose="02020603050405020304" pitchFamily="18" charset="0"/>
                 <a:cs typeface="Times New Roman" panose="02020603050405020304" pitchFamily="18" charset="0"/>
               </a:rPr>
-              <a:t>       </a:t>
-            </a:r>
-            <a:r>
-              <a:rPr lang="en-US" dirty="0" err="1" smtClean="0">
-                <a:latin typeface="Times New Roman" panose="02020603050405020304" pitchFamily="18" charset="0"/>
-                <a:cs typeface="Times New Roman" panose="02020603050405020304" pitchFamily="18" charset="0"/>
-              </a:rPr>
-              <a:t>CsIV</a:t>
-            </a:r>
-            <a:r>
-              <a:rPr lang="en-US" dirty="0" smtClean="0">
-                <a:latin typeface="Times New Roman" panose="02020603050405020304" pitchFamily="18" charset="0"/>
-                <a:cs typeface="Times New Roman" panose="02020603050405020304" pitchFamily="18" charset="0"/>
-              </a:rPr>
-              <a:t>       = </a:t>
-            </a:r>
-            <a:r>
-              <a:rPr lang="en-US" dirty="0" smtClean="0">
-                <a:latin typeface="Times New Roman" panose="02020603050405020304" pitchFamily="18" charset="0"/>
-                <a:cs typeface="Times New Roman" panose="02020603050405020304" pitchFamily="18" charset="0"/>
-              </a:rPr>
-              <a:t> </a:t>
+              <a:t>       =  </a:t>
             </a:r>
             <a:r>
               <a:rPr lang="en-US" dirty="0" err="1" smtClean="0">
@@ -7579,51 +7891,30 @@
                 <a:latin typeface="Times New Roman" panose="02020603050405020304" pitchFamily="18" charset="0"/>
                 <a:cs typeface="Times New Roman" panose="02020603050405020304" pitchFamily="18" charset="0"/>
               </a:rPr>
-              <a:t>(2) </a:t>
-            </a:r>
+              <a:t>(2) For energy loss in Si:</a:t>
+            </a:r>
+          </a:p>
+          <a:p>
             <a:r>
               <a:rPr lang="en-US" dirty="0" smtClean="0">
                 <a:latin typeface="Times New Roman" panose="02020603050405020304" pitchFamily="18" charset="0"/>
                 <a:cs typeface="Times New Roman" panose="02020603050405020304" pitchFamily="18" charset="0"/>
               </a:rPr>
-              <a:t>For </a:t>
+              <a:t>        </a:t>
+            </a:r>
+            <a:r>
+              <a:rPr lang="en-US" dirty="0" err="1" smtClean="0">
+                <a:latin typeface="Times New Roman" panose="02020603050405020304" pitchFamily="18" charset="0"/>
+                <a:cs typeface="Times New Roman" panose="02020603050405020304" pitchFamily="18" charset="0"/>
+              </a:rPr>
+              <a:t>ESi</a:t>
             </a:r>
             <a:r>
               <a:rPr lang="en-US" dirty="0" smtClean="0">
                 <a:latin typeface="Times New Roman" panose="02020603050405020304" pitchFamily="18" charset="0"/>
                 <a:cs typeface="Times New Roman" panose="02020603050405020304" pitchFamily="18" charset="0"/>
               </a:rPr>
-              <a:t>energy loss in Si:</a:t>
-            </a:r>
-          </a:p>
-          <a:p>
-            <a:r>
-              <a:rPr lang="en-US" dirty="0" smtClean="0">
-                <a:latin typeface="Times New Roman" panose="02020603050405020304" pitchFamily="18" charset="0"/>
-                <a:cs typeface="Times New Roman" panose="02020603050405020304" pitchFamily="18" charset="0"/>
-              </a:rPr>
-              <a:t>        </a:t>
-            </a:r>
-            <a:r>
-              <a:rPr lang="en-US" dirty="0" err="1" smtClean="0">
-                <a:latin typeface="Times New Roman" panose="02020603050405020304" pitchFamily="18" charset="0"/>
-                <a:cs typeface="Times New Roman" panose="02020603050405020304" pitchFamily="18" charset="0"/>
-              </a:rPr>
-              <a:t>ESi</a:t>
-            </a:r>
-            <a:r>
-              <a:rPr lang="en-US" dirty="0" smtClean="0">
-                <a:latin typeface="Times New Roman" panose="02020603050405020304" pitchFamily="18" charset="0"/>
-                <a:cs typeface="Times New Roman" panose="02020603050405020304" pitchFamily="18" charset="0"/>
-              </a:rPr>
-              <a:t> </a:t>
-            </a:r>
-            <a:r>
-              <a:rPr lang="en-US" dirty="0" smtClean="0">
-                <a:latin typeface="Times New Roman" panose="02020603050405020304" pitchFamily="18" charset="0"/>
-                <a:cs typeface="Times New Roman" panose="02020603050405020304" pitchFamily="18" charset="0"/>
-              </a:rPr>
-              <a:t> = </a:t>
+              <a:t>  = </a:t>
             </a:r>
             <a:r>
               <a:rPr lang="en-US" dirty="0" smtClean="0"/>
@@ -7665,14 +7956,7 @@
                 <a:latin typeface="Times New Roman" panose="02020603050405020304" pitchFamily="18" charset="0"/>
                 <a:cs typeface="Times New Roman" panose="02020603050405020304" pitchFamily="18" charset="0"/>
               </a:rPr>
-              <a:t> </a:t>
-            </a:r>
-            <a:r>
-              <a:rPr lang="en-US" dirty="0" smtClean="0">
-                <a:latin typeface="Times New Roman" panose="02020603050405020304" pitchFamily="18" charset="0"/>
-                <a:cs typeface="Times New Roman" panose="02020603050405020304" pitchFamily="18" charset="0"/>
-              </a:rPr>
-              <a:t>= </a:t>
+              <a:t> = </a:t>
             </a:r>
             <a:r>
               <a:rPr lang="en-US" dirty="0"/>
@@ -7724,14 +8008,7 @@
                 <a:latin typeface="Times New Roman" panose="02020603050405020304" pitchFamily="18" charset="0"/>
                 <a:cs typeface="Times New Roman" panose="02020603050405020304" pitchFamily="18" charset="0"/>
               </a:rPr>
-              <a:t>(3) </a:t>
-            </a:r>
-            <a:r>
-              <a:rPr lang="en-US" dirty="0" smtClean="0">
-                <a:latin typeface="Times New Roman" panose="02020603050405020304" pitchFamily="18" charset="0"/>
-                <a:cs typeface="Times New Roman" panose="02020603050405020304" pitchFamily="18" charset="0"/>
-              </a:rPr>
-              <a:t>For errors of </a:t>
+              <a:t>(3) For errors of </a:t>
             </a:r>
             <a:r>
               <a:rPr lang="en-US" dirty="0" err="1" smtClean="0">
@@ -7777,6 +8054,40 @@
           </a:prstGeom>
         </p:spPr>
       </p:pic>
+      <p:sp>
+        <p:nvSpPr>
+          <p:cNvPr id="6" name="Rectangle 5"/>
+          <p:cNvSpPr/>
+          <p:nvPr/>
+        </p:nvSpPr>
+        <p:spPr>
+          <a:xfrm>
+            <a:off x="87086" y="536524"/>
+            <a:ext cx="4733027" cy="369332"/>
+          </a:xfrm>
+          <a:prstGeom prst="rect">
+            <a:avLst/>
+          </a:prstGeom>
+        </p:spPr>
+        <p:txBody>
+          <a:bodyPr wrap="none">
+            <a:spAutoFit/>
+          </a:bodyPr>
+          <a:lstStyle/>
+          <a:p>
+            <a:r>
+              <a:rPr lang="en-US" b="1" dirty="0">
+                <a:solidFill>
+                  <a:srgbClr val="81ABFF"/>
+                </a:solidFill>
+                <a:latin typeface="Times New Roman" panose="02020603050405020304" pitchFamily="18" charset="0"/>
+                <a:cs typeface="Times New Roman" panose="02020603050405020304" pitchFamily="18" charset="0"/>
+              </a:rPr>
+              <a:t>(macro to be used:  DEEFITReadCutFile.cpp)</a:t>
+            </a:r>
+          </a:p>
+        </p:txBody>
+      </p:sp>
     </p:spTree>
     <p:extLst>
       <p:ext uri="{BB962C8B-B14F-4D97-AF65-F5344CB8AC3E}">
@@ -9253,7 +9564,7 @@
         </p:nvSpPr>
         <p:spPr>
           <a:xfrm>
-            <a:off x="2181726" y="2284582"/>
+            <a:off x="2002432" y="2302512"/>
             <a:ext cx="8002181" cy="769441"/>
           </a:xfrm>
           <a:prstGeom prst="rect">
@@ -9304,7 +9615,33 @@
                 <a:latin typeface="Times New Roman" panose="02020603050405020304" pitchFamily="18" charset="0"/>
                 <a:cs typeface="Times New Roman" panose="02020603050405020304" pitchFamily="18" charset="0"/>
               </a:rPr>
-              <a:t>et kinematic points?</a:t>
+              <a:t>et </a:t>
+            </a:r>
+            <a:r>
+              <a:rPr lang="en-US" altLang="zh-CN" sz="4400" b="1" u="sng" dirty="0" smtClean="0">
+                <a:solidFill>
+                  <a:schemeClr val="tx1">
+                    <a:lumMod val="95000"/>
+                    <a:lumOff val="5000"/>
+                  </a:schemeClr>
+                </a:solidFill>
+                <a:latin typeface="Times New Roman" panose="02020603050405020304" pitchFamily="18" charset="0"/>
+                <a:cs typeface="Times New Roman" panose="02020603050405020304" pitchFamily="18" charset="0"/>
+              </a:rPr>
+              <a:t>kinematics </a:t>
+            </a:r>
+            <a:r>
+              <a:rPr lang="en-US" altLang="zh-CN" sz="4400" b="1" u="sng" dirty="0" smtClean="0">
+                <a:solidFill>
+                  <a:schemeClr val="tx1">
+                    <a:lumMod val="95000"/>
+                    <a:lumOff val="5000"/>
+                  </a:schemeClr>
+                </a:solidFill>
+                <a:latin typeface="Times New Roman" panose="02020603050405020304" pitchFamily="18" charset="0"/>
+                <a:cs typeface="Times New Roman" panose="02020603050405020304" pitchFamily="18" charset="0"/>
+              </a:rPr>
+              <a:t>points?</a:t>
             </a:r>
           </a:p>
         </p:txBody>
@@ -9347,8 +9684,8 @@
         </p:nvSpPr>
         <p:spPr>
           <a:xfrm>
-            <a:off x="107576" y="170988"/>
-            <a:ext cx="4899739" cy="369332"/>
+            <a:off x="0" y="101708"/>
+            <a:ext cx="3704860" cy="369332"/>
           </a:xfrm>
           <a:prstGeom prst="rect">
             <a:avLst/>
@@ -9365,21 +9702,7 @@
                 <a:latin typeface="Times New Roman" panose="02020603050405020304" pitchFamily="18" charset="0"/>
                 <a:cs typeface="Times New Roman" panose="02020603050405020304" pitchFamily="18" charset="0"/>
               </a:rPr>
-              <a:t>Step </a:t>
-            </a:r>
-            <a:r>
-              <a:rPr lang="en-US" b="1" u="sng" dirty="0">
-                <a:latin typeface="Times New Roman" panose="02020603050405020304" pitchFamily="18" charset="0"/>
-                <a:cs typeface="Times New Roman" panose="02020603050405020304" pitchFamily="18" charset="0"/>
-              </a:rPr>
-              <a:t>1</a:t>
-            </a:r>
-            <a:r>
-              <a:rPr lang="en-US" b="1" u="sng" dirty="0" smtClean="0">
-                <a:latin typeface="Times New Roman" panose="02020603050405020304" pitchFamily="18" charset="0"/>
-                <a:cs typeface="Times New Roman" panose="02020603050405020304" pitchFamily="18" charset="0"/>
-              </a:rPr>
-              <a:t>:  Build Histograms for Kinematics Lines </a:t>
+              <a:t>Extension: what is kinematics line? </a:t>
             </a:r>
             <a:endParaRPr lang="en-US" dirty="0" smtClean="0">
               <a:solidFill>
@@ -9393,14 +9716,14 @@
       </p:sp>
       <p:sp>
         <p:nvSpPr>
-          <p:cNvPr id="4" name="TextBox 3"/>
+          <p:cNvPr id="2" name="TextBox 1"/>
           <p:cNvSpPr txBox="1"/>
           <p:nvPr/>
         </p:nvSpPr>
         <p:spPr>
           <a:xfrm>
-            <a:off x="331693" y="540320"/>
-            <a:ext cx="8982635" cy="923330"/>
+            <a:off x="371191" y="733330"/>
+            <a:ext cx="10134506" cy="646331"/>
           </a:xfrm>
           <a:prstGeom prst="rect">
             <a:avLst/>
@@ -9408,168 +9731,48 @@
           <a:noFill/>
         </p:spPr>
         <p:txBody>
-          <a:bodyPr wrap="square" rtlCol="0">
+          <a:bodyPr wrap="none" rtlCol="0">
             <a:spAutoFit/>
           </a:bodyPr>
           <a:lstStyle/>
           <a:p>
-            <a:pPr marL="342900" indent="-342900">
-              <a:buAutoNum type="arabicParenBoth"/>
-            </a:pPr>
             <a:r>
               <a:rPr lang="en-US" dirty="0" smtClean="0">
                 <a:latin typeface="Times New Roman" panose="02020603050405020304" pitchFamily="18" charset="0"/>
                 <a:cs typeface="Times New Roman" panose="02020603050405020304" pitchFamily="18" charset="0"/>
               </a:rPr>
-              <a:t>The raw kinematics data can be saved as a tree with different branches, e.g.                      </a:t>
-            </a:r>
-            <a:r>
-              <a:rPr lang="en-US" dirty="0" err="1" smtClean="0">
-                <a:latin typeface="Times New Roman" panose="02020603050405020304" pitchFamily="18" charset="0"/>
-                <a:cs typeface="Times New Roman" panose="02020603050405020304" pitchFamily="18" charset="0"/>
-              </a:rPr>
-              <a:t>HiRA.fmulti</a:t>
+              <a:t>● For two-body reaction kinematics, the final states can be completely determined by the initial conditions:</a:t>
+            </a:r>
+          </a:p>
+          <a:p>
+            <a:r>
+              <a:rPr lang="en-US" b="1" i="1" dirty="0">
+                <a:solidFill>
+                  <a:srgbClr val="00B050"/>
+                </a:solidFill>
+                <a:latin typeface="Times New Roman" panose="02020603050405020304" pitchFamily="18" charset="0"/>
+                <a:cs typeface="Times New Roman" panose="02020603050405020304" pitchFamily="18" charset="0"/>
+              </a:rPr>
+              <a:t> </a:t>
+            </a:r>
+            <a:r>
+              <a:rPr lang="en-US" b="1" i="1" dirty="0" smtClean="0">
+                <a:solidFill>
+                  <a:srgbClr val="00B050"/>
+                </a:solidFill>
+                <a:latin typeface="Times New Roman" panose="02020603050405020304" pitchFamily="18" charset="0"/>
+                <a:cs typeface="Times New Roman" panose="02020603050405020304" pitchFamily="18" charset="0"/>
+              </a:rPr>
+              <a:t>   for a certain scattering angle, the energy of emitting particles are fixed</a:t>
             </a:r>
             <a:r>
               <a:rPr lang="en-US" dirty="0" smtClean="0">
                 <a:latin typeface="Times New Roman" panose="02020603050405020304" pitchFamily="18" charset="0"/>
                 <a:cs typeface="Times New Roman" panose="02020603050405020304" pitchFamily="18" charset="0"/>
               </a:rPr>
-              <a:t>, </a:t>
-            </a:r>
-            <a:r>
-              <a:rPr lang="en-US" dirty="0" err="1" smtClean="0">
-                <a:latin typeface="Times New Roman" panose="02020603050405020304" pitchFamily="18" charset="0"/>
-                <a:cs typeface="Times New Roman" panose="02020603050405020304" pitchFamily="18" charset="0"/>
-              </a:rPr>
-              <a:t>HiRA.fnumtel</a:t>
-            </a:r>
-            <a:r>
-              <a:rPr lang="en-US" dirty="0" smtClean="0">
-                <a:latin typeface="Times New Roman" panose="02020603050405020304" pitchFamily="18" charset="0"/>
-                <a:cs typeface="Times New Roman" panose="02020603050405020304" pitchFamily="18" charset="0"/>
-              </a:rPr>
-              <a:t>, </a:t>
-            </a:r>
-            <a:r>
-              <a:rPr lang="en-US" dirty="0" err="1" smtClean="0">
-                <a:latin typeface="Times New Roman" panose="02020603050405020304" pitchFamily="18" charset="0"/>
-                <a:cs typeface="Times New Roman" panose="02020603050405020304" pitchFamily="18" charset="0"/>
-              </a:rPr>
-              <a:t>HiRA.fnumcsi</a:t>
-            </a:r>
-            <a:r>
-              <a:rPr lang="en-US" dirty="0" smtClean="0">
-                <a:latin typeface="Times New Roman" panose="02020603050405020304" pitchFamily="18" charset="0"/>
-                <a:cs typeface="Times New Roman" panose="02020603050405020304" pitchFamily="18" charset="0"/>
-              </a:rPr>
-              <a:t>, </a:t>
-            </a:r>
-            <a:r>
-              <a:rPr lang="en-US" dirty="0" err="1" smtClean="0">
-                <a:latin typeface="Times New Roman" panose="02020603050405020304" pitchFamily="18" charset="0"/>
-                <a:cs typeface="Times New Roman" panose="02020603050405020304" pitchFamily="18" charset="0"/>
-              </a:rPr>
-              <a:t>HiRA.fEnergycsi</a:t>
-            </a:r>
-            <a:r>
-              <a:rPr lang="en-US" dirty="0" smtClean="0">
-                <a:latin typeface="Times New Roman" panose="02020603050405020304" pitchFamily="18" charset="0"/>
-                <a:cs typeface="Times New Roman" panose="02020603050405020304" pitchFamily="18" charset="0"/>
-              </a:rPr>
-              <a:t>, </a:t>
-            </a:r>
-            <a:r>
-              <a:rPr lang="en-US" dirty="0" err="1" smtClean="0">
-                <a:latin typeface="Times New Roman" panose="02020603050405020304" pitchFamily="18" charset="0"/>
-                <a:cs typeface="Times New Roman" panose="02020603050405020304" pitchFamily="18" charset="0"/>
-              </a:rPr>
-              <a:t>HiRA.fTheta</a:t>
-            </a:r>
-            <a:r>
-              <a:rPr lang="en-US" dirty="0">
-                <a:latin typeface="Times New Roman" panose="02020603050405020304" pitchFamily="18" charset="0"/>
-                <a:cs typeface="Times New Roman" panose="02020603050405020304" pitchFamily="18" charset="0"/>
-              </a:rPr>
-              <a:t> </a:t>
-            </a:r>
-            <a:r>
-              <a:rPr lang="en-US" dirty="0" smtClean="0">
-                <a:latin typeface="Times New Roman" panose="02020603050405020304" pitchFamily="18" charset="0"/>
-                <a:cs typeface="Times New Roman" panose="02020603050405020304" pitchFamily="18" charset="0"/>
-              </a:rPr>
-              <a:t>…</a:t>
-            </a:r>
-          </a:p>
-          <a:p>
-            <a:r>
-              <a:rPr lang="en-US" dirty="0">
-                <a:latin typeface="Times New Roman" panose="02020603050405020304" pitchFamily="18" charset="0"/>
-                <a:cs typeface="Times New Roman" panose="02020603050405020304" pitchFamily="18" charset="0"/>
-              </a:rPr>
-              <a:t> </a:t>
-            </a:r>
-            <a:r>
-              <a:rPr lang="en-US" dirty="0" smtClean="0">
-                <a:latin typeface="Times New Roman" panose="02020603050405020304" pitchFamily="18" charset="0"/>
-                <a:cs typeface="Times New Roman" panose="02020603050405020304" pitchFamily="18" charset="0"/>
-              </a:rPr>
-              <a:t>     </a:t>
-            </a:r>
-            <a:r>
-              <a:rPr lang="en-US" dirty="0" smtClean="0">
-                <a:solidFill>
-                  <a:srgbClr val="0070C0"/>
-                </a:solidFill>
-                <a:latin typeface="Times New Roman" panose="02020603050405020304" pitchFamily="18" charset="0"/>
-                <a:cs typeface="Times New Roman" panose="02020603050405020304" pitchFamily="18" charset="0"/>
-              </a:rPr>
-              <a:t>We need </a:t>
-            </a:r>
-            <a:r>
-              <a:rPr lang="en-US" b="1" dirty="0" err="1" smtClean="0">
-                <a:solidFill>
-                  <a:srgbClr val="FF0000"/>
-                </a:solidFill>
-                <a:latin typeface="Times New Roman" panose="02020603050405020304" pitchFamily="18" charset="0"/>
-                <a:cs typeface="Times New Roman" panose="02020603050405020304" pitchFamily="18" charset="0"/>
-              </a:rPr>
-              <a:t>HiRA.fEnergycsi</a:t>
-            </a:r>
-            <a:r>
-              <a:rPr lang="en-US" dirty="0" smtClean="0">
-                <a:solidFill>
-                  <a:srgbClr val="0070C0"/>
-                </a:solidFill>
-                <a:latin typeface="Times New Roman" panose="02020603050405020304" pitchFamily="18" charset="0"/>
-                <a:cs typeface="Times New Roman" panose="02020603050405020304" pitchFamily="18" charset="0"/>
-              </a:rPr>
-              <a:t> &amp;&amp; </a:t>
-            </a:r>
-            <a:r>
-              <a:rPr lang="en-US" dirty="0" err="1" smtClean="0">
-                <a:solidFill>
-                  <a:srgbClr val="FF0000"/>
-                </a:solidFill>
-                <a:latin typeface="Times New Roman" panose="02020603050405020304" pitchFamily="18" charset="0"/>
-                <a:cs typeface="Times New Roman" panose="02020603050405020304" pitchFamily="18" charset="0"/>
-              </a:rPr>
-              <a:t>HiRA.fTheta</a:t>
-            </a:r>
-            <a:r>
-              <a:rPr lang="en-US" dirty="0" smtClean="0">
-                <a:solidFill>
-                  <a:srgbClr val="0070C0"/>
-                </a:solidFill>
-                <a:latin typeface="Times New Roman" panose="02020603050405020304" pitchFamily="18" charset="0"/>
-                <a:cs typeface="Times New Roman" panose="02020603050405020304" pitchFamily="18" charset="0"/>
-              </a:rPr>
-              <a:t> to build the histograms of kinematics lines</a:t>
+              <a:t>. The correlation looks like: </a:t>
             </a:r>
             <a:endParaRPr lang="en-US" dirty="0">
-              <a:solidFill>
-                <a:srgbClr val="0070C0"/>
-              </a:solidFill>
               <a:latin typeface="Times New Roman" panose="02020603050405020304" pitchFamily="18" charset="0"/>
               <a:cs typeface="Times New Roman" panose="02020603050405020304" pitchFamily="18" charset="0"/>
             </a:endParaRPr>
@@ -9578,7 +9781,7 @@
       </p:sp>
       <p:pic>
         <p:nvPicPr>
-          <p:cNvPr id="6" name="图片 3"/>
+          <p:cNvPr id="4" name="Picture 3"/>
           <p:cNvPicPr>
             <a:picLocks noChangeAspect="1"/>
           </p:cNvPicPr>
@@ -9598,8 +9801,8 @@
         </p:blipFill>
         <p:spPr>
           <a:xfrm>
-            <a:off x="1287027" y="1630524"/>
-            <a:ext cx="2796990" cy="4700613"/>
+            <a:off x="1053526" y="1379661"/>
+            <a:ext cx="3591174" cy="3200677"/>
           </a:xfrm>
           <a:prstGeom prst="rect">
             <a:avLst/>
@@ -9608,101 +9811,45 @@
       </p:pic>
       <p:sp>
         <p:nvSpPr>
-          <p:cNvPr id="7" name="圆角矩形 5"/>
-          <p:cNvSpPr/>
-          <p:nvPr/>
-        </p:nvSpPr>
-        <p:spPr>
-          <a:xfrm>
-            <a:off x="1726297" y="3802208"/>
-            <a:ext cx="1306279" cy="178622"/>
-          </a:xfrm>
-          <a:prstGeom prst="roundRect">
+          <p:cNvPr id="5" name="文本框 6"/>
+          <p:cNvSpPr txBox="1"/>
+          <p:nvPr/>
+        </p:nvSpPr>
+        <p:spPr>
+          <a:xfrm>
+            <a:off x="2445128" y="1750099"/>
+            <a:ext cx="2519464" cy="369332"/>
+          </a:xfrm>
+          <a:prstGeom prst="rect">
             <a:avLst/>
           </a:prstGeom>
           <a:noFill/>
-          <a:ln w="15875">
-            <a:solidFill>
-              <a:srgbClr val="FF0000"/>
-            </a:solidFill>
-            <a:prstDash val="dash"/>
-          </a:ln>
-        </p:spPr>
-        <p:style>
-          <a:lnRef idx="2">
-            <a:schemeClr val="accent1">
-              <a:shade val="50000"/>
-            </a:schemeClr>
-          </a:lnRef>
-          <a:fillRef idx="1">
-            <a:schemeClr val="accent1"/>
-          </a:fillRef>
-          <a:effectRef idx="0">
-            <a:schemeClr val="accent1"/>
-          </a:effectRef>
-          <a:fontRef idx="minor">
-            <a:schemeClr val="lt1"/>
-          </a:fontRef>
-        </p:style>
-        <p:txBody>
-          <a:bodyPr rtlCol="0" anchor="ctr"/>
-          <a:lstStyle/>
-          <a:p>
-            <a:pPr algn="ctr"/>
-            <a:endParaRPr lang="zh-CN" altLang="en-US"/>
-          </a:p>
-        </p:txBody>
-      </p:sp>
-      <p:sp>
-        <p:nvSpPr>
-          <p:cNvPr id="8" name="圆角矩形 17"/>
-          <p:cNvSpPr/>
-          <p:nvPr/>
-        </p:nvSpPr>
-        <p:spPr>
-          <a:xfrm>
-            <a:off x="1726297" y="5546349"/>
-            <a:ext cx="1351999" cy="200338"/>
-          </a:xfrm>
-          <a:prstGeom prst="roundRect">
-            <a:avLst/>
-          </a:prstGeom>
-          <a:noFill/>
-          <a:ln w="15875">
-            <a:solidFill>
-              <a:srgbClr val="FF0000"/>
-            </a:solidFill>
-            <a:prstDash val="dash"/>
-          </a:ln>
-        </p:spPr>
-        <p:style>
-          <a:lnRef idx="2">
-            <a:schemeClr val="accent1">
-              <a:shade val="50000"/>
-            </a:schemeClr>
-          </a:lnRef>
-          <a:fillRef idx="1">
-            <a:schemeClr val="accent1"/>
-          </a:fillRef>
-          <a:effectRef idx="0">
-            <a:schemeClr val="accent1"/>
-          </a:effectRef>
-          <a:fontRef idx="minor">
-            <a:schemeClr val="lt1"/>
-          </a:fontRef>
-        </p:style>
-        <p:txBody>
-          <a:bodyPr rtlCol="0" anchor="ctr"/>
-          <a:lstStyle/>
-          <a:p>
-            <a:pPr algn="ctr"/>
-            <a:endParaRPr lang="zh-CN" altLang="en-US"/>
+        </p:spPr>
+        <p:txBody>
+          <a:bodyPr wrap="square" rtlCol="0">
+            <a:spAutoFit/>
+          </a:bodyPr>
+          <a:lstStyle/>
+          <a:p>
+            <a:r>
+              <a:rPr lang="en-US" altLang="zh-CN" dirty="0" smtClean="0">
+                <a:solidFill>
+                  <a:srgbClr val="FF0000"/>
+                </a:solidFill>
+              </a:rPr>
+              <a:t>NIM A 501(2003) 367</a:t>
+            </a:r>
+            <a:endParaRPr lang="zh-CN" altLang="en-US" dirty="0">
+              <a:solidFill>
+                <a:srgbClr val="FF0000"/>
+              </a:solidFill>
+            </a:endParaRPr>
           </a:p>
         </p:txBody>
       </p:sp>
       <p:pic>
         <p:nvPicPr>
-          <p:cNvPr id="9" name="图片 9"/>
+          <p:cNvPr id="6" name="图片 9"/>
           <p:cNvPicPr>
             <a:picLocks noChangeAspect="1"/>
           </p:cNvPicPr>
@@ -9722,8 +9869,8 @@
         </p:blipFill>
         <p:spPr>
           <a:xfrm>
-            <a:off x="5916707" y="2121006"/>
-            <a:ext cx="4982926" cy="3362404"/>
+            <a:off x="6695306" y="1551415"/>
+            <a:ext cx="4177907" cy="2819189"/>
           </a:xfrm>
           <a:prstGeom prst="rect">
             <a:avLst/>
@@ -9732,13 +9879,187 @@
       </p:pic>
       <p:sp>
         <p:nvSpPr>
-          <p:cNvPr id="10" name="文本框 6"/>
+          <p:cNvPr id="8" name="TextBox 7"/>
           <p:cNvSpPr txBox="1"/>
           <p:nvPr/>
         </p:nvSpPr>
         <p:spPr>
           <a:xfrm>
-            <a:off x="8408170" y="5298744"/>
+            <a:off x="371191" y="4765295"/>
+            <a:ext cx="8084906" cy="646331"/>
+          </a:xfrm>
+          <a:prstGeom prst="rect">
+            <a:avLst/>
+          </a:prstGeom>
+          <a:noFill/>
+        </p:spPr>
+        <p:txBody>
+          <a:bodyPr wrap="none" rtlCol="0">
+            <a:spAutoFit/>
+          </a:bodyPr>
+          <a:lstStyle/>
+          <a:p>
+            <a:r>
+              <a:rPr lang="en-US" dirty="0" smtClean="0">
+                <a:latin typeface="Times New Roman" panose="02020603050405020304" pitchFamily="18" charset="0"/>
+                <a:cs typeface="Times New Roman" panose="02020603050405020304" pitchFamily="18" charset="0"/>
+              </a:rPr>
+              <a:t>● The kinematics line should be a continuous line,  </a:t>
+            </a:r>
+            <a:r>
+              <a:rPr lang="en-US" b="1" i="1" dirty="0" smtClean="0">
+                <a:solidFill>
+                  <a:srgbClr val="00B050"/>
+                </a:solidFill>
+                <a:latin typeface="Times New Roman" panose="02020603050405020304" pitchFamily="18" charset="0"/>
+                <a:cs typeface="Times New Roman" panose="02020603050405020304" pitchFamily="18" charset="0"/>
+              </a:rPr>
+              <a:t>the range of angle is determined </a:t>
+            </a:r>
+          </a:p>
+          <a:p>
+            <a:r>
+              <a:rPr lang="en-US" b="1" i="1" dirty="0" smtClean="0">
+                <a:solidFill>
+                  <a:srgbClr val="00B050"/>
+                </a:solidFill>
+                <a:latin typeface="Times New Roman" panose="02020603050405020304" pitchFamily="18" charset="0"/>
+                <a:cs typeface="Times New Roman" panose="02020603050405020304" pitchFamily="18" charset="0"/>
+              </a:rPr>
+              <a:t>    by the size of the </a:t>
+            </a:r>
+            <a:r>
+              <a:rPr lang="en-US" b="1" i="1" dirty="0" err="1" smtClean="0">
+                <a:solidFill>
+                  <a:srgbClr val="00B050"/>
+                </a:solidFill>
+                <a:latin typeface="Times New Roman" panose="02020603050405020304" pitchFamily="18" charset="0"/>
+                <a:cs typeface="Times New Roman" panose="02020603050405020304" pitchFamily="18" charset="0"/>
+              </a:rPr>
+              <a:t>CsI</a:t>
+            </a:r>
+            <a:r>
+              <a:rPr lang="en-US" b="1" i="1" dirty="0" smtClean="0">
+                <a:solidFill>
+                  <a:srgbClr val="00B050"/>
+                </a:solidFill>
+                <a:latin typeface="Times New Roman" panose="02020603050405020304" pitchFamily="18" charset="0"/>
+                <a:cs typeface="Times New Roman" panose="02020603050405020304" pitchFamily="18" charset="0"/>
+              </a:rPr>
+              <a:t> crystal.</a:t>
+            </a:r>
+            <a:endParaRPr lang="en-US" b="1" i="1" dirty="0">
+              <a:solidFill>
+                <a:srgbClr val="00B050"/>
+              </a:solidFill>
+              <a:latin typeface="Times New Roman" panose="02020603050405020304" pitchFamily="18" charset="0"/>
+              <a:cs typeface="Times New Roman" panose="02020603050405020304" pitchFamily="18" charset="0"/>
+            </a:endParaRPr>
+          </a:p>
+        </p:txBody>
+      </p:sp>
+      <p:pic>
+        <p:nvPicPr>
+          <p:cNvPr id="9" name="Picture 20"/>
+          <p:cNvPicPr>
+            <a:picLocks noChangeAspect="1"/>
+          </p:cNvPicPr>
+          <p:nvPr/>
+        </p:nvPicPr>
+        <p:blipFill>
+          <a:blip r:embed="rId4"/>
+          <a:stretch>
+            <a:fillRect/>
+          </a:stretch>
+        </p:blipFill>
+        <p:spPr>
+          <a:xfrm>
+            <a:off x="8413007" y="4542358"/>
+            <a:ext cx="2309247" cy="2023449"/>
+          </a:xfrm>
+          <a:prstGeom prst="rect">
+            <a:avLst/>
+          </a:prstGeom>
+        </p:spPr>
+      </p:pic>
+      <p:sp>
+        <p:nvSpPr>
+          <p:cNvPr id="10" name="TextBox 9"/>
+          <p:cNvSpPr txBox="1"/>
+          <p:nvPr/>
+        </p:nvSpPr>
+        <p:spPr>
+          <a:xfrm>
+            <a:off x="354654" y="5720160"/>
+            <a:ext cx="8018542" cy="369332"/>
+          </a:xfrm>
+          <a:prstGeom prst="rect">
+            <a:avLst/>
+          </a:prstGeom>
+          <a:noFill/>
+        </p:spPr>
+        <p:txBody>
+          <a:bodyPr wrap="none" rtlCol="0">
+            <a:spAutoFit/>
+          </a:bodyPr>
+          <a:lstStyle/>
+          <a:p>
+            <a:r>
+              <a:rPr lang="en-US" dirty="0" smtClean="0">
+                <a:latin typeface="Times New Roman" panose="02020603050405020304" pitchFamily="18" charset="0"/>
+                <a:cs typeface="Times New Roman" panose="02020603050405020304" pitchFamily="18" charset="0"/>
+              </a:rPr>
+              <a:t>● </a:t>
+            </a:r>
+            <a:r>
+              <a:rPr lang="en-US" b="1" i="1" dirty="0" smtClean="0">
+                <a:solidFill>
+                  <a:srgbClr val="00B050"/>
+                </a:solidFill>
+                <a:latin typeface="Times New Roman" panose="02020603050405020304" pitchFamily="18" charset="0"/>
+                <a:cs typeface="Times New Roman" panose="02020603050405020304" pitchFamily="18" charset="0"/>
+              </a:rPr>
+              <a:t>The energy width of the kinematics line comes from the energy resolution of </a:t>
+            </a:r>
+            <a:r>
+              <a:rPr lang="en-US" b="1" i="1" dirty="0" err="1" smtClean="0">
+                <a:solidFill>
+                  <a:srgbClr val="00B050"/>
+                </a:solidFill>
+                <a:latin typeface="Times New Roman" panose="02020603050405020304" pitchFamily="18" charset="0"/>
+                <a:cs typeface="Times New Roman" panose="02020603050405020304" pitchFamily="18" charset="0"/>
+              </a:rPr>
+              <a:t>CsI</a:t>
+            </a:r>
+            <a:r>
+              <a:rPr lang="en-US" b="1" i="1" dirty="0" smtClean="0">
+                <a:solidFill>
+                  <a:srgbClr val="00B050"/>
+                </a:solidFill>
+                <a:latin typeface="Times New Roman" panose="02020603050405020304" pitchFamily="18" charset="0"/>
+                <a:cs typeface="Times New Roman" panose="02020603050405020304" pitchFamily="18" charset="0"/>
+              </a:rPr>
+              <a:t>.</a:t>
+            </a:r>
+            <a:endParaRPr lang="en-US" b="1" i="1" dirty="0">
+              <a:solidFill>
+                <a:srgbClr val="00B050"/>
+              </a:solidFill>
+              <a:latin typeface="Times New Roman" panose="02020603050405020304" pitchFamily="18" charset="0"/>
+              <a:cs typeface="Times New Roman" panose="02020603050405020304" pitchFamily="18" charset="0"/>
+            </a:endParaRPr>
+          </a:p>
+        </p:txBody>
+      </p:sp>
+      <p:sp>
+        <p:nvSpPr>
+          <p:cNvPr id="11" name="文本框 6"/>
+          <p:cNvSpPr txBox="1"/>
+          <p:nvPr/>
+        </p:nvSpPr>
+        <p:spPr>
+          <a:xfrm>
+            <a:off x="8540886" y="4173026"/>
             <a:ext cx="2519464" cy="369332"/>
           </a:xfrm>
           <a:prstGeom prst="rect">
@@ -9778,13 +10099,13 @@
       </p:sp>
       <p:sp>
         <p:nvSpPr>
-          <p:cNvPr id="11" name="文本框 7"/>
+          <p:cNvPr id="12" name="文本框 7"/>
           <p:cNvSpPr txBox="1"/>
           <p:nvPr/>
         </p:nvSpPr>
         <p:spPr>
           <a:xfrm rot="10800000">
-            <a:off x="5685874" y="2836068"/>
+            <a:off x="6518947" y="1924548"/>
             <a:ext cx="461665" cy="2110902"/>
           </a:xfrm>
           <a:prstGeom prst="rect">
@@ -9838,61 +10159,10 @@
           </a:p>
         </p:txBody>
       </p:sp>
-      <p:sp>
-        <p:nvSpPr>
-          <p:cNvPr id="12" name="Rectangle 11"/>
-          <p:cNvSpPr/>
-          <p:nvPr/>
-        </p:nvSpPr>
-        <p:spPr>
-          <a:xfrm>
-            <a:off x="8520292" y="3432876"/>
-            <a:ext cx="1736373" cy="369332"/>
-          </a:xfrm>
-          <a:prstGeom prst="rect">
-            <a:avLst/>
-          </a:prstGeom>
-        </p:spPr>
-        <p:txBody>
-          <a:bodyPr wrap="none">
-            <a:spAutoFit/>
-          </a:bodyPr>
-          <a:lstStyle/>
-          <a:p>
-            <a:r>
-              <a:rPr lang="en-US" dirty="0" smtClean="0">
-                <a:solidFill>
-                  <a:srgbClr val="0070C0"/>
-                </a:solidFill>
-                <a:latin typeface="Times New Roman" panose="02020603050405020304" pitchFamily="18" charset="0"/>
-                <a:cs typeface="Times New Roman" panose="02020603050405020304" pitchFamily="18" charset="0"/>
-              </a:rPr>
-              <a:t> </a:t>
-            </a:r>
-            <a:r>
-              <a:rPr lang="en-US" dirty="0">
-                <a:solidFill>
-                  <a:srgbClr val="FF0000"/>
-                </a:solidFill>
-                <a:latin typeface="Times New Roman" panose="02020603050405020304" pitchFamily="18" charset="0"/>
-                <a:cs typeface="Times New Roman" panose="02020603050405020304" pitchFamily="18" charset="0"/>
-              </a:rPr>
-              <a:t>kinematics lines</a:t>
-            </a:r>
-            <a:endParaRPr lang="en-US" dirty="0">
-              <a:solidFill>
-                <a:srgbClr val="FF0000"/>
-              </a:solidFill>
-              <a:latin typeface="Times New Roman" panose="02020603050405020304" pitchFamily="18" charset="0"/>
-              <a:cs typeface="Times New Roman" panose="02020603050405020304" pitchFamily="18" charset="0"/>
-            </a:endParaRPr>
-          </a:p>
-        </p:txBody>
-      </p:sp>
     </p:spTree>
     <p:extLst>
       <p:ext uri="{BB962C8B-B14F-4D97-AF65-F5344CB8AC3E}">
-        <p14:creationId xmlns:p14="http://schemas.microsoft.com/office/powerpoint/2010/main" val="125501784"/>
+        <p14:creationId xmlns:p14="http://schemas.microsoft.com/office/powerpoint/2010/main" val="6520857"/>
       </p:ext>
     </p:extLst>
   </p:cSld>
@@ -9927,8 +10197,8 @@
         </p:nvSpPr>
         <p:spPr>
           <a:xfrm>
-            <a:off x="0" y="101708"/>
-            <a:ext cx="3704860" cy="369332"/>
+            <a:off x="125179" y="179628"/>
+            <a:ext cx="4899739" cy="369332"/>
           </a:xfrm>
           <a:prstGeom prst="rect">
             <a:avLst/>
@@ -9945,7 +10215,21 @@
                 <a:latin typeface="Times New Roman" panose="02020603050405020304" pitchFamily="18" charset="0"/>
                 <a:cs typeface="Times New Roman" panose="02020603050405020304" pitchFamily="18" charset="0"/>
               </a:rPr>
-              <a:t>Extension: what is kinematics line? </a:t>
+              <a:t>Step </a:t>
+            </a:r>
+            <a:r>
+              <a:rPr lang="en-US" b="1" u="sng" dirty="0">
+                <a:latin typeface="Times New Roman" panose="02020603050405020304" pitchFamily="18" charset="0"/>
+                <a:cs typeface="Times New Roman" panose="02020603050405020304" pitchFamily="18" charset="0"/>
+              </a:rPr>
+              <a:t>1</a:t>
+            </a:r>
+            <a:r>
+              <a:rPr lang="en-US" b="1" u="sng" dirty="0" smtClean="0">
+                <a:latin typeface="Times New Roman" panose="02020603050405020304" pitchFamily="18" charset="0"/>
+                <a:cs typeface="Times New Roman" panose="02020603050405020304" pitchFamily="18" charset="0"/>
+              </a:rPr>
+              <a:t>:  Build Histograms for Kinematics Lines </a:t>
             </a:r>
             <a:endParaRPr lang="en-US" dirty="0" smtClean="0">
               <a:solidFill>
@@ -9957,10 +10241,552 @@
           </a:p>
         </p:txBody>
       </p:sp>
+      <p:sp>
+        <p:nvSpPr>
+          <p:cNvPr id="4" name="TextBox 3"/>
+          <p:cNvSpPr txBox="1"/>
+          <p:nvPr/>
+        </p:nvSpPr>
+        <p:spPr>
+          <a:xfrm>
+            <a:off x="251010" y="1003081"/>
+            <a:ext cx="8982635" cy="923330"/>
+          </a:xfrm>
+          <a:prstGeom prst="rect">
+            <a:avLst/>
+          </a:prstGeom>
+          <a:noFill/>
+        </p:spPr>
+        <p:txBody>
+          <a:bodyPr wrap="square" rtlCol="0">
+            <a:spAutoFit/>
+          </a:bodyPr>
+          <a:lstStyle/>
+          <a:p>
+            <a:pPr marL="342900" indent="-342900">
+              <a:buAutoNum type="arabicParenBoth"/>
+            </a:pPr>
+            <a:r>
+              <a:rPr lang="en-US" dirty="0" smtClean="0">
+                <a:latin typeface="Times New Roman" panose="02020603050405020304" pitchFamily="18" charset="0"/>
+                <a:cs typeface="Times New Roman" panose="02020603050405020304" pitchFamily="18" charset="0"/>
+              </a:rPr>
+              <a:t>The raw kinematics data can be saved as a tree with different branches, e.g.                      </a:t>
+            </a:r>
+            <a:r>
+              <a:rPr lang="en-US" dirty="0" err="1" smtClean="0">
+                <a:latin typeface="Times New Roman" panose="02020603050405020304" pitchFamily="18" charset="0"/>
+                <a:cs typeface="Times New Roman" panose="02020603050405020304" pitchFamily="18" charset="0"/>
+              </a:rPr>
+              <a:t>HiRA.fmulti</a:t>
+            </a:r>
+            <a:r>
+              <a:rPr lang="en-US" dirty="0" smtClean="0">
+                <a:latin typeface="Times New Roman" panose="02020603050405020304" pitchFamily="18" charset="0"/>
+                <a:cs typeface="Times New Roman" panose="02020603050405020304" pitchFamily="18" charset="0"/>
+              </a:rPr>
+              <a:t>, </a:t>
+            </a:r>
+            <a:r>
+              <a:rPr lang="en-US" dirty="0" err="1" smtClean="0">
+                <a:latin typeface="Times New Roman" panose="02020603050405020304" pitchFamily="18" charset="0"/>
+                <a:cs typeface="Times New Roman" panose="02020603050405020304" pitchFamily="18" charset="0"/>
+              </a:rPr>
+              <a:t>HiRA.fnumtel</a:t>
+            </a:r>
+            <a:r>
+              <a:rPr lang="en-US" dirty="0" smtClean="0">
+                <a:latin typeface="Times New Roman" panose="02020603050405020304" pitchFamily="18" charset="0"/>
+                <a:cs typeface="Times New Roman" panose="02020603050405020304" pitchFamily="18" charset="0"/>
+              </a:rPr>
+              <a:t>, </a:t>
+            </a:r>
+            <a:r>
+              <a:rPr lang="en-US" dirty="0" err="1" smtClean="0">
+                <a:latin typeface="Times New Roman" panose="02020603050405020304" pitchFamily="18" charset="0"/>
+                <a:cs typeface="Times New Roman" panose="02020603050405020304" pitchFamily="18" charset="0"/>
+              </a:rPr>
+              <a:t>HiRA.fnumcsi</a:t>
+            </a:r>
+            <a:r>
+              <a:rPr lang="en-US" dirty="0" smtClean="0">
+                <a:latin typeface="Times New Roman" panose="02020603050405020304" pitchFamily="18" charset="0"/>
+                <a:cs typeface="Times New Roman" panose="02020603050405020304" pitchFamily="18" charset="0"/>
+              </a:rPr>
+              <a:t>, </a:t>
+            </a:r>
+            <a:r>
+              <a:rPr lang="en-US" dirty="0" err="1" smtClean="0">
+                <a:latin typeface="Times New Roman" panose="02020603050405020304" pitchFamily="18" charset="0"/>
+                <a:cs typeface="Times New Roman" panose="02020603050405020304" pitchFamily="18" charset="0"/>
+              </a:rPr>
+              <a:t>HiRA.fEnergycsi</a:t>
+            </a:r>
+            <a:r>
+              <a:rPr lang="en-US" dirty="0" smtClean="0">
+                <a:latin typeface="Times New Roman" panose="02020603050405020304" pitchFamily="18" charset="0"/>
+                <a:cs typeface="Times New Roman" panose="02020603050405020304" pitchFamily="18" charset="0"/>
+              </a:rPr>
+              <a:t>, </a:t>
+            </a:r>
+            <a:r>
+              <a:rPr lang="en-US" dirty="0" err="1" smtClean="0">
+                <a:latin typeface="Times New Roman" panose="02020603050405020304" pitchFamily="18" charset="0"/>
+                <a:cs typeface="Times New Roman" panose="02020603050405020304" pitchFamily="18" charset="0"/>
+              </a:rPr>
+              <a:t>HiRA.fTheta</a:t>
+            </a:r>
+            <a:r>
+              <a:rPr lang="en-US" dirty="0">
+                <a:latin typeface="Times New Roman" panose="02020603050405020304" pitchFamily="18" charset="0"/>
+                <a:cs typeface="Times New Roman" panose="02020603050405020304" pitchFamily="18" charset="0"/>
+              </a:rPr>
+              <a:t> </a:t>
+            </a:r>
+            <a:r>
+              <a:rPr lang="en-US" dirty="0" smtClean="0">
+                <a:latin typeface="Times New Roman" panose="02020603050405020304" pitchFamily="18" charset="0"/>
+                <a:cs typeface="Times New Roman" panose="02020603050405020304" pitchFamily="18" charset="0"/>
+              </a:rPr>
+              <a:t>…</a:t>
+            </a:r>
+          </a:p>
+          <a:p>
+            <a:r>
+              <a:rPr lang="en-US" dirty="0">
+                <a:latin typeface="Times New Roman" panose="02020603050405020304" pitchFamily="18" charset="0"/>
+                <a:cs typeface="Times New Roman" panose="02020603050405020304" pitchFamily="18" charset="0"/>
+              </a:rPr>
+              <a:t> </a:t>
+            </a:r>
+            <a:r>
+              <a:rPr lang="en-US" dirty="0" smtClean="0">
+                <a:latin typeface="Times New Roman" panose="02020603050405020304" pitchFamily="18" charset="0"/>
+                <a:cs typeface="Times New Roman" panose="02020603050405020304" pitchFamily="18" charset="0"/>
+              </a:rPr>
+              <a:t>     </a:t>
+            </a:r>
+            <a:r>
+              <a:rPr lang="en-US" dirty="0" smtClean="0">
+                <a:solidFill>
+                  <a:srgbClr val="0070C0"/>
+                </a:solidFill>
+                <a:latin typeface="Times New Roman" panose="02020603050405020304" pitchFamily="18" charset="0"/>
+                <a:cs typeface="Times New Roman" panose="02020603050405020304" pitchFamily="18" charset="0"/>
+              </a:rPr>
+              <a:t>We need </a:t>
+            </a:r>
+            <a:r>
+              <a:rPr lang="en-US" b="1" dirty="0" err="1" smtClean="0">
+                <a:solidFill>
+                  <a:srgbClr val="FF0000"/>
+                </a:solidFill>
+                <a:latin typeface="Times New Roman" panose="02020603050405020304" pitchFamily="18" charset="0"/>
+                <a:cs typeface="Times New Roman" panose="02020603050405020304" pitchFamily="18" charset="0"/>
+              </a:rPr>
+              <a:t>HiRA.fEnergycsi</a:t>
+            </a:r>
+            <a:r>
+              <a:rPr lang="en-US" dirty="0" smtClean="0">
+                <a:solidFill>
+                  <a:srgbClr val="0070C0"/>
+                </a:solidFill>
+                <a:latin typeface="Times New Roman" panose="02020603050405020304" pitchFamily="18" charset="0"/>
+                <a:cs typeface="Times New Roman" panose="02020603050405020304" pitchFamily="18" charset="0"/>
+              </a:rPr>
+              <a:t> &amp;&amp; </a:t>
+            </a:r>
+            <a:r>
+              <a:rPr lang="en-US" dirty="0" err="1" smtClean="0">
+                <a:solidFill>
+                  <a:srgbClr val="FF0000"/>
+                </a:solidFill>
+                <a:latin typeface="Times New Roman" panose="02020603050405020304" pitchFamily="18" charset="0"/>
+                <a:cs typeface="Times New Roman" panose="02020603050405020304" pitchFamily="18" charset="0"/>
+              </a:rPr>
+              <a:t>HiRA.fTheta</a:t>
+            </a:r>
+            <a:r>
+              <a:rPr lang="en-US" dirty="0" smtClean="0">
+                <a:solidFill>
+                  <a:srgbClr val="0070C0"/>
+                </a:solidFill>
+                <a:latin typeface="Times New Roman" panose="02020603050405020304" pitchFamily="18" charset="0"/>
+                <a:cs typeface="Times New Roman" panose="02020603050405020304" pitchFamily="18" charset="0"/>
+              </a:rPr>
+              <a:t> to build the histograms of kinematics lines</a:t>
+            </a:r>
+            <a:endParaRPr lang="en-US" dirty="0">
+              <a:solidFill>
+                <a:srgbClr val="0070C0"/>
+              </a:solidFill>
+              <a:latin typeface="Times New Roman" panose="02020603050405020304" pitchFamily="18" charset="0"/>
+              <a:cs typeface="Times New Roman" panose="02020603050405020304" pitchFamily="18" charset="0"/>
+            </a:endParaRPr>
+          </a:p>
+        </p:txBody>
+      </p:sp>
+      <p:pic>
+        <p:nvPicPr>
+          <p:cNvPr id="6" name="图片 3"/>
+          <p:cNvPicPr>
+            <a:picLocks noChangeAspect="1"/>
+          </p:cNvPicPr>
+          <p:nvPr/>
+        </p:nvPicPr>
+        <p:blipFill>
+          <a:blip r:embed="rId2">
+            <a:extLst>
+              <a:ext uri="{28A0092B-C50C-407E-A947-70E740481C1C}">
+                <a14:useLocalDpi xmlns:a14="http://schemas.microsoft.com/office/drawing/2010/main" val="0"/>
+              </a:ext>
+            </a:extLst>
+          </a:blip>
+          <a:stretch>
+            <a:fillRect/>
+          </a:stretch>
+        </p:blipFill>
+        <p:spPr>
+          <a:xfrm>
+            <a:off x="2227928" y="2121006"/>
+            <a:ext cx="2796990" cy="4700613"/>
+          </a:xfrm>
+          <a:prstGeom prst="rect">
+            <a:avLst/>
+          </a:prstGeom>
+        </p:spPr>
+      </p:pic>
+      <p:sp>
+        <p:nvSpPr>
+          <p:cNvPr id="7" name="圆角矩形 5"/>
+          <p:cNvSpPr/>
+          <p:nvPr/>
+        </p:nvSpPr>
+        <p:spPr>
+          <a:xfrm>
+            <a:off x="2667198" y="4292690"/>
+            <a:ext cx="1306279" cy="178622"/>
+          </a:xfrm>
+          <a:prstGeom prst="roundRect">
+            <a:avLst/>
+          </a:prstGeom>
+          <a:noFill/>
+          <a:ln w="15875">
+            <a:solidFill>
+              <a:srgbClr val="FF0000"/>
+            </a:solidFill>
+            <a:prstDash val="dash"/>
+          </a:ln>
+        </p:spPr>
+        <p:style>
+          <a:lnRef idx="2">
+            <a:schemeClr val="accent1">
+              <a:shade val="50000"/>
+            </a:schemeClr>
+          </a:lnRef>
+          <a:fillRef idx="1">
+            <a:schemeClr val="accent1"/>
+          </a:fillRef>
+          <a:effectRef idx="0">
+            <a:schemeClr val="accent1"/>
+          </a:effectRef>
+          <a:fontRef idx="minor">
+            <a:schemeClr val="lt1"/>
+          </a:fontRef>
+        </p:style>
+        <p:txBody>
+          <a:bodyPr rtlCol="0" anchor="ctr"/>
+          <a:lstStyle/>
+          <a:p>
+            <a:pPr algn="ctr"/>
+            <a:endParaRPr lang="zh-CN" altLang="en-US"/>
+          </a:p>
+        </p:txBody>
+      </p:sp>
+      <p:sp>
+        <p:nvSpPr>
+          <p:cNvPr id="8" name="圆角矩形 17"/>
+          <p:cNvSpPr/>
+          <p:nvPr/>
+        </p:nvSpPr>
+        <p:spPr>
+          <a:xfrm>
+            <a:off x="2667198" y="6036831"/>
+            <a:ext cx="1351999" cy="200338"/>
+          </a:xfrm>
+          <a:prstGeom prst="roundRect">
+            <a:avLst/>
+          </a:prstGeom>
+          <a:noFill/>
+          <a:ln w="15875">
+            <a:solidFill>
+              <a:srgbClr val="FF0000"/>
+            </a:solidFill>
+            <a:prstDash val="dash"/>
+          </a:ln>
+        </p:spPr>
+        <p:style>
+          <a:lnRef idx="2">
+            <a:schemeClr val="accent1">
+              <a:shade val="50000"/>
+            </a:schemeClr>
+          </a:lnRef>
+          <a:fillRef idx="1">
+            <a:schemeClr val="accent1"/>
+          </a:fillRef>
+          <a:effectRef idx="0">
+            <a:schemeClr val="accent1"/>
+          </a:effectRef>
+          <a:fontRef idx="minor">
+            <a:schemeClr val="lt1"/>
+          </a:fontRef>
+        </p:style>
+        <p:txBody>
+          <a:bodyPr rtlCol="0" anchor="ctr"/>
+          <a:lstStyle/>
+          <a:p>
+            <a:pPr algn="ctr"/>
+            <a:endParaRPr lang="zh-CN" altLang="en-US"/>
+          </a:p>
+        </p:txBody>
+      </p:sp>
+      <p:pic>
+        <p:nvPicPr>
+          <p:cNvPr id="9" name="图片 9"/>
+          <p:cNvPicPr>
+            <a:picLocks noChangeAspect="1"/>
+          </p:cNvPicPr>
+          <p:nvPr/>
+        </p:nvPicPr>
+        <p:blipFill>
+          <a:blip r:embed="rId3">
+            <a:extLst>
+              <a:ext uri="{28A0092B-C50C-407E-A947-70E740481C1C}">
+                <a14:useLocalDpi xmlns:a14="http://schemas.microsoft.com/office/drawing/2010/main" val="0"/>
+              </a:ext>
+            </a:extLst>
+          </a:blip>
+          <a:stretch>
+            <a:fillRect/>
+          </a:stretch>
+        </p:blipFill>
+        <p:spPr>
+          <a:xfrm>
+            <a:off x="5916707" y="2121006"/>
+            <a:ext cx="4982926" cy="3362404"/>
+          </a:xfrm>
+          <a:prstGeom prst="rect">
+            <a:avLst/>
+          </a:prstGeom>
+        </p:spPr>
+      </p:pic>
+      <p:sp>
+        <p:nvSpPr>
+          <p:cNvPr id="10" name="文本框 6"/>
+          <p:cNvSpPr txBox="1"/>
+          <p:nvPr/>
+        </p:nvSpPr>
+        <p:spPr>
+          <a:xfrm>
+            <a:off x="8408170" y="5298744"/>
+            <a:ext cx="2519464" cy="369332"/>
+          </a:xfrm>
+          <a:prstGeom prst="rect">
+            <a:avLst/>
+          </a:prstGeom>
+          <a:noFill/>
+        </p:spPr>
+        <p:txBody>
+          <a:bodyPr wrap="square" rtlCol="0">
+            <a:spAutoFit/>
+          </a:bodyPr>
+          <a:lstStyle/>
+          <a:p>
+            <a:r>
+              <a:rPr lang="en-US" altLang="zh-CN" dirty="0" err="1" smtClean="0">
+                <a:solidFill>
+                  <a:srgbClr val="FF0000"/>
+                </a:solidFill>
+              </a:rPr>
+              <a:t>HiRA.fTheta</a:t>
+            </a:r>
+            <a:r>
+              <a:rPr lang="en-US" altLang="zh-CN" dirty="0" smtClean="0">
+                <a:solidFill>
+                  <a:srgbClr val="FF0000"/>
+                </a:solidFill>
+              </a:rPr>
+              <a:t>(Degree)</a:t>
+            </a:r>
+            <a:endParaRPr lang="zh-CN" altLang="en-US" dirty="0">
+              <a:solidFill>
+                <a:srgbClr val="FF0000"/>
+              </a:solidFill>
+            </a:endParaRPr>
+          </a:p>
+        </p:txBody>
+      </p:sp>
+      <p:sp>
+        <p:nvSpPr>
+          <p:cNvPr id="11" name="文本框 7"/>
+          <p:cNvSpPr txBox="1"/>
+          <p:nvPr/>
+        </p:nvSpPr>
+        <p:spPr>
+          <a:xfrm rot="10800000">
+            <a:off x="5685874" y="2836068"/>
+            <a:ext cx="461665" cy="2110902"/>
+          </a:xfrm>
+          <a:prstGeom prst="rect">
+            <a:avLst/>
+          </a:prstGeom>
+          <a:noFill/>
+        </p:spPr>
+        <p:txBody>
+          <a:bodyPr vert="eaVert" wrap="square" rtlCol="0">
+            <a:spAutoFit/>
+          </a:bodyPr>
+          <a:lstStyle/>
+          <a:p>
+            <a:r>
+              <a:rPr lang="en-US" altLang="zh-CN" dirty="0" err="1" smtClean="0">
+                <a:solidFill>
+                  <a:srgbClr val="FF0000"/>
+                </a:solidFill>
+              </a:rPr>
+              <a:t>HiRA.fEnergycsi</a:t>
+            </a:r>
+            <a:r>
+              <a:rPr lang="en-US" altLang="zh-CN" dirty="0" smtClean="0">
+                <a:solidFill>
+                  <a:srgbClr val="FF0000"/>
+                </a:solidFill>
+              </a:rPr>
+              <a:t> (</a:t>
+            </a:r>
+            <a:r>
+              <a:rPr lang="en-US" altLang="zh-CN" dirty="0" err="1" smtClean="0">
+                <a:solidFill>
+                  <a:srgbClr val="FF0000"/>
+                </a:solidFill>
+              </a:rPr>
+              <a:t>ch</a:t>
+            </a:r>
+            <a:r>
+              <a:rPr lang="en-US" altLang="zh-CN" dirty="0" smtClean="0">
+                <a:solidFill>
+                  <a:srgbClr val="FF0000"/>
+                </a:solidFill>
+              </a:rPr>
+              <a:t>)</a:t>
+            </a:r>
+            <a:endParaRPr lang="zh-CN" altLang="en-US" dirty="0">
+              <a:solidFill>
+                <a:srgbClr val="FF0000"/>
+              </a:solidFill>
+            </a:endParaRPr>
+          </a:p>
+        </p:txBody>
+      </p:sp>
+      <p:sp>
+        <p:nvSpPr>
+          <p:cNvPr id="12" name="Rectangle 11"/>
+          <p:cNvSpPr/>
+          <p:nvPr/>
+        </p:nvSpPr>
+        <p:spPr>
+          <a:xfrm>
+            <a:off x="8520292" y="3432876"/>
+            <a:ext cx="1736373" cy="369332"/>
+          </a:xfrm>
+          <a:prstGeom prst="rect">
+            <a:avLst/>
+          </a:prstGeom>
+        </p:spPr>
+        <p:txBody>
+          <a:bodyPr wrap="none">
+            <a:spAutoFit/>
+          </a:bodyPr>
+          <a:lstStyle/>
+          <a:p>
+            <a:r>
+              <a:rPr lang="en-US" dirty="0" smtClean="0">
+                <a:solidFill>
+                  <a:srgbClr val="0070C0"/>
+                </a:solidFill>
+                <a:latin typeface="Times New Roman" panose="02020603050405020304" pitchFamily="18" charset="0"/>
+                <a:cs typeface="Times New Roman" panose="02020603050405020304" pitchFamily="18" charset="0"/>
+              </a:rPr>
+              <a:t> </a:t>
+            </a:r>
+            <a:r>
+              <a:rPr lang="en-US" dirty="0">
+                <a:solidFill>
+                  <a:srgbClr val="FF0000"/>
+                </a:solidFill>
+                <a:latin typeface="Times New Roman" panose="02020603050405020304" pitchFamily="18" charset="0"/>
+                <a:cs typeface="Times New Roman" panose="02020603050405020304" pitchFamily="18" charset="0"/>
+              </a:rPr>
+              <a:t>kinematics lines</a:t>
+            </a:r>
+          </a:p>
+        </p:txBody>
+      </p:sp>
+      <p:sp>
+        <p:nvSpPr>
+          <p:cNvPr id="2" name="Rectangle 1"/>
+          <p:cNvSpPr/>
+          <p:nvPr/>
+        </p:nvSpPr>
+        <p:spPr>
+          <a:xfrm>
+            <a:off x="149965" y="508824"/>
+            <a:ext cx="8258205" cy="369332"/>
+          </a:xfrm>
+          <a:prstGeom prst="rect">
+            <a:avLst/>
+          </a:prstGeom>
+        </p:spPr>
+        <p:txBody>
+          <a:bodyPr wrap="square">
+            <a:spAutoFit/>
+          </a:bodyPr>
+          <a:lstStyle/>
+          <a:p>
+            <a:r>
+              <a:rPr lang="en-US" b="1" dirty="0">
+                <a:solidFill>
+                  <a:srgbClr val="81ABFF"/>
+                </a:solidFill>
+                <a:latin typeface="Times New Roman" panose="02020603050405020304" pitchFamily="18" charset="0"/>
+                <a:cs typeface="Times New Roman" panose="02020603050405020304" pitchFamily="18" charset="0"/>
+              </a:rPr>
+              <a:t>(macro to be used:  </a:t>
+            </a:r>
+            <a:r>
+              <a:rPr lang="en-US" b="1" dirty="0" smtClean="0">
+                <a:solidFill>
+                  <a:srgbClr val="81ABFF"/>
+                </a:solidFill>
+                <a:latin typeface="Times New Roman" panose="02020603050405020304" pitchFamily="18" charset="0"/>
+                <a:cs typeface="Times New Roman" panose="02020603050405020304" pitchFamily="18" charset="0"/>
+              </a:rPr>
+              <a:t>CsIKinematicLineBuildHistogram.cpp)</a:t>
+            </a:r>
+            <a:endParaRPr lang="en-US" b="1" u="sng" dirty="0">
+              <a:solidFill>
+                <a:srgbClr val="81ABFF"/>
+              </a:solidFill>
+              <a:latin typeface="Times New Roman" panose="02020603050405020304" pitchFamily="18" charset="0"/>
+              <a:cs typeface="Times New Roman" panose="02020603050405020304" pitchFamily="18" charset="0"/>
+            </a:endParaRPr>
+          </a:p>
+        </p:txBody>
+      </p:sp>
     </p:spTree>
     <p:extLst>
       <p:ext uri="{BB962C8B-B14F-4D97-AF65-F5344CB8AC3E}">
-        <p14:creationId xmlns:p14="http://schemas.microsoft.com/office/powerpoint/2010/main" val="6520857"/>
+        <p14:creationId xmlns:p14="http://schemas.microsoft.com/office/powerpoint/2010/main" val="125501784"/>
       </p:ext>
     </p:extLst>
   </p:cSld>
@@ -9987,6 +10813,945 @@
           <a:chExt cx="0" cy="0"/>
         </a:xfrm>
       </p:grpSpPr>
+      <p:sp>
+        <p:nvSpPr>
+          <p:cNvPr id="2" name="Rectangle 1"/>
+          <p:cNvSpPr/>
+          <p:nvPr/>
+        </p:nvSpPr>
+        <p:spPr>
+          <a:xfrm>
+            <a:off x="149945" y="170988"/>
+            <a:ext cx="4290598" cy="369332"/>
+          </a:xfrm>
+          <a:prstGeom prst="rect">
+            <a:avLst/>
+          </a:prstGeom>
+        </p:spPr>
+        <p:txBody>
+          <a:bodyPr wrap="none">
+            <a:spAutoFit/>
+          </a:bodyPr>
+          <a:lstStyle/>
+          <a:p>
+            <a:r>
+              <a:rPr lang="en-US" b="1" u="sng" dirty="0" smtClean="0">
+                <a:latin typeface="Times New Roman" panose="02020603050405020304" pitchFamily="18" charset="0"/>
+                <a:cs typeface="Times New Roman" panose="02020603050405020304" pitchFamily="18" charset="0"/>
+              </a:rPr>
+              <a:t>Step </a:t>
+            </a:r>
+            <a:r>
+              <a:rPr lang="en-US" b="1" u="sng" dirty="0" smtClean="0">
+                <a:latin typeface="Times New Roman" panose="02020603050405020304" pitchFamily="18" charset="0"/>
+                <a:cs typeface="Times New Roman" panose="02020603050405020304" pitchFamily="18" charset="0"/>
+              </a:rPr>
+              <a:t>2</a:t>
+            </a:r>
+            <a:r>
+              <a:rPr lang="en-US" b="1" u="sng" dirty="0" smtClean="0">
+                <a:latin typeface="Times New Roman" panose="02020603050405020304" pitchFamily="18" charset="0"/>
+                <a:cs typeface="Times New Roman" panose="02020603050405020304" pitchFamily="18" charset="0"/>
+              </a:rPr>
+              <a:t>: Make cuts for the kinematics lines</a:t>
+            </a:r>
+            <a:endParaRPr lang="en-US" dirty="0" smtClean="0">
+              <a:solidFill>
+                <a:srgbClr val="FF0000"/>
+              </a:solidFill>
+              <a:latin typeface="Times New Roman" panose="02020603050405020304" pitchFamily="18" charset="0"/>
+              <a:cs typeface="Times New Roman" panose="02020603050405020304" pitchFamily="18" charset="0"/>
+            </a:endParaRPr>
+          </a:p>
+        </p:txBody>
+      </p:sp>
+      <p:sp>
+        <p:nvSpPr>
+          <p:cNvPr id="3" name="Rectangle 2"/>
+          <p:cNvSpPr/>
+          <p:nvPr/>
+        </p:nvSpPr>
+        <p:spPr>
+          <a:xfrm>
+            <a:off x="204260" y="2321936"/>
+            <a:ext cx="11489499" cy="1477328"/>
+          </a:xfrm>
+          <a:prstGeom prst="rect">
+            <a:avLst/>
+          </a:prstGeom>
+        </p:spPr>
+        <p:txBody>
+          <a:bodyPr wrap="square">
+            <a:spAutoFit/>
+          </a:bodyPr>
+          <a:lstStyle/>
+          <a:p>
+            <a:r>
+              <a:rPr lang="en-US" altLang="zh-CN" dirty="0" smtClean="0">
+                <a:latin typeface="Times New Roman" panose="02020603050405020304" pitchFamily="18" charset="0"/>
+                <a:cs typeface="Times New Roman" panose="02020603050405020304" pitchFamily="18" charset="0"/>
+              </a:rPr>
+              <a:t>(1) Within </a:t>
+            </a:r>
+            <a:r>
+              <a:rPr lang="en-US" altLang="zh-CN" dirty="0">
+                <a:latin typeface="Times New Roman" panose="02020603050405020304" pitchFamily="18" charset="0"/>
+                <a:cs typeface="Times New Roman" panose="02020603050405020304" pitchFamily="18" charset="0"/>
+              </a:rPr>
+              <a:t>the cut region, take samples points of a constant bin step in X-axis, </a:t>
+            </a:r>
+            <a:endParaRPr lang="en-US" altLang="zh-CN" dirty="0" smtClean="0">
+              <a:latin typeface="Times New Roman" panose="02020603050405020304" pitchFamily="18" charset="0"/>
+              <a:cs typeface="Times New Roman" panose="02020603050405020304" pitchFamily="18" charset="0"/>
+            </a:endParaRPr>
+          </a:p>
+          <a:p>
+            <a:r>
+              <a:rPr lang="en-US" altLang="zh-CN" dirty="0" smtClean="0">
+                <a:latin typeface="Times New Roman" panose="02020603050405020304" pitchFamily="18" charset="0"/>
+                <a:cs typeface="Times New Roman" panose="02020603050405020304" pitchFamily="18" charset="0"/>
+              </a:rPr>
+              <a:t>         make </a:t>
+            </a:r>
+            <a:r>
+              <a:rPr lang="en-US" altLang="zh-CN" dirty="0">
+                <a:latin typeface="Times New Roman" panose="02020603050405020304" pitchFamily="18" charset="0"/>
+                <a:cs typeface="Times New Roman" panose="02020603050405020304" pitchFamily="18" charset="0"/>
+              </a:rPr>
+              <a:t>projection  </a:t>
+            </a:r>
+            <a:r>
+              <a:rPr lang="en-US" dirty="0">
+                <a:latin typeface="Times New Roman" panose="02020603050405020304" pitchFamily="18" charset="0"/>
+                <a:cs typeface="Times New Roman" panose="02020603050405020304" pitchFamily="18" charset="0"/>
+              </a:rPr>
+              <a:t>to </a:t>
+            </a:r>
+            <a:r>
+              <a:rPr lang="en-US" dirty="0" smtClean="0">
+                <a:latin typeface="Times New Roman" panose="02020603050405020304" pitchFamily="18" charset="0"/>
+                <a:cs typeface="Times New Roman" panose="02020603050405020304" pitchFamily="18" charset="0"/>
+              </a:rPr>
+              <a:t>Y-axis:</a:t>
+            </a:r>
+          </a:p>
+          <a:p>
+            <a:r>
+              <a:rPr lang="en-US" dirty="0" smtClean="0">
+                <a:latin typeface="Times New Roman" panose="02020603050405020304" pitchFamily="18" charset="0"/>
+                <a:cs typeface="Times New Roman" panose="02020603050405020304" pitchFamily="18" charset="0"/>
+              </a:rPr>
+              <a:t>         </a:t>
+            </a:r>
+            <a:r>
+              <a:rPr lang="en-US" altLang="zh-CN" dirty="0" smtClean="0">
+                <a:solidFill>
+                  <a:srgbClr val="00B050"/>
+                </a:solidFill>
+                <a:latin typeface="Times New Roman" panose="02020603050405020304" pitchFamily="18" charset="0"/>
+                <a:cs typeface="Times New Roman" panose="02020603050405020304" pitchFamily="18" charset="0"/>
+              </a:rPr>
+              <a:t>For </a:t>
+            </a:r>
+            <a:r>
+              <a:rPr lang="en-US" altLang="zh-CN" dirty="0">
+                <a:solidFill>
+                  <a:srgbClr val="00B050"/>
+                </a:solidFill>
+                <a:latin typeface="Times New Roman" panose="02020603050405020304" pitchFamily="18" charset="0"/>
+                <a:cs typeface="Times New Roman" panose="02020603050405020304" pitchFamily="18" charset="0"/>
+              </a:rPr>
+              <a:t>high statistics, do Gaussian Fit</a:t>
+            </a:r>
+          </a:p>
+          <a:p>
+            <a:r>
+              <a:rPr lang="en-US" altLang="zh-CN" dirty="0">
+                <a:solidFill>
+                  <a:srgbClr val="00B050"/>
+                </a:solidFill>
+                <a:latin typeface="Times New Roman" panose="02020603050405020304" pitchFamily="18" charset="0"/>
+                <a:cs typeface="Times New Roman" panose="02020603050405020304" pitchFamily="18" charset="0"/>
+              </a:rPr>
+              <a:t>   </a:t>
+            </a:r>
+            <a:r>
+              <a:rPr lang="en-US" altLang="zh-CN" dirty="0" smtClean="0">
+                <a:solidFill>
+                  <a:srgbClr val="00B050"/>
+                </a:solidFill>
+                <a:latin typeface="Times New Roman" panose="02020603050405020304" pitchFamily="18" charset="0"/>
+                <a:cs typeface="Times New Roman" panose="02020603050405020304" pitchFamily="18" charset="0"/>
+              </a:rPr>
+              <a:t>      For </a:t>
+            </a:r>
+            <a:r>
+              <a:rPr lang="en-US" altLang="zh-CN" dirty="0">
+                <a:solidFill>
+                  <a:srgbClr val="00B050"/>
+                </a:solidFill>
+                <a:latin typeface="Times New Roman" panose="02020603050405020304" pitchFamily="18" charset="0"/>
+                <a:cs typeface="Times New Roman" panose="02020603050405020304" pitchFamily="18" charset="0"/>
+              </a:rPr>
+              <a:t>low statistics, get mean </a:t>
+            </a:r>
+            <a:r>
+              <a:rPr lang="en-US" altLang="zh-CN" dirty="0" smtClean="0">
+                <a:solidFill>
+                  <a:srgbClr val="00B050"/>
+                </a:solidFill>
+                <a:latin typeface="Times New Roman" panose="02020603050405020304" pitchFamily="18" charset="0"/>
+                <a:cs typeface="Times New Roman" panose="02020603050405020304" pitchFamily="18" charset="0"/>
+              </a:rPr>
+              <a:t>values</a:t>
+            </a:r>
+          </a:p>
+          <a:p>
+            <a:r>
+              <a:rPr lang="en-US" dirty="0" smtClean="0">
+                <a:solidFill>
+                  <a:srgbClr val="00B050"/>
+                </a:solidFill>
+                <a:latin typeface="Times New Roman" panose="02020603050405020304" pitchFamily="18" charset="0"/>
+                <a:cs typeface="Times New Roman" panose="02020603050405020304" pitchFamily="18" charset="0"/>
+              </a:rPr>
+              <a:t>              </a:t>
+            </a:r>
+            <a:endParaRPr lang="en-US" dirty="0">
+              <a:solidFill>
+                <a:srgbClr val="00B050"/>
+              </a:solidFill>
+              <a:latin typeface="Times New Roman" panose="02020603050405020304" pitchFamily="18" charset="0"/>
+              <a:cs typeface="Times New Roman" panose="02020603050405020304" pitchFamily="18" charset="0"/>
+            </a:endParaRPr>
+          </a:p>
+        </p:txBody>
+      </p:sp>
+      <p:sp>
+        <p:nvSpPr>
+          <p:cNvPr id="4" name="Rectangle 3"/>
+          <p:cNvSpPr/>
+          <p:nvPr/>
+        </p:nvSpPr>
+        <p:spPr>
+          <a:xfrm>
+            <a:off x="149945" y="540320"/>
+            <a:ext cx="9615873" cy="923330"/>
+          </a:xfrm>
+          <a:prstGeom prst="rect">
+            <a:avLst/>
+          </a:prstGeom>
+        </p:spPr>
+        <p:txBody>
+          <a:bodyPr wrap="square">
+            <a:spAutoFit/>
+          </a:bodyPr>
+          <a:lstStyle/>
+          <a:p>
+            <a:r>
+              <a:rPr lang="en-US" b="1" dirty="0" smtClean="0">
+                <a:solidFill>
+                  <a:srgbClr val="81ABFF"/>
+                </a:solidFill>
+                <a:latin typeface="Times New Roman" panose="02020603050405020304" pitchFamily="18" charset="0"/>
+                <a:cs typeface="Times New Roman" panose="02020603050405020304" pitchFamily="18" charset="0"/>
+              </a:rPr>
+              <a:t>(</a:t>
+            </a:r>
+            <a:r>
+              <a:rPr lang="en-US" b="1" dirty="0">
+                <a:solidFill>
+                  <a:srgbClr val="81ABFF"/>
+                </a:solidFill>
+                <a:latin typeface="Times New Roman" panose="02020603050405020304" pitchFamily="18" charset="0"/>
+                <a:cs typeface="Times New Roman" panose="02020603050405020304" pitchFamily="18" charset="0"/>
+              </a:rPr>
+              <a:t>macro to be used:  CsIKinematicHistogramCutForProtons.cpp</a:t>
+            </a:r>
+            <a:r>
+              <a:rPr lang="en-US" b="1" dirty="0" smtClean="0">
+                <a:solidFill>
+                  <a:srgbClr val="81ABFF"/>
+                </a:solidFill>
+                <a:latin typeface="Times New Roman" panose="02020603050405020304" pitchFamily="18" charset="0"/>
+                <a:cs typeface="Times New Roman" panose="02020603050405020304" pitchFamily="18" charset="0"/>
+              </a:rPr>
+              <a:t>)</a:t>
+            </a:r>
+            <a:endParaRPr lang="en-US" altLang="zh-CN" dirty="0" smtClean="0">
+              <a:solidFill>
+                <a:srgbClr val="81ABFF"/>
+              </a:solidFill>
+              <a:latin typeface="Times New Roman" panose="02020603050405020304" pitchFamily="18" charset="0"/>
+              <a:cs typeface="Times New Roman" panose="02020603050405020304" pitchFamily="18" charset="0"/>
+            </a:endParaRPr>
+          </a:p>
+          <a:p>
+            <a:r>
+              <a:rPr lang="en-US" altLang="zh-CN" dirty="0" smtClean="0">
+                <a:latin typeface="Times New Roman" panose="02020603050405020304" pitchFamily="18" charset="0"/>
+                <a:cs typeface="Times New Roman" panose="02020603050405020304" pitchFamily="18" charset="0"/>
+              </a:rPr>
+              <a:t>(1) Make cuts for all the kinematics lines (maybe no kinematics lines for some telescopes )</a:t>
+            </a:r>
+          </a:p>
+          <a:p>
+            <a:endParaRPr lang="en-US" dirty="0">
+              <a:latin typeface="Times New Roman" panose="02020603050405020304" pitchFamily="18" charset="0"/>
+              <a:cs typeface="Times New Roman" panose="02020603050405020304" pitchFamily="18" charset="0"/>
+            </a:endParaRPr>
+          </a:p>
+        </p:txBody>
+      </p:sp>
+      <p:sp>
+        <p:nvSpPr>
+          <p:cNvPr id="5" name="Rectangle 4"/>
+          <p:cNvSpPr/>
+          <p:nvPr/>
+        </p:nvSpPr>
+        <p:spPr>
+          <a:xfrm>
+            <a:off x="209443" y="1549929"/>
+            <a:ext cx="4681731" cy="369332"/>
+          </a:xfrm>
+          <a:prstGeom prst="rect">
+            <a:avLst/>
+          </a:prstGeom>
+        </p:spPr>
+        <p:txBody>
+          <a:bodyPr wrap="none">
+            <a:spAutoFit/>
+          </a:bodyPr>
+          <a:lstStyle/>
+          <a:p>
+            <a:r>
+              <a:rPr lang="en-US" b="1" u="sng" dirty="0" smtClean="0">
+                <a:latin typeface="Times New Roman" panose="02020603050405020304" pitchFamily="18" charset="0"/>
+                <a:cs typeface="Times New Roman" panose="02020603050405020304" pitchFamily="18" charset="0"/>
+              </a:rPr>
+              <a:t>Step </a:t>
+            </a:r>
+            <a:r>
+              <a:rPr lang="en-US" b="1" u="sng" dirty="0">
+                <a:latin typeface="Times New Roman" panose="02020603050405020304" pitchFamily="18" charset="0"/>
+                <a:cs typeface="Times New Roman" panose="02020603050405020304" pitchFamily="18" charset="0"/>
+              </a:rPr>
+              <a:t>3</a:t>
+            </a:r>
+            <a:r>
+              <a:rPr lang="en-US" b="1" u="sng" dirty="0" smtClean="0">
+                <a:latin typeface="Times New Roman" panose="02020603050405020304" pitchFamily="18" charset="0"/>
+                <a:cs typeface="Times New Roman" panose="02020603050405020304" pitchFamily="18" charset="0"/>
+              </a:rPr>
+              <a:t>: Make projection to get the data points</a:t>
+            </a:r>
+            <a:endParaRPr lang="en-US" dirty="0" smtClean="0">
+              <a:solidFill>
+                <a:srgbClr val="FF0000"/>
+              </a:solidFill>
+              <a:latin typeface="Times New Roman" panose="02020603050405020304" pitchFamily="18" charset="0"/>
+              <a:cs typeface="Times New Roman" panose="02020603050405020304" pitchFamily="18" charset="0"/>
+            </a:endParaRPr>
+          </a:p>
+        </p:txBody>
+      </p:sp>
+      <p:sp>
+        <p:nvSpPr>
+          <p:cNvPr id="6" name="Rectangle 5"/>
+          <p:cNvSpPr/>
+          <p:nvPr/>
+        </p:nvSpPr>
+        <p:spPr>
+          <a:xfrm>
+            <a:off x="204260" y="1934636"/>
+            <a:ext cx="9373828" cy="369332"/>
+          </a:xfrm>
+          <a:prstGeom prst="rect">
+            <a:avLst/>
+          </a:prstGeom>
+        </p:spPr>
+        <p:txBody>
+          <a:bodyPr wrap="square">
+            <a:spAutoFit/>
+          </a:bodyPr>
+          <a:lstStyle/>
+          <a:p>
+            <a:r>
+              <a:rPr lang="en-US" b="1" dirty="0">
+                <a:solidFill>
+                  <a:srgbClr val="81ABFF"/>
+                </a:solidFill>
+                <a:latin typeface="Times New Roman" panose="02020603050405020304" pitchFamily="18" charset="0"/>
+                <a:cs typeface="Times New Roman" panose="02020603050405020304" pitchFamily="18" charset="0"/>
+              </a:rPr>
+              <a:t>(macro to be used:  CsIKinematicLineProjection.cpp)</a:t>
+            </a:r>
+            <a:endParaRPr lang="en-US" altLang="zh-CN" dirty="0">
+              <a:solidFill>
+                <a:srgbClr val="81ABFF"/>
+              </a:solidFill>
+              <a:latin typeface="Times New Roman" panose="02020603050405020304" pitchFamily="18" charset="0"/>
+              <a:cs typeface="Times New Roman" panose="02020603050405020304" pitchFamily="18" charset="0"/>
+            </a:endParaRPr>
+          </a:p>
+        </p:txBody>
+      </p:sp>
+      <p:sp>
+        <p:nvSpPr>
+          <p:cNvPr id="7" name="Rectangle 6"/>
+          <p:cNvSpPr/>
+          <p:nvPr/>
+        </p:nvSpPr>
+        <p:spPr>
+          <a:xfrm>
+            <a:off x="320801" y="3432622"/>
+            <a:ext cx="6902823" cy="369332"/>
+          </a:xfrm>
+          <a:prstGeom prst="rect">
+            <a:avLst/>
+          </a:prstGeom>
+        </p:spPr>
+        <p:txBody>
+          <a:bodyPr wrap="square">
+            <a:spAutoFit/>
+          </a:bodyPr>
+          <a:lstStyle/>
+          <a:p>
+            <a:pPr marL="285750" indent="-285750">
+              <a:buFont typeface="Symbol" panose="05050102010706020507" pitchFamily="18" charset="2"/>
+              <a:buChar char="Þ"/>
+            </a:pPr>
+            <a:r>
+              <a:rPr lang="en-US" b="1" i="1" dirty="0" err="1">
+                <a:latin typeface="Times New Roman" panose="02020603050405020304" pitchFamily="18" charset="0"/>
+                <a:cs typeface="Times New Roman" panose="02020603050405020304" pitchFamily="18" charset="0"/>
+              </a:rPr>
+              <a:t>ThetaMean</a:t>
+            </a:r>
+            <a:r>
+              <a:rPr lang="en-US" b="1" i="1" dirty="0">
+                <a:latin typeface="Times New Roman" panose="02020603050405020304" pitchFamily="18" charset="0"/>
+                <a:cs typeface="Times New Roman" panose="02020603050405020304" pitchFamily="18" charset="0"/>
+              </a:rPr>
+              <a:t>, </a:t>
+            </a:r>
+            <a:r>
+              <a:rPr lang="en-US" b="1" i="1" dirty="0" err="1">
+                <a:latin typeface="Times New Roman" panose="02020603050405020304" pitchFamily="18" charset="0"/>
+                <a:cs typeface="Times New Roman" panose="02020603050405020304" pitchFamily="18" charset="0"/>
+              </a:rPr>
+              <a:t>ThetaMin</a:t>
+            </a:r>
+            <a:r>
+              <a:rPr lang="en-US" b="1" i="1" dirty="0">
+                <a:latin typeface="Times New Roman" panose="02020603050405020304" pitchFamily="18" charset="0"/>
+                <a:cs typeface="Times New Roman" panose="02020603050405020304" pitchFamily="18" charset="0"/>
+              </a:rPr>
+              <a:t>, </a:t>
+            </a:r>
+            <a:r>
+              <a:rPr lang="en-US" b="1" i="1" dirty="0" err="1">
+                <a:latin typeface="Times New Roman" panose="02020603050405020304" pitchFamily="18" charset="0"/>
+                <a:cs typeface="Times New Roman" panose="02020603050405020304" pitchFamily="18" charset="0"/>
+              </a:rPr>
+              <a:t>ThetaMax</a:t>
+            </a:r>
+            <a:r>
+              <a:rPr lang="en-US" b="1" i="1" dirty="0">
+                <a:latin typeface="Times New Roman" panose="02020603050405020304" pitchFamily="18" charset="0"/>
+                <a:cs typeface="Times New Roman" panose="02020603050405020304" pitchFamily="18" charset="0"/>
+              </a:rPr>
+              <a:t> </a:t>
+            </a:r>
+            <a:r>
+              <a:rPr lang="en-US" b="1" i="1" dirty="0" smtClean="0">
+                <a:latin typeface="Times New Roman" panose="02020603050405020304" pitchFamily="18" charset="0"/>
+                <a:cs typeface="Times New Roman" panose="02020603050405020304" pitchFamily="18" charset="0"/>
+              </a:rPr>
+              <a:t> &amp;&amp; </a:t>
+            </a:r>
+            <a:r>
+              <a:rPr lang="en-US" b="1" i="1" dirty="0" err="1" smtClean="0">
+                <a:latin typeface="Times New Roman" panose="02020603050405020304" pitchFamily="18" charset="0"/>
+                <a:cs typeface="Times New Roman" panose="02020603050405020304" pitchFamily="18" charset="0"/>
+              </a:rPr>
+              <a:t>ECsI_Ch</a:t>
+            </a:r>
+            <a:r>
+              <a:rPr lang="en-US" b="1" i="1" dirty="0" smtClean="0">
+                <a:latin typeface="Times New Roman" panose="02020603050405020304" pitchFamily="18" charset="0"/>
+                <a:cs typeface="Times New Roman" panose="02020603050405020304" pitchFamily="18" charset="0"/>
+              </a:rPr>
+              <a:t>, </a:t>
+            </a:r>
+            <a:r>
+              <a:rPr lang="en-US" b="1" i="1" dirty="0" err="1" smtClean="0">
+                <a:latin typeface="Times New Roman" panose="02020603050405020304" pitchFamily="18" charset="0"/>
+                <a:cs typeface="Times New Roman" panose="02020603050405020304" pitchFamily="18" charset="0"/>
+              </a:rPr>
+              <a:t>err_ECsI_Ch</a:t>
+            </a:r>
+            <a:r>
+              <a:rPr lang="en-US" b="1" i="1" dirty="0">
+                <a:latin typeface="Times New Roman" panose="02020603050405020304" pitchFamily="18" charset="0"/>
+                <a:cs typeface="Times New Roman" panose="02020603050405020304" pitchFamily="18" charset="0"/>
+              </a:rPr>
+              <a:t> </a:t>
+            </a:r>
+            <a:r>
+              <a:rPr lang="en-US" b="1" i="1" dirty="0" smtClean="0">
+                <a:latin typeface="Times New Roman" panose="02020603050405020304" pitchFamily="18" charset="0"/>
+                <a:cs typeface="Times New Roman" panose="02020603050405020304" pitchFamily="18" charset="0"/>
+              </a:rPr>
+              <a:t>  </a:t>
+            </a:r>
+          </a:p>
+        </p:txBody>
+      </p:sp>
+      <p:sp>
+        <p:nvSpPr>
+          <p:cNvPr id="8" name="Rectangle 7"/>
+          <p:cNvSpPr/>
+          <p:nvPr/>
+        </p:nvSpPr>
+        <p:spPr>
+          <a:xfrm>
+            <a:off x="204260" y="4085935"/>
+            <a:ext cx="11489499" cy="646331"/>
+          </a:xfrm>
+          <a:prstGeom prst="rect">
+            <a:avLst/>
+          </a:prstGeom>
+        </p:spPr>
+        <p:txBody>
+          <a:bodyPr wrap="square">
+            <a:spAutoFit/>
+          </a:bodyPr>
+          <a:lstStyle/>
+          <a:p>
+            <a:r>
+              <a:rPr lang="en-US" altLang="zh-CN" dirty="0" smtClean="0">
+                <a:latin typeface="Times New Roman" panose="02020603050405020304" pitchFamily="18" charset="0"/>
+                <a:cs typeface="Times New Roman" panose="02020603050405020304" pitchFamily="18" charset="0"/>
+              </a:rPr>
+              <a:t>(2) Use </a:t>
+            </a:r>
+            <a:r>
+              <a:rPr lang="en-US" altLang="zh-CN" dirty="0" err="1" smtClean="0">
+                <a:latin typeface="Times New Roman" panose="02020603050405020304" pitchFamily="18" charset="0"/>
+                <a:cs typeface="Times New Roman" panose="02020603050405020304" pitchFamily="18" charset="0"/>
+              </a:rPr>
+              <a:t>ECsI_Ch</a:t>
+            </a:r>
+            <a:r>
+              <a:rPr lang="en-US" altLang="zh-CN" dirty="0">
+                <a:latin typeface="Times New Roman" panose="02020603050405020304" pitchFamily="18" charset="0"/>
+                <a:cs typeface="Times New Roman" panose="02020603050405020304" pitchFamily="18" charset="0"/>
+              </a:rPr>
+              <a:t> </a:t>
+            </a:r>
+            <a:r>
+              <a:rPr lang="en-US" altLang="zh-CN" dirty="0" smtClean="0">
+                <a:latin typeface="Times New Roman" panose="02020603050405020304" pitchFamily="18" charset="0"/>
+                <a:cs typeface="Times New Roman" panose="02020603050405020304" pitchFamily="18" charset="0"/>
+              </a:rPr>
+              <a:t>, </a:t>
+            </a:r>
+            <a:r>
+              <a:rPr lang="en-US" altLang="zh-CN" dirty="0" err="1" smtClean="0">
+                <a:latin typeface="Times New Roman" panose="02020603050405020304" pitchFamily="18" charset="0"/>
+                <a:cs typeface="Times New Roman" panose="02020603050405020304" pitchFamily="18" charset="0"/>
+              </a:rPr>
+              <a:t>ThetaMean</a:t>
+            </a:r>
+            <a:r>
+              <a:rPr lang="en-US" altLang="zh-CN" dirty="0" smtClean="0">
+                <a:latin typeface="Times New Roman" panose="02020603050405020304" pitchFamily="18" charset="0"/>
+                <a:cs typeface="Times New Roman" panose="02020603050405020304" pitchFamily="18" charset="0"/>
+              </a:rPr>
+              <a:t> to calculate </a:t>
+            </a:r>
+            <a:r>
+              <a:rPr lang="en-US" altLang="zh-CN" dirty="0" err="1" smtClean="0">
+                <a:latin typeface="Times New Roman" panose="02020603050405020304" pitchFamily="18" charset="0"/>
+                <a:cs typeface="Times New Roman" panose="02020603050405020304" pitchFamily="18" charset="0"/>
+              </a:rPr>
+              <a:t>CsI_V</a:t>
+            </a:r>
+            <a:r>
+              <a:rPr lang="en-US" altLang="zh-CN" dirty="0" smtClean="0">
+                <a:latin typeface="Times New Roman" panose="02020603050405020304" pitchFamily="18" charset="0"/>
+                <a:cs typeface="Times New Roman" panose="02020603050405020304" pitchFamily="18" charset="0"/>
+              </a:rPr>
+              <a:t> and </a:t>
+            </a:r>
+            <a:r>
+              <a:rPr lang="en-US" altLang="zh-CN" dirty="0" err="1" smtClean="0">
+                <a:latin typeface="Times New Roman" panose="02020603050405020304" pitchFamily="18" charset="0"/>
+                <a:cs typeface="Times New Roman" panose="02020603050405020304" pitchFamily="18" charset="0"/>
+              </a:rPr>
+              <a:t>EnergyValue</a:t>
+            </a:r>
+            <a:r>
+              <a:rPr lang="en-US" altLang="zh-CN" dirty="0" smtClean="0">
+                <a:latin typeface="Times New Roman" panose="02020603050405020304" pitchFamily="18" charset="0"/>
+                <a:cs typeface="Times New Roman" panose="02020603050405020304" pitchFamily="18" charset="0"/>
+              </a:rPr>
+              <a:t> </a:t>
+            </a:r>
+            <a:endParaRPr lang="en-US" altLang="zh-CN" dirty="0" smtClean="0">
+              <a:solidFill>
+                <a:srgbClr val="00B050"/>
+              </a:solidFill>
+              <a:latin typeface="Times New Roman" panose="02020603050405020304" pitchFamily="18" charset="0"/>
+              <a:cs typeface="Times New Roman" panose="02020603050405020304" pitchFamily="18" charset="0"/>
+            </a:endParaRPr>
+          </a:p>
+          <a:p>
+            <a:r>
+              <a:rPr lang="en-US" dirty="0" smtClean="0">
+                <a:solidFill>
+                  <a:srgbClr val="00B050"/>
+                </a:solidFill>
+                <a:latin typeface="Times New Roman" panose="02020603050405020304" pitchFamily="18" charset="0"/>
+                <a:cs typeface="Times New Roman" panose="02020603050405020304" pitchFamily="18" charset="0"/>
+              </a:rPr>
+              <a:t>              </a:t>
+            </a:r>
+            <a:endParaRPr lang="en-US" dirty="0">
+              <a:solidFill>
+                <a:srgbClr val="00B050"/>
+              </a:solidFill>
+              <a:latin typeface="Times New Roman" panose="02020603050405020304" pitchFamily="18" charset="0"/>
+              <a:cs typeface="Times New Roman" panose="02020603050405020304" pitchFamily="18" charset="0"/>
+            </a:endParaRPr>
+          </a:p>
+        </p:txBody>
+      </p:sp>
+      <p:sp>
+        <p:nvSpPr>
+          <p:cNvPr id="9" name="Rectangle 8"/>
+          <p:cNvSpPr/>
+          <p:nvPr/>
+        </p:nvSpPr>
+        <p:spPr>
+          <a:xfrm>
+            <a:off x="369956" y="4498711"/>
+            <a:ext cx="5896038" cy="369332"/>
+          </a:xfrm>
+          <a:prstGeom prst="rect">
+            <a:avLst/>
+          </a:prstGeom>
+        </p:spPr>
+        <p:txBody>
+          <a:bodyPr wrap="none">
+            <a:spAutoFit/>
+          </a:bodyPr>
+          <a:lstStyle/>
+          <a:p>
+            <a:pPr marL="285750" indent="-285750">
+              <a:buFont typeface="Symbol" panose="05050102010706020507" pitchFamily="18" charset="2"/>
+              <a:buChar char="Þ"/>
+            </a:pPr>
+            <a:r>
+              <a:rPr lang="en-US" b="1" i="1" dirty="0" err="1">
+                <a:latin typeface="Times New Roman" panose="02020603050405020304" pitchFamily="18" charset="0"/>
+                <a:cs typeface="Times New Roman" panose="02020603050405020304" pitchFamily="18" charset="0"/>
+              </a:rPr>
+              <a:t>EnergyValue</a:t>
+            </a:r>
+            <a:r>
+              <a:rPr lang="en-US" b="1" i="1" dirty="0">
+                <a:latin typeface="Times New Roman" panose="02020603050405020304" pitchFamily="18" charset="0"/>
+                <a:cs typeface="Times New Roman" panose="02020603050405020304" pitchFamily="18" charset="0"/>
+              </a:rPr>
+              <a:t>,  </a:t>
+            </a:r>
+            <a:r>
+              <a:rPr lang="en-US" b="1" i="1" dirty="0" err="1">
+                <a:latin typeface="Times New Roman" panose="02020603050405020304" pitchFamily="18" charset="0"/>
+                <a:cs typeface="Times New Roman" panose="02020603050405020304" pitchFamily="18" charset="0"/>
+              </a:rPr>
+              <a:t>err_EnergyValue</a:t>
+            </a:r>
+            <a:r>
+              <a:rPr lang="en-US" b="1" i="1" dirty="0">
+                <a:latin typeface="Times New Roman" panose="02020603050405020304" pitchFamily="18" charset="0"/>
+                <a:cs typeface="Times New Roman" panose="02020603050405020304" pitchFamily="18" charset="0"/>
+              </a:rPr>
+              <a:t>   &amp;&amp;  </a:t>
+            </a:r>
+            <a:r>
+              <a:rPr lang="en-US" b="1" i="1" dirty="0" err="1">
+                <a:latin typeface="Times New Roman" panose="02020603050405020304" pitchFamily="18" charset="0"/>
+                <a:cs typeface="Times New Roman" panose="02020603050405020304" pitchFamily="18" charset="0"/>
+              </a:rPr>
+              <a:t>CsI_V</a:t>
+            </a:r>
+            <a:r>
+              <a:rPr lang="en-US" b="1" i="1" dirty="0">
+                <a:latin typeface="Times New Roman" panose="02020603050405020304" pitchFamily="18" charset="0"/>
+                <a:cs typeface="Times New Roman" panose="02020603050405020304" pitchFamily="18" charset="0"/>
+              </a:rPr>
+              <a:t>, </a:t>
+            </a:r>
+            <a:r>
+              <a:rPr lang="en-US" b="1" i="1" dirty="0" err="1">
+                <a:latin typeface="Times New Roman" panose="02020603050405020304" pitchFamily="18" charset="0"/>
+                <a:cs typeface="Times New Roman" panose="02020603050405020304" pitchFamily="18" charset="0"/>
+              </a:rPr>
+              <a:t>err_CsI_V</a:t>
+            </a:r>
+            <a:r>
+              <a:rPr lang="en-US" b="1" i="1" dirty="0">
+                <a:solidFill>
+                  <a:srgbClr val="FF0000"/>
+                </a:solidFill>
+                <a:latin typeface="Times New Roman" panose="02020603050405020304" pitchFamily="18" charset="0"/>
+                <a:cs typeface="Times New Roman" panose="02020603050405020304" pitchFamily="18" charset="0"/>
+              </a:rPr>
+              <a:t> </a:t>
+            </a:r>
+            <a:endParaRPr lang="en-US" dirty="0"/>
+          </a:p>
+        </p:txBody>
+      </p:sp>
+      <p:pic>
+        <p:nvPicPr>
+          <p:cNvPr id="10" name="Picture 9"/>
+          <p:cNvPicPr>
+            <a:picLocks noChangeAspect="1"/>
+          </p:cNvPicPr>
+          <p:nvPr/>
+        </p:nvPicPr>
+        <p:blipFill>
+          <a:blip r:embed="rId2">
+            <a:extLst>
+              <a:ext uri="{28A0092B-C50C-407E-A947-70E740481C1C}">
+                <a14:useLocalDpi xmlns:a14="http://schemas.microsoft.com/office/drawing/2010/main" val="0"/>
+              </a:ext>
+            </a:extLst>
+          </a:blip>
+          <a:stretch>
+            <a:fillRect/>
+          </a:stretch>
+        </p:blipFill>
+        <p:spPr>
+          <a:xfrm>
+            <a:off x="7132777" y="3613051"/>
+            <a:ext cx="4890622" cy="3167139"/>
+          </a:xfrm>
+          <a:prstGeom prst="rect">
+            <a:avLst/>
+          </a:prstGeom>
+        </p:spPr>
+      </p:pic>
+      <p:pic>
+        <p:nvPicPr>
+          <p:cNvPr id="11" name="图片 13"/>
+          <p:cNvPicPr>
+            <a:picLocks noChangeAspect="1"/>
+          </p:cNvPicPr>
+          <p:nvPr/>
+        </p:nvPicPr>
+        <p:blipFill>
+          <a:blip r:embed="rId3" cstate="print">
+            <a:extLst>
+              <a:ext uri="{28A0092B-C50C-407E-A947-70E740481C1C}">
+                <a14:useLocalDpi xmlns:a14="http://schemas.microsoft.com/office/drawing/2010/main" val="0"/>
+              </a:ext>
+            </a:extLst>
+          </a:blip>
+          <a:stretch>
+            <a:fillRect/>
+          </a:stretch>
+        </p:blipFill>
+        <p:spPr>
+          <a:xfrm>
+            <a:off x="7909743" y="1171718"/>
+            <a:ext cx="3793407" cy="2441333"/>
+          </a:xfrm>
+          <a:prstGeom prst="rect">
+            <a:avLst/>
+          </a:prstGeom>
+          <a:ln>
+            <a:solidFill>
+              <a:srgbClr val="FF0000"/>
+            </a:solidFill>
+          </a:ln>
+        </p:spPr>
+      </p:pic>
+      <p:sp>
+        <p:nvSpPr>
+          <p:cNvPr id="12" name="矩形 29"/>
+          <p:cNvSpPr/>
+          <p:nvPr/>
+        </p:nvSpPr>
+        <p:spPr>
+          <a:xfrm>
+            <a:off x="9074600" y="2119302"/>
+            <a:ext cx="1680973" cy="369332"/>
+          </a:xfrm>
+          <a:prstGeom prst="rect">
+            <a:avLst/>
+          </a:prstGeom>
+        </p:spPr>
+        <p:txBody>
+          <a:bodyPr wrap="none">
+            <a:spAutoFit/>
+          </a:bodyPr>
+          <a:lstStyle/>
+          <a:p>
+            <a:r>
+              <a:rPr lang="en-US" altLang="zh-CN" dirty="0" smtClean="0">
+                <a:solidFill>
+                  <a:srgbClr val="FF0000"/>
+                </a:solidFill>
+                <a:latin typeface="Times New Roman" panose="02020603050405020304" pitchFamily="18" charset="0"/>
+                <a:cs typeface="Times New Roman" panose="02020603050405020304" pitchFamily="18" charset="0"/>
+              </a:rPr>
+              <a:t>Get Mean Value</a:t>
+            </a:r>
+            <a:endParaRPr lang="en-US" altLang="zh-CN" dirty="0">
+              <a:solidFill>
+                <a:srgbClr val="FF0000"/>
+              </a:solidFill>
+              <a:latin typeface="Times New Roman" panose="02020603050405020304" pitchFamily="18" charset="0"/>
+              <a:cs typeface="Times New Roman" panose="02020603050405020304" pitchFamily="18" charset="0"/>
+            </a:endParaRPr>
+          </a:p>
+        </p:txBody>
+      </p:sp>
+      <p:sp>
+        <p:nvSpPr>
+          <p:cNvPr id="16" name="Rectangle 15"/>
+          <p:cNvSpPr/>
+          <p:nvPr/>
+        </p:nvSpPr>
+        <p:spPr>
+          <a:xfrm>
+            <a:off x="204259" y="5165979"/>
+            <a:ext cx="11489499" cy="646331"/>
+          </a:xfrm>
+          <a:prstGeom prst="rect">
+            <a:avLst/>
+          </a:prstGeom>
+        </p:spPr>
+        <p:txBody>
+          <a:bodyPr wrap="square">
+            <a:spAutoFit/>
+          </a:bodyPr>
+          <a:lstStyle/>
+          <a:p>
+            <a:r>
+              <a:rPr lang="en-US" altLang="zh-CN" dirty="0" smtClean="0">
+                <a:latin typeface="Times New Roman" panose="02020603050405020304" pitchFamily="18" charset="0"/>
+                <a:cs typeface="Times New Roman" panose="02020603050405020304" pitchFamily="18" charset="0"/>
+              </a:rPr>
+              <a:t>(3) Just take a few points (4 points, for example) in the cut region. </a:t>
+            </a:r>
+            <a:endParaRPr lang="en-US" altLang="zh-CN" dirty="0" smtClean="0">
+              <a:solidFill>
+                <a:srgbClr val="00B050"/>
+              </a:solidFill>
+              <a:latin typeface="Times New Roman" panose="02020603050405020304" pitchFamily="18" charset="0"/>
+              <a:cs typeface="Times New Roman" panose="02020603050405020304" pitchFamily="18" charset="0"/>
+            </a:endParaRPr>
+          </a:p>
+          <a:p>
+            <a:r>
+              <a:rPr lang="en-US" dirty="0" smtClean="0">
+                <a:solidFill>
+                  <a:srgbClr val="00B050"/>
+                </a:solidFill>
+                <a:latin typeface="Times New Roman" panose="02020603050405020304" pitchFamily="18" charset="0"/>
+                <a:cs typeface="Times New Roman" panose="02020603050405020304" pitchFamily="18" charset="0"/>
+              </a:rPr>
+              <a:t>              </a:t>
+            </a:r>
+            <a:endParaRPr lang="en-US" dirty="0">
+              <a:solidFill>
+                <a:srgbClr val="00B050"/>
+              </a:solidFill>
+              <a:latin typeface="Times New Roman" panose="02020603050405020304" pitchFamily="18" charset="0"/>
+              <a:cs typeface="Times New Roman" panose="02020603050405020304" pitchFamily="18" charset="0"/>
+            </a:endParaRPr>
+          </a:p>
+        </p:txBody>
+      </p:sp>
+      <p:sp>
+        <p:nvSpPr>
+          <p:cNvPr id="17" name="Rectangle 16"/>
+          <p:cNvSpPr/>
+          <p:nvPr/>
+        </p:nvSpPr>
+        <p:spPr>
+          <a:xfrm>
+            <a:off x="204260" y="5700215"/>
+            <a:ext cx="6928518" cy="923330"/>
+          </a:xfrm>
+          <a:prstGeom prst="rect">
+            <a:avLst/>
+          </a:prstGeom>
+        </p:spPr>
+        <p:txBody>
+          <a:bodyPr wrap="square">
+            <a:spAutoFit/>
+          </a:bodyPr>
+          <a:lstStyle/>
+          <a:p>
+            <a:r>
+              <a:rPr lang="en-US" altLang="zh-CN" dirty="0" smtClean="0">
+                <a:latin typeface="Times New Roman" panose="02020603050405020304" pitchFamily="18" charset="0"/>
+                <a:cs typeface="Times New Roman" panose="02020603050405020304" pitchFamily="18" charset="0"/>
+              </a:rPr>
+              <a:t>(4)  Draw the points. If it is in the cut region and in the center of the </a:t>
+            </a:r>
+          </a:p>
+          <a:p>
+            <a:r>
+              <a:rPr lang="en-US" altLang="zh-CN" dirty="0" smtClean="0">
+                <a:latin typeface="Times New Roman" panose="02020603050405020304" pitchFamily="18" charset="0"/>
+                <a:cs typeface="Times New Roman" panose="02020603050405020304" pitchFamily="18" charset="0"/>
+              </a:rPr>
+              <a:t>       kinematics line. I think it is a good data point. Otherwise, redo the</a:t>
+            </a:r>
+          </a:p>
+          <a:p>
+            <a:r>
+              <a:rPr lang="en-US" altLang="zh-CN" dirty="0">
+                <a:latin typeface="Times New Roman" panose="02020603050405020304" pitchFamily="18" charset="0"/>
+                <a:cs typeface="Times New Roman" panose="02020603050405020304" pitchFamily="18" charset="0"/>
+              </a:rPr>
+              <a:t> </a:t>
+            </a:r>
+            <a:r>
+              <a:rPr lang="en-US" altLang="zh-CN" dirty="0" smtClean="0">
+                <a:latin typeface="Times New Roman" panose="02020603050405020304" pitchFamily="18" charset="0"/>
+                <a:cs typeface="Times New Roman" panose="02020603050405020304" pitchFamily="18" charset="0"/>
+              </a:rPr>
+              <a:t>      cut, and repeat this step.</a:t>
+            </a:r>
+            <a:r>
+              <a:rPr lang="en-US" dirty="0" smtClean="0">
+                <a:solidFill>
+                  <a:srgbClr val="00B050"/>
+                </a:solidFill>
+                <a:latin typeface="Times New Roman" panose="02020603050405020304" pitchFamily="18" charset="0"/>
+                <a:cs typeface="Times New Roman" panose="02020603050405020304" pitchFamily="18" charset="0"/>
+              </a:rPr>
+              <a:t>              </a:t>
+            </a:r>
+            <a:endParaRPr lang="en-US" dirty="0">
+              <a:solidFill>
+                <a:srgbClr val="00B050"/>
+              </a:solidFill>
+              <a:latin typeface="Times New Roman" panose="02020603050405020304" pitchFamily="18" charset="0"/>
+              <a:cs typeface="Times New Roman" panose="02020603050405020304" pitchFamily="18" charset="0"/>
+            </a:endParaRPr>
+          </a:p>
+        </p:txBody>
+      </p:sp>
     </p:spTree>
     <p:extLst>
       <p:ext uri="{BB962C8B-B14F-4D97-AF65-F5344CB8AC3E}">
@@ -10017,10 +11782,270 @@
           <a:chExt cx="0" cy="0"/>
         </a:xfrm>
       </p:grpSpPr>
+      <p:pic>
+        <p:nvPicPr>
+          <p:cNvPr id="2" name="图片 1"/>
+          <p:cNvPicPr>
+            <a:picLocks noChangeAspect="1"/>
+          </p:cNvPicPr>
+          <p:nvPr/>
+        </p:nvPicPr>
+        <p:blipFill>
+          <a:blip r:embed="rId2">
+            <a:extLst>
+              <a:ext uri="{28A0092B-C50C-407E-A947-70E740481C1C}">
+                <a14:useLocalDpi xmlns:a14="http://schemas.microsoft.com/office/drawing/2010/main" val="0"/>
+              </a:ext>
+            </a:extLst>
+          </a:blip>
+          <a:stretch>
+            <a:fillRect/>
+          </a:stretch>
+        </p:blipFill>
+        <p:spPr>
+          <a:xfrm>
+            <a:off x="321012" y="3424136"/>
+            <a:ext cx="5466945" cy="3362733"/>
+          </a:xfrm>
+          <a:prstGeom prst="rect">
+            <a:avLst/>
+          </a:prstGeom>
+        </p:spPr>
+      </p:pic>
+      <p:pic>
+        <p:nvPicPr>
+          <p:cNvPr id="4" name="图片 3"/>
+          <p:cNvPicPr>
+            <a:picLocks noChangeAspect="1"/>
+          </p:cNvPicPr>
+          <p:nvPr/>
+        </p:nvPicPr>
+        <p:blipFill>
+          <a:blip r:embed="rId3">
+            <a:extLst>
+              <a:ext uri="{28A0092B-C50C-407E-A947-70E740481C1C}">
+                <a14:useLocalDpi xmlns:a14="http://schemas.microsoft.com/office/drawing/2010/main" val="0"/>
+              </a:ext>
+            </a:extLst>
+          </a:blip>
+          <a:stretch>
+            <a:fillRect/>
+          </a:stretch>
+        </p:blipFill>
+        <p:spPr>
+          <a:xfrm>
+            <a:off x="145915" y="33183"/>
+            <a:ext cx="5642042" cy="3390953"/>
+          </a:xfrm>
+          <a:prstGeom prst="rect">
+            <a:avLst/>
+          </a:prstGeom>
+        </p:spPr>
+      </p:pic>
+      <p:pic>
+        <p:nvPicPr>
+          <p:cNvPr id="5" name="图片 4"/>
+          <p:cNvPicPr>
+            <a:picLocks noChangeAspect="1"/>
+          </p:cNvPicPr>
+          <p:nvPr/>
+        </p:nvPicPr>
+        <p:blipFill>
+          <a:blip r:embed="rId4">
+            <a:extLst>
+              <a:ext uri="{28A0092B-C50C-407E-A947-70E740481C1C}">
+                <a14:useLocalDpi xmlns:a14="http://schemas.microsoft.com/office/drawing/2010/main" val="0"/>
+              </a:ext>
+            </a:extLst>
+          </a:blip>
+          <a:stretch>
+            <a:fillRect/>
+          </a:stretch>
+        </p:blipFill>
+        <p:spPr>
+          <a:xfrm>
+            <a:off x="6196520" y="70747"/>
+            <a:ext cx="5408578" cy="3480812"/>
+          </a:xfrm>
+          <a:prstGeom prst="rect">
+            <a:avLst/>
+          </a:prstGeom>
+        </p:spPr>
+      </p:pic>
+      <p:pic>
+        <p:nvPicPr>
+          <p:cNvPr id="6" name="图片 5"/>
+          <p:cNvPicPr>
+            <a:picLocks noChangeAspect="1"/>
+          </p:cNvPicPr>
+          <p:nvPr/>
+        </p:nvPicPr>
+        <p:blipFill>
+          <a:blip r:embed="rId5">
+            <a:extLst>
+              <a:ext uri="{28A0092B-C50C-407E-A947-70E740481C1C}">
+                <a14:useLocalDpi xmlns:a14="http://schemas.microsoft.com/office/drawing/2010/main" val="0"/>
+              </a:ext>
+            </a:extLst>
+          </a:blip>
+          <a:stretch>
+            <a:fillRect/>
+          </a:stretch>
+        </p:blipFill>
+        <p:spPr>
+          <a:xfrm>
+            <a:off x="6284069" y="3313570"/>
+            <a:ext cx="5194569" cy="3512767"/>
+          </a:xfrm>
+          <a:prstGeom prst="rect">
+            <a:avLst/>
+          </a:prstGeom>
+        </p:spPr>
+      </p:pic>
+      <p:sp>
+        <p:nvSpPr>
+          <p:cNvPr id="7" name="矩形 6"/>
+          <p:cNvSpPr/>
+          <p:nvPr/>
+        </p:nvSpPr>
+        <p:spPr>
+          <a:xfrm>
+            <a:off x="3675791" y="2061838"/>
+            <a:ext cx="1345240" cy="369332"/>
+          </a:xfrm>
+          <a:prstGeom prst="rect">
+            <a:avLst/>
+          </a:prstGeom>
+        </p:spPr>
+        <p:txBody>
+          <a:bodyPr wrap="none">
+            <a:spAutoFit/>
+          </a:bodyPr>
+          <a:lstStyle/>
+          <a:p>
+            <a:r>
+              <a:rPr lang="en-US" altLang="zh-CN" dirty="0">
+                <a:solidFill>
+                  <a:srgbClr val="FF0000"/>
+                </a:solidFill>
+                <a:latin typeface="Times New Roman" panose="02020603050405020304" pitchFamily="18" charset="0"/>
+                <a:cs typeface="Times New Roman" panose="02020603050405020304" pitchFamily="18" charset="0"/>
+              </a:rPr>
+              <a:t>Gaussian Fit</a:t>
+            </a:r>
+          </a:p>
+        </p:txBody>
+      </p:sp>
+      <p:sp>
+        <p:nvSpPr>
+          <p:cNvPr id="8" name="矩形 7"/>
+          <p:cNvSpPr/>
+          <p:nvPr/>
+        </p:nvSpPr>
+        <p:spPr>
+          <a:xfrm>
+            <a:off x="9577238" y="2061838"/>
+            <a:ext cx="1345240" cy="369332"/>
+          </a:xfrm>
+          <a:prstGeom prst="rect">
+            <a:avLst/>
+          </a:prstGeom>
+        </p:spPr>
+        <p:txBody>
+          <a:bodyPr wrap="none">
+            <a:spAutoFit/>
+          </a:bodyPr>
+          <a:lstStyle/>
+          <a:p>
+            <a:r>
+              <a:rPr lang="en-US" altLang="zh-CN" dirty="0">
+                <a:solidFill>
+                  <a:srgbClr val="FF0000"/>
+                </a:solidFill>
+                <a:latin typeface="Times New Roman" panose="02020603050405020304" pitchFamily="18" charset="0"/>
+                <a:cs typeface="Times New Roman" panose="02020603050405020304" pitchFamily="18" charset="0"/>
+              </a:rPr>
+              <a:t>Gaussian Fit</a:t>
+            </a:r>
+          </a:p>
+        </p:txBody>
+      </p:sp>
+      <p:sp>
+        <p:nvSpPr>
+          <p:cNvPr id="9" name="矩形 8"/>
+          <p:cNvSpPr/>
+          <p:nvPr/>
+        </p:nvSpPr>
+        <p:spPr>
+          <a:xfrm>
+            <a:off x="3675791" y="4939706"/>
+            <a:ext cx="1345240" cy="369332"/>
+          </a:xfrm>
+          <a:prstGeom prst="rect">
+            <a:avLst/>
+          </a:prstGeom>
+        </p:spPr>
+        <p:txBody>
+          <a:bodyPr wrap="none">
+            <a:spAutoFit/>
+          </a:bodyPr>
+          <a:lstStyle/>
+          <a:p>
+            <a:r>
+              <a:rPr lang="en-US" altLang="zh-CN" dirty="0">
+                <a:solidFill>
+                  <a:srgbClr val="FF0000"/>
+                </a:solidFill>
+                <a:latin typeface="Times New Roman" panose="02020603050405020304" pitchFamily="18" charset="0"/>
+                <a:cs typeface="Times New Roman" panose="02020603050405020304" pitchFamily="18" charset="0"/>
+              </a:rPr>
+              <a:t>Gaussian Fit</a:t>
+            </a:r>
+          </a:p>
+        </p:txBody>
+      </p:sp>
+      <p:sp>
+        <p:nvSpPr>
+          <p:cNvPr id="3" name="TextBox 2"/>
+          <p:cNvSpPr txBox="1"/>
+          <p:nvPr/>
+        </p:nvSpPr>
+        <p:spPr>
+          <a:xfrm>
+            <a:off x="3980330" y="3056685"/>
+            <a:ext cx="6472518" cy="523220"/>
+          </a:xfrm>
+          <a:prstGeom prst="rect">
+            <a:avLst/>
+          </a:prstGeom>
+          <a:noFill/>
+        </p:spPr>
+        <p:txBody>
+          <a:bodyPr wrap="square" rtlCol="0">
+            <a:spAutoFit/>
+          </a:bodyPr>
+          <a:lstStyle/>
+          <a:p>
+            <a:r>
+              <a:rPr lang="en-US" sz="2800" dirty="0" smtClean="0">
+                <a:solidFill>
+                  <a:srgbClr val="FF0000"/>
+                </a:solidFill>
+              </a:rPr>
+              <a:t>Here is a good cut as an example!</a:t>
+            </a:r>
+            <a:endParaRPr lang="en-US" sz="2800" dirty="0">
+              <a:solidFill>
+                <a:srgbClr val="FF0000"/>
+              </a:solidFill>
+            </a:endParaRPr>
+          </a:p>
+        </p:txBody>
+      </p:sp>
     </p:spTree>
     <p:extLst>
       <p:ext uri="{BB962C8B-B14F-4D97-AF65-F5344CB8AC3E}">
-        <p14:creationId xmlns:p14="http://schemas.microsoft.com/office/powerpoint/2010/main" val="2312024231"/>
+        <p14:creationId xmlns:p14="http://schemas.microsoft.com/office/powerpoint/2010/main" val="1303594410"/>
       </p:ext>
     </p:extLst>
   </p:cSld>
@@ -10047,6 +12072,784 @@
           <a:chExt cx="0" cy="0"/>
         </a:xfrm>
       </p:grpSpPr>
+      <p:sp>
+        <p:nvSpPr>
+          <p:cNvPr id="2" name="Rectangle 1"/>
+          <p:cNvSpPr/>
+          <p:nvPr/>
+        </p:nvSpPr>
+        <p:spPr>
+          <a:xfrm>
+            <a:off x="0" y="133505"/>
+            <a:ext cx="3745577" cy="369332"/>
+          </a:xfrm>
+          <a:prstGeom prst="rect">
+            <a:avLst/>
+          </a:prstGeom>
+        </p:spPr>
+        <p:txBody>
+          <a:bodyPr wrap="none">
+            <a:spAutoFit/>
+          </a:bodyPr>
+          <a:lstStyle/>
+          <a:p>
+            <a:r>
+              <a:rPr lang="en-US" b="1" u="sng" dirty="0" smtClean="0">
+                <a:latin typeface="Times New Roman" panose="02020603050405020304" pitchFamily="18" charset="0"/>
+                <a:cs typeface="Times New Roman" panose="02020603050405020304" pitchFamily="18" charset="0"/>
+              </a:rPr>
+              <a:t>Step </a:t>
+            </a:r>
+            <a:r>
+              <a:rPr lang="en-US" b="1" u="sng" dirty="0" smtClean="0">
+                <a:latin typeface="Times New Roman" panose="02020603050405020304" pitchFamily="18" charset="0"/>
+                <a:cs typeface="Times New Roman" panose="02020603050405020304" pitchFamily="18" charset="0"/>
+              </a:rPr>
+              <a:t>4</a:t>
+            </a:r>
+            <a:r>
+              <a:rPr lang="en-US" b="1" u="sng" dirty="0" smtClean="0">
+                <a:latin typeface="Times New Roman" panose="02020603050405020304" pitchFamily="18" charset="0"/>
+                <a:cs typeface="Times New Roman" panose="02020603050405020304" pitchFamily="18" charset="0"/>
+              </a:rPr>
+              <a:t>: Estimate the errors of points</a:t>
+            </a:r>
+            <a:endParaRPr lang="en-US" dirty="0" smtClean="0">
+              <a:solidFill>
+                <a:srgbClr val="FF0000"/>
+              </a:solidFill>
+              <a:latin typeface="Times New Roman" panose="02020603050405020304" pitchFamily="18" charset="0"/>
+              <a:cs typeface="Times New Roman" panose="02020603050405020304" pitchFamily="18" charset="0"/>
+            </a:endParaRPr>
+          </a:p>
+        </p:txBody>
+      </p:sp>
+      <p:sp>
+        <p:nvSpPr>
+          <p:cNvPr id="3" name="TextBox 2"/>
+          <p:cNvSpPr txBox="1"/>
+          <p:nvPr/>
+        </p:nvSpPr>
+        <p:spPr>
+          <a:xfrm>
+            <a:off x="187420" y="717177"/>
+            <a:ext cx="2842651" cy="369332"/>
+          </a:xfrm>
+          <a:prstGeom prst="rect">
+            <a:avLst/>
+          </a:prstGeom>
+          <a:noFill/>
+        </p:spPr>
+        <p:txBody>
+          <a:bodyPr wrap="square" rtlCol="0">
+            <a:spAutoFit/>
+          </a:bodyPr>
+          <a:lstStyle/>
+          <a:p>
+            <a:r>
+              <a:rPr lang="en-US" b="1" i="1" dirty="0" smtClean="0">
+                <a:latin typeface="Times New Roman" panose="02020603050405020304" pitchFamily="18" charset="0"/>
+                <a:cs typeface="Times New Roman" panose="02020603050405020304" pitchFamily="18" charset="0"/>
+              </a:rPr>
+              <a:t>(1) Errors from calculation</a:t>
+            </a:r>
+            <a:endParaRPr lang="en-US" b="1" i="1" dirty="0">
+              <a:latin typeface="Times New Roman" panose="02020603050405020304" pitchFamily="18" charset="0"/>
+              <a:cs typeface="Times New Roman" panose="02020603050405020304" pitchFamily="18" charset="0"/>
+            </a:endParaRPr>
+          </a:p>
+        </p:txBody>
+      </p:sp>
+      <p:sp>
+        <p:nvSpPr>
+          <p:cNvPr id="4" name="TextBox 3"/>
+          <p:cNvSpPr txBox="1"/>
+          <p:nvPr/>
+        </p:nvSpPr>
+        <p:spPr>
+          <a:xfrm>
+            <a:off x="187420" y="3455290"/>
+            <a:ext cx="4572839" cy="369332"/>
+          </a:xfrm>
+          <a:prstGeom prst="rect">
+            <a:avLst/>
+          </a:prstGeom>
+          <a:noFill/>
+        </p:spPr>
+        <p:txBody>
+          <a:bodyPr wrap="square" rtlCol="0">
+            <a:spAutoFit/>
+          </a:bodyPr>
+          <a:lstStyle/>
+          <a:p>
+            <a:r>
+              <a:rPr lang="en-US" b="1" i="1" dirty="0" smtClean="0">
+                <a:latin typeface="Times New Roman" panose="02020603050405020304" pitchFamily="18" charset="0"/>
+                <a:cs typeface="Times New Roman" panose="02020603050405020304" pitchFamily="18" charset="0"/>
+              </a:rPr>
+              <a:t>(2) Errors from geometry and beam energy </a:t>
+            </a:r>
+            <a:endParaRPr lang="en-US" b="1" i="1" dirty="0">
+              <a:latin typeface="Times New Roman" panose="02020603050405020304" pitchFamily="18" charset="0"/>
+              <a:cs typeface="Times New Roman" panose="02020603050405020304" pitchFamily="18" charset="0"/>
+            </a:endParaRPr>
+          </a:p>
+        </p:txBody>
+      </p:sp>
+      <p:sp>
+        <p:nvSpPr>
+          <p:cNvPr id="6" name="Rectangle 5"/>
+          <p:cNvSpPr/>
+          <p:nvPr/>
+        </p:nvSpPr>
+        <p:spPr>
+          <a:xfrm>
+            <a:off x="4500278" y="3455290"/>
+            <a:ext cx="7100047" cy="369332"/>
+          </a:xfrm>
+          <a:prstGeom prst="rect">
+            <a:avLst/>
+          </a:prstGeom>
+        </p:spPr>
+        <p:txBody>
+          <a:bodyPr wrap="square">
+            <a:spAutoFit/>
+          </a:bodyPr>
+          <a:lstStyle/>
+          <a:p>
+            <a:r>
+              <a:rPr lang="en-US" b="1" dirty="0" smtClean="0">
+                <a:solidFill>
+                  <a:srgbClr val="81ABFF"/>
+                </a:solidFill>
+                <a:latin typeface="Times New Roman" panose="02020603050405020304" pitchFamily="18" charset="0"/>
+                <a:cs typeface="Times New Roman" panose="02020603050405020304" pitchFamily="18" charset="0"/>
+              </a:rPr>
+              <a:t>(macro to be used: CsIKinematicPointsCorrection.cpp)</a:t>
+            </a:r>
+            <a:endParaRPr lang="en-US" altLang="zh-CN" b="1" dirty="0">
+              <a:solidFill>
+                <a:srgbClr val="81ABFF"/>
+              </a:solidFill>
+              <a:latin typeface="Times New Roman" panose="02020603050405020304" pitchFamily="18" charset="0"/>
+              <a:cs typeface="Times New Roman" panose="02020603050405020304" pitchFamily="18" charset="0"/>
+            </a:endParaRPr>
+          </a:p>
+        </p:txBody>
+      </p:sp>
+      <p:pic>
+        <p:nvPicPr>
+          <p:cNvPr id="7" name="Picture 6"/>
+          <p:cNvPicPr>
+            <a:picLocks noChangeAspect="1"/>
+          </p:cNvPicPr>
+          <p:nvPr/>
+        </p:nvPicPr>
+        <p:blipFill>
+          <a:blip r:embed="rId2">
+            <a:extLst>
+              <a:ext uri="{28A0092B-C50C-407E-A947-70E740481C1C}">
+                <a14:useLocalDpi xmlns:a14="http://schemas.microsoft.com/office/drawing/2010/main" val="0"/>
+              </a:ext>
+            </a:extLst>
+          </a:blip>
+          <a:stretch>
+            <a:fillRect/>
+          </a:stretch>
+        </p:blipFill>
+        <p:spPr>
+          <a:xfrm>
+            <a:off x="459127" y="1143671"/>
+            <a:ext cx="4496427" cy="447737"/>
+          </a:xfrm>
+          <a:prstGeom prst="rect">
+            <a:avLst/>
+          </a:prstGeom>
+        </p:spPr>
+      </p:pic>
+      <p:pic>
+        <p:nvPicPr>
+          <p:cNvPr id="8" name="Picture 7"/>
+          <p:cNvPicPr>
+            <a:picLocks noChangeAspect="1"/>
+          </p:cNvPicPr>
+          <p:nvPr/>
+        </p:nvPicPr>
+        <p:blipFill>
+          <a:blip r:embed="rId3">
+            <a:extLst>
+              <a:ext uri="{28A0092B-C50C-407E-A947-70E740481C1C}">
+                <a14:useLocalDpi xmlns:a14="http://schemas.microsoft.com/office/drawing/2010/main" val="0"/>
+              </a:ext>
+            </a:extLst>
+          </a:blip>
+          <a:stretch>
+            <a:fillRect/>
+          </a:stretch>
+        </p:blipFill>
+        <p:spPr>
+          <a:xfrm>
+            <a:off x="5537957" y="1157960"/>
+            <a:ext cx="3877216" cy="419158"/>
+          </a:xfrm>
+          <a:prstGeom prst="rect">
+            <a:avLst/>
+          </a:prstGeom>
+        </p:spPr>
+      </p:pic>
+      <p:pic>
+        <p:nvPicPr>
+          <p:cNvPr id="9" name="Picture 8"/>
+          <p:cNvPicPr>
+            <a:picLocks noChangeAspect="1"/>
+          </p:cNvPicPr>
+          <p:nvPr/>
+        </p:nvPicPr>
+        <p:blipFill>
+          <a:blip r:embed="rId4">
+            <a:extLst>
+              <a:ext uri="{28A0092B-C50C-407E-A947-70E740481C1C}">
+                <a14:useLocalDpi xmlns:a14="http://schemas.microsoft.com/office/drawing/2010/main" val="0"/>
+              </a:ext>
+            </a:extLst>
+          </a:blip>
+          <a:stretch>
+            <a:fillRect/>
+          </a:stretch>
+        </p:blipFill>
+        <p:spPr>
+          <a:xfrm>
+            <a:off x="459127" y="1794031"/>
+            <a:ext cx="9402487" cy="438211"/>
+          </a:xfrm>
+          <a:prstGeom prst="rect">
+            <a:avLst/>
+          </a:prstGeom>
+        </p:spPr>
+      </p:pic>
+      <p:pic>
+        <p:nvPicPr>
+          <p:cNvPr id="10" name="Picture 9"/>
+          <p:cNvPicPr>
+            <a:picLocks noChangeAspect="1"/>
+          </p:cNvPicPr>
+          <p:nvPr/>
+        </p:nvPicPr>
+        <p:blipFill>
+          <a:blip r:embed="rId5">
+            <a:extLst>
+              <a:ext uri="{28A0092B-C50C-407E-A947-70E740481C1C}">
+                <a14:useLocalDpi xmlns:a14="http://schemas.microsoft.com/office/drawing/2010/main" val="0"/>
+              </a:ext>
+            </a:extLst>
+          </a:blip>
+          <a:stretch>
+            <a:fillRect/>
+          </a:stretch>
+        </p:blipFill>
+        <p:spPr>
+          <a:xfrm>
+            <a:off x="459127" y="2449155"/>
+            <a:ext cx="6154009" cy="428685"/>
+          </a:xfrm>
+          <a:prstGeom prst="rect">
+            <a:avLst/>
+          </a:prstGeom>
+        </p:spPr>
+      </p:pic>
+      <p:sp>
+        <p:nvSpPr>
+          <p:cNvPr id="11" name="Rectangle 10"/>
+          <p:cNvSpPr/>
+          <p:nvPr/>
+        </p:nvSpPr>
+        <p:spPr>
+          <a:xfrm>
+            <a:off x="2967314" y="722248"/>
+            <a:ext cx="7100047" cy="369332"/>
+          </a:xfrm>
+          <a:prstGeom prst="rect">
+            <a:avLst/>
+          </a:prstGeom>
+        </p:spPr>
+        <p:txBody>
+          <a:bodyPr wrap="square">
+            <a:spAutoFit/>
+          </a:bodyPr>
+          <a:lstStyle/>
+          <a:p>
+            <a:r>
+              <a:rPr lang="en-US" b="1" dirty="0" smtClean="0">
+                <a:solidFill>
+                  <a:srgbClr val="81ABFF"/>
+                </a:solidFill>
+                <a:latin typeface="Times New Roman" panose="02020603050405020304" pitchFamily="18" charset="0"/>
+                <a:cs typeface="Times New Roman" panose="02020603050405020304" pitchFamily="18" charset="0"/>
+              </a:rPr>
+              <a:t>(macro to be used: CsIKinematicLineProjection.cpp)</a:t>
+            </a:r>
+            <a:endParaRPr lang="en-US" altLang="zh-CN" b="1" dirty="0">
+              <a:solidFill>
+                <a:srgbClr val="81ABFF"/>
+              </a:solidFill>
+              <a:latin typeface="Times New Roman" panose="02020603050405020304" pitchFamily="18" charset="0"/>
+              <a:cs typeface="Times New Roman" panose="02020603050405020304" pitchFamily="18" charset="0"/>
+            </a:endParaRPr>
+          </a:p>
+        </p:txBody>
+      </p:sp>
+      <p:sp>
+        <p:nvSpPr>
+          <p:cNvPr id="12" name="TextBox 11"/>
+          <p:cNvSpPr txBox="1"/>
+          <p:nvPr/>
+        </p:nvSpPr>
+        <p:spPr>
+          <a:xfrm>
+            <a:off x="1147479" y="1191132"/>
+            <a:ext cx="1694329" cy="366620"/>
+          </a:xfrm>
+          <a:prstGeom prst="rect">
+            <a:avLst/>
+          </a:prstGeom>
+          <a:noFill/>
+        </p:spPr>
+        <p:txBody>
+          <a:bodyPr wrap="square" rtlCol="0">
+            <a:spAutoFit/>
+          </a:bodyPr>
+          <a:lstStyle/>
+          <a:p>
+            <a:r>
+              <a:rPr lang="en-US" b="1" dirty="0" smtClean="0">
+                <a:solidFill>
+                  <a:srgbClr val="FF0000"/>
+                </a:solidFill>
+              </a:rPr>
+              <a:t>Get mean value</a:t>
+            </a:r>
+            <a:endParaRPr lang="en-US" b="1" dirty="0">
+              <a:solidFill>
+                <a:srgbClr val="FF0000"/>
+              </a:solidFill>
+            </a:endParaRPr>
+          </a:p>
+        </p:txBody>
+      </p:sp>
+      <p:sp>
+        <p:nvSpPr>
+          <p:cNvPr id="13" name="TextBox 12"/>
+          <p:cNvSpPr txBox="1"/>
+          <p:nvPr/>
+        </p:nvSpPr>
+        <p:spPr>
+          <a:xfrm>
+            <a:off x="6355973" y="1143671"/>
+            <a:ext cx="1694329" cy="366620"/>
+          </a:xfrm>
+          <a:prstGeom prst="rect">
+            <a:avLst/>
+          </a:prstGeom>
+          <a:noFill/>
+        </p:spPr>
+        <p:txBody>
+          <a:bodyPr wrap="square" rtlCol="0">
+            <a:spAutoFit/>
+          </a:bodyPr>
+          <a:lstStyle/>
+          <a:p>
+            <a:r>
+              <a:rPr lang="en-US" b="1" dirty="0" smtClean="0">
+                <a:solidFill>
+                  <a:srgbClr val="FF0000"/>
+                </a:solidFill>
+              </a:rPr>
+              <a:t>Gaussian fit</a:t>
+            </a:r>
+            <a:endParaRPr lang="en-US" b="1" dirty="0">
+              <a:solidFill>
+                <a:srgbClr val="FF0000"/>
+              </a:solidFill>
+            </a:endParaRPr>
+          </a:p>
+        </p:txBody>
+      </p:sp>
+      <p:sp>
+        <p:nvSpPr>
+          <p:cNvPr id="14" name="TextBox 13"/>
+          <p:cNvSpPr txBox="1"/>
+          <p:nvPr/>
+        </p:nvSpPr>
+        <p:spPr>
+          <a:xfrm>
+            <a:off x="459127" y="3955118"/>
+            <a:ext cx="8048379" cy="646331"/>
+          </a:xfrm>
+          <a:prstGeom prst="rect">
+            <a:avLst/>
+          </a:prstGeom>
+          <a:noFill/>
+        </p:spPr>
+        <p:txBody>
+          <a:bodyPr wrap="square" rtlCol="0">
+            <a:spAutoFit/>
+          </a:bodyPr>
+          <a:lstStyle/>
+          <a:p>
+            <a:r>
+              <a:rPr lang="en-US" dirty="0" smtClean="0"/>
+              <a:t>●   </a:t>
+            </a:r>
+            <a:r>
+              <a:rPr lang="en-US" altLang="zh-CN" dirty="0" smtClean="0">
+                <a:latin typeface="Times New Roman" panose="02020603050405020304" pitchFamily="18" charset="0"/>
+                <a:cs typeface="Times New Roman" panose="02020603050405020304" pitchFamily="18" charset="0"/>
+              </a:rPr>
+              <a:t>For </a:t>
+            </a:r>
+            <a:r>
+              <a:rPr lang="en-US" altLang="zh-CN" dirty="0">
+                <a:latin typeface="Times New Roman" panose="02020603050405020304" pitchFamily="18" charset="0"/>
+                <a:cs typeface="Times New Roman" panose="02020603050405020304" pitchFamily="18" charset="0"/>
+              </a:rPr>
+              <a:t>each pixel, we calculate the </a:t>
+            </a:r>
+            <a:r>
+              <a:rPr lang="en-US" altLang="zh-CN" dirty="0" err="1">
+                <a:latin typeface="Times New Roman" panose="02020603050405020304" pitchFamily="18" charset="0"/>
+                <a:cs typeface="Times New Roman" panose="02020603050405020304" pitchFamily="18" charset="0"/>
+              </a:rPr>
+              <a:t>PixelTheta</a:t>
+            </a:r>
+            <a:r>
+              <a:rPr lang="en-US" altLang="zh-CN" dirty="0">
+                <a:latin typeface="Times New Roman" panose="02020603050405020304" pitchFamily="18" charset="0"/>
+                <a:cs typeface="Times New Roman" panose="02020603050405020304" pitchFamily="18" charset="0"/>
+              </a:rPr>
+              <a:t>  and </a:t>
+            </a:r>
+            <a:r>
+              <a:rPr lang="en-US" altLang="zh-CN" dirty="0" err="1">
+                <a:latin typeface="Times New Roman" panose="02020603050405020304" pitchFamily="18" charset="0"/>
+                <a:cs typeface="Times New Roman" panose="02020603050405020304" pitchFamily="18" charset="0"/>
+              </a:rPr>
+              <a:t>Err_PixelTheta</a:t>
+            </a:r>
+            <a:endParaRPr lang="en-US" altLang="zh-CN" dirty="0">
+              <a:latin typeface="Times New Roman" panose="02020603050405020304" pitchFamily="18" charset="0"/>
+              <a:cs typeface="Times New Roman" panose="02020603050405020304" pitchFamily="18" charset="0"/>
+            </a:endParaRPr>
+          </a:p>
+          <a:p>
+            <a:r>
+              <a:rPr lang="en-US" altLang="zh-CN" b="1" dirty="0">
+                <a:solidFill>
+                  <a:srgbClr val="FF0000"/>
+                </a:solidFill>
+                <a:latin typeface="Times New Roman" panose="02020603050405020304" pitchFamily="18" charset="0"/>
+                <a:cs typeface="Times New Roman" panose="02020603050405020304" pitchFamily="18" charset="0"/>
+              </a:rPr>
+              <a:t>     </a:t>
+            </a:r>
+            <a:r>
+              <a:rPr lang="en-US" altLang="zh-CN" b="1" dirty="0">
+                <a:solidFill>
+                  <a:srgbClr val="00B050"/>
+                </a:solidFill>
+                <a:latin typeface="Times New Roman" panose="02020603050405020304" pitchFamily="18" charset="0"/>
+                <a:cs typeface="Times New Roman" panose="02020603050405020304" pitchFamily="18" charset="0"/>
+              </a:rPr>
+              <a:t>If </a:t>
+            </a:r>
+            <a:r>
+              <a:rPr lang="en-US" altLang="zh-CN" b="1" dirty="0" err="1">
+                <a:solidFill>
+                  <a:srgbClr val="00B050"/>
+                </a:solidFill>
+                <a:latin typeface="Times New Roman" panose="02020603050405020304" pitchFamily="18" charset="0"/>
+                <a:cs typeface="Times New Roman" panose="02020603050405020304" pitchFamily="18" charset="0"/>
+              </a:rPr>
+              <a:t>ThetaMin</a:t>
+            </a:r>
+            <a:r>
+              <a:rPr lang="en-US" altLang="zh-CN" b="1" dirty="0">
+                <a:solidFill>
+                  <a:srgbClr val="00B050"/>
+                </a:solidFill>
+                <a:latin typeface="Times New Roman" panose="02020603050405020304" pitchFamily="18" charset="0"/>
+                <a:cs typeface="Times New Roman" panose="02020603050405020304" pitchFamily="18" charset="0"/>
+              </a:rPr>
+              <a:t> &lt; </a:t>
+            </a:r>
+            <a:r>
+              <a:rPr lang="en-US" altLang="zh-CN" b="1" dirty="0" err="1">
+                <a:solidFill>
+                  <a:srgbClr val="00B050"/>
+                </a:solidFill>
+                <a:latin typeface="Times New Roman" panose="02020603050405020304" pitchFamily="18" charset="0"/>
+                <a:cs typeface="Times New Roman" panose="02020603050405020304" pitchFamily="18" charset="0"/>
+              </a:rPr>
+              <a:t>PixelTheta</a:t>
+            </a:r>
+            <a:r>
+              <a:rPr lang="en-US" altLang="zh-CN" b="1" dirty="0">
+                <a:solidFill>
+                  <a:srgbClr val="00B050"/>
+                </a:solidFill>
+                <a:latin typeface="Times New Roman" panose="02020603050405020304" pitchFamily="18" charset="0"/>
+                <a:cs typeface="Times New Roman" panose="02020603050405020304" pitchFamily="18" charset="0"/>
+              </a:rPr>
+              <a:t> &lt; </a:t>
+            </a:r>
+            <a:r>
+              <a:rPr lang="en-US" altLang="zh-CN" b="1" dirty="0" err="1">
+                <a:solidFill>
+                  <a:srgbClr val="00B050"/>
+                </a:solidFill>
+                <a:latin typeface="Times New Roman" panose="02020603050405020304" pitchFamily="18" charset="0"/>
+                <a:cs typeface="Times New Roman" panose="02020603050405020304" pitchFamily="18" charset="0"/>
+              </a:rPr>
+              <a:t>ThetaMax</a:t>
+            </a:r>
+            <a:r>
+              <a:rPr lang="en-US" altLang="zh-CN" b="1" dirty="0">
+                <a:solidFill>
+                  <a:srgbClr val="00B050"/>
+                </a:solidFill>
+                <a:latin typeface="Times New Roman" panose="02020603050405020304" pitchFamily="18" charset="0"/>
+                <a:cs typeface="Times New Roman" panose="02020603050405020304" pitchFamily="18" charset="0"/>
+              </a:rPr>
+              <a:t> : calculate the </a:t>
+            </a:r>
+            <a:r>
+              <a:rPr lang="en-US" altLang="zh-CN" b="1" dirty="0" err="1">
+                <a:solidFill>
+                  <a:srgbClr val="00B050"/>
+                </a:solidFill>
+                <a:latin typeface="Times New Roman" panose="02020603050405020304" pitchFamily="18" charset="0"/>
+                <a:cs typeface="Times New Roman" panose="02020603050405020304" pitchFamily="18" charset="0"/>
+              </a:rPr>
+              <a:t>AverageErr_PixelTheta</a:t>
+            </a:r>
+            <a:endParaRPr lang="en-US" altLang="zh-CN" b="1" dirty="0">
+              <a:solidFill>
+                <a:srgbClr val="00B050"/>
+              </a:solidFill>
+              <a:latin typeface="Times New Roman" panose="02020603050405020304" pitchFamily="18" charset="0"/>
+              <a:cs typeface="Times New Roman" panose="02020603050405020304" pitchFamily="18" charset="0"/>
+            </a:endParaRPr>
+          </a:p>
+        </p:txBody>
+      </p:sp>
+      <p:sp>
+        <p:nvSpPr>
+          <p:cNvPr id="15" name="Rectangle 14"/>
+          <p:cNvSpPr/>
+          <p:nvPr/>
+        </p:nvSpPr>
+        <p:spPr>
+          <a:xfrm>
+            <a:off x="459127" y="4741722"/>
+            <a:ext cx="7400810" cy="369332"/>
+          </a:xfrm>
+          <a:prstGeom prst="rect">
+            <a:avLst/>
+          </a:prstGeom>
+        </p:spPr>
+        <p:txBody>
+          <a:bodyPr wrap="square">
+            <a:spAutoFit/>
+          </a:bodyPr>
+          <a:lstStyle/>
+          <a:p>
+            <a:r>
+              <a:rPr lang="en-US" dirty="0"/>
+              <a:t>● </a:t>
+            </a:r>
+            <a:r>
+              <a:rPr lang="en-US" dirty="0" smtClean="0"/>
+              <a:t> </a:t>
+            </a:r>
+            <a:r>
+              <a:rPr lang="en-US" altLang="zh-CN" dirty="0" smtClean="0">
+                <a:latin typeface="Times New Roman" panose="02020603050405020304" pitchFamily="18" charset="0"/>
+                <a:cs typeface="Times New Roman" panose="02020603050405020304" pitchFamily="18" charset="0"/>
+              </a:rPr>
+              <a:t>Use </a:t>
+            </a:r>
+            <a:r>
+              <a:rPr lang="en-US" altLang="zh-CN" b="1" dirty="0" err="1">
+                <a:solidFill>
+                  <a:srgbClr val="00B050"/>
+                </a:solidFill>
+                <a:latin typeface="Times New Roman" panose="02020603050405020304" pitchFamily="18" charset="0"/>
+                <a:cs typeface="Times New Roman" panose="02020603050405020304" pitchFamily="18" charset="0"/>
+              </a:rPr>
+              <a:t>AverageErr_PixelTheta</a:t>
+            </a:r>
+            <a:r>
+              <a:rPr lang="en-US" altLang="zh-CN" b="1" dirty="0">
+                <a:solidFill>
+                  <a:srgbClr val="00B050"/>
+                </a:solidFill>
+                <a:latin typeface="Times New Roman" panose="02020603050405020304" pitchFamily="18" charset="0"/>
+                <a:cs typeface="Times New Roman" panose="02020603050405020304" pitchFamily="18" charset="0"/>
+              </a:rPr>
+              <a:t> </a:t>
+            </a:r>
+            <a:r>
+              <a:rPr lang="en-US" altLang="zh-CN" dirty="0">
+                <a:latin typeface="Times New Roman" panose="02020603050405020304" pitchFamily="18" charset="0"/>
+                <a:cs typeface="Times New Roman" panose="02020603050405020304" pitchFamily="18" charset="0"/>
+              </a:rPr>
+              <a:t>to calculate the errors of </a:t>
+            </a:r>
+            <a:r>
+              <a:rPr lang="en-US" altLang="zh-CN" dirty="0" err="1">
+                <a:latin typeface="Times New Roman" panose="02020603050405020304" pitchFamily="18" charset="0"/>
+                <a:cs typeface="Times New Roman" panose="02020603050405020304" pitchFamily="18" charset="0"/>
+              </a:rPr>
+              <a:t>ECsI</a:t>
+            </a:r>
+            <a:r>
+              <a:rPr lang="en-US" altLang="zh-CN" dirty="0">
+                <a:latin typeface="Times New Roman" panose="02020603050405020304" pitchFamily="18" charset="0"/>
+                <a:cs typeface="Times New Roman" panose="02020603050405020304" pitchFamily="18" charset="0"/>
+              </a:rPr>
+              <a:t> (MeV)</a:t>
+            </a:r>
+            <a:endParaRPr lang="en-US" altLang="zh-CN" dirty="0">
+              <a:latin typeface="Times New Roman" panose="02020603050405020304" pitchFamily="18" charset="0"/>
+              <a:cs typeface="Times New Roman" panose="02020603050405020304" pitchFamily="18" charset="0"/>
+            </a:endParaRPr>
+          </a:p>
+        </p:txBody>
+      </p:sp>
+      <p:pic>
+        <p:nvPicPr>
+          <p:cNvPr id="16" name="Picture 15"/>
+          <p:cNvPicPr>
+            <a:picLocks noChangeAspect="1"/>
+          </p:cNvPicPr>
+          <p:nvPr/>
+        </p:nvPicPr>
+        <p:blipFill>
+          <a:blip r:embed="rId6">
+            <a:extLst>
+              <a:ext uri="{28A0092B-C50C-407E-A947-70E740481C1C}">
+                <a14:useLocalDpi xmlns:a14="http://schemas.microsoft.com/office/drawing/2010/main" val="0"/>
+              </a:ext>
+            </a:extLst>
+          </a:blip>
+          <a:stretch>
+            <a:fillRect/>
+          </a:stretch>
+        </p:blipFill>
+        <p:spPr>
+          <a:xfrm>
+            <a:off x="8688547" y="3940828"/>
+            <a:ext cx="3069344" cy="2795906"/>
+          </a:xfrm>
+          <a:prstGeom prst="rect">
+            <a:avLst/>
+          </a:prstGeom>
+        </p:spPr>
+      </p:pic>
+    </p:spTree>
+    <p:extLst>
+      <p:ext uri="{BB962C8B-B14F-4D97-AF65-F5344CB8AC3E}">
+        <p14:creationId xmlns:p14="http://schemas.microsoft.com/office/powerpoint/2010/main" val="2312024231"/>
+      </p:ext>
+    </p:extLst>
+  </p:cSld>
+  <p:clrMapOvr>
+    <a:masterClrMapping/>
+  </p:clrMapOvr>
+</p:sld>
+</file>
+
+<file path=ppt/slides/slide27.xml><?xml version="1.0" encoding="utf-8"?>
+<p:sld xmlns:a="http://schemas.openxmlformats.org/drawingml/2006/main" xmlns:r="http://schemas.openxmlformats.org/officeDocument/2006/relationships" xmlns:p="http://schemas.openxmlformats.org/presentationml/2006/main">
+  <p:cSld>
+    <p:spTree>
+      <p:nvGrpSpPr>
+        <p:cNvPr id="1" name=""/>
+        <p:cNvGrpSpPr/>
+        <p:nvPr/>
+      </p:nvGrpSpPr>
+      <p:grpSpPr>
+        <a:xfrm>
+          <a:off x="0" y="0"/>
+          <a:ext cx="0" cy="0"/>
+          <a:chOff x="0" y="0"/>
+          <a:chExt cx="0" cy="0"/>
+        </a:xfrm>
+      </p:grpSpPr>
+      <p:pic>
+        <p:nvPicPr>
+          <p:cNvPr id="2" name="Picture 1"/>
+          <p:cNvPicPr>
+            <a:picLocks noChangeAspect="1"/>
+          </p:cNvPicPr>
+          <p:nvPr/>
+        </p:nvPicPr>
+        <p:blipFill>
+          <a:blip r:embed="rId2">
+            <a:extLst>
+              <a:ext uri="{28A0092B-C50C-407E-A947-70E740481C1C}">
+                <a14:useLocalDpi xmlns:a14="http://schemas.microsoft.com/office/drawing/2010/main" val="0"/>
+              </a:ext>
+            </a:extLst>
+          </a:blip>
+          <a:stretch>
+            <a:fillRect/>
+          </a:stretch>
+        </p:blipFill>
+        <p:spPr>
+          <a:xfrm>
+            <a:off x="634689" y="1118992"/>
+            <a:ext cx="9793067" cy="2791215"/>
+          </a:xfrm>
+          <a:prstGeom prst="rect">
+            <a:avLst/>
+          </a:prstGeom>
+        </p:spPr>
+      </p:pic>
+      <p:sp>
+        <p:nvSpPr>
+          <p:cNvPr id="3" name="Rectangle 2"/>
+          <p:cNvSpPr/>
+          <p:nvPr/>
+        </p:nvSpPr>
+        <p:spPr>
+          <a:xfrm>
+            <a:off x="340405" y="393557"/>
+            <a:ext cx="7109062" cy="369332"/>
+          </a:xfrm>
+          <a:prstGeom prst="rect">
+            <a:avLst/>
+          </a:prstGeom>
+        </p:spPr>
+        <p:txBody>
+          <a:bodyPr wrap="none">
+            <a:spAutoFit/>
+          </a:bodyPr>
+          <a:lstStyle/>
+          <a:p>
+            <a:r>
+              <a:rPr lang="en-US" dirty="0" smtClean="0">
+                <a:latin typeface="Times New Roman" panose="02020603050405020304" pitchFamily="18" charset="0"/>
+                <a:cs typeface="Times New Roman" panose="02020603050405020304" pitchFamily="18" charset="0"/>
+              </a:rPr>
+              <a:t>●  The method to estimate the errors of kinematics points in the program </a:t>
+            </a:r>
+            <a:endParaRPr lang="en-US" dirty="0">
+              <a:latin typeface="Times New Roman" panose="02020603050405020304" pitchFamily="18" charset="0"/>
+              <a:cs typeface="Times New Roman" panose="02020603050405020304" pitchFamily="18" charset="0"/>
+            </a:endParaRPr>
+          </a:p>
+        </p:txBody>
+      </p:sp>
     </p:spTree>
     <p:extLst>
       <p:ext uri="{BB962C8B-B14F-4D97-AF65-F5344CB8AC3E}">
@@ -10060,7 +12863,7 @@
 </p:sld>
 </file>
 
-<file path=ppt/slides/slide27.xml><?xml version="1.0" encoding="utf-8"?>
+<file path=ppt/slides/slide28.xml><?xml version="1.0" encoding="utf-8"?>
 <p:sld xmlns:a="http://schemas.openxmlformats.org/drawingml/2006/main" xmlns:r="http://schemas.openxmlformats.org/officeDocument/2006/relationships" xmlns:p="http://schemas.openxmlformats.org/presentationml/2006/main">
   <p:cSld>
     <p:spTree>
@@ -10090,36 +12893,6 @@
 </p:sld>
 </file>
 
-<file path=ppt/slides/slide28.xml><?xml version="1.0" encoding="utf-8"?>
-<p:sld xmlns:a="http://schemas.openxmlformats.org/drawingml/2006/main" xmlns:r="http://schemas.openxmlformats.org/officeDocument/2006/relationships" xmlns:p="http://schemas.openxmlformats.org/presentationml/2006/main">
-  <p:cSld>
-    <p:spTree>
-      <p:nvGrpSpPr>
-        <p:cNvPr id="1" name=""/>
-        <p:cNvGrpSpPr/>
-        <p:nvPr/>
-      </p:nvGrpSpPr>
-      <p:grpSpPr>
-        <a:xfrm>
-          <a:off x="0" y="0"/>
-          <a:ext cx="0" cy="0"/>
-          <a:chOff x="0" y="0"/>
-          <a:chExt cx="0" cy="0"/>
-        </a:xfrm>
-      </p:grpSpPr>
-    </p:spTree>
-    <p:extLst>
-      <p:ext uri="{BB962C8B-B14F-4D97-AF65-F5344CB8AC3E}">
-        <p14:creationId xmlns:p14="http://schemas.microsoft.com/office/powerpoint/2010/main" val="1402903831"/>
-      </p:ext>
-    </p:extLst>
-  </p:cSld>
-  <p:clrMapOvr>
-    <a:masterClrMapping/>
-  </p:clrMapOvr>
-</p:sld>
-</file>
-
 <file path=ppt/slides/slide29.xml><?xml version="1.0" encoding="utf-8"?>
 <p:sld xmlns:a="http://schemas.openxmlformats.org/drawingml/2006/main" xmlns:r="http://schemas.openxmlformats.org/officeDocument/2006/relationships" xmlns:p="http://schemas.openxmlformats.org/presentationml/2006/main">
   <p:cSld>
@@ -10137,10 +12910,100 @@
           <a:chExt cx="0" cy="0"/>
         </a:xfrm>
       </p:grpSpPr>
+      <p:sp>
+        <p:nvSpPr>
+          <p:cNvPr id="2" name="文本框 1"/>
+          <p:cNvSpPr txBox="1"/>
+          <p:nvPr/>
+        </p:nvSpPr>
+        <p:spPr>
+          <a:xfrm>
+            <a:off x="1733491" y="2257689"/>
+            <a:ext cx="8862792" cy="769441"/>
+          </a:xfrm>
+          <a:prstGeom prst="rect">
+            <a:avLst/>
+          </a:prstGeom>
+          <a:noFill/>
+        </p:spPr>
+        <p:txBody>
+          <a:bodyPr wrap="square" rtlCol="0">
+            <a:spAutoFit/>
+          </a:bodyPr>
+          <a:lstStyle/>
+          <a:p>
+            <a:r>
+              <a:rPr lang="en-US" altLang="zh-CN" sz="4400" b="1" u="sng" dirty="0" smtClean="0">
+                <a:solidFill>
+                  <a:schemeClr val="tx1">
+                    <a:lumMod val="95000"/>
+                    <a:lumOff val="5000"/>
+                  </a:schemeClr>
+                </a:solidFill>
+                <a:latin typeface="Times New Roman" panose="02020603050405020304" pitchFamily="18" charset="0"/>
+                <a:cs typeface="Times New Roman" panose="02020603050405020304" pitchFamily="18" charset="0"/>
+              </a:rPr>
+              <a:t> </a:t>
+            </a:r>
+            <a:r>
+              <a:rPr lang="en-US" altLang="zh-CN" sz="4400" b="1" u="sng" dirty="0">
+                <a:solidFill>
+                  <a:schemeClr val="tx1">
+                    <a:lumMod val="95000"/>
+                    <a:lumOff val="5000"/>
+                  </a:schemeClr>
+                </a:solidFill>
+                <a:latin typeface="Times New Roman" panose="02020603050405020304" pitchFamily="18" charset="0"/>
+                <a:cs typeface="Times New Roman" panose="02020603050405020304" pitchFamily="18" charset="0"/>
+              </a:rPr>
+              <a:t>3</a:t>
+            </a:r>
+            <a:r>
+              <a:rPr lang="en-US" altLang="zh-CN" sz="4400" b="1" u="sng" dirty="0" smtClean="0">
+                <a:solidFill>
+                  <a:schemeClr val="tx1">
+                    <a:lumMod val="95000"/>
+                    <a:lumOff val="5000"/>
+                  </a:schemeClr>
+                </a:solidFill>
+                <a:latin typeface="Times New Roman" panose="02020603050405020304" pitchFamily="18" charset="0"/>
+                <a:cs typeface="Times New Roman" panose="02020603050405020304" pitchFamily="18" charset="0"/>
+              </a:rPr>
+              <a:t>. How to </a:t>
+            </a:r>
+            <a:r>
+              <a:rPr lang="en-US" altLang="zh-CN" sz="4400" b="1" u="sng" dirty="0">
+                <a:solidFill>
+                  <a:schemeClr val="tx1">
+                    <a:lumMod val="95000"/>
+                    <a:lumOff val="5000"/>
+                  </a:schemeClr>
+                </a:solidFill>
+                <a:latin typeface="Times New Roman" panose="02020603050405020304" pitchFamily="18" charset="0"/>
+                <a:cs typeface="Times New Roman" panose="02020603050405020304" pitchFamily="18" charset="0"/>
+              </a:rPr>
+              <a:t>g</a:t>
+            </a:r>
+            <a:r>
+              <a:rPr lang="en-US" altLang="zh-CN" sz="4400" b="1" u="sng" dirty="0" smtClean="0">
+                <a:solidFill>
+                  <a:schemeClr val="tx1">
+                    <a:lumMod val="95000"/>
+                    <a:lumOff val="5000"/>
+                  </a:schemeClr>
+                </a:solidFill>
+                <a:latin typeface="Times New Roman" panose="02020603050405020304" pitchFamily="18" charset="0"/>
+                <a:cs typeface="Times New Roman" panose="02020603050405020304" pitchFamily="18" charset="0"/>
+              </a:rPr>
+              <a:t>et punch-through points?</a:t>
+            </a:r>
+          </a:p>
+        </p:txBody>
+      </p:sp>
     </p:spTree>
     <p:extLst>
       <p:ext uri="{BB962C8B-B14F-4D97-AF65-F5344CB8AC3E}">
-        <p14:creationId xmlns:p14="http://schemas.microsoft.com/office/powerpoint/2010/main" val="4162755065"/>
+        <p14:creationId xmlns:p14="http://schemas.microsoft.com/office/powerpoint/2010/main" val="3765826266"/>
       </p:ext>
     </p:extLst>
   </p:cSld>
@@ -10521,7 +13384,7 @@
     </p:spTree>
     <p:extLst>
       <p:ext uri="{BB962C8B-B14F-4D97-AF65-F5344CB8AC3E}">
-        <p14:creationId xmlns:p14="http://schemas.microsoft.com/office/powerpoint/2010/main" val="3877361556"/>
+        <p14:creationId xmlns:p14="http://schemas.microsoft.com/office/powerpoint/2010/main" val="1402903831"/>
       </p:ext>
     </p:extLst>
   </p:cSld>
@@ -10548,100 +13411,10 @@
           <a:chExt cx="0" cy="0"/>
         </a:xfrm>
       </p:grpSpPr>
-      <p:sp>
-        <p:nvSpPr>
-          <p:cNvPr id="2" name="文本框 1"/>
-          <p:cNvSpPr txBox="1"/>
-          <p:nvPr/>
-        </p:nvSpPr>
-        <p:spPr>
-          <a:xfrm>
-            <a:off x="1778314" y="2266654"/>
-            <a:ext cx="8862792" cy="769441"/>
-          </a:xfrm>
-          <a:prstGeom prst="rect">
-            <a:avLst/>
-          </a:prstGeom>
-          <a:noFill/>
-        </p:spPr>
-        <p:txBody>
-          <a:bodyPr wrap="square" rtlCol="0">
-            <a:spAutoFit/>
-          </a:bodyPr>
-          <a:lstStyle/>
-          <a:p>
-            <a:r>
-              <a:rPr lang="en-US" altLang="zh-CN" sz="4400" b="1" u="sng" dirty="0" smtClean="0">
-                <a:solidFill>
-                  <a:schemeClr val="tx1">
-                    <a:lumMod val="95000"/>
-                    <a:lumOff val="5000"/>
-                  </a:schemeClr>
-                </a:solidFill>
-                <a:latin typeface="Times New Roman" panose="02020603050405020304" pitchFamily="18" charset="0"/>
-                <a:cs typeface="Times New Roman" panose="02020603050405020304" pitchFamily="18" charset="0"/>
-              </a:rPr>
-              <a:t> </a:t>
-            </a:r>
-            <a:r>
-              <a:rPr lang="en-US" altLang="zh-CN" sz="4400" b="1" u="sng" dirty="0">
-                <a:solidFill>
-                  <a:schemeClr val="tx1">
-                    <a:lumMod val="95000"/>
-                    <a:lumOff val="5000"/>
-                  </a:schemeClr>
-                </a:solidFill>
-                <a:latin typeface="Times New Roman" panose="02020603050405020304" pitchFamily="18" charset="0"/>
-                <a:cs typeface="Times New Roman" panose="02020603050405020304" pitchFamily="18" charset="0"/>
-              </a:rPr>
-              <a:t>3</a:t>
-            </a:r>
-            <a:r>
-              <a:rPr lang="en-US" altLang="zh-CN" sz="4400" b="1" u="sng" dirty="0" smtClean="0">
-                <a:solidFill>
-                  <a:schemeClr val="tx1">
-                    <a:lumMod val="95000"/>
-                    <a:lumOff val="5000"/>
-                  </a:schemeClr>
-                </a:solidFill>
-                <a:latin typeface="Times New Roman" panose="02020603050405020304" pitchFamily="18" charset="0"/>
-                <a:cs typeface="Times New Roman" panose="02020603050405020304" pitchFamily="18" charset="0"/>
-              </a:rPr>
-              <a:t>. How to </a:t>
-            </a:r>
-            <a:r>
-              <a:rPr lang="en-US" altLang="zh-CN" sz="4400" b="1" u="sng" dirty="0">
-                <a:solidFill>
-                  <a:schemeClr val="tx1">
-                    <a:lumMod val="95000"/>
-                    <a:lumOff val="5000"/>
-                  </a:schemeClr>
-                </a:solidFill>
-                <a:latin typeface="Times New Roman" panose="02020603050405020304" pitchFamily="18" charset="0"/>
-                <a:cs typeface="Times New Roman" panose="02020603050405020304" pitchFamily="18" charset="0"/>
-              </a:rPr>
-              <a:t>g</a:t>
-            </a:r>
-            <a:r>
-              <a:rPr lang="en-US" altLang="zh-CN" sz="4400" b="1" u="sng" dirty="0" smtClean="0">
-                <a:solidFill>
-                  <a:schemeClr val="tx1">
-                    <a:lumMod val="95000"/>
-                    <a:lumOff val="5000"/>
-                  </a:schemeClr>
-                </a:solidFill>
-                <a:latin typeface="Times New Roman" panose="02020603050405020304" pitchFamily="18" charset="0"/>
-                <a:cs typeface="Times New Roman" panose="02020603050405020304" pitchFamily="18" charset="0"/>
-              </a:rPr>
-              <a:t>et punch-through points?</a:t>
-            </a:r>
-          </a:p>
-        </p:txBody>
-      </p:sp>
     </p:spTree>
     <p:extLst>
       <p:ext uri="{BB962C8B-B14F-4D97-AF65-F5344CB8AC3E}">
-        <p14:creationId xmlns:p14="http://schemas.microsoft.com/office/powerpoint/2010/main" val="3765826266"/>
+        <p14:creationId xmlns:p14="http://schemas.microsoft.com/office/powerpoint/2010/main" val="4162755065"/>
       </p:ext>
     </p:extLst>
   </p:cSld>
@@ -10671,7 +13444,7 @@
     </p:spTree>
     <p:extLst>
       <p:ext uri="{BB962C8B-B14F-4D97-AF65-F5344CB8AC3E}">
-        <p14:creationId xmlns:p14="http://schemas.microsoft.com/office/powerpoint/2010/main" val="2214897542"/>
+        <p14:creationId xmlns:p14="http://schemas.microsoft.com/office/powerpoint/2010/main" val="3877361556"/>
       </p:ext>
     </p:extLst>
   </p:cSld>
@@ -10701,7 +13474,7 @@
     </p:spTree>
     <p:extLst>
       <p:ext uri="{BB962C8B-B14F-4D97-AF65-F5344CB8AC3E}">
-        <p14:creationId xmlns:p14="http://schemas.microsoft.com/office/powerpoint/2010/main" val="3814204799"/>
+        <p14:creationId xmlns:p14="http://schemas.microsoft.com/office/powerpoint/2010/main" val="2214897542"/>
       </p:ext>
     </p:extLst>
   </p:cSld>
@@ -10731,7 +13504,7 @@
     </p:spTree>
     <p:extLst>
       <p:ext uri="{BB962C8B-B14F-4D97-AF65-F5344CB8AC3E}">
-        <p14:creationId xmlns:p14="http://schemas.microsoft.com/office/powerpoint/2010/main" val="748716555"/>
+        <p14:creationId xmlns:p14="http://schemas.microsoft.com/office/powerpoint/2010/main" val="3814204799"/>
       </p:ext>
     </p:extLst>
   </p:cSld>
@@ -10761,7 +13534,7 @@
     </p:spTree>
     <p:extLst>
       <p:ext uri="{BB962C8B-B14F-4D97-AF65-F5344CB8AC3E}">
-        <p14:creationId xmlns:p14="http://schemas.microsoft.com/office/powerpoint/2010/main" val="3127142134"/>
+        <p14:creationId xmlns:p14="http://schemas.microsoft.com/office/powerpoint/2010/main" val="748716555"/>
       </p:ext>
     </p:extLst>
   </p:cSld>
@@ -10791,7 +13564,7 @@
     </p:spTree>
     <p:extLst>
       <p:ext uri="{BB962C8B-B14F-4D97-AF65-F5344CB8AC3E}">
-        <p14:creationId xmlns:p14="http://schemas.microsoft.com/office/powerpoint/2010/main" val="3653187026"/>
+        <p14:creationId xmlns:p14="http://schemas.microsoft.com/office/powerpoint/2010/main" val="3127142134"/>
       </p:ext>
     </p:extLst>
   </p:cSld>
@@ -10818,87 +13591,10 @@
           <a:chExt cx="0" cy="0"/>
         </a:xfrm>
       </p:grpSpPr>
-      <p:sp>
-        <p:nvSpPr>
-          <p:cNvPr id="2" name="文本框 1"/>
-          <p:cNvSpPr txBox="1"/>
-          <p:nvPr/>
-        </p:nvSpPr>
-        <p:spPr>
-          <a:xfrm>
-            <a:off x="1312148" y="2015643"/>
-            <a:ext cx="9866840" cy="769441"/>
-          </a:xfrm>
-          <a:prstGeom prst="rect">
-            <a:avLst/>
-          </a:prstGeom>
-          <a:noFill/>
-        </p:spPr>
-        <p:txBody>
-          <a:bodyPr wrap="square" rtlCol="0">
-            <a:spAutoFit/>
-          </a:bodyPr>
-          <a:lstStyle/>
-          <a:p>
-            <a:r>
-              <a:rPr lang="en-US" altLang="zh-CN" sz="4400" b="1" u="sng" dirty="0" smtClean="0">
-                <a:solidFill>
-                  <a:schemeClr val="tx1">
-                    <a:lumMod val="95000"/>
-                    <a:lumOff val="5000"/>
-                  </a:schemeClr>
-                </a:solidFill>
-                <a:latin typeface="Times New Roman" panose="02020603050405020304" pitchFamily="18" charset="0"/>
-                <a:cs typeface="Times New Roman" panose="02020603050405020304" pitchFamily="18" charset="0"/>
-              </a:rPr>
-              <a:t> </a:t>
-            </a:r>
-            <a:r>
-              <a:rPr lang="en-US" altLang="zh-CN" sz="4000" b="1" u="sng" dirty="0" smtClean="0">
-                <a:solidFill>
-                  <a:schemeClr val="tx1">
-                    <a:lumMod val="95000"/>
-                    <a:lumOff val="5000"/>
-                  </a:schemeClr>
-                </a:solidFill>
-                <a:latin typeface="Times New Roman" panose="02020603050405020304" pitchFamily="18" charset="0"/>
-                <a:cs typeface="Times New Roman" panose="02020603050405020304" pitchFamily="18" charset="0"/>
-              </a:rPr>
-              <a:t>II. How to fit the datasets </a:t>
-            </a:r>
-            <a:r>
-              <a:rPr lang="en-US" altLang="zh-CN" sz="4000" b="1" u="sng" dirty="0" err="1" smtClean="0">
-                <a:solidFill>
-                  <a:schemeClr val="tx1">
-                    <a:lumMod val="95000"/>
-                    <a:lumOff val="5000"/>
-                  </a:schemeClr>
-                </a:solidFill>
-                <a:latin typeface="Times New Roman" panose="02020603050405020304" pitchFamily="18" charset="0"/>
-                <a:cs typeface="Times New Roman" panose="02020603050405020304" pitchFamily="18" charset="0"/>
-              </a:rPr>
-              <a:t>simutaneosly</a:t>
-            </a:r>
-            <a:r>
-              <a:rPr lang="en-US" altLang="zh-CN" sz="4000" b="1" u="sng" dirty="0" smtClean="0">
-                <a:solidFill>
-                  <a:schemeClr val="tx1">
-                    <a:lumMod val="95000"/>
-                    <a:lumOff val="5000"/>
-                  </a:schemeClr>
-                </a:solidFill>
-                <a:latin typeface="Times New Roman" panose="02020603050405020304" pitchFamily="18" charset="0"/>
-                <a:cs typeface="Times New Roman" panose="02020603050405020304" pitchFamily="18" charset="0"/>
-              </a:rPr>
-              <a:t>?</a:t>
-            </a:r>
-          </a:p>
-        </p:txBody>
-      </p:sp>
     </p:spTree>
     <p:extLst>
       <p:ext uri="{BB962C8B-B14F-4D97-AF65-F5344CB8AC3E}">
-        <p14:creationId xmlns:p14="http://schemas.microsoft.com/office/powerpoint/2010/main" val="1593889559"/>
+        <p14:creationId xmlns:p14="http://schemas.microsoft.com/office/powerpoint/2010/main" val="3653187026"/>
       </p:ext>
     </p:extLst>
   </p:cSld>
@@ -10925,10 +13621,84 @@
           <a:chExt cx="0" cy="0"/>
         </a:xfrm>
       </p:grpSpPr>
+      <p:sp>
+        <p:nvSpPr>
+          <p:cNvPr id="2" name="文本框 1"/>
+          <p:cNvSpPr txBox="1"/>
+          <p:nvPr/>
+        </p:nvSpPr>
+        <p:spPr>
+          <a:xfrm>
+            <a:off x="2011395" y="2006679"/>
+            <a:ext cx="8199405" cy="769441"/>
+          </a:xfrm>
+          <a:prstGeom prst="rect">
+            <a:avLst/>
+          </a:prstGeom>
+          <a:noFill/>
+        </p:spPr>
+        <p:txBody>
+          <a:bodyPr wrap="square" rtlCol="0">
+            <a:spAutoFit/>
+          </a:bodyPr>
+          <a:lstStyle/>
+          <a:p>
+            <a:r>
+              <a:rPr lang="en-US" altLang="zh-CN" sz="4400" b="1" u="sng" dirty="0" smtClean="0">
+                <a:solidFill>
+                  <a:schemeClr val="tx1">
+                    <a:lumMod val="95000"/>
+                    <a:lumOff val="5000"/>
+                  </a:schemeClr>
+                </a:solidFill>
+                <a:latin typeface="Times New Roman" panose="02020603050405020304" pitchFamily="18" charset="0"/>
+                <a:cs typeface="Times New Roman" panose="02020603050405020304" pitchFamily="18" charset="0"/>
+              </a:rPr>
+              <a:t> </a:t>
+            </a:r>
+            <a:r>
+              <a:rPr lang="en-US" altLang="zh-CN" sz="4000" b="1" u="sng" dirty="0" smtClean="0">
+                <a:solidFill>
+                  <a:schemeClr val="tx1">
+                    <a:lumMod val="95000"/>
+                    <a:lumOff val="5000"/>
+                  </a:schemeClr>
+                </a:solidFill>
+                <a:latin typeface="Times New Roman" panose="02020603050405020304" pitchFamily="18" charset="0"/>
+                <a:cs typeface="Times New Roman" panose="02020603050405020304" pitchFamily="18" charset="0"/>
+              </a:rPr>
+              <a:t>II. How to </a:t>
+            </a:r>
+            <a:r>
+              <a:rPr lang="en-US" altLang="zh-CN" sz="4000" b="1" u="sng" dirty="0" smtClean="0">
+                <a:solidFill>
+                  <a:schemeClr val="tx1">
+                    <a:lumMod val="95000"/>
+                    <a:lumOff val="5000"/>
+                  </a:schemeClr>
+                </a:solidFill>
+                <a:latin typeface="Times New Roman" panose="02020603050405020304" pitchFamily="18" charset="0"/>
+                <a:cs typeface="Times New Roman" panose="02020603050405020304" pitchFamily="18" charset="0"/>
+              </a:rPr>
+              <a:t>do simultaneous fit?</a:t>
+            </a:r>
+            <a:endParaRPr lang="en-US" altLang="zh-CN" sz="4000" b="1" u="sng" dirty="0" smtClean="0">
+              <a:solidFill>
+                <a:schemeClr val="tx1">
+                  <a:lumMod val="95000"/>
+                  <a:lumOff val="5000"/>
+                </a:schemeClr>
+              </a:solidFill>
+              <a:latin typeface="Times New Roman" panose="02020603050405020304" pitchFamily="18" charset="0"/>
+              <a:cs typeface="Times New Roman" panose="02020603050405020304" pitchFamily="18" charset="0"/>
+            </a:endParaRPr>
+          </a:p>
+        </p:txBody>
+      </p:sp>
     </p:spTree>
     <p:extLst>
       <p:ext uri="{BB962C8B-B14F-4D97-AF65-F5344CB8AC3E}">
-        <p14:creationId xmlns:p14="http://schemas.microsoft.com/office/powerpoint/2010/main" val="3791202161"/>
+        <p14:creationId xmlns:p14="http://schemas.microsoft.com/office/powerpoint/2010/main" val="1593889559"/>
       </p:ext>
     </p:extLst>
   </p:cSld>
@@ -10958,7 +13728,7 @@
     </p:spTree>
     <p:extLst>
       <p:ext uri="{BB962C8B-B14F-4D97-AF65-F5344CB8AC3E}">
-        <p14:creationId xmlns:p14="http://schemas.microsoft.com/office/powerpoint/2010/main" val="3837352207"/>
+        <p14:creationId xmlns:p14="http://schemas.microsoft.com/office/powerpoint/2010/main" val="3791202161"/>
       </p:ext>
     </p:extLst>
   </p:cSld>
@@ -11243,7 +14013,7 @@
     </p:spTree>
     <p:extLst>
       <p:ext uri="{BB962C8B-B14F-4D97-AF65-F5344CB8AC3E}">
-        <p14:creationId xmlns:p14="http://schemas.microsoft.com/office/powerpoint/2010/main" val="4032486691"/>
+        <p14:creationId xmlns:p14="http://schemas.microsoft.com/office/powerpoint/2010/main" val="3837352207"/>
       </p:ext>
     </p:extLst>
   </p:cSld>
@@ -11273,7 +14043,7 @@
     </p:spTree>
     <p:extLst>
       <p:ext uri="{BB962C8B-B14F-4D97-AF65-F5344CB8AC3E}">
-        <p14:creationId xmlns:p14="http://schemas.microsoft.com/office/powerpoint/2010/main" val="3692488892"/>
+        <p14:creationId xmlns:p14="http://schemas.microsoft.com/office/powerpoint/2010/main" val="4032486691"/>
       </p:ext>
     </p:extLst>
   </p:cSld>
@@ -11303,7 +14073,7 @@
     </p:spTree>
     <p:extLst>
       <p:ext uri="{BB962C8B-B14F-4D97-AF65-F5344CB8AC3E}">
-        <p14:creationId xmlns:p14="http://schemas.microsoft.com/office/powerpoint/2010/main" val="3342750008"/>
+        <p14:creationId xmlns:p14="http://schemas.microsoft.com/office/powerpoint/2010/main" val="3692488892"/>
       </p:ext>
     </p:extLst>
   </p:cSld>
@@ -11330,71 +14100,10 @@
           <a:chExt cx="0" cy="0"/>
         </a:xfrm>
       </p:grpSpPr>
-      <p:sp>
-        <p:nvSpPr>
-          <p:cNvPr id="2" name="文本框 1"/>
-          <p:cNvSpPr txBox="1"/>
-          <p:nvPr/>
-        </p:nvSpPr>
-        <p:spPr>
-          <a:xfrm>
-            <a:off x="3391960" y="2428019"/>
-            <a:ext cx="6567828" cy="769441"/>
-          </a:xfrm>
-          <a:prstGeom prst="rect">
-            <a:avLst/>
-          </a:prstGeom>
-          <a:noFill/>
-        </p:spPr>
-        <p:txBody>
-          <a:bodyPr wrap="square" rtlCol="0">
-            <a:spAutoFit/>
-          </a:bodyPr>
-          <a:lstStyle/>
-          <a:p>
-            <a:r>
-              <a:rPr lang="en-US" altLang="zh-CN" sz="4400" b="1" u="sng" dirty="0" smtClean="0">
-                <a:solidFill>
-                  <a:schemeClr val="tx1">
-                    <a:lumMod val="95000"/>
-                    <a:lumOff val="5000"/>
-                  </a:schemeClr>
-                </a:solidFill>
-                <a:latin typeface="Times New Roman" panose="02020603050405020304" pitchFamily="18" charset="0"/>
-                <a:cs typeface="Times New Roman" panose="02020603050405020304" pitchFamily="18" charset="0"/>
-              </a:rPr>
-              <a:t> </a:t>
-            </a:r>
-            <a:r>
-              <a:rPr lang="en-US" altLang="zh-CN" sz="4400" b="1" u="sng" dirty="0" smtClean="0">
-                <a:solidFill>
-                  <a:schemeClr val="tx1">
-                    <a:lumMod val="95000"/>
-                    <a:lumOff val="5000"/>
-                  </a:schemeClr>
-                </a:solidFill>
-                <a:latin typeface="Times New Roman" panose="02020603050405020304" pitchFamily="18" charset="0"/>
-                <a:cs typeface="Times New Roman" panose="02020603050405020304" pitchFamily="18" charset="0"/>
-              </a:rPr>
-              <a:t> Some basic questions?</a:t>
-            </a:r>
-            <a:endParaRPr lang="en-US" altLang="zh-CN" sz="4400" b="1" u="sng" dirty="0" smtClean="0">
-              <a:solidFill>
-                <a:schemeClr val="tx1">
-                  <a:lumMod val="95000"/>
-                  <a:lumOff val="5000"/>
-                </a:schemeClr>
-              </a:solidFill>
-              <a:latin typeface="Times New Roman" panose="02020603050405020304" pitchFamily="18" charset="0"/>
-              <a:cs typeface="Times New Roman" panose="02020603050405020304" pitchFamily="18" charset="0"/>
-            </a:endParaRPr>
-          </a:p>
-        </p:txBody>
-      </p:sp>
     </p:spTree>
     <p:extLst>
       <p:ext uri="{BB962C8B-B14F-4D97-AF65-F5344CB8AC3E}">
-        <p14:creationId xmlns:p14="http://schemas.microsoft.com/office/powerpoint/2010/main" val="1562348940"/>
+        <p14:creationId xmlns:p14="http://schemas.microsoft.com/office/powerpoint/2010/main" val="3342750008"/>
       </p:ext>
     </p:extLst>
   </p:cSld>
@@ -11421,46 +14130,16 @@
           <a:chExt cx="0" cy="0"/>
         </a:xfrm>
       </p:grpSpPr>
-      <p:pic>
-        <p:nvPicPr>
-          <p:cNvPr id="2" name="图片 16"/>
-          <p:cNvPicPr>
-            <a:picLocks noChangeAspect="1"/>
-          </p:cNvPicPr>
-          <p:nvPr/>
-        </p:nvPicPr>
-        <p:blipFill>
-          <a:blip r:embed="rId2">
-            <a:extLst>
-              <a:ext uri="{28A0092B-C50C-407E-A947-70E740481C1C}">
-                <a14:useLocalDpi xmlns:a14="http://schemas.microsoft.com/office/drawing/2010/main" val="0"/>
-              </a:ext>
-            </a:extLst>
-          </a:blip>
-          <a:stretch>
-            <a:fillRect/>
-          </a:stretch>
-        </p:blipFill>
-        <p:spPr>
-          <a:xfrm>
-            <a:off x="6223001" y="2034988"/>
-            <a:ext cx="5673163" cy="4059368"/>
-          </a:xfrm>
-          <a:prstGeom prst="rect">
-            <a:avLst/>
-          </a:prstGeom>
-        </p:spPr>
-      </p:pic>
-      <p:sp>
-        <p:nvSpPr>
-          <p:cNvPr id="3" name="TextBox 2"/>
+      <p:sp>
+        <p:nvSpPr>
+          <p:cNvPr id="2" name="文本框 1"/>
           <p:cNvSpPr txBox="1"/>
           <p:nvPr/>
         </p:nvSpPr>
         <p:spPr>
           <a:xfrm>
-            <a:off x="466165" y="448235"/>
-            <a:ext cx="4312023" cy="369332"/>
+            <a:off x="3131984" y="2257689"/>
+            <a:ext cx="6567828" cy="769441"/>
           </a:xfrm>
           <a:prstGeom prst="rect">
             <a:avLst/>
@@ -11474,23 +14153,25 @@
           <a:lstStyle/>
           <a:p>
             <a:r>
-              <a:rPr lang="en-US" b="1" u="sng" dirty="0" smtClean="0">
-                <a:latin typeface="Times New Roman" panose="02020603050405020304" pitchFamily="18" charset="0"/>
-                <a:cs typeface="Times New Roman" panose="02020603050405020304" pitchFamily="18" charset="0"/>
-              </a:rPr>
-              <a:t>Q1: How to build the ∆E-E spectra?</a:t>
-            </a:r>
-            <a:endParaRPr lang="en-US" b="1" u="sng" dirty="0">
-              <a:latin typeface="Times New Roman" panose="02020603050405020304" pitchFamily="18" charset="0"/>
-              <a:cs typeface="Times New Roman" panose="02020603050405020304" pitchFamily="18" charset="0"/>
-            </a:endParaRPr>
+              <a:rPr lang="en-US" altLang="zh-CN" sz="4400" b="1" u="sng" dirty="0" smtClean="0">
+                <a:solidFill>
+                  <a:schemeClr val="tx1">
+                    <a:lumMod val="95000"/>
+                    <a:lumOff val="5000"/>
+                  </a:schemeClr>
+                </a:solidFill>
+                <a:latin typeface="Times New Roman" panose="02020603050405020304" pitchFamily="18" charset="0"/>
+                <a:cs typeface="Times New Roman" panose="02020603050405020304" pitchFamily="18" charset="0"/>
+              </a:rPr>
+              <a:t>  Some basic questions?</a:t>
+            </a:r>
           </a:p>
         </p:txBody>
       </p:sp>
     </p:spTree>
     <p:extLst>
       <p:ext uri="{BB962C8B-B14F-4D97-AF65-F5344CB8AC3E}">
-        <p14:creationId xmlns:p14="http://schemas.microsoft.com/office/powerpoint/2010/main" val="1846347787"/>
+        <p14:creationId xmlns:p14="http://schemas.microsoft.com/office/powerpoint/2010/main" val="1562348940"/>
       </p:ext>
     </p:extLst>
   </p:cSld>
@@ -11519,7 +14200,7 @@
       </p:grpSpPr>
       <p:pic>
         <p:nvPicPr>
-          <p:cNvPr id="2" name="图片 3"/>
+          <p:cNvPr id="2" name="图片 16"/>
           <p:cNvPicPr>
             <a:picLocks noChangeAspect="1"/>
           </p:cNvPicPr>
@@ -11539,6 +14220,102 @@
         </p:blipFill>
         <p:spPr>
           <a:xfrm>
+            <a:off x="6223001" y="2034988"/>
+            <a:ext cx="5673163" cy="4059368"/>
+          </a:xfrm>
+          <a:prstGeom prst="rect">
+            <a:avLst/>
+          </a:prstGeom>
+        </p:spPr>
+      </p:pic>
+      <p:sp>
+        <p:nvSpPr>
+          <p:cNvPr id="3" name="TextBox 2"/>
+          <p:cNvSpPr txBox="1"/>
+          <p:nvPr/>
+        </p:nvSpPr>
+        <p:spPr>
+          <a:xfrm>
+            <a:off x="466165" y="448235"/>
+            <a:ext cx="4312023" cy="369332"/>
+          </a:xfrm>
+          <a:prstGeom prst="rect">
+            <a:avLst/>
+          </a:prstGeom>
+          <a:noFill/>
+        </p:spPr>
+        <p:txBody>
+          <a:bodyPr wrap="square" rtlCol="0">
+            <a:spAutoFit/>
+          </a:bodyPr>
+          <a:lstStyle/>
+          <a:p>
+            <a:r>
+              <a:rPr lang="en-US" b="1" u="sng" dirty="0" smtClean="0">
+                <a:latin typeface="Times New Roman" panose="02020603050405020304" pitchFamily="18" charset="0"/>
+                <a:cs typeface="Times New Roman" panose="02020603050405020304" pitchFamily="18" charset="0"/>
+              </a:rPr>
+              <a:t>Q1: How to build the ∆E-E spectra?</a:t>
+            </a:r>
+            <a:endParaRPr lang="en-US" b="1" u="sng" dirty="0">
+              <a:latin typeface="Times New Roman" panose="02020603050405020304" pitchFamily="18" charset="0"/>
+              <a:cs typeface="Times New Roman" panose="02020603050405020304" pitchFamily="18" charset="0"/>
+            </a:endParaRPr>
+          </a:p>
+        </p:txBody>
+      </p:sp>
+    </p:spTree>
+    <p:extLst>
+      <p:ext uri="{BB962C8B-B14F-4D97-AF65-F5344CB8AC3E}">
+        <p14:creationId xmlns:p14="http://schemas.microsoft.com/office/powerpoint/2010/main" val="1846347787"/>
+      </p:ext>
+    </p:extLst>
+  </p:cSld>
+  <p:clrMapOvr>
+    <a:masterClrMapping/>
+  </p:clrMapOvr>
+</p:sld>
+</file>
+
+<file path=ppt/slides/slide46.xml><?xml version="1.0" encoding="utf-8"?>
+<p:sld xmlns:a="http://schemas.openxmlformats.org/drawingml/2006/main" xmlns:r="http://schemas.openxmlformats.org/officeDocument/2006/relationships" xmlns:p="http://schemas.openxmlformats.org/presentationml/2006/main">
+  <p:cSld>
+    <p:spTree>
+      <p:nvGrpSpPr>
+        <p:cNvPr id="1" name=""/>
+        <p:cNvGrpSpPr/>
+        <p:nvPr/>
+      </p:nvGrpSpPr>
+      <p:grpSpPr>
+        <a:xfrm>
+          <a:off x="0" y="0"/>
+          <a:ext cx="0" cy="0"/>
+          <a:chOff x="0" y="0"/>
+          <a:chExt cx="0" cy="0"/>
+        </a:xfrm>
+      </p:grpSpPr>
+      <p:pic>
+        <p:nvPicPr>
+          <p:cNvPr id="2" name="图片 3"/>
+          <p:cNvPicPr>
+            <a:picLocks noChangeAspect="1"/>
+          </p:cNvPicPr>
+          <p:nvPr/>
+        </p:nvPicPr>
+        <p:blipFill>
+          <a:blip r:embed="rId2">
+            <a:extLst>
+              <a:ext uri="{28A0092B-C50C-407E-A947-70E740481C1C}">
+                <a14:useLocalDpi xmlns:a14="http://schemas.microsoft.com/office/drawing/2010/main" val="0"/>
+              </a:ext>
+            </a:extLst>
+          </a:blip>
+          <a:stretch>
+            <a:fillRect/>
+          </a:stretch>
+        </p:blipFill>
+        <p:spPr>
+          <a:xfrm>
             <a:off x="8397471" y="1497620"/>
             <a:ext cx="2782282" cy="4675895"/>
           </a:xfrm>
@@ -11596,7 +14373,7 @@
 </p:sld>
 </file>
 
-<file path=ppt/slides/slide46.xml><?xml version="1.0" encoding="utf-8"?>
+<file path=ppt/slides/slide47.xml><?xml version="1.0" encoding="utf-8"?>
 <p:sld xmlns:a="http://schemas.openxmlformats.org/drawingml/2006/main" xmlns:r="http://schemas.openxmlformats.org/officeDocument/2006/relationships" xmlns:p="http://schemas.openxmlformats.org/presentationml/2006/main">
   <p:cSld>
     <p:spTree>
@@ -11626,7 +14403,7 @@
 </p:sld>
 </file>
 
-<file path=ppt/slides/slide47.xml><?xml version="1.0" encoding="utf-8"?>
+<file path=ppt/slides/slide48.xml><?xml version="1.0" encoding="utf-8"?>
 <p:sld xmlns:a="http://schemas.openxmlformats.org/drawingml/2006/main" xmlns:r="http://schemas.openxmlformats.org/officeDocument/2006/relationships" xmlns:p="http://schemas.openxmlformats.org/presentationml/2006/main">
   <p:cSld>
     <p:spTree>
@@ -11935,7 +14712,7 @@
             <a:r>
               <a:rPr lang="en-US" b="1" dirty="0" smtClean="0">
                 <a:solidFill>
-                  <a:srgbClr val="002060"/>
+                  <a:srgbClr val="81ABFF"/>
                 </a:solidFill>
                 <a:latin typeface="Times New Roman" panose="02020603050405020304" pitchFamily="18" charset="0"/>
                 <a:cs typeface="Times New Roman" panose="02020603050405020304" pitchFamily="18" charset="0"/>
@@ -11944,21 +14721,28 @@
             </a:r>
             <a:endParaRPr lang="en-US" b="1" u="sng" dirty="0" smtClean="0">
               <a:solidFill>
-                <a:srgbClr val="002060"/>
+                <a:srgbClr val="81ABFF"/>
               </a:solidFill>
             </a:endParaRPr>
           </a:p>
           <a:p>
             <a:r>
-              <a:rPr lang="en-US" b="1" dirty="0"/>
+              <a:rPr lang="en-US" dirty="0"/>
               <a:t> </a:t>
             </a:r>
             <a:r>
-              <a:rPr lang="en-US" b="1" dirty="0" smtClean="0">
-                <a:latin typeface="Times New Roman" panose="02020603050405020304" pitchFamily="18" charset="0"/>
-                <a:cs typeface="Times New Roman" panose="02020603050405020304" pitchFamily="18" charset="0"/>
-              </a:rPr>
-              <a:t>(1) </a:t>
+              <a:rPr lang="en-US" dirty="0" smtClean="0">
+                <a:latin typeface="Times New Roman" panose="02020603050405020304" pitchFamily="18" charset="0"/>
+                <a:cs typeface="Times New Roman" panose="02020603050405020304" pitchFamily="18" charset="0"/>
+              </a:rPr>
+              <a:t>●</a:t>
+            </a:r>
+            <a:r>
+              <a:rPr lang="en-US" dirty="0" smtClean="0">
+                <a:latin typeface="Times New Roman" panose="02020603050405020304" pitchFamily="18" charset="0"/>
+                <a:cs typeface="Times New Roman" panose="02020603050405020304" pitchFamily="18" charset="0"/>
+              </a:rPr>
+              <a:t> </a:t>
             </a:r>
             <a:r>
               <a:rPr lang="en-US" dirty="0" smtClean="0">
@@ -12043,7 +14827,7 @@
             <a:r>
               <a:rPr lang="en-US" b="1" dirty="0" smtClean="0">
                 <a:solidFill>
-                  <a:srgbClr val="002060"/>
+                  <a:srgbClr val="81ABFF"/>
                 </a:solidFill>
                 <a:latin typeface="Times New Roman" panose="02020603050405020304" pitchFamily="18" charset="0"/>
                 <a:cs typeface="Times New Roman" panose="02020603050405020304" pitchFamily="18" charset="0"/>
@@ -12053,22 +14837,15 @@
             <a:r>
               <a:rPr lang="en-US" b="1" u="sng" dirty="0" smtClean="0">
                 <a:solidFill>
-                  <a:srgbClr val="002060"/>
-                </a:solidFill>
-              </a:rPr>
-              <a:t> </a:t>
-            </a:r>
-            <a:r>
-              <a:rPr lang="en-US" b="1" u="sng" dirty="0" smtClean="0">
-                <a:solidFill>
-                  <a:schemeClr val="bg2">
-                    <a:lumMod val="75000"/>
-                  </a:schemeClr>
-                </a:solidFill>
-              </a:rPr>
-              <a:t> </a:t>
+                  <a:srgbClr val="81ABFF"/>
+                </a:solidFill>
+              </a:rPr>
+              <a:t>  </a:t>
             </a:r>
             <a:endParaRPr lang="en-US" b="1" u="sng" dirty="0">
+              <a:solidFill>
+                <a:srgbClr val="81ABFF"/>
+              </a:solidFill>
               <a:latin typeface="Times New Roman" panose="02020603050405020304" pitchFamily="18" charset="0"/>
               <a:cs typeface="Times New Roman" panose="02020603050405020304" pitchFamily="18" charset="0"/>
             </a:endParaRPr>
@@ -12082,11 +14859,25 @@
               <a:t> </a:t>
             </a:r>
             <a:r>
+              <a:rPr lang="en-US" dirty="0" smtClean="0">
+                <a:latin typeface="Times New Roman" panose="02020603050405020304" pitchFamily="18" charset="0"/>
+                <a:cs typeface="Times New Roman" panose="02020603050405020304" pitchFamily="18" charset="0"/>
+              </a:rPr>
+              <a:t>● </a:t>
+            </a:r>
+            <a:r>
               <a:rPr lang="en-US" altLang="zh-CN" dirty="0" smtClean="0">
                 <a:latin typeface="Times New Roman" panose="02020603050405020304" pitchFamily="18" charset="0"/>
                 <a:cs typeface="Times New Roman" panose="02020603050405020304" pitchFamily="18" charset="0"/>
               </a:rPr>
-              <a:t>(1) Within the cut region, take samples points of a constant bin step in X-axis, make projection  </a:t>
+              <a:t>Within </a:t>
+            </a:r>
+            <a:r>
+              <a:rPr lang="en-US" altLang="zh-CN" dirty="0" smtClean="0">
+                <a:latin typeface="Times New Roman" panose="02020603050405020304" pitchFamily="18" charset="0"/>
+                <a:cs typeface="Times New Roman" panose="02020603050405020304" pitchFamily="18" charset="0"/>
+              </a:rPr>
+              <a:t>the cut region, take samples points of a constant bin step in X-axis, make projection  </a:t>
             </a:r>
             <a:r>
               <a:rPr lang="en-US" dirty="0" smtClean="0">
@@ -12200,25 +14991,15 @@
           </a:p>
           <a:p>
             <a:r>
-              <a:rPr lang="en-US" dirty="0" smtClean="0">
-                <a:latin typeface="Times New Roman" panose="02020603050405020304" pitchFamily="18" charset="0"/>
-                <a:cs typeface="Times New Roman" panose="02020603050405020304" pitchFamily="18" charset="0"/>
-              </a:rPr>
-              <a:t> (</a:t>
+              <a:rPr lang="en-US" dirty="0"/>
+              <a:t> </a:t>
             </a:r>
             <a:r>
               <a:rPr lang="en-US" dirty="0">
                 <a:latin typeface="Times New Roman" panose="02020603050405020304" pitchFamily="18" charset="0"/>
                 <a:cs typeface="Times New Roman" panose="02020603050405020304" pitchFamily="18" charset="0"/>
               </a:rPr>
-              <a:t>2</a:t>
-            </a:r>
-            <a:r>
-              <a:rPr lang="en-US" dirty="0" smtClean="0">
-                <a:latin typeface="Times New Roman" panose="02020603050405020304" pitchFamily="18" charset="0"/>
-                <a:cs typeface="Times New Roman" panose="02020603050405020304" pitchFamily="18" charset="0"/>
-              </a:rPr>
-              <a:t>)  Use </a:t>
+              <a:t>● Use </a:t>
             </a:r>
             <a:r>
               <a:rPr lang="en-US" i="1" dirty="0" err="1" smtClean="0">
@@ -12543,44 +15324,46 @@
                 <a:latin typeface="Times New Roman" panose="02020603050405020304" pitchFamily="18" charset="0"/>
                 <a:cs typeface="Times New Roman" panose="02020603050405020304" pitchFamily="18" charset="0"/>
               </a:rPr>
-              <a:t>Step 3: </a:t>
+              <a:t>Step 3</a:t>
+            </a:r>
+            <a:r>
+              <a:rPr lang="en-US" b="1" u="sng" dirty="0" smtClean="0">
+                <a:solidFill>
+                  <a:srgbClr val="81ABFF"/>
+                </a:solidFill>
+                <a:latin typeface="Times New Roman" panose="02020603050405020304" pitchFamily="18" charset="0"/>
+                <a:cs typeface="Times New Roman" panose="02020603050405020304" pitchFamily="18" charset="0"/>
+              </a:rPr>
+              <a:t>: </a:t>
             </a:r>
             <a:r>
               <a:rPr lang="en-US" b="1" dirty="0" smtClean="0">
                 <a:solidFill>
-                  <a:schemeClr val="bg2">
-                    <a:lumMod val="75000"/>
-                  </a:schemeClr>
-                </a:solidFill>
-                <a:latin typeface="Times New Roman" panose="02020603050405020304" pitchFamily="18" charset="0"/>
-                <a:cs typeface="Times New Roman" panose="02020603050405020304" pitchFamily="18" charset="0"/>
-              </a:rPr>
-              <a:t>   </a:t>
-            </a:r>
-            <a:r>
-              <a:rPr lang="en-US" b="1" dirty="0" smtClean="0">
-                <a:solidFill>
-                  <a:srgbClr val="002060"/>
-                </a:solidFill>
-                <a:latin typeface="Times New Roman" panose="02020603050405020304" pitchFamily="18" charset="0"/>
-                <a:cs typeface="Times New Roman" panose="02020603050405020304" pitchFamily="18" charset="0"/>
-              </a:rPr>
-              <a:t>(macro to be used:  00DEEProfilingPoints/ macro_CsIPIDCalibrationPointsFromProfiling.cpp)</a:t>
+                  <a:srgbClr val="81ABFF"/>
+                </a:solidFill>
+                <a:latin typeface="Times New Roman" panose="02020603050405020304" pitchFamily="18" charset="0"/>
+                <a:cs typeface="Times New Roman" panose="02020603050405020304" pitchFamily="18" charset="0"/>
+              </a:rPr>
+              <a:t>   (macro to be used:  00DEEProfilingPoints/ macro_CsIPIDCalibrationPointsFromProfiling.cpp)</a:t>
             </a:r>
             <a:endParaRPr lang="en-US" b="1" u="sng" dirty="0">
               <a:solidFill>
-                <a:srgbClr val="002060"/>
+                <a:srgbClr val="81ABFF"/>
               </a:solidFill>
               <a:latin typeface="Times New Roman" panose="02020603050405020304" pitchFamily="18" charset="0"/>
               <a:cs typeface="Times New Roman" panose="02020603050405020304" pitchFamily="18" charset="0"/>
             </a:endParaRPr>
           </a:p>
           <a:p>
-            <a:pPr marL="342900" indent="-342900">
-              <a:buAutoNum type="arabicParenBoth"/>
-            </a:pPr>
             <a:r>
               <a:rPr lang="en-US" dirty="0" smtClean="0">
+                <a:latin typeface="Times New Roman" panose="02020603050405020304" pitchFamily="18" charset="0"/>
+                <a:cs typeface="Times New Roman" panose="02020603050405020304" pitchFamily="18" charset="0"/>
+              </a:rPr>
+              <a:t>● </a:t>
+            </a:r>
+            <a:r>
+              <a:rPr lang="en-US" dirty="0">
                 <a:latin typeface="Times New Roman" panose="02020603050405020304" pitchFamily="18" charset="0"/>
                 <a:cs typeface="Times New Roman" panose="02020603050405020304" pitchFamily="18" charset="0"/>
               </a:rPr>
@@ -12757,7 +15540,7 @@
         <p:spPr>
           <a:xfrm>
             <a:off x="100545" y="178405"/>
-            <a:ext cx="10540561" cy="4247317"/>
+            <a:ext cx="10540561" cy="4524315"/>
           </a:xfrm>
           <a:prstGeom prst="rect">
             <a:avLst/>
@@ -12795,8 +15578,66 @@
                 <a:latin typeface="Times New Roman" panose="02020603050405020304" pitchFamily="18" charset="0"/>
                 <a:cs typeface="Times New Roman" panose="02020603050405020304" pitchFamily="18" charset="0"/>
               </a:rPr>
-              <a:t> errors of ∆E-E points</a:t>
-            </a:r>
+              <a:t> errors of ∆E-E </a:t>
+            </a:r>
+            <a:r>
+              <a:rPr lang="en-US" dirty="0" smtClean="0">
+                <a:latin typeface="Times New Roman" panose="02020603050405020304" pitchFamily="18" charset="0"/>
+                <a:cs typeface="Times New Roman" panose="02020603050405020304" pitchFamily="18" charset="0"/>
+              </a:rPr>
+              <a:t>points</a:t>
+            </a:r>
+          </a:p>
+          <a:p>
+            <a:r>
+              <a:rPr lang="en-US" b="1" dirty="0">
+                <a:solidFill>
+                  <a:srgbClr val="81ABFF"/>
+                </a:solidFill>
+                <a:latin typeface="Times New Roman" panose="02020603050405020304" pitchFamily="18" charset="0"/>
+                <a:cs typeface="Times New Roman" panose="02020603050405020304" pitchFamily="18" charset="0"/>
+              </a:rPr>
+              <a:t>(macro to be used:  00DEEProfilingPoints/ macro_CsIDEEProfiling.cpp</a:t>
+            </a:r>
+            <a:r>
+              <a:rPr lang="en-US" b="1" dirty="0" smtClean="0">
+                <a:solidFill>
+                  <a:srgbClr val="81ABFF"/>
+                </a:solidFill>
+                <a:latin typeface="Times New Roman" panose="02020603050405020304" pitchFamily="18" charset="0"/>
+                <a:cs typeface="Times New Roman" panose="02020603050405020304" pitchFamily="18" charset="0"/>
+              </a:rPr>
+              <a:t>)</a:t>
+            </a:r>
+          </a:p>
+          <a:p>
+            <a:r>
+              <a:rPr lang="en-US" b="1" dirty="0" smtClean="0">
+                <a:solidFill>
+                  <a:srgbClr val="81ABFF"/>
+                </a:solidFill>
+                <a:latin typeface="Times New Roman" panose="02020603050405020304" pitchFamily="18" charset="0"/>
+                <a:cs typeface="Times New Roman" panose="02020603050405020304" pitchFamily="18" charset="0"/>
+              </a:rPr>
+              <a:t>(</a:t>
+            </a:r>
+            <a:r>
+              <a:rPr lang="en-US" b="1" dirty="0">
+                <a:solidFill>
+                  <a:srgbClr val="81ABFF"/>
+                </a:solidFill>
+                <a:latin typeface="Times New Roman" panose="02020603050405020304" pitchFamily="18" charset="0"/>
+                <a:cs typeface="Times New Roman" panose="02020603050405020304" pitchFamily="18" charset="0"/>
+              </a:rPr>
+              <a:t>macro to be used:  00DEEProfilingPoints/ macro_CsIPIDCalibrationPointsFromProfiling.cpp)</a:t>
+            </a:r>
+            <a:endParaRPr lang="en-US" b="1" u="sng" dirty="0">
+              <a:solidFill>
+                <a:srgbClr val="81ABFF"/>
+              </a:solidFill>
+              <a:latin typeface="Times New Roman" panose="02020603050405020304" pitchFamily="18" charset="0"/>
+              <a:cs typeface="Times New Roman" panose="02020603050405020304" pitchFamily="18" charset="0"/>
+            </a:endParaRPr>
           </a:p>
           <a:p>
             <a:endParaRPr lang="en-US" dirty="0" smtClean="0">
@@ -12805,15 +15646,30 @@
             </a:endParaRPr>
           </a:p>
           <a:p>
-            <a:pPr marL="342900" indent="-342900">
-              <a:buAutoNum type="arabicParenBoth"/>
-            </a:pPr>
+            <a:r>
+              <a:rPr lang="en-US" dirty="0"/>
+              <a:t> </a:t>
+            </a:r>
+            <a:r>
+              <a:rPr lang="en-US" dirty="0">
+                <a:latin typeface="Times New Roman" panose="02020603050405020304" pitchFamily="18" charset="0"/>
+                <a:cs typeface="Times New Roman" panose="02020603050405020304" pitchFamily="18" charset="0"/>
+              </a:rPr>
+              <a:t>● </a:t>
+            </a:r>
             <a:r>
               <a:rPr lang="en-US" dirty="0" smtClean="0">
                 <a:latin typeface="Times New Roman" panose="02020603050405020304" pitchFamily="18" charset="0"/>
                 <a:cs typeface="Times New Roman" panose="02020603050405020304" pitchFamily="18" charset="0"/>
               </a:rPr>
-              <a:t>For a certain channel  number of </a:t>
+              <a:t> For </a:t>
+            </a:r>
+            <a:r>
+              <a:rPr lang="en-US" dirty="0" smtClean="0">
+                <a:latin typeface="Times New Roman" panose="02020603050405020304" pitchFamily="18" charset="0"/>
+                <a:cs typeface="Times New Roman" panose="02020603050405020304" pitchFamily="18" charset="0"/>
+              </a:rPr>
+              <a:t>a certain channel  number of </a:t>
             </a:r>
             <a:r>
               <a:rPr lang="en-US" dirty="0" err="1" smtClean="0">
@@ -12841,10 +15697,15 @@
                 <a:latin typeface="Times New Roman" panose="02020603050405020304" pitchFamily="18" charset="0"/>
                 <a:cs typeface="Times New Roman" panose="02020603050405020304" pitchFamily="18" charset="0"/>
               </a:rPr>
-              <a:t>=0.5, set by hand</a:t>
-            </a:r>
-          </a:p>
-          <a:p>
+              <a:t>=0.5, set by </a:t>
+            </a:r>
+            <a:r>
+              <a:rPr lang="en-US" dirty="0" smtClean="0">
+                <a:latin typeface="Times New Roman" panose="02020603050405020304" pitchFamily="18" charset="0"/>
+                <a:cs typeface="Times New Roman" panose="02020603050405020304" pitchFamily="18" charset="0"/>
+              </a:rPr>
+              <a:t>hand</a:t>
+            </a:r>
             <a:endParaRPr lang="en-US" dirty="0" smtClean="0">
               <a:latin typeface="Times New Roman" panose="02020603050405020304" pitchFamily="18" charset="0"/>
               <a:cs typeface="Times New Roman" panose="02020603050405020304" pitchFamily="18" charset="0"/>
@@ -12852,11 +15713,22 @@
           </a:p>
           <a:p>
             <a:r>
+              <a:rPr lang="en-US" dirty="0"/>
+              <a:t> </a:t>
+            </a:r>
+            <a:r>
+              <a:rPr lang="en-US" dirty="0">
+                <a:latin typeface="Times New Roman" panose="02020603050405020304" pitchFamily="18" charset="0"/>
+                <a:cs typeface="Times New Roman" panose="02020603050405020304" pitchFamily="18" charset="0"/>
+              </a:rPr>
+              <a:t>●  </a:t>
+            </a:r>
+            <a:r>
               <a:rPr lang="en-US" dirty="0" smtClean="0">
                 <a:latin typeface="Times New Roman" panose="02020603050405020304" pitchFamily="18" charset="0"/>
                 <a:cs typeface="Times New Roman" panose="02020603050405020304" pitchFamily="18" charset="0"/>
               </a:rPr>
-              <a:t>(2) For errors of voltage: </a:t>
+              <a:t>For errors of voltage: </a:t>
             </a:r>
           </a:p>
           <a:p>
@@ -13053,11 +15925,29 @@
           </a:p>
           <a:p>
             <a:r>
+              <a:rPr lang="en-US" dirty="0"/>
+              <a:t> </a:t>
+            </a:r>
+            <a:r>
+              <a:rPr lang="en-US" dirty="0">
+                <a:latin typeface="Times New Roman" panose="02020603050405020304" pitchFamily="18" charset="0"/>
+                <a:cs typeface="Times New Roman" panose="02020603050405020304" pitchFamily="18" charset="0"/>
+              </a:rPr>
+              <a:t>● </a:t>
+            </a:r>
+            <a:r>
               <a:rPr lang="en-US" dirty="0" smtClean="0">
                 <a:latin typeface="Times New Roman" panose="02020603050405020304" pitchFamily="18" charset="0"/>
                 <a:cs typeface="Times New Roman" panose="02020603050405020304" pitchFamily="18" charset="0"/>
               </a:rPr>
-              <a:t>(3) For Gaussian fit</a:t>
+              <a:t> For </a:t>
+            </a:r>
+            <a:r>
+              <a:rPr lang="en-US" dirty="0" smtClean="0">
+                <a:latin typeface="Times New Roman" panose="02020603050405020304" pitchFamily="18" charset="0"/>
+                <a:cs typeface="Times New Roman" panose="02020603050405020304" pitchFamily="18" charset="0"/>
+              </a:rPr>
+              <a:t>Gaussian fit</a:t>
             </a:r>
           </a:p>
           <a:p>
@@ -13207,11 +16097,22 @@
           </a:p>
           <a:p>
             <a:r>
+              <a:rPr lang="en-US" dirty="0"/>
+              <a:t> </a:t>
+            </a:r>
+            <a:r>
+              <a:rPr lang="en-US" dirty="0">
+                <a:latin typeface="Times New Roman" panose="02020603050405020304" pitchFamily="18" charset="0"/>
+                <a:cs typeface="Times New Roman" panose="02020603050405020304" pitchFamily="18" charset="0"/>
+              </a:rPr>
+              <a:t>●  </a:t>
+            </a:r>
+            <a:r>
               <a:rPr lang="en-US" dirty="0" smtClean="0">
                 <a:latin typeface="Times New Roman" panose="02020603050405020304" pitchFamily="18" charset="0"/>
                 <a:cs typeface="Times New Roman" panose="02020603050405020304" pitchFamily="18" charset="0"/>
               </a:rPr>
-              <a:t>(4) For errors of </a:t>
+              <a:t>For errors of </a:t>
             </a:r>
             <a:r>
               <a:rPr lang="en-US" dirty="0" err="1" smtClean="0">
@@ -13249,7 +16150,7 @@
         </p:blipFill>
         <p:spPr>
           <a:xfrm>
-            <a:off x="5782787" y="2174335"/>
+            <a:off x="5988976" y="2477394"/>
             <a:ext cx="6122109" cy="4380606"/>
           </a:xfrm>
           <a:prstGeom prst="rect">
@@ -13265,7 +16166,7 @@
         </p:nvSpPr>
         <p:spPr>
           <a:xfrm>
-            <a:off x="5520497" y="2539752"/>
+            <a:off x="5726686" y="2842811"/>
             <a:ext cx="2370519" cy="369332"/>
           </a:xfrm>
           <a:prstGeom prst="rect">
@@ -13313,7 +16214,7 @@
         </p:nvSpPr>
         <p:spPr>
           <a:xfrm>
-            <a:off x="10963153" y="6160440"/>
+            <a:off x="11169342" y="6463499"/>
             <a:ext cx="2370519" cy="369332"/>
           </a:xfrm>
           <a:prstGeom prst="rect">
@@ -13375,7 +16276,7 @@
         </p:nvCxnSpPr>
         <p:spPr>
           <a:xfrm>
-            <a:off x="7106342" y="4750380"/>
+            <a:off x="7312531" y="5053439"/>
             <a:ext cx="19455" cy="1333779"/>
           </a:xfrm>
           <a:prstGeom prst="line">
@@ -13411,7 +16312,7 @@
         </p:nvCxnSpPr>
         <p:spPr>
           <a:xfrm flipH="1">
-            <a:off x="6383707" y="4732012"/>
+            <a:off x="6589896" y="5035071"/>
             <a:ext cx="742090" cy="0"/>
           </a:xfrm>
           <a:prstGeom prst="line">
@@ -13447,7 +16348,7 @@
         </p:nvSpPr>
         <p:spPr>
           <a:xfrm>
-            <a:off x="6427480" y="4567986"/>
+            <a:off x="6633669" y="4871045"/>
             <a:ext cx="398835" cy="364787"/>
           </a:xfrm>
           <a:custGeom>
@@ -13671,7 +16572,7 @@
         </p:nvSpPr>
         <p:spPr>
           <a:xfrm>
-            <a:off x="7106342" y="5750960"/>
+            <a:off x="7312531" y="6054019"/>
             <a:ext cx="768485" cy="369332"/>
           </a:xfrm>
           <a:prstGeom prst="rect">
@@ -13713,7 +16614,7 @@
         </p:nvSpPr>
         <p:spPr>
           <a:xfrm>
-            <a:off x="5537201" y="4567986"/>
+            <a:off x="5743390" y="4871045"/>
             <a:ext cx="952752" cy="369332"/>
           </a:xfrm>
           <a:prstGeom prst="rect">
@@ -13779,7 +16680,7 @@
         </p:blipFill>
         <p:spPr>
           <a:xfrm>
-            <a:off x="100545" y="4932773"/>
+            <a:off x="100545" y="5341930"/>
             <a:ext cx="6826315" cy="1306235"/>
           </a:xfrm>
           <a:prstGeom prst="rect">

--- a/2018Oct-Tutorial_HiRACsICalibrations.pptx
+++ b/2018Oct-Tutorial_HiRACsICalibrations.pptx
@@ -244,7 +244,7 @@
           <a:p>
             <a:fld id="{56884FD5-078F-452E-9E34-3872B0A18C88}" type="datetimeFigureOut">
               <a:rPr lang="en-US" smtClean="0"/>
-              <a:t>10/24/2018</a:t>
+              <a:t>10/25/2018</a:t>
             </a:fld>
             <a:endParaRPr lang="en-US"/>
           </a:p>
@@ -727,7 +727,7 @@
           <a:p>
             <a:fld id="{2AB85655-92EE-4FFE-AD52-8C3D789CC0B5}" type="datetimeFigureOut">
               <a:rPr lang="en-US" smtClean="0"/>
-              <a:t>10/24/2018</a:t>
+              <a:t>10/25/2018</a:t>
             </a:fld>
             <a:endParaRPr lang="en-US"/>
           </a:p>
@@ -897,7 +897,7 @@
           <a:p>
             <a:fld id="{2AB85655-92EE-4FFE-AD52-8C3D789CC0B5}" type="datetimeFigureOut">
               <a:rPr lang="en-US" smtClean="0"/>
-              <a:t>10/24/2018</a:t>
+              <a:t>10/25/2018</a:t>
             </a:fld>
             <a:endParaRPr lang="en-US"/>
           </a:p>
@@ -1077,7 +1077,7 @@
           <a:p>
             <a:fld id="{2AB85655-92EE-4FFE-AD52-8C3D789CC0B5}" type="datetimeFigureOut">
               <a:rPr lang="en-US" smtClean="0"/>
-              <a:t>10/24/2018</a:t>
+              <a:t>10/25/2018</a:t>
             </a:fld>
             <a:endParaRPr lang="en-US"/>
           </a:p>
@@ -1247,7 +1247,7 @@
           <a:p>
             <a:fld id="{2AB85655-92EE-4FFE-AD52-8C3D789CC0B5}" type="datetimeFigureOut">
               <a:rPr lang="en-US" smtClean="0"/>
-              <a:t>10/24/2018</a:t>
+              <a:t>10/25/2018</a:t>
             </a:fld>
             <a:endParaRPr lang="en-US"/>
           </a:p>
@@ -1493,7 +1493,7 @@
           <a:p>
             <a:fld id="{2AB85655-92EE-4FFE-AD52-8C3D789CC0B5}" type="datetimeFigureOut">
               <a:rPr lang="en-US" smtClean="0"/>
-              <a:t>10/24/2018</a:t>
+              <a:t>10/25/2018</a:t>
             </a:fld>
             <a:endParaRPr lang="en-US"/>
           </a:p>
@@ -1725,7 +1725,7 @@
           <a:p>
             <a:fld id="{2AB85655-92EE-4FFE-AD52-8C3D789CC0B5}" type="datetimeFigureOut">
               <a:rPr lang="en-US" smtClean="0"/>
-              <a:t>10/24/2018</a:t>
+              <a:t>10/25/2018</a:t>
             </a:fld>
             <a:endParaRPr lang="en-US"/>
           </a:p>
@@ -2092,7 +2092,7 @@
           <a:p>
             <a:fld id="{2AB85655-92EE-4FFE-AD52-8C3D789CC0B5}" type="datetimeFigureOut">
               <a:rPr lang="en-US" smtClean="0"/>
-              <a:t>10/24/2018</a:t>
+              <a:t>10/25/2018</a:t>
             </a:fld>
             <a:endParaRPr lang="en-US"/>
           </a:p>
@@ -2210,7 +2210,7 @@
           <a:p>
             <a:fld id="{2AB85655-92EE-4FFE-AD52-8C3D789CC0B5}" type="datetimeFigureOut">
               <a:rPr lang="en-US" smtClean="0"/>
-              <a:t>10/24/2018</a:t>
+              <a:t>10/25/2018</a:t>
             </a:fld>
             <a:endParaRPr lang="en-US"/>
           </a:p>
@@ -2305,7 +2305,7 @@
           <a:p>
             <a:fld id="{2AB85655-92EE-4FFE-AD52-8C3D789CC0B5}" type="datetimeFigureOut">
               <a:rPr lang="en-US" smtClean="0"/>
-              <a:t>10/24/2018</a:t>
+              <a:t>10/25/2018</a:t>
             </a:fld>
             <a:endParaRPr lang="en-US"/>
           </a:p>
@@ -2582,7 +2582,7 @@
           <a:p>
             <a:fld id="{2AB85655-92EE-4FFE-AD52-8C3D789CC0B5}" type="datetimeFigureOut">
               <a:rPr lang="en-US" smtClean="0"/>
-              <a:t>10/24/2018</a:t>
+              <a:t>10/25/2018</a:t>
             </a:fld>
             <a:endParaRPr lang="en-US"/>
           </a:p>
@@ -2835,7 +2835,7 @@
           <a:p>
             <a:fld id="{2AB85655-92EE-4FFE-AD52-8C3D789CC0B5}" type="datetimeFigureOut">
               <a:rPr lang="en-US" smtClean="0"/>
-              <a:t>10/24/2018</a:t>
+              <a:t>10/25/2018</a:t>
             </a:fld>
             <a:endParaRPr lang="en-US"/>
           </a:p>
@@ -3048,7 +3048,7 @@
           <a:p>
             <a:fld id="{2AB85655-92EE-4FFE-AD52-8C3D789CC0B5}" type="datetimeFigureOut">
               <a:rPr lang="en-US" smtClean="0"/>
-              <a:t>10/24/2018</a:t>
+              <a:t>10/25/2018</a:t>
             </a:fld>
             <a:endParaRPr lang="en-US"/>
           </a:p>
@@ -9615,33 +9615,7 @@
                 <a:latin typeface="Times New Roman" panose="02020603050405020304" pitchFamily="18" charset="0"/>
                 <a:cs typeface="Times New Roman" panose="02020603050405020304" pitchFamily="18" charset="0"/>
               </a:rPr>
-              <a:t>et </a:t>
-            </a:r>
-            <a:r>
-              <a:rPr lang="en-US" altLang="zh-CN" sz="4400" b="1" u="sng" dirty="0" smtClean="0">
-                <a:solidFill>
-                  <a:schemeClr val="tx1">
-                    <a:lumMod val="95000"/>
-                    <a:lumOff val="5000"/>
-                  </a:schemeClr>
-                </a:solidFill>
-                <a:latin typeface="Times New Roman" panose="02020603050405020304" pitchFamily="18" charset="0"/>
-                <a:cs typeface="Times New Roman" panose="02020603050405020304" pitchFamily="18" charset="0"/>
-              </a:rPr>
-              <a:t>kinematics </a:t>
-            </a:r>
-            <a:r>
-              <a:rPr lang="en-US" altLang="zh-CN" sz="4400" b="1" u="sng" dirty="0" smtClean="0">
-                <a:solidFill>
-                  <a:schemeClr val="tx1">
-                    <a:lumMod val="95000"/>
-                    <a:lumOff val="5000"/>
-                  </a:schemeClr>
-                </a:solidFill>
-                <a:latin typeface="Times New Roman" panose="02020603050405020304" pitchFamily="18" charset="0"/>
-                <a:cs typeface="Times New Roman" panose="02020603050405020304" pitchFamily="18" charset="0"/>
-              </a:rPr>
-              <a:t>points?</a:t>
+              <a:t>et kinematics points?</a:t>
             </a:r>
           </a:p>
         </p:txBody>
@@ -10839,21 +10813,7 @@
                 <a:latin typeface="Times New Roman" panose="02020603050405020304" pitchFamily="18" charset="0"/>
                 <a:cs typeface="Times New Roman" panose="02020603050405020304" pitchFamily="18" charset="0"/>
               </a:rPr>
-              <a:t>Step </a:t>
-            </a:r>
-            <a:r>
-              <a:rPr lang="en-US" b="1" u="sng" dirty="0" smtClean="0">
-                <a:latin typeface="Times New Roman" panose="02020603050405020304" pitchFamily="18" charset="0"/>
-                <a:cs typeface="Times New Roman" panose="02020603050405020304" pitchFamily="18" charset="0"/>
-              </a:rPr>
-              <a:t>2</a:t>
-            </a:r>
-            <a:r>
-              <a:rPr lang="en-US" b="1" u="sng" dirty="0" smtClean="0">
-                <a:latin typeface="Times New Roman" panose="02020603050405020304" pitchFamily="18" charset="0"/>
-                <a:cs typeface="Times New Roman" panose="02020603050405020304" pitchFamily="18" charset="0"/>
-              </a:rPr>
-              <a:t>: Make cuts for the kinematics lines</a:t>
+              <a:t>Step 2: Make cuts for the kinematics lines</a:t>
             </a:r>
             <a:endParaRPr lang="en-US" dirty="0" smtClean="0">
               <a:solidFill>
@@ -12098,21 +12058,7 @@
                 <a:latin typeface="Times New Roman" panose="02020603050405020304" pitchFamily="18" charset="0"/>
                 <a:cs typeface="Times New Roman" panose="02020603050405020304" pitchFamily="18" charset="0"/>
               </a:rPr>
-              <a:t>Step </a:t>
-            </a:r>
-            <a:r>
-              <a:rPr lang="en-US" b="1" u="sng" dirty="0" smtClean="0">
-                <a:latin typeface="Times New Roman" panose="02020603050405020304" pitchFamily="18" charset="0"/>
-                <a:cs typeface="Times New Roman" panose="02020603050405020304" pitchFamily="18" charset="0"/>
-              </a:rPr>
-              <a:t>4</a:t>
-            </a:r>
-            <a:r>
-              <a:rPr lang="en-US" b="1" u="sng" dirty="0" smtClean="0">
-                <a:latin typeface="Times New Roman" panose="02020603050405020304" pitchFamily="18" charset="0"/>
-                <a:cs typeface="Times New Roman" panose="02020603050405020304" pitchFamily="18" charset="0"/>
-              </a:rPr>
-              <a:t>: Estimate the errors of points</a:t>
+              <a:t>Step 4: Estimate the errors of points</a:t>
             </a:r>
             <a:endParaRPr lang="en-US" dirty="0" smtClean="0">
               <a:solidFill>
@@ -12718,10 +12664,6 @@
               </a:rPr>
               <a:t> (MeV)</a:t>
             </a:r>
-            <a:endParaRPr lang="en-US" altLang="zh-CN" dirty="0">
-              <a:latin typeface="Times New Roman" panose="02020603050405020304" pitchFamily="18" charset="0"/>
-              <a:cs typeface="Times New Roman" panose="02020603050405020304" pitchFamily="18" charset="0"/>
-            </a:endParaRPr>
           </a:p>
         </p:txBody>
       </p:sp>
@@ -13667,31 +13609,8 @@
                 <a:latin typeface="Times New Roman" panose="02020603050405020304" pitchFamily="18" charset="0"/>
                 <a:cs typeface="Times New Roman" panose="02020603050405020304" pitchFamily="18" charset="0"/>
               </a:rPr>
-              <a:t>II. How to </a:t>
-            </a:r>
-            <a:r>
-              <a:rPr lang="en-US" altLang="zh-CN" sz="4000" b="1" u="sng" dirty="0" smtClean="0">
-                <a:solidFill>
-                  <a:schemeClr val="tx1">
-                    <a:lumMod val="95000"/>
-                    <a:lumOff val="5000"/>
-                  </a:schemeClr>
-                </a:solidFill>
-                <a:latin typeface="Times New Roman" panose="02020603050405020304" pitchFamily="18" charset="0"/>
-                <a:cs typeface="Times New Roman" panose="02020603050405020304" pitchFamily="18" charset="0"/>
-              </a:rPr>
-              <a:t>do simultaneous fit?</a:t>
-            </a:r>
-            <a:endParaRPr lang="en-US" altLang="zh-CN" sz="4000" b="1" u="sng" dirty="0" smtClean="0">
-              <a:solidFill>
-                <a:schemeClr val="tx1">
-                  <a:lumMod val="95000"/>
-                  <a:lumOff val="5000"/>
-                </a:schemeClr>
-              </a:solidFill>
-              <a:latin typeface="Times New Roman" panose="02020603050405020304" pitchFamily="18" charset="0"/>
-              <a:cs typeface="Times New Roman" panose="02020603050405020304" pitchFamily="18" charset="0"/>
-            </a:endParaRPr>
+              <a:t>II. How to do simultaneous fit?</a:t>
+            </a:r>
           </a:p>
         </p:txBody>
       </p:sp>
@@ -14390,6 +14309,178 @@
           <a:chExt cx="0" cy="0"/>
         </a:xfrm>
       </p:grpSpPr>
+      <p:sp>
+        <p:nvSpPr>
+          <p:cNvPr id="2" name="TextBox 1"/>
+          <p:cNvSpPr txBox="1"/>
+          <p:nvPr/>
+        </p:nvSpPr>
+        <p:spPr>
+          <a:xfrm>
+            <a:off x="403412" y="286871"/>
+            <a:ext cx="6678706" cy="369332"/>
+          </a:xfrm>
+          <a:prstGeom prst="rect">
+            <a:avLst/>
+          </a:prstGeom>
+          <a:noFill/>
+        </p:spPr>
+        <p:txBody>
+          <a:bodyPr wrap="square" rtlCol="0">
+            <a:spAutoFit/>
+          </a:bodyPr>
+          <a:lstStyle/>
+          <a:p>
+            <a:r>
+              <a:rPr lang="en-US" b="1" u="sng" dirty="0" smtClean="0">
+                <a:latin typeface="Times New Roman" panose="02020603050405020304" pitchFamily="18" charset="0"/>
+                <a:cs typeface="Times New Roman" panose="02020603050405020304" pitchFamily="18" charset="0"/>
+              </a:rPr>
+              <a:t>Q3: </a:t>
+            </a:r>
+            <a:r>
+              <a:rPr lang="en-US" b="1" u="sng" dirty="0" smtClean="0">
+                <a:latin typeface="Times New Roman" panose="02020603050405020304" pitchFamily="18" charset="0"/>
+                <a:cs typeface="Times New Roman" panose="02020603050405020304" pitchFamily="18" charset="0"/>
+              </a:rPr>
+              <a:t>How to </a:t>
+            </a:r>
+            <a:r>
+              <a:rPr lang="en-US" b="1" u="sng" dirty="0" smtClean="0">
+                <a:latin typeface="Times New Roman" panose="02020603050405020304" pitchFamily="18" charset="0"/>
+                <a:cs typeface="Times New Roman" panose="02020603050405020304" pitchFamily="18" charset="0"/>
+              </a:rPr>
+              <a:t>use Fermi function fit to get punch-through points</a:t>
+            </a:r>
+            <a:r>
+              <a:rPr lang="en-US" b="1" u="sng" dirty="0" smtClean="0">
+                <a:latin typeface="Times New Roman" panose="02020603050405020304" pitchFamily="18" charset="0"/>
+                <a:cs typeface="Times New Roman" panose="02020603050405020304" pitchFamily="18" charset="0"/>
+              </a:rPr>
+              <a:t> </a:t>
+            </a:r>
+            <a:r>
+              <a:rPr lang="en-US" b="1" u="sng" dirty="0" smtClean="0">
+                <a:latin typeface="Times New Roman" panose="02020603050405020304" pitchFamily="18" charset="0"/>
+                <a:cs typeface="Times New Roman" panose="02020603050405020304" pitchFamily="18" charset="0"/>
+              </a:rPr>
+              <a:t>?</a:t>
+            </a:r>
+            <a:endParaRPr lang="en-US" b="1" u="sng" dirty="0">
+              <a:latin typeface="Times New Roman" panose="02020603050405020304" pitchFamily="18" charset="0"/>
+              <a:cs typeface="Times New Roman" panose="02020603050405020304" pitchFamily="18" charset="0"/>
+            </a:endParaRPr>
+          </a:p>
+        </p:txBody>
+      </p:sp>
+      <p:pic>
+        <p:nvPicPr>
+          <p:cNvPr id="4" name="Picture 3"/>
+          <p:cNvPicPr>
+            <a:picLocks noChangeAspect="1"/>
+          </p:cNvPicPr>
+          <p:nvPr/>
+        </p:nvPicPr>
+        <p:blipFill>
+          <a:blip r:embed="rId2"/>
+          <a:stretch>
+            <a:fillRect/>
+          </a:stretch>
+        </p:blipFill>
+        <p:spPr>
+          <a:xfrm>
+            <a:off x="5765158" y="1434445"/>
+            <a:ext cx="6008152" cy="4304685"/>
+          </a:xfrm>
+          <a:prstGeom prst="rect">
+            <a:avLst/>
+          </a:prstGeom>
+        </p:spPr>
+      </p:pic>
+      <p:sp>
+        <p:nvSpPr>
+          <p:cNvPr id="5" name="TextBox 4"/>
+          <p:cNvSpPr txBox="1"/>
+          <p:nvPr/>
+        </p:nvSpPr>
+        <p:spPr>
+          <a:xfrm rot="16200000">
+            <a:off x="8380928" y="3110577"/>
+            <a:ext cx="2024913" cy="276999"/>
+          </a:xfrm>
+          <a:prstGeom prst="rect">
+            <a:avLst/>
+          </a:prstGeom>
+          <a:noFill/>
+        </p:spPr>
+        <p:txBody>
+          <a:bodyPr wrap="none" rtlCol="0">
+            <a:spAutoFit/>
+          </a:bodyPr>
+          <a:lstStyle/>
+          <a:p>
+            <a:r>
+              <a:rPr lang="en-US" sz="1200" b="1" dirty="0" smtClean="0">
+                <a:solidFill>
+                  <a:srgbClr val="FF0000"/>
+                </a:solidFill>
+              </a:rPr>
+              <a:t>Current punch through point</a:t>
+            </a:r>
+            <a:endParaRPr lang="en-US" sz="1200" b="1" dirty="0">
+              <a:solidFill>
+                <a:srgbClr val="FF0000"/>
+              </a:solidFill>
+            </a:endParaRPr>
+          </a:p>
+        </p:txBody>
+      </p:sp>
+      <p:sp>
+        <p:nvSpPr>
+          <p:cNvPr id="6" name="TextBox 5"/>
+          <p:cNvSpPr txBox="1"/>
+          <p:nvPr/>
+        </p:nvSpPr>
+        <p:spPr>
+          <a:xfrm rot="16200000">
+            <a:off x="8694721" y="3624240"/>
+            <a:ext cx="1905330" cy="276999"/>
+          </a:xfrm>
+          <a:prstGeom prst="rect">
+            <a:avLst/>
+          </a:prstGeom>
+          <a:noFill/>
+        </p:spPr>
+        <p:txBody>
+          <a:bodyPr wrap="none" rtlCol="0">
+            <a:spAutoFit/>
+          </a:bodyPr>
+          <a:lstStyle/>
+          <a:p>
+            <a:r>
+              <a:rPr lang="en-US" sz="1200" b="1" dirty="0" smtClean="0">
+                <a:solidFill>
+                  <a:srgbClr val="FF0000"/>
+                </a:solidFill>
+              </a:rPr>
+              <a:t>Prediction via </a:t>
+            </a:r>
+            <a:r>
+              <a:rPr lang="en-US" sz="1200" b="1" dirty="0" err="1" smtClean="0">
+                <a:solidFill>
+                  <a:srgbClr val="FF0000"/>
+                </a:solidFill>
+              </a:rPr>
+              <a:t>exrapolation</a:t>
+            </a:r>
+            <a:endParaRPr lang="en-US" sz="1200" b="1" dirty="0">
+              <a:solidFill>
+                <a:srgbClr val="FF0000"/>
+              </a:solidFill>
+            </a:endParaRPr>
+          </a:p>
+        </p:txBody>
+      </p:sp>
     </p:spTree>
     <p:extLst>
       <p:ext uri="{BB962C8B-B14F-4D97-AF65-F5344CB8AC3E}">
@@ -14735,21 +14826,7 @@
                 <a:latin typeface="Times New Roman" panose="02020603050405020304" pitchFamily="18" charset="0"/>
                 <a:cs typeface="Times New Roman" panose="02020603050405020304" pitchFamily="18" charset="0"/>
               </a:rPr>
-              <a:t>●</a:t>
-            </a:r>
-            <a:r>
-              <a:rPr lang="en-US" dirty="0" smtClean="0">
-                <a:latin typeface="Times New Roman" panose="02020603050405020304" pitchFamily="18" charset="0"/>
-                <a:cs typeface="Times New Roman" panose="02020603050405020304" pitchFamily="18" charset="0"/>
-              </a:rPr>
-              <a:t> </a:t>
-            </a:r>
-            <a:r>
-              <a:rPr lang="en-US" dirty="0" smtClean="0">
-                <a:latin typeface="Times New Roman" panose="02020603050405020304" pitchFamily="18" charset="0"/>
-                <a:cs typeface="Times New Roman" panose="02020603050405020304" pitchFamily="18" charset="0"/>
-              </a:rPr>
-              <a:t>Do a </a:t>
+              <a:t>● Do a </a:t>
             </a:r>
             <a:r>
               <a:rPr lang="en-US" dirty="0" smtClean="0">
@@ -14870,14 +14947,7 @@
                 <a:latin typeface="Times New Roman" panose="02020603050405020304" pitchFamily="18" charset="0"/>
                 <a:cs typeface="Times New Roman" panose="02020603050405020304" pitchFamily="18" charset="0"/>
               </a:rPr>
-              <a:t>Within </a:t>
-            </a:r>
-            <a:r>
-              <a:rPr lang="en-US" altLang="zh-CN" dirty="0" smtClean="0">
-                <a:latin typeface="Times New Roman" panose="02020603050405020304" pitchFamily="18" charset="0"/>
-                <a:cs typeface="Times New Roman" panose="02020603050405020304" pitchFamily="18" charset="0"/>
-              </a:rPr>
-              <a:t>the cut region, take samples points of a constant bin step in X-axis, make projection  </a:t>
+              <a:t>Within the cut region, take samples points of a constant bin step in X-axis, make projection  </a:t>
             </a:r>
             <a:r>
               <a:rPr lang="en-US" dirty="0" smtClean="0">
@@ -15578,14 +15648,7 @@
                 <a:latin typeface="Times New Roman" panose="02020603050405020304" pitchFamily="18" charset="0"/>
                 <a:cs typeface="Times New Roman" panose="02020603050405020304" pitchFamily="18" charset="0"/>
               </a:rPr>
-              <a:t> errors of ∆E-E </a:t>
-            </a:r>
-            <a:r>
-              <a:rPr lang="en-US" dirty="0" smtClean="0">
-                <a:latin typeface="Times New Roman" panose="02020603050405020304" pitchFamily="18" charset="0"/>
-                <a:cs typeface="Times New Roman" panose="02020603050405020304" pitchFamily="18" charset="0"/>
-              </a:rPr>
-              <a:t>points</a:t>
+              <a:t> errors of ∆E-E points</a:t>
             </a:r>
           </a:p>
           <a:p>
@@ -15662,20 +15725,105 @@
                 <a:latin typeface="Times New Roman" panose="02020603050405020304" pitchFamily="18" charset="0"/>
                 <a:cs typeface="Times New Roman" panose="02020603050405020304" pitchFamily="18" charset="0"/>
               </a:rPr>
-              <a:t> For </a:t>
+              <a:t> For a certain channel  number of </a:t>
+            </a:r>
+            <a:r>
+              <a:rPr lang="en-US" dirty="0" err="1" smtClean="0">
+                <a:latin typeface="Times New Roman" panose="02020603050405020304" pitchFamily="18" charset="0"/>
+                <a:cs typeface="Times New Roman" panose="02020603050405020304" pitchFamily="18" charset="0"/>
+              </a:rPr>
+              <a:t>CsIch</a:t>
             </a:r>
             <a:r>
               <a:rPr lang="en-US" dirty="0" smtClean="0">
                 <a:latin typeface="Times New Roman" panose="02020603050405020304" pitchFamily="18" charset="0"/>
                 <a:cs typeface="Times New Roman" panose="02020603050405020304" pitchFamily="18" charset="0"/>
               </a:rPr>
-              <a:t>a certain channel  number of </a:t>
+              <a:t>, the error </a:t>
             </a:r>
             <a:r>
               <a:rPr lang="en-US" dirty="0" err="1" smtClean="0">
                 <a:latin typeface="Times New Roman" panose="02020603050405020304" pitchFamily="18" charset="0"/>
                 <a:cs typeface="Times New Roman" panose="02020603050405020304" pitchFamily="18" charset="0"/>
               </a:rPr>
+              <a:t>err_CsIch</a:t>
+            </a:r>
+            <a:r>
+              <a:rPr lang="en-US" dirty="0" smtClean="0">
+                <a:latin typeface="Times New Roman" panose="02020603050405020304" pitchFamily="18" charset="0"/>
+                <a:cs typeface="Times New Roman" panose="02020603050405020304" pitchFamily="18" charset="0"/>
+              </a:rPr>
+              <a:t>=0.5, set by hand</a:t>
+            </a:r>
+          </a:p>
+          <a:p>
+            <a:r>
+              <a:rPr lang="en-US" dirty="0"/>
+              <a:t> </a:t>
+            </a:r>
+            <a:r>
+              <a:rPr lang="en-US" dirty="0">
+                <a:latin typeface="Times New Roman" panose="02020603050405020304" pitchFamily="18" charset="0"/>
+                <a:cs typeface="Times New Roman" panose="02020603050405020304" pitchFamily="18" charset="0"/>
+              </a:rPr>
+              <a:t>●  </a:t>
+            </a:r>
+            <a:r>
+              <a:rPr lang="en-US" dirty="0" smtClean="0">
+                <a:latin typeface="Times New Roman" panose="02020603050405020304" pitchFamily="18" charset="0"/>
+                <a:cs typeface="Times New Roman" panose="02020603050405020304" pitchFamily="18" charset="0"/>
+              </a:rPr>
+              <a:t>For errors of voltage: </a:t>
+            </a:r>
+          </a:p>
+          <a:p>
+            <a:r>
+              <a:rPr lang="en-US" dirty="0">
+                <a:latin typeface="Times New Roman" panose="02020603050405020304" pitchFamily="18" charset="0"/>
+                <a:cs typeface="Times New Roman" panose="02020603050405020304" pitchFamily="18" charset="0"/>
+              </a:rPr>
+              <a:t> </a:t>
+            </a:r>
+            <a:r>
+              <a:rPr lang="en-US" dirty="0" smtClean="0">
+                <a:latin typeface="Times New Roman" panose="02020603050405020304" pitchFamily="18" charset="0"/>
+                <a:cs typeface="Times New Roman" panose="02020603050405020304" pitchFamily="18" charset="0"/>
+              </a:rPr>
+              <a:t>       </a:t>
+            </a:r>
+            <a:r>
+              <a:rPr lang="en-US" dirty="0" err="1" smtClean="0">
+                <a:latin typeface="Times New Roman" panose="02020603050405020304" pitchFamily="18" charset="0"/>
+                <a:cs typeface="Times New Roman" panose="02020603050405020304" pitchFamily="18" charset="0"/>
+              </a:rPr>
+              <a:t>CsIV</a:t>
+            </a:r>
+            <a:r>
+              <a:rPr lang="en-US" dirty="0" smtClean="0">
+                <a:latin typeface="Times New Roman" panose="02020603050405020304" pitchFamily="18" charset="0"/>
+                <a:cs typeface="Times New Roman" panose="02020603050405020304" pitchFamily="18" charset="0"/>
+              </a:rPr>
+              <a:t>       = </a:t>
+            </a:r>
+            <a:r>
+              <a:rPr lang="en-US" dirty="0" err="1" smtClean="0">
+                <a:latin typeface="Times New Roman" panose="02020603050405020304" pitchFamily="18" charset="0"/>
+                <a:cs typeface="Times New Roman" panose="02020603050405020304" pitchFamily="18" charset="0"/>
+              </a:rPr>
+              <a:t>CsICalibrationModule.GetVoltageValue</a:t>
+            </a:r>
+            <a:r>
+              <a:rPr lang="en-US" dirty="0" smtClean="0">
+                <a:latin typeface="Times New Roman" panose="02020603050405020304" pitchFamily="18" charset="0"/>
+                <a:cs typeface="Times New Roman" panose="02020603050405020304" pitchFamily="18" charset="0"/>
+              </a:rPr>
+              <a:t>(</a:t>
+            </a:r>
+            <a:r>
+              <a:rPr lang="en-US" dirty="0" err="1" smtClean="0">
+                <a:latin typeface="Times New Roman" panose="02020603050405020304" pitchFamily="18" charset="0"/>
+                <a:cs typeface="Times New Roman" panose="02020603050405020304" pitchFamily="18" charset="0"/>
+              </a:rPr>
               <a:t>CsIch</a:t>
             </a:r>
             <a:r>
@@ -15683,29 +15831,138 @@
                 <a:latin typeface="Times New Roman" panose="02020603050405020304" pitchFamily="18" charset="0"/>
                 <a:cs typeface="Times New Roman" panose="02020603050405020304" pitchFamily="18" charset="0"/>
               </a:rPr>
-              <a:t>, the error </a:t>
+              <a:t>, </a:t>
             </a:r>
             <a:r>
               <a:rPr lang="en-US" dirty="0" err="1" smtClean="0">
                 <a:latin typeface="Times New Roman" panose="02020603050405020304" pitchFamily="18" charset="0"/>
                 <a:cs typeface="Times New Roman" panose="02020603050405020304" pitchFamily="18" charset="0"/>
               </a:rPr>
-              <a:t>err_CsIch</a:t>
+              <a:t>telnum</a:t>
             </a:r>
             <a:r>
               <a:rPr lang="en-US" dirty="0" smtClean="0">
                 <a:latin typeface="Times New Roman" panose="02020603050405020304" pitchFamily="18" charset="0"/>
                 <a:cs typeface="Times New Roman" panose="02020603050405020304" pitchFamily="18" charset="0"/>
               </a:rPr>
-              <a:t>=0.5, set by </a:t>
+              <a:t>, </a:t>
+            </a:r>
+            <a:r>
+              <a:rPr lang="en-US" dirty="0" err="1" smtClean="0">
+                <a:latin typeface="Times New Roman" panose="02020603050405020304" pitchFamily="18" charset="0"/>
+                <a:cs typeface="Times New Roman" panose="02020603050405020304" pitchFamily="18" charset="0"/>
+              </a:rPr>
+              <a:t>csinum</a:t>
             </a:r>
             <a:r>
               <a:rPr lang="en-US" dirty="0" smtClean="0">
                 <a:latin typeface="Times New Roman" panose="02020603050405020304" pitchFamily="18" charset="0"/>
                 <a:cs typeface="Times New Roman" panose="02020603050405020304" pitchFamily="18" charset="0"/>
               </a:rPr>
-              <a:t>hand</a:t>
-            </a:r>
+              <a:t>);</a:t>
+            </a:r>
+          </a:p>
+          <a:p>
+            <a:r>
+              <a:rPr lang="en-US" dirty="0">
+                <a:latin typeface="Times New Roman" panose="02020603050405020304" pitchFamily="18" charset="0"/>
+                <a:cs typeface="Times New Roman" panose="02020603050405020304" pitchFamily="18" charset="0"/>
+              </a:rPr>
+              <a:t> </a:t>
+            </a:r>
+            <a:r>
+              <a:rPr lang="en-US" dirty="0" smtClean="0">
+                <a:latin typeface="Times New Roman" panose="02020603050405020304" pitchFamily="18" charset="0"/>
+                <a:cs typeface="Times New Roman" panose="02020603050405020304" pitchFamily="18" charset="0"/>
+              </a:rPr>
+              <a:t>       </a:t>
+            </a:r>
+            <a:r>
+              <a:rPr lang="en-US" dirty="0" err="1" smtClean="0">
+                <a:latin typeface="Times New Roman" panose="02020603050405020304" pitchFamily="18" charset="0"/>
+                <a:cs typeface="Times New Roman" panose="02020603050405020304" pitchFamily="18" charset="0"/>
+              </a:rPr>
+              <a:t>err_CsIV</a:t>
+            </a:r>
+            <a:r>
+              <a:rPr lang="en-US" dirty="0" smtClean="0">
+                <a:latin typeface="Times New Roman" panose="02020603050405020304" pitchFamily="18" charset="0"/>
+                <a:cs typeface="Times New Roman" panose="02020603050405020304" pitchFamily="18" charset="0"/>
+              </a:rPr>
+              <a:t> = </a:t>
+            </a:r>
+            <a:r>
+              <a:rPr lang="en-US" dirty="0" err="1" smtClean="0">
+                <a:latin typeface="Times New Roman" panose="02020603050405020304" pitchFamily="18" charset="0"/>
+                <a:cs typeface="Times New Roman" panose="02020603050405020304" pitchFamily="18" charset="0"/>
+              </a:rPr>
+              <a:t>CsICalibrationModule.GetVoltageValue</a:t>
+            </a:r>
+            <a:r>
+              <a:rPr lang="en-US" dirty="0" smtClean="0">
+                <a:latin typeface="Times New Roman" panose="02020603050405020304" pitchFamily="18" charset="0"/>
+                <a:cs typeface="Times New Roman" panose="02020603050405020304" pitchFamily="18" charset="0"/>
+              </a:rPr>
+              <a:t>(</a:t>
+            </a:r>
+            <a:r>
+              <a:rPr lang="en-US" dirty="0" err="1" smtClean="0">
+                <a:latin typeface="Times New Roman" panose="02020603050405020304" pitchFamily="18" charset="0"/>
+                <a:cs typeface="Times New Roman" panose="02020603050405020304" pitchFamily="18" charset="0"/>
+              </a:rPr>
+              <a:t>CsIch+err_CsIch</a:t>
+            </a:r>
+            <a:r>
+              <a:rPr lang="en-US" dirty="0" smtClean="0">
+                <a:latin typeface="Times New Roman" panose="02020603050405020304" pitchFamily="18" charset="0"/>
+                <a:cs typeface="Times New Roman" panose="02020603050405020304" pitchFamily="18" charset="0"/>
+              </a:rPr>
+              <a:t>, </a:t>
+            </a:r>
+            <a:r>
+              <a:rPr lang="en-US" dirty="0" err="1" smtClean="0">
+                <a:latin typeface="Times New Roman" panose="02020603050405020304" pitchFamily="18" charset="0"/>
+                <a:cs typeface="Times New Roman" panose="02020603050405020304" pitchFamily="18" charset="0"/>
+              </a:rPr>
+              <a:t>telnum</a:t>
+            </a:r>
+            <a:r>
+              <a:rPr lang="en-US" dirty="0" smtClean="0">
+                <a:latin typeface="Times New Roman" panose="02020603050405020304" pitchFamily="18" charset="0"/>
+                <a:cs typeface="Times New Roman" panose="02020603050405020304" pitchFamily="18" charset="0"/>
+              </a:rPr>
+              <a:t>, </a:t>
+            </a:r>
+            <a:r>
+              <a:rPr lang="en-US" dirty="0" err="1" smtClean="0">
+                <a:latin typeface="Times New Roman" panose="02020603050405020304" pitchFamily="18" charset="0"/>
+                <a:cs typeface="Times New Roman" panose="02020603050405020304" pitchFamily="18" charset="0"/>
+              </a:rPr>
+              <a:t>csinum</a:t>
+            </a:r>
+            <a:r>
+              <a:rPr lang="en-US" dirty="0" smtClean="0">
+                <a:latin typeface="Times New Roman" panose="02020603050405020304" pitchFamily="18" charset="0"/>
+                <a:cs typeface="Times New Roman" panose="02020603050405020304" pitchFamily="18" charset="0"/>
+              </a:rPr>
+              <a:t>) - </a:t>
+            </a:r>
+            <a:r>
+              <a:rPr lang="en-US" dirty="0" err="1" smtClean="0">
+                <a:latin typeface="Times New Roman" panose="02020603050405020304" pitchFamily="18" charset="0"/>
+                <a:cs typeface="Times New Roman" panose="02020603050405020304" pitchFamily="18" charset="0"/>
+              </a:rPr>
+              <a:t>CsIV</a:t>
+            </a:r>
+            <a:r>
+              <a:rPr lang="en-US" dirty="0" smtClean="0">
+                <a:latin typeface="Times New Roman" panose="02020603050405020304" pitchFamily="18" charset="0"/>
+                <a:cs typeface="Times New Roman" panose="02020603050405020304" pitchFamily="18" charset="0"/>
+              </a:rPr>
+              <a:t> ;</a:t>
+            </a:r>
+          </a:p>
+          <a:p>
             <a:endParaRPr lang="en-US" dirty="0" smtClean="0">
               <a:latin typeface="Times New Roman" panose="02020603050405020304" pitchFamily="18" charset="0"/>
               <a:cs typeface="Times New Roman" panose="02020603050405020304" pitchFamily="18" charset="0"/>
@@ -15721,233 +15978,14 @@
                 <a:latin typeface="Times New Roman" panose="02020603050405020304" pitchFamily="18" charset="0"/>
                 <a:cs typeface="Times New Roman" panose="02020603050405020304" pitchFamily="18" charset="0"/>
               </a:rPr>
-              <a:t>●  </a:t>
+              <a:t>● </a:t>
             </a:r>
             <a:r>
               <a:rPr lang="en-US" dirty="0" smtClean="0">
                 <a:latin typeface="Times New Roman" panose="02020603050405020304" pitchFamily="18" charset="0"/>
                 <a:cs typeface="Times New Roman" panose="02020603050405020304" pitchFamily="18" charset="0"/>
               </a:rPr>
-              <a:t>For errors of voltage: </a:t>
-            </a:r>
-          </a:p>
-          <a:p>
-            <a:r>
-              <a:rPr lang="en-US" dirty="0">
-                <a:latin typeface="Times New Roman" panose="02020603050405020304" pitchFamily="18" charset="0"/>
-                <a:cs typeface="Times New Roman" panose="02020603050405020304" pitchFamily="18" charset="0"/>
-              </a:rPr>
-              <a:t> </a:t>
-            </a:r>
-            <a:r>
-              <a:rPr lang="en-US" dirty="0" smtClean="0">
-                <a:latin typeface="Times New Roman" panose="02020603050405020304" pitchFamily="18" charset="0"/>
-                <a:cs typeface="Times New Roman" panose="02020603050405020304" pitchFamily="18" charset="0"/>
-              </a:rPr>
-              <a:t>       </a:t>
-            </a:r>
-            <a:r>
-              <a:rPr lang="en-US" dirty="0" err="1" smtClean="0">
-                <a:latin typeface="Times New Roman" panose="02020603050405020304" pitchFamily="18" charset="0"/>
-                <a:cs typeface="Times New Roman" panose="02020603050405020304" pitchFamily="18" charset="0"/>
-              </a:rPr>
-              <a:t>CsIV</a:t>
-            </a:r>
-            <a:r>
-              <a:rPr lang="en-US" dirty="0" smtClean="0">
-                <a:latin typeface="Times New Roman" panose="02020603050405020304" pitchFamily="18" charset="0"/>
-                <a:cs typeface="Times New Roman" panose="02020603050405020304" pitchFamily="18" charset="0"/>
-              </a:rPr>
-              <a:t>       = </a:t>
-            </a:r>
-            <a:r>
-              <a:rPr lang="en-US" dirty="0" err="1" smtClean="0">
-                <a:latin typeface="Times New Roman" panose="02020603050405020304" pitchFamily="18" charset="0"/>
-                <a:cs typeface="Times New Roman" panose="02020603050405020304" pitchFamily="18" charset="0"/>
-              </a:rPr>
-              <a:t>CsICalibrationModule.GetVoltageValue</a:t>
-            </a:r>
-            <a:r>
-              <a:rPr lang="en-US" dirty="0" smtClean="0">
-                <a:latin typeface="Times New Roman" panose="02020603050405020304" pitchFamily="18" charset="0"/>
-                <a:cs typeface="Times New Roman" panose="02020603050405020304" pitchFamily="18" charset="0"/>
-              </a:rPr>
-              <a:t>(</a:t>
-            </a:r>
-            <a:r>
-              <a:rPr lang="en-US" dirty="0" err="1" smtClean="0">
-                <a:latin typeface="Times New Roman" panose="02020603050405020304" pitchFamily="18" charset="0"/>
-                <a:cs typeface="Times New Roman" panose="02020603050405020304" pitchFamily="18" charset="0"/>
-              </a:rPr>
-              <a:t>CsIch</a:t>
-            </a:r>
-            <a:r>
-              <a:rPr lang="en-US" dirty="0" smtClean="0">
-                <a:latin typeface="Times New Roman" panose="02020603050405020304" pitchFamily="18" charset="0"/>
-                <a:cs typeface="Times New Roman" panose="02020603050405020304" pitchFamily="18" charset="0"/>
-              </a:rPr>
-              <a:t>, </a:t>
-            </a:r>
-            <a:r>
-              <a:rPr lang="en-US" dirty="0" err="1" smtClean="0">
-                <a:latin typeface="Times New Roman" panose="02020603050405020304" pitchFamily="18" charset="0"/>
-                <a:cs typeface="Times New Roman" panose="02020603050405020304" pitchFamily="18" charset="0"/>
-              </a:rPr>
-              <a:t>telnum</a:t>
-            </a:r>
-            <a:r>
-              <a:rPr lang="en-US" dirty="0" smtClean="0">
-                <a:latin typeface="Times New Roman" panose="02020603050405020304" pitchFamily="18" charset="0"/>
-                <a:cs typeface="Times New Roman" panose="02020603050405020304" pitchFamily="18" charset="0"/>
-              </a:rPr>
-              <a:t>, </a:t>
-            </a:r>
-            <a:r>
-              <a:rPr lang="en-US" dirty="0" err="1" smtClean="0">
-                <a:latin typeface="Times New Roman" panose="02020603050405020304" pitchFamily="18" charset="0"/>
-                <a:cs typeface="Times New Roman" panose="02020603050405020304" pitchFamily="18" charset="0"/>
-              </a:rPr>
-              <a:t>csinum</a:t>
-            </a:r>
-            <a:r>
-              <a:rPr lang="en-US" dirty="0" smtClean="0">
-                <a:latin typeface="Times New Roman" panose="02020603050405020304" pitchFamily="18" charset="0"/>
-                <a:cs typeface="Times New Roman" panose="02020603050405020304" pitchFamily="18" charset="0"/>
-              </a:rPr>
-              <a:t>);</a:t>
-            </a:r>
-          </a:p>
-          <a:p>
-            <a:r>
-              <a:rPr lang="en-US" dirty="0">
-                <a:latin typeface="Times New Roman" panose="02020603050405020304" pitchFamily="18" charset="0"/>
-                <a:cs typeface="Times New Roman" panose="02020603050405020304" pitchFamily="18" charset="0"/>
-              </a:rPr>
-              <a:t> </a:t>
-            </a:r>
-            <a:r>
-              <a:rPr lang="en-US" dirty="0" smtClean="0">
-                <a:latin typeface="Times New Roman" panose="02020603050405020304" pitchFamily="18" charset="0"/>
-                <a:cs typeface="Times New Roman" panose="02020603050405020304" pitchFamily="18" charset="0"/>
-              </a:rPr>
-              <a:t>       </a:t>
-            </a:r>
-            <a:r>
-              <a:rPr lang="en-US" dirty="0" err="1" smtClean="0">
-                <a:latin typeface="Times New Roman" panose="02020603050405020304" pitchFamily="18" charset="0"/>
-                <a:cs typeface="Times New Roman" panose="02020603050405020304" pitchFamily="18" charset="0"/>
-              </a:rPr>
-              <a:t>err_CsIV</a:t>
-            </a:r>
-            <a:r>
-              <a:rPr lang="en-US" dirty="0" smtClean="0">
-                <a:latin typeface="Times New Roman" panose="02020603050405020304" pitchFamily="18" charset="0"/>
-                <a:cs typeface="Times New Roman" panose="02020603050405020304" pitchFamily="18" charset="0"/>
-              </a:rPr>
-              <a:t> = </a:t>
-            </a:r>
-            <a:r>
-              <a:rPr lang="en-US" dirty="0" err="1" smtClean="0">
-                <a:latin typeface="Times New Roman" panose="02020603050405020304" pitchFamily="18" charset="0"/>
-                <a:cs typeface="Times New Roman" panose="02020603050405020304" pitchFamily="18" charset="0"/>
-              </a:rPr>
-              <a:t>CsICalibrationModule.GetVoltageValue</a:t>
-            </a:r>
-            <a:r>
-              <a:rPr lang="en-US" dirty="0" smtClean="0">
-                <a:latin typeface="Times New Roman" panose="02020603050405020304" pitchFamily="18" charset="0"/>
-                <a:cs typeface="Times New Roman" panose="02020603050405020304" pitchFamily="18" charset="0"/>
-              </a:rPr>
-              <a:t>(</a:t>
-            </a:r>
-            <a:r>
-              <a:rPr lang="en-US" dirty="0" err="1" smtClean="0">
-                <a:latin typeface="Times New Roman" panose="02020603050405020304" pitchFamily="18" charset="0"/>
-                <a:cs typeface="Times New Roman" panose="02020603050405020304" pitchFamily="18" charset="0"/>
-              </a:rPr>
-              <a:t>CsIch+err_CsIch</a:t>
-            </a:r>
-            <a:r>
-              <a:rPr lang="en-US" dirty="0" smtClean="0">
-                <a:latin typeface="Times New Roman" panose="02020603050405020304" pitchFamily="18" charset="0"/>
-                <a:cs typeface="Times New Roman" panose="02020603050405020304" pitchFamily="18" charset="0"/>
-              </a:rPr>
-              <a:t>, </a:t>
-            </a:r>
-            <a:r>
-              <a:rPr lang="en-US" dirty="0" err="1" smtClean="0">
-                <a:latin typeface="Times New Roman" panose="02020603050405020304" pitchFamily="18" charset="0"/>
-                <a:cs typeface="Times New Roman" panose="02020603050405020304" pitchFamily="18" charset="0"/>
-              </a:rPr>
-              <a:t>telnum</a:t>
-            </a:r>
-            <a:r>
-              <a:rPr lang="en-US" dirty="0" smtClean="0">
-                <a:latin typeface="Times New Roman" panose="02020603050405020304" pitchFamily="18" charset="0"/>
-                <a:cs typeface="Times New Roman" panose="02020603050405020304" pitchFamily="18" charset="0"/>
-              </a:rPr>
-              <a:t>, </a:t>
-            </a:r>
-            <a:r>
-              <a:rPr lang="en-US" dirty="0" err="1" smtClean="0">
-                <a:latin typeface="Times New Roman" panose="02020603050405020304" pitchFamily="18" charset="0"/>
-                <a:cs typeface="Times New Roman" panose="02020603050405020304" pitchFamily="18" charset="0"/>
-              </a:rPr>
-              <a:t>csinum</a:t>
-            </a:r>
-            <a:r>
-              <a:rPr lang="en-US" dirty="0" smtClean="0">
-                <a:latin typeface="Times New Roman" panose="02020603050405020304" pitchFamily="18" charset="0"/>
-                <a:cs typeface="Times New Roman" panose="02020603050405020304" pitchFamily="18" charset="0"/>
-              </a:rPr>
-              <a:t>) - </a:t>
-            </a:r>
-            <a:r>
-              <a:rPr lang="en-US" dirty="0" err="1" smtClean="0">
-                <a:latin typeface="Times New Roman" panose="02020603050405020304" pitchFamily="18" charset="0"/>
-                <a:cs typeface="Times New Roman" panose="02020603050405020304" pitchFamily="18" charset="0"/>
-              </a:rPr>
-              <a:t>CsIV</a:t>
-            </a:r>
-            <a:r>
-              <a:rPr lang="en-US" dirty="0" smtClean="0">
-                <a:latin typeface="Times New Roman" panose="02020603050405020304" pitchFamily="18" charset="0"/>
-                <a:cs typeface="Times New Roman" panose="02020603050405020304" pitchFamily="18" charset="0"/>
-              </a:rPr>
-              <a:t> ;</a:t>
-            </a:r>
-          </a:p>
-          <a:p>
-            <a:endParaRPr lang="en-US" dirty="0" smtClean="0">
-              <a:latin typeface="Times New Roman" panose="02020603050405020304" pitchFamily="18" charset="0"/>
-              <a:cs typeface="Times New Roman" panose="02020603050405020304" pitchFamily="18" charset="0"/>
-            </a:endParaRPr>
-          </a:p>
-          <a:p>
-            <a:r>
-              <a:rPr lang="en-US" dirty="0"/>
-              <a:t> </a:t>
-            </a:r>
-            <a:r>
-              <a:rPr lang="en-US" dirty="0">
-                <a:latin typeface="Times New Roman" panose="02020603050405020304" pitchFamily="18" charset="0"/>
-                <a:cs typeface="Times New Roman" panose="02020603050405020304" pitchFamily="18" charset="0"/>
-              </a:rPr>
-              <a:t>● </a:t>
-            </a:r>
-            <a:r>
-              <a:rPr lang="en-US" dirty="0" smtClean="0">
-                <a:latin typeface="Times New Roman" panose="02020603050405020304" pitchFamily="18" charset="0"/>
-                <a:cs typeface="Times New Roman" panose="02020603050405020304" pitchFamily="18" charset="0"/>
-              </a:rPr>
-              <a:t> For </a:t>
-            </a:r>
-            <a:r>
-              <a:rPr lang="en-US" dirty="0" smtClean="0">
-                <a:latin typeface="Times New Roman" panose="02020603050405020304" pitchFamily="18" charset="0"/>
-                <a:cs typeface="Times New Roman" panose="02020603050405020304" pitchFamily="18" charset="0"/>
-              </a:rPr>
-              <a:t>Gaussian fit</a:t>
+              <a:t> For Gaussian fit</a:t>
             </a:r>
           </a:p>
           <a:p>

--- a/2018Oct-Tutorial_HiRACsICalibrations.pptx
+++ b/2018Oct-Tutorial_HiRACsICalibrations.pptx
@@ -5,7 +5,7 @@
     <p:sldMasterId id="2147483648" r:id="rId1"/>
   </p:sldMasterIdLst>
   <p:notesMasterIdLst>
-    <p:notesMasterId r:id="rId50"/>
+    <p:notesMasterId r:id="rId48"/>
   </p:notesMasterIdLst>
   <p:sldIdLst>
     <p:sldId id="256" r:id="rId2"/>
@@ -42,20 +42,18 @@
     <p:sldId id="260" r:id="rId33"/>
     <p:sldId id="261" r:id="rId34"/>
     <p:sldId id="298" r:id="rId35"/>
-    <p:sldId id="299" r:id="rId36"/>
-    <p:sldId id="300" r:id="rId37"/>
-    <p:sldId id="262" r:id="rId38"/>
-    <p:sldId id="270" r:id="rId39"/>
-    <p:sldId id="263" r:id="rId40"/>
-    <p:sldId id="264" r:id="rId41"/>
-    <p:sldId id="271" r:id="rId42"/>
-    <p:sldId id="272" r:id="rId43"/>
-    <p:sldId id="273" r:id="rId44"/>
-    <p:sldId id="274" r:id="rId45"/>
-    <p:sldId id="275" r:id="rId46"/>
-    <p:sldId id="276" r:id="rId47"/>
-    <p:sldId id="301" r:id="rId48"/>
-    <p:sldId id="302" r:id="rId49"/>
+    <p:sldId id="262" r:id="rId36"/>
+    <p:sldId id="270" r:id="rId37"/>
+    <p:sldId id="263" r:id="rId38"/>
+    <p:sldId id="264" r:id="rId39"/>
+    <p:sldId id="271" r:id="rId40"/>
+    <p:sldId id="272" r:id="rId41"/>
+    <p:sldId id="273" r:id="rId42"/>
+    <p:sldId id="274" r:id="rId43"/>
+    <p:sldId id="275" r:id="rId44"/>
+    <p:sldId id="276" r:id="rId45"/>
+    <p:sldId id="301" r:id="rId46"/>
+    <p:sldId id="302" r:id="rId47"/>
   </p:sldIdLst>
   <p:sldSz cx="12192000" cy="6858000"/>
   <p:notesSz cx="6858000" cy="9144000"/>
@@ -244,7 +242,7 @@
           <a:p>
             <a:fld id="{56884FD5-078F-452E-9E34-3872B0A18C88}" type="datetimeFigureOut">
               <a:rPr lang="en-US" smtClean="0"/>
-              <a:t>10/25/2018</a:t>
+              <a:t>10/29/2018</a:t>
             </a:fld>
             <a:endParaRPr lang="en-US"/>
           </a:p>
@@ -596,6 +594,90 @@
 </p:notes>
 </file>
 
+<file path=ppt/notesSlides/notesSlide2.xml><?xml version="1.0" encoding="utf-8"?>
+<p:notes xmlns:a="http://schemas.openxmlformats.org/drawingml/2006/main" xmlns:r="http://schemas.openxmlformats.org/officeDocument/2006/relationships" xmlns:p="http://schemas.openxmlformats.org/presentationml/2006/main">
+  <p:cSld>
+    <p:spTree>
+      <p:nvGrpSpPr>
+        <p:cNvPr id="1" name=""/>
+        <p:cNvGrpSpPr/>
+        <p:nvPr/>
+      </p:nvGrpSpPr>
+      <p:grpSpPr>
+        <a:xfrm>
+          <a:off x="0" y="0"/>
+          <a:ext cx="0" cy="0"/>
+          <a:chOff x="0" y="0"/>
+          <a:chExt cx="0" cy="0"/>
+        </a:xfrm>
+      </p:grpSpPr>
+      <p:sp>
+        <p:nvSpPr>
+          <p:cNvPr id="2" name="Slide Image Placeholder 1"/>
+          <p:cNvSpPr>
+            <a:spLocks noGrp="1" noRot="1" noChangeAspect="1"/>
+          </p:cNvSpPr>
+          <p:nvPr>
+            <p:ph type="sldImg"/>
+          </p:nvPr>
+        </p:nvSpPr>
+        <p:spPr/>
+      </p:sp>
+      <p:sp>
+        <p:nvSpPr>
+          <p:cNvPr id="3" name="Notes Placeholder 2"/>
+          <p:cNvSpPr>
+            <a:spLocks noGrp="1"/>
+          </p:cNvSpPr>
+          <p:nvPr>
+            <p:ph type="body" idx="1"/>
+          </p:nvPr>
+        </p:nvSpPr>
+        <p:spPr/>
+        <p:txBody>
+          <a:bodyPr/>
+          <a:lstStyle/>
+          <a:p>
+            <a:endParaRPr lang="en-US"/>
+          </a:p>
+        </p:txBody>
+      </p:sp>
+      <p:sp>
+        <p:nvSpPr>
+          <p:cNvPr id="4" name="Slide Number Placeholder 3"/>
+          <p:cNvSpPr>
+            <a:spLocks noGrp="1"/>
+          </p:cNvSpPr>
+          <p:nvPr>
+            <p:ph type="sldNum" sz="quarter" idx="10"/>
+          </p:nvPr>
+        </p:nvSpPr>
+        <p:spPr/>
+        <p:txBody>
+          <a:bodyPr/>
+          <a:lstStyle/>
+          <a:p>
+            <a:fld id="{47FBAA53-6A34-431E-B8E9-25A409D958DC}" type="slidenum">
+              <a:rPr lang="en-US" smtClean="0"/>
+              <a:t>34</a:t>
+            </a:fld>
+            <a:endParaRPr lang="en-US"/>
+          </a:p>
+        </p:txBody>
+      </p:sp>
+    </p:spTree>
+    <p:extLst>
+      <p:ext uri="{BB962C8B-B14F-4D97-AF65-F5344CB8AC3E}">
+        <p14:creationId xmlns:p14="http://schemas.microsoft.com/office/powerpoint/2010/main" val="2669563969"/>
+      </p:ext>
+    </p:extLst>
+  </p:cSld>
+  <p:clrMapOvr>
+    <a:masterClrMapping/>
+  </p:clrMapOvr>
+</p:notes>
+</file>
+
 <file path=ppt/slideLayouts/slideLayout1.xml><?xml version="1.0" encoding="utf-8"?>
 <p:sldLayout xmlns:a="http://schemas.openxmlformats.org/drawingml/2006/main" xmlns:r="http://schemas.openxmlformats.org/officeDocument/2006/relationships" xmlns:p="http://schemas.openxmlformats.org/presentationml/2006/main" type="title" preserve="1">
   <p:cSld name="Title Slide">
@@ -727,7 +809,7 @@
           <a:p>
             <a:fld id="{2AB85655-92EE-4FFE-AD52-8C3D789CC0B5}" type="datetimeFigureOut">
               <a:rPr lang="en-US" smtClean="0"/>
-              <a:t>10/25/2018</a:t>
+              <a:t>10/29/2018</a:t>
             </a:fld>
             <a:endParaRPr lang="en-US"/>
           </a:p>
@@ -897,7 +979,7 @@
           <a:p>
             <a:fld id="{2AB85655-92EE-4FFE-AD52-8C3D789CC0B5}" type="datetimeFigureOut">
               <a:rPr lang="en-US" smtClean="0"/>
-              <a:t>10/25/2018</a:t>
+              <a:t>10/29/2018</a:t>
             </a:fld>
             <a:endParaRPr lang="en-US"/>
           </a:p>
@@ -1077,7 +1159,7 @@
           <a:p>
             <a:fld id="{2AB85655-92EE-4FFE-AD52-8C3D789CC0B5}" type="datetimeFigureOut">
               <a:rPr lang="en-US" smtClean="0"/>
-              <a:t>10/25/2018</a:t>
+              <a:t>10/29/2018</a:t>
             </a:fld>
             <a:endParaRPr lang="en-US"/>
           </a:p>
@@ -1247,7 +1329,7 @@
           <a:p>
             <a:fld id="{2AB85655-92EE-4FFE-AD52-8C3D789CC0B5}" type="datetimeFigureOut">
               <a:rPr lang="en-US" smtClean="0"/>
-              <a:t>10/25/2018</a:t>
+              <a:t>10/29/2018</a:t>
             </a:fld>
             <a:endParaRPr lang="en-US"/>
           </a:p>
@@ -1493,7 +1575,7 @@
           <a:p>
             <a:fld id="{2AB85655-92EE-4FFE-AD52-8C3D789CC0B5}" type="datetimeFigureOut">
               <a:rPr lang="en-US" smtClean="0"/>
-              <a:t>10/25/2018</a:t>
+              <a:t>10/29/2018</a:t>
             </a:fld>
             <a:endParaRPr lang="en-US"/>
           </a:p>
@@ -1725,7 +1807,7 @@
           <a:p>
             <a:fld id="{2AB85655-92EE-4FFE-AD52-8C3D789CC0B5}" type="datetimeFigureOut">
               <a:rPr lang="en-US" smtClean="0"/>
-              <a:t>10/25/2018</a:t>
+              <a:t>10/29/2018</a:t>
             </a:fld>
             <a:endParaRPr lang="en-US"/>
           </a:p>
@@ -2092,7 +2174,7 @@
           <a:p>
             <a:fld id="{2AB85655-92EE-4FFE-AD52-8C3D789CC0B5}" type="datetimeFigureOut">
               <a:rPr lang="en-US" smtClean="0"/>
-              <a:t>10/25/2018</a:t>
+              <a:t>10/29/2018</a:t>
             </a:fld>
             <a:endParaRPr lang="en-US"/>
           </a:p>
@@ -2210,7 +2292,7 @@
           <a:p>
             <a:fld id="{2AB85655-92EE-4FFE-AD52-8C3D789CC0B5}" type="datetimeFigureOut">
               <a:rPr lang="en-US" smtClean="0"/>
-              <a:t>10/25/2018</a:t>
+              <a:t>10/29/2018</a:t>
             </a:fld>
             <a:endParaRPr lang="en-US"/>
           </a:p>
@@ -2305,7 +2387,7 @@
           <a:p>
             <a:fld id="{2AB85655-92EE-4FFE-AD52-8C3D789CC0B5}" type="datetimeFigureOut">
               <a:rPr lang="en-US" smtClean="0"/>
-              <a:t>10/25/2018</a:t>
+              <a:t>10/29/2018</a:t>
             </a:fld>
             <a:endParaRPr lang="en-US"/>
           </a:p>
@@ -2582,7 +2664,7 @@
           <a:p>
             <a:fld id="{2AB85655-92EE-4FFE-AD52-8C3D789CC0B5}" type="datetimeFigureOut">
               <a:rPr lang="en-US" smtClean="0"/>
-              <a:t>10/25/2018</a:t>
+              <a:t>10/29/2018</a:t>
             </a:fld>
             <a:endParaRPr lang="en-US"/>
           </a:p>
@@ -2835,7 +2917,7 @@
           <a:p>
             <a:fld id="{2AB85655-92EE-4FFE-AD52-8C3D789CC0B5}" type="datetimeFigureOut">
               <a:rPr lang="en-US" smtClean="0"/>
-              <a:t>10/25/2018</a:t>
+              <a:t>10/29/2018</a:t>
             </a:fld>
             <a:endParaRPr lang="en-US"/>
           </a:p>
@@ -3048,7 +3130,7 @@
           <a:p>
             <a:fld id="{2AB85655-92EE-4FFE-AD52-8C3D789CC0B5}" type="datetimeFigureOut">
               <a:rPr lang="en-US" smtClean="0"/>
-              <a:t>10/25/2018</a:t>
+              <a:t>10/29/2018</a:t>
             </a:fld>
             <a:endParaRPr lang="en-US"/>
           </a:p>
@@ -12860,7 +12942,7 @@
         </p:nvSpPr>
         <p:spPr>
           <a:xfrm>
-            <a:off x="1733491" y="2257689"/>
+            <a:off x="1597689" y="1986085"/>
             <a:ext cx="8862792" cy="769441"/>
           </a:xfrm>
           <a:prstGeom prst="rect">
@@ -13323,6 +13405,173 @@
           <a:chExt cx="0" cy="0"/>
         </a:xfrm>
       </p:grpSpPr>
+      <p:sp>
+        <p:nvSpPr>
+          <p:cNvPr id="2" name="Rectangle 1"/>
+          <p:cNvSpPr/>
+          <p:nvPr/>
+        </p:nvSpPr>
+        <p:spPr>
+          <a:xfrm>
+            <a:off x="0" y="101708"/>
+            <a:ext cx="4348306" cy="369332"/>
+          </a:xfrm>
+          <a:prstGeom prst="rect">
+            <a:avLst/>
+          </a:prstGeom>
+        </p:spPr>
+        <p:txBody>
+          <a:bodyPr wrap="none">
+            <a:spAutoFit/>
+          </a:bodyPr>
+          <a:lstStyle/>
+          <a:p>
+            <a:r>
+              <a:rPr lang="en-US" b="1" u="sng" dirty="0" smtClean="0">
+                <a:latin typeface="Times New Roman" panose="02020603050405020304" pitchFamily="18" charset="0"/>
+                <a:cs typeface="Times New Roman" panose="02020603050405020304" pitchFamily="18" charset="0"/>
+              </a:rPr>
+              <a:t>Extension: what </a:t>
+            </a:r>
+            <a:r>
+              <a:rPr lang="en-US" b="1" u="sng" dirty="0" smtClean="0">
+                <a:latin typeface="Times New Roman" panose="02020603050405020304" pitchFamily="18" charset="0"/>
+                <a:cs typeface="Times New Roman" panose="02020603050405020304" pitchFamily="18" charset="0"/>
+              </a:rPr>
+              <a:t>is punch through point? </a:t>
+            </a:r>
+            <a:endParaRPr lang="en-US" dirty="0" smtClean="0">
+              <a:solidFill>
+                <a:srgbClr val="FF0000"/>
+              </a:solidFill>
+              <a:latin typeface="Times New Roman" panose="02020603050405020304" pitchFamily="18" charset="0"/>
+              <a:cs typeface="Times New Roman" panose="02020603050405020304" pitchFamily="18" charset="0"/>
+            </a:endParaRPr>
+          </a:p>
+        </p:txBody>
+      </p:sp>
+      <p:sp>
+        <p:nvSpPr>
+          <p:cNvPr id="3" name="TextBox 2"/>
+          <p:cNvSpPr txBox="1"/>
+          <p:nvPr/>
+        </p:nvSpPr>
+        <p:spPr>
+          <a:xfrm>
+            <a:off x="316871" y="905347"/>
+            <a:ext cx="11108602" cy="646331"/>
+          </a:xfrm>
+          <a:prstGeom prst="rect">
+            <a:avLst/>
+          </a:prstGeom>
+          <a:noFill/>
+        </p:spPr>
+        <p:txBody>
+          <a:bodyPr wrap="square" rtlCol="0">
+            <a:spAutoFit/>
+          </a:bodyPr>
+          <a:lstStyle/>
+          <a:p>
+            <a:r>
+              <a:rPr lang="en-US" dirty="0" smtClean="0"/>
+              <a:t>● Punch through means that </a:t>
+            </a:r>
+            <a:r>
+              <a:rPr lang="en-US" b="1" dirty="0" smtClean="0">
+                <a:solidFill>
+                  <a:srgbClr val="00B050"/>
+                </a:solidFill>
+              </a:rPr>
+              <a:t>a particle stops at the end of the material</a:t>
+            </a:r>
+            <a:r>
+              <a:rPr lang="en-US" dirty="0" smtClean="0"/>
+              <a:t>. The energy of this kind of </a:t>
+            </a:r>
+          </a:p>
+          <a:p>
+            <a:r>
+              <a:rPr lang="en-US" dirty="0"/>
+              <a:t> </a:t>
+            </a:r>
+            <a:r>
+              <a:rPr lang="en-US" dirty="0" smtClean="0"/>
+              <a:t>   particle is called punch-through energy. With a little more energy, this particle would fly away.  </a:t>
+            </a:r>
+            <a:endParaRPr lang="en-US" dirty="0"/>
+          </a:p>
+        </p:txBody>
+      </p:sp>
+      <p:sp>
+        <p:nvSpPr>
+          <p:cNvPr id="4" name="TextBox 3"/>
+          <p:cNvSpPr txBox="1"/>
+          <p:nvPr/>
+        </p:nvSpPr>
+        <p:spPr>
+          <a:xfrm>
+            <a:off x="316871" y="1754864"/>
+            <a:ext cx="11108602" cy="646331"/>
+          </a:xfrm>
+          <a:prstGeom prst="rect">
+            <a:avLst/>
+          </a:prstGeom>
+          <a:noFill/>
+        </p:spPr>
+        <p:txBody>
+          <a:bodyPr wrap="square" rtlCol="0">
+            <a:spAutoFit/>
+          </a:bodyPr>
+          <a:lstStyle/>
+          <a:p>
+            <a:r>
+              <a:rPr lang="en-US" dirty="0" smtClean="0"/>
+              <a:t>● It is a similar concept as the range of a charge particle, because the stopping power is known for a </a:t>
+            </a:r>
+          </a:p>
+          <a:p>
+            <a:r>
+              <a:rPr lang="en-US" dirty="0"/>
+              <a:t> </a:t>
+            </a:r>
+            <a:r>
+              <a:rPr lang="en-US" dirty="0" smtClean="0"/>
+              <a:t>  given energy.</a:t>
+            </a:r>
+            <a:endParaRPr lang="en-US" dirty="0"/>
+          </a:p>
+        </p:txBody>
+      </p:sp>
+      <p:pic>
+        <p:nvPicPr>
+          <p:cNvPr id="5" name="Picture 4"/>
+          <p:cNvPicPr>
+            <a:picLocks noChangeAspect="1"/>
+          </p:cNvPicPr>
+          <p:nvPr/>
+        </p:nvPicPr>
+        <p:blipFill>
+          <a:blip r:embed="rId2">
+            <a:extLst>
+              <a:ext uri="{28A0092B-C50C-407E-A947-70E740481C1C}">
+                <a14:useLocalDpi xmlns:a14="http://schemas.microsoft.com/office/drawing/2010/main" val="0"/>
+              </a:ext>
+            </a:extLst>
+          </a:blip>
+          <a:stretch>
+            <a:fillRect/>
+          </a:stretch>
+        </p:blipFill>
+        <p:spPr>
+          <a:xfrm>
+            <a:off x="3548244" y="2401195"/>
+            <a:ext cx="4286543" cy="4149373"/>
+          </a:xfrm>
+          <a:prstGeom prst="rect">
+            <a:avLst/>
+          </a:prstGeom>
+        </p:spPr>
+      </p:pic>
     </p:spTree>
     <p:extLst>
       <p:ext uri="{BB962C8B-B14F-4D97-AF65-F5344CB8AC3E}">
@@ -13353,6 +13602,350 @@
           <a:chExt cx="0" cy="0"/>
         </a:xfrm>
       </p:grpSpPr>
+      <p:sp>
+        <p:nvSpPr>
+          <p:cNvPr id="2" name="Rectangle 1"/>
+          <p:cNvSpPr/>
+          <p:nvPr/>
+        </p:nvSpPr>
+        <p:spPr>
+          <a:xfrm>
+            <a:off x="125179" y="179628"/>
+            <a:ext cx="7428637" cy="923330"/>
+          </a:xfrm>
+          <a:prstGeom prst="rect">
+            <a:avLst/>
+          </a:prstGeom>
+        </p:spPr>
+        <p:txBody>
+          <a:bodyPr wrap="none">
+            <a:spAutoFit/>
+          </a:bodyPr>
+          <a:lstStyle/>
+          <a:p>
+            <a:r>
+              <a:rPr lang="en-US" b="1" u="sng" dirty="0" smtClean="0">
+                <a:latin typeface="Times New Roman" panose="02020603050405020304" pitchFamily="18" charset="0"/>
+                <a:cs typeface="Times New Roman" panose="02020603050405020304" pitchFamily="18" charset="0"/>
+              </a:rPr>
+              <a:t>Step </a:t>
+            </a:r>
+            <a:r>
+              <a:rPr lang="en-US" b="1" u="sng" dirty="0">
+                <a:latin typeface="Times New Roman" panose="02020603050405020304" pitchFamily="18" charset="0"/>
+                <a:cs typeface="Times New Roman" panose="02020603050405020304" pitchFamily="18" charset="0"/>
+              </a:rPr>
+              <a:t>1</a:t>
+            </a:r>
+            <a:r>
+              <a:rPr lang="en-US" b="1" u="sng" dirty="0" smtClean="0">
+                <a:latin typeface="Times New Roman" panose="02020603050405020304" pitchFamily="18" charset="0"/>
+                <a:cs typeface="Times New Roman" panose="02020603050405020304" pitchFamily="18" charset="0"/>
+              </a:rPr>
+              <a:t>:  </a:t>
+            </a:r>
+            <a:r>
+              <a:rPr lang="en-US" b="1" u="sng" dirty="0" smtClean="0">
+                <a:latin typeface="Times New Roman" panose="02020603050405020304" pitchFamily="18" charset="0"/>
+                <a:cs typeface="Times New Roman" panose="02020603050405020304" pitchFamily="18" charset="0"/>
+              </a:rPr>
+              <a:t>To get the punch through points(</a:t>
+            </a:r>
+            <a:r>
+              <a:rPr lang="en-US" b="1" u="sng" dirty="0" smtClean="0">
+                <a:solidFill>
+                  <a:srgbClr val="FF0000"/>
+                </a:solidFill>
+                <a:latin typeface="Times New Roman" panose="02020603050405020304" pitchFamily="18" charset="0"/>
+                <a:cs typeface="Times New Roman" panose="02020603050405020304" pitchFamily="18" charset="0"/>
+              </a:rPr>
+              <a:t>in channel</a:t>
+            </a:r>
+            <a:r>
+              <a:rPr lang="en-US" b="1" u="sng" dirty="0" smtClean="0">
+                <a:latin typeface="Times New Roman" panose="02020603050405020304" pitchFamily="18" charset="0"/>
+                <a:cs typeface="Times New Roman" panose="02020603050405020304" pitchFamily="18" charset="0"/>
+              </a:rPr>
+              <a:t>) for raw data </a:t>
+            </a:r>
+            <a:r>
+              <a:rPr lang="en-US" b="1" u="sng" dirty="0" smtClean="0">
+                <a:latin typeface="Times New Roman" panose="02020603050405020304" pitchFamily="18" charset="0"/>
+                <a:cs typeface="Times New Roman" panose="02020603050405020304" pitchFamily="18" charset="0"/>
+              </a:rPr>
+              <a:t> </a:t>
+            </a:r>
+            <a:endParaRPr lang="en-US" b="1" dirty="0" smtClean="0">
+              <a:solidFill>
+                <a:srgbClr val="81ABFF"/>
+              </a:solidFill>
+              <a:latin typeface="Times New Roman" panose="02020603050405020304" pitchFamily="18" charset="0"/>
+              <a:cs typeface="Times New Roman" panose="02020603050405020304" pitchFamily="18" charset="0"/>
+            </a:endParaRPr>
+          </a:p>
+          <a:p>
+            <a:r>
+              <a:rPr lang="en-US" b="1" dirty="0" smtClean="0">
+                <a:solidFill>
+                  <a:srgbClr val="81ABFF"/>
+                </a:solidFill>
+                <a:latin typeface="Times New Roman" panose="02020603050405020304" pitchFamily="18" charset="0"/>
+                <a:cs typeface="Times New Roman" panose="02020603050405020304" pitchFamily="18" charset="0"/>
+              </a:rPr>
+              <a:t>(</a:t>
+            </a:r>
+            <a:r>
+              <a:rPr lang="en-US" b="1" dirty="0">
+                <a:solidFill>
+                  <a:srgbClr val="81ABFF"/>
+                </a:solidFill>
+                <a:latin typeface="Times New Roman" panose="02020603050405020304" pitchFamily="18" charset="0"/>
+                <a:cs typeface="Times New Roman" panose="02020603050405020304" pitchFamily="18" charset="0"/>
+              </a:rPr>
+              <a:t>macro to be used: 20PunchThroughPoints/</a:t>
+            </a:r>
+            <a:r>
+              <a:rPr lang="en-US" b="1" dirty="0" err="1">
+                <a:solidFill>
+                  <a:srgbClr val="81ABFF"/>
+                </a:solidFill>
+                <a:latin typeface="Times New Roman" panose="02020603050405020304" pitchFamily="18" charset="0"/>
+                <a:cs typeface="Times New Roman" panose="02020603050405020304" pitchFamily="18" charset="0"/>
+              </a:rPr>
+              <a:t>TogetPunchThroughPoints.C</a:t>
+            </a:r>
+            <a:r>
+              <a:rPr lang="en-US" b="1" dirty="0">
+                <a:solidFill>
+                  <a:srgbClr val="81ABFF"/>
+                </a:solidFill>
+                <a:latin typeface="Times New Roman" panose="02020603050405020304" pitchFamily="18" charset="0"/>
+                <a:cs typeface="Times New Roman" panose="02020603050405020304" pitchFamily="18" charset="0"/>
+              </a:rPr>
+              <a:t>)</a:t>
+            </a:r>
+            <a:endParaRPr lang="en-US" altLang="zh-CN" b="1" dirty="0">
+              <a:solidFill>
+                <a:srgbClr val="81ABFF"/>
+              </a:solidFill>
+              <a:latin typeface="Times New Roman" panose="02020603050405020304" pitchFamily="18" charset="0"/>
+              <a:cs typeface="Times New Roman" panose="02020603050405020304" pitchFamily="18" charset="0"/>
+            </a:endParaRPr>
+          </a:p>
+          <a:p>
+            <a:endParaRPr lang="en-US" dirty="0" smtClean="0">
+              <a:solidFill>
+                <a:srgbClr val="FF0000"/>
+              </a:solidFill>
+              <a:latin typeface="Times New Roman" panose="02020603050405020304" pitchFamily="18" charset="0"/>
+              <a:cs typeface="Times New Roman" panose="02020603050405020304" pitchFamily="18" charset="0"/>
+            </a:endParaRPr>
+          </a:p>
+        </p:txBody>
+      </p:sp>
+      <p:sp>
+        <p:nvSpPr>
+          <p:cNvPr id="3" name="TextBox 2"/>
+          <p:cNvSpPr txBox="1"/>
+          <p:nvPr/>
+        </p:nvSpPr>
+        <p:spPr>
+          <a:xfrm>
+            <a:off x="265899" y="965124"/>
+            <a:ext cx="5238430" cy="369332"/>
+          </a:xfrm>
+          <a:prstGeom prst="rect">
+            <a:avLst/>
+          </a:prstGeom>
+          <a:noFill/>
+        </p:spPr>
+        <p:txBody>
+          <a:bodyPr wrap="square" rtlCol="0">
+            <a:spAutoFit/>
+          </a:bodyPr>
+          <a:lstStyle/>
+          <a:p>
+            <a:r>
+              <a:rPr lang="en-US" dirty="0" smtClean="0"/>
+              <a:t>● </a:t>
+            </a:r>
+            <a:r>
+              <a:rPr lang="en-US" b="1" dirty="0" smtClean="0"/>
+              <a:t>With the ∆E-E spectra, make projection to X axis</a:t>
+            </a:r>
+            <a:endParaRPr lang="en-US" b="1" dirty="0"/>
+          </a:p>
+        </p:txBody>
+      </p:sp>
+      <p:pic>
+        <p:nvPicPr>
+          <p:cNvPr id="4" name="Picture 3"/>
+          <p:cNvPicPr>
+            <a:picLocks noChangeAspect="1"/>
+          </p:cNvPicPr>
+          <p:nvPr/>
+        </p:nvPicPr>
+        <p:blipFill>
+          <a:blip r:embed="rId2"/>
+          <a:stretch>
+            <a:fillRect/>
+          </a:stretch>
+        </p:blipFill>
+        <p:spPr>
+          <a:xfrm>
+            <a:off x="599107" y="1721220"/>
+            <a:ext cx="4582824" cy="3334297"/>
+          </a:xfrm>
+          <a:prstGeom prst="rect">
+            <a:avLst/>
+          </a:prstGeom>
+        </p:spPr>
+      </p:pic>
+      <p:pic>
+        <p:nvPicPr>
+          <p:cNvPr id="5" name="Picture 4"/>
+          <p:cNvPicPr>
+            <a:picLocks noChangeAspect="1"/>
+          </p:cNvPicPr>
+          <p:nvPr/>
+        </p:nvPicPr>
+        <p:blipFill>
+          <a:blip r:embed="rId3"/>
+          <a:stretch>
+            <a:fillRect/>
+          </a:stretch>
+        </p:blipFill>
+        <p:spPr>
+          <a:xfrm>
+            <a:off x="7699550" y="108642"/>
+            <a:ext cx="3057644" cy="2082297"/>
+          </a:xfrm>
+          <a:prstGeom prst="rect">
+            <a:avLst/>
+          </a:prstGeom>
+        </p:spPr>
+      </p:pic>
+      <p:pic>
+        <p:nvPicPr>
+          <p:cNvPr id="6" name="Picture 5"/>
+          <p:cNvPicPr>
+            <a:picLocks noChangeAspect="1"/>
+          </p:cNvPicPr>
+          <p:nvPr/>
+        </p:nvPicPr>
+        <p:blipFill>
+          <a:blip r:embed="rId4"/>
+          <a:stretch>
+            <a:fillRect/>
+          </a:stretch>
+        </p:blipFill>
+        <p:spPr>
+          <a:xfrm>
+            <a:off x="7602302" y="2243856"/>
+            <a:ext cx="3252140" cy="2289027"/>
+          </a:xfrm>
+          <a:prstGeom prst="rect">
+            <a:avLst/>
+          </a:prstGeom>
+        </p:spPr>
+      </p:pic>
+      <p:pic>
+        <p:nvPicPr>
+          <p:cNvPr id="7" name="Picture 6"/>
+          <p:cNvPicPr>
+            <a:picLocks noChangeAspect="1"/>
+          </p:cNvPicPr>
+          <p:nvPr/>
+        </p:nvPicPr>
+        <p:blipFill>
+          <a:blip r:embed="rId5"/>
+          <a:stretch>
+            <a:fillRect/>
+          </a:stretch>
+        </p:blipFill>
+        <p:spPr>
+          <a:xfrm>
+            <a:off x="7702441" y="4532883"/>
+            <a:ext cx="3232677" cy="2205618"/>
+          </a:xfrm>
+          <a:prstGeom prst="rect">
+            <a:avLst/>
+          </a:prstGeom>
+        </p:spPr>
+      </p:pic>
+      <p:sp>
+        <p:nvSpPr>
+          <p:cNvPr id="8" name="Right Arrow 7"/>
+          <p:cNvSpPr/>
+          <p:nvPr/>
+        </p:nvSpPr>
+        <p:spPr>
+          <a:xfrm>
+            <a:off x="5418895" y="2845160"/>
+            <a:ext cx="1946442" cy="525101"/>
+          </a:xfrm>
+          <a:prstGeom prst="rightArrow">
+            <a:avLst/>
+          </a:prstGeom>
+        </p:spPr>
+        <p:style>
+          <a:lnRef idx="2">
+            <a:schemeClr val="accent1">
+              <a:shade val="50000"/>
+            </a:schemeClr>
+          </a:lnRef>
+          <a:fillRef idx="1">
+            <a:schemeClr val="accent1"/>
+          </a:fillRef>
+          <a:effectRef idx="0">
+            <a:schemeClr val="accent1"/>
+          </a:effectRef>
+          <a:fontRef idx="minor">
+            <a:schemeClr val="lt1"/>
+          </a:fontRef>
+        </p:style>
+        <p:txBody>
+          <a:bodyPr rtlCol="0" anchor="ctr"/>
+          <a:lstStyle/>
+          <a:p>
+            <a:pPr algn="ctr"/>
+            <a:endParaRPr lang="en-US"/>
+          </a:p>
+        </p:txBody>
+      </p:sp>
+      <p:sp>
+        <p:nvSpPr>
+          <p:cNvPr id="9" name="Rectangle 8"/>
+          <p:cNvSpPr/>
+          <p:nvPr/>
+        </p:nvSpPr>
+        <p:spPr>
+          <a:xfrm>
+            <a:off x="5734179" y="2565323"/>
+            <a:ext cx="1315873" cy="369332"/>
+          </a:xfrm>
+          <a:prstGeom prst="rect">
+            <a:avLst/>
+          </a:prstGeom>
+        </p:spPr>
+        <p:txBody>
+          <a:bodyPr wrap="none">
+            <a:spAutoFit/>
+          </a:bodyPr>
+          <a:lstStyle/>
+          <a:p>
+            <a:r>
+              <a:rPr lang="en-US" dirty="0" err="1" smtClean="0"/>
+              <a:t>ProjectionX</a:t>
+            </a:r>
+            <a:r>
+              <a:rPr lang="en-US" dirty="0" smtClean="0"/>
+              <a:t> </a:t>
+            </a:r>
+            <a:endParaRPr lang="en-US" dirty="0"/>
+          </a:p>
+        </p:txBody>
+      </p:sp>
     </p:spTree>
     <p:extLst>
       <p:ext uri="{BB962C8B-B14F-4D97-AF65-F5344CB8AC3E}">
@@ -13383,6 +13976,1278 @@
           <a:chExt cx="0" cy="0"/>
         </a:xfrm>
       </p:grpSpPr>
+      <p:sp>
+        <p:nvSpPr>
+          <p:cNvPr id="2" name="TextBox 1"/>
+          <p:cNvSpPr txBox="1"/>
+          <p:nvPr/>
+        </p:nvSpPr>
+        <p:spPr>
+          <a:xfrm>
+            <a:off x="208229" y="289711"/>
+            <a:ext cx="4916032" cy="369332"/>
+          </a:xfrm>
+          <a:prstGeom prst="rect">
+            <a:avLst/>
+          </a:prstGeom>
+          <a:noFill/>
+        </p:spPr>
+        <p:txBody>
+          <a:bodyPr wrap="square" rtlCol="0">
+            <a:spAutoFit/>
+          </a:bodyPr>
+          <a:lstStyle/>
+          <a:p>
+            <a:r>
+              <a:rPr lang="en-US" dirty="0" smtClean="0"/>
+              <a:t>● </a:t>
+            </a:r>
+            <a:r>
+              <a:rPr lang="en-US" b="1" dirty="0" smtClean="0"/>
+              <a:t>Fit with Fermi Function.</a:t>
+            </a:r>
+            <a:endParaRPr lang="en-US" b="1" dirty="0"/>
+          </a:p>
+        </p:txBody>
+      </p:sp>
+      <p:pic>
+        <p:nvPicPr>
+          <p:cNvPr id="3" name="Picture 2"/>
+          <p:cNvPicPr>
+            <a:picLocks noChangeAspect="1"/>
+          </p:cNvPicPr>
+          <p:nvPr/>
+        </p:nvPicPr>
+        <p:blipFill>
+          <a:blip r:embed="rId2"/>
+          <a:stretch>
+            <a:fillRect/>
+          </a:stretch>
+        </p:blipFill>
+        <p:spPr>
+          <a:xfrm>
+            <a:off x="5765158" y="1434445"/>
+            <a:ext cx="6008152" cy="4304685"/>
+          </a:xfrm>
+          <a:prstGeom prst="rect">
+            <a:avLst/>
+          </a:prstGeom>
+        </p:spPr>
+      </p:pic>
+      <p:sp>
+        <p:nvSpPr>
+          <p:cNvPr id="4" name="TextBox 3"/>
+          <p:cNvSpPr txBox="1"/>
+          <p:nvPr/>
+        </p:nvSpPr>
+        <p:spPr>
+          <a:xfrm rot="16200000">
+            <a:off x="8380928" y="3110577"/>
+            <a:ext cx="2024913" cy="276999"/>
+          </a:xfrm>
+          <a:prstGeom prst="rect">
+            <a:avLst/>
+          </a:prstGeom>
+          <a:noFill/>
+        </p:spPr>
+        <p:txBody>
+          <a:bodyPr wrap="none" rtlCol="0">
+            <a:spAutoFit/>
+          </a:bodyPr>
+          <a:lstStyle/>
+          <a:p>
+            <a:r>
+              <a:rPr lang="en-US" sz="1200" b="1" dirty="0" smtClean="0">
+                <a:solidFill>
+                  <a:srgbClr val="FF0000"/>
+                </a:solidFill>
+              </a:rPr>
+              <a:t>Current punch through point</a:t>
+            </a:r>
+            <a:endParaRPr lang="en-US" sz="1200" b="1" dirty="0">
+              <a:solidFill>
+                <a:srgbClr val="FF0000"/>
+              </a:solidFill>
+            </a:endParaRPr>
+          </a:p>
+        </p:txBody>
+      </p:sp>
+      <p:sp>
+        <p:nvSpPr>
+          <p:cNvPr id="5" name="TextBox 4"/>
+          <p:cNvSpPr txBox="1"/>
+          <p:nvPr/>
+        </p:nvSpPr>
+        <p:spPr>
+          <a:xfrm rot="16200000">
+            <a:off x="8694721" y="3624240"/>
+            <a:ext cx="1905330" cy="276999"/>
+          </a:xfrm>
+          <a:prstGeom prst="rect">
+            <a:avLst/>
+          </a:prstGeom>
+          <a:noFill/>
+        </p:spPr>
+        <p:txBody>
+          <a:bodyPr wrap="none" rtlCol="0">
+            <a:spAutoFit/>
+          </a:bodyPr>
+          <a:lstStyle/>
+          <a:p>
+            <a:r>
+              <a:rPr lang="en-US" sz="1200" b="1" dirty="0" smtClean="0">
+                <a:solidFill>
+                  <a:srgbClr val="FF0000"/>
+                </a:solidFill>
+              </a:rPr>
+              <a:t>Prediction via </a:t>
+            </a:r>
+            <a:r>
+              <a:rPr lang="en-US" sz="1200" b="1" dirty="0" err="1" smtClean="0">
+                <a:solidFill>
+                  <a:srgbClr val="FF0000"/>
+                </a:solidFill>
+              </a:rPr>
+              <a:t>exrapolation</a:t>
+            </a:r>
+            <a:endParaRPr lang="en-US" sz="1200" b="1" dirty="0">
+              <a:solidFill>
+                <a:srgbClr val="FF0000"/>
+              </a:solidFill>
+            </a:endParaRPr>
+          </a:p>
+        </p:txBody>
+      </p:sp>
+      <mc:AlternateContent xmlns:mc="http://schemas.openxmlformats.org/markup-compatibility/2006">
+        <mc:Choice xmlns:a14="http://schemas.microsoft.com/office/drawing/2010/main" Requires="a14">
+          <p:sp>
+            <p:nvSpPr>
+              <p:cNvPr id="6" name="TextBox 5"/>
+              <p:cNvSpPr txBox="1"/>
+              <p:nvPr/>
+            </p:nvSpPr>
+            <p:spPr>
+              <a:xfrm>
+                <a:off x="144855" y="773843"/>
+                <a:ext cx="3603279" cy="588174"/>
+              </a:xfrm>
+              <a:prstGeom prst="rect">
+                <a:avLst/>
+              </a:prstGeom>
+              <a:noFill/>
+            </p:spPr>
+            <p:txBody>
+              <a:bodyPr wrap="square" rtlCol="0">
+                <a:spAutoFit/>
+              </a:bodyPr>
+              <a:lstStyle/>
+              <a:p>
+                <a14:m>
+                  <m:oMathPara xmlns:m="http://schemas.openxmlformats.org/officeDocument/2006/math">
+                    <m:oMathParaPr>
+                      <m:jc m:val="centerGroup"/>
+                    </m:oMathParaPr>
+                    <m:oMath xmlns:m="http://schemas.openxmlformats.org/officeDocument/2006/math">
+                      <m:r>
+                        <a:rPr lang="en-US" b="0" i="1" smtClean="0">
+                          <a:latin typeface="Cambria Math" panose="02040503050406030204" pitchFamily="18" charset="0"/>
+                        </a:rPr>
+                        <m:t>𝑓</m:t>
+                      </m:r>
+                      <m:d>
+                        <m:dPr>
+                          <m:ctrlPr>
+                            <a:rPr lang="en-US" b="0" i="1" smtClean="0">
+                              <a:latin typeface="Cambria Math" panose="02040503050406030204" pitchFamily="18" charset="0"/>
+                            </a:rPr>
+                          </m:ctrlPr>
+                        </m:dPr>
+                        <m:e>
+                          <m:r>
+                            <a:rPr lang="en-US" b="0" i="1" smtClean="0">
+                              <a:latin typeface="Cambria Math" panose="02040503050406030204" pitchFamily="18" charset="0"/>
+                            </a:rPr>
+                            <m:t>𝐸</m:t>
+                          </m:r>
+                        </m:e>
+                      </m:d>
+                      <m:r>
+                        <a:rPr lang="en-US" b="0" i="1" smtClean="0">
+                          <a:latin typeface="Cambria Math" panose="02040503050406030204" pitchFamily="18" charset="0"/>
+                        </a:rPr>
+                        <m:t>=</m:t>
+                      </m:r>
+                      <m:sSub>
+                        <m:sSubPr>
+                          <m:ctrlPr>
+                            <a:rPr lang="en-US" b="0" i="1" smtClean="0">
+                              <a:latin typeface="Cambria Math" panose="02040503050406030204" pitchFamily="18" charset="0"/>
+                            </a:rPr>
+                          </m:ctrlPr>
+                        </m:sSubPr>
+                        <m:e>
+                          <m:r>
+                            <a:rPr lang="en-US" b="0" i="1" smtClean="0">
+                              <a:latin typeface="Cambria Math" panose="02040503050406030204" pitchFamily="18" charset="0"/>
+                            </a:rPr>
+                            <m:t>𝑎</m:t>
+                          </m:r>
+                        </m:e>
+                        <m:sub>
+                          <m:r>
+                            <a:rPr lang="en-US" b="0" i="1" smtClean="0">
+                              <a:latin typeface="Cambria Math" panose="02040503050406030204" pitchFamily="18" charset="0"/>
+                            </a:rPr>
+                            <m:t>3</m:t>
+                          </m:r>
+                        </m:sub>
+                      </m:sSub>
+                      <m:r>
+                        <a:rPr lang="en-US" b="0" i="1" smtClean="0">
+                          <a:latin typeface="Cambria Math" panose="02040503050406030204" pitchFamily="18" charset="0"/>
+                        </a:rPr>
+                        <m:t>+</m:t>
+                      </m:r>
+                      <m:f>
+                        <m:fPr>
+                          <m:ctrlPr>
+                            <a:rPr lang="en-US" b="0" i="1" smtClean="0">
+                              <a:latin typeface="Cambria Math" panose="02040503050406030204" pitchFamily="18" charset="0"/>
+                            </a:rPr>
+                          </m:ctrlPr>
+                        </m:fPr>
+                        <m:num>
+                          <m:sSub>
+                            <m:sSubPr>
+                              <m:ctrlPr>
+                                <a:rPr lang="en-US" b="0" i="1" smtClean="0">
+                                  <a:latin typeface="Cambria Math" panose="02040503050406030204" pitchFamily="18" charset="0"/>
+                                </a:rPr>
+                              </m:ctrlPr>
+                            </m:sSubPr>
+                            <m:e>
+                              <m:r>
+                                <a:rPr lang="en-US" b="0" i="1" smtClean="0">
+                                  <a:latin typeface="Cambria Math" panose="02040503050406030204" pitchFamily="18" charset="0"/>
+                                </a:rPr>
+                                <m:t>𝑎</m:t>
+                              </m:r>
+                            </m:e>
+                            <m:sub>
+                              <m:r>
+                                <a:rPr lang="en-US" b="0" i="1" smtClean="0">
+                                  <a:latin typeface="Cambria Math" panose="02040503050406030204" pitchFamily="18" charset="0"/>
+                                </a:rPr>
+                                <m:t>0</m:t>
+                              </m:r>
+                            </m:sub>
+                          </m:sSub>
+                        </m:num>
+                        <m:den>
+                          <m:r>
+                            <a:rPr lang="en-US" b="0" i="1" smtClean="0">
+                              <a:latin typeface="Cambria Math" panose="02040503050406030204" pitchFamily="18" charset="0"/>
+                            </a:rPr>
+                            <m:t>1+</m:t>
+                          </m:r>
+                          <m:sSup>
+                            <m:sSupPr>
+                              <m:ctrlPr>
+                                <a:rPr lang="en-US" b="0" i="1" smtClean="0">
+                                  <a:latin typeface="Cambria Math" panose="02040503050406030204" pitchFamily="18" charset="0"/>
+                                </a:rPr>
+                              </m:ctrlPr>
+                            </m:sSupPr>
+                            <m:e>
+                              <m:r>
+                                <a:rPr lang="en-US" b="0" i="1" smtClean="0">
+                                  <a:latin typeface="Cambria Math" panose="02040503050406030204" pitchFamily="18" charset="0"/>
+                                </a:rPr>
+                                <m:t>𝑒</m:t>
+                              </m:r>
+                            </m:e>
+                            <m:sup>
+                              <m:r>
+                                <a:rPr lang="en-US" b="0" i="1" smtClean="0">
+                                  <a:latin typeface="Cambria Math" panose="02040503050406030204" pitchFamily="18" charset="0"/>
+                                </a:rPr>
+                                <m:t>(</m:t>
+                              </m:r>
+                              <m:r>
+                                <a:rPr lang="en-US" b="0" i="1" smtClean="0">
+                                  <a:latin typeface="Cambria Math" panose="02040503050406030204" pitchFamily="18" charset="0"/>
+                                </a:rPr>
+                                <m:t>𝐸</m:t>
+                              </m:r>
+                              <m:r>
+                                <a:rPr lang="en-US" b="0" i="1" smtClean="0">
+                                  <a:latin typeface="Cambria Math" panose="02040503050406030204" pitchFamily="18" charset="0"/>
+                                </a:rPr>
+                                <m:t>−</m:t>
+                              </m:r>
+                              <m:sSub>
+                                <m:sSubPr>
+                                  <m:ctrlPr>
+                                    <a:rPr lang="en-US" b="0" i="1" smtClean="0">
+                                      <a:latin typeface="Cambria Math" panose="02040503050406030204" pitchFamily="18" charset="0"/>
+                                    </a:rPr>
+                                  </m:ctrlPr>
+                                </m:sSubPr>
+                                <m:e>
+                                  <m:r>
+                                    <a:rPr lang="en-US" b="0" i="1" smtClean="0">
+                                      <a:latin typeface="Cambria Math" panose="02040503050406030204" pitchFamily="18" charset="0"/>
+                                    </a:rPr>
+                                    <m:t>𝑎</m:t>
+                                  </m:r>
+                                </m:e>
+                                <m:sub>
+                                  <m:r>
+                                    <a:rPr lang="en-US" b="0" i="1" smtClean="0">
+                                      <a:latin typeface="Cambria Math" panose="02040503050406030204" pitchFamily="18" charset="0"/>
+                                    </a:rPr>
+                                    <m:t>1</m:t>
+                                  </m:r>
+                                </m:sub>
+                              </m:sSub>
+                              <m:r>
+                                <a:rPr lang="en-US" b="0" i="1" smtClean="0">
+                                  <a:latin typeface="Cambria Math" panose="02040503050406030204" pitchFamily="18" charset="0"/>
+                                </a:rPr>
+                                <m:t>)/</m:t>
+                              </m:r>
+                              <m:sSub>
+                                <m:sSubPr>
+                                  <m:ctrlPr>
+                                    <a:rPr lang="en-US" b="0" i="1" smtClean="0">
+                                      <a:latin typeface="Cambria Math" panose="02040503050406030204" pitchFamily="18" charset="0"/>
+                                    </a:rPr>
+                                  </m:ctrlPr>
+                                </m:sSubPr>
+                                <m:e>
+                                  <m:r>
+                                    <a:rPr lang="en-US" b="0" i="1" smtClean="0">
+                                      <a:latin typeface="Cambria Math" panose="02040503050406030204" pitchFamily="18" charset="0"/>
+                                    </a:rPr>
+                                    <m:t>𝑎</m:t>
+                                  </m:r>
+                                </m:e>
+                                <m:sub>
+                                  <m:r>
+                                    <a:rPr lang="en-US" b="0" i="1" smtClean="0">
+                                      <a:latin typeface="Cambria Math" panose="02040503050406030204" pitchFamily="18" charset="0"/>
+                                    </a:rPr>
+                                    <m:t>2</m:t>
+                                  </m:r>
+                                </m:sub>
+                              </m:sSub>
+                            </m:sup>
+                          </m:sSup>
+                        </m:den>
+                      </m:f>
+                    </m:oMath>
+                  </m:oMathPara>
+                </a14:m>
+                <a:endParaRPr lang="en-US" dirty="0"/>
+              </a:p>
+            </p:txBody>
+          </p:sp>
+        </mc:Choice>
+        <mc:Fallback>
+          <p:sp>
+            <p:nvSpPr>
+              <p:cNvPr id="6" name="TextBox 5"/>
+              <p:cNvSpPr txBox="1">
+                <a:spLocks noRot="1" noChangeAspect="1" noMove="1" noResize="1" noEditPoints="1" noAdjustHandles="1" noChangeArrowheads="1" noChangeShapeType="1" noTextEdit="1"/>
+              </p:cNvSpPr>
+              <p:nvPr/>
+            </p:nvSpPr>
+            <p:spPr>
+              <a:xfrm>
+                <a:off x="144855" y="773843"/>
+                <a:ext cx="3603279" cy="588174"/>
+              </a:xfrm>
+              <a:prstGeom prst="rect">
+                <a:avLst/>
+              </a:prstGeom>
+              <a:blipFill rotWithShape="0">
+                <a:blip r:embed="rId3"/>
+                <a:stretch>
+                  <a:fillRect/>
+                </a:stretch>
+              </a:blipFill>
+            </p:spPr>
+            <p:txBody>
+              <a:bodyPr/>
+              <a:lstStyle/>
+              <a:p>
+                <a:r>
+                  <a:rPr lang="en-US">
+                    <a:noFill/>
+                  </a:rPr>
+                  <a:t> </a:t>
+                </a:r>
+              </a:p>
+            </p:txBody>
+          </p:sp>
+        </mc:Fallback>
+      </mc:AlternateContent>
+      <mc:AlternateContent xmlns:mc="http://schemas.openxmlformats.org/markup-compatibility/2006">
+        <mc:Choice xmlns:a14="http://schemas.microsoft.com/office/drawing/2010/main" Requires="a14">
+          <p:sp>
+            <p:nvSpPr>
+              <p:cNvPr id="7" name="TextBox 6"/>
+              <p:cNvSpPr txBox="1"/>
+              <p:nvPr/>
+            </p:nvSpPr>
+            <p:spPr>
+              <a:xfrm>
+                <a:off x="342522" y="1499490"/>
+                <a:ext cx="5288733" cy="840615"/>
+              </a:xfrm>
+              <a:prstGeom prst="rect">
+                <a:avLst/>
+              </a:prstGeom>
+              <a:noFill/>
+            </p:spPr>
+            <p:txBody>
+              <a:bodyPr wrap="square" rtlCol="0">
+                <a:spAutoFit/>
+              </a:bodyPr>
+              <a:lstStyle/>
+              <a:p>
+                <a14:m>
+                  <m:oMathPara xmlns:m="http://schemas.openxmlformats.org/officeDocument/2006/math">
+                    <m:oMathParaPr>
+                      <m:jc m:val="centerGroup"/>
+                    </m:oMathParaPr>
+                    <m:oMath xmlns:m="http://schemas.openxmlformats.org/officeDocument/2006/math">
+                      <m:f>
+                        <m:fPr>
+                          <m:ctrlPr>
+                            <a:rPr lang="en-US" b="0" i="1" smtClean="0">
+                              <a:latin typeface="Cambria Math" panose="02040503050406030204" pitchFamily="18" charset="0"/>
+                            </a:rPr>
+                          </m:ctrlPr>
+                        </m:fPr>
+                        <m:num>
+                          <m:r>
+                            <a:rPr lang="en-US" b="0" i="1" smtClean="0">
+                              <a:latin typeface="Cambria Math" panose="02040503050406030204" pitchFamily="18" charset="0"/>
+                            </a:rPr>
+                            <m:t>𝑑𝑓</m:t>
+                          </m:r>
+                        </m:num>
+                        <m:den>
+                          <m:r>
+                            <a:rPr lang="en-US" b="0" i="1" smtClean="0">
+                              <a:latin typeface="Cambria Math" panose="02040503050406030204" pitchFamily="18" charset="0"/>
+                            </a:rPr>
+                            <m:t>𝑑𝐸</m:t>
+                          </m:r>
+                        </m:den>
+                      </m:f>
+                      <m:r>
+                        <a:rPr lang="en-US" b="0" i="1" smtClean="0">
+                          <a:latin typeface="Cambria Math" panose="02040503050406030204" pitchFamily="18" charset="0"/>
+                        </a:rPr>
+                        <m:t>=−</m:t>
+                      </m:r>
+                      <m:f>
+                        <m:fPr>
+                          <m:ctrlPr>
+                            <a:rPr lang="en-US" b="0" i="1" smtClean="0">
+                              <a:latin typeface="Cambria Math" panose="02040503050406030204" pitchFamily="18" charset="0"/>
+                            </a:rPr>
+                          </m:ctrlPr>
+                        </m:fPr>
+                        <m:num>
+                          <m:sSub>
+                            <m:sSubPr>
+                              <m:ctrlPr>
+                                <a:rPr lang="en-US" b="0" i="1" smtClean="0">
+                                  <a:latin typeface="Cambria Math" panose="02040503050406030204" pitchFamily="18" charset="0"/>
+                                </a:rPr>
+                              </m:ctrlPr>
+                            </m:sSubPr>
+                            <m:e>
+                              <m:r>
+                                <a:rPr lang="en-US" b="0" i="1" smtClean="0">
+                                  <a:latin typeface="Cambria Math" panose="02040503050406030204" pitchFamily="18" charset="0"/>
+                                </a:rPr>
+                                <m:t>𝑎</m:t>
+                              </m:r>
+                            </m:e>
+                            <m:sub>
+                              <m:r>
+                                <a:rPr lang="en-US" b="0" i="1" smtClean="0">
+                                  <a:latin typeface="Cambria Math" panose="02040503050406030204" pitchFamily="18" charset="0"/>
+                                </a:rPr>
+                                <m:t>0</m:t>
+                              </m:r>
+                            </m:sub>
+                          </m:sSub>
+                        </m:num>
+                        <m:den>
+                          <m:sSub>
+                            <m:sSubPr>
+                              <m:ctrlPr>
+                                <a:rPr lang="en-US" b="0" i="1" smtClean="0">
+                                  <a:latin typeface="Cambria Math" panose="02040503050406030204" pitchFamily="18" charset="0"/>
+                                </a:rPr>
+                              </m:ctrlPr>
+                            </m:sSubPr>
+                            <m:e>
+                              <m:r>
+                                <a:rPr lang="en-US" b="0" i="1" smtClean="0">
+                                  <a:latin typeface="Cambria Math" panose="02040503050406030204" pitchFamily="18" charset="0"/>
+                                </a:rPr>
+                                <m:t>𝑎</m:t>
+                              </m:r>
+                            </m:e>
+                            <m:sub>
+                              <m:r>
+                                <a:rPr lang="en-US" b="0" i="1" smtClean="0">
+                                  <a:latin typeface="Cambria Math" panose="02040503050406030204" pitchFamily="18" charset="0"/>
+                                </a:rPr>
+                                <m:t>2</m:t>
+                              </m:r>
+                            </m:sub>
+                          </m:sSub>
+                        </m:den>
+                      </m:f>
+                      <m:r>
+                        <a:rPr lang="en-US" b="0" i="1" smtClean="0">
+                          <a:latin typeface="Cambria Math" panose="02040503050406030204" pitchFamily="18" charset="0"/>
+                          <a:ea typeface="Cambria Math" panose="02040503050406030204" pitchFamily="18" charset="0"/>
+                        </a:rPr>
+                        <m:t>×</m:t>
+                      </m:r>
+                      <m:d>
+                        <m:dPr>
+                          <m:ctrlPr>
+                            <a:rPr lang="en-US" b="0" i="1" smtClean="0">
+                              <a:latin typeface="Cambria Math" panose="02040503050406030204" pitchFamily="18" charset="0"/>
+                              <a:ea typeface="Cambria Math" panose="02040503050406030204" pitchFamily="18" charset="0"/>
+                            </a:rPr>
+                          </m:ctrlPr>
+                        </m:dPr>
+                        <m:e>
+                          <m:f>
+                            <m:fPr>
+                              <m:ctrlPr>
+                                <a:rPr lang="en-US" i="1">
+                                  <a:latin typeface="Cambria Math" panose="02040503050406030204" pitchFamily="18" charset="0"/>
+                                </a:rPr>
+                              </m:ctrlPr>
+                            </m:fPr>
+                            <m:num>
+                              <m:r>
+                                <a:rPr lang="en-US" i="1">
+                                  <a:latin typeface="Cambria Math" panose="02040503050406030204" pitchFamily="18" charset="0"/>
+                                </a:rPr>
+                                <m:t>1</m:t>
+                              </m:r>
+                            </m:num>
+                            <m:den>
+                              <m:r>
+                                <a:rPr lang="en-US" i="1">
+                                  <a:latin typeface="Cambria Math" panose="02040503050406030204" pitchFamily="18" charset="0"/>
+                                </a:rPr>
+                                <m:t>1+</m:t>
+                              </m:r>
+                              <m:sSup>
+                                <m:sSupPr>
+                                  <m:ctrlPr>
+                                    <a:rPr lang="en-US" i="1">
+                                      <a:latin typeface="Cambria Math" panose="02040503050406030204" pitchFamily="18" charset="0"/>
+                                    </a:rPr>
+                                  </m:ctrlPr>
+                                </m:sSupPr>
+                                <m:e>
+                                  <m:r>
+                                    <a:rPr lang="en-US" i="1">
+                                      <a:latin typeface="Cambria Math" panose="02040503050406030204" pitchFamily="18" charset="0"/>
+                                    </a:rPr>
+                                    <m:t>𝑒</m:t>
+                                  </m:r>
+                                </m:e>
+                                <m:sup>
+                                  <m:r>
+                                    <a:rPr lang="en-US" i="1">
+                                      <a:latin typeface="Cambria Math" panose="02040503050406030204" pitchFamily="18" charset="0"/>
+                                    </a:rPr>
+                                    <m:t>(</m:t>
+                                  </m:r>
+                                  <m:r>
+                                    <a:rPr lang="en-US" i="1">
+                                      <a:latin typeface="Cambria Math" panose="02040503050406030204" pitchFamily="18" charset="0"/>
+                                    </a:rPr>
+                                    <m:t>𝐸</m:t>
+                                  </m:r>
+                                  <m:r>
+                                    <a:rPr lang="en-US" i="1">
+                                      <a:latin typeface="Cambria Math" panose="02040503050406030204" pitchFamily="18" charset="0"/>
+                                    </a:rPr>
+                                    <m:t>−</m:t>
+                                  </m:r>
+                                  <m:sSub>
+                                    <m:sSubPr>
+                                      <m:ctrlPr>
+                                        <a:rPr lang="en-US" i="1">
+                                          <a:latin typeface="Cambria Math" panose="02040503050406030204" pitchFamily="18" charset="0"/>
+                                        </a:rPr>
+                                      </m:ctrlPr>
+                                    </m:sSubPr>
+                                    <m:e>
+                                      <m:r>
+                                        <a:rPr lang="en-US" i="1">
+                                          <a:latin typeface="Cambria Math" panose="02040503050406030204" pitchFamily="18" charset="0"/>
+                                        </a:rPr>
+                                        <m:t>𝑎</m:t>
+                                      </m:r>
+                                    </m:e>
+                                    <m:sub>
+                                      <m:r>
+                                        <a:rPr lang="en-US" i="1">
+                                          <a:latin typeface="Cambria Math" panose="02040503050406030204" pitchFamily="18" charset="0"/>
+                                        </a:rPr>
+                                        <m:t>1</m:t>
+                                      </m:r>
+                                    </m:sub>
+                                  </m:sSub>
+                                  <m:r>
+                                    <a:rPr lang="en-US" i="1">
+                                      <a:latin typeface="Cambria Math" panose="02040503050406030204" pitchFamily="18" charset="0"/>
+                                    </a:rPr>
+                                    <m:t>)/</m:t>
+                                  </m:r>
+                                  <m:sSub>
+                                    <m:sSubPr>
+                                      <m:ctrlPr>
+                                        <a:rPr lang="en-US" i="1">
+                                          <a:latin typeface="Cambria Math" panose="02040503050406030204" pitchFamily="18" charset="0"/>
+                                        </a:rPr>
+                                      </m:ctrlPr>
+                                    </m:sSubPr>
+                                    <m:e>
+                                      <m:r>
+                                        <a:rPr lang="en-US" i="1">
+                                          <a:latin typeface="Cambria Math" panose="02040503050406030204" pitchFamily="18" charset="0"/>
+                                        </a:rPr>
+                                        <m:t>𝑎</m:t>
+                                      </m:r>
+                                    </m:e>
+                                    <m:sub>
+                                      <m:r>
+                                        <a:rPr lang="en-US" i="1">
+                                          <a:latin typeface="Cambria Math" panose="02040503050406030204" pitchFamily="18" charset="0"/>
+                                        </a:rPr>
+                                        <m:t>2</m:t>
+                                      </m:r>
+                                    </m:sub>
+                                  </m:sSub>
+                                </m:sup>
+                              </m:sSup>
+                            </m:den>
+                          </m:f>
+                          <m:r>
+                            <a:rPr lang="en-US" b="0" i="1" smtClean="0">
+                              <a:latin typeface="Cambria Math" panose="02040503050406030204" pitchFamily="18" charset="0"/>
+                            </a:rPr>
+                            <m:t>−</m:t>
+                          </m:r>
+                          <m:sSup>
+                            <m:sSupPr>
+                              <m:ctrlPr>
+                                <a:rPr lang="en-US" b="0" i="1" smtClean="0">
+                                  <a:latin typeface="Cambria Math" panose="02040503050406030204" pitchFamily="18" charset="0"/>
+                                </a:rPr>
+                              </m:ctrlPr>
+                            </m:sSupPr>
+                            <m:e>
+                              <m:d>
+                                <m:dPr>
+                                  <m:ctrlPr>
+                                    <a:rPr lang="en-US" i="1">
+                                      <a:latin typeface="Cambria Math" panose="02040503050406030204" pitchFamily="18" charset="0"/>
+                                    </a:rPr>
+                                  </m:ctrlPr>
+                                </m:dPr>
+                                <m:e>
+                                  <m:f>
+                                    <m:fPr>
+                                      <m:ctrlPr>
+                                        <a:rPr lang="en-US" i="1">
+                                          <a:latin typeface="Cambria Math" panose="02040503050406030204" pitchFamily="18" charset="0"/>
+                                        </a:rPr>
+                                      </m:ctrlPr>
+                                    </m:fPr>
+                                    <m:num>
+                                      <m:r>
+                                        <a:rPr lang="en-US" i="1">
+                                          <a:latin typeface="Cambria Math" panose="02040503050406030204" pitchFamily="18" charset="0"/>
+                                        </a:rPr>
+                                        <m:t>1</m:t>
+                                      </m:r>
+                                    </m:num>
+                                    <m:den>
+                                      <m:r>
+                                        <a:rPr lang="en-US" i="1">
+                                          <a:latin typeface="Cambria Math" panose="02040503050406030204" pitchFamily="18" charset="0"/>
+                                        </a:rPr>
+                                        <m:t>1+</m:t>
+                                      </m:r>
+                                      <m:sSup>
+                                        <m:sSupPr>
+                                          <m:ctrlPr>
+                                            <a:rPr lang="en-US" i="1">
+                                              <a:latin typeface="Cambria Math" panose="02040503050406030204" pitchFamily="18" charset="0"/>
+                                            </a:rPr>
+                                          </m:ctrlPr>
+                                        </m:sSupPr>
+                                        <m:e>
+                                          <m:r>
+                                            <a:rPr lang="en-US" i="1">
+                                              <a:latin typeface="Cambria Math" panose="02040503050406030204" pitchFamily="18" charset="0"/>
+                                            </a:rPr>
+                                            <m:t>𝑒</m:t>
+                                          </m:r>
+                                        </m:e>
+                                        <m:sup>
+                                          <m:r>
+                                            <a:rPr lang="en-US" i="1">
+                                              <a:latin typeface="Cambria Math" panose="02040503050406030204" pitchFamily="18" charset="0"/>
+                                            </a:rPr>
+                                            <m:t>(</m:t>
+                                          </m:r>
+                                          <m:r>
+                                            <a:rPr lang="en-US" i="1">
+                                              <a:latin typeface="Cambria Math" panose="02040503050406030204" pitchFamily="18" charset="0"/>
+                                            </a:rPr>
+                                            <m:t>𝐸</m:t>
+                                          </m:r>
+                                          <m:r>
+                                            <a:rPr lang="en-US" i="1">
+                                              <a:latin typeface="Cambria Math" panose="02040503050406030204" pitchFamily="18" charset="0"/>
+                                            </a:rPr>
+                                            <m:t>−</m:t>
+                                          </m:r>
+                                          <m:sSub>
+                                            <m:sSubPr>
+                                              <m:ctrlPr>
+                                                <a:rPr lang="en-US" i="1">
+                                                  <a:latin typeface="Cambria Math" panose="02040503050406030204" pitchFamily="18" charset="0"/>
+                                                </a:rPr>
+                                              </m:ctrlPr>
+                                            </m:sSubPr>
+                                            <m:e>
+                                              <m:r>
+                                                <a:rPr lang="en-US" i="1">
+                                                  <a:latin typeface="Cambria Math" panose="02040503050406030204" pitchFamily="18" charset="0"/>
+                                                </a:rPr>
+                                                <m:t>𝑎</m:t>
+                                              </m:r>
+                                            </m:e>
+                                            <m:sub>
+                                              <m:r>
+                                                <a:rPr lang="en-US" i="1">
+                                                  <a:latin typeface="Cambria Math" panose="02040503050406030204" pitchFamily="18" charset="0"/>
+                                                </a:rPr>
+                                                <m:t>1</m:t>
+                                              </m:r>
+                                            </m:sub>
+                                          </m:sSub>
+                                          <m:r>
+                                            <a:rPr lang="en-US" i="1">
+                                              <a:latin typeface="Cambria Math" panose="02040503050406030204" pitchFamily="18" charset="0"/>
+                                            </a:rPr>
+                                            <m:t>)/</m:t>
+                                          </m:r>
+                                          <m:sSub>
+                                            <m:sSubPr>
+                                              <m:ctrlPr>
+                                                <a:rPr lang="en-US" i="1">
+                                                  <a:latin typeface="Cambria Math" panose="02040503050406030204" pitchFamily="18" charset="0"/>
+                                                </a:rPr>
+                                              </m:ctrlPr>
+                                            </m:sSubPr>
+                                            <m:e>
+                                              <m:r>
+                                                <a:rPr lang="en-US" i="1">
+                                                  <a:latin typeface="Cambria Math" panose="02040503050406030204" pitchFamily="18" charset="0"/>
+                                                </a:rPr>
+                                                <m:t>𝑎</m:t>
+                                              </m:r>
+                                            </m:e>
+                                            <m:sub>
+                                              <m:r>
+                                                <a:rPr lang="en-US" i="1">
+                                                  <a:latin typeface="Cambria Math" panose="02040503050406030204" pitchFamily="18" charset="0"/>
+                                                </a:rPr>
+                                                <m:t>2</m:t>
+                                              </m:r>
+                                            </m:sub>
+                                          </m:sSub>
+                                        </m:sup>
+                                      </m:sSup>
+                                    </m:den>
+                                  </m:f>
+                                </m:e>
+                              </m:d>
+                            </m:e>
+                            <m:sup>
+                              <m:r>
+                                <a:rPr lang="en-US" b="0" i="1" smtClean="0">
+                                  <a:latin typeface="Cambria Math" panose="02040503050406030204" pitchFamily="18" charset="0"/>
+                                </a:rPr>
+                                <m:t>2</m:t>
+                              </m:r>
+                            </m:sup>
+                          </m:sSup>
+                        </m:e>
+                      </m:d>
+                    </m:oMath>
+                  </m:oMathPara>
+                </a14:m>
+                <a:endParaRPr lang="en-US" dirty="0"/>
+              </a:p>
+            </p:txBody>
+          </p:sp>
+        </mc:Choice>
+        <mc:Fallback>
+          <p:sp>
+            <p:nvSpPr>
+              <p:cNvPr id="7" name="TextBox 6"/>
+              <p:cNvSpPr txBox="1">
+                <a:spLocks noRot="1" noChangeAspect="1" noMove="1" noResize="1" noEditPoints="1" noAdjustHandles="1" noChangeArrowheads="1" noChangeShapeType="1" noTextEdit="1"/>
+              </p:cNvSpPr>
+              <p:nvPr/>
+            </p:nvSpPr>
+            <p:spPr>
+              <a:xfrm>
+                <a:off x="342522" y="1499490"/>
+                <a:ext cx="5288733" cy="840615"/>
+              </a:xfrm>
+              <a:prstGeom prst="rect">
+                <a:avLst/>
+              </a:prstGeom>
+              <a:blipFill rotWithShape="0">
+                <a:blip r:embed="rId4"/>
+                <a:stretch>
+                  <a:fillRect/>
+                </a:stretch>
+              </a:blipFill>
+            </p:spPr>
+            <p:txBody>
+              <a:bodyPr/>
+              <a:lstStyle/>
+              <a:p>
+                <a:r>
+                  <a:rPr lang="en-US">
+                    <a:noFill/>
+                  </a:rPr>
+                  <a:t> </a:t>
+                </a:r>
+              </a:p>
+            </p:txBody>
+          </p:sp>
+        </mc:Fallback>
+      </mc:AlternateContent>
+      <mc:AlternateContent xmlns:mc="http://schemas.openxmlformats.org/markup-compatibility/2006">
+        <mc:Choice xmlns:a14="http://schemas.microsoft.com/office/drawing/2010/main" Requires="a14">
+          <p:sp>
+            <p:nvSpPr>
+              <p:cNvPr id="8" name="TextBox 7"/>
+              <p:cNvSpPr txBox="1"/>
+              <p:nvPr/>
+            </p:nvSpPr>
+            <p:spPr>
+              <a:xfrm>
+                <a:off x="0" y="2477579"/>
+                <a:ext cx="3170221" cy="664990"/>
+              </a:xfrm>
+              <a:prstGeom prst="rect">
+                <a:avLst/>
+              </a:prstGeom>
+              <a:noFill/>
+            </p:spPr>
+            <p:txBody>
+              <a:bodyPr wrap="square" rtlCol="0">
+                <a:spAutoFit/>
+              </a:bodyPr>
+              <a:lstStyle/>
+              <a:p>
+                <a14:m>
+                  <m:oMathPara xmlns:m="http://schemas.openxmlformats.org/officeDocument/2006/math">
+                    <m:oMathParaPr>
+                      <m:jc m:val="centerGroup"/>
+                    </m:oMathParaPr>
+                    <m:oMath xmlns:m="http://schemas.openxmlformats.org/officeDocument/2006/math">
+                      <m:f>
+                        <m:fPr>
+                          <m:ctrlPr>
+                            <a:rPr lang="en-US" b="1" i="1" smtClean="0">
+                              <a:solidFill>
+                                <a:srgbClr val="FF0000"/>
+                              </a:solidFill>
+                              <a:latin typeface="Cambria Math" panose="02040503050406030204" pitchFamily="18" charset="0"/>
+                            </a:rPr>
+                          </m:ctrlPr>
+                        </m:fPr>
+                        <m:num>
+                          <m:sSup>
+                            <m:sSupPr>
+                              <m:ctrlPr>
+                                <a:rPr lang="en-US" b="1" i="1" smtClean="0">
+                                  <a:solidFill>
+                                    <a:srgbClr val="FF0000"/>
+                                  </a:solidFill>
+                                  <a:latin typeface="Cambria Math" panose="02040503050406030204" pitchFamily="18" charset="0"/>
+                                </a:rPr>
+                              </m:ctrlPr>
+                            </m:sSupPr>
+                            <m:e>
+                              <m:r>
+                                <a:rPr lang="en-US" b="1" i="1" smtClean="0">
+                                  <a:solidFill>
+                                    <a:srgbClr val="FF0000"/>
+                                  </a:solidFill>
+                                  <a:latin typeface="Cambria Math" panose="02040503050406030204" pitchFamily="18" charset="0"/>
+                                </a:rPr>
+                                <m:t>𝒅</m:t>
+                              </m:r>
+                            </m:e>
+                            <m:sup>
+                              <m:r>
+                                <a:rPr lang="en-US" b="1" i="1" smtClean="0">
+                                  <a:solidFill>
+                                    <a:srgbClr val="FF0000"/>
+                                  </a:solidFill>
+                                  <a:latin typeface="Cambria Math" panose="02040503050406030204" pitchFamily="18" charset="0"/>
+                                </a:rPr>
+                                <m:t>𝟐</m:t>
+                              </m:r>
+                            </m:sup>
+                          </m:sSup>
+                          <m:r>
+                            <a:rPr lang="en-US" b="1" i="1" smtClean="0">
+                              <a:solidFill>
+                                <a:srgbClr val="FF0000"/>
+                              </a:solidFill>
+                              <a:latin typeface="Cambria Math" panose="02040503050406030204" pitchFamily="18" charset="0"/>
+                            </a:rPr>
+                            <m:t>𝒇</m:t>
+                          </m:r>
+                        </m:num>
+                        <m:den>
+                          <m:sSup>
+                            <m:sSupPr>
+                              <m:ctrlPr>
+                                <a:rPr lang="en-US" b="1" i="1" smtClean="0">
+                                  <a:solidFill>
+                                    <a:srgbClr val="FF0000"/>
+                                  </a:solidFill>
+                                  <a:latin typeface="Cambria Math" panose="02040503050406030204" pitchFamily="18" charset="0"/>
+                                </a:rPr>
+                              </m:ctrlPr>
+                            </m:sSupPr>
+                            <m:e>
+                              <m:r>
+                                <a:rPr lang="en-US" b="1" i="1" smtClean="0">
+                                  <a:solidFill>
+                                    <a:srgbClr val="FF0000"/>
+                                  </a:solidFill>
+                                  <a:latin typeface="Cambria Math" panose="02040503050406030204" pitchFamily="18" charset="0"/>
+                                </a:rPr>
+                                <m:t>𝒅</m:t>
+                              </m:r>
+                            </m:e>
+                            <m:sup>
+                              <m:r>
+                                <a:rPr lang="en-US" b="1" i="1" smtClean="0">
+                                  <a:solidFill>
+                                    <a:srgbClr val="FF0000"/>
+                                  </a:solidFill>
+                                  <a:latin typeface="Cambria Math" panose="02040503050406030204" pitchFamily="18" charset="0"/>
+                                </a:rPr>
+                                <m:t>𝟐</m:t>
+                              </m:r>
+                            </m:sup>
+                          </m:sSup>
+                          <m:r>
+                            <a:rPr lang="en-US" b="1" i="1" smtClean="0">
+                              <a:solidFill>
+                                <a:srgbClr val="FF0000"/>
+                              </a:solidFill>
+                              <a:latin typeface="Cambria Math" panose="02040503050406030204" pitchFamily="18" charset="0"/>
+                            </a:rPr>
+                            <m:t>𝑬</m:t>
+                          </m:r>
+                        </m:den>
+                      </m:f>
+                      <m:r>
+                        <a:rPr lang="en-US" b="1" i="1" smtClean="0">
+                          <a:solidFill>
+                            <a:srgbClr val="FF0000"/>
+                          </a:solidFill>
+                          <a:latin typeface="Cambria Math" panose="02040503050406030204" pitchFamily="18" charset="0"/>
+                        </a:rPr>
+                        <m:t>=</m:t>
+                      </m:r>
+                      <m:r>
+                        <a:rPr lang="en-US" b="1" i="1" smtClean="0">
+                          <a:solidFill>
+                            <a:srgbClr val="FF0000"/>
+                          </a:solidFill>
+                          <a:latin typeface="Cambria Math" panose="02040503050406030204" pitchFamily="18" charset="0"/>
+                        </a:rPr>
+                        <m:t>𝟎</m:t>
+                      </m:r>
+                      <m:r>
+                        <a:rPr lang="en-US" b="1" i="1" smtClean="0">
+                          <a:solidFill>
+                            <a:srgbClr val="FF0000"/>
+                          </a:solidFill>
+                          <a:latin typeface="Cambria Math" panose="02040503050406030204" pitchFamily="18" charset="0"/>
+                        </a:rPr>
+                        <m:t>  ⇒</m:t>
+                      </m:r>
+                      <m:r>
+                        <a:rPr lang="en-US" b="1" i="1" smtClean="0">
+                          <a:solidFill>
+                            <a:srgbClr val="FF0000"/>
+                          </a:solidFill>
+                          <a:latin typeface="Cambria Math" panose="02040503050406030204" pitchFamily="18" charset="0"/>
+                          <a:ea typeface="Cambria Math" panose="02040503050406030204" pitchFamily="18" charset="0"/>
+                        </a:rPr>
+                        <m:t>𝑬</m:t>
+                      </m:r>
+                      <m:r>
+                        <a:rPr lang="en-US" b="1" i="1" smtClean="0">
+                          <a:solidFill>
+                            <a:srgbClr val="FF0000"/>
+                          </a:solidFill>
+                          <a:latin typeface="Cambria Math" panose="02040503050406030204" pitchFamily="18" charset="0"/>
+                          <a:ea typeface="Cambria Math" panose="02040503050406030204" pitchFamily="18" charset="0"/>
+                        </a:rPr>
+                        <m:t>=</m:t>
+                      </m:r>
+                      <m:sSub>
+                        <m:sSubPr>
+                          <m:ctrlPr>
+                            <a:rPr lang="en-US" b="1" i="1" smtClean="0">
+                              <a:solidFill>
+                                <a:srgbClr val="FF0000"/>
+                              </a:solidFill>
+                              <a:latin typeface="Cambria Math" panose="02040503050406030204" pitchFamily="18" charset="0"/>
+                              <a:ea typeface="Cambria Math" panose="02040503050406030204" pitchFamily="18" charset="0"/>
+                            </a:rPr>
+                          </m:ctrlPr>
+                        </m:sSubPr>
+                        <m:e>
+                          <m:r>
+                            <a:rPr lang="en-US" b="1" i="1" smtClean="0">
+                              <a:solidFill>
+                                <a:srgbClr val="FF0000"/>
+                              </a:solidFill>
+                              <a:latin typeface="Cambria Math" panose="02040503050406030204" pitchFamily="18" charset="0"/>
+                              <a:ea typeface="Cambria Math" panose="02040503050406030204" pitchFamily="18" charset="0"/>
+                            </a:rPr>
+                            <m:t>𝒂</m:t>
+                          </m:r>
+                        </m:e>
+                        <m:sub>
+                          <m:r>
+                            <a:rPr lang="en-US" b="1" i="1" smtClean="0">
+                              <a:solidFill>
+                                <a:srgbClr val="FF0000"/>
+                              </a:solidFill>
+                              <a:latin typeface="Cambria Math" panose="02040503050406030204" pitchFamily="18" charset="0"/>
+                              <a:ea typeface="Cambria Math" panose="02040503050406030204" pitchFamily="18" charset="0"/>
+                            </a:rPr>
+                            <m:t>𝟏</m:t>
+                          </m:r>
+                        </m:sub>
+                      </m:sSub>
+                    </m:oMath>
+                  </m:oMathPara>
+                </a14:m>
+                <a:endParaRPr lang="en-US" b="1" dirty="0"/>
+              </a:p>
+            </p:txBody>
+          </p:sp>
+        </mc:Choice>
+        <mc:Fallback>
+          <p:sp>
+            <p:nvSpPr>
+              <p:cNvPr id="8" name="TextBox 7"/>
+              <p:cNvSpPr txBox="1">
+                <a:spLocks noRot="1" noChangeAspect="1" noMove="1" noResize="1" noEditPoints="1" noAdjustHandles="1" noChangeArrowheads="1" noChangeShapeType="1" noTextEdit="1"/>
+              </p:cNvSpPr>
+              <p:nvPr/>
+            </p:nvSpPr>
+            <p:spPr>
+              <a:xfrm>
+                <a:off x="0" y="2477579"/>
+                <a:ext cx="3170221" cy="664990"/>
+              </a:xfrm>
+              <a:prstGeom prst="rect">
+                <a:avLst/>
+              </a:prstGeom>
+              <a:blipFill rotWithShape="0">
+                <a:blip r:embed="rId5"/>
+                <a:stretch>
+                  <a:fillRect/>
+                </a:stretch>
+              </a:blipFill>
+            </p:spPr>
+            <p:txBody>
+              <a:bodyPr/>
+              <a:lstStyle/>
+              <a:p>
+                <a:r>
+                  <a:rPr lang="en-US">
+                    <a:noFill/>
+                  </a:rPr>
+                  <a:t> </a:t>
+                </a:r>
+              </a:p>
+            </p:txBody>
+          </p:sp>
+        </mc:Fallback>
+      </mc:AlternateContent>
+      <mc:AlternateContent xmlns:mc="http://schemas.openxmlformats.org/markup-compatibility/2006">
+        <mc:Choice xmlns:a14="http://schemas.microsoft.com/office/drawing/2010/main" Requires="a14">
+          <p:sp>
+            <p:nvSpPr>
+              <p:cNvPr id="9" name="TextBox 8"/>
+              <p:cNvSpPr txBox="1"/>
+              <p:nvPr/>
+            </p:nvSpPr>
+            <p:spPr>
+              <a:xfrm>
+                <a:off x="208229" y="3417811"/>
+                <a:ext cx="5556929" cy="369332"/>
+              </a:xfrm>
+              <a:prstGeom prst="rect">
+                <a:avLst/>
+              </a:prstGeom>
+              <a:noFill/>
+              <a:ln w="28575">
+                <a:solidFill>
+                  <a:srgbClr val="FF0000"/>
+                </a:solidFill>
+              </a:ln>
+            </p:spPr>
+            <p:txBody>
+              <a:bodyPr wrap="square" rtlCol="0">
+                <a:spAutoFit/>
+              </a:bodyPr>
+              <a:lstStyle/>
+              <a:p>
+                <a:r>
+                  <a:rPr lang="en-US" dirty="0" smtClean="0"/>
+                  <a:t>● </a:t>
+                </a:r>
+                <a:r>
+                  <a:rPr lang="en-US" b="1" dirty="0" smtClean="0"/>
+                  <a:t>parameter </a:t>
+                </a:r>
+                <a14:m>
+                  <m:oMath xmlns:m="http://schemas.openxmlformats.org/officeDocument/2006/math">
+                    <m:sSub>
+                      <m:sSubPr>
+                        <m:ctrlPr>
+                          <a:rPr lang="en-US" b="1" i="1">
+                            <a:solidFill>
+                              <a:srgbClr val="FF0000"/>
+                            </a:solidFill>
+                            <a:latin typeface="Cambria Math" panose="02040503050406030204" pitchFamily="18" charset="0"/>
+                            <a:ea typeface="Cambria Math" panose="02040503050406030204" pitchFamily="18" charset="0"/>
+                          </a:rPr>
+                        </m:ctrlPr>
+                      </m:sSubPr>
+                      <m:e>
+                        <m:r>
+                          <a:rPr lang="en-US" b="1" i="1">
+                            <a:solidFill>
+                              <a:srgbClr val="FF0000"/>
+                            </a:solidFill>
+                            <a:latin typeface="Cambria Math" panose="02040503050406030204" pitchFamily="18" charset="0"/>
+                            <a:ea typeface="Cambria Math" panose="02040503050406030204" pitchFamily="18" charset="0"/>
+                          </a:rPr>
+                          <m:t>𝒂</m:t>
+                        </m:r>
+                      </m:e>
+                      <m:sub>
+                        <m:r>
+                          <a:rPr lang="en-US" b="1" i="1">
+                            <a:solidFill>
+                              <a:srgbClr val="FF0000"/>
+                            </a:solidFill>
+                            <a:latin typeface="Cambria Math" panose="02040503050406030204" pitchFamily="18" charset="0"/>
+                            <a:ea typeface="Cambria Math" panose="02040503050406030204" pitchFamily="18" charset="0"/>
+                          </a:rPr>
+                          <m:t>𝟏</m:t>
+                        </m:r>
+                      </m:sub>
+                    </m:sSub>
+                  </m:oMath>
+                </a14:m>
+                <a:r>
+                  <a:rPr lang="en-US" b="1" dirty="0" smtClean="0"/>
+                  <a:t> is the current punch through points.</a:t>
+                </a:r>
+                <a:endParaRPr lang="en-US" b="1" dirty="0"/>
+              </a:p>
+            </p:txBody>
+          </p:sp>
+        </mc:Choice>
+        <mc:Fallback>
+          <p:sp>
+            <p:nvSpPr>
+              <p:cNvPr id="9" name="TextBox 8"/>
+              <p:cNvSpPr txBox="1">
+                <a:spLocks noRot="1" noChangeAspect="1" noMove="1" noResize="1" noEditPoints="1" noAdjustHandles="1" noChangeArrowheads="1" noChangeShapeType="1" noTextEdit="1"/>
+              </p:cNvSpPr>
+              <p:nvPr/>
+            </p:nvSpPr>
+            <p:spPr>
+              <a:xfrm>
+                <a:off x="208229" y="3417811"/>
+                <a:ext cx="5556929" cy="369332"/>
+              </a:xfrm>
+              <a:prstGeom prst="rect">
+                <a:avLst/>
+              </a:prstGeom>
+              <a:blipFill rotWithShape="0">
+                <a:blip r:embed="rId6"/>
+                <a:stretch>
+                  <a:fillRect l="-654" t="-6154" b="-20000"/>
+                </a:stretch>
+              </a:blipFill>
+              <a:ln w="28575">
+                <a:solidFill>
+                  <a:srgbClr val="FF0000"/>
+                </a:solidFill>
+              </a:ln>
+            </p:spPr>
+            <p:txBody>
+              <a:bodyPr/>
+              <a:lstStyle/>
+              <a:p>
+                <a:r>
+                  <a:rPr lang="en-US">
+                    <a:noFill/>
+                  </a:rPr>
+                  <a:t> </a:t>
+                </a:r>
+              </a:p>
+            </p:txBody>
+          </p:sp>
+        </mc:Fallback>
+      </mc:AlternateContent>
     </p:spTree>
     <p:extLst>
       <p:ext uri="{BB962C8B-B14F-4D97-AF65-F5344CB8AC3E}">
@@ -13413,6 +15278,295 @@
           <a:chExt cx="0" cy="0"/>
         </a:xfrm>
       </p:grpSpPr>
+      <p:sp>
+        <p:nvSpPr>
+          <p:cNvPr id="2" name="TextBox 1"/>
+          <p:cNvSpPr txBox="1"/>
+          <p:nvPr/>
+        </p:nvSpPr>
+        <p:spPr>
+          <a:xfrm>
+            <a:off x="117695" y="185724"/>
+            <a:ext cx="5556929" cy="1754326"/>
+          </a:xfrm>
+          <a:prstGeom prst="rect">
+            <a:avLst/>
+          </a:prstGeom>
+          <a:noFill/>
+        </p:spPr>
+        <p:txBody>
+          <a:bodyPr wrap="square" rtlCol="0">
+            <a:spAutoFit/>
+          </a:bodyPr>
+          <a:lstStyle/>
+          <a:p>
+            <a:r>
+              <a:rPr lang="en-US" dirty="0" smtClean="0"/>
+              <a:t>● </a:t>
+            </a:r>
+            <a:r>
+              <a:rPr lang="en-US" b="1" dirty="0" smtClean="0"/>
+              <a:t>The details how to get this punch through points</a:t>
+            </a:r>
+          </a:p>
+          <a:p>
+            <a:r>
+              <a:rPr lang="en-US" dirty="0"/>
+              <a:t> </a:t>
+            </a:r>
+            <a:r>
+              <a:rPr lang="en-US" dirty="0" smtClean="0"/>
+              <a:t>   </a:t>
+            </a:r>
+          </a:p>
+          <a:p>
+            <a:r>
+              <a:rPr lang="en-US" dirty="0"/>
+              <a:t> </a:t>
+            </a:r>
+            <a:r>
+              <a:rPr lang="en-US" dirty="0" smtClean="0"/>
+              <a:t>   </a:t>
+            </a:r>
+            <a:r>
+              <a:rPr lang="en-US" dirty="0"/>
+              <a:t>● Run this program: </a:t>
+            </a:r>
+            <a:r>
+              <a:rPr lang="en-US" b="1" dirty="0" err="1">
+                <a:solidFill>
+                  <a:srgbClr val="FF0000"/>
+                </a:solidFill>
+              </a:rPr>
+              <a:t>TogetPunchThroughPoints.C</a:t>
+            </a:r>
+            <a:endParaRPr lang="en-US" b="1" dirty="0" smtClean="0">
+              <a:solidFill>
+                <a:srgbClr val="FF0000"/>
+              </a:solidFill>
+            </a:endParaRPr>
+          </a:p>
+          <a:p>
+            <a:endParaRPr lang="en-US" dirty="0"/>
+          </a:p>
+          <a:p>
+            <a:r>
+              <a:rPr lang="en-US" dirty="0" smtClean="0"/>
+              <a:t>    ● Zoom and press the central button of the mouse to</a:t>
+            </a:r>
+          </a:p>
+          <a:p>
+            <a:r>
+              <a:rPr lang="en-US" dirty="0"/>
+              <a:t> </a:t>
+            </a:r>
+            <a:r>
+              <a:rPr lang="en-US" dirty="0" smtClean="0"/>
+              <a:t>       set the range, and then fit automatically.</a:t>
+            </a:r>
+            <a:endParaRPr lang="en-US" dirty="0"/>
+          </a:p>
+        </p:txBody>
+      </p:sp>
+      <p:pic>
+        <p:nvPicPr>
+          <p:cNvPr id="3" name="Picture 2"/>
+          <p:cNvPicPr>
+            <a:picLocks noChangeAspect="1"/>
+          </p:cNvPicPr>
+          <p:nvPr/>
+        </p:nvPicPr>
+        <p:blipFill>
+          <a:blip r:embed="rId2" cstate="print">
+            <a:extLst>
+              <a:ext uri="{28A0092B-C50C-407E-A947-70E740481C1C}">
+                <a14:useLocalDpi xmlns:a14="http://schemas.microsoft.com/office/drawing/2010/main" val="0"/>
+              </a:ext>
+            </a:extLst>
+          </a:blip>
+          <a:stretch>
+            <a:fillRect/>
+          </a:stretch>
+        </p:blipFill>
+        <p:spPr>
+          <a:xfrm>
+            <a:off x="7351595" y="87112"/>
+            <a:ext cx="3977618" cy="2646334"/>
+          </a:xfrm>
+          <a:prstGeom prst="rect">
+            <a:avLst/>
+          </a:prstGeom>
+        </p:spPr>
+      </p:pic>
+      <p:pic>
+        <p:nvPicPr>
+          <p:cNvPr id="4" name="Picture 3"/>
+          <p:cNvPicPr>
+            <a:picLocks noChangeAspect="1"/>
+          </p:cNvPicPr>
+          <p:nvPr/>
+        </p:nvPicPr>
+        <p:blipFill>
+          <a:blip r:embed="rId3">
+            <a:extLst>
+              <a:ext uri="{28A0092B-C50C-407E-A947-70E740481C1C}">
+                <a14:useLocalDpi xmlns:a14="http://schemas.microsoft.com/office/drawing/2010/main" val="0"/>
+              </a:ext>
+            </a:extLst>
+          </a:blip>
+          <a:stretch>
+            <a:fillRect/>
+          </a:stretch>
+        </p:blipFill>
+        <p:spPr>
+          <a:xfrm>
+            <a:off x="7064187" y="3043041"/>
+            <a:ext cx="4803447" cy="3288936"/>
+          </a:xfrm>
+          <a:prstGeom prst="rect">
+            <a:avLst/>
+          </a:prstGeom>
+        </p:spPr>
+      </p:pic>
+      <p:sp>
+        <p:nvSpPr>
+          <p:cNvPr id="5" name="Rectangle 4"/>
+          <p:cNvSpPr/>
+          <p:nvPr/>
+        </p:nvSpPr>
+        <p:spPr>
+          <a:xfrm>
+            <a:off x="331693" y="2046297"/>
+            <a:ext cx="7351059" cy="646331"/>
+          </a:xfrm>
+          <a:prstGeom prst="rect">
+            <a:avLst/>
+          </a:prstGeom>
+        </p:spPr>
+        <p:txBody>
+          <a:bodyPr wrap="square">
+            <a:spAutoFit/>
+          </a:bodyPr>
+          <a:lstStyle/>
+          <a:p>
+            <a:r>
+              <a:rPr lang="en-US" dirty="0" smtClean="0"/>
+              <a:t>● If the fit looks good, </a:t>
+            </a:r>
+            <a:r>
+              <a:rPr lang="en-US" dirty="0" smtClean="0">
+                <a:solidFill>
+                  <a:srgbClr val="FF0000"/>
+                </a:solidFill>
+              </a:rPr>
+              <a:t>input “1”</a:t>
+            </a:r>
+            <a:r>
+              <a:rPr lang="en-US" dirty="0" smtClean="0"/>
+              <a:t> in the terminal, and then fit the </a:t>
+            </a:r>
+          </a:p>
+          <a:p>
+            <a:r>
+              <a:rPr lang="en-US" dirty="0"/>
+              <a:t> </a:t>
+            </a:r>
+            <a:r>
+              <a:rPr lang="en-US" dirty="0" smtClean="0"/>
+              <a:t>   next telescope. Or </a:t>
+            </a:r>
+            <a:r>
+              <a:rPr lang="en-US" dirty="0" smtClean="0">
+                <a:solidFill>
+                  <a:srgbClr val="FF0000"/>
+                </a:solidFill>
+              </a:rPr>
+              <a:t>input “2”</a:t>
+            </a:r>
+            <a:r>
+              <a:rPr lang="en-US" dirty="0" smtClean="0"/>
+              <a:t> to redo the fit. </a:t>
+            </a:r>
+            <a:endParaRPr lang="en-US" dirty="0"/>
+          </a:p>
+        </p:txBody>
+      </p:sp>
+      <p:pic>
+        <p:nvPicPr>
+          <p:cNvPr id="6" name="Picture 5"/>
+          <p:cNvPicPr>
+            <a:picLocks noChangeAspect="1"/>
+          </p:cNvPicPr>
+          <p:nvPr/>
+        </p:nvPicPr>
+        <p:blipFill>
+          <a:blip r:embed="rId4">
+            <a:extLst>
+              <a:ext uri="{28A0092B-C50C-407E-A947-70E740481C1C}">
+                <a14:useLocalDpi xmlns:a14="http://schemas.microsoft.com/office/drawing/2010/main" val="0"/>
+              </a:ext>
+            </a:extLst>
+          </a:blip>
+          <a:stretch>
+            <a:fillRect/>
+          </a:stretch>
+        </p:blipFill>
+        <p:spPr>
+          <a:xfrm>
+            <a:off x="331694" y="5244354"/>
+            <a:ext cx="6199262" cy="956676"/>
+          </a:xfrm>
+          <a:prstGeom prst="rect">
+            <a:avLst/>
+          </a:prstGeom>
+        </p:spPr>
+      </p:pic>
+      <p:sp>
+        <p:nvSpPr>
+          <p:cNvPr id="7" name="Oval 6"/>
+          <p:cNvSpPr/>
+          <p:nvPr/>
+        </p:nvSpPr>
+        <p:spPr>
+          <a:xfrm>
+            <a:off x="233083" y="5970493"/>
+            <a:ext cx="2958352" cy="361483"/>
+          </a:xfrm>
+          <a:prstGeom prst="ellipse">
+            <a:avLst/>
+          </a:prstGeom>
+          <a:noFill/>
+          <a:ln w="22225">
+            <a:solidFill>
+              <a:srgbClr val="FF0000"/>
+            </a:solidFill>
+          </a:ln>
+        </p:spPr>
+        <p:style>
+          <a:lnRef idx="2">
+            <a:schemeClr val="accent1">
+              <a:shade val="50000"/>
+            </a:schemeClr>
+          </a:lnRef>
+          <a:fillRef idx="1">
+            <a:schemeClr val="accent1"/>
+          </a:fillRef>
+          <a:effectRef idx="0">
+            <a:schemeClr val="accent1"/>
+          </a:effectRef>
+          <a:fontRef idx="minor">
+            <a:schemeClr val="lt1"/>
+          </a:fontRef>
+        </p:style>
+        <p:txBody>
+          <a:bodyPr rtlCol="0" anchor="ctr"/>
+          <a:lstStyle/>
+          <a:p>
+            <a:pPr algn="ctr"/>
+            <a:endParaRPr lang="en-US"/>
+          </a:p>
+        </p:txBody>
+      </p:sp>
     </p:spTree>
     <p:extLst>
       <p:ext uri="{BB962C8B-B14F-4D97-AF65-F5344CB8AC3E}">
@@ -13443,6 +15597,562 @@
           <a:chExt cx="0" cy="0"/>
         </a:xfrm>
       </p:grpSpPr>
+      <p:sp>
+        <p:nvSpPr>
+          <p:cNvPr id="2" name="Rectangle 1"/>
+          <p:cNvSpPr/>
+          <p:nvPr/>
+        </p:nvSpPr>
+        <p:spPr>
+          <a:xfrm>
+            <a:off x="125179" y="179628"/>
+            <a:ext cx="6951583" cy="646331"/>
+          </a:xfrm>
+          <a:prstGeom prst="rect">
+            <a:avLst/>
+          </a:prstGeom>
+        </p:spPr>
+        <p:txBody>
+          <a:bodyPr wrap="none">
+            <a:spAutoFit/>
+          </a:bodyPr>
+          <a:lstStyle/>
+          <a:p>
+            <a:r>
+              <a:rPr lang="en-US" b="1" u="sng" dirty="0" smtClean="0">
+                <a:latin typeface="Times New Roman" panose="02020603050405020304" pitchFamily="18" charset="0"/>
+                <a:cs typeface="Times New Roman" panose="02020603050405020304" pitchFamily="18" charset="0"/>
+              </a:rPr>
+              <a:t>Step </a:t>
+            </a:r>
+            <a:r>
+              <a:rPr lang="en-US" b="1" u="sng" dirty="0">
+                <a:latin typeface="Times New Roman" panose="02020603050405020304" pitchFamily="18" charset="0"/>
+                <a:cs typeface="Times New Roman" panose="02020603050405020304" pitchFamily="18" charset="0"/>
+              </a:rPr>
+              <a:t>2</a:t>
+            </a:r>
+            <a:r>
+              <a:rPr lang="en-US" b="1" u="sng" dirty="0" smtClean="0">
+                <a:latin typeface="Times New Roman" panose="02020603050405020304" pitchFamily="18" charset="0"/>
+                <a:cs typeface="Times New Roman" panose="02020603050405020304" pitchFamily="18" charset="0"/>
+              </a:rPr>
+              <a:t>:  </a:t>
+            </a:r>
+            <a:r>
+              <a:rPr lang="en-US" b="1" u="sng" dirty="0" smtClean="0">
+                <a:latin typeface="Times New Roman" panose="02020603050405020304" pitchFamily="18" charset="0"/>
+                <a:cs typeface="Times New Roman" panose="02020603050405020304" pitchFamily="18" charset="0"/>
+              </a:rPr>
+              <a:t>Use LISE++ to calculate the punch through points in MeV </a:t>
+            </a:r>
+            <a:endParaRPr lang="en-US" b="1" dirty="0" smtClean="0">
+              <a:solidFill>
+                <a:srgbClr val="81ABFF"/>
+              </a:solidFill>
+              <a:latin typeface="Times New Roman" panose="02020603050405020304" pitchFamily="18" charset="0"/>
+              <a:cs typeface="Times New Roman" panose="02020603050405020304" pitchFamily="18" charset="0"/>
+            </a:endParaRPr>
+          </a:p>
+          <a:p>
+            <a:endParaRPr lang="en-US" dirty="0" smtClean="0">
+              <a:solidFill>
+                <a:srgbClr val="FF0000"/>
+              </a:solidFill>
+              <a:latin typeface="Times New Roman" panose="02020603050405020304" pitchFamily="18" charset="0"/>
+              <a:cs typeface="Times New Roman" panose="02020603050405020304" pitchFamily="18" charset="0"/>
+            </a:endParaRPr>
+          </a:p>
+        </p:txBody>
+      </p:sp>
+      <p:sp>
+        <p:nvSpPr>
+          <p:cNvPr id="3" name="TextBox 2"/>
+          <p:cNvSpPr txBox="1"/>
+          <p:nvPr/>
+        </p:nvSpPr>
+        <p:spPr>
+          <a:xfrm>
+            <a:off x="250138" y="700453"/>
+            <a:ext cx="11627223" cy="923330"/>
+          </a:xfrm>
+          <a:prstGeom prst="rect">
+            <a:avLst/>
+          </a:prstGeom>
+          <a:noFill/>
+          <a:ln w="28575">
+            <a:solidFill>
+              <a:srgbClr val="FF0000"/>
+            </a:solidFill>
+          </a:ln>
+        </p:spPr>
+        <p:txBody>
+          <a:bodyPr wrap="square" rtlCol="0">
+            <a:spAutoFit/>
+          </a:bodyPr>
+          <a:lstStyle/>
+          <a:p>
+            <a:r>
+              <a:rPr lang="en-US" b="1" dirty="0" smtClean="0">
+                <a:solidFill>
+                  <a:srgbClr val="00B050"/>
+                </a:solidFill>
+              </a:rPr>
+              <a:t>Notes:</a:t>
+            </a:r>
+            <a:r>
+              <a:rPr lang="en-US" dirty="0" smtClean="0">
+                <a:solidFill>
+                  <a:srgbClr val="00B050"/>
+                </a:solidFill>
+              </a:rPr>
+              <a:t> </a:t>
+            </a:r>
+          </a:p>
+          <a:p>
+            <a:r>
+              <a:rPr lang="en-US" dirty="0" smtClean="0">
+                <a:solidFill>
+                  <a:srgbClr val="00B050"/>
+                </a:solidFill>
+              </a:rPr>
+              <a:t>   ● Punch through energy depends on the particle species and the length of the material</a:t>
+            </a:r>
+          </a:p>
+          <a:p>
+            <a:r>
+              <a:rPr lang="en-US" dirty="0">
+                <a:solidFill>
+                  <a:srgbClr val="00B050"/>
+                </a:solidFill>
+              </a:rPr>
+              <a:t> </a:t>
+            </a:r>
+            <a:r>
+              <a:rPr lang="en-US" dirty="0" smtClean="0">
+                <a:solidFill>
+                  <a:srgbClr val="00B050"/>
+                </a:solidFill>
+              </a:rPr>
+              <a:t>  ● For a certain particle in the a given material, the length is the only factor which determines the punch </a:t>
+            </a:r>
+            <a:r>
+              <a:rPr lang="en-US" dirty="0">
+                <a:solidFill>
+                  <a:srgbClr val="00B050"/>
+                </a:solidFill>
+              </a:rPr>
+              <a:t>through energy</a:t>
+            </a:r>
+            <a:r>
+              <a:rPr lang="en-US" dirty="0" smtClean="0">
+                <a:solidFill>
+                  <a:srgbClr val="00B050"/>
+                </a:solidFill>
+              </a:rPr>
+              <a:t> </a:t>
+            </a:r>
+            <a:endParaRPr lang="en-US" dirty="0">
+              <a:solidFill>
+                <a:srgbClr val="00B050"/>
+              </a:solidFill>
+            </a:endParaRPr>
+          </a:p>
+        </p:txBody>
+      </p:sp>
+      <p:sp>
+        <p:nvSpPr>
+          <p:cNvPr id="4" name="TextBox 3"/>
+          <p:cNvSpPr txBox="1"/>
+          <p:nvPr/>
+        </p:nvSpPr>
+        <p:spPr>
+          <a:xfrm>
+            <a:off x="349624" y="2088776"/>
+            <a:ext cx="9072282" cy="646331"/>
+          </a:xfrm>
+          <a:prstGeom prst="rect">
+            <a:avLst/>
+          </a:prstGeom>
+          <a:noFill/>
+        </p:spPr>
+        <p:txBody>
+          <a:bodyPr wrap="square" rtlCol="0">
+            <a:spAutoFit/>
+          </a:bodyPr>
+          <a:lstStyle/>
+          <a:p>
+            <a:r>
+              <a:rPr lang="en-US" dirty="0" smtClean="0"/>
+              <a:t>●  Directly, use </a:t>
+            </a:r>
+            <a:r>
+              <a:rPr lang="en-US" b="1" dirty="0" smtClean="0">
+                <a:solidFill>
+                  <a:srgbClr val="FF0000"/>
+                </a:solidFill>
+              </a:rPr>
+              <a:t>LISE++ </a:t>
+            </a:r>
+            <a:r>
+              <a:rPr lang="en-US" dirty="0" smtClean="0"/>
+              <a:t>to calculate the punch through energy. </a:t>
+            </a:r>
+          </a:p>
+          <a:p>
+            <a:r>
+              <a:rPr lang="en-US" dirty="0"/>
+              <a:t> </a:t>
+            </a:r>
+          </a:p>
+        </p:txBody>
+      </p:sp>
+      <p:sp>
+        <p:nvSpPr>
+          <p:cNvPr id="5" name="TextBox 4"/>
+          <p:cNvSpPr txBox="1"/>
+          <p:nvPr/>
+        </p:nvSpPr>
+        <p:spPr>
+          <a:xfrm>
+            <a:off x="349624" y="2644587"/>
+            <a:ext cx="9072282" cy="369332"/>
+          </a:xfrm>
+          <a:prstGeom prst="rect">
+            <a:avLst/>
+          </a:prstGeom>
+          <a:noFill/>
+        </p:spPr>
+        <p:txBody>
+          <a:bodyPr wrap="square" rtlCol="0">
+            <a:spAutoFit/>
+          </a:bodyPr>
+          <a:lstStyle/>
+          <a:p>
+            <a:r>
+              <a:rPr lang="en-US" dirty="0" smtClean="0"/>
+              <a:t>● More conveniently, use the program </a:t>
+            </a:r>
+            <a:r>
+              <a:rPr lang="en-US" b="1" dirty="0" smtClean="0">
+                <a:solidFill>
+                  <a:srgbClr val="FF0000"/>
+                </a:solidFill>
+              </a:rPr>
+              <a:t>“EnergyLossModule.cpp(by Daniele)”</a:t>
+            </a:r>
+            <a:endParaRPr lang="en-US" b="1" dirty="0">
+              <a:solidFill>
+                <a:srgbClr val="FF0000"/>
+              </a:solidFill>
+            </a:endParaRPr>
+          </a:p>
+        </p:txBody>
+      </p:sp>
+      <mc:AlternateContent xmlns:mc="http://schemas.openxmlformats.org/markup-compatibility/2006">
+        <mc:Choice xmlns:a14="http://schemas.microsoft.com/office/drawing/2010/main" Requires="a14">
+          <p:sp>
+            <p:nvSpPr>
+              <p:cNvPr id="6" name="TextBox 5"/>
+              <p:cNvSpPr txBox="1"/>
+              <p:nvPr/>
+            </p:nvSpPr>
+            <p:spPr>
+              <a:xfrm>
+                <a:off x="627530" y="3108065"/>
+                <a:ext cx="10578353" cy="923330"/>
+              </a:xfrm>
+              <a:prstGeom prst="rect">
+                <a:avLst/>
+              </a:prstGeom>
+              <a:noFill/>
+              <a:ln w="19050">
+                <a:solidFill>
+                  <a:srgbClr val="FF0000"/>
+                </a:solidFill>
+              </a:ln>
+            </p:spPr>
+            <p:txBody>
+              <a:bodyPr wrap="square" rtlCol="0">
+                <a:spAutoFit/>
+              </a:bodyPr>
+              <a:lstStyle/>
+              <a:p>
+                <a:r>
+                  <a:rPr lang="en-US" dirty="0" smtClean="0"/>
+                  <a:t>● Run EnergyLossModule.cpp:  </a:t>
+                </a:r>
+                <a:r>
+                  <a:rPr lang="en-US" b="1" dirty="0" smtClean="0">
+                    <a:solidFill>
+                      <a:srgbClr val="00B050"/>
+                    </a:solidFill>
+                  </a:rPr>
+                  <a:t>root –l EnergyLossModule.cpp</a:t>
+                </a:r>
+              </a:p>
+              <a:p>
+                <a:r>
+                  <a:rPr lang="en-US" dirty="0" smtClean="0"/>
+                  <a:t>● root[1] </a:t>
+                </a:r>
+                <a:r>
+                  <a:rPr lang="en-US" b="1" dirty="0" err="1" smtClean="0">
+                    <a:solidFill>
+                      <a:srgbClr val="00B050"/>
+                    </a:solidFill>
+                  </a:rPr>
+                  <a:t>EnergyLossModule</a:t>
+                </a:r>
+                <a:r>
+                  <a:rPr lang="en-US" b="1" dirty="0" smtClean="0">
+                    <a:solidFill>
+                      <a:srgbClr val="00B050"/>
+                    </a:solidFill>
+                  </a:rPr>
+                  <a:t> Fenhai </a:t>
+                </a:r>
+                <a:r>
+                  <a:rPr lang="en-US" b="1" dirty="0" smtClean="0">
+                    <a:solidFill>
+                      <a:srgbClr val="FF0000"/>
+                    </a:solidFill>
+                  </a:rPr>
+                  <a:t>(here can be any name you want)</a:t>
+                </a:r>
+              </a:p>
+              <a:p>
+                <a:r>
+                  <a:rPr lang="en-US" dirty="0"/>
+                  <a:t>● </a:t>
+                </a:r>
+                <a:r>
+                  <a:rPr lang="en-US" dirty="0" smtClean="0"/>
+                  <a:t>root[2] </a:t>
+                </a:r>
+                <a:r>
+                  <a:rPr lang="en-US" b="1" dirty="0" err="1" smtClean="0">
+                    <a:solidFill>
+                      <a:srgbClr val="00B050"/>
+                    </a:solidFill>
+                  </a:rPr>
+                  <a:t>Fenhai.GetEnergyFromRange</a:t>
+                </a:r>
+                <a:r>
+                  <a:rPr lang="en-US" b="1" dirty="0" smtClean="0">
+                    <a:solidFill>
+                      <a:srgbClr val="00B050"/>
+                    </a:solidFill>
+                  </a:rPr>
+                  <a:t>(</a:t>
+                </a:r>
+                <a:r>
+                  <a:rPr lang="en-US" b="1" dirty="0" err="1" smtClean="0">
+                    <a:solidFill>
+                      <a:srgbClr val="00B050"/>
+                    </a:solidFill>
+                  </a:rPr>
+                  <a:t>int</a:t>
+                </a:r>
+                <a:r>
+                  <a:rPr lang="en-US" b="1" dirty="0" smtClean="0">
+                    <a:solidFill>
+                      <a:srgbClr val="00B050"/>
+                    </a:solidFill>
+                  </a:rPr>
+                  <a:t> Z, </a:t>
+                </a:r>
+                <a:r>
+                  <a:rPr lang="en-US" b="1" dirty="0" err="1" smtClean="0">
+                    <a:solidFill>
+                      <a:srgbClr val="00B050"/>
+                    </a:solidFill>
+                  </a:rPr>
+                  <a:t>int</a:t>
+                </a:r>
+                <a:r>
+                  <a:rPr lang="en-US" b="1" dirty="0" smtClean="0">
+                    <a:solidFill>
+                      <a:srgbClr val="00B050"/>
+                    </a:solidFill>
+                  </a:rPr>
+                  <a:t> A, double range(</a:t>
+                </a:r>
+                <a14:m>
+                  <m:oMath xmlns:m="http://schemas.openxmlformats.org/officeDocument/2006/math">
+                    <m:r>
+                      <a:rPr lang="en-US" b="1" i="1" smtClean="0">
+                        <a:solidFill>
+                          <a:srgbClr val="00B050"/>
+                        </a:solidFill>
+                        <a:latin typeface="Cambria Math" panose="02040503050406030204" pitchFamily="18" charset="0"/>
+                        <a:ea typeface="Cambria Math" panose="02040503050406030204" pitchFamily="18" charset="0"/>
+                      </a:rPr>
+                      <m:t>𝝁</m:t>
+                    </m:r>
+                    <m:r>
+                      <a:rPr lang="en-US" b="1" i="1" smtClean="0">
+                        <a:solidFill>
+                          <a:srgbClr val="00B050"/>
+                        </a:solidFill>
+                        <a:latin typeface="Cambria Math" panose="02040503050406030204" pitchFamily="18" charset="0"/>
+                        <a:ea typeface="Cambria Math" panose="02040503050406030204" pitchFamily="18" charset="0"/>
+                      </a:rPr>
+                      <m:t>𝒎</m:t>
+                    </m:r>
+                  </m:oMath>
+                </a14:m>
+                <a:r>
+                  <a:rPr lang="en-US" b="1" dirty="0" smtClean="0">
+                    <a:solidFill>
+                      <a:srgbClr val="00B050"/>
+                    </a:solidFill>
+                  </a:rPr>
+                  <a:t>), </a:t>
+                </a:r>
+                <a:r>
+                  <a:rPr lang="en-US" b="1" dirty="0" err="1" smtClean="0">
+                    <a:solidFill>
+                      <a:srgbClr val="00B050"/>
+                    </a:solidFill>
+                  </a:rPr>
+                  <a:t>const</a:t>
+                </a:r>
+                <a:r>
+                  <a:rPr lang="en-US" b="1" dirty="0" smtClean="0">
+                    <a:solidFill>
+                      <a:srgbClr val="00B050"/>
+                    </a:solidFill>
+                  </a:rPr>
+                  <a:t> char* material, </a:t>
+                </a:r>
+                <a:r>
+                  <a:rPr lang="en-US" b="1" dirty="0" err="1" smtClean="0">
+                    <a:solidFill>
+                      <a:srgbClr val="00B050"/>
+                    </a:solidFill>
+                  </a:rPr>
+                  <a:t>int</a:t>
+                </a:r>
+                <a:r>
+                  <a:rPr lang="en-US" b="1" dirty="0" smtClean="0">
+                    <a:solidFill>
+                      <a:srgbClr val="00B050"/>
+                    </a:solidFill>
+                  </a:rPr>
+                  <a:t> model=1);</a:t>
+                </a:r>
+                <a:endParaRPr lang="en-US" b="1" dirty="0">
+                  <a:solidFill>
+                    <a:srgbClr val="FF0000"/>
+                  </a:solidFill>
+                </a:endParaRPr>
+              </a:p>
+            </p:txBody>
+          </p:sp>
+        </mc:Choice>
+        <mc:Fallback>
+          <p:sp>
+            <p:nvSpPr>
+              <p:cNvPr id="6" name="TextBox 5"/>
+              <p:cNvSpPr txBox="1">
+                <a:spLocks noRot="1" noChangeAspect="1" noMove="1" noResize="1" noEditPoints="1" noAdjustHandles="1" noChangeArrowheads="1" noChangeShapeType="1" noTextEdit="1"/>
+              </p:cNvSpPr>
+              <p:nvPr/>
+            </p:nvSpPr>
+            <p:spPr>
+              <a:xfrm>
+                <a:off x="627530" y="3108065"/>
+                <a:ext cx="10578353" cy="923330"/>
+              </a:xfrm>
+              <a:prstGeom prst="rect">
+                <a:avLst/>
+              </a:prstGeom>
+              <a:blipFill rotWithShape="0">
+                <a:blip r:embed="rId3"/>
+                <a:stretch>
+                  <a:fillRect l="-460" t="-3247" b="-8442"/>
+                </a:stretch>
+              </a:blipFill>
+              <a:ln w="19050">
+                <a:solidFill>
+                  <a:srgbClr val="FF0000"/>
+                </a:solidFill>
+              </a:ln>
+            </p:spPr>
+            <p:txBody>
+              <a:bodyPr/>
+              <a:lstStyle/>
+              <a:p>
+                <a:r>
+                  <a:rPr lang="en-US">
+                    <a:noFill/>
+                  </a:rPr>
+                  <a:t> </a:t>
+                </a:r>
+              </a:p>
+            </p:txBody>
+          </p:sp>
+        </mc:Fallback>
+      </mc:AlternateContent>
+      <p:sp>
+        <p:nvSpPr>
+          <p:cNvPr id="7" name="TextBox 6"/>
+          <p:cNvSpPr txBox="1"/>
+          <p:nvPr/>
+        </p:nvSpPr>
+        <p:spPr>
+          <a:xfrm>
+            <a:off x="349624" y="4313535"/>
+            <a:ext cx="11053482" cy="369332"/>
+          </a:xfrm>
+          <a:prstGeom prst="rect">
+            <a:avLst/>
+          </a:prstGeom>
+          <a:noFill/>
+        </p:spPr>
+        <p:txBody>
+          <a:bodyPr wrap="square" rtlCol="0">
+            <a:spAutoFit/>
+          </a:bodyPr>
+          <a:lstStyle/>
+          <a:p>
+            <a:r>
+              <a:rPr lang="en-US" dirty="0" smtClean="0"/>
+              <a:t>● The </a:t>
+            </a:r>
+            <a:r>
+              <a:rPr lang="en-US" b="1" dirty="0" smtClean="0">
+                <a:solidFill>
+                  <a:srgbClr val="FF0000"/>
+                </a:solidFill>
+              </a:rPr>
+              <a:t>errors of punch through points </a:t>
+            </a:r>
+            <a:r>
+              <a:rPr lang="en-US" dirty="0" smtClean="0"/>
+              <a:t>can be calculated by using the error of the length (</a:t>
+            </a:r>
+            <a:r>
+              <a:rPr lang="en-US" b="1" dirty="0" smtClean="0"/>
+              <a:t>by </a:t>
+            </a:r>
+            <a:r>
+              <a:rPr lang="en-US" b="1" dirty="0"/>
+              <a:t>the manufacturer</a:t>
+            </a:r>
+            <a:r>
+              <a:rPr lang="en-US" dirty="0" smtClean="0"/>
+              <a:t>) </a:t>
+            </a:r>
+            <a:endParaRPr lang="en-US" b="1" dirty="0">
+              <a:solidFill>
+                <a:srgbClr val="FF0000"/>
+              </a:solidFill>
+            </a:endParaRPr>
+          </a:p>
+        </p:txBody>
+      </p:sp>
     </p:spTree>
     <p:extLst>
       <p:ext uri="{BB962C8B-B14F-4D97-AF65-F5344CB8AC3E}">
@@ -13476,7 +16186,7 @@
     </p:spTree>
     <p:extLst>
       <p:ext uri="{BB962C8B-B14F-4D97-AF65-F5344CB8AC3E}">
-        <p14:creationId xmlns:p14="http://schemas.microsoft.com/office/powerpoint/2010/main" val="748716555"/>
+        <p14:creationId xmlns:p14="http://schemas.microsoft.com/office/powerpoint/2010/main" val="3653187026"/>
       </p:ext>
     </p:extLst>
   </p:cSld>
@@ -13503,10 +16213,61 @@
           <a:chExt cx="0" cy="0"/>
         </a:xfrm>
       </p:grpSpPr>
+      <p:sp>
+        <p:nvSpPr>
+          <p:cNvPr id="2" name="文本框 1"/>
+          <p:cNvSpPr txBox="1"/>
+          <p:nvPr/>
+        </p:nvSpPr>
+        <p:spPr>
+          <a:xfrm>
+            <a:off x="2011395" y="2006679"/>
+            <a:ext cx="8199405" cy="769441"/>
+          </a:xfrm>
+          <a:prstGeom prst="rect">
+            <a:avLst/>
+          </a:prstGeom>
+          <a:noFill/>
+        </p:spPr>
+        <p:txBody>
+          <a:bodyPr wrap="square" rtlCol="0">
+            <a:spAutoFit/>
+          </a:bodyPr>
+          <a:lstStyle/>
+          <a:p>
+            <a:r>
+              <a:rPr lang="en-US" altLang="zh-CN" sz="4400" b="1" u="sng" dirty="0" smtClean="0">
+                <a:solidFill>
+                  <a:schemeClr val="tx1">
+                    <a:lumMod val="95000"/>
+                    <a:lumOff val="5000"/>
+                  </a:schemeClr>
+                </a:solidFill>
+                <a:latin typeface="Times New Roman" panose="02020603050405020304" pitchFamily="18" charset="0"/>
+                <a:cs typeface="Times New Roman" panose="02020603050405020304" pitchFamily="18" charset="0"/>
+              </a:rPr>
+              <a:t> </a:t>
+            </a:r>
+            <a:r>
+              <a:rPr lang="en-US" altLang="zh-CN" sz="4000" b="1" u="sng" dirty="0" smtClean="0">
+                <a:solidFill>
+                  <a:schemeClr val="tx1">
+                    <a:lumMod val="95000"/>
+                    <a:lumOff val="5000"/>
+                  </a:schemeClr>
+                </a:solidFill>
+                <a:latin typeface="Times New Roman" panose="02020603050405020304" pitchFamily="18" charset="0"/>
+                <a:cs typeface="Times New Roman" panose="02020603050405020304" pitchFamily="18" charset="0"/>
+              </a:rPr>
+              <a:t>II. How to do simultaneous fit?</a:t>
+            </a:r>
+          </a:p>
+        </p:txBody>
+      </p:sp>
     </p:spTree>
     <p:extLst>
       <p:ext uri="{BB962C8B-B14F-4D97-AF65-F5344CB8AC3E}">
-        <p14:creationId xmlns:p14="http://schemas.microsoft.com/office/powerpoint/2010/main" val="3127142134"/>
+        <p14:creationId xmlns:p14="http://schemas.microsoft.com/office/powerpoint/2010/main" val="1593889559"/>
       </p:ext>
     </p:extLst>
   </p:cSld>
@@ -13536,7 +16297,7 @@
     </p:spTree>
     <p:extLst>
       <p:ext uri="{BB962C8B-B14F-4D97-AF65-F5344CB8AC3E}">
-        <p14:creationId xmlns:p14="http://schemas.microsoft.com/office/powerpoint/2010/main" val="3653187026"/>
+        <p14:creationId xmlns:p14="http://schemas.microsoft.com/office/powerpoint/2010/main" val="3791202161"/>
       </p:ext>
     </p:extLst>
   </p:cSld>
@@ -13563,61 +16324,10 @@
           <a:chExt cx="0" cy="0"/>
         </a:xfrm>
       </p:grpSpPr>
-      <p:sp>
-        <p:nvSpPr>
-          <p:cNvPr id="2" name="文本框 1"/>
-          <p:cNvSpPr txBox="1"/>
-          <p:nvPr/>
-        </p:nvSpPr>
-        <p:spPr>
-          <a:xfrm>
-            <a:off x="2011395" y="2006679"/>
-            <a:ext cx="8199405" cy="769441"/>
-          </a:xfrm>
-          <a:prstGeom prst="rect">
-            <a:avLst/>
-          </a:prstGeom>
-          <a:noFill/>
-        </p:spPr>
-        <p:txBody>
-          <a:bodyPr wrap="square" rtlCol="0">
-            <a:spAutoFit/>
-          </a:bodyPr>
-          <a:lstStyle/>
-          <a:p>
-            <a:r>
-              <a:rPr lang="en-US" altLang="zh-CN" sz="4400" b="1" u="sng" dirty="0" smtClean="0">
-                <a:solidFill>
-                  <a:schemeClr val="tx1">
-                    <a:lumMod val="95000"/>
-                    <a:lumOff val="5000"/>
-                  </a:schemeClr>
-                </a:solidFill>
-                <a:latin typeface="Times New Roman" panose="02020603050405020304" pitchFamily="18" charset="0"/>
-                <a:cs typeface="Times New Roman" panose="02020603050405020304" pitchFamily="18" charset="0"/>
-              </a:rPr>
-              <a:t> </a:t>
-            </a:r>
-            <a:r>
-              <a:rPr lang="en-US" altLang="zh-CN" sz="4000" b="1" u="sng" dirty="0" smtClean="0">
-                <a:solidFill>
-                  <a:schemeClr val="tx1">
-                    <a:lumMod val="95000"/>
-                    <a:lumOff val="5000"/>
-                  </a:schemeClr>
-                </a:solidFill>
-                <a:latin typeface="Times New Roman" panose="02020603050405020304" pitchFamily="18" charset="0"/>
-                <a:cs typeface="Times New Roman" panose="02020603050405020304" pitchFamily="18" charset="0"/>
-              </a:rPr>
-              <a:t>II. How to do simultaneous fit?</a:t>
-            </a:r>
-          </a:p>
-        </p:txBody>
-      </p:sp>
     </p:spTree>
     <p:extLst>
       <p:ext uri="{BB962C8B-B14F-4D97-AF65-F5344CB8AC3E}">
-        <p14:creationId xmlns:p14="http://schemas.microsoft.com/office/powerpoint/2010/main" val="1593889559"/>
+        <p14:creationId xmlns:p14="http://schemas.microsoft.com/office/powerpoint/2010/main" val="3837352207"/>
       </p:ext>
     </p:extLst>
   </p:cSld>
@@ -13647,7 +16357,7 @@
     </p:spTree>
     <p:extLst>
       <p:ext uri="{BB962C8B-B14F-4D97-AF65-F5344CB8AC3E}">
-        <p14:creationId xmlns:p14="http://schemas.microsoft.com/office/powerpoint/2010/main" val="3791202161"/>
+        <p14:creationId xmlns:p14="http://schemas.microsoft.com/office/powerpoint/2010/main" val="4032486691"/>
       </p:ext>
     </p:extLst>
   </p:cSld>
@@ -13932,7 +16642,7 @@
     </p:spTree>
     <p:extLst>
       <p:ext uri="{BB962C8B-B14F-4D97-AF65-F5344CB8AC3E}">
-        <p14:creationId xmlns:p14="http://schemas.microsoft.com/office/powerpoint/2010/main" val="3837352207"/>
+        <p14:creationId xmlns:p14="http://schemas.microsoft.com/office/powerpoint/2010/main" val="3692488892"/>
       </p:ext>
     </p:extLst>
   </p:cSld>
@@ -13962,7 +16672,7 @@
     </p:spTree>
     <p:extLst>
       <p:ext uri="{BB962C8B-B14F-4D97-AF65-F5344CB8AC3E}">
-        <p14:creationId xmlns:p14="http://schemas.microsoft.com/office/powerpoint/2010/main" val="4032486691"/>
+        <p14:creationId xmlns:p14="http://schemas.microsoft.com/office/powerpoint/2010/main" val="3342750008"/>
       </p:ext>
     </p:extLst>
   </p:cSld>
@@ -13989,10 +16699,48 @@
           <a:chExt cx="0" cy="0"/>
         </a:xfrm>
       </p:grpSpPr>
+      <p:sp>
+        <p:nvSpPr>
+          <p:cNvPr id="2" name="文本框 1"/>
+          <p:cNvSpPr txBox="1"/>
+          <p:nvPr/>
+        </p:nvSpPr>
+        <p:spPr>
+          <a:xfrm>
+            <a:off x="3131984" y="2257689"/>
+            <a:ext cx="6567828" cy="769441"/>
+          </a:xfrm>
+          <a:prstGeom prst="rect">
+            <a:avLst/>
+          </a:prstGeom>
+          <a:noFill/>
+        </p:spPr>
+        <p:txBody>
+          <a:bodyPr wrap="square" rtlCol="0">
+            <a:spAutoFit/>
+          </a:bodyPr>
+          <a:lstStyle/>
+          <a:p>
+            <a:r>
+              <a:rPr lang="en-US" altLang="zh-CN" sz="4400" b="1" u="sng" dirty="0" smtClean="0">
+                <a:solidFill>
+                  <a:schemeClr val="tx1">
+                    <a:lumMod val="95000"/>
+                    <a:lumOff val="5000"/>
+                  </a:schemeClr>
+                </a:solidFill>
+                <a:latin typeface="Times New Roman" panose="02020603050405020304" pitchFamily="18" charset="0"/>
+                <a:cs typeface="Times New Roman" panose="02020603050405020304" pitchFamily="18" charset="0"/>
+              </a:rPr>
+              <a:t>  Some basic questions?</a:t>
+            </a:r>
+          </a:p>
+        </p:txBody>
+      </p:sp>
     </p:spTree>
     <p:extLst>
       <p:ext uri="{BB962C8B-B14F-4D97-AF65-F5344CB8AC3E}">
-        <p14:creationId xmlns:p14="http://schemas.microsoft.com/office/powerpoint/2010/main" val="3692488892"/>
+        <p14:creationId xmlns:p14="http://schemas.microsoft.com/office/powerpoint/2010/main" val="1562348940"/>
       </p:ext>
     </p:extLst>
   </p:cSld>
@@ -14019,10 +16767,76 @@
           <a:chExt cx="0" cy="0"/>
         </a:xfrm>
       </p:grpSpPr>
+      <p:pic>
+        <p:nvPicPr>
+          <p:cNvPr id="2" name="图片 16"/>
+          <p:cNvPicPr>
+            <a:picLocks noChangeAspect="1"/>
+          </p:cNvPicPr>
+          <p:nvPr/>
+        </p:nvPicPr>
+        <p:blipFill>
+          <a:blip r:embed="rId2">
+            <a:extLst>
+              <a:ext uri="{28A0092B-C50C-407E-A947-70E740481C1C}">
+                <a14:useLocalDpi xmlns:a14="http://schemas.microsoft.com/office/drawing/2010/main" val="0"/>
+              </a:ext>
+            </a:extLst>
+          </a:blip>
+          <a:stretch>
+            <a:fillRect/>
+          </a:stretch>
+        </p:blipFill>
+        <p:spPr>
+          <a:xfrm>
+            <a:off x="6223001" y="2034988"/>
+            <a:ext cx="5673163" cy="4059368"/>
+          </a:xfrm>
+          <a:prstGeom prst="rect">
+            <a:avLst/>
+          </a:prstGeom>
+        </p:spPr>
+      </p:pic>
+      <p:sp>
+        <p:nvSpPr>
+          <p:cNvPr id="3" name="TextBox 2"/>
+          <p:cNvSpPr txBox="1"/>
+          <p:nvPr/>
+        </p:nvSpPr>
+        <p:spPr>
+          <a:xfrm>
+            <a:off x="466165" y="448235"/>
+            <a:ext cx="4312023" cy="369332"/>
+          </a:xfrm>
+          <a:prstGeom prst="rect">
+            <a:avLst/>
+          </a:prstGeom>
+          <a:noFill/>
+        </p:spPr>
+        <p:txBody>
+          <a:bodyPr wrap="square" rtlCol="0">
+            <a:spAutoFit/>
+          </a:bodyPr>
+          <a:lstStyle/>
+          <a:p>
+            <a:r>
+              <a:rPr lang="en-US" b="1" u="sng" dirty="0" smtClean="0">
+                <a:latin typeface="Times New Roman" panose="02020603050405020304" pitchFamily="18" charset="0"/>
+                <a:cs typeface="Times New Roman" panose="02020603050405020304" pitchFamily="18" charset="0"/>
+              </a:rPr>
+              <a:t>Q1: How to build the ∆E-E spectra?</a:t>
+            </a:r>
+            <a:endParaRPr lang="en-US" b="1" u="sng" dirty="0">
+              <a:latin typeface="Times New Roman" panose="02020603050405020304" pitchFamily="18" charset="0"/>
+              <a:cs typeface="Times New Roman" panose="02020603050405020304" pitchFamily="18" charset="0"/>
+            </a:endParaRPr>
+          </a:p>
+        </p:txBody>
+      </p:sp>
     </p:spTree>
     <p:extLst>
       <p:ext uri="{BB962C8B-B14F-4D97-AF65-F5344CB8AC3E}">
-        <p14:creationId xmlns:p14="http://schemas.microsoft.com/office/powerpoint/2010/main" val="3342750008"/>
+        <p14:creationId xmlns:p14="http://schemas.microsoft.com/office/powerpoint/2010/main" val="1846347787"/>
       </p:ext>
     </p:extLst>
   </p:cSld>
@@ -14049,16 +16863,46 @@
           <a:chExt cx="0" cy="0"/>
         </a:xfrm>
       </p:grpSpPr>
-      <p:sp>
-        <p:nvSpPr>
-          <p:cNvPr id="2" name="文本框 1"/>
+      <p:pic>
+        <p:nvPicPr>
+          <p:cNvPr id="2" name="图片 3"/>
+          <p:cNvPicPr>
+            <a:picLocks noChangeAspect="1"/>
+          </p:cNvPicPr>
+          <p:nvPr/>
+        </p:nvPicPr>
+        <p:blipFill>
+          <a:blip r:embed="rId2">
+            <a:extLst>
+              <a:ext uri="{28A0092B-C50C-407E-A947-70E740481C1C}">
+                <a14:useLocalDpi xmlns:a14="http://schemas.microsoft.com/office/drawing/2010/main" val="0"/>
+              </a:ext>
+            </a:extLst>
+          </a:blip>
+          <a:stretch>
+            <a:fillRect/>
+          </a:stretch>
+        </p:blipFill>
+        <p:spPr>
+          <a:xfrm>
+            <a:off x="8397471" y="1497620"/>
+            <a:ext cx="2782282" cy="4675895"/>
+          </a:xfrm>
+          <a:prstGeom prst="rect">
+            <a:avLst/>
+          </a:prstGeom>
+        </p:spPr>
+      </p:pic>
+      <p:sp>
+        <p:nvSpPr>
+          <p:cNvPr id="3" name="TextBox 2"/>
           <p:cNvSpPr txBox="1"/>
           <p:nvPr/>
         </p:nvSpPr>
         <p:spPr>
           <a:xfrm>
-            <a:off x="3131984" y="2257689"/>
-            <a:ext cx="6567828" cy="769441"/>
+            <a:off x="403412" y="286871"/>
+            <a:ext cx="4796117" cy="369332"/>
           </a:xfrm>
           <a:prstGeom prst="rect">
             <a:avLst/>
@@ -14072,25 +16916,23 @@
           <a:lstStyle/>
           <a:p>
             <a:r>
-              <a:rPr lang="en-US" altLang="zh-CN" sz="4400" b="1" u="sng" dirty="0" smtClean="0">
-                <a:solidFill>
-                  <a:schemeClr val="tx1">
-                    <a:lumMod val="95000"/>
-                    <a:lumOff val="5000"/>
-                  </a:schemeClr>
-                </a:solidFill>
-                <a:latin typeface="Times New Roman" panose="02020603050405020304" pitchFamily="18" charset="0"/>
-                <a:cs typeface="Times New Roman" panose="02020603050405020304" pitchFamily="18" charset="0"/>
-              </a:rPr>
-              <a:t>  Some basic questions?</a:t>
-            </a:r>
+              <a:rPr lang="en-US" b="1" u="sng" dirty="0" smtClean="0">
+                <a:latin typeface="Times New Roman" panose="02020603050405020304" pitchFamily="18" charset="0"/>
+                <a:cs typeface="Times New Roman" panose="02020603050405020304" pitchFamily="18" charset="0"/>
+              </a:rPr>
+              <a:t>Q2: How to build kinematics data ?</a:t>
+            </a:r>
+            <a:endParaRPr lang="en-US" b="1" u="sng" dirty="0">
+              <a:latin typeface="Times New Roman" panose="02020603050405020304" pitchFamily="18" charset="0"/>
+              <a:cs typeface="Times New Roman" panose="02020603050405020304" pitchFamily="18" charset="0"/>
+            </a:endParaRPr>
           </a:p>
         </p:txBody>
       </p:sp>
     </p:spTree>
     <p:extLst>
       <p:ext uri="{BB962C8B-B14F-4D97-AF65-F5344CB8AC3E}">
-        <p14:creationId xmlns:p14="http://schemas.microsoft.com/office/powerpoint/2010/main" val="1562348940"/>
+        <p14:creationId xmlns:p14="http://schemas.microsoft.com/office/powerpoint/2010/main" val="2669361846"/>
       </p:ext>
     </p:extLst>
   </p:cSld>
@@ -14117,46 +16959,16 @@
           <a:chExt cx="0" cy="0"/>
         </a:xfrm>
       </p:grpSpPr>
-      <p:pic>
-        <p:nvPicPr>
-          <p:cNvPr id="2" name="图片 16"/>
-          <p:cNvPicPr>
-            <a:picLocks noChangeAspect="1"/>
-          </p:cNvPicPr>
-          <p:nvPr/>
-        </p:nvPicPr>
-        <p:blipFill>
-          <a:blip r:embed="rId2">
-            <a:extLst>
-              <a:ext uri="{28A0092B-C50C-407E-A947-70E740481C1C}">
-                <a14:useLocalDpi xmlns:a14="http://schemas.microsoft.com/office/drawing/2010/main" val="0"/>
-              </a:ext>
-            </a:extLst>
-          </a:blip>
-          <a:stretch>
-            <a:fillRect/>
-          </a:stretch>
-        </p:blipFill>
-        <p:spPr>
-          <a:xfrm>
-            <a:off x="6223001" y="2034988"/>
-            <a:ext cx="5673163" cy="4059368"/>
-          </a:xfrm>
-          <a:prstGeom prst="rect">
-            <a:avLst/>
-          </a:prstGeom>
-        </p:spPr>
-      </p:pic>
-      <p:sp>
-        <p:nvSpPr>
-          <p:cNvPr id="3" name="TextBox 2"/>
+      <p:sp>
+        <p:nvSpPr>
+          <p:cNvPr id="2" name="TextBox 1"/>
           <p:cNvSpPr txBox="1"/>
           <p:nvPr/>
         </p:nvSpPr>
         <p:spPr>
           <a:xfrm>
-            <a:off x="466165" y="448235"/>
-            <a:ext cx="4312023" cy="369332"/>
+            <a:off x="403412" y="286871"/>
+            <a:ext cx="6678706" cy="369332"/>
           </a:xfrm>
           <a:prstGeom prst="rect">
             <a:avLst/>
@@ -14174,197 +16986,7 @@
                 <a:latin typeface="Times New Roman" panose="02020603050405020304" pitchFamily="18" charset="0"/>
                 <a:cs typeface="Times New Roman" panose="02020603050405020304" pitchFamily="18" charset="0"/>
               </a:rPr>
-              <a:t>Q1: How to build the ∆E-E spectra?</a:t>
-            </a:r>
-            <a:endParaRPr lang="en-US" b="1" u="sng" dirty="0">
-              <a:latin typeface="Times New Roman" panose="02020603050405020304" pitchFamily="18" charset="0"/>
-              <a:cs typeface="Times New Roman" panose="02020603050405020304" pitchFamily="18" charset="0"/>
-            </a:endParaRPr>
-          </a:p>
-        </p:txBody>
-      </p:sp>
-    </p:spTree>
-    <p:extLst>
-      <p:ext uri="{BB962C8B-B14F-4D97-AF65-F5344CB8AC3E}">
-        <p14:creationId xmlns:p14="http://schemas.microsoft.com/office/powerpoint/2010/main" val="1846347787"/>
-      </p:ext>
-    </p:extLst>
-  </p:cSld>
-  <p:clrMapOvr>
-    <a:masterClrMapping/>
-  </p:clrMapOvr>
-</p:sld>
-</file>
-
-<file path=ppt/slides/slide46.xml><?xml version="1.0" encoding="utf-8"?>
-<p:sld xmlns:a="http://schemas.openxmlformats.org/drawingml/2006/main" xmlns:r="http://schemas.openxmlformats.org/officeDocument/2006/relationships" xmlns:p="http://schemas.openxmlformats.org/presentationml/2006/main">
-  <p:cSld>
-    <p:spTree>
-      <p:nvGrpSpPr>
-        <p:cNvPr id="1" name=""/>
-        <p:cNvGrpSpPr/>
-        <p:nvPr/>
-      </p:nvGrpSpPr>
-      <p:grpSpPr>
-        <a:xfrm>
-          <a:off x="0" y="0"/>
-          <a:ext cx="0" cy="0"/>
-          <a:chOff x="0" y="0"/>
-          <a:chExt cx="0" cy="0"/>
-        </a:xfrm>
-      </p:grpSpPr>
-      <p:pic>
-        <p:nvPicPr>
-          <p:cNvPr id="2" name="图片 3"/>
-          <p:cNvPicPr>
-            <a:picLocks noChangeAspect="1"/>
-          </p:cNvPicPr>
-          <p:nvPr/>
-        </p:nvPicPr>
-        <p:blipFill>
-          <a:blip r:embed="rId2">
-            <a:extLst>
-              <a:ext uri="{28A0092B-C50C-407E-A947-70E740481C1C}">
-                <a14:useLocalDpi xmlns:a14="http://schemas.microsoft.com/office/drawing/2010/main" val="0"/>
-              </a:ext>
-            </a:extLst>
-          </a:blip>
-          <a:stretch>
-            <a:fillRect/>
-          </a:stretch>
-        </p:blipFill>
-        <p:spPr>
-          <a:xfrm>
-            <a:off x="8397471" y="1497620"/>
-            <a:ext cx="2782282" cy="4675895"/>
-          </a:xfrm>
-          <a:prstGeom prst="rect">
-            <a:avLst/>
-          </a:prstGeom>
-        </p:spPr>
-      </p:pic>
-      <p:sp>
-        <p:nvSpPr>
-          <p:cNvPr id="3" name="TextBox 2"/>
-          <p:cNvSpPr txBox="1"/>
-          <p:nvPr/>
-        </p:nvSpPr>
-        <p:spPr>
-          <a:xfrm>
-            <a:off x="403412" y="286871"/>
-            <a:ext cx="4796117" cy="369332"/>
-          </a:xfrm>
-          <a:prstGeom prst="rect">
-            <a:avLst/>
-          </a:prstGeom>
-          <a:noFill/>
-        </p:spPr>
-        <p:txBody>
-          <a:bodyPr wrap="square" rtlCol="0">
-            <a:spAutoFit/>
-          </a:bodyPr>
-          <a:lstStyle/>
-          <a:p>
-            <a:r>
-              <a:rPr lang="en-US" b="1" u="sng" dirty="0" smtClean="0">
-                <a:latin typeface="Times New Roman" panose="02020603050405020304" pitchFamily="18" charset="0"/>
-                <a:cs typeface="Times New Roman" panose="02020603050405020304" pitchFamily="18" charset="0"/>
-              </a:rPr>
-              <a:t>Q2: How to build kinematics data ?</a:t>
-            </a:r>
-            <a:endParaRPr lang="en-US" b="1" u="sng" dirty="0">
-              <a:latin typeface="Times New Roman" panose="02020603050405020304" pitchFamily="18" charset="0"/>
-              <a:cs typeface="Times New Roman" panose="02020603050405020304" pitchFamily="18" charset="0"/>
-            </a:endParaRPr>
-          </a:p>
-        </p:txBody>
-      </p:sp>
-    </p:spTree>
-    <p:extLst>
-      <p:ext uri="{BB962C8B-B14F-4D97-AF65-F5344CB8AC3E}">
-        <p14:creationId xmlns:p14="http://schemas.microsoft.com/office/powerpoint/2010/main" val="2669361846"/>
-      </p:ext>
-    </p:extLst>
-  </p:cSld>
-  <p:clrMapOvr>
-    <a:masterClrMapping/>
-  </p:clrMapOvr>
-</p:sld>
-</file>
-
-<file path=ppt/slides/slide47.xml><?xml version="1.0" encoding="utf-8"?>
-<p:sld xmlns:a="http://schemas.openxmlformats.org/drawingml/2006/main" xmlns:r="http://schemas.openxmlformats.org/officeDocument/2006/relationships" xmlns:p="http://schemas.openxmlformats.org/presentationml/2006/main">
-  <p:cSld>
-    <p:spTree>
-      <p:nvGrpSpPr>
-        <p:cNvPr id="1" name=""/>
-        <p:cNvGrpSpPr/>
-        <p:nvPr/>
-      </p:nvGrpSpPr>
-      <p:grpSpPr>
-        <a:xfrm>
-          <a:off x="0" y="0"/>
-          <a:ext cx="0" cy="0"/>
-          <a:chOff x="0" y="0"/>
-          <a:chExt cx="0" cy="0"/>
-        </a:xfrm>
-      </p:grpSpPr>
-      <p:sp>
-        <p:nvSpPr>
-          <p:cNvPr id="2" name="TextBox 1"/>
-          <p:cNvSpPr txBox="1"/>
-          <p:nvPr/>
-        </p:nvSpPr>
-        <p:spPr>
-          <a:xfrm>
-            <a:off x="403412" y="286871"/>
-            <a:ext cx="6678706" cy="369332"/>
-          </a:xfrm>
-          <a:prstGeom prst="rect">
-            <a:avLst/>
-          </a:prstGeom>
-          <a:noFill/>
-        </p:spPr>
-        <p:txBody>
-          <a:bodyPr wrap="square" rtlCol="0">
-            <a:spAutoFit/>
-          </a:bodyPr>
-          <a:lstStyle/>
-          <a:p>
-            <a:r>
-              <a:rPr lang="en-US" b="1" u="sng" dirty="0" smtClean="0">
-                <a:latin typeface="Times New Roman" panose="02020603050405020304" pitchFamily="18" charset="0"/>
-                <a:cs typeface="Times New Roman" panose="02020603050405020304" pitchFamily="18" charset="0"/>
-              </a:rPr>
-              <a:t>Q3: </a:t>
-            </a:r>
-            <a:r>
-              <a:rPr lang="en-US" b="1" u="sng" dirty="0" smtClean="0">
-                <a:latin typeface="Times New Roman" panose="02020603050405020304" pitchFamily="18" charset="0"/>
-                <a:cs typeface="Times New Roman" panose="02020603050405020304" pitchFamily="18" charset="0"/>
-              </a:rPr>
-              <a:t>How to </a:t>
-            </a:r>
-            <a:r>
-              <a:rPr lang="en-US" b="1" u="sng" dirty="0" smtClean="0">
-                <a:latin typeface="Times New Roman" panose="02020603050405020304" pitchFamily="18" charset="0"/>
-                <a:cs typeface="Times New Roman" panose="02020603050405020304" pitchFamily="18" charset="0"/>
-              </a:rPr>
-              <a:t>use Fermi function fit to get punch-through points</a:t>
-            </a:r>
-            <a:r>
-              <a:rPr lang="en-US" b="1" u="sng" dirty="0" smtClean="0">
-                <a:latin typeface="Times New Roman" panose="02020603050405020304" pitchFamily="18" charset="0"/>
-                <a:cs typeface="Times New Roman" panose="02020603050405020304" pitchFamily="18" charset="0"/>
-              </a:rPr>
-              <a:t> </a:t>
-            </a:r>
-            <a:r>
-              <a:rPr lang="en-US" b="1" u="sng" dirty="0" smtClean="0">
-                <a:latin typeface="Times New Roman" panose="02020603050405020304" pitchFamily="18" charset="0"/>
-                <a:cs typeface="Times New Roman" panose="02020603050405020304" pitchFamily="18" charset="0"/>
-              </a:rPr>
-              <a:t>?</a:t>
+              <a:t>Q3: How to use Fermi function fit to get punch-through points ?</a:t>
             </a:r>
             <a:endParaRPr lang="en-US" b="1" u="sng" dirty="0">
               <a:latin typeface="Times New Roman" panose="02020603050405020304" pitchFamily="18" charset="0"/>
@@ -14494,7 +17116,7 @@
 </p:sld>
 </file>
 
-<file path=ppt/slides/slide48.xml><?xml version="1.0" encoding="utf-8"?>
+<file path=ppt/slides/slide46.xml><?xml version="1.0" encoding="utf-8"?>
 <p:sld xmlns:a="http://schemas.openxmlformats.org/drawingml/2006/main" xmlns:r="http://schemas.openxmlformats.org/officeDocument/2006/relationships" xmlns:p="http://schemas.openxmlformats.org/presentationml/2006/main">
   <p:cSld>
     <p:spTree>

--- a/2018Oct-Tutorial_HiRACsICalibrations.pptx
+++ b/2018Oct-Tutorial_HiRACsICalibrations.pptx
@@ -242,7 +242,7 @@
           <a:p>
             <a:fld id="{56884FD5-078F-452E-9E34-3872B0A18C88}" type="datetimeFigureOut">
               <a:rPr lang="en-US" smtClean="0"/>
-              <a:t>10/29/2018</a:t>
+              <a:t>10/30/2018</a:t>
             </a:fld>
             <a:endParaRPr lang="en-US"/>
           </a:p>
@@ -809,7 +809,7 @@
           <a:p>
             <a:fld id="{2AB85655-92EE-4FFE-AD52-8C3D789CC0B5}" type="datetimeFigureOut">
               <a:rPr lang="en-US" smtClean="0"/>
-              <a:t>10/29/2018</a:t>
+              <a:t>10/30/2018</a:t>
             </a:fld>
             <a:endParaRPr lang="en-US"/>
           </a:p>
@@ -979,7 +979,7 @@
           <a:p>
             <a:fld id="{2AB85655-92EE-4FFE-AD52-8C3D789CC0B5}" type="datetimeFigureOut">
               <a:rPr lang="en-US" smtClean="0"/>
-              <a:t>10/29/2018</a:t>
+              <a:t>10/30/2018</a:t>
             </a:fld>
             <a:endParaRPr lang="en-US"/>
           </a:p>
@@ -1159,7 +1159,7 @@
           <a:p>
             <a:fld id="{2AB85655-92EE-4FFE-AD52-8C3D789CC0B5}" type="datetimeFigureOut">
               <a:rPr lang="en-US" smtClean="0"/>
-              <a:t>10/29/2018</a:t>
+              <a:t>10/30/2018</a:t>
             </a:fld>
             <a:endParaRPr lang="en-US"/>
           </a:p>
@@ -1329,7 +1329,7 @@
           <a:p>
             <a:fld id="{2AB85655-92EE-4FFE-AD52-8C3D789CC0B5}" type="datetimeFigureOut">
               <a:rPr lang="en-US" smtClean="0"/>
-              <a:t>10/29/2018</a:t>
+              <a:t>10/30/2018</a:t>
             </a:fld>
             <a:endParaRPr lang="en-US"/>
           </a:p>
@@ -1575,7 +1575,7 @@
           <a:p>
             <a:fld id="{2AB85655-92EE-4FFE-AD52-8C3D789CC0B5}" type="datetimeFigureOut">
               <a:rPr lang="en-US" smtClean="0"/>
-              <a:t>10/29/2018</a:t>
+              <a:t>10/30/2018</a:t>
             </a:fld>
             <a:endParaRPr lang="en-US"/>
           </a:p>
@@ -1807,7 +1807,7 @@
           <a:p>
             <a:fld id="{2AB85655-92EE-4FFE-AD52-8C3D789CC0B5}" type="datetimeFigureOut">
               <a:rPr lang="en-US" smtClean="0"/>
-              <a:t>10/29/2018</a:t>
+              <a:t>10/30/2018</a:t>
             </a:fld>
             <a:endParaRPr lang="en-US"/>
           </a:p>
@@ -2174,7 +2174,7 @@
           <a:p>
             <a:fld id="{2AB85655-92EE-4FFE-AD52-8C3D789CC0B5}" type="datetimeFigureOut">
               <a:rPr lang="en-US" smtClean="0"/>
-              <a:t>10/29/2018</a:t>
+              <a:t>10/30/2018</a:t>
             </a:fld>
             <a:endParaRPr lang="en-US"/>
           </a:p>
@@ -2292,7 +2292,7 @@
           <a:p>
             <a:fld id="{2AB85655-92EE-4FFE-AD52-8C3D789CC0B5}" type="datetimeFigureOut">
               <a:rPr lang="en-US" smtClean="0"/>
-              <a:t>10/29/2018</a:t>
+              <a:t>10/30/2018</a:t>
             </a:fld>
             <a:endParaRPr lang="en-US"/>
           </a:p>
@@ -2387,7 +2387,7 @@
           <a:p>
             <a:fld id="{2AB85655-92EE-4FFE-AD52-8C3D789CC0B5}" type="datetimeFigureOut">
               <a:rPr lang="en-US" smtClean="0"/>
-              <a:t>10/29/2018</a:t>
+              <a:t>10/30/2018</a:t>
             </a:fld>
             <a:endParaRPr lang="en-US"/>
           </a:p>
@@ -2664,7 +2664,7 @@
           <a:p>
             <a:fld id="{2AB85655-92EE-4FFE-AD52-8C3D789CC0B5}" type="datetimeFigureOut">
               <a:rPr lang="en-US" smtClean="0"/>
-              <a:t>10/29/2018</a:t>
+              <a:t>10/30/2018</a:t>
             </a:fld>
             <a:endParaRPr lang="en-US"/>
           </a:p>
@@ -2917,7 +2917,7 @@
           <a:p>
             <a:fld id="{2AB85655-92EE-4FFE-AD52-8C3D789CC0B5}" type="datetimeFigureOut">
               <a:rPr lang="en-US" smtClean="0"/>
-              <a:t>10/29/2018</a:t>
+              <a:t>10/30/2018</a:t>
             </a:fld>
             <a:endParaRPr lang="en-US"/>
           </a:p>
@@ -3130,7 +3130,7 @@
           <a:p>
             <a:fld id="{2AB85655-92EE-4FFE-AD52-8C3D789CC0B5}" type="datetimeFigureOut">
               <a:rPr lang="en-US" smtClean="0"/>
-              <a:t>10/29/2018</a:t>
+              <a:t>10/30/2018</a:t>
             </a:fld>
             <a:endParaRPr lang="en-US"/>
           </a:p>
@@ -13431,14 +13431,7 @@
                 <a:latin typeface="Times New Roman" panose="02020603050405020304" pitchFamily="18" charset="0"/>
                 <a:cs typeface="Times New Roman" panose="02020603050405020304" pitchFamily="18" charset="0"/>
               </a:rPr>
-              <a:t>Extension: what </a:t>
-            </a:r>
-            <a:r>
-              <a:rPr lang="en-US" b="1" u="sng" dirty="0" smtClean="0">
-                <a:latin typeface="Times New Roman" panose="02020603050405020304" pitchFamily="18" charset="0"/>
-                <a:cs typeface="Times New Roman" panose="02020603050405020304" pitchFamily="18" charset="0"/>
-              </a:rPr>
-              <a:t>is punch through point? </a:t>
+              <a:t>Extension: what is punch through point? </a:t>
             </a:r>
             <a:endParaRPr lang="en-US" dirty="0" smtClean="0">
               <a:solidFill>
@@ -13642,38 +13635,24 @@
                 <a:latin typeface="Times New Roman" panose="02020603050405020304" pitchFamily="18" charset="0"/>
                 <a:cs typeface="Times New Roman" panose="02020603050405020304" pitchFamily="18" charset="0"/>
               </a:rPr>
-              <a:t>:  </a:t>
+              <a:t>:  To get the punch through points(</a:t>
             </a:r>
             <a:r>
               <a:rPr lang="en-US" b="1" u="sng" dirty="0" smtClean="0">
-                <a:latin typeface="Times New Roman" panose="02020603050405020304" pitchFamily="18" charset="0"/>
-                <a:cs typeface="Times New Roman" panose="02020603050405020304" pitchFamily="18" charset="0"/>
-              </a:rPr>
-              <a:t>To get the punch through points(</a:t>
+                <a:solidFill>
+                  <a:srgbClr val="FF0000"/>
+                </a:solidFill>
+                <a:latin typeface="Times New Roman" panose="02020603050405020304" pitchFamily="18" charset="0"/>
+                <a:cs typeface="Times New Roman" panose="02020603050405020304" pitchFamily="18" charset="0"/>
+              </a:rPr>
+              <a:t>in channel</a:t>
             </a:r>
             <a:r>
               <a:rPr lang="en-US" b="1" u="sng" dirty="0" smtClean="0">
-                <a:solidFill>
-                  <a:srgbClr val="FF0000"/>
-                </a:solidFill>
-                <a:latin typeface="Times New Roman" panose="02020603050405020304" pitchFamily="18" charset="0"/>
-                <a:cs typeface="Times New Roman" panose="02020603050405020304" pitchFamily="18" charset="0"/>
-              </a:rPr>
-              <a:t>in channel</a:t>
-            </a:r>
-            <a:r>
-              <a:rPr lang="en-US" b="1" u="sng" dirty="0" smtClean="0">
-                <a:latin typeface="Times New Roman" panose="02020603050405020304" pitchFamily="18" charset="0"/>
-                <a:cs typeface="Times New Roman" panose="02020603050405020304" pitchFamily="18" charset="0"/>
-              </a:rPr>
-              <a:t>) for raw data </a:t>
-            </a:r>
-            <a:r>
-              <a:rPr lang="en-US" b="1" u="sng" dirty="0" smtClean="0">
-                <a:latin typeface="Times New Roman" panose="02020603050405020304" pitchFamily="18" charset="0"/>
-                <a:cs typeface="Times New Roman" panose="02020603050405020304" pitchFamily="18" charset="0"/>
-              </a:rPr>
-              <a:t> </a:t>
+                <a:latin typeface="Times New Roman" panose="02020603050405020304" pitchFamily="18" charset="0"/>
+                <a:cs typeface="Times New Roman" panose="02020603050405020304" pitchFamily="18" charset="0"/>
+              </a:rPr>
+              <a:t>) for raw data  </a:t>
             </a:r>
             <a:endParaRPr lang="en-US" b="1" dirty="0" smtClean="0">
               <a:solidFill>
@@ -14004,9 +13983,29 @@
             </a:r>
             <a:r>
               <a:rPr lang="en-US" b="1" dirty="0" smtClean="0"/>
-              <a:t>Fit with Fermi Function.</a:t>
-            </a:r>
-            <a:endParaRPr lang="en-US" b="1" dirty="0"/>
+              <a:t>Fit with </a:t>
+            </a:r>
+            <a:r>
+              <a:rPr lang="en-US" b="1" dirty="0" smtClean="0">
+                <a:solidFill>
+                  <a:srgbClr val="FF0000"/>
+                </a:solidFill>
+              </a:rPr>
+              <a:t>Fermi </a:t>
+            </a:r>
+            <a:r>
+              <a:rPr lang="en-US" b="1" dirty="0" smtClean="0">
+                <a:solidFill>
+                  <a:srgbClr val="FF0000"/>
+                </a:solidFill>
+              </a:rPr>
+              <a:t>Function + linear function.</a:t>
+            </a:r>
+            <a:endParaRPr lang="en-US" b="1" dirty="0">
+              <a:solidFill>
+                <a:srgbClr val="FF0000"/>
+              </a:solidFill>
+            </a:endParaRPr>
           </a:p>
         </p:txBody>
       </p:sp>
@@ -14118,8 +14117,8 @@
           </a:p>
         </p:txBody>
       </p:sp>
-      <mc:AlternateContent xmlns:mc="http://schemas.openxmlformats.org/markup-compatibility/2006">
-        <mc:Choice xmlns:a14="http://schemas.microsoft.com/office/drawing/2010/main" Requires="a14">
+      <mc:AlternateContent xmlns:mc="http://schemas.openxmlformats.org/markup-compatibility/2006" xmlns:a14="http://schemas.microsoft.com/office/drawing/2010/main">
+        <mc:Choice Requires="a14">
           <p:sp>
             <p:nvSpPr>
               <p:cNvPr id="6" name="TextBox 5"/>
@@ -14142,6 +14141,7 @@
               </a:bodyPr>
               <a:lstStyle/>
               <a:p>
+                <a:pPr/>
                 <a14:m>
                   <m:oMathPara xmlns:m="http://schemas.openxmlformats.org/officeDocument/2006/math">
                     <m:oMathParaPr>
@@ -14353,7 +14353,7 @@
             </p:txBody>
           </p:sp>
         </mc:Choice>
-        <mc:Fallback>
+        <mc:Fallback xmlns="">
           <p:sp>
             <p:nvSpPr>
               <p:cNvPr id="6" name="TextBox 5"/>
@@ -14392,8 +14392,8 @@
           </p:sp>
         </mc:Fallback>
       </mc:AlternateContent>
-      <mc:AlternateContent xmlns:mc="http://schemas.openxmlformats.org/markup-compatibility/2006">
-        <mc:Choice xmlns:a14="http://schemas.microsoft.com/office/drawing/2010/main" Requires="a14">
+      <mc:AlternateContent xmlns:mc="http://schemas.openxmlformats.org/markup-compatibility/2006" xmlns:a14="http://schemas.microsoft.com/office/drawing/2010/main">
+        <mc:Choice Requires="a14">
           <p:sp>
             <p:nvSpPr>
               <p:cNvPr id="7" name="TextBox 6"/>
@@ -14416,6 +14416,7 @@
               </a:bodyPr>
               <a:lstStyle/>
               <a:p>
+                <a:pPr/>
                 <a14:m>
                   <m:oMathPara xmlns:m="http://schemas.openxmlformats.org/officeDocument/2006/math">
                     <m:oMathParaPr>
@@ -14815,7 +14816,7 @@
             </p:txBody>
           </p:sp>
         </mc:Choice>
-        <mc:Fallback>
+        <mc:Fallback xmlns="">
           <p:sp>
             <p:nvSpPr>
               <p:cNvPr id="7" name="TextBox 6"/>
@@ -14854,8 +14855,8 @@
           </p:sp>
         </mc:Fallback>
       </mc:AlternateContent>
-      <mc:AlternateContent xmlns:mc="http://schemas.openxmlformats.org/markup-compatibility/2006">
-        <mc:Choice xmlns:a14="http://schemas.microsoft.com/office/drawing/2010/main" Requires="a14">
+      <mc:AlternateContent xmlns:mc="http://schemas.openxmlformats.org/markup-compatibility/2006" xmlns:a14="http://schemas.microsoft.com/office/drawing/2010/main">
+        <mc:Choice Requires="a14">
           <p:sp>
             <p:nvSpPr>
               <p:cNvPr id="8" name="TextBox 7"/>
@@ -14878,6 +14879,7 @@
               </a:bodyPr>
               <a:lstStyle/>
               <a:p>
+                <a:pPr/>
                 <a14:m>
                   <m:oMathPara xmlns:m="http://schemas.openxmlformats.org/officeDocument/2006/math">
                     <m:oMathParaPr>
@@ -15078,7 +15080,7 @@
             </p:txBody>
           </p:sp>
         </mc:Choice>
-        <mc:Fallback>
+        <mc:Fallback xmlns="">
           <p:sp>
             <p:nvSpPr>
               <p:cNvPr id="8" name="TextBox 7"/>
@@ -15117,8 +15119,8 @@
           </p:sp>
         </mc:Fallback>
       </mc:AlternateContent>
-      <mc:AlternateContent xmlns:mc="http://schemas.openxmlformats.org/markup-compatibility/2006">
-        <mc:Choice xmlns:a14="http://schemas.microsoft.com/office/drawing/2010/main" Requires="a14">
+      <mc:AlternateContent xmlns:mc="http://schemas.openxmlformats.org/markup-compatibility/2006" xmlns:a14="http://schemas.microsoft.com/office/drawing/2010/main">
+        <mc:Choice Requires="a14">
           <p:sp>
             <p:nvSpPr>
               <p:cNvPr id="9" name="TextBox 8"/>
@@ -15204,7 +15206,7 @@
             </p:txBody>
           </p:sp>
         </mc:Choice>
-        <mc:Fallback>
+        <mc:Fallback xmlns="">
           <p:sp>
             <p:nvSpPr>
               <p:cNvPr id="9" name="TextBox 8"/>
@@ -15637,14 +15639,7 @@
                 <a:latin typeface="Times New Roman" panose="02020603050405020304" pitchFamily="18" charset="0"/>
                 <a:cs typeface="Times New Roman" panose="02020603050405020304" pitchFamily="18" charset="0"/>
               </a:rPr>
-              <a:t>:  </a:t>
-            </a:r>
-            <a:r>
-              <a:rPr lang="en-US" b="1" u="sng" dirty="0" smtClean="0">
-                <a:latin typeface="Times New Roman" panose="02020603050405020304" pitchFamily="18" charset="0"/>
-                <a:cs typeface="Times New Roman" panose="02020603050405020304" pitchFamily="18" charset="0"/>
-              </a:rPr>
-              <a:t>Use LISE++ to calculate the punch through points in MeV </a:t>
+              <a:t>:  Use LISE++ to calculate the punch through points in MeV </a:t>
             </a:r>
             <a:endParaRPr lang="en-US" b="1" dirty="0" smtClean="0">
               <a:solidFill>
@@ -15849,8 +15844,8 @@
           </a:p>
         </p:txBody>
       </p:sp>
-      <mc:AlternateContent xmlns:mc="http://schemas.openxmlformats.org/markup-compatibility/2006">
-        <mc:Choice xmlns:a14="http://schemas.microsoft.com/office/drawing/2010/main" Requires="a14">
+      <mc:AlternateContent xmlns:mc="http://schemas.openxmlformats.org/markup-compatibility/2006" xmlns:a14="http://schemas.microsoft.com/office/drawing/2010/main">
+        <mc:Choice Requires="a14">
           <p:sp>
             <p:nvSpPr>
               <p:cNvPr id="6" name="TextBox 5"/>
@@ -16051,7 +16046,7 @@
             </p:txBody>
           </p:sp>
         </mc:Choice>
-        <mc:Fallback>
+        <mc:Fallback xmlns="">
           <p:sp>
             <p:nvSpPr>
               <p:cNvPr id="6" name="TextBox 5"/>

--- a/2018Oct-Tutorial_HiRACsICalibrations.pptx
+++ b/2018Oct-Tutorial_HiRACsICalibrations.pptx
@@ -5,7 +5,7 @@
     <p:sldMasterId id="2147483648" r:id="rId1"/>
   </p:sldMasterIdLst>
   <p:notesMasterIdLst>
-    <p:notesMasterId r:id="rId48"/>
+    <p:notesMasterId r:id="rId47"/>
   </p:notesMasterIdLst>
   <p:sldIdLst>
     <p:sldId id="256" r:id="rId2"/>
@@ -52,8 +52,7 @@
     <p:sldId id="274" r:id="rId43"/>
     <p:sldId id="275" r:id="rId44"/>
     <p:sldId id="276" r:id="rId45"/>
-    <p:sldId id="301" r:id="rId46"/>
-    <p:sldId id="302" r:id="rId47"/>
+    <p:sldId id="302" r:id="rId46"/>
   </p:sldIdLst>
   <p:sldSz cx="12192000" cy="6858000"/>
   <p:notesSz cx="6858000" cy="9144000"/>
@@ -242,7 +241,7 @@
           <a:p>
             <a:fld id="{56884FD5-078F-452E-9E34-3872B0A18C88}" type="datetimeFigureOut">
               <a:rPr lang="en-US" smtClean="0"/>
-              <a:t>10/30/2018</a:t>
+              <a:t>10/31/2018</a:t>
             </a:fld>
             <a:endParaRPr lang="en-US"/>
           </a:p>
@@ -809,7 +808,7 @@
           <a:p>
             <a:fld id="{2AB85655-92EE-4FFE-AD52-8C3D789CC0B5}" type="datetimeFigureOut">
               <a:rPr lang="en-US" smtClean="0"/>
-              <a:t>10/30/2018</a:t>
+              <a:t>10/31/2018</a:t>
             </a:fld>
             <a:endParaRPr lang="en-US"/>
           </a:p>
@@ -979,7 +978,7 @@
           <a:p>
             <a:fld id="{2AB85655-92EE-4FFE-AD52-8C3D789CC0B5}" type="datetimeFigureOut">
               <a:rPr lang="en-US" smtClean="0"/>
-              <a:t>10/30/2018</a:t>
+              <a:t>10/31/2018</a:t>
             </a:fld>
             <a:endParaRPr lang="en-US"/>
           </a:p>
@@ -1159,7 +1158,7 @@
           <a:p>
             <a:fld id="{2AB85655-92EE-4FFE-AD52-8C3D789CC0B5}" type="datetimeFigureOut">
               <a:rPr lang="en-US" smtClean="0"/>
-              <a:t>10/30/2018</a:t>
+              <a:t>10/31/2018</a:t>
             </a:fld>
             <a:endParaRPr lang="en-US"/>
           </a:p>
@@ -1329,7 +1328,7 @@
           <a:p>
             <a:fld id="{2AB85655-92EE-4FFE-AD52-8C3D789CC0B5}" type="datetimeFigureOut">
               <a:rPr lang="en-US" smtClean="0"/>
-              <a:t>10/30/2018</a:t>
+              <a:t>10/31/2018</a:t>
             </a:fld>
             <a:endParaRPr lang="en-US"/>
           </a:p>
@@ -1575,7 +1574,7 @@
           <a:p>
             <a:fld id="{2AB85655-92EE-4FFE-AD52-8C3D789CC0B5}" type="datetimeFigureOut">
               <a:rPr lang="en-US" smtClean="0"/>
-              <a:t>10/30/2018</a:t>
+              <a:t>10/31/2018</a:t>
             </a:fld>
             <a:endParaRPr lang="en-US"/>
           </a:p>
@@ -1807,7 +1806,7 @@
           <a:p>
             <a:fld id="{2AB85655-92EE-4FFE-AD52-8C3D789CC0B5}" type="datetimeFigureOut">
               <a:rPr lang="en-US" smtClean="0"/>
-              <a:t>10/30/2018</a:t>
+              <a:t>10/31/2018</a:t>
             </a:fld>
             <a:endParaRPr lang="en-US"/>
           </a:p>
@@ -2174,7 +2173,7 @@
           <a:p>
             <a:fld id="{2AB85655-92EE-4FFE-AD52-8C3D789CC0B5}" type="datetimeFigureOut">
               <a:rPr lang="en-US" smtClean="0"/>
-              <a:t>10/30/2018</a:t>
+              <a:t>10/31/2018</a:t>
             </a:fld>
             <a:endParaRPr lang="en-US"/>
           </a:p>
@@ -2292,7 +2291,7 @@
           <a:p>
             <a:fld id="{2AB85655-92EE-4FFE-AD52-8C3D789CC0B5}" type="datetimeFigureOut">
               <a:rPr lang="en-US" smtClean="0"/>
-              <a:t>10/30/2018</a:t>
+              <a:t>10/31/2018</a:t>
             </a:fld>
             <a:endParaRPr lang="en-US"/>
           </a:p>
@@ -2387,7 +2386,7 @@
           <a:p>
             <a:fld id="{2AB85655-92EE-4FFE-AD52-8C3D789CC0B5}" type="datetimeFigureOut">
               <a:rPr lang="en-US" smtClean="0"/>
-              <a:t>10/30/2018</a:t>
+              <a:t>10/31/2018</a:t>
             </a:fld>
             <a:endParaRPr lang="en-US"/>
           </a:p>
@@ -2664,7 +2663,7 @@
           <a:p>
             <a:fld id="{2AB85655-92EE-4FFE-AD52-8C3D789CC0B5}" type="datetimeFigureOut">
               <a:rPr lang="en-US" smtClean="0"/>
-              <a:t>10/30/2018</a:t>
+              <a:t>10/31/2018</a:t>
             </a:fld>
             <a:endParaRPr lang="en-US"/>
           </a:p>
@@ -2917,7 +2916,7 @@
           <a:p>
             <a:fld id="{2AB85655-92EE-4FFE-AD52-8C3D789CC0B5}" type="datetimeFigureOut">
               <a:rPr lang="en-US" smtClean="0"/>
-              <a:t>10/30/2018</a:t>
+              <a:t>10/31/2018</a:t>
             </a:fld>
             <a:endParaRPr lang="en-US"/>
           </a:p>
@@ -3130,7 +3129,7 @@
           <a:p>
             <a:fld id="{2AB85655-92EE-4FFE-AD52-8C3D789CC0B5}" type="datetimeFigureOut">
               <a:rPr lang="en-US" smtClean="0"/>
-              <a:t>10/30/2018</a:t>
+              <a:t>10/31/2018</a:t>
             </a:fld>
             <a:endParaRPr lang="en-US"/>
           </a:p>
@@ -9646,8 +9645,8 @@
         </p:nvSpPr>
         <p:spPr>
           <a:xfrm>
-            <a:off x="2002432" y="2302512"/>
-            <a:ext cx="8002181" cy="769441"/>
+            <a:off x="2334126" y="2221829"/>
+            <a:ext cx="8844862" cy="769441"/>
           </a:xfrm>
           <a:prstGeom prst="rect">
             <a:avLst/>
@@ -9671,10 +9670,10 @@
                 <a:latin typeface="Times New Roman" panose="02020603050405020304" pitchFamily="18" charset="0"/>
                 <a:cs typeface="Times New Roman" panose="02020603050405020304" pitchFamily="18" charset="0"/>
               </a:rPr>
-              <a:t> 2. How to </a:t>
-            </a:r>
-            <a:r>
-              <a:rPr lang="en-US" altLang="zh-CN" sz="4400" b="1" u="sng" dirty="0">
+              <a:t> </a:t>
+            </a:r>
+            <a:r>
+              <a:rPr lang="en-US" altLang="zh-CN" sz="4000" b="1" u="sng" dirty="0" smtClean="0">
                 <a:solidFill>
                   <a:schemeClr val="tx1">
                     <a:lumMod val="95000"/>
@@ -9684,10 +9683,23 @@
                 <a:latin typeface="Times New Roman" panose="02020603050405020304" pitchFamily="18" charset="0"/>
                 <a:cs typeface="Times New Roman" panose="02020603050405020304" pitchFamily="18" charset="0"/>
               </a:rPr>
+              <a:t>2. How to </a:t>
+            </a:r>
+            <a:r>
+              <a:rPr lang="en-US" altLang="zh-CN" sz="4000" b="1" u="sng" dirty="0">
+                <a:solidFill>
+                  <a:schemeClr val="tx1">
+                    <a:lumMod val="95000"/>
+                    <a:lumOff val="5000"/>
+                  </a:schemeClr>
+                </a:solidFill>
+                <a:latin typeface="Times New Roman" panose="02020603050405020304" pitchFamily="18" charset="0"/>
+                <a:cs typeface="Times New Roman" panose="02020603050405020304" pitchFamily="18" charset="0"/>
+              </a:rPr>
               <a:t>g</a:t>
             </a:r>
             <a:r>
-              <a:rPr lang="en-US" altLang="zh-CN" sz="4400" b="1" u="sng" dirty="0" smtClean="0">
+              <a:rPr lang="en-US" altLang="zh-CN" sz="4000" b="1" u="sng" dirty="0" smtClean="0">
                 <a:solidFill>
                   <a:schemeClr val="tx1">
                     <a:lumMod val="95000"/>
@@ -12943,7 +12955,7 @@
         <p:spPr>
           <a:xfrm>
             <a:off x="1597689" y="1986085"/>
-            <a:ext cx="8862792" cy="769441"/>
+            <a:ext cx="9769558" cy="769441"/>
           </a:xfrm>
           <a:prstGeom prst="rect">
             <a:avLst/>
@@ -12970,7 +12982,7 @@
               <a:t> </a:t>
             </a:r>
             <a:r>
-              <a:rPr lang="en-US" altLang="zh-CN" sz="4400" b="1" u="sng" dirty="0">
+              <a:rPr lang="en-US" altLang="zh-CN" sz="4000" b="1" u="sng" dirty="0">
                 <a:solidFill>
                   <a:schemeClr val="tx1">
                     <a:lumMod val="95000"/>
@@ -12983,7 +12995,7 @@
               <a:t>3</a:t>
             </a:r>
             <a:r>
-              <a:rPr lang="en-US" altLang="zh-CN" sz="4400" b="1" u="sng" dirty="0" smtClean="0">
+              <a:rPr lang="en-US" altLang="zh-CN" sz="4000" b="1" u="sng" dirty="0" smtClean="0">
                 <a:solidFill>
                   <a:schemeClr val="tx1">
                     <a:lumMod val="95000"/>
@@ -12996,7 +13008,7 @@
               <a:t>. How to </a:t>
             </a:r>
             <a:r>
-              <a:rPr lang="en-US" altLang="zh-CN" sz="4400" b="1" u="sng" dirty="0">
+              <a:rPr lang="en-US" altLang="zh-CN" sz="4000" b="1" u="sng" dirty="0">
                 <a:solidFill>
                   <a:schemeClr val="tx1">
                     <a:lumMod val="95000"/>
@@ -13009,7 +13021,7 @@
               <a:t>g</a:t>
             </a:r>
             <a:r>
-              <a:rPr lang="en-US" altLang="zh-CN" sz="4400" b="1" u="sng" dirty="0" smtClean="0">
+              <a:rPr lang="en-US" altLang="zh-CN" sz="4000" b="1" u="sng" dirty="0" smtClean="0">
                 <a:solidFill>
                   <a:schemeClr val="tx1">
                     <a:lumMod val="95000"/>
@@ -13062,8 +13074,8 @@
         </p:nvSpPr>
         <p:spPr>
           <a:xfrm>
-            <a:off x="1016313" y="554396"/>
-            <a:ext cx="9866840" cy="769441"/>
+            <a:off x="1016312" y="554396"/>
+            <a:ext cx="10189569" cy="707886"/>
           </a:xfrm>
           <a:prstGeom prst="rect">
             <a:avLst/>
@@ -13077,7 +13089,7 @@
           <a:lstStyle/>
           <a:p>
             <a:r>
-              <a:rPr lang="en-US" altLang="zh-CN" sz="4400" b="1" u="sng" dirty="0" smtClean="0">
+              <a:rPr lang="en-US" altLang="zh-CN" sz="4000" b="1" u="sng" dirty="0" smtClean="0">
                 <a:solidFill>
                   <a:schemeClr val="tx1">
                     <a:lumMod val="95000"/>
@@ -13090,7 +13102,7 @@
               <a:t> I. How to </a:t>
             </a:r>
             <a:r>
-              <a:rPr lang="en-US" altLang="zh-CN" sz="4400" b="1" u="sng" dirty="0">
+              <a:rPr lang="en-US" altLang="zh-CN" sz="4000" b="1" u="sng" dirty="0">
                 <a:solidFill>
                   <a:schemeClr val="tx1">
                     <a:lumMod val="95000"/>
@@ -13103,7 +13115,7 @@
               <a:t>g</a:t>
             </a:r>
             <a:r>
-              <a:rPr lang="en-US" altLang="zh-CN" sz="4400" b="1" u="sng" dirty="0" smtClean="0">
+              <a:rPr lang="en-US" altLang="zh-CN" sz="4000" b="1" u="sng" dirty="0" smtClean="0">
                 <a:solidFill>
                   <a:schemeClr val="tx1">
                     <a:lumMod val="95000"/>
@@ -13991,15 +14003,7 @@
                   <a:srgbClr val="FF0000"/>
                 </a:solidFill>
               </a:rPr>
-              <a:t>Fermi </a:t>
-            </a:r>
-            <a:r>
-              <a:rPr lang="en-US" b="1" dirty="0" smtClean="0">
-                <a:solidFill>
-                  <a:srgbClr val="FF0000"/>
-                </a:solidFill>
-              </a:rPr>
-              <a:t>Function + linear function.</a:t>
+              <a:t>Fermi Function + linear function.</a:t>
             </a:r>
             <a:endParaRPr lang="en-US" b="1" dirty="0">
               <a:solidFill>
@@ -16388,7 +16392,7 @@
         <p:spPr>
           <a:xfrm>
             <a:off x="2289302" y="1146066"/>
-            <a:ext cx="6448927" cy="769441"/>
+            <a:ext cx="6448927" cy="707886"/>
           </a:xfrm>
           <a:prstGeom prst="rect">
             <a:avLst/>
@@ -16402,7 +16406,7 @@
           <a:lstStyle/>
           <a:p>
             <a:r>
-              <a:rPr lang="en-US" altLang="zh-CN" sz="4400" b="1" u="sng" dirty="0" smtClean="0">
+              <a:rPr lang="en-US" altLang="zh-CN" sz="4000" b="1" u="sng" dirty="0" smtClean="0">
                 <a:solidFill>
                   <a:schemeClr val="tx1">
                     <a:lumMod val="95000"/>
@@ -16415,7 +16419,7 @@
               <a:t>1. How to </a:t>
             </a:r>
             <a:r>
-              <a:rPr lang="en-US" altLang="zh-CN" sz="4400" b="1" u="sng" dirty="0">
+              <a:rPr lang="en-US" altLang="zh-CN" sz="4000" b="1" u="sng" dirty="0">
                 <a:solidFill>
                   <a:schemeClr val="tx1">
                     <a:lumMod val="95000"/>
@@ -16428,7 +16432,7 @@
               <a:t>g</a:t>
             </a:r>
             <a:r>
-              <a:rPr lang="en-US" altLang="zh-CN" sz="4400" b="1" u="sng" dirty="0" smtClean="0">
+              <a:rPr lang="en-US" altLang="zh-CN" sz="4000" b="1" u="sng" dirty="0" smtClean="0">
                 <a:solidFill>
                   <a:schemeClr val="tx1">
                     <a:lumMod val="95000"/>
@@ -16938,180 +16942,6 @@
 </file>
 
 <file path=ppt/slides/slide45.xml><?xml version="1.0" encoding="utf-8"?>
-<p:sld xmlns:a="http://schemas.openxmlformats.org/drawingml/2006/main" xmlns:r="http://schemas.openxmlformats.org/officeDocument/2006/relationships" xmlns:p="http://schemas.openxmlformats.org/presentationml/2006/main">
-  <p:cSld>
-    <p:spTree>
-      <p:nvGrpSpPr>
-        <p:cNvPr id="1" name=""/>
-        <p:cNvGrpSpPr/>
-        <p:nvPr/>
-      </p:nvGrpSpPr>
-      <p:grpSpPr>
-        <a:xfrm>
-          <a:off x="0" y="0"/>
-          <a:ext cx="0" cy="0"/>
-          <a:chOff x="0" y="0"/>
-          <a:chExt cx="0" cy="0"/>
-        </a:xfrm>
-      </p:grpSpPr>
-      <p:sp>
-        <p:nvSpPr>
-          <p:cNvPr id="2" name="TextBox 1"/>
-          <p:cNvSpPr txBox="1"/>
-          <p:nvPr/>
-        </p:nvSpPr>
-        <p:spPr>
-          <a:xfrm>
-            <a:off x="403412" y="286871"/>
-            <a:ext cx="6678706" cy="369332"/>
-          </a:xfrm>
-          <a:prstGeom prst="rect">
-            <a:avLst/>
-          </a:prstGeom>
-          <a:noFill/>
-        </p:spPr>
-        <p:txBody>
-          <a:bodyPr wrap="square" rtlCol="0">
-            <a:spAutoFit/>
-          </a:bodyPr>
-          <a:lstStyle/>
-          <a:p>
-            <a:r>
-              <a:rPr lang="en-US" b="1" u="sng" dirty="0" smtClean="0">
-                <a:latin typeface="Times New Roman" panose="02020603050405020304" pitchFamily="18" charset="0"/>
-                <a:cs typeface="Times New Roman" panose="02020603050405020304" pitchFamily="18" charset="0"/>
-              </a:rPr>
-              <a:t>Q3: How to use Fermi function fit to get punch-through points ?</a:t>
-            </a:r>
-            <a:endParaRPr lang="en-US" b="1" u="sng" dirty="0">
-              <a:latin typeface="Times New Roman" panose="02020603050405020304" pitchFamily="18" charset="0"/>
-              <a:cs typeface="Times New Roman" panose="02020603050405020304" pitchFamily="18" charset="0"/>
-            </a:endParaRPr>
-          </a:p>
-        </p:txBody>
-      </p:sp>
-      <p:pic>
-        <p:nvPicPr>
-          <p:cNvPr id="4" name="Picture 3"/>
-          <p:cNvPicPr>
-            <a:picLocks noChangeAspect="1"/>
-          </p:cNvPicPr>
-          <p:nvPr/>
-        </p:nvPicPr>
-        <p:blipFill>
-          <a:blip r:embed="rId2"/>
-          <a:stretch>
-            <a:fillRect/>
-          </a:stretch>
-        </p:blipFill>
-        <p:spPr>
-          <a:xfrm>
-            <a:off x="5765158" y="1434445"/>
-            <a:ext cx="6008152" cy="4304685"/>
-          </a:xfrm>
-          <a:prstGeom prst="rect">
-            <a:avLst/>
-          </a:prstGeom>
-        </p:spPr>
-      </p:pic>
-      <p:sp>
-        <p:nvSpPr>
-          <p:cNvPr id="5" name="TextBox 4"/>
-          <p:cNvSpPr txBox="1"/>
-          <p:nvPr/>
-        </p:nvSpPr>
-        <p:spPr>
-          <a:xfrm rot="16200000">
-            <a:off x="8380928" y="3110577"/>
-            <a:ext cx="2024913" cy="276999"/>
-          </a:xfrm>
-          <a:prstGeom prst="rect">
-            <a:avLst/>
-          </a:prstGeom>
-          <a:noFill/>
-        </p:spPr>
-        <p:txBody>
-          <a:bodyPr wrap="none" rtlCol="0">
-            <a:spAutoFit/>
-          </a:bodyPr>
-          <a:lstStyle/>
-          <a:p>
-            <a:r>
-              <a:rPr lang="en-US" sz="1200" b="1" dirty="0" smtClean="0">
-                <a:solidFill>
-                  <a:srgbClr val="FF0000"/>
-                </a:solidFill>
-              </a:rPr>
-              <a:t>Current punch through point</a:t>
-            </a:r>
-            <a:endParaRPr lang="en-US" sz="1200" b="1" dirty="0">
-              <a:solidFill>
-                <a:srgbClr val="FF0000"/>
-              </a:solidFill>
-            </a:endParaRPr>
-          </a:p>
-        </p:txBody>
-      </p:sp>
-      <p:sp>
-        <p:nvSpPr>
-          <p:cNvPr id="6" name="TextBox 5"/>
-          <p:cNvSpPr txBox="1"/>
-          <p:nvPr/>
-        </p:nvSpPr>
-        <p:spPr>
-          <a:xfrm rot="16200000">
-            <a:off x="8694721" y="3624240"/>
-            <a:ext cx="1905330" cy="276999"/>
-          </a:xfrm>
-          <a:prstGeom prst="rect">
-            <a:avLst/>
-          </a:prstGeom>
-          <a:noFill/>
-        </p:spPr>
-        <p:txBody>
-          <a:bodyPr wrap="none" rtlCol="0">
-            <a:spAutoFit/>
-          </a:bodyPr>
-          <a:lstStyle/>
-          <a:p>
-            <a:r>
-              <a:rPr lang="en-US" sz="1200" b="1" dirty="0" smtClean="0">
-                <a:solidFill>
-                  <a:srgbClr val="FF0000"/>
-                </a:solidFill>
-              </a:rPr>
-              <a:t>Prediction via </a:t>
-            </a:r>
-            <a:r>
-              <a:rPr lang="en-US" sz="1200" b="1" dirty="0" err="1" smtClean="0">
-                <a:solidFill>
-                  <a:srgbClr val="FF0000"/>
-                </a:solidFill>
-              </a:rPr>
-              <a:t>exrapolation</a:t>
-            </a:r>
-            <a:endParaRPr lang="en-US" sz="1200" b="1" dirty="0">
-              <a:solidFill>
-                <a:srgbClr val="FF0000"/>
-              </a:solidFill>
-            </a:endParaRPr>
-          </a:p>
-        </p:txBody>
-      </p:sp>
-    </p:spTree>
-    <p:extLst>
-      <p:ext uri="{BB962C8B-B14F-4D97-AF65-F5344CB8AC3E}">
-        <p14:creationId xmlns:p14="http://schemas.microsoft.com/office/powerpoint/2010/main" val="2712265550"/>
-      </p:ext>
-    </p:extLst>
-  </p:cSld>
-  <p:clrMapOvr>
-    <a:masterClrMapping/>
-  </p:clrMapOvr>
-</p:sld>
-</file>
-
-<file path=ppt/slides/slide46.xml><?xml version="1.0" encoding="utf-8"?>
 <p:sld xmlns:a="http://schemas.openxmlformats.org/drawingml/2006/main" xmlns:r="http://schemas.openxmlformats.org/officeDocument/2006/relationships" xmlns:p="http://schemas.openxmlformats.org/presentationml/2006/main">
   <p:cSld>
     <p:spTree>

--- a/2018Oct-Tutorial_HiRACsICalibrations.pptx
+++ b/2018Oct-Tutorial_HiRACsICalibrations.pptx
@@ -5,7 +5,7 @@
     <p:sldMasterId id="2147483648" r:id="rId1"/>
   </p:sldMasterIdLst>
   <p:notesMasterIdLst>
-    <p:notesMasterId r:id="rId47"/>
+    <p:notesMasterId r:id="rId49"/>
   </p:notesMasterIdLst>
   <p:sldIdLst>
     <p:sldId id="256" r:id="rId2"/>
@@ -45,14 +45,16 @@
     <p:sldId id="262" r:id="rId36"/>
     <p:sldId id="270" r:id="rId37"/>
     <p:sldId id="263" r:id="rId38"/>
-    <p:sldId id="264" r:id="rId39"/>
-    <p:sldId id="271" r:id="rId40"/>
-    <p:sldId id="272" r:id="rId41"/>
-    <p:sldId id="273" r:id="rId42"/>
-    <p:sldId id="274" r:id="rId43"/>
-    <p:sldId id="275" r:id="rId44"/>
-    <p:sldId id="276" r:id="rId45"/>
-    <p:sldId id="302" r:id="rId46"/>
+    <p:sldId id="305" r:id="rId39"/>
+    <p:sldId id="306" r:id="rId40"/>
+    <p:sldId id="264" r:id="rId41"/>
+    <p:sldId id="271" r:id="rId42"/>
+    <p:sldId id="272" r:id="rId43"/>
+    <p:sldId id="273" r:id="rId44"/>
+    <p:sldId id="274" r:id="rId45"/>
+    <p:sldId id="275" r:id="rId46"/>
+    <p:sldId id="276" r:id="rId47"/>
+    <p:sldId id="302" r:id="rId48"/>
   </p:sldIdLst>
   <p:sldSz cx="12192000" cy="6858000"/>
   <p:notesSz cx="6858000" cy="9144000"/>
@@ -241,7 +243,7 @@
           <a:p>
             <a:fld id="{56884FD5-078F-452E-9E34-3872B0A18C88}" type="datetimeFigureOut">
               <a:rPr lang="en-US" smtClean="0"/>
-              <a:t>10/31/2018</a:t>
+              <a:t>11/1/2018</a:t>
             </a:fld>
             <a:endParaRPr lang="en-US"/>
           </a:p>
@@ -808,7 +810,7 @@
           <a:p>
             <a:fld id="{2AB85655-92EE-4FFE-AD52-8C3D789CC0B5}" type="datetimeFigureOut">
               <a:rPr lang="en-US" smtClean="0"/>
-              <a:t>10/31/2018</a:t>
+              <a:t>11/1/2018</a:t>
             </a:fld>
             <a:endParaRPr lang="en-US"/>
           </a:p>
@@ -978,7 +980,7 @@
           <a:p>
             <a:fld id="{2AB85655-92EE-4FFE-AD52-8C3D789CC0B5}" type="datetimeFigureOut">
               <a:rPr lang="en-US" smtClean="0"/>
-              <a:t>10/31/2018</a:t>
+              <a:t>11/1/2018</a:t>
             </a:fld>
             <a:endParaRPr lang="en-US"/>
           </a:p>
@@ -1158,7 +1160,7 @@
           <a:p>
             <a:fld id="{2AB85655-92EE-4FFE-AD52-8C3D789CC0B5}" type="datetimeFigureOut">
               <a:rPr lang="en-US" smtClean="0"/>
-              <a:t>10/31/2018</a:t>
+              <a:t>11/1/2018</a:t>
             </a:fld>
             <a:endParaRPr lang="en-US"/>
           </a:p>
@@ -1328,7 +1330,7 @@
           <a:p>
             <a:fld id="{2AB85655-92EE-4FFE-AD52-8C3D789CC0B5}" type="datetimeFigureOut">
               <a:rPr lang="en-US" smtClean="0"/>
-              <a:t>10/31/2018</a:t>
+              <a:t>11/1/2018</a:t>
             </a:fld>
             <a:endParaRPr lang="en-US"/>
           </a:p>
@@ -1574,7 +1576,7 @@
           <a:p>
             <a:fld id="{2AB85655-92EE-4FFE-AD52-8C3D789CC0B5}" type="datetimeFigureOut">
               <a:rPr lang="en-US" smtClean="0"/>
-              <a:t>10/31/2018</a:t>
+              <a:t>11/1/2018</a:t>
             </a:fld>
             <a:endParaRPr lang="en-US"/>
           </a:p>
@@ -1806,7 +1808,7 @@
           <a:p>
             <a:fld id="{2AB85655-92EE-4FFE-AD52-8C3D789CC0B5}" type="datetimeFigureOut">
               <a:rPr lang="en-US" smtClean="0"/>
-              <a:t>10/31/2018</a:t>
+              <a:t>11/1/2018</a:t>
             </a:fld>
             <a:endParaRPr lang="en-US"/>
           </a:p>
@@ -2173,7 +2175,7 @@
           <a:p>
             <a:fld id="{2AB85655-92EE-4FFE-AD52-8C3D789CC0B5}" type="datetimeFigureOut">
               <a:rPr lang="en-US" smtClean="0"/>
-              <a:t>10/31/2018</a:t>
+              <a:t>11/1/2018</a:t>
             </a:fld>
             <a:endParaRPr lang="en-US"/>
           </a:p>
@@ -2291,7 +2293,7 @@
           <a:p>
             <a:fld id="{2AB85655-92EE-4FFE-AD52-8C3D789CC0B5}" type="datetimeFigureOut">
               <a:rPr lang="en-US" smtClean="0"/>
-              <a:t>10/31/2018</a:t>
+              <a:t>11/1/2018</a:t>
             </a:fld>
             <a:endParaRPr lang="en-US"/>
           </a:p>
@@ -2386,7 +2388,7 @@
           <a:p>
             <a:fld id="{2AB85655-92EE-4FFE-AD52-8C3D789CC0B5}" type="datetimeFigureOut">
               <a:rPr lang="en-US" smtClean="0"/>
-              <a:t>10/31/2018</a:t>
+              <a:t>11/1/2018</a:t>
             </a:fld>
             <a:endParaRPr lang="en-US"/>
           </a:p>
@@ -2663,7 +2665,7 @@
           <a:p>
             <a:fld id="{2AB85655-92EE-4FFE-AD52-8C3D789CC0B5}" type="datetimeFigureOut">
               <a:rPr lang="en-US" smtClean="0"/>
-              <a:t>10/31/2018</a:t>
+              <a:t>11/1/2018</a:t>
             </a:fld>
             <a:endParaRPr lang="en-US"/>
           </a:p>
@@ -2916,7 +2918,7 @@
           <a:p>
             <a:fld id="{2AB85655-92EE-4FFE-AD52-8C3D789CC0B5}" type="datetimeFigureOut">
               <a:rPr lang="en-US" smtClean="0"/>
-              <a:t>10/31/2018</a:t>
+              <a:t>11/1/2018</a:t>
             </a:fld>
             <a:endParaRPr lang="en-US"/>
           </a:p>
@@ -3129,7 +3131,7 @@
           <a:p>
             <a:fld id="{2AB85655-92EE-4FFE-AD52-8C3D789CC0B5}" type="datetimeFigureOut">
               <a:rPr lang="en-US" smtClean="0"/>
-              <a:t>10/31/2018</a:t>
+              <a:t>11/1/2018</a:t>
             </a:fld>
             <a:endParaRPr lang="en-US"/>
           </a:p>
@@ -16293,6 +16295,1017 @@
           <a:chExt cx="0" cy="0"/>
         </a:xfrm>
       </p:grpSpPr>
+      <p:sp>
+        <p:nvSpPr>
+          <p:cNvPr id="2" name="TextBox 1"/>
+          <p:cNvSpPr txBox="1"/>
+          <p:nvPr/>
+        </p:nvSpPr>
+        <p:spPr>
+          <a:xfrm>
+            <a:off x="181069" y="353085"/>
+            <a:ext cx="4481465" cy="369332"/>
+          </a:xfrm>
+          <a:prstGeom prst="rect">
+            <a:avLst/>
+          </a:prstGeom>
+          <a:noFill/>
+        </p:spPr>
+        <p:txBody>
+          <a:bodyPr wrap="square" rtlCol="0">
+            <a:spAutoFit/>
+          </a:bodyPr>
+          <a:lstStyle/>
+          <a:p>
+            <a:r>
+              <a:rPr lang="en-US" dirty="0" smtClean="0"/>
+              <a:t>● Formulas used to fit</a:t>
+            </a:r>
+            <a:endParaRPr lang="en-US" dirty="0"/>
+          </a:p>
+        </p:txBody>
+      </p:sp>
+      <mc:AlternateContent xmlns:mc="http://schemas.openxmlformats.org/markup-compatibility/2006" xmlns:a14="http://schemas.microsoft.com/office/drawing/2010/main">
+        <mc:Choice Requires="a14">
+          <p:sp>
+            <p:nvSpPr>
+              <p:cNvPr id="3" name="TextBox 2"/>
+              <p:cNvSpPr txBox="1"/>
+              <p:nvPr/>
+            </p:nvSpPr>
+            <p:spPr>
+              <a:xfrm>
+                <a:off x="416458" y="1092142"/>
+                <a:ext cx="6880813" cy="1084977"/>
+              </a:xfrm>
+              <a:prstGeom prst="rect">
+                <a:avLst/>
+              </a:prstGeom>
+              <a:noFill/>
+            </p:spPr>
+            <p:txBody>
+              <a:bodyPr wrap="square" rtlCol="0">
+                <a:spAutoFit/>
+              </a:bodyPr>
+              <a:lstStyle/>
+              <a:p>
+                <a:r>
+                  <a:rPr lang="en-US" dirty="0" smtClean="0"/>
+                  <a:t>For Z=1, Fenhai Formula:  </a:t>
+                </a:r>
+                <a14:m>
+                  <m:oMath xmlns:m="http://schemas.openxmlformats.org/officeDocument/2006/math">
+                    <m:r>
+                      <a:rPr lang="en-US" b="1" i="1" smtClean="0">
+                        <a:latin typeface="Cambria Math" panose="02040503050406030204" pitchFamily="18" charset="0"/>
+                      </a:rPr>
+                      <m:t>𝑳</m:t>
+                    </m:r>
+                    <m:d>
+                      <m:dPr>
+                        <m:ctrlPr>
+                          <a:rPr lang="en-US" b="1" i="1" smtClean="0">
+                            <a:latin typeface="Cambria Math" panose="02040503050406030204" pitchFamily="18" charset="0"/>
+                          </a:rPr>
+                        </m:ctrlPr>
+                      </m:dPr>
+                      <m:e>
+                        <m:r>
+                          <a:rPr lang="en-US" b="1" i="1" smtClean="0">
+                            <a:latin typeface="Cambria Math" panose="02040503050406030204" pitchFamily="18" charset="0"/>
+                          </a:rPr>
+                          <m:t>𝑬</m:t>
+                        </m:r>
+                        <m:r>
+                          <a:rPr lang="en-US" b="1" i="1" smtClean="0">
+                            <a:latin typeface="Cambria Math" panose="02040503050406030204" pitchFamily="18" charset="0"/>
+                          </a:rPr>
+                          <m:t>,</m:t>
+                        </m:r>
+                        <m:r>
+                          <a:rPr lang="en-US" b="1" i="1" smtClean="0">
+                            <a:latin typeface="Cambria Math" panose="02040503050406030204" pitchFamily="18" charset="0"/>
+                          </a:rPr>
+                          <m:t>𝑨</m:t>
+                        </m:r>
+                      </m:e>
+                    </m:d>
+                    <m:r>
+                      <a:rPr lang="en-US" b="1" i="1" smtClean="0">
+                        <a:latin typeface="Cambria Math" panose="02040503050406030204" pitchFamily="18" charset="0"/>
+                      </a:rPr>
+                      <m:t>=</m:t>
+                    </m:r>
+                    <m:sSub>
+                      <m:sSubPr>
+                        <m:ctrlPr>
+                          <a:rPr lang="en-US" b="1" i="1" smtClean="0">
+                            <a:latin typeface="Cambria Math" panose="02040503050406030204" pitchFamily="18" charset="0"/>
+                          </a:rPr>
+                        </m:ctrlPr>
+                      </m:sSubPr>
+                      <m:e>
+                        <m:r>
+                          <a:rPr lang="en-US" b="1" i="1" smtClean="0">
+                            <a:latin typeface="Cambria Math" panose="02040503050406030204" pitchFamily="18" charset="0"/>
+                          </a:rPr>
+                          <m:t>𝒂</m:t>
+                        </m:r>
+                      </m:e>
+                      <m:sub>
+                        <m:r>
+                          <a:rPr lang="en-US" b="1" i="1" smtClean="0">
+                            <a:latin typeface="Cambria Math" panose="02040503050406030204" pitchFamily="18" charset="0"/>
+                          </a:rPr>
+                          <m:t>𝟎</m:t>
+                        </m:r>
+                      </m:sub>
+                    </m:sSub>
+                    <m:r>
+                      <a:rPr lang="en-US" b="1" i="1" smtClean="0">
+                        <a:latin typeface="Cambria Math" panose="02040503050406030204" pitchFamily="18" charset="0"/>
+                      </a:rPr>
+                      <m:t>+</m:t>
+                    </m:r>
+                    <m:sSub>
+                      <m:sSubPr>
+                        <m:ctrlPr>
+                          <a:rPr lang="en-US" b="1" i="1" smtClean="0">
+                            <a:latin typeface="Cambria Math" panose="02040503050406030204" pitchFamily="18" charset="0"/>
+                          </a:rPr>
+                        </m:ctrlPr>
+                      </m:sSubPr>
+                      <m:e>
+                        <m:r>
+                          <a:rPr lang="en-US" b="1" i="1" smtClean="0">
+                            <a:latin typeface="Cambria Math" panose="02040503050406030204" pitchFamily="18" charset="0"/>
+                          </a:rPr>
+                          <m:t>𝒂</m:t>
+                        </m:r>
+                      </m:e>
+                      <m:sub>
+                        <m:r>
+                          <a:rPr lang="en-US" b="1" i="1" smtClean="0">
+                            <a:latin typeface="Cambria Math" panose="02040503050406030204" pitchFamily="18" charset="0"/>
+                          </a:rPr>
+                          <m:t>𝟏</m:t>
+                        </m:r>
+                      </m:sub>
+                    </m:sSub>
+                    <m:r>
+                      <a:rPr lang="en-US" b="1" i="1" smtClean="0">
+                        <a:latin typeface="Cambria Math" panose="02040503050406030204" pitchFamily="18" charset="0"/>
+                        <a:ea typeface="Cambria Math" panose="02040503050406030204" pitchFamily="18" charset="0"/>
+                      </a:rPr>
+                      <m:t>∙</m:t>
+                    </m:r>
+                    <m:sSup>
+                      <m:sSupPr>
+                        <m:ctrlPr>
+                          <a:rPr lang="en-US" b="1" i="1" smtClean="0">
+                            <a:latin typeface="Cambria Math" panose="02040503050406030204" pitchFamily="18" charset="0"/>
+                            <a:ea typeface="Cambria Math" panose="02040503050406030204" pitchFamily="18" charset="0"/>
+                          </a:rPr>
+                        </m:ctrlPr>
+                      </m:sSupPr>
+                      <m:e>
+                        <m:r>
+                          <a:rPr lang="en-US" b="1" i="1" smtClean="0">
+                            <a:latin typeface="Cambria Math" panose="02040503050406030204" pitchFamily="18" charset="0"/>
+                            <a:ea typeface="Cambria Math" panose="02040503050406030204" pitchFamily="18" charset="0"/>
+                          </a:rPr>
+                          <m:t>𝑬</m:t>
+                        </m:r>
+                      </m:e>
+                      <m:sup>
+                        <m:f>
+                          <m:fPr>
+                            <m:ctrlPr>
+                              <a:rPr lang="en-US" b="1" i="1" smtClean="0">
+                                <a:latin typeface="Cambria Math" panose="02040503050406030204" pitchFamily="18" charset="0"/>
+                                <a:ea typeface="Cambria Math" panose="02040503050406030204" pitchFamily="18" charset="0"/>
+                              </a:rPr>
+                            </m:ctrlPr>
+                          </m:fPr>
+                          <m:num>
+                            <m:r>
+                              <a:rPr lang="en-US" b="1" i="1" smtClean="0">
+                                <a:latin typeface="Cambria Math" panose="02040503050406030204" pitchFamily="18" charset="0"/>
+                                <a:ea typeface="Cambria Math" panose="02040503050406030204" pitchFamily="18" charset="0"/>
+                              </a:rPr>
+                              <m:t>𝑨</m:t>
+                            </m:r>
+                            <m:r>
+                              <a:rPr lang="en-US" b="1" i="1" smtClean="0">
+                                <a:latin typeface="Cambria Math" panose="02040503050406030204" pitchFamily="18" charset="0"/>
+                                <a:ea typeface="Cambria Math" panose="02040503050406030204" pitchFamily="18" charset="0"/>
+                              </a:rPr>
+                              <m:t>+</m:t>
+                            </m:r>
+                            <m:sSub>
+                              <m:sSubPr>
+                                <m:ctrlPr>
+                                  <a:rPr lang="en-US" b="1" i="1" smtClean="0">
+                                    <a:latin typeface="Cambria Math" panose="02040503050406030204" pitchFamily="18" charset="0"/>
+                                    <a:ea typeface="Cambria Math" panose="02040503050406030204" pitchFamily="18" charset="0"/>
+                                  </a:rPr>
+                                </m:ctrlPr>
+                              </m:sSubPr>
+                              <m:e>
+                                <m:r>
+                                  <a:rPr lang="en-US" b="1" i="1" smtClean="0">
+                                    <a:latin typeface="Cambria Math" panose="02040503050406030204" pitchFamily="18" charset="0"/>
+                                    <a:ea typeface="Cambria Math" panose="02040503050406030204" pitchFamily="18" charset="0"/>
+                                  </a:rPr>
+                                  <m:t>𝒂</m:t>
+                                </m:r>
+                              </m:e>
+                              <m:sub>
+                                <m:r>
+                                  <a:rPr lang="en-US" b="1" i="1" smtClean="0">
+                                    <a:latin typeface="Cambria Math" panose="02040503050406030204" pitchFamily="18" charset="0"/>
+                                    <a:ea typeface="Cambria Math" panose="02040503050406030204" pitchFamily="18" charset="0"/>
+                                  </a:rPr>
+                                  <m:t>𝟐</m:t>
+                                </m:r>
+                              </m:sub>
+                            </m:sSub>
+                          </m:num>
+                          <m:den>
+                            <m:r>
+                              <a:rPr lang="en-US" b="1" i="1">
+                                <a:latin typeface="Cambria Math" panose="02040503050406030204" pitchFamily="18" charset="0"/>
+                                <a:ea typeface="Cambria Math" panose="02040503050406030204" pitchFamily="18" charset="0"/>
+                              </a:rPr>
+                              <m:t>𝑨</m:t>
+                            </m:r>
+                            <m:r>
+                              <a:rPr lang="en-US" b="1" i="1">
+                                <a:latin typeface="Cambria Math" panose="02040503050406030204" pitchFamily="18" charset="0"/>
+                                <a:ea typeface="Cambria Math" panose="02040503050406030204" pitchFamily="18" charset="0"/>
+                              </a:rPr>
+                              <m:t>+</m:t>
+                            </m:r>
+                            <m:sSub>
+                              <m:sSubPr>
+                                <m:ctrlPr>
+                                  <a:rPr lang="en-US" b="1" i="1">
+                                    <a:latin typeface="Cambria Math" panose="02040503050406030204" pitchFamily="18" charset="0"/>
+                                    <a:ea typeface="Cambria Math" panose="02040503050406030204" pitchFamily="18" charset="0"/>
+                                  </a:rPr>
+                                </m:ctrlPr>
+                              </m:sSubPr>
+                              <m:e>
+                                <m:r>
+                                  <a:rPr lang="en-US" b="1" i="1">
+                                    <a:latin typeface="Cambria Math" panose="02040503050406030204" pitchFamily="18" charset="0"/>
+                                    <a:ea typeface="Cambria Math" panose="02040503050406030204" pitchFamily="18" charset="0"/>
+                                  </a:rPr>
+                                  <m:t>𝒂</m:t>
+                                </m:r>
+                              </m:e>
+                              <m:sub>
+                                <m:r>
+                                  <a:rPr lang="en-US" b="1" i="1" smtClean="0">
+                                    <a:latin typeface="Cambria Math" panose="02040503050406030204" pitchFamily="18" charset="0"/>
+                                    <a:ea typeface="Cambria Math" panose="02040503050406030204" pitchFamily="18" charset="0"/>
+                                  </a:rPr>
+                                  <m:t>𝟑</m:t>
+                                </m:r>
+                              </m:sub>
+                            </m:sSub>
+                          </m:den>
+                        </m:f>
+                      </m:sup>
+                    </m:sSup>
+                    <m:r>
+                      <a:rPr lang="en-US" b="1" i="1" smtClean="0">
+                        <a:latin typeface="Cambria Math" panose="02040503050406030204" pitchFamily="18" charset="0"/>
+                        <a:ea typeface="Cambria Math" panose="02040503050406030204" pitchFamily="18" charset="0"/>
+                      </a:rPr>
+                      <m:t> </m:t>
+                    </m:r>
+                    <m:d>
+                      <m:dPr>
+                        <m:ctrlPr>
+                          <a:rPr lang="en-US" b="1" i="1" smtClean="0">
+                            <a:latin typeface="Cambria Math" panose="02040503050406030204" pitchFamily="18" charset="0"/>
+                            <a:ea typeface="Cambria Math" panose="02040503050406030204" pitchFamily="18" charset="0"/>
+                          </a:rPr>
+                        </m:ctrlPr>
+                      </m:dPr>
+                      <m:e>
+                        <m:sSub>
+                          <m:sSubPr>
+                            <m:ctrlPr>
+                              <a:rPr lang="en-US" b="1" i="1" smtClean="0">
+                                <a:latin typeface="Cambria Math" panose="02040503050406030204" pitchFamily="18" charset="0"/>
+                                <a:ea typeface="Cambria Math" panose="02040503050406030204" pitchFamily="18" charset="0"/>
+                              </a:rPr>
+                            </m:ctrlPr>
+                          </m:sSubPr>
+                          <m:e>
+                            <m:r>
+                              <a:rPr lang="en-US" b="1" i="1" smtClean="0">
+                                <a:latin typeface="Cambria Math" panose="02040503050406030204" pitchFamily="18" charset="0"/>
+                                <a:ea typeface="Cambria Math" panose="02040503050406030204" pitchFamily="18" charset="0"/>
+                              </a:rPr>
+                              <m:t>𝒂</m:t>
+                            </m:r>
+                          </m:e>
+                          <m:sub>
+                            <m:r>
+                              <a:rPr lang="en-US" b="1" i="1" smtClean="0">
+                                <a:latin typeface="Cambria Math" panose="02040503050406030204" pitchFamily="18" charset="0"/>
+                                <a:ea typeface="Cambria Math" panose="02040503050406030204" pitchFamily="18" charset="0"/>
+                              </a:rPr>
+                              <m:t>𝟑</m:t>
+                            </m:r>
+                          </m:sub>
+                        </m:sSub>
+                        <m:r>
+                          <a:rPr lang="en-US" b="1" i="1" smtClean="0">
+                            <a:latin typeface="Cambria Math" panose="02040503050406030204" pitchFamily="18" charset="0"/>
+                            <a:ea typeface="Cambria Math" panose="02040503050406030204" pitchFamily="18" charset="0"/>
+                          </a:rPr>
+                          <m:t>&gt;</m:t>
+                        </m:r>
+                        <m:sSub>
+                          <m:sSubPr>
+                            <m:ctrlPr>
+                              <a:rPr lang="en-US" b="1" i="1">
+                                <a:latin typeface="Cambria Math" panose="02040503050406030204" pitchFamily="18" charset="0"/>
+                                <a:ea typeface="Cambria Math" panose="02040503050406030204" pitchFamily="18" charset="0"/>
+                              </a:rPr>
+                            </m:ctrlPr>
+                          </m:sSubPr>
+                          <m:e>
+                            <m:r>
+                              <a:rPr lang="en-US" b="1" i="1">
+                                <a:latin typeface="Cambria Math" panose="02040503050406030204" pitchFamily="18" charset="0"/>
+                                <a:ea typeface="Cambria Math" panose="02040503050406030204" pitchFamily="18" charset="0"/>
+                              </a:rPr>
+                              <m:t>𝒂</m:t>
+                            </m:r>
+                          </m:e>
+                          <m:sub>
+                            <m:r>
+                              <a:rPr lang="en-US" b="1" i="1" smtClean="0">
+                                <a:latin typeface="Cambria Math" panose="02040503050406030204" pitchFamily="18" charset="0"/>
+                                <a:ea typeface="Cambria Math" panose="02040503050406030204" pitchFamily="18" charset="0"/>
+                              </a:rPr>
+                              <m:t>𝟐</m:t>
+                            </m:r>
+                          </m:sub>
+                        </m:sSub>
+                      </m:e>
+                    </m:d>
+                  </m:oMath>
+                </a14:m>
+                <a:endParaRPr lang="en-US" b="1" dirty="0" smtClean="0">
+                  <a:ea typeface="Cambria Math" panose="02040503050406030204" pitchFamily="18" charset="0"/>
+                </a:endParaRPr>
+              </a:p>
+              <a:p>
+                <a:r>
+                  <a:rPr lang="en-US" b="1" dirty="0" smtClean="0"/>
+                  <a:t>      </a:t>
+                </a:r>
+                <a:r>
+                  <a:rPr lang="en-US" dirty="0" smtClean="0"/>
+                  <a:t>L(E,A): light output</a:t>
+                </a:r>
+              </a:p>
+              <a:p>
+                <a:r>
+                  <a:rPr lang="en-US" dirty="0"/>
+                  <a:t> </a:t>
+                </a:r>
+                <a:r>
+                  <a:rPr lang="en-US" dirty="0" smtClean="0"/>
+                  <a:t>        A     :  mass number  </a:t>
+                </a:r>
+                <a:endParaRPr lang="en-US" dirty="0"/>
+              </a:p>
+            </p:txBody>
+          </p:sp>
+        </mc:Choice>
+        <mc:Fallback xmlns="">
+          <p:sp>
+            <p:nvSpPr>
+              <p:cNvPr id="3" name="TextBox 2"/>
+              <p:cNvSpPr txBox="1">
+                <a:spLocks noRot="1" noChangeAspect="1" noMove="1" noResize="1" noEditPoints="1" noAdjustHandles="1" noChangeArrowheads="1" noChangeShapeType="1" noTextEdit="1"/>
+              </p:cNvSpPr>
+              <p:nvPr/>
+            </p:nvSpPr>
+            <p:spPr>
+              <a:xfrm>
+                <a:off x="416458" y="1092142"/>
+                <a:ext cx="6880813" cy="1084977"/>
+              </a:xfrm>
+              <a:prstGeom prst="rect">
+                <a:avLst/>
+              </a:prstGeom>
+              <a:blipFill rotWithShape="0">
+                <a:blip r:embed="rId2"/>
+                <a:stretch>
+                  <a:fillRect l="-709" b="-7865"/>
+                </a:stretch>
+              </a:blipFill>
+            </p:spPr>
+            <p:txBody>
+              <a:bodyPr/>
+              <a:lstStyle/>
+              <a:p>
+                <a:r>
+                  <a:rPr lang="en-US">
+                    <a:noFill/>
+                  </a:rPr>
+                  <a:t> </a:t>
+                </a:r>
+              </a:p>
+            </p:txBody>
+          </p:sp>
+        </mc:Fallback>
+      </mc:AlternateContent>
+      <p:pic>
+        <p:nvPicPr>
+          <p:cNvPr id="4" name="Picture 3"/>
+          <p:cNvPicPr>
+            <a:picLocks noChangeAspect="1"/>
+          </p:cNvPicPr>
+          <p:nvPr/>
+        </p:nvPicPr>
+        <p:blipFill>
+          <a:blip r:embed="rId3">
+            <a:extLst>
+              <a:ext uri="{28A0092B-C50C-407E-A947-70E740481C1C}">
+                <a14:useLocalDpi xmlns:a14="http://schemas.microsoft.com/office/drawing/2010/main" val="0"/>
+              </a:ext>
+            </a:extLst>
+          </a:blip>
+          <a:stretch>
+            <a:fillRect/>
+          </a:stretch>
+        </p:blipFill>
+        <p:spPr>
+          <a:xfrm>
+            <a:off x="7567516" y="268941"/>
+            <a:ext cx="4193617" cy="3016461"/>
+          </a:xfrm>
+          <a:prstGeom prst="rect">
+            <a:avLst/>
+          </a:prstGeom>
+        </p:spPr>
+      </p:pic>
+      <p:sp>
+        <p:nvSpPr>
+          <p:cNvPr id="5" name="TextBox 4"/>
+          <p:cNvSpPr txBox="1"/>
+          <p:nvPr/>
+        </p:nvSpPr>
+        <p:spPr>
+          <a:xfrm>
+            <a:off x="416458" y="2817822"/>
+            <a:ext cx="8184334" cy="369332"/>
+          </a:xfrm>
+          <a:prstGeom prst="rect">
+            <a:avLst/>
+          </a:prstGeom>
+          <a:noFill/>
+        </p:spPr>
+        <p:txBody>
+          <a:bodyPr wrap="square" rtlCol="0">
+            <a:spAutoFit/>
+          </a:bodyPr>
+          <a:lstStyle/>
+          <a:p>
+            <a:r>
+              <a:rPr lang="en-US" dirty="0" smtClean="0"/>
+              <a:t>For Z&gt;1, </a:t>
+            </a:r>
+            <a:r>
+              <a:rPr lang="en-US" dirty="0" smtClean="0"/>
+              <a:t>Horn</a:t>
+            </a:r>
+            <a:r>
+              <a:rPr lang="en-US" dirty="0" smtClean="0"/>
+              <a:t> </a:t>
+            </a:r>
+            <a:r>
+              <a:rPr lang="en-US" dirty="0" smtClean="0"/>
+              <a:t>Formula:</a:t>
+            </a:r>
+            <a:endParaRPr lang="en-US" b="1" dirty="0"/>
+          </a:p>
+        </p:txBody>
+      </p:sp>
+      <mc:AlternateContent xmlns:mc="http://schemas.openxmlformats.org/markup-compatibility/2006" xmlns:a14="http://schemas.microsoft.com/office/drawing/2010/main">
+        <mc:Choice Requires="a14">
+          <p:sp>
+            <p:nvSpPr>
+              <p:cNvPr id="6" name="TextBox 5"/>
+              <p:cNvSpPr txBox="1"/>
+              <p:nvPr/>
+            </p:nvSpPr>
+            <p:spPr>
+              <a:xfrm>
+                <a:off x="757355" y="3901423"/>
+                <a:ext cx="5117876" cy="635046"/>
+              </a:xfrm>
+              <a:prstGeom prst="rect">
+                <a:avLst/>
+              </a:prstGeom>
+              <a:noFill/>
+            </p:spPr>
+            <p:txBody>
+              <a:bodyPr wrap="none" lIns="0" tIns="0" rIns="0" bIns="0" rtlCol="0">
+                <a:spAutoFit/>
+              </a:bodyPr>
+              <a:lstStyle/>
+              <a:p>
+                <a:pPr/>
+                <a14:m>
+                  <m:oMathPara xmlns:m="http://schemas.openxmlformats.org/officeDocument/2006/math">
+                    <m:oMathParaPr>
+                      <m:jc m:val="centerGroup"/>
+                    </m:oMathParaPr>
+                    <m:oMath xmlns:m="http://schemas.openxmlformats.org/officeDocument/2006/math">
+                      <m:r>
+                        <a:rPr lang="en-US" b="1" i="1" smtClean="0">
+                          <a:latin typeface="Cambria Math" panose="02040503050406030204" pitchFamily="18" charset="0"/>
+                        </a:rPr>
+                        <m:t>𝑳</m:t>
+                      </m:r>
+                      <m:d>
+                        <m:dPr>
+                          <m:ctrlPr>
+                            <a:rPr lang="en-US" b="1" i="1" smtClean="0">
+                              <a:latin typeface="Cambria Math" panose="02040503050406030204" pitchFamily="18" charset="0"/>
+                            </a:rPr>
+                          </m:ctrlPr>
+                        </m:dPr>
+                        <m:e>
+                          <m:r>
+                            <a:rPr lang="en-US" b="1" i="1" smtClean="0">
+                              <a:latin typeface="Cambria Math" panose="02040503050406030204" pitchFamily="18" charset="0"/>
+                            </a:rPr>
+                            <m:t>𝑬</m:t>
+                          </m:r>
+                          <m:r>
+                            <a:rPr lang="en-US" b="1" i="1" smtClean="0">
+                              <a:latin typeface="Cambria Math" panose="02040503050406030204" pitchFamily="18" charset="0"/>
+                            </a:rPr>
+                            <m:t>,</m:t>
+                          </m:r>
+                          <m:r>
+                            <a:rPr lang="en-US" b="1" i="1" smtClean="0">
+                              <a:latin typeface="Cambria Math" panose="02040503050406030204" pitchFamily="18" charset="0"/>
+                            </a:rPr>
+                            <m:t>𝒁</m:t>
+                          </m:r>
+                          <m:r>
+                            <a:rPr lang="en-US" b="1" i="1" smtClean="0">
+                              <a:latin typeface="Cambria Math" panose="02040503050406030204" pitchFamily="18" charset="0"/>
+                            </a:rPr>
+                            <m:t>,</m:t>
+                          </m:r>
+                          <m:r>
+                            <a:rPr lang="en-US" b="1" i="1" smtClean="0">
+                              <a:latin typeface="Cambria Math" panose="02040503050406030204" pitchFamily="18" charset="0"/>
+                            </a:rPr>
+                            <m:t>𝑨</m:t>
+                          </m:r>
+                        </m:e>
+                      </m:d>
+                      <m:r>
+                        <a:rPr lang="en-US" b="1" i="1" smtClean="0">
+                          <a:latin typeface="Cambria Math" panose="02040503050406030204" pitchFamily="18" charset="0"/>
+                        </a:rPr>
+                        <m:t>=</m:t>
+                      </m:r>
+                      <m:sSub>
+                        <m:sSubPr>
+                          <m:ctrlPr>
+                            <a:rPr lang="en-US" b="1" i="1" smtClean="0">
+                              <a:latin typeface="Cambria Math" panose="02040503050406030204" pitchFamily="18" charset="0"/>
+                            </a:rPr>
+                          </m:ctrlPr>
+                        </m:sSubPr>
+                        <m:e>
+                          <m:r>
+                            <a:rPr lang="en-US" b="1" i="1" smtClean="0">
+                              <a:latin typeface="Cambria Math" panose="02040503050406030204" pitchFamily="18" charset="0"/>
+                            </a:rPr>
+                            <m:t>𝒂</m:t>
+                          </m:r>
+                        </m:e>
+                        <m:sub>
+                          <m:r>
+                            <a:rPr lang="en-US" b="1" i="1" smtClean="0">
+                              <a:latin typeface="Cambria Math" panose="02040503050406030204" pitchFamily="18" charset="0"/>
+                            </a:rPr>
+                            <m:t>𝟎</m:t>
+                          </m:r>
+                        </m:sub>
+                      </m:sSub>
+                      <m:r>
+                        <a:rPr lang="en-US" b="1" i="1" smtClean="0">
+                          <a:latin typeface="Cambria Math" panose="02040503050406030204" pitchFamily="18" charset="0"/>
+                        </a:rPr>
+                        <m:t>+</m:t>
+                      </m:r>
+                      <m:sSub>
+                        <m:sSubPr>
+                          <m:ctrlPr>
+                            <a:rPr lang="en-US" b="1" i="1" smtClean="0">
+                              <a:latin typeface="Cambria Math" panose="02040503050406030204" pitchFamily="18" charset="0"/>
+                            </a:rPr>
+                          </m:ctrlPr>
+                        </m:sSubPr>
+                        <m:e>
+                          <m:r>
+                            <a:rPr lang="en-US" b="1" i="1" smtClean="0">
+                              <a:latin typeface="Cambria Math" panose="02040503050406030204" pitchFamily="18" charset="0"/>
+                            </a:rPr>
+                            <m:t>𝒂</m:t>
+                          </m:r>
+                        </m:e>
+                        <m:sub>
+                          <m:r>
+                            <a:rPr lang="en-US" b="1" i="1" smtClean="0">
+                              <a:latin typeface="Cambria Math" panose="02040503050406030204" pitchFamily="18" charset="0"/>
+                            </a:rPr>
+                            <m:t>𝟏</m:t>
+                          </m:r>
+                        </m:sub>
+                      </m:sSub>
+                      <m:d>
+                        <m:dPr>
+                          <m:ctrlPr>
+                            <a:rPr lang="en-US" b="1" i="1" smtClean="0">
+                              <a:latin typeface="Cambria Math" panose="02040503050406030204" pitchFamily="18" charset="0"/>
+                            </a:rPr>
+                          </m:ctrlPr>
+                        </m:dPr>
+                        <m:e>
+                          <m:r>
+                            <a:rPr lang="en-US" b="1" i="1" smtClean="0">
+                              <a:latin typeface="Cambria Math" panose="02040503050406030204" pitchFamily="18" charset="0"/>
+                            </a:rPr>
+                            <m:t>𝑬</m:t>
+                          </m:r>
+                          <m:r>
+                            <a:rPr lang="en-US" b="1" i="1" smtClean="0">
+                              <a:latin typeface="Cambria Math" panose="02040503050406030204" pitchFamily="18" charset="0"/>
+                            </a:rPr>
+                            <m:t>−</m:t>
+                          </m:r>
+                          <m:sSub>
+                            <m:sSubPr>
+                              <m:ctrlPr>
+                                <a:rPr lang="en-US" b="1" i="1" smtClean="0">
+                                  <a:latin typeface="Cambria Math" panose="02040503050406030204" pitchFamily="18" charset="0"/>
+                                </a:rPr>
+                              </m:ctrlPr>
+                            </m:sSubPr>
+                            <m:e>
+                              <m:r>
+                                <a:rPr lang="en-US" b="1" i="1" smtClean="0">
+                                  <a:latin typeface="Cambria Math" panose="02040503050406030204" pitchFamily="18" charset="0"/>
+                                </a:rPr>
+                                <m:t>𝒂</m:t>
+                              </m:r>
+                            </m:e>
+                            <m:sub>
+                              <m:r>
+                                <a:rPr lang="en-US" b="1" i="1" smtClean="0">
+                                  <a:latin typeface="Cambria Math" panose="02040503050406030204" pitchFamily="18" charset="0"/>
+                                </a:rPr>
+                                <m:t>𝟐</m:t>
+                              </m:r>
+                            </m:sub>
+                          </m:sSub>
+                          <m:r>
+                            <a:rPr lang="en-US" b="1" i="1" smtClean="0">
+                              <a:latin typeface="Cambria Math" panose="02040503050406030204" pitchFamily="18" charset="0"/>
+                            </a:rPr>
+                            <m:t>𝑨</m:t>
+                          </m:r>
+                          <m:sSup>
+                            <m:sSupPr>
+                              <m:ctrlPr>
+                                <a:rPr lang="en-US" b="1" i="1" smtClean="0">
+                                  <a:latin typeface="Cambria Math" panose="02040503050406030204" pitchFamily="18" charset="0"/>
+                                </a:rPr>
+                              </m:ctrlPr>
+                            </m:sSupPr>
+                            <m:e>
+                              <m:r>
+                                <a:rPr lang="en-US" b="1" i="1" smtClean="0">
+                                  <a:latin typeface="Cambria Math" panose="02040503050406030204" pitchFamily="18" charset="0"/>
+                                </a:rPr>
+                                <m:t>𝒁</m:t>
+                              </m:r>
+                            </m:e>
+                            <m:sup>
+                              <m:r>
+                                <a:rPr lang="en-US" b="1" i="1" smtClean="0">
+                                  <a:latin typeface="Cambria Math" panose="02040503050406030204" pitchFamily="18" charset="0"/>
+                                </a:rPr>
+                                <m:t>𝟐</m:t>
+                              </m:r>
+                            </m:sup>
+                          </m:sSup>
+                          <m:func>
+                            <m:funcPr>
+                              <m:ctrlPr>
+                                <a:rPr lang="en-US" b="1" i="1" smtClean="0">
+                                  <a:latin typeface="Cambria Math" panose="02040503050406030204" pitchFamily="18" charset="0"/>
+                                </a:rPr>
+                              </m:ctrlPr>
+                            </m:funcPr>
+                            <m:fName>
+                              <m:r>
+                                <a:rPr lang="en-US" b="1" i="0" smtClean="0">
+                                  <a:latin typeface="Cambria Math" panose="02040503050406030204" pitchFamily="18" charset="0"/>
+                                </a:rPr>
+                                <m:t>𝐥𝐧</m:t>
+                              </m:r>
+                            </m:fName>
+                            <m:e>
+                              <m:d>
+                                <m:dPr>
+                                  <m:ctrlPr>
+                                    <a:rPr lang="en-US" b="1" i="1" smtClean="0">
+                                      <a:latin typeface="Cambria Math" panose="02040503050406030204" pitchFamily="18" charset="0"/>
+                                    </a:rPr>
+                                  </m:ctrlPr>
+                                </m:dPr>
+                                <m:e>
+                                  <m:f>
+                                    <m:fPr>
+                                      <m:ctrlPr>
+                                        <a:rPr lang="en-US" b="1" i="1" smtClean="0">
+                                          <a:latin typeface="Cambria Math" panose="02040503050406030204" pitchFamily="18" charset="0"/>
+                                        </a:rPr>
+                                      </m:ctrlPr>
+                                    </m:fPr>
+                                    <m:num>
+                                      <m:r>
+                                        <a:rPr lang="en-US" b="1" i="1" smtClean="0">
+                                          <a:latin typeface="Cambria Math" panose="02040503050406030204" pitchFamily="18" charset="0"/>
+                                        </a:rPr>
+                                        <m:t>𝑬</m:t>
+                                      </m:r>
+                                      <m:r>
+                                        <a:rPr lang="en-US" b="1" i="1" smtClean="0">
+                                          <a:latin typeface="Cambria Math" panose="02040503050406030204" pitchFamily="18" charset="0"/>
+                                        </a:rPr>
+                                        <m:t>+</m:t>
+                                      </m:r>
+                                      <m:sSub>
+                                        <m:sSubPr>
+                                          <m:ctrlPr>
+                                            <a:rPr lang="en-US" b="1" i="1" smtClean="0">
+                                              <a:latin typeface="Cambria Math" panose="02040503050406030204" pitchFamily="18" charset="0"/>
+                                            </a:rPr>
+                                          </m:ctrlPr>
+                                        </m:sSubPr>
+                                        <m:e>
+                                          <m:r>
+                                            <a:rPr lang="en-US" b="1" i="1" smtClean="0">
+                                              <a:latin typeface="Cambria Math" panose="02040503050406030204" pitchFamily="18" charset="0"/>
+                                            </a:rPr>
+                                            <m:t>𝒂</m:t>
+                                          </m:r>
+                                        </m:e>
+                                        <m:sub>
+                                          <m:r>
+                                            <a:rPr lang="en-US" b="1" i="1" smtClean="0">
+                                              <a:latin typeface="Cambria Math" panose="02040503050406030204" pitchFamily="18" charset="0"/>
+                                            </a:rPr>
+                                            <m:t>𝟐</m:t>
+                                          </m:r>
+                                        </m:sub>
+                                      </m:sSub>
+                                      <m:r>
+                                        <a:rPr lang="en-US" b="1" i="1" smtClean="0">
+                                          <a:latin typeface="Cambria Math" panose="02040503050406030204" pitchFamily="18" charset="0"/>
+                                        </a:rPr>
+                                        <m:t>𝑨</m:t>
+                                      </m:r>
+                                      <m:sSup>
+                                        <m:sSupPr>
+                                          <m:ctrlPr>
+                                            <a:rPr lang="en-US" b="1" i="1" smtClean="0">
+                                              <a:latin typeface="Cambria Math" panose="02040503050406030204" pitchFamily="18" charset="0"/>
+                                            </a:rPr>
+                                          </m:ctrlPr>
+                                        </m:sSupPr>
+                                        <m:e>
+                                          <m:r>
+                                            <a:rPr lang="en-US" b="1" i="1" smtClean="0">
+                                              <a:latin typeface="Cambria Math" panose="02040503050406030204" pitchFamily="18" charset="0"/>
+                                            </a:rPr>
+                                            <m:t>𝒁</m:t>
+                                          </m:r>
+                                        </m:e>
+                                        <m:sup>
+                                          <m:r>
+                                            <a:rPr lang="en-US" b="1" i="1" smtClean="0">
+                                              <a:latin typeface="Cambria Math" panose="02040503050406030204" pitchFamily="18" charset="0"/>
+                                            </a:rPr>
+                                            <m:t>𝟐</m:t>
+                                          </m:r>
+                                        </m:sup>
+                                      </m:sSup>
+                                    </m:num>
+                                    <m:den>
+                                      <m:sSub>
+                                        <m:sSubPr>
+                                          <m:ctrlPr>
+                                            <a:rPr lang="en-US" b="1" i="1" smtClean="0">
+                                              <a:latin typeface="Cambria Math" panose="02040503050406030204" pitchFamily="18" charset="0"/>
+                                            </a:rPr>
+                                          </m:ctrlPr>
+                                        </m:sSubPr>
+                                        <m:e>
+                                          <m:r>
+                                            <a:rPr lang="en-US" b="1" i="1" smtClean="0">
+                                              <a:latin typeface="Cambria Math" panose="02040503050406030204" pitchFamily="18" charset="0"/>
+                                            </a:rPr>
+                                            <m:t>𝒂</m:t>
+                                          </m:r>
+                                        </m:e>
+                                        <m:sub>
+                                          <m:r>
+                                            <a:rPr lang="en-US" b="1" i="1" smtClean="0">
+                                              <a:latin typeface="Cambria Math" panose="02040503050406030204" pitchFamily="18" charset="0"/>
+                                            </a:rPr>
+                                            <m:t>𝟐</m:t>
+                                          </m:r>
+                                        </m:sub>
+                                      </m:sSub>
+                                      <m:r>
+                                        <a:rPr lang="en-US" b="1" i="1" smtClean="0">
+                                          <a:latin typeface="Cambria Math" panose="02040503050406030204" pitchFamily="18" charset="0"/>
+                                        </a:rPr>
+                                        <m:t>𝑨</m:t>
+                                      </m:r>
+                                      <m:sSup>
+                                        <m:sSupPr>
+                                          <m:ctrlPr>
+                                            <a:rPr lang="en-US" b="1" i="1" smtClean="0">
+                                              <a:latin typeface="Cambria Math" panose="02040503050406030204" pitchFamily="18" charset="0"/>
+                                            </a:rPr>
+                                          </m:ctrlPr>
+                                        </m:sSupPr>
+                                        <m:e>
+                                          <m:r>
+                                            <a:rPr lang="en-US" b="1" i="1" smtClean="0">
+                                              <a:latin typeface="Cambria Math" panose="02040503050406030204" pitchFamily="18" charset="0"/>
+                                            </a:rPr>
+                                            <m:t>𝒁</m:t>
+                                          </m:r>
+                                        </m:e>
+                                        <m:sup>
+                                          <m:r>
+                                            <a:rPr lang="en-US" b="1" i="1" smtClean="0">
+                                              <a:latin typeface="Cambria Math" panose="02040503050406030204" pitchFamily="18" charset="0"/>
+                                            </a:rPr>
+                                            <m:t>𝟐</m:t>
+                                          </m:r>
+                                        </m:sup>
+                                      </m:sSup>
+                                    </m:den>
+                                  </m:f>
+                                </m:e>
+                              </m:d>
+                            </m:e>
+                          </m:func>
+                        </m:e>
+                      </m:d>
+                    </m:oMath>
+                  </m:oMathPara>
+                </a14:m>
+                <a:endParaRPr lang="en-US" b="1" dirty="0"/>
+              </a:p>
+            </p:txBody>
+          </p:sp>
+        </mc:Choice>
+        <mc:Fallback xmlns="">
+          <p:sp>
+            <p:nvSpPr>
+              <p:cNvPr id="6" name="TextBox 5"/>
+              <p:cNvSpPr txBox="1">
+                <a:spLocks noRot="1" noChangeAspect="1" noMove="1" noResize="1" noEditPoints="1" noAdjustHandles="1" noChangeArrowheads="1" noChangeShapeType="1" noTextEdit="1"/>
+              </p:cNvSpPr>
+              <p:nvPr/>
+            </p:nvSpPr>
+            <p:spPr>
+              <a:xfrm>
+                <a:off x="757355" y="3901423"/>
+                <a:ext cx="5117876" cy="635046"/>
+              </a:xfrm>
+              <a:prstGeom prst="rect">
+                <a:avLst/>
+              </a:prstGeom>
+              <a:blipFill rotWithShape="0">
+                <a:blip r:embed="rId4"/>
+                <a:stretch>
+                  <a:fillRect/>
+                </a:stretch>
+              </a:blipFill>
+            </p:spPr>
+            <p:txBody>
+              <a:bodyPr/>
+              <a:lstStyle/>
+              <a:p>
+                <a:r>
+                  <a:rPr lang="en-US">
+                    <a:noFill/>
+                  </a:rPr>
+                  <a:t> </a:t>
+                </a:r>
+              </a:p>
+            </p:txBody>
+          </p:sp>
+        </mc:Fallback>
+      </mc:AlternateContent>
+      <p:sp>
+        <p:nvSpPr>
+          <p:cNvPr id="7" name="TextBox 6"/>
+          <p:cNvSpPr txBox="1"/>
+          <p:nvPr/>
+        </p:nvSpPr>
+        <p:spPr>
+          <a:xfrm>
+            <a:off x="757355" y="3413943"/>
+            <a:ext cx="4738861" cy="369332"/>
+          </a:xfrm>
+          <a:prstGeom prst="rect">
+            <a:avLst/>
+          </a:prstGeom>
+          <a:noFill/>
+        </p:spPr>
+        <p:txBody>
+          <a:bodyPr wrap="none" rtlCol="0">
+            <a:spAutoFit/>
+          </a:bodyPr>
+          <a:lstStyle/>
+          <a:p>
+            <a:r>
+              <a:rPr lang="en-US" dirty="0" smtClean="0"/>
+              <a:t>D. Horn et al.,</a:t>
+            </a:r>
+            <a:r>
+              <a:rPr lang="en-US" dirty="0"/>
+              <a:t> </a:t>
+            </a:r>
+            <a:r>
+              <a:rPr lang="en-US" dirty="0" err="1" smtClean="0"/>
+              <a:t>Nucl</a:t>
+            </a:r>
+            <a:r>
+              <a:rPr lang="en-US" dirty="0" smtClean="0"/>
+              <a:t>. Instr. Meth A 320 (1992) 273</a:t>
+            </a:r>
+            <a:endParaRPr lang="en-US" dirty="0"/>
+          </a:p>
+        </p:txBody>
+      </p:sp>
+      <p:pic>
+        <p:nvPicPr>
+          <p:cNvPr id="8" name="Picture 7"/>
+          <p:cNvPicPr>
+            <a:picLocks noChangeAspect="1"/>
+          </p:cNvPicPr>
+          <p:nvPr/>
+        </p:nvPicPr>
+        <p:blipFill>
+          <a:blip r:embed="rId5">
+            <a:extLst>
+              <a:ext uri="{28A0092B-C50C-407E-A947-70E740481C1C}">
+                <a14:useLocalDpi xmlns:a14="http://schemas.microsoft.com/office/drawing/2010/main" val="0"/>
+              </a:ext>
+            </a:extLst>
+          </a:blip>
+          <a:stretch>
+            <a:fillRect/>
+          </a:stretch>
+        </p:blipFill>
+        <p:spPr>
+          <a:xfrm>
+            <a:off x="7918520" y="3458237"/>
+            <a:ext cx="3995014" cy="2873607"/>
+          </a:xfrm>
+          <a:prstGeom prst="rect">
+            <a:avLst/>
+          </a:prstGeom>
+        </p:spPr>
+      </p:pic>
     </p:spTree>
     <p:extLst>
       <p:ext uri="{BB962C8B-B14F-4D97-AF65-F5344CB8AC3E}">
@@ -16323,10 +17336,303 @@
           <a:chExt cx="0" cy="0"/>
         </a:xfrm>
       </p:grpSpPr>
+      <p:sp>
+        <p:nvSpPr>
+          <p:cNvPr id="2" name="TextBox 1"/>
+          <p:cNvSpPr txBox="1"/>
+          <p:nvPr/>
+        </p:nvSpPr>
+        <p:spPr>
+          <a:xfrm>
+            <a:off x="126748" y="280657"/>
+            <a:ext cx="4481465" cy="646331"/>
+          </a:xfrm>
+          <a:prstGeom prst="rect">
+            <a:avLst/>
+          </a:prstGeom>
+          <a:noFill/>
+        </p:spPr>
+        <p:txBody>
+          <a:bodyPr wrap="square" rtlCol="0">
+            <a:spAutoFit/>
+          </a:bodyPr>
+          <a:lstStyle/>
+          <a:p>
+            <a:r>
+              <a:rPr lang="en-US" dirty="0" smtClean="0"/>
+              <a:t>● Useful references</a:t>
+            </a:r>
+          </a:p>
+          <a:p>
+            <a:endParaRPr lang="en-US" dirty="0"/>
+          </a:p>
+        </p:txBody>
+      </p:sp>
+      <p:sp>
+        <p:nvSpPr>
+          <p:cNvPr id="5" name="TextBox 4"/>
+          <p:cNvSpPr txBox="1"/>
+          <p:nvPr/>
+        </p:nvSpPr>
+        <p:spPr>
+          <a:xfrm>
+            <a:off x="312996" y="926988"/>
+            <a:ext cx="4738861" cy="369332"/>
+          </a:xfrm>
+          <a:prstGeom prst="rect">
+            <a:avLst/>
+          </a:prstGeom>
+          <a:noFill/>
+        </p:spPr>
+        <p:txBody>
+          <a:bodyPr wrap="none" rtlCol="0">
+            <a:spAutoFit/>
+          </a:bodyPr>
+          <a:lstStyle/>
+          <a:p>
+            <a:r>
+              <a:rPr lang="en-US" dirty="0" smtClean="0"/>
+              <a:t>D. Horn et al.,</a:t>
+            </a:r>
+            <a:r>
+              <a:rPr lang="en-US" dirty="0"/>
+              <a:t> </a:t>
+            </a:r>
+            <a:r>
+              <a:rPr lang="en-US" dirty="0" err="1" smtClean="0"/>
+              <a:t>Nucl</a:t>
+            </a:r>
+            <a:r>
+              <a:rPr lang="en-US" dirty="0" smtClean="0"/>
+              <a:t>. Instr. Meth A 320 (1992) 273</a:t>
+            </a:r>
+            <a:endParaRPr lang="en-US" dirty="0"/>
+          </a:p>
+        </p:txBody>
+      </p:sp>
+      <p:sp>
+        <p:nvSpPr>
+          <p:cNvPr id="6" name="TextBox 5"/>
+          <p:cNvSpPr txBox="1"/>
+          <p:nvPr/>
+        </p:nvSpPr>
+        <p:spPr>
+          <a:xfrm>
+            <a:off x="312996" y="1573319"/>
+            <a:ext cx="5172250" cy="369332"/>
+          </a:xfrm>
+          <a:prstGeom prst="rect">
+            <a:avLst/>
+          </a:prstGeom>
+          <a:noFill/>
+        </p:spPr>
+        <p:txBody>
+          <a:bodyPr wrap="none" rtlCol="0">
+            <a:spAutoFit/>
+          </a:bodyPr>
+          <a:lstStyle/>
+          <a:p>
+            <a:r>
+              <a:rPr lang="en-US" dirty="0" smtClean="0"/>
+              <a:t>N. Colonna et al., </a:t>
+            </a:r>
+            <a:r>
+              <a:rPr lang="en-US" dirty="0" err="1" smtClean="0"/>
+              <a:t>Nucl</a:t>
+            </a:r>
+            <a:r>
+              <a:rPr lang="en-US" dirty="0" smtClean="0"/>
+              <a:t>. Instr. Meth. A 321 (1992) 529</a:t>
+            </a:r>
+            <a:endParaRPr lang="en-US" dirty="0"/>
+          </a:p>
+        </p:txBody>
+      </p:sp>
+      <p:sp>
+        <p:nvSpPr>
+          <p:cNvPr id="7" name="TextBox 6"/>
+          <p:cNvSpPr txBox="1"/>
+          <p:nvPr/>
+        </p:nvSpPr>
+        <p:spPr>
+          <a:xfrm>
+            <a:off x="312996" y="2149313"/>
+            <a:ext cx="5356595" cy="369332"/>
+          </a:xfrm>
+          <a:prstGeom prst="rect">
+            <a:avLst/>
+          </a:prstGeom>
+          <a:noFill/>
+        </p:spPr>
+        <p:txBody>
+          <a:bodyPr wrap="none" rtlCol="0">
+            <a:spAutoFit/>
+          </a:bodyPr>
+          <a:lstStyle/>
+          <a:p>
+            <a:r>
+              <a:rPr lang="en-US" dirty="0" smtClean="0"/>
+              <a:t>Y. </a:t>
+            </a:r>
+            <a:r>
+              <a:rPr lang="en-US" dirty="0" err="1" smtClean="0"/>
+              <a:t>Larochelle</a:t>
+            </a:r>
+            <a:r>
+              <a:rPr lang="en-US" dirty="0" smtClean="0"/>
+              <a:t> et al.,</a:t>
+            </a:r>
+            <a:r>
+              <a:rPr lang="en-US" dirty="0"/>
+              <a:t> </a:t>
+            </a:r>
+            <a:r>
+              <a:rPr lang="en-US" dirty="0" err="1" smtClean="0"/>
+              <a:t>Nucl</a:t>
+            </a:r>
+            <a:r>
+              <a:rPr lang="en-US" dirty="0" smtClean="0"/>
+              <a:t>. Instr. Meth. A 348 (1994) 167</a:t>
+            </a:r>
+            <a:endParaRPr lang="en-US" dirty="0"/>
+          </a:p>
+        </p:txBody>
+      </p:sp>
+      <p:sp>
+        <p:nvSpPr>
+          <p:cNvPr id="8" name="Rectangle 7"/>
+          <p:cNvSpPr/>
+          <p:nvPr/>
+        </p:nvSpPr>
+        <p:spPr>
+          <a:xfrm>
+            <a:off x="312996" y="2725307"/>
+            <a:ext cx="5013552" cy="369332"/>
+          </a:xfrm>
+          <a:prstGeom prst="rect">
+            <a:avLst/>
+          </a:prstGeom>
+        </p:spPr>
+        <p:txBody>
+          <a:bodyPr wrap="none">
+            <a:spAutoFit/>
+          </a:bodyPr>
+          <a:lstStyle/>
+          <a:p>
+            <a:r>
+              <a:rPr lang="en-US" dirty="0" smtClean="0"/>
+              <a:t>S. Aiello et al., </a:t>
+            </a:r>
+            <a:r>
+              <a:rPr lang="en-US" dirty="0" err="1" smtClean="0"/>
+              <a:t>Nucl</a:t>
+            </a:r>
+            <a:r>
+              <a:rPr lang="en-US" dirty="0" smtClean="0"/>
+              <a:t>. Instr. Meth. A 369 (1996) 50-54</a:t>
+            </a:r>
+            <a:endParaRPr lang="en-US" dirty="0"/>
+          </a:p>
+        </p:txBody>
+      </p:sp>
+      <p:sp>
+        <p:nvSpPr>
+          <p:cNvPr id="9" name="Rectangle 8"/>
+          <p:cNvSpPr/>
+          <p:nvPr/>
+        </p:nvSpPr>
+        <p:spPr>
+          <a:xfrm>
+            <a:off x="312996" y="3282059"/>
+            <a:ext cx="4679166" cy="369332"/>
+          </a:xfrm>
+          <a:prstGeom prst="rect">
+            <a:avLst/>
+          </a:prstGeom>
+        </p:spPr>
+        <p:txBody>
+          <a:bodyPr wrap="none">
+            <a:spAutoFit/>
+          </a:bodyPr>
+          <a:lstStyle/>
+          <a:p>
+            <a:r>
+              <a:rPr lang="en-US" dirty="0" smtClean="0"/>
+              <a:t>G. </a:t>
+            </a:r>
+            <a:r>
+              <a:rPr lang="en-US" dirty="0" err="1" smtClean="0"/>
+              <a:t>Viesti</a:t>
+            </a:r>
+            <a:r>
+              <a:rPr lang="en-US" dirty="0" smtClean="0"/>
+              <a:t> et al.,</a:t>
+            </a:r>
+            <a:r>
+              <a:rPr lang="en-US" dirty="0"/>
+              <a:t> </a:t>
+            </a:r>
+            <a:r>
+              <a:rPr lang="en-US" dirty="0" err="1" smtClean="0"/>
+              <a:t>Nucl</a:t>
+            </a:r>
+            <a:r>
+              <a:rPr lang="en-US" dirty="0" smtClean="0"/>
+              <a:t>. Instr. Meth A 252 (1986) 75</a:t>
+            </a:r>
+            <a:endParaRPr lang="en-US" dirty="0"/>
+          </a:p>
+        </p:txBody>
+      </p:sp>
+      <p:sp>
+        <p:nvSpPr>
+          <p:cNvPr id="10" name="Rectangle 9"/>
+          <p:cNvSpPr/>
+          <p:nvPr/>
+        </p:nvSpPr>
+        <p:spPr>
+          <a:xfrm>
+            <a:off x="301113" y="3838811"/>
+            <a:ext cx="5349413" cy="369332"/>
+          </a:xfrm>
+          <a:prstGeom prst="rect">
+            <a:avLst/>
+          </a:prstGeom>
+        </p:spPr>
+        <p:txBody>
+          <a:bodyPr wrap="none">
+            <a:spAutoFit/>
+          </a:bodyPr>
+          <a:lstStyle/>
+          <a:p>
+            <a:r>
+              <a:rPr lang="en-US" dirty="0" smtClean="0"/>
+              <a:t>C.J.W. </a:t>
+            </a:r>
+            <a:r>
+              <a:rPr lang="en-US" dirty="0" err="1" smtClean="0"/>
+              <a:t>Twenhofel</a:t>
+            </a:r>
+            <a:r>
+              <a:rPr lang="en-US" dirty="0" smtClean="0"/>
+              <a:t> et al., </a:t>
+            </a:r>
+            <a:r>
+              <a:rPr lang="en-US" dirty="0" err="1" smtClean="0"/>
+              <a:t>Nucl</a:t>
+            </a:r>
+            <a:r>
+              <a:rPr lang="en-US" dirty="0" smtClean="0"/>
+              <a:t>. Instr. Meth B 51 (1990) 58</a:t>
+            </a:r>
+            <a:endParaRPr lang="en-US" dirty="0"/>
+          </a:p>
+        </p:txBody>
+      </p:sp>
     </p:spTree>
     <p:extLst>
       <p:ext uri="{BB962C8B-B14F-4D97-AF65-F5344CB8AC3E}">
-        <p14:creationId xmlns:p14="http://schemas.microsoft.com/office/powerpoint/2010/main" val="3837352207"/>
+        <p14:creationId xmlns:p14="http://schemas.microsoft.com/office/powerpoint/2010/main" val="3036015810"/>
       </p:ext>
     </p:extLst>
   </p:cSld>
@@ -16353,16 +17659,613 @@
           <a:chExt cx="0" cy="0"/>
         </a:xfrm>
       </p:grpSpPr>
+      <p:sp>
+        <p:nvSpPr>
+          <p:cNvPr id="6" name="TextBox 5"/>
+          <p:cNvSpPr txBox="1"/>
+          <p:nvPr/>
+        </p:nvSpPr>
+        <p:spPr>
+          <a:xfrm>
+            <a:off x="635726" y="496389"/>
+            <a:ext cx="11556274" cy="369332"/>
+          </a:xfrm>
+          <a:prstGeom prst="rect">
+            <a:avLst/>
+          </a:prstGeom>
+          <a:noFill/>
+        </p:spPr>
+        <p:txBody>
+          <a:bodyPr wrap="square" rtlCol="0">
+            <a:spAutoFit/>
+          </a:bodyPr>
+          <a:lstStyle/>
+          <a:p>
+            <a:r>
+              <a:rPr lang="en-US" dirty="0" smtClean="0"/>
+              <a:t>Quality of fit results from the literature</a:t>
+            </a:r>
+            <a:endParaRPr lang="en-US" dirty="0"/>
+          </a:p>
+        </p:txBody>
+      </p:sp>
+      <p:sp>
+        <p:nvSpPr>
+          <p:cNvPr id="9" name="Rectangle 8"/>
+          <p:cNvSpPr/>
+          <p:nvPr/>
+        </p:nvSpPr>
+        <p:spPr>
+          <a:xfrm>
+            <a:off x="635726" y="1122571"/>
+            <a:ext cx="5059783" cy="369332"/>
+          </a:xfrm>
+          <a:prstGeom prst="rect">
+            <a:avLst/>
+          </a:prstGeom>
+        </p:spPr>
+        <p:txBody>
+          <a:bodyPr wrap="none">
+            <a:spAutoFit/>
+          </a:bodyPr>
+          <a:lstStyle/>
+          <a:p>
+            <a:r>
+              <a:rPr lang="en-US" dirty="0" smtClean="0"/>
+              <a:t>A. Wagner et al., </a:t>
+            </a:r>
+            <a:r>
+              <a:rPr lang="en-US" dirty="0" err="1" smtClean="0"/>
+              <a:t>Nucl</a:t>
+            </a:r>
+            <a:r>
+              <a:rPr lang="en-US" dirty="0" smtClean="0"/>
+              <a:t>. Instr. Meth. A 456 (2001) 290</a:t>
+            </a:r>
+            <a:endParaRPr lang="en-US" dirty="0"/>
+          </a:p>
+        </p:txBody>
+      </p:sp>
+      <p:pic>
+        <p:nvPicPr>
+          <p:cNvPr id="4" name="Picture 3"/>
+          <p:cNvPicPr>
+            <a:picLocks noChangeAspect="1"/>
+          </p:cNvPicPr>
+          <p:nvPr/>
+        </p:nvPicPr>
+        <p:blipFill>
+          <a:blip r:embed="rId2">
+            <a:extLst>
+              <a:ext uri="{28A0092B-C50C-407E-A947-70E740481C1C}">
+                <a14:useLocalDpi xmlns:a14="http://schemas.microsoft.com/office/drawing/2010/main" val="0"/>
+              </a:ext>
+            </a:extLst>
+          </a:blip>
+          <a:stretch>
+            <a:fillRect/>
+          </a:stretch>
+        </p:blipFill>
+        <p:spPr>
+          <a:xfrm>
+            <a:off x="635726" y="2429516"/>
+            <a:ext cx="2718924" cy="2087745"/>
+          </a:xfrm>
+          <a:prstGeom prst="rect">
+            <a:avLst/>
+          </a:prstGeom>
+        </p:spPr>
+      </p:pic>
+      <mc:AlternateContent xmlns:mc="http://schemas.openxmlformats.org/markup-compatibility/2006" xmlns:a14="http://schemas.microsoft.com/office/drawing/2010/main">
+        <mc:Choice Requires="a14">
+          <p:sp>
+            <p:nvSpPr>
+              <p:cNvPr id="10" name="TextBox 9"/>
+              <p:cNvSpPr txBox="1"/>
+              <p:nvPr/>
+            </p:nvSpPr>
+            <p:spPr>
+              <a:xfrm>
+                <a:off x="3968318" y="2201662"/>
+                <a:ext cx="8223682" cy="2074414"/>
+              </a:xfrm>
+              <a:prstGeom prst="rect">
+                <a:avLst/>
+              </a:prstGeom>
+              <a:noFill/>
+            </p:spPr>
+            <p:txBody>
+              <a:bodyPr wrap="square" rtlCol="0">
+                <a:spAutoFit/>
+              </a:bodyPr>
+              <a:lstStyle/>
+              <a:p>
+                <a:r>
+                  <a:rPr lang="en-US" dirty="0" smtClean="0"/>
+                  <a:t>A better fit quality is obtained by fitting isotopes of each Z with an individual empirical formula.</a:t>
+                </a:r>
+              </a:p>
+              <a:p>
+                <a:r>
+                  <a:rPr lang="en-US" b="0" dirty="0" smtClean="0"/>
+                  <a:t>For Z=3 </a:t>
+                </a:r>
+                <a:r>
+                  <a:rPr lang="en-US" b="0" dirty="0" smtClean="0">
+                    <a:sym typeface="Wingdings" panose="05000000000000000000" pitchFamily="2" charset="2"/>
+                  </a:rPr>
+                  <a:t> </a:t>
+                </a:r>
+                <a14:m>
+                  <m:oMath xmlns:m="http://schemas.openxmlformats.org/officeDocument/2006/math">
+                    <m:r>
+                      <a:rPr lang="en-US" b="0" i="1" smtClean="0">
+                        <a:latin typeface="Cambria Math" panose="02040503050406030204" pitchFamily="18" charset="0"/>
+                      </a:rPr>
+                      <m:t>𝐸</m:t>
+                    </m:r>
+                    <m:d>
+                      <m:dPr>
+                        <m:ctrlPr>
+                          <a:rPr lang="en-US" b="0" i="1" smtClean="0">
+                            <a:latin typeface="Cambria Math" panose="02040503050406030204" pitchFamily="18" charset="0"/>
+                          </a:rPr>
+                        </m:ctrlPr>
+                      </m:dPr>
+                      <m:e>
+                        <m:r>
+                          <a:rPr lang="en-US" b="0" i="1" smtClean="0">
+                            <a:latin typeface="Cambria Math" panose="02040503050406030204" pitchFamily="18" charset="0"/>
+                          </a:rPr>
+                          <m:t>𝐿</m:t>
+                        </m:r>
+                        <m:r>
+                          <a:rPr lang="en-US" b="0" i="1" smtClean="0">
+                            <a:latin typeface="Cambria Math" panose="02040503050406030204" pitchFamily="18" charset="0"/>
+                          </a:rPr>
+                          <m:t>,</m:t>
+                        </m:r>
+                        <m:r>
+                          <a:rPr lang="en-US" b="0" i="1" smtClean="0">
+                            <a:latin typeface="Cambria Math" panose="02040503050406030204" pitchFamily="18" charset="0"/>
+                          </a:rPr>
+                          <m:t>𝑍</m:t>
+                        </m:r>
+                        <m:r>
+                          <a:rPr lang="en-US" b="0" i="1" smtClean="0">
+                            <a:latin typeface="Cambria Math" panose="02040503050406030204" pitchFamily="18" charset="0"/>
+                          </a:rPr>
+                          <m:t>,</m:t>
+                        </m:r>
+                        <m:r>
+                          <a:rPr lang="en-US" b="0" i="1" smtClean="0">
+                            <a:latin typeface="Cambria Math" panose="02040503050406030204" pitchFamily="18" charset="0"/>
+                          </a:rPr>
+                          <m:t>𝐴</m:t>
+                        </m:r>
+                      </m:e>
+                    </m:d>
+                    <m:r>
+                      <a:rPr lang="en-US" b="0" i="1" smtClean="0">
+                        <a:latin typeface="Cambria Math" panose="02040503050406030204" pitchFamily="18" charset="0"/>
+                      </a:rPr>
+                      <m:t>=</m:t>
+                    </m:r>
+                    <m:r>
+                      <a:rPr lang="en-US" b="0" i="1" smtClean="0">
+                        <a:latin typeface="Cambria Math" panose="02040503050406030204" pitchFamily="18" charset="0"/>
+                      </a:rPr>
+                      <m:t>𝑎𝐴</m:t>
+                    </m:r>
+                    <m:sSup>
+                      <m:sSupPr>
+                        <m:ctrlPr>
+                          <a:rPr lang="en-US" b="0" i="1" smtClean="0">
+                            <a:latin typeface="Cambria Math" panose="02040503050406030204" pitchFamily="18" charset="0"/>
+                          </a:rPr>
+                        </m:ctrlPr>
+                      </m:sSupPr>
+                      <m:e>
+                        <m:r>
+                          <a:rPr lang="en-US" b="0" i="1" smtClean="0">
+                            <a:latin typeface="Cambria Math" panose="02040503050406030204" pitchFamily="18" charset="0"/>
+                          </a:rPr>
+                          <m:t>𝑍</m:t>
+                        </m:r>
+                      </m:e>
+                      <m:sup>
+                        <m:r>
+                          <a:rPr lang="en-US" b="0" i="1" smtClean="0">
+                            <a:latin typeface="Cambria Math" panose="02040503050406030204" pitchFamily="18" charset="0"/>
+                          </a:rPr>
+                          <m:t>2</m:t>
+                        </m:r>
+                      </m:sup>
+                    </m:sSup>
+                    <m:r>
+                      <a:rPr lang="en-US" b="0" i="1" smtClean="0">
+                        <a:latin typeface="Cambria Math" panose="02040503050406030204" pitchFamily="18" charset="0"/>
+                      </a:rPr>
+                      <m:t>𝐿</m:t>
+                    </m:r>
+                    <m:r>
+                      <a:rPr lang="en-US" b="0" i="1" smtClean="0">
+                        <a:latin typeface="Cambria Math" panose="02040503050406030204" pitchFamily="18" charset="0"/>
+                      </a:rPr>
+                      <m:t>+</m:t>
+                    </m:r>
+                    <m:r>
+                      <a:rPr lang="en-US" b="0" i="1" smtClean="0">
+                        <a:latin typeface="Cambria Math" panose="02040503050406030204" pitchFamily="18" charset="0"/>
+                      </a:rPr>
+                      <m:t>𝑏</m:t>
+                    </m:r>
+                    <m:d>
+                      <m:dPr>
+                        <m:ctrlPr>
+                          <a:rPr lang="en-US" b="0" i="1" smtClean="0">
+                            <a:latin typeface="Cambria Math" panose="02040503050406030204" pitchFamily="18" charset="0"/>
+                          </a:rPr>
+                        </m:ctrlPr>
+                      </m:dPr>
+                      <m:e>
+                        <m:r>
+                          <a:rPr lang="en-US" b="0" i="1" smtClean="0">
+                            <a:latin typeface="Cambria Math" panose="02040503050406030204" pitchFamily="18" charset="0"/>
+                          </a:rPr>
+                          <m:t>1+</m:t>
+                        </m:r>
+                        <m:r>
+                          <a:rPr lang="en-US" b="0" i="1" smtClean="0">
+                            <a:latin typeface="Cambria Math" panose="02040503050406030204" pitchFamily="18" charset="0"/>
+                          </a:rPr>
+                          <m:t>𝑐𝐴</m:t>
+                        </m:r>
+                        <m:sSup>
+                          <m:sSupPr>
+                            <m:ctrlPr>
+                              <a:rPr lang="en-US" b="0" i="1" smtClean="0">
+                                <a:latin typeface="Cambria Math" panose="02040503050406030204" pitchFamily="18" charset="0"/>
+                              </a:rPr>
+                            </m:ctrlPr>
+                          </m:sSupPr>
+                          <m:e>
+                            <m:r>
+                              <a:rPr lang="en-US" b="0" i="1" smtClean="0">
+                                <a:latin typeface="Cambria Math" panose="02040503050406030204" pitchFamily="18" charset="0"/>
+                              </a:rPr>
+                              <m:t>𝑍</m:t>
+                            </m:r>
+                          </m:e>
+                          <m:sup>
+                            <m:r>
+                              <a:rPr lang="en-US" b="0" i="1" smtClean="0">
+                                <a:latin typeface="Cambria Math" panose="02040503050406030204" pitchFamily="18" charset="0"/>
+                              </a:rPr>
+                              <m:t>2</m:t>
+                            </m:r>
+                          </m:sup>
+                        </m:sSup>
+                      </m:e>
+                    </m:d>
+                    <m:sSup>
+                      <m:sSupPr>
+                        <m:ctrlPr>
+                          <a:rPr lang="en-US" b="0" i="1" smtClean="0">
+                            <a:latin typeface="Cambria Math" panose="02040503050406030204" pitchFamily="18" charset="0"/>
+                          </a:rPr>
+                        </m:ctrlPr>
+                      </m:sSupPr>
+                      <m:e>
+                        <m:r>
+                          <a:rPr lang="en-US" b="0" i="1" smtClean="0">
+                            <a:latin typeface="Cambria Math" panose="02040503050406030204" pitchFamily="18" charset="0"/>
+                          </a:rPr>
+                          <m:t>𝐿</m:t>
+                        </m:r>
+                      </m:e>
+                      <m:sup>
+                        <m:r>
+                          <a:rPr lang="en-US" b="0" i="1" smtClean="0">
+                            <a:latin typeface="Cambria Math" panose="02040503050406030204" pitchFamily="18" charset="0"/>
+                          </a:rPr>
+                          <m:t>1−</m:t>
+                        </m:r>
+                        <m:r>
+                          <a:rPr lang="en-US" b="0" i="1" smtClean="0">
+                            <a:latin typeface="Cambria Math" panose="02040503050406030204" pitchFamily="18" charset="0"/>
+                          </a:rPr>
+                          <m:t>𝑑𝐴</m:t>
+                        </m:r>
+                        <m:sSup>
+                          <m:sSupPr>
+                            <m:ctrlPr>
+                              <a:rPr lang="en-US" b="0" i="1" smtClean="0">
+                                <a:latin typeface="Cambria Math" panose="02040503050406030204" pitchFamily="18" charset="0"/>
+                              </a:rPr>
+                            </m:ctrlPr>
+                          </m:sSupPr>
+                          <m:e>
+                            <m:r>
+                              <a:rPr lang="en-US" b="0" i="1" smtClean="0">
+                                <a:latin typeface="Cambria Math" panose="02040503050406030204" pitchFamily="18" charset="0"/>
+                              </a:rPr>
+                              <m:t>𝑍</m:t>
+                            </m:r>
+                          </m:e>
+                          <m:sup>
+                            <m:r>
+                              <a:rPr lang="en-US" b="0" i="1" smtClean="0">
+                                <a:latin typeface="Cambria Math" panose="02040503050406030204" pitchFamily="18" charset="0"/>
+                              </a:rPr>
+                              <m:t>2</m:t>
+                            </m:r>
+                          </m:sup>
+                        </m:sSup>
+                      </m:sup>
+                    </m:sSup>
+                  </m:oMath>
+                </a14:m>
+                <a:endParaRPr lang="en-US" dirty="0" smtClean="0"/>
+              </a:p>
+              <a:p>
+                <a:r>
+                  <a:rPr lang="en-US" b="0" dirty="0" smtClean="0"/>
+                  <a:t>For Z=2 </a:t>
+                </a:r>
+                <a:r>
+                  <a:rPr lang="en-US" b="0" dirty="0" smtClean="0">
+                    <a:sym typeface="Wingdings" panose="05000000000000000000" pitchFamily="2" charset="2"/>
+                  </a:rPr>
+                  <a:t> </a:t>
+                </a:r>
+                <a14:m>
+                  <m:oMath xmlns:m="http://schemas.openxmlformats.org/officeDocument/2006/math">
+                    <m:r>
+                      <a:rPr lang="en-US" b="0" i="1" smtClean="0">
+                        <a:latin typeface="Cambria Math" panose="02040503050406030204" pitchFamily="18" charset="0"/>
+                      </a:rPr>
+                      <m:t>𝐸</m:t>
+                    </m:r>
+                    <m:d>
+                      <m:dPr>
+                        <m:ctrlPr>
+                          <a:rPr lang="en-US" b="0" i="1" smtClean="0">
+                            <a:latin typeface="Cambria Math" panose="02040503050406030204" pitchFamily="18" charset="0"/>
+                          </a:rPr>
+                        </m:ctrlPr>
+                      </m:dPr>
+                      <m:e>
+                        <m:r>
+                          <a:rPr lang="en-US" b="0" i="1" smtClean="0">
+                            <a:latin typeface="Cambria Math" panose="02040503050406030204" pitchFamily="18" charset="0"/>
+                          </a:rPr>
+                          <m:t>𝐿</m:t>
+                        </m:r>
+                      </m:e>
+                    </m:d>
+                    <m:r>
+                      <a:rPr lang="en-US" b="0" i="1" smtClean="0">
+                        <a:latin typeface="Cambria Math" panose="02040503050406030204" pitchFamily="18" charset="0"/>
+                      </a:rPr>
+                      <m:t>=</m:t>
+                    </m:r>
+                    <m:r>
+                      <a:rPr lang="en-US" b="0" i="1" smtClean="0">
+                        <a:latin typeface="Cambria Math" panose="02040503050406030204" pitchFamily="18" charset="0"/>
+                      </a:rPr>
+                      <m:t>𝑎𝐿</m:t>
+                    </m:r>
+                    <m:r>
+                      <a:rPr lang="en-US" b="0" i="1" smtClean="0">
+                        <a:latin typeface="Cambria Math" panose="02040503050406030204" pitchFamily="18" charset="0"/>
+                      </a:rPr>
+                      <m:t>+</m:t>
+                    </m:r>
+                    <m:r>
+                      <a:rPr lang="en-US" b="0" i="1" smtClean="0">
+                        <a:latin typeface="Cambria Math" panose="02040503050406030204" pitchFamily="18" charset="0"/>
+                      </a:rPr>
+                      <m:t>𝑏</m:t>
+                    </m:r>
+                    <m:sSup>
+                      <m:sSupPr>
+                        <m:ctrlPr>
+                          <a:rPr lang="en-US" b="0" i="1" smtClean="0">
+                            <a:latin typeface="Cambria Math" panose="02040503050406030204" pitchFamily="18" charset="0"/>
+                          </a:rPr>
+                        </m:ctrlPr>
+                      </m:sSupPr>
+                      <m:e>
+                        <m:r>
+                          <a:rPr lang="en-US" b="0" i="1" smtClean="0">
+                            <a:latin typeface="Cambria Math" panose="02040503050406030204" pitchFamily="18" charset="0"/>
+                          </a:rPr>
+                          <m:t>𝐴</m:t>
+                        </m:r>
+                      </m:e>
+                      <m:sup>
+                        <m:r>
+                          <a:rPr lang="en-US" b="0" i="1" smtClean="0">
+                            <a:latin typeface="Cambria Math" panose="02040503050406030204" pitchFamily="18" charset="0"/>
+                          </a:rPr>
+                          <m:t>𝑐</m:t>
+                        </m:r>
+                      </m:sup>
+                    </m:sSup>
+                    <m:r>
+                      <a:rPr lang="en-US" b="0" i="1" smtClean="0">
+                        <a:latin typeface="Cambria Math" panose="02040503050406030204" pitchFamily="18" charset="0"/>
+                      </a:rPr>
+                      <m:t>[1−</m:t>
+                    </m:r>
+                    <m:sSup>
+                      <m:sSupPr>
+                        <m:ctrlPr>
+                          <a:rPr lang="en-US" b="0" i="1" smtClean="0">
+                            <a:latin typeface="Cambria Math" panose="02040503050406030204" pitchFamily="18" charset="0"/>
+                          </a:rPr>
+                        </m:ctrlPr>
+                      </m:sSupPr>
+                      <m:e>
+                        <m:r>
+                          <a:rPr lang="en-US" b="0" i="1" smtClean="0">
+                            <a:latin typeface="Cambria Math" panose="02040503050406030204" pitchFamily="18" charset="0"/>
+                          </a:rPr>
+                          <m:t>𝑒</m:t>
+                        </m:r>
+                      </m:e>
+                      <m:sup>
+                        <m:r>
+                          <a:rPr lang="en-US" b="0" i="1" smtClean="0">
+                            <a:latin typeface="Cambria Math" panose="02040503050406030204" pitchFamily="18" charset="0"/>
+                          </a:rPr>
+                          <m:t>𝑑𝐿</m:t>
+                        </m:r>
+                      </m:sup>
+                    </m:sSup>
+                    <m:r>
+                      <a:rPr lang="en-US" b="0" i="1" smtClean="0">
+                        <a:latin typeface="Cambria Math" panose="02040503050406030204" pitchFamily="18" charset="0"/>
+                      </a:rPr>
+                      <m:t>]</m:t>
+                    </m:r>
+                  </m:oMath>
+                </a14:m>
+                <a:endParaRPr lang="en-US" dirty="0" smtClean="0"/>
+              </a:p>
+              <a:p>
+                <a:r>
+                  <a:rPr lang="en-US" dirty="0" smtClean="0"/>
+                  <a:t>For Z=1 </a:t>
+                </a:r>
+                <a:r>
+                  <a:rPr lang="en-US" dirty="0" smtClean="0">
+                    <a:sym typeface="Wingdings" panose="05000000000000000000" pitchFamily="2" charset="2"/>
+                  </a:rPr>
+                  <a:t> </a:t>
+                </a:r>
+                <a14:m>
+                  <m:oMath xmlns:m="http://schemas.openxmlformats.org/officeDocument/2006/math">
+                    <m:r>
+                      <a:rPr lang="en-US" b="0" i="1" smtClean="0">
+                        <a:latin typeface="Cambria Math" panose="02040503050406030204" pitchFamily="18" charset="0"/>
+                      </a:rPr>
+                      <m:t>𝐸</m:t>
+                    </m:r>
+                    <m:d>
+                      <m:dPr>
+                        <m:ctrlPr>
+                          <a:rPr lang="en-US" b="0" i="1" smtClean="0">
+                            <a:latin typeface="Cambria Math" panose="02040503050406030204" pitchFamily="18" charset="0"/>
+                          </a:rPr>
+                        </m:ctrlPr>
+                      </m:dPr>
+                      <m:e>
+                        <m:r>
+                          <a:rPr lang="en-US" b="0" i="1" smtClean="0">
+                            <a:latin typeface="Cambria Math" panose="02040503050406030204" pitchFamily="18" charset="0"/>
+                          </a:rPr>
+                          <m:t>𝐿</m:t>
+                        </m:r>
+                      </m:e>
+                    </m:d>
+                    <m:r>
+                      <a:rPr lang="en-US" b="0" i="1" smtClean="0">
+                        <a:latin typeface="Cambria Math" panose="02040503050406030204" pitchFamily="18" charset="0"/>
+                      </a:rPr>
+                      <m:t>=</m:t>
+                    </m:r>
+                    <m:r>
+                      <a:rPr lang="en-US" b="0" i="1" smtClean="0">
+                        <a:latin typeface="Cambria Math" panose="02040503050406030204" pitchFamily="18" charset="0"/>
+                      </a:rPr>
+                      <m:t>𝑎𝐿</m:t>
+                    </m:r>
+                    <m:r>
+                      <a:rPr lang="en-US" b="0" i="1" smtClean="0">
+                        <a:latin typeface="Cambria Math" panose="02040503050406030204" pitchFamily="18" charset="0"/>
+                      </a:rPr>
+                      <m:t>+</m:t>
+                    </m:r>
+                    <m:r>
+                      <a:rPr lang="en-US" b="0" i="1" smtClean="0">
+                        <a:latin typeface="Cambria Math" panose="02040503050406030204" pitchFamily="18" charset="0"/>
+                      </a:rPr>
+                      <m:t>𝑏</m:t>
+                    </m:r>
+                  </m:oMath>
+                </a14:m>
+                <a:endParaRPr lang="en-US" dirty="0" smtClean="0"/>
+              </a:p>
+              <a:p>
+                <a:endParaRPr lang="en-US" dirty="0"/>
+              </a:p>
+              <a:p>
+                <a:r>
+                  <a:rPr lang="en-US" dirty="0" smtClean="0"/>
+                  <a:t>Only 1 calibration point is present for 1H!</a:t>
+                </a:r>
+              </a:p>
+            </p:txBody>
+          </p:sp>
+        </mc:Choice>
+        <mc:Fallback xmlns="">
+          <p:sp>
+            <p:nvSpPr>
+              <p:cNvPr id="10" name="TextBox 9"/>
+              <p:cNvSpPr txBox="1">
+                <a:spLocks noRot="1" noChangeAspect="1" noMove="1" noResize="1" noEditPoints="1" noAdjustHandles="1" noChangeArrowheads="1" noChangeShapeType="1" noTextEdit="1"/>
+              </p:cNvSpPr>
+              <p:nvPr/>
+            </p:nvSpPr>
+            <p:spPr>
+              <a:xfrm>
+                <a:off x="3968318" y="2201662"/>
+                <a:ext cx="8223682" cy="2074414"/>
+              </a:xfrm>
+              <a:prstGeom prst="rect">
+                <a:avLst/>
+              </a:prstGeom>
+              <a:blipFill rotWithShape="0">
+                <a:blip r:embed="rId3"/>
+                <a:stretch>
+                  <a:fillRect l="-667" t="-1471" r="-741" b="-3824"/>
+                </a:stretch>
+              </a:blipFill>
+            </p:spPr>
+            <p:txBody>
+              <a:bodyPr/>
+              <a:lstStyle/>
+              <a:p>
+                <a:r>
+                  <a:rPr lang="en-US">
+                    <a:noFill/>
+                  </a:rPr>
+                  <a:t> </a:t>
+                </a:r>
+              </a:p>
+            </p:txBody>
+          </p:sp>
+        </mc:Fallback>
+      </mc:AlternateContent>
     </p:spTree>
     <p:extLst>
       <p:ext uri="{BB962C8B-B14F-4D97-AF65-F5344CB8AC3E}">
-        <p14:creationId xmlns:p14="http://schemas.microsoft.com/office/powerpoint/2010/main" val="4032486691"/>
+        <p14:creationId xmlns:p14="http://schemas.microsoft.com/office/powerpoint/2010/main" val="3232579096"/>
       </p:ext>
     </p:extLst>
   </p:cSld>
   <p:clrMapOvr>
     <a:masterClrMapping/>
   </p:clrMapOvr>
+  <p:timing>
+    <p:tnLst>
+      <p:par>
+        <p:cTn id="1" dur="indefinite" restart="never" nodeType="tmRoot"/>
+      </p:par>
+    </p:tnLst>
+  </p:timing>
 </p:sld>
 </file>
 
@@ -16641,7 +18544,7 @@
     </p:spTree>
     <p:extLst>
       <p:ext uri="{BB962C8B-B14F-4D97-AF65-F5344CB8AC3E}">
-        <p14:creationId xmlns:p14="http://schemas.microsoft.com/office/powerpoint/2010/main" val="3692488892"/>
+        <p14:creationId xmlns:p14="http://schemas.microsoft.com/office/powerpoint/2010/main" val="3837352207"/>
       </p:ext>
     </p:extLst>
   </p:cSld>
@@ -16671,7 +18574,7 @@
     </p:spTree>
     <p:extLst>
       <p:ext uri="{BB962C8B-B14F-4D97-AF65-F5344CB8AC3E}">
-        <p14:creationId xmlns:p14="http://schemas.microsoft.com/office/powerpoint/2010/main" val="3342750008"/>
+        <p14:creationId xmlns:p14="http://schemas.microsoft.com/office/powerpoint/2010/main" val="4032486691"/>
       </p:ext>
     </p:extLst>
   </p:cSld>
@@ -16698,48 +18601,10 @@
           <a:chExt cx="0" cy="0"/>
         </a:xfrm>
       </p:grpSpPr>
-      <p:sp>
-        <p:nvSpPr>
-          <p:cNvPr id="2" name="文本框 1"/>
-          <p:cNvSpPr txBox="1"/>
-          <p:nvPr/>
-        </p:nvSpPr>
-        <p:spPr>
-          <a:xfrm>
-            <a:off x="3131984" y="2257689"/>
-            <a:ext cx="6567828" cy="769441"/>
-          </a:xfrm>
-          <a:prstGeom prst="rect">
-            <a:avLst/>
-          </a:prstGeom>
-          <a:noFill/>
-        </p:spPr>
-        <p:txBody>
-          <a:bodyPr wrap="square" rtlCol="0">
-            <a:spAutoFit/>
-          </a:bodyPr>
-          <a:lstStyle/>
-          <a:p>
-            <a:r>
-              <a:rPr lang="en-US" altLang="zh-CN" sz="4400" b="1" u="sng" dirty="0" smtClean="0">
-                <a:solidFill>
-                  <a:schemeClr val="tx1">
-                    <a:lumMod val="95000"/>
-                    <a:lumOff val="5000"/>
-                  </a:schemeClr>
-                </a:solidFill>
-                <a:latin typeface="Times New Roman" panose="02020603050405020304" pitchFamily="18" charset="0"/>
-                <a:cs typeface="Times New Roman" panose="02020603050405020304" pitchFamily="18" charset="0"/>
-              </a:rPr>
-              <a:t>  Some basic questions?</a:t>
-            </a:r>
-          </a:p>
-        </p:txBody>
-      </p:sp>
     </p:spTree>
     <p:extLst>
       <p:ext uri="{BB962C8B-B14F-4D97-AF65-F5344CB8AC3E}">
-        <p14:creationId xmlns:p14="http://schemas.microsoft.com/office/powerpoint/2010/main" val="1562348940"/>
+        <p14:creationId xmlns:p14="http://schemas.microsoft.com/office/powerpoint/2010/main" val="3692488892"/>
       </p:ext>
     </p:extLst>
   </p:cSld>
@@ -16766,76 +18631,10 @@
           <a:chExt cx="0" cy="0"/>
         </a:xfrm>
       </p:grpSpPr>
-      <p:pic>
-        <p:nvPicPr>
-          <p:cNvPr id="2" name="图片 16"/>
-          <p:cNvPicPr>
-            <a:picLocks noChangeAspect="1"/>
-          </p:cNvPicPr>
-          <p:nvPr/>
-        </p:nvPicPr>
-        <p:blipFill>
-          <a:blip r:embed="rId2">
-            <a:extLst>
-              <a:ext uri="{28A0092B-C50C-407E-A947-70E740481C1C}">
-                <a14:useLocalDpi xmlns:a14="http://schemas.microsoft.com/office/drawing/2010/main" val="0"/>
-              </a:ext>
-            </a:extLst>
-          </a:blip>
-          <a:stretch>
-            <a:fillRect/>
-          </a:stretch>
-        </p:blipFill>
-        <p:spPr>
-          <a:xfrm>
-            <a:off x="6223001" y="2034988"/>
-            <a:ext cx="5673163" cy="4059368"/>
-          </a:xfrm>
-          <a:prstGeom prst="rect">
-            <a:avLst/>
-          </a:prstGeom>
-        </p:spPr>
-      </p:pic>
-      <p:sp>
-        <p:nvSpPr>
-          <p:cNvPr id="3" name="TextBox 2"/>
-          <p:cNvSpPr txBox="1"/>
-          <p:nvPr/>
-        </p:nvSpPr>
-        <p:spPr>
-          <a:xfrm>
-            <a:off x="466165" y="448235"/>
-            <a:ext cx="4312023" cy="369332"/>
-          </a:xfrm>
-          <a:prstGeom prst="rect">
-            <a:avLst/>
-          </a:prstGeom>
-          <a:noFill/>
-        </p:spPr>
-        <p:txBody>
-          <a:bodyPr wrap="square" rtlCol="0">
-            <a:spAutoFit/>
-          </a:bodyPr>
-          <a:lstStyle/>
-          <a:p>
-            <a:r>
-              <a:rPr lang="en-US" b="1" u="sng" dirty="0" smtClean="0">
-                <a:latin typeface="Times New Roman" panose="02020603050405020304" pitchFamily="18" charset="0"/>
-                <a:cs typeface="Times New Roman" panose="02020603050405020304" pitchFamily="18" charset="0"/>
-              </a:rPr>
-              <a:t>Q1: How to build the ∆E-E spectra?</a:t>
-            </a:r>
-            <a:endParaRPr lang="en-US" b="1" u="sng" dirty="0">
-              <a:latin typeface="Times New Roman" panose="02020603050405020304" pitchFamily="18" charset="0"/>
-              <a:cs typeface="Times New Roman" panose="02020603050405020304" pitchFamily="18" charset="0"/>
-            </a:endParaRPr>
-          </a:p>
-        </p:txBody>
-      </p:sp>
     </p:spTree>
     <p:extLst>
       <p:ext uri="{BB962C8B-B14F-4D97-AF65-F5344CB8AC3E}">
-        <p14:creationId xmlns:p14="http://schemas.microsoft.com/office/powerpoint/2010/main" val="1846347787"/>
+        <p14:creationId xmlns:p14="http://schemas.microsoft.com/office/powerpoint/2010/main" val="3342750008"/>
       </p:ext>
     </p:extLst>
   </p:cSld>
@@ -16862,9 +18661,77 @@
           <a:chExt cx="0" cy="0"/>
         </a:xfrm>
       </p:grpSpPr>
+      <p:sp>
+        <p:nvSpPr>
+          <p:cNvPr id="2" name="文本框 1"/>
+          <p:cNvSpPr txBox="1"/>
+          <p:nvPr/>
+        </p:nvSpPr>
+        <p:spPr>
+          <a:xfrm>
+            <a:off x="3131984" y="2257689"/>
+            <a:ext cx="6567828" cy="769441"/>
+          </a:xfrm>
+          <a:prstGeom prst="rect">
+            <a:avLst/>
+          </a:prstGeom>
+          <a:noFill/>
+        </p:spPr>
+        <p:txBody>
+          <a:bodyPr wrap="square" rtlCol="0">
+            <a:spAutoFit/>
+          </a:bodyPr>
+          <a:lstStyle/>
+          <a:p>
+            <a:r>
+              <a:rPr lang="en-US" altLang="zh-CN" sz="4400" b="1" u="sng" dirty="0" smtClean="0">
+                <a:solidFill>
+                  <a:schemeClr val="tx1">
+                    <a:lumMod val="95000"/>
+                    <a:lumOff val="5000"/>
+                  </a:schemeClr>
+                </a:solidFill>
+                <a:latin typeface="Times New Roman" panose="02020603050405020304" pitchFamily="18" charset="0"/>
+                <a:cs typeface="Times New Roman" panose="02020603050405020304" pitchFamily="18" charset="0"/>
+              </a:rPr>
+              <a:t>  Some basic questions?</a:t>
+            </a:r>
+          </a:p>
+        </p:txBody>
+      </p:sp>
+    </p:spTree>
+    <p:extLst>
+      <p:ext uri="{BB962C8B-B14F-4D97-AF65-F5344CB8AC3E}">
+        <p14:creationId xmlns:p14="http://schemas.microsoft.com/office/powerpoint/2010/main" val="1562348940"/>
+      </p:ext>
+    </p:extLst>
+  </p:cSld>
+  <p:clrMapOvr>
+    <a:masterClrMapping/>
+  </p:clrMapOvr>
+</p:sld>
+</file>
+
+<file path=ppt/slides/slide45.xml><?xml version="1.0" encoding="utf-8"?>
+<p:sld xmlns:a="http://schemas.openxmlformats.org/drawingml/2006/main" xmlns:r="http://schemas.openxmlformats.org/officeDocument/2006/relationships" xmlns:p="http://schemas.openxmlformats.org/presentationml/2006/main">
+  <p:cSld>
+    <p:spTree>
+      <p:nvGrpSpPr>
+        <p:cNvPr id="1" name=""/>
+        <p:cNvGrpSpPr/>
+        <p:nvPr/>
+      </p:nvGrpSpPr>
+      <p:grpSpPr>
+        <a:xfrm>
+          <a:off x="0" y="0"/>
+          <a:ext cx="0" cy="0"/>
+          <a:chOff x="0" y="0"/>
+          <a:chExt cx="0" cy="0"/>
+        </a:xfrm>
+      </p:grpSpPr>
       <p:pic>
         <p:nvPicPr>
-          <p:cNvPr id="2" name="图片 3"/>
+          <p:cNvPr id="2" name="图片 16"/>
           <p:cNvPicPr>
             <a:picLocks noChangeAspect="1"/>
           </p:cNvPicPr>
@@ -16884,6 +18751,102 @@
         </p:blipFill>
         <p:spPr>
           <a:xfrm>
+            <a:off x="6223001" y="2034988"/>
+            <a:ext cx="5673163" cy="4059368"/>
+          </a:xfrm>
+          <a:prstGeom prst="rect">
+            <a:avLst/>
+          </a:prstGeom>
+        </p:spPr>
+      </p:pic>
+      <p:sp>
+        <p:nvSpPr>
+          <p:cNvPr id="3" name="TextBox 2"/>
+          <p:cNvSpPr txBox="1"/>
+          <p:nvPr/>
+        </p:nvSpPr>
+        <p:spPr>
+          <a:xfrm>
+            <a:off x="466165" y="448235"/>
+            <a:ext cx="4312023" cy="369332"/>
+          </a:xfrm>
+          <a:prstGeom prst="rect">
+            <a:avLst/>
+          </a:prstGeom>
+          <a:noFill/>
+        </p:spPr>
+        <p:txBody>
+          <a:bodyPr wrap="square" rtlCol="0">
+            <a:spAutoFit/>
+          </a:bodyPr>
+          <a:lstStyle/>
+          <a:p>
+            <a:r>
+              <a:rPr lang="en-US" b="1" u="sng" dirty="0" smtClean="0">
+                <a:latin typeface="Times New Roman" panose="02020603050405020304" pitchFamily="18" charset="0"/>
+                <a:cs typeface="Times New Roman" panose="02020603050405020304" pitchFamily="18" charset="0"/>
+              </a:rPr>
+              <a:t>Q1: How to build the ∆E-E spectra?</a:t>
+            </a:r>
+            <a:endParaRPr lang="en-US" b="1" u="sng" dirty="0">
+              <a:latin typeface="Times New Roman" panose="02020603050405020304" pitchFamily="18" charset="0"/>
+              <a:cs typeface="Times New Roman" panose="02020603050405020304" pitchFamily="18" charset="0"/>
+            </a:endParaRPr>
+          </a:p>
+        </p:txBody>
+      </p:sp>
+    </p:spTree>
+    <p:extLst>
+      <p:ext uri="{BB962C8B-B14F-4D97-AF65-F5344CB8AC3E}">
+        <p14:creationId xmlns:p14="http://schemas.microsoft.com/office/powerpoint/2010/main" val="1846347787"/>
+      </p:ext>
+    </p:extLst>
+  </p:cSld>
+  <p:clrMapOvr>
+    <a:masterClrMapping/>
+  </p:clrMapOvr>
+</p:sld>
+</file>
+
+<file path=ppt/slides/slide46.xml><?xml version="1.0" encoding="utf-8"?>
+<p:sld xmlns:a="http://schemas.openxmlformats.org/drawingml/2006/main" xmlns:r="http://schemas.openxmlformats.org/officeDocument/2006/relationships" xmlns:p="http://schemas.openxmlformats.org/presentationml/2006/main">
+  <p:cSld>
+    <p:spTree>
+      <p:nvGrpSpPr>
+        <p:cNvPr id="1" name=""/>
+        <p:cNvGrpSpPr/>
+        <p:nvPr/>
+      </p:nvGrpSpPr>
+      <p:grpSpPr>
+        <a:xfrm>
+          <a:off x="0" y="0"/>
+          <a:ext cx="0" cy="0"/>
+          <a:chOff x="0" y="0"/>
+          <a:chExt cx="0" cy="0"/>
+        </a:xfrm>
+      </p:grpSpPr>
+      <p:pic>
+        <p:nvPicPr>
+          <p:cNvPr id="2" name="图片 3"/>
+          <p:cNvPicPr>
+            <a:picLocks noChangeAspect="1"/>
+          </p:cNvPicPr>
+          <p:nvPr/>
+        </p:nvPicPr>
+        <p:blipFill>
+          <a:blip r:embed="rId2">
+            <a:extLst>
+              <a:ext uri="{28A0092B-C50C-407E-A947-70E740481C1C}">
+                <a14:useLocalDpi xmlns:a14="http://schemas.microsoft.com/office/drawing/2010/main" val="0"/>
+              </a:ext>
+            </a:extLst>
+          </a:blip>
+          <a:stretch>
+            <a:fillRect/>
+          </a:stretch>
+        </p:blipFill>
+        <p:spPr>
+          <a:xfrm>
             <a:off x="8397471" y="1497620"/>
             <a:ext cx="2782282" cy="4675895"/>
           </a:xfrm>
@@ -16941,7 +18904,7 @@
 </p:sld>
 </file>
 
-<file path=ppt/slides/slide45.xml><?xml version="1.0" encoding="utf-8"?>
+<file path=ppt/slides/slide47.xml><?xml version="1.0" encoding="utf-8"?>
 <p:sld xmlns:a="http://schemas.openxmlformats.org/drawingml/2006/main" xmlns:r="http://schemas.openxmlformats.org/officeDocument/2006/relationships" xmlns:p="http://schemas.openxmlformats.org/presentationml/2006/main">
   <p:cSld>
     <p:spTree>

--- a/2018Oct-Tutorial_HiRACsICalibrations.pptx
+++ b/2018Oct-Tutorial_HiRACsICalibrations.pptx
@@ -5,7 +5,7 @@
     <p:sldMasterId id="2147483648" r:id="rId1"/>
   </p:sldMasterIdLst>
   <p:notesMasterIdLst>
-    <p:notesMasterId r:id="rId49"/>
+    <p:notesMasterId r:id="rId51"/>
   </p:notesMasterIdLst>
   <p:sldIdLst>
     <p:sldId id="256" r:id="rId2"/>
@@ -44,17 +44,19 @@
     <p:sldId id="298" r:id="rId35"/>
     <p:sldId id="262" r:id="rId36"/>
     <p:sldId id="270" r:id="rId37"/>
-    <p:sldId id="263" r:id="rId38"/>
-    <p:sldId id="305" r:id="rId39"/>
-    <p:sldId id="306" r:id="rId40"/>
-    <p:sldId id="264" r:id="rId41"/>
-    <p:sldId id="271" r:id="rId42"/>
-    <p:sldId id="272" r:id="rId43"/>
-    <p:sldId id="273" r:id="rId44"/>
-    <p:sldId id="274" r:id="rId45"/>
-    <p:sldId id="275" r:id="rId46"/>
-    <p:sldId id="276" r:id="rId47"/>
-    <p:sldId id="302" r:id="rId48"/>
+    <p:sldId id="307" r:id="rId38"/>
+    <p:sldId id="308" r:id="rId39"/>
+    <p:sldId id="309" r:id="rId40"/>
+    <p:sldId id="310" r:id="rId41"/>
+    <p:sldId id="311" r:id="rId42"/>
+    <p:sldId id="312" r:id="rId43"/>
+    <p:sldId id="313" r:id="rId44"/>
+    <p:sldId id="305" r:id="rId45"/>
+    <p:sldId id="272" r:id="rId46"/>
+    <p:sldId id="274" r:id="rId47"/>
+    <p:sldId id="275" r:id="rId48"/>
+    <p:sldId id="276" r:id="rId49"/>
+    <p:sldId id="302" r:id="rId50"/>
   </p:sldIdLst>
   <p:sldSz cx="12192000" cy="6858000"/>
   <p:notesSz cx="6858000" cy="9144000"/>
@@ -243,7 +245,7 @@
           <a:p>
             <a:fld id="{56884FD5-078F-452E-9E34-3872B0A18C88}" type="datetimeFigureOut">
               <a:rPr lang="en-US" smtClean="0"/>
-              <a:t>11/1/2018</a:t>
+              <a:t>11/4/2018</a:t>
             </a:fld>
             <a:endParaRPr lang="en-US"/>
           </a:p>
@@ -810,7 +812,7 @@
           <a:p>
             <a:fld id="{2AB85655-92EE-4FFE-AD52-8C3D789CC0B5}" type="datetimeFigureOut">
               <a:rPr lang="en-US" smtClean="0"/>
-              <a:t>11/1/2018</a:t>
+              <a:t>11/4/2018</a:t>
             </a:fld>
             <a:endParaRPr lang="en-US"/>
           </a:p>
@@ -980,7 +982,7 @@
           <a:p>
             <a:fld id="{2AB85655-92EE-4FFE-AD52-8C3D789CC0B5}" type="datetimeFigureOut">
               <a:rPr lang="en-US" smtClean="0"/>
-              <a:t>11/1/2018</a:t>
+              <a:t>11/4/2018</a:t>
             </a:fld>
             <a:endParaRPr lang="en-US"/>
           </a:p>
@@ -1160,7 +1162,7 @@
           <a:p>
             <a:fld id="{2AB85655-92EE-4FFE-AD52-8C3D789CC0B5}" type="datetimeFigureOut">
               <a:rPr lang="en-US" smtClean="0"/>
-              <a:t>11/1/2018</a:t>
+              <a:t>11/4/2018</a:t>
             </a:fld>
             <a:endParaRPr lang="en-US"/>
           </a:p>
@@ -1330,7 +1332,7 @@
           <a:p>
             <a:fld id="{2AB85655-92EE-4FFE-AD52-8C3D789CC0B5}" type="datetimeFigureOut">
               <a:rPr lang="en-US" smtClean="0"/>
-              <a:t>11/1/2018</a:t>
+              <a:t>11/4/2018</a:t>
             </a:fld>
             <a:endParaRPr lang="en-US"/>
           </a:p>
@@ -1576,7 +1578,7 @@
           <a:p>
             <a:fld id="{2AB85655-92EE-4FFE-AD52-8C3D789CC0B5}" type="datetimeFigureOut">
               <a:rPr lang="en-US" smtClean="0"/>
-              <a:t>11/1/2018</a:t>
+              <a:t>11/4/2018</a:t>
             </a:fld>
             <a:endParaRPr lang="en-US"/>
           </a:p>
@@ -1808,7 +1810,7 @@
           <a:p>
             <a:fld id="{2AB85655-92EE-4FFE-AD52-8C3D789CC0B5}" type="datetimeFigureOut">
               <a:rPr lang="en-US" smtClean="0"/>
-              <a:t>11/1/2018</a:t>
+              <a:t>11/4/2018</a:t>
             </a:fld>
             <a:endParaRPr lang="en-US"/>
           </a:p>
@@ -2175,7 +2177,7 @@
           <a:p>
             <a:fld id="{2AB85655-92EE-4FFE-AD52-8C3D789CC0B5}" type="datetimeFigureOut">
               <a:rPr lang="en-US" smtClean="0"/>
-              <a:t>11/1/2018</a:t>
+              <a:t>11/4/2018</a:t>
             </a:fld>
             <a:endParaRPr lang="en-US"/>
           </a:p>
@@ -2293,7 +2295,7 @@
           <a:p>
             <a:fld id="{2AB85655-92EE-4FFE-AD52-8C3D789CC0B5}" type="datetimeFigureOut">
               <a:rPr lang="en-US" smtClean="0"/>
-              <a:t>11/1/2018</a:t>
+              <a:t>11/4/2018</a:t>
             </a:fld>
             <a:endParaRPr lang="en-US"/>
           </a:p>
@@ -2388,7 +2390,7 @@
           <a:p>
             <a:fld id="{2AB85655-92EE-4FFE-AD52-8C3D789CC0B5}" type="datetimeFigureOut">
               <a:rPr lang="en-US" smtClean="0"/>
-              <a:t>11/1/2018</a:t>
+              <a:t>11/4/2018</a:t>
             </a:fld>
             <a:endParaRPr lang="en-US"/>
           </a:p>
@@ -2665,7 +2667,7 @@
           <a:p>
             <a:fld id="{2AB85655-92EE-4FFE-AD52-8C3D789CC0B5}" type="datetimeFigureOut">
               <a:rPr lang="en-US" smtClean="0"/>
-              <a:t>11/1/2018</a:t>
+              <a:t>11/4/2018</a:t>
             </a:fld>
             <a:endParaRPr lang="en-US"/>
           </a:p>
@@ -2918,7 +2920,7 @@
           <a:p>
             <a:fld id="{2AB85655-92EE-4FFE-AD52-8C3D789CC0B5}" type="datetimeFigureOut">
               <a:rPr lang="en-US" smtClean="0"/>
-              <a:t>11/1/2018</a:t>
+              <a:t>11/4/2018</a:t>
             </a:fld>
             <a:endParaRPr lang="en-US"/>
           </a:p>
@@ -3131,7 +3133,7 @@
           <a:p>
             <a:fld id="{2AB85655-92EE-4FFE-AD52-8C3D789CC0B5}" type="datetimeFigureOut">
               <a:rPr lang="en-US" smtClean="0"/>
-              <a:t>11/1/2018</a:t>
+              <a:t>11/4/2018</a:t>
             </a:fld>
             <a:endParaRPr lang="en-US"/>
           </a:p>
@@ -16295,450 +16297,16 @@
           <a:chExt cx="0" cy="0"/>
         </a:xfrm>
       </p:grpSpPr>
-      <p:sp>
-        <p:nvSpPr>
-          <p:cNvPr id="2" name="TextBox 1"/>
-          <p:cNvSpPr txBox="1"/>
-          <p:nvPr/>
-        </p:nvSpPr>
-        <p:spPr>
-          <a:xfrm>
-            <a:off x="181069" y="353085"/>
-            <a:ext cx="4481465" cy="369332"/>
-          </a:xfrm>
-          <a:prstGeom prst="rect">
-            <a:avLst/>
-          </a:prstGeom>
-          <a:noFill/>
-        </p:spPr>
-        <p:txBody>
-          <a:bodyPr wrap="square" rtlCol="0">
-            <a:spAutoFit/>
-          </a:bodyPr>
-          <a:lstStyle/>
-          <a:p>
-            <a:r>
-              <a:rPr lang="en-US" dirty="0" smtClean="0"/>
-              <a:t>● Formulas used to fit</a:t>
-            </a:r>
-            <a:endParaRPr lang="en-US" dirty="0"/>
-          </a:p>
-        </p:txBody>
-      </p:sp>
-      <mc:AlternateContent xmlns:mc="http://schemas.openxmlformats.org/markup-compatibility/2006" xmlns:a14="http://schemas.microsoft.com/office/drawing/2010/main">
-        <mc:Choice Requires="a14">
-          <p:sp>
-            <p:nvSpPr>
-              <p:cNvPr id="3" name="TextBox 2"/>
-              <p:cNvSpPr txBox="1"/>
-              <p:nvPr/>
-            </p:nvSpPr>
-            <p:spPr>
-              <a:xfrm>
-                <a:off x="416458" y="1092142"/>
-                <a:ext cx="6880813" cy="1084977"/>
-              </a:xfrm>
-              <a:prstGeom prst="rect">
-                <a:avLst/>
-              </a:prstGeom>
-              <a:noFill/>
-            </p:spPr>
-            <p:txBody>
-              <a:bodyPr wrap="square" rtlCol="0">
-                <a:spAutoFit/>
-              </a:bodyPr>
-              <a:lstStyle/>
-              <a:p>
-                <a:r>
-                  <a:rPr lang="en-US" dirty="0" smtClean="0"/>
-                  <a:t>For Z=1, Fenhai Formula:  </a:t>
-                </a:r>
-                <a14:m>
-                  <m:oMath xmlns:m="http://schemas.openxmlformats.org/officeDocument/2006/math">
-                    <m:r>
-                      <a:rPr lang="en-US" b="1" i="1" smtClean="0">
-                        <a:latin typeface="Cambria Math" panose="02040503050406030204" pitchFamily="18" charset="0"/>
-                      </a:rPr>
-                      <m:t>𝑳</m:t>
-                    </m:r>
-                    <m:d>
-                      <m:dPr>
-                        <m:ctrlPr>
-                          <a:rPr lang="en-US" b="1" i="1" smtClean="0">
-                            <a:latin typeface="Cambria Math" panose="02040503050406030204" pitchFamily="18" charset="0"/>
-                          </a:rPr>
-                        </m:ctrlPr>
-                      </m:dPr>
-                      <m:e>
-                        <m:r>
-                          <a:rPr lang="en-US" b="1" i="1" smtClean="0">
-                            <a:latin typeface="Cambria Math" panose="02040503050406030204" pitchFamily="18" charset="0"/>
-                          </a:rPr>
-                          <m:t>𝑬</m:t>
-                        </m:r>
-                        <m:r>
-                          <a:rPr lang="en-US" b="1" i="1" smtClean="0">
-                            <a:latin typeface="Cambria Math" panose="02040503050406030204" pitchFamily="18" charset="0"/>
-                          </a:rPr>
-                          <m:t>,</m:t>
-                        </m:r>
-                        <m:r>
-                          <a:rPr lang="en-US" b="1" i="1" smtClean="0">
-                            <a:latin typeface="Cambria Math" panose="02040503050406030204" pitchFamily="18" charset="0"/>
-                          </a:rPr>
-                          <m:t>𝑨</m:t>
-                        </m:r>
-                      </m:e>
-                    </m:d>
-                    <m:r>
-                      <a:rPr lang="en-US" b="1" i="1" smtClean="0">
-                        <a:latin typeface="Cambria Math" panose="02040503050406030204" pitchFamily="18" charset="0"/>
-                      </a:rPr>
-                      <m:t>=</m:t>
-                    </m:r>
-                    <m:sSub>
-                      <m:sSubPr>
-                        <m:ctrlPr>
-                          <a:rPr lang="en-US" b="1" i="1" smtClean="0">
-                            <a:latin typeface="Cambria Math" panose="02040503050406030204" pitchFamily="18" charset="0"/>
-                          </a:rPr>
-                        </m:ctrlPr>
-                      </m:sSubPr>
-                      <m:e>
-                        <m:r>
-                          <a:rPr lang="en-US" b="1" i="1" smtClean="0">
-                            <a:latin typeface="Cambria Math" panose="02040503050406030204" pitchFamily="18" charset="0"/>
-                          </a:rPr>
-                          <m:t>𝒂</m:t>
-                        </m:r>
-                      </m:e>
-                      <m:sub>
-                        <m:r>
-                          <a:rPr lang="en-US" b="1" i="1" smtClean="0">
-                            <a:latin typeface="Cambria Math" panose="02040503050406030204" pitchFamily="18" charset="0"/>
-                          </a:rPr>
-                          <m:t>𝟎</m:t>
-                        </m:r>
-                      </m:sub>
-                    </m:sSub>
-                    <m:r>
-                      <a:rPr lang="en-US" b="1" i="1" smtClean="0">
-                        <a:latin typeface="Cambria Math" panose="02040503050406030204" pitchFamily="18" charset="0"/>
-                      </a:rPr>
-                      <m:t>+</m:t>
-                    </m:r>
-                    <m:sSub>
-                      <m:sSubPr>
-                        <m:ctrlPr>
-                          <a:rPr lang="en-US" b="1" i="1" smtClean="0">
-                            <a:latin typeface="Cambria Math" panose="02040503050406030204" pitchFamily="18" charset="0"/>
-                          </a:rPr>
-                        </m:ctrlPr>
-                      </m:sSubPr>
-                      <m:e>
-                        <m:r>
-                          <a:rPr lang="en-US" b="1" i="1" smtClean="0">
-                            <a:latin typeface="Cambria Math" panose="02040503050406030204" pitchFamily="18" charset="0"/>
-                          </a:rPr>
-                          <m:t>𝒂</m:t>
-                        </m:r>
-                      </m:e>
-                      <m:sub>
-                        <m:r>
-                          <a:rPr lang="en-US" b="1" i="1" smtClean="0">
-                            <a:latin typeface="Cambria Math" panose="02040503050406030204" pitchFamily="18" charset="0"/>
-                          </a:rPr>
-                          <m:t>𝟏</m:t>
-                        </m:r>
-                      </m:sub>
-                    </m:sSub>
-                    <m:r>
-                      <a:rPr lang="en-US" b="1" i="1" smtClean="0">
-                        <a:latin typeface="Cambria Math" panose="02040503050406030204" pitchFamily="18" charset="0"/>
-                        <a:ea typeface="Cambria Math" panose="02040503050406030204" pitchFamily="18" charset="0"/>
-                      </a:rPr>
-                      <m:t>∙</m:t>
-                    </m:r>
-                    <m:sSup>
-                      <m:sSupPr>
-                        <m:ctrlPr>
-                          <a:rPr lang="en-US" b="1" i="1" smtClean="0">
-                            <a:latin typeface="Cambria Math" panose="02040503050406030204" pitchFamily="18" charset="0"/>
-                            <a:ea typeface="Cambria Math" panose="02040503050406030204" pitchFamily="18" charset="0"/>
-                          </a:rPr>
-                        </m:ctrlPr>
-                      </m:sSupPr>
-                      <m:e>
-                        <m:r>
-                          <a:rPr lang="en-US" b="1" i="1" smtClean="0">
-                            <a:latin typeface="Cambria Math" panose="02040503050406030204" pitchFamily="18" charset="0"/>
-                            <a:ea typeface="Cambria Math" panose="02040503050406030204" pitchFamily="18" charset="0"/>
-                          </a:rPr>
-                          <m:t>𝑬</m:t>
-                        </m:r>
-                      </m:e>
-                      <m:sup>
-                        <m:f>
-                          <m:fPr>
-                            <m:ctrlPr>
-                              <a:rPr lang="en-US" b="1" i="1" smtClean="0">
-                                <a:latin typeface="Cambria Math" panose="02040503050406030204" pitchFamily="18" charset="0"/>
-                                <a:ea typeface="Cambria Math" panose="02040503050406030204" pitchFamily="18" charset="0"/>
-                              </a:rPr>
-                            </m:ctrlPr>
-                          </m:fPr>
-                          <m:num>
-                            <m:r>
-                              <a:rPr lang="en-US" b="1" i="1" smtClean="0">
-                                <a:latin typeface="Cambria Math" panose="02040503050406030204" pitchFamily="18" charset="0"/>
-                                <a:ea typeface="Cambria Math" panose="02040503050406030204" pitchFamily="18" charset="0"/>
-                              </a:rPr>
-                              <m:t>𝑨</m:t>
-                            </m:r>
-                            <m:r>
-                              <a:rPr lang="en-US" b="1" i="1" smtClean="0">
-                                <a:latin typeface="Cambria Math" panose="02040503050406030204" pitchFamily="18" charset="0"/>
-                                <a:ea typeface="Cambria Math" panose="02040503050406030204" pitchFamily="18" charset="0"/>
-                              </a:rPr>
-                              <m:t>+</m:t>
-                            </m:r>
-                            <m:sSub>
-                              <m:sSubPr>
-                                <m:ctrlPr>
-                                  <a:rPr lang="en-US" b="1" i="1" smtClean="0">
-                                    <a:latin typeface="Cambria Math" panose="02040503050406030204" pitchFamily="18" charset="0"/>
-                                    <a:ea typeface="Cambria Math" panose="02040503050406030204" pitchFamily="18" charset="0"/>
-                                  </a:rPr>
-                                </m:ctrlPr>
-                              </m:sSubPr>
-                              <m:e>
-                                <m:r>
-                                  <a:rPr lang="en-US" b="1" i="1" smtClean="0">
-                                    <a:latin typeface="Cambria Math" panose="02040503050406030204" pitchFamily="18" charset="0"/>
-                                    <a:ea typeface="Cambria Math" panose="02040503050406030204" pitchFamily="18" charset="0"/>
-                                  </a:rPr>
-                                  <m:t>𝒂</m:t>
-                                </m:r>
-                              </m:e>
-                              <m:sub>
-                                <m:r>
-                                  <a:rPr lang="en-US" b="1" i="1" smtClean="0">
-                                    <a:latin typeface="Cambria Math" panose="02040503050406030204" pitchFamily="18" charset="0"/>
-                                    <a:ea typeface="Cambria Math" panose="02040503050406030204" pitchFamily="18" charset="0"/>
-                                  </a:rPr>
-                                  <m:t>𝟐</m:t>
-                                </m:r>
-                              </m:sub>
-                            </m:sSub>
-                          </m:num>
-                          <m:den>
-                            <m:r>
-                              <a:rPr lang="en-US" b="1" i="1">
-                                <a:latin typeface="Cambria Math" panose="02040503050406030204" pitchFamily="18" charset="0"/>
-                                <a:ea typeface="Cambria Math" panose="02040503050406030204" pitchFamily="18" charset="0"/>
-                              </a:rPr>
-                              <m:t>𝑨</m:t>
-                            </m:r>
-                            <m:r>
-                              <a:rPr lang="en-US" b="1" i="1">
-                                <a:latin typeface="Cambria Math" panose="02040503050406030204" pitchFamily="18" charset="0"/>
-                                <a:ea typeface="Cambria Math" panose="02040503050406030204" pitchFamily="18" charset="0"/>
-                              </a:rPr>
-                              <m:t>+</m:t>
-                            </m:r>
-                            <m:sSub>
-                              <m:sSubPr>
-                                <m:ctrlPr>
-                                  <a:rPr lang="en-US" b="1" i="1">
-                                    <a:latin typeface="Cambria Math" panose="02040503050406030204" pitchFamily="18" charset="0"/>
-                                    <a:ea typeface="Cambria Math" panose="02040503050406030204" pitchFamily="18" charset="0"/>
-                                  </a:rPr>
-                                </m:ctrlPr>
-                              </m:sSubPr>
-                              <m:e>
-                                <m:r>
-                                  <a:rPr lang="en-US" b="1" i="1">
-                                    <a:latin typeface="Cambria Math" panose="02040503050406030204" pitchFamily="18" charset="0"/>
-                                    <a:ea typeface="Cambria Math" panose="02040503050406030204" pitchFamily="18" charset="0"/>
-                                  </a:rPr>
-                                  <m:t>𝒂</m:t>
-                                </m:r>
-                              </m:e>
-                              <m:sub>
-                                <m:r>
-                                  <a:rPr lang="en-US" b="1" i="1" smtClean="0">
-                                    <a:latin typeface="Cambria Math" panose="02040503050406030204" pitchFamily="18" charset="0"/>
-                                    <a:ea typeface="Cambria Math" panose="02040503050406030204" pitchFamily="18" charset="0"/>
-                                  </a:rPr>
-                                  <m:t>𝟑</m:t>
-                                </m:r>
-                              </m:sub>
-                            </m:sSub>
-                          </m:den>
-                        </m:f>
-                      </m:sup>
-                    </m:sSup>
-                    <m:r>
-                      <a:rPr lang="en-US" b="1" i="1" smtClean="0">
-                        <a:latin typeface="Cambria Math" panose="02040503050406030204" pitchFamily="18" charset="0"/>
-                        <a:ea typeface="Cambria Math" panose="02040503050406030204" pitchFamily="18" charset="0"/>
-                      </a:rPr>
-                      <m:t> </m:t>
-                    </m:r>
-                    <m:d>
-                      <m:dPr>
-                        <m:ctrlPr>
-                          <a:rPr lang="en-US" b="1" i="1" smtClean="0">
-                            <a:latin typeface="Cambria Math" panose="02040503050406030204" pitchFamily="18" charset="0"/>
-                            <a:ea typeface="Cambria Math" panose="02040503050406030204" pitchFamily="18" charset="0"/>
-                          </a:rPr>
-                        </m:ctrlPr>
-                      </m:dPr>
-                      <m:e>
-                        <m:sSub>
-                          <m:sSubPr>
-                            <m:ctrlPr>
-                              <a:rPr lang="en-US" b="1" i="1" smtClean="0">
-                                <a:latin typeface="Cambria Math" panose="02040503050406030204" pitchFamily="18" charset="0"/>
-                                <a:ea typeface="Cambria Math" panose="02040503050406030204" pitchFamily="18" charset="0"/>
-                              </a:rPr>
-                            </m:ctrlPr>
-                          </m:sSubPr>
-                          <m:e>
-                            <m:r>
-                              <a:rPr lang="en-US" b="1" i="1" smtClean="0">
-                                <a:latin typeface="Cambria Math" panose="02040503050406030204" pitchFamily="18" charset="0"/>
-                                <a:ea typeface="Cambria Math" panose="02040503050406030204" pitchFamily="18" charset="0"/>
-                              </a:rPr>
-                              <m:t>𝒂</m:t>
-                            </m:r>
-                          </m:e>
-                          <m:sub>
-                            <m:r>
-                              <a:rPr lang="en-US" b="1" i="1" smtClean="0">
-                                <a:latin typeface="Cambria Math" panose="02040503050406030204" pitchFamily="18" charset="0"/>
-                                <a:ea typeface="Cambria Math" panose="02040503050406030204" pitchFamily="18" charset="0"/>
-                              </a:rPr>
-                              <m:t>𝟑</m:t>
-                            </m:r>
-                          </m:sub>
-                        </m:sSub>
-                        <m:r>
-                          <a:rPr lang="en-US" b="1" i="1" smtClean="0">
-                            <a:latin typeface="Cambria Math" panose="02040503050406030204" pitchFamily="18" charset="0"/>
-                            <a:ea typeface="Cambria Math" panose="02040503050406030204" pitchFamily="18" charset="0"/>
-                          </a:rPr>
-                          <m:t>&gt;</m:t>
-                        </m:r>
-                        <m:sSub>
-                          <m:sSubPr>
-                            <m:ctrlPr>
-                              <a:rPr lang="en-US" b="1" i="1">
-                                <a:latin typeface="Cambria Math" panose="02040503050406030204" pitchFamily="18" charset="0"/>
-                                <a:ea typeface="Cambria Math" panose="02040503050406030204" pitchFamily="18" charset="0"/>
-                              </a:rPr>
-                            </m:ctrlPr>
-                          </m:sSubPr>
-                          <m:e>
-                            <m:r>
-                              <a:rPr lang="en-US" b="1" i="1">
-                                <a:latin typeface="Cambria Math" panose="02040503050406030204" pitchFamily="18" charset="0"/>
-                                <a:ea typeface="Cambria Math" panose="02040503050406030204" pitchFamily="18" charset="0"/>
-                              </a:rPr>
-                              <m:t>𝒂</m:t>
-                            </m:r>
-                          </m:e>
-                          <m:sub>
-                            <m:r>
-                              <a:rPr lang="en-US" b="1" i="1" smtClean="0">
-                                <a:latin typeface="Cambria Math" panose="02040503050406030204" pitchFamily="18" charset="0"/>
-                                <a:ea typeface="Cambria Math" panose="02040503050406030204" pitchFamily="18" charset="0"/>
-                              </a:rPr>
-                              <m:t>𝟐</m:t>
-                            </m:r>
-                          </m:sub>
-                        </m:sSub>
-                      </m:e>
-                    </m:d>
-                  </m:oMath>
-                </a14:m>
-                <a:endParaRPr lang="en-US" b="1" dirty="0" smtClean="0">
-                  <a:ea typeface="Cambria Math" panose="02040503050406030204" pitchFamily="18" charset="0"/>
-                </a:endParaRPr>
-              </a:p>
-              <a:p>
-                <a:r>
-                  <a:rPr lang="en-US" b="1" dirty="0" smtClean="0"/>
-                  <a:t>      </a:t>
-                </a:r>
-                <a:r>
-                  <a:rPr lang="en-US" dirty="0" smtClean="0"/>
-                  <a:t>L(E,A): light output</a:t>
-                </a:r>
-              </a:p>
-              <a:p>
-                <a:r>
-                  <a:rPr lang="en-US" dirty="0"/>
-                  <a:t> </a:t>
-                </a:r>
-                <a:r>
-                  <a:rPr lang="en-US" dirty="0" smtClean="0"/>
-                  <a:t>        A     :  mass number  </a:t>
-                </a:r>
-                <a:endParaRPr lang="en-US" dirty="0"/>
-              </a:p>
-            </p:txBody>
-          </p:sp>
-        </mc:Choice>
-        <mc:Fallback xmlns="">
-          <p:sp>
-            <p:nvSpPr>
-              <p:cNvPr id="3" name="TextBox 2"/>
-              <p:cNvSpPr txBox="1">
-                <a:spLocks noRot="1" noChangeAspect="1" noMove="1" noResize="1" noEditPoints="1" noAdjustHandles="1" noChangeArrowheads="1" noChangeShapeType="1" noTextEdit="1"/>
-              </p:cNvSpPr>
-              <p:nvPr/>
-            </p:nvSpPr>
-            <p:spPr>
-              <a:xfrm>
-                <a:off x="416458" y="1092142"/>
-                <a:ext cx="6880813" cy="1084977"/>
-              </a:xfrm>
-              <a:prstGeom prst="rect">
-                <a:avLst/>
-              </a:prstGeom>
-              <a:blipFill rotWithShape="0">
-                <a:blip r:embed="rId2"/>
-                <a:stretch>
-                  <a:fillRect l="-709" b="-7865"/>
-                </a:stretch>
-              </a:blipFill>
-            </p:spPr>
-            <p:txBody>
-              <a:bodyPr/>
-              <a:lstStyle/>
-              <a:p>
-                <a:r>
-                  <a:rPr lang="en-US">
-                    <a:noFill/>
-                  </a:rPr>
-                  <a:t> </a:t>
-                </a:r>
-              </a:p>
-            </p:txBody>
-          </p:sp>
-        </mc:Fallback>
-      </mc:AlternateContent>
       <p:pic>
         <p:nvPicPr>
-          <p:cNvPr id="4" name="Picture 3"/>
+          <p:cNvPr id="2" name="Picture 1"/>
           <p:cNvPicPr>
             <a:picLocks noChangeAspect="1"/>
           </p:cNvPicPr>
           <p:nvPr/>
         </p:nvPicPr>
         <p:blipFill>
-          <a:blip r:embed="rId3">
+          <a:blip r:embed="rId2">
             <a:extLst>
               <a:ext uri="{28A0092B-C50C-407E-A947-70E740481C1C}">
                 <a14:useLocalDpi xmlns:a14="http://schemas.microsoft.com/office/drawing/2010/main" val="0"/>
@@ -16751,8 +16319,8 @@
         </p:blipFill>
         <p:spPr>
           <a:xfrm>
-            <a:off x="7567516" y="268941"/>
-            <a:ext cx="4193617" cy="3016461"/>
+            <a:off x="5782236" y="1488142"/>
+            <a:ext cx="6173807" cy="4607860"/>
           </a:xfrm>
           <a:prstGeom prst="rect">
             <a:avLst/>
@@ -16761,14 +16329,14 @@
       </p:pic>
       <p:sp>
         <p:nvSpPr>
-          <p:cNvPr id="5" name="TextBox 4"/>
+          <p:cNvPr id="3" name="TextBox 2"/>
           <p:cNvSpPr txBox="1"/>
           <p:nvPr/>
         </p:nvSpPr>
         <p:spPr>
           <a:xfrm>
-            <a:off x="416458" y="2817822"/>
-            <a:ext cx="8184334" cy="369332"/>
+            <a:off x="295835" y="359447"/>
+            <a:ext cx="5091953" cy="461665"/>
           </a:xfrm>
           <a:prstGeom prst="rect">
             <a:avLst/>
@@ -16782,468 +16350,29 @@
           <a:lstStyle/>
           <a:p>
             <a:r>
-              <a:rPr lang="en-US" dirty="0" smtClean="0"/>
-              <a:t>For Z&gt;1, </a:t>
-            </a:r>
-            <a:r>
-              <a:rPr lang="en-US" dirty="0" smtClean="0"/>
-              <a:t>Horn</a:t>
-            </a:r>
-            <a:r>
-              <a:rPr lang="en-US" dirty="0" smtClean="0"/>
-              <a:t> </a:t>
-            </a:r>
-            <a:r>
-              <a:rPr lang="en-US" dirty="0" smtClean="0"/>
-              <a:t>Formula:</a:t>
-            </a:r>
-            <a:endParaRPr lang="en-US" b="1" dirty="0"/>
-          </a:p>
-        </p:txBody>
-      </p:sp>
-      <mc:AlternateContent xmlns:mc="http://schemas.openxmlformats.org/markup-compatibility/2006" xmlns:a14="http://schemas.microsoft.com/office/drawing/2010/main">
-        <mc:Choice Requires="a14">
-          <p:sp>
-            <p:nvSpPr>
-              <p:cNvPr id="6" name="TextBox 5"/>
-              <p:cNvSpPr txBox="1"/>
-              <p:nvPr/>
-            </p:nvSpPr>
-            <p:spPr>
-              <a:xfrm>
-                <a:off x="757355" y="3901423"/>
-                <a:ext cx="5117876" cy="635046"/>
-              </a:xfrm>
-              <a:prstGeom prst="rect">
-                <a:avLst/>
-              </a:prstGeom>
-              <a:noFill/>
-            </p:spPr>
-            <p:txBody>
-              <a:bodyPr wrap="none" lIns="0" tIns="0" rIns="0" bIns="0" rtlCol="0">
-                <a:spAutoFit/>
-              </a:bodyPr>
-              <a:lstStyle/>
-              <a:p>
-                <a:pPr/>
-                <a14:m>
-                  <m:oMathPara xmlns:m="http://schemas.openxmlformats.org/officeDocument/2006/math">
-                    <m:oMathParaPr>
-                      <m:jc m:val="centerGroup"/>
-                    </m:oMathParaPr>
-                    <m:oMath xmlns:m="http://schemas.openxmlformats.org/officeDocument/2006/math">
-                      <m:r>
-                        <a:rPr lang="en-US" b="1" i="1" smtClean="0">
-                          <a:latin typeface="Cambria Math" panose="02040503050406030204" pitchFamily="18" charset="0"/>
-                        </a:rPr>
-                        <m:t>𝑳</m:t>
-                      </m:r>
-                      <m:d>
-                        <m:dPr>
-                          <m:ctrlPr>
-                            <a:rPr lang="en-US" b="1" i="1" smtClean="0">
-                              <a:latin typeface="Cambria Math" panose="02040503050406030204" pitchFamily="18" charset="0"/>
-                            </a:rPr>
-                          </m:ctrlPr>
-                        </m:dPr>
-                        <m:e>
-                          <m:r>
-                            <a:rPr lang="en-US" b="1" i="1" smtClean="0">
-                              <a:latin typeface="Cambria Math" panose="02040503050406030204" pitchFamily="18" charset="0"/>
-                            </a:rPr>
-                            <m:t>𝑬</m:t>
-                          </m:r>
-                          <m:r>
-                            <a:rPr lang="en-US" b="1" i="1" smtClean="0">
-                              <a:latin typeface="Cambria Math" panose="02040503050406030204" pitchFamily="18" charset="0"/>
-                            </a:rPr>
-                            <m:t>,</m:t>
-                          </m:r>
-                          <m:r>
-                            <a:rPr lang="en-US" b="1" i="1" smtClean="0">
-                              <a:latin typeface="Cambria Math" panose="02040503050406030204" pitchFamily="18" charset="0"/>
-                            </a:rPr>
-                            <m:t>𝒁</m:t>
-                          </m:r>
-                          <m:r>
-                            <a:rPr lang="en-US" b="1" i="1" smtClean="0">
-                              <a:latin typeface="Cambria Math" panose="02040503050406030204" pitchFamily="18" charset="0"/>
-                            </a:rPr>
-                            <m:t>,</m:t>
-                          </m:r>
-                          <m:r>
-                            <a:rPr lang="en-US" b="1" i="1" smtClean="0">
-                              <a:latin typeface="Cambria Math" panose="02040503050406030204" pitchFamily="18" charset="0"/>
-                            </a:rPr>
-                            <m:t>𝑨</m:t>
-                          </m:r>
-                        </m:e>
-                      </m:d>
-                      <m:r>
-                        <a:rPr lang="en-US" b="1" i="1" smtClean="0">
-                          <a:latin typeface="Cambria Math" panose="02040503050406030204" pitchFamily="18" charset="0"/>
-                        </a:rPr>
-                        <m:t>=</m:t>
-                      </m:r>
-                      <m:sSub>
-                        <m:sSubPr>
-                          <m:ctrlPr>
-                            <a:rPr lang="en-US" b="1" i="1" smtClean="0">
-                              <a:latin typeface="Cambria Math" panose="02040503050406030204" pitchFamily="18" charset="0"/>
-                            </a:rPr>
-                          </m:ctrlPr>
-                        </m:sSubPr>
-                        <m:e>
-                          <m:r>
-                            <a:rPr lang="en-US" b="1" i="1" smtClean="0">
-                              <a:latin typeface="Cambria Math" panose="02040503050406030204" pitchFamily="18" charset="0"/>
-                            </a:rPr>
-                            <m:t>𝒂</m:t>
-                          </m:r>
-                        </m:e>
-                        <m:sub>
-                          <m:r>
-                            <a:rPr lang="en-US" b="1" i="1" smtClean="0">
-                              <a:latin typeface="Cambria Math" panose="02040503050406030204" pitchFamily="18" charset="0"/>
-                            </a:rPr>
-                            <m:t>𝟎</m:t>
-                          </m:r>
-                        </m:sub>
-                      </m:sSub>
-                      <m:r>
-                        <a:rPr lang="en-US" b="1" i="1" smtClean="0">
-                          <a:latin typeface="Cambria Math" panose="02040503050406030204" pitchFamily="18" charset="0"/>
-                        </a:rPr>
-                        <m:t>+</m:t>
-                      </m:r>
-                      <m:sSub>
-                        <m:sSubPr>
-                          <m:ctrlPr>
-                            <a:rPr lang="en-US" b="1" i="1" smtClean="0">
-                              <a:latin typeface="Cambria Math" panose="02040503050406030204" pitchFamily="18" charset="0"/>
-                            </a:rPr>
-                          </m:ctrlPr>
-                        </m:sSubPr>
-                        <m:e>
-                          <m:r>
-                            <a:rPr lang="en-US" b="1" i="1" smtClean="0">
-                              <a:latin typeface="Cambria Math" panose="02040503050406030204" pitchFamily="18" charset="0"/>
-                            </a:rPr>
-                            <m:t>𝒂</m:t>
-                          </m:r>
-                        </m:e>
-                        <m:sub>
-                          <m:r>
-                            <a:rPr lang="en-US" b="1" i="1" smtClean="0">
-                              <a:latin typeface="Cambria Math" panose="02040503050406030204" pitchFamily="18" charset="0"/>
-                            </a:rPr>
-                            <m:t>𝟏</m:t>
-                          </m:r>
-                        </m:sub>
-                      </m:sSub>
-                      <m:d>
-                        <m:dPr>
-                          <m:ctrlPr>
-                            <a:rPr lang="en-US" b="1" i="1" smtClean="0">
-                              <a:latin typeface="Cambria Math" panose="02040503050406030204" pitchFamily="18" charset="0"/>
-                            </a:rPr>
-                          </m:ctrlPr>
-                        </m:dPr>
-                        <m:e>
-                          <m:r>
-                            <a:rPr lang="en-US" b="1" i="1" smtClean="0">
-                              <a:latin typeface="Cambria Math" panose="02040503050406030204" pitchFamily="18" charset="0"/>
-                            </a:rPr>
-                            <m:t>𝑬</m:t>
-                          </m:r>
-                          <m:r>
-                            <a:rPr lang="en-US" b="1" i="1" smtClean="0">
-                              <a:latin typeface="Cambria Math" panose="02040503050406030204" pitchFamily="18" charset="0"/>
-                            </a:rPr>
-                            <m:t>−</m:t>
-                          </m:r>
-                          <m:sSub>
-                            <m:sSubPr>
-                              <m:ctrlPr>
-                                <a:rPr lang="en-US" b="1" i="1" smtClean="0">
-                                  <a:latin typeface="Cambria Math" panose="02040503050406030204" pitchFamily="18" charset="0"/>
-                                </a:rPr>
-                              </m:ctrlPr>
-                            </m:sSubPr>
-                            <m:e>
-                              <m:r>
-                                <a:rPr lang="en-US" b="1" i="1" smtClean="0">
-                                  <a:latin typeface="Cambria Math" panose="02040503050406030204" pitchFamily="18" charset="0"/>
-                                </a:rPr>
-                                <m:t>𝒂</m:t>
-                              </m:r>
-                            </m:e>
-                            <m:sub>
-                              <m:r>
-                                <a:rPr lang="en-US" b="1" i="1" smtClean="0">
-                                  <a:latin typeface="Cambria Math" panose="02040503050406030204" pitchFamily="18" charset="0"/>
-                                </a:rPr>
-                                <m:t>𝟐</m:t>
-                              </m:r>
-                            </m:sub>
-                          </m:sSub>
-                          <m:r>
-                            <a:rPr lang="en-US" b="1" i="1" smtClean="0">
-                              <a:latin typeface="Cambria Math" panose="02040503050406030204" pitchFamily="18" charset="0"/>
-                            </a:rPr>
-                            <m:t>𝑨</m:t>
-                          </m:r>
-                          <m:sSup>
-                            <m:sSupPr>
-                              <m:ctrlPr>
-                                <a:rPr lang="en-US" b="1" i="1" smtClean="0">
-                                  <a:latin typeface="Cambria Math" panose="02040503050406030204" pitchFamily="18" charset="0"/>
-                                </a:rPr>
-                              </m:ctrlPr>
-                            </m:sSupPr>
-                            <m:e>
-                              <m:r>
-                                <a:rPr lang="en-US" b="1" i="1" smtClean="0">
-                                  <a:latin typeface="Cambria Math" panose="02040503050406030204" pitchFamily="18" charset="0"/>
-                                </a:rPr>
-                                <m:t>𝒁</m:t>
-                              </m:r>
-                            </m:e>
-                            <m:sup>
-                              <m:r>
-                                <a:rPr lang="en-US" b="1" i="1" smtClean="0">
-                                  <a:latin typeface="Cambria Math" panose="02040503050406030204" pitchFamily="18" charset="0"/>
-                                </a:rPr>
-                                <m:t>𝟐</m:t>
-                              </m:r>
-                            </m:sup>
-                          </m:sSup>
-                          <m:func>
-                            <m:funcPr>
-                              <m:ctrlPr>
-                                <a:rPr lang="en-US" b="1" i="1" smtClean="0">
-                                  <a:latin typeface="Cambria Math" panose="02040503050406030204" pitchFamily="18" charset="0"/>
-                                </a:rPr>
-                              </m:ctrlPr>
-                            </m:funcPr>
-                            <m:fName>
-                              <m:r>
-                                <a:rPr lang="en-US" b="1" i="0" smtClean="0">
-                                  <a:latin typeface="Cambria Math" panose="02040503050406030204" pitchFamily="18" charset="0"/>
-                                </a:rPr>
-                                <m:t>𝐥𝐧</m:t>
-                              </m:r>
-                            </m:fName>
-                            <m:e>
-                              <m:d>
-                                <m:dPr>
-                                  <m:ctrlPr>
-                                    <a:rPr lang="en-US" b="1" i="1" smtClean="0">
-                                      <a:latin typeface="Cambria Math" panose="02040503050406030204" pitchFamily="18" charset="0"/>
-                                    </a:rPr>
-                                  </m:ctrlPr>
-                                </m:dPr>
-                                <m:e>
-                                  <m:f>
-                                    <m:fPr>
-                                      <m:ctrlPr>
-                                        <a:rPr lang="en-US" b="1" i="1" smtClean="0">
-                                          <a:latin typeface="Cambria Math" panose="02040503050406030204" pitchFamily="18" charset="0"/>
-                                        </a:rPr>
-                                      </m:ctrlPr>
-                                    </m:fPr>
-                                    <m:num>
-                                      <m:r>
-                                        <a:rPr lang="en-US" b="1" i="1" smtClean="0">
-                                          <a:latin typeface="Cambria Math" panose="02040503050406030204" pitchFamily="18" charset="0"/>
-                                        </a:rPr>
-                                        <m:t>𝑬</m:t>
-                                      </m:r>
-                                      <m:r>
-                                        <a:rPr lang="en-US" b="1" i="1" smtClean="0">
-                                          <a:latin typeface="Cambria Math" panose="02040503050406030204" pitchFamily="18" charset="0"/>
-                                        </a:rPr>
-                                        <m:t>+</m:t>
-                                      </m:r>
-                                      <m:sSub>
-                                        <m:sSubPr>
-                                          <m:ctrlPr>
-                                            <a:rPr lang="en-US" b="1" i="1" smtClean="0">
-                                              <a:latin typeface="Cambria Math" panose="02040503050406030204" pitchFamily="18" charset="0"/>
-                                            </a:rPr>
-                                          </m:ctrlPr>
-                                        </m:sSubPr>
-                                        <m:e>
-                                          <m:r>
-                                            <a:rPr lang="en-US" b="1" i="1" smtClean="0">
-                                              <a:latin typeface="Cambria Math" panose="02040503050406030204" pitchFamily="18" charset="0"/>
-                                            </a:rPr>
-                                            <m:t>𝒂</m:t>
-                                          </m:r>
-                                        </m:e>
-                                        <m:sub>
-                                          <m:r>
-                                            <a:rPr lang="en-US" b="1" i="1" smtClean="0">
-                                              <a:latin typeface="Cambria Math" panose="02040503050406030204" pitchFamily="18" charset="0"/>
-                                            </a:rPr>
-                                            <m:t>𝟐</m:t>
-                                          </m:r>
-                                        </m:sub>
-                                      </m:sSub>
-                                      <m:r>
-                                        <a:rPr lang="en-US" b="1" i="1" smtClean="0">
-                                          <a:latin typeface="Cambria Math" panose="02040503050406030204" pitchFamily="18" charset="0"/>
-                                        </a:rPr>
-                                        <m:t>𝑨</m:t>
-                                      </m:r>
-                                      <m:sSup>
-                                        <m:sSupPr>
-                                          <m:ctrlPr>
-                                            <a:rPr lang="en-US" b="1" i="1" smtClean="0">
-                                              <a:latin typeface="Cambria Math" panose="02040503050406030204" pitchFamily="18" charset="0"/>
-                                            </a:rPr>
-                                          </m:ctrlPr>
-                                        </m:sSupPr>
-                                        <m:e>
-                                          <m:r>
-                                            <a:rPr lang="en-US" b="1" i="1" smtClean="0">
-                                              <a:latin typeface="Cambria Math" panose="02040503050406030204" pitchFamily="18" charset="0"/>
-                                            </a:rPr>
-                                            <m:t>𝒁</m:t>
-                                          </m:r>
-                                        </m:e>
-                                        <m:sup>
-                                          <m:r>
-                                            <a:rPr lang="en-US" b="1" i="1" smtClean="0">
-                                              <a:latin typeface="Cambria Math" panose="02040503050406030204" pitchFamily="18" charset="0"/>
-                                            </a:rPr>
-                                            <m:t>𝟐</m:t>
-                                          </m:r>
-                                        </m:sup>
-                                      </m:sSup>
-                                    </m:num>
-                                    <m:den>
-                                      <m:sSub>
-                                        <m:sSubPr>
-                                          <m:ctrlPr>
-                                            <a:rPr lang="en-US" b="1" i="1" smtClean="0">
-                                              <a:latin typeface="Cambria Math" panose="02040503050406030204" pitchFamily="18" charset="0"/>
-                                            </a:rPr>
-                                          </m:ctrlPr>
-                                        </m:sSubPr>
-                                        <m:e>
-                                          <m:r>
-                                            <a:rPr lang="en-US" b="1" i="1" smtClean="0">
-                                              <a:latin typeface="Cambria Math" panose="02040503050406030204" pitchFamily="18" charset="0"/>
-                                            </a:rPr>
-                                            <m:t>𝒂</m:t>
-                                          </m:r>
-                                        </m:e>
-                                        <m:sub>
-                                          <m:r>
-                                            <a:rPr lang="en-US" b="1" i="1" smtClean="0">
-                                              <a:latin typeface="Cambria Math" panose="02040503050406030204" pitchFamily="18" charset="0"/>
-                                            </a:rPr>
-                                            <m:t>𝟐</m:t>
-                                          </m:r>
-                                        </m:sub>
-                                      </m:sSub>
-                                      <m:r>
-                                        <a:rPr lang="en-US" b="1" i="1" smtClean="0">
-                                          <a:latin typeface="Cambria Math" panose="02040503050406030204" pitchFamily="18" charset="0"/>
-                                        </a:rPr>
-                                        <m:t>𝑨</m:t>
-                                      </m:r>
-                                      <m:sSup>
-                                        <m:sSupPr>
-                                          <m:ctrlPr>
-                                            <a:rPr lang="en-US" b="1" i="1" smtClean="0">
-                                              <a:latin typeface="Cambria Math" panose="02040503050406030204" pitchFamily="18" charset="0"/>
-                                            </a:rPr>
-                                          </m:ctrlPr>
-                                        </m:sSupPr>
-                                        <m:e>
-                                          <m:r>
-                                            <a:rPr lang="en-US" b="1" i="1" smtClean="0">
-                                              <a:latin typeface="Cambria Math" panose="02040503050406030204" pitchFamily="18" charset="0"/>
-                                            </a:rPr>
-                                            <m:t>𝒁</m:t>
-                                          </m:r>
-                                        </m:e>
-                                        <m:sup>
-                                          <m:r>
-                                            <a:rPr lang="en-US" b="1" i="1" smtClean="0">
-                                              <a:latin typeface="Cambria Math" panose="02040503050406030204" pitchFamily="18" charset="0"/>
-                                            </a:rPr>
-                                            <m:t>𝟐</m:t>
-                                          </m:r>
-                                        </m:sup>
-                                      </m:sSup>
-                                    </m:den>
-                                  </m:f>
-                                </m:e>
-                              </m:d>
-                            </m:e>
-                          </m:func>
-                        </m:e>
-                      </m:d>
-                    </m:oMath>
-                  </m:oMathPara>
-                </a14:m>
-                <a:endParaRPr lang="en-US" b="1" dirty="0"/>
-              </a:p>
-            </p:txBody>
-          </p:sp>
-        </mc:Choice>
-        <mc:Fallback xmlns="">
-          <p:sp>
-            <p:nvSpPr>
-              <p:cNvPr id="6" name="TextBox 5"/>
-              <p:cNvSpPr txBox="1">
-                <a:spLocks noRot="1" noChangeAspect="1" noMove="1" noResize="1" noEditPoints="1" noAdjustHandles="1" noChangeArrowheads="1" noChangeShapeType="1" noTextEdit="1"/>
-              </p:cNvSpPr>
-              <p:nvPr/>
-            </p:nvSpPr>
-            <p:spPr>
-              <a:xfrm>
-                <a:off x="757355" y="3901423"/>
-                <a:ext cx="5117876" cy="635046"/>
-              </a:xfrm>
-              <a:prstGeom prst="rect">
-                <a:avLst/>
-              </a:prstGeom>
-              <a:blipFill rotWithShape="0">
-                <a:blip r:embed="rId4"/>
-                <a:stretch>
-                  <a:fillRect/>
-                </a:stretch>
-              </a:blipFill>
-            </p:spPr>
-            <p:txBody>
-              <a:bodyPr/>
-              <a:lstStyle/>
-              <a:p>
-                <a:r>
-                  <a:rPr lang="en-US">
-                    <a:noFill/>
-                  </a:rPr>
-                  <a:t> </a:t>
-                </a:r>
-              </a:p>
-            </p:txBody>
-          </p:sp>
-        </mc:Fallback>
-      </mc:AlternateContent>
-      <p:sp>
-        <p:nvSpPr>
-          <p:cNvPr id="7" name="TextBox 6"/>
+              <a:rPr lang="en-US" sz="2400" b="1" u="sng" dirty="0" smtClean="0">
+                <a:latin typeface="Times New Roman" panose="02020603050405020304" pitchFamily="18" charset="0"/>
+                <a:cs typeface="Times New Roman" panose="02020603050405020304" pitchFamily="18" charset="0"/>
+              </a:rPr>
+              <a:t>∆E-E Fit with DEEFIT program</a:t>
+            </a:r>
+            <a:endParaRPr lang="en-US" sz="2400" b="1" u="sng" dirty="0">
+              <a:latin typeface="Times New Roman" panose="02020603050405020304" pitchFamily="18" charset="0"/>
+              <a:cs typeface="Times New Roman" panose="02020603050405020304" pitchFamily="18" charset="0"/>
+            </a:endParaRPr>
+          </a:p>
+        </p:txBody>
+      </p:sp>
+      <p:sp>
+        <p:nvSpPr>
+          <p:cNvPr id="4" name="TextBox 3"/>
           <p:cNvSpPr txBox="1"/>
           <p:nvPr/>
         </p:nvSpPr>
         <p:spPr>
           <a:xfrm>
-            <a:off x="757355" y="3413943"/>
-            <a:ext cx="4738861" cy="369332"/>
+            <a:off x="152400" y="1235826"/>
+            <a:ext cx="5082988" cy="646331"/>
           </a:xfrm>
           <a:prstGeom prst="rect">
             <a:avLst/>
@@ -17251,65 +16380,230 @@
           <a:noFill/>
         </p:spPr>
         <p:txBody>
-          <a:bodyPr wrap="none" rtlCol="0">
+          <a:bodyPr wrap="square" rtlCol="0">
             <a:spAutoFit/>
           </a:bodyPr>
           <a:lstStyle/>
           <a:p>
-            <a:r>
-              <a:rPr lang="en-US" dirty="0" smtClean="0"/>
-              <a:t>D. Horn et al.,</a:t>
-            </a:r>
-            <a:r>
-              <a:rPr lang="en-US" dirty="0"/>
-              <a:t> </a:t>
-            </a:r>
-            <a:r>
-              <a:rPr lang="en-US" dirty="0" err="1" smtClean="0"/>
-              <a:t>Nucl</a:t>
-            </a:r>
-            <a:r>
-              <a:rPr lang="en-US" dirty="0" smtClean="0"/>
-              <a:t>. Instr. Meth A 320 (1992) 273</a:t>
-            </a:r>
-            <a:endParaRPr lang="en-US" dirty="0"/>
-          </a:p>
-        </p:txBody>
-      </p:sp>
-      <p:pic>
-        <p:nvPicPr>
-          <p:cNvPr id="8" name="Picture 7"/>
-          <p:cNvPicPr>
-            <a:picLocks noChangeAspect="1"/>
-          </p:cNvPicPr>
-          <p:nvPr/>
-        </p:nvPicPr>
-        <p:blipFill>
-          <a:blip r:embed="rId5">
-            <a:extLst>
-              <a:ext uri="{28A0092B-C50C-407E-A947-70E740481C1C}">
-                <a14:useLocalDpi xmlns:a14="http://schemas.microsoft.com/office/drawing/2010/main" val="0"/>
-              </a:ext>
-            </a:extLst>
-          </a:blip>
-          <a:stretch>
-            <a:fillRect/>
-          </a:stretch>
-        </p:blipFill>
-        <p:spPr>
-          <a:xfrm>
-            <a:off x="7918520" y="3458237"/>
-            <a:ext cx="3995014" cy="2873607"/>
-          </a:xfrm>
-          <a:prstGeom prst="rect">
-            <a:avLst/>
-          </a:prstGeom>
-        </p:spPr>
-      </p:pic>
+            <a:pPr algn="ctr"/>
+            <a:r>
+              <a:rPr lang="en-US" dirty="0" smtClean="0">
+                <a:latin typeface="Times New Roman" panose="02020603050405020304" pitchFamily="18" charset="0"/>
+                <a:cs typeface="Times New Roman" panose="02020603050405020304" pitchFamily="18" charset="0"/>
+              </a:rPr>
+              <a:t>●  The DEEFIT program is developed for the Si-</a:t>
+            </a:r>
+            <a:r>
+              <a:rPr lang="en-US" dirty="0" err="1" smtClean="0">
+                <a:latin typeface="Times New Roman" panose="02020603050405020304" pitchFamily="18" charset="0"/>
+                <a:cs typeface="Times New Roman" panose="02020603050405020304" pitchFamily="18" charset="0"/>
+              </a:rPr>
+              <a:t>CsI</a:t>
+            </a:r>
+            <a:r>
+              <a:rPr lang="en-US" dirty="0" smtClean="0">
+                <a:latin typeface="Times New Roman" panose="02020603050405020304" pitchFamily="18" charset="0"/>
+                <a:cs typeface="Times New Roman" panose="02020603050405020304" pitchFamily="18" charset="0"/>
+              </a:rPr>
+              <a:t>            identification in the Chimera detector.   </a:t>
+            </a:r>
+            <a:endParaRPr lang="en-US" dirty="0">
+              <a:latin typeface="Times New Roman" panose="02020603050405020304" pitchFamily="18" charset="0"/>
+              <a:cs typeface="Times New Roman" panose="02020603050405020304" pitchFamily="18" charset="0"/>
+            </a:endParaRPr>
+          </a:p>
+        </p:txBody>
+      </p:sp>
+      <p:sp>
+        <p:nvSpPr>
+          <p:cNvPr id="5" name="TextBox 4"/>
+          <p:cNvSpPr txBox="1"/>
+          <p:nvPr/>
+        </p:nvSpPr>
+        <p:spPr>
+          <a:xfrm>
+            <a:off x="295835" y="2053134"/>
+            <a:ext cx="5486401" cy="3170099"/>
+          </a:xfrm>
+          <a:prstGeom prst="rect">
+            <a:avLst/>
+          </a:prstGeom>
+          <a:noFill/>
+        </p:spPr>
+        <p:txBody>
+          <a:bodyPr wrap="square" rtlCol="0">
+            <a:spAutoFit/>
+          </a:bodyPr>
+          <a:lstStyle/>
+          <a:p>
+            <a:r>
+              <a:rPr lang="en-US" sz="2000" dirty="0"/>
+              <a:t>● </a:t>
+            </a:r>
+            <a:r>
+              <a:rPr lang="en-US" sz="2000" b="1" dirty="0" smtClean="0">
+                <a:latin typeface="Times New Roman" panose="02020603050405020304" pitchFamily="18" charset="0"/>
+                <a:cs typeface="Times New Roman" panose="02020603050405020304" pitchFamily="18" charset="0"/>
+              </a:rPr>
+              <a:t>The procedures are based on the followings:</a:t>
+            </a:r>
+          </a:p>
+          <a:p>
+            <a:r>
+              <a:rPr lang="en-US" dirty="0" smtClean="0">
+                <a:latin typeface="Times New Roman" panose="02020603050405020304" pitchFamily="18" charset="0"/>
+                <a:cs typeface="Times New Roman" panose="02020603050405020304" pitchFamily="18" charset="0"/>
+              </a:rPr>
+              <a:t>(1) Obtain a set of raw data for a set of telescopes with a well defined ∆E-E spectra</a:t>
+            </a:r>
+          </a:p>
+          <a:p>
+            <a:r>
+              <a:rPr lang="en-US" dirty="0" smtClean="0">
+                <a:latin typeface="Times New Roman" panose="02020603050405020304" pitchFamily="18" charset="0"/>
+                <a:cs typeface="Times New Roman" panose="02020603050405020304" pitchFamily="18" charset="0"/>
+              </a:rPr>
+              <a:t>(2) Draw  a set of sampling clicks for selected Z and M in the Si-</a:t>
+            </a:r>
+            <a:r>
+              <a:rPr lang="en-US" dirty="0" err="1" smtClean="0">
+                <a:latin typeface="Times New Roman" panose="02020603050405020304" pitchFamily="18" charset="0"/>
+                <a:cs typeface="Times New Roman" panose="02020603050405020304" pitchFamily="18" charset="0"/>
+              </a:rPr>
+              <a:t>CsI</a:t>
+            </a:r>
+            <a:r>
+              <a:rPr lang="en-US" dirty="0" smtClean="0">
+                <a:latin typeface="Times New Roman" panose="02020603050405020304" pitchFamily="18" charset="0"/>
+                <a:cs typeface="Times New Roman" panose="02020603050405020304" pitchFamily="18" charset="0"/>
+              </a:rPr>
+              <a:t> matrix</a:t>
+            </a:r>
+          </a:p>
+          <a:p>
+            <a:r>
+              <a:rPr lang="en-US" dirty="0" smtClean="0">
+                <a:latin typeface="Times New Roman" panose="02020603050405020304" pitchFamily="18" charset="0"/>
+                <a:cs typeface="Times New Roman" panose="02020603050405020304" pitchFamily="18" charset="0"/>
+              </a:rPr>
+              <a:t>(3) Fit the data(click points) with a multi-dimensional function </a:t>
+            </a:r>
+          </a:p>
+          <a:p>
+            <a:r>
+              <a:rPr lang="en-US" dirty="0" smtClean="0">
+                <a:latin typeface="Times New Roman" panose="02020603050405020304" pitchFamily="18" charset="0"/>
+                <a:cs typeface="Times New Roman" panose="02020603050405020304" pitchFamily="18" charset="0"/>
+              </a:rPr>
+              <a:t>(4) Get charge and mass identification by an iterative procedure based on the previous fit result.</a:t>
+            </a:r>
+          </a:p>
+          <a:p>
+            <a:r>
+              <a:rPr lang="en-US" dirty="0" smtClean="0">
+                <a:latin typeface="Times New Roman" panose="02020603050405020304" pitchFamily="18" charset="0"/>
+                <a:cs typeface="Times New Roman" panose="02020603050405020304" pitchFamily="18" charset="0"/>
+              </a:rPr>
+              <a:t>(5) Check the goodness of the results on charge and mass spectra.</a:t>
+            </a:r>
+            <a:endParaRPr lang="en-US" dirty="0">
+              <a:latin typeface="Times New Roman" panose="02020603050405020304" pitchFamily="18" charset="0"/>
+              <a:cs typeface="Times New Roman" panose="02020603050405020304" pitchFamily="18" charset="0"/>
+            </a:endParaRPr>
+          </a:p>
+        </p:txBody>
+      </p:sp>
+      <p:sp>
+        <p:nvSpPr>
+          <p:cNvPr id="6" name="TextBox 5"/>
+          <p:cNvSpPr txBox="1"/>
+          <p:nvPr/>
+        </p:nvSpPr>
+        <p:spPr>
+          <a:xfrm>
+            <a:off x="7067233" y="1441975"/>
+            <a:ext cx="3603811" cy="369332"/>
+          </a:xfrm>
+          <a:prstGeom prst="rect">
+            <a:avLst/>
+          </a:prstGeom>
+          <a:noFill/>
+        </p:spPr>
+        <p:txBody>
+          <a:bodyPr wrap="square" rtlCol="0">
+            <a:spAutoFit/>
+          </a:bodyPr>
+          <a:lstStyle/>
+          <a:p>
+            <a:r>
+              <a:rPr lang="en-US" b="1" dirty="0" smtClean="0">
+                <a:solidFill>
+                  <a:srgbClr val="C00000"/>
+                </a:solidFill>
+              </a:rPr>
+              <a:t>Fit with a 14-parameters function</a:t>
+            </a:r>
+            <a:endParaRPr lang="en-US" b="1" dirty="0">
+              <a:solidFill>
+                <a:srgbClr val="C00000"/>
+              </a:solidFill>
+            </a:endParaRPr>
+          </a:p>
+        </p:txBody>
+      </p:sp>
+      <p:sp>
+        <p:nvSpPr>
+          <p:cNvPr id="7" name="Rectangle 6"/>
+          <p:cNvSpPr/>
+          <p:nvPr/>
+        </p:nvSpPr>
+        <p:spPr>
+          <a:xfrm>
+            <a:off x="295835" y="5534729"/>
+            <a:ext cx="3525324" cy="369332"/>
+          </a:xfrm>
+          <a:prstGeom prst="rect">
+            <a:avLst/>
+          </a:prstGeom>
+        </p:spPr>
+        <p:txBody>
+          <a:bodyPr wrap="none">
+            <a:spAutoFit/>
+          </a:bodyPr>
+          <a:lstStyle/>
+          <a:p>
+            <a:r>
+              <a:rPr lang="en-US" dirty="0" smtClean="0">
+                <a:solidFill>
+                  <a:srgbClr val="00B050"/>
+                </a:solidFill>
+              </a:rPr>
+              <a:t>● </a:t>
+            </a:r>
+            <a:r>
+              <a:rPr lang="en-US" b="1" dirty="0" smtClean="0">
+                <a:solidFill>
+                  <a:srgbClr val="00B050"/>
+                </a:solidFill>
+                <a:latin typeface="Times New Roman" panose="02020603050405020304" pitchFamily="18" charset="0"/>
+                <a:cs typeface="Times New Roman" panose="02020603050405020304" pitchFamily="18" charset="0"/>
+              </a:rPr>
+              <a:t>Get the ∆E-E points in this way </a:t>
+            </a:r>
+            <a:endParaRPr lang="en-US" b="1" dirty="0">
+              <a:solidFill>
+                <a:srgbClr val="00B050"/>
+              </a:solidFill>
+              <a:latin typeface="Times New Roman" panose="02020603050405020304" pitchFamily="18" charset="0"/>
+              <a:cs typeface="Times New Roman" panose="02020603050405020304" pitchFamily="18" charset="0"/>
+            </a:endParaRPr>
+          </a:p>
+        </p:txBody>
+      </p:sp>
     </p:spTree>
     <p:extLst>
       <p:ext uri="{BB962C8B-B14F-4D97-AF65-F5344CB8AC3E}">
-        <p14:creationId xmlns:p14="http://schemas.microsoft.com/office/powerpoint/2010/main" val="3791202161"/>
+        <p14:creationId xmlns:p14="http://schemas.microsoft.com/office/powerpoint/2010/main" val="138031071"/>
       </p:ext>
     </p:extLst>
   </p:cSld>
@@ -17336,16 +16630,46 @@
           <a:chExt cx="0" cy="0"/>
         </a:xfrm>
       </p:grpSpPr>
-      <p:sp>
-        <p:nvSpPr>
-          <p:cNvPr id="2" name="TextBox 1"/>
+      <p:pic>
+        <p:nvPicPr>
+          <p:cNvPr id="2" name="Picture 1"/>
+          <p:cNvPicPr>
+            <a:picLocks noChangeAspect="1"/>
+          </p:cNvPicPr>
+          <p:nvPr/>
+        </p:nvPicPr>
+        <p:blipFill>
+          <a:blip r:embed="rId2">
+            <a:extLst>
+              <a:ext uri="{28A0092B-C50C-407E-A947-70E740481C1C}">
+                <a14:useLocalDpi xmlns:a14="http://schemas.microsoft.com/office/drawing/2010/main" val="0"/>
+              </a:ext>
+            </a:extLst>
+          </a:blip>
+          <a:stretch>
+            <a:fillRect/>
+          </a:stretch>
+        </p:blipFill>
+        <p:spPr>
+          <a:xfrm>
+            <a:off x="6360535" y="1254117"/>
+            <a:ext cx="5714363" cy="4088848"/>
+          </a:xfrm>
+          <a:prstGeom prst="rect">
+            <a:avLst/>
+          </a:prstGeom>
+        </p:spPr>
+      </p:pic>
+      <p:sp>
+        <p:nvSpPr>
+          <p:cNvPr id="3" name="TextBox 2"/>
           <p:cNvSpPr txBox="1"/>
           <p:nvPr/>
         </p:nvSpPr>
         <p:spPr>
           <a:xfrm>
-            <a:off x="126748" y="280657"/>
-            <a:ext cx="4481465" cy="646331"/>
+            <a:off x="313764" y="1362636"/>
+            <a:ext cx="5280211" cy="1200329"/>
           </a:xfrm>
           <a:prstGeom prst="rect">
             <a:avLst/>
@@ -17359,12 +16683,113 @@
           <a:lstStyle/>
           <a:p>
             <a:r>
-              <a:rPr lang="en-US" dirty="0" smtClean="0"/>
-              <a:t>● Useful references</a:t>
-            </a:r>
-          </a:p>
-          <a:p>
-            <a:endParaRPr lang="en-US" dirty="0"/>
+              <a:rPr lang="en-US" dirty="0">
+                <a:latin typeface="Times New Roman" panose="02020603050405020304" pitchFamily="18" charset="0"/>
+                <a:cs typeface="Times New Roman" panose="02020603050405020304" pitchFamily="18" charset="0"/>
+              </a:rPr>
+              <a:t>● </a:t>
+            </a:r>
+            <a:r>
+              <a:rPr lang="en-US" dirty="0" smtClean="0">
+                <a:latin typeface="Times New Roman" panose="02020603050405020304" pitchFamily="18" charset="0"/>
+                <a:cs typeface="Times New Roman" panose="02020603050405020304" pitchFamily="18" charset="0"/>
+              </a:rPr>
+              <a:t>Since proton, deuterons, tritons have different light response behavior from heavy ions. We use different </a:t>
+            </a:r>
+          </a:p>
+          <a:p>
+            <a:r>
+              <a:rPr lang="en-US" dirty="0" smtClean="0">
+                <a:latin typeface="Times New Roman" panose="02020603050405020304" pitchFamily="18" charset="0"/>
+                <a:cs typeface="Times New Roman" panose="02020603050405020304" pitchFamily="18" charset="0"/>
+              </a:rPr>
+              <a:t>formulas to fit: </a:t>
+            </a:r>
+            <a:r>
+              <a:rPr lang="en-US" dirty="0" smtClean="0">
+                <a:solidFill>
+                  <a:srgbClr val="00B050"/>
+                </a:solidFill>
+                <a:latin typeface="Times New Roman" panose="02020603050405020304" pitchFamily="18" charset="0"/>
+                <a:cs typeface="Times New Roman" panose="02020603050405020304" pitchFamily="18" charset="0"/>
+              </a:rPr>
+              <a:t>one for protons, </a:t>
+            </a:r>
+            <a:r>
+              <a:rPr lang="en-US" dirty="0">
+                <a:solidFill>
+                  <a:srgbClr val="00B050"/>
+                </a:solidFill>
+                <a:latin typeface="Times New Roman" panose="02020603050405020304" pitchFamily="18" charset="0"/>
+                <a:cs typeface="Times New Roman" panose="02020603050405020304" pitchFamily="18" charset="0"/>
+              </a:rPr>
+              <a:t>deuterons, </a:t>
+            </a:r>
+            <a:r>
+              <a:rPr lang="en-US" dirty="0" smtClean="0">
+                <a:solidFill>
+                  <a:srgbClr val="00B050"/>
+                </a:solidFill>
+                <a:latin typeface="Times New Roman" panose="02020603050405020304" pitchFamily="18" charset="0"/>
+                <a:cs typeface="Times New Roman" panose="02020603050405020304" pitchFamily="18" charset="0"/>
+              </a:rPr>
+              <a:t>tritons, and </a:t>
+            </a:r>
+          </a:p>
+          <a:p>
+            <a:r>
+              <a:rPr lang="en-US" dirty="0" smtClean="0">
+                <a:solidFill>
+                  <a:srgbClr val="00B050"/>
+                </a:solidFill>
+                <a:latin typeface="Times New Roman" panose="02020603050405020304" pitchFamily="18" charset="0"/>
+                <a:cs typeface="Times New Roman" panose="02020603050405020304" pitchFamily="18" charset="0"/>
+              </a:rPr>
+              <a:t>another one for heavy ions  ( Z≥2 )</a:t>
+            </a:r>
+            <a:endParaRPr lang="en-US" dirty="0">
+              <a:solidFill>
+                <a:srgbClr val="00B050"/>
+              </a:solidFill>
+              <a:latin typeface="Times New Roman" panose="02020603050405020304" pitchFamily="18" charset="0"/>
+              <a:cs typeface="Times New Roman" panose="02020603050405020304" pitchFamily="18" charset="0"/>
+            </a:endParaRPr>
+          </a:p>
+        </p:txBody>
+      </p:sp>
+      <p:sp>
+        <p:nvSpPr>
+          <p:cNvPr id="4" name="TextBox 3"/>
+          <p:cNvSpPr txBox="1"/>
+          <p:nvPr/>
+        </p:nvSpPr>
+        <p:spPr>
+          <a:xfrm>
+            <a:off x="170329" y="249628"/>
+            <a:ext cx="6571130" cy="461665"/>
+          </a:xfrm>
+          <a:prstGeom prst="rect">
+            <a:avLst/>
+          </a:prstGeom>
+          <a:noFill/>
+        </p:spPr>
+        <p:txBody>
+          <a:bodyPr wrap="square" rtlCol="0">
+            <a:spAutoFit/>
+          </a:bodyPr>
+          <a:lstStyle/>
+          <a:p>
+            <a:r>
+              <a:rPr lang="en-US" sz="2400" b="1" u="sng" dirty="0" smtClean="0">
+                <a:latin typeface="Times New Roman" panose="02020603050405020304" pitchFamily="18" charset="0"/>
+                <a:cs typeface="Times New Roman" panose="02020603050405020304" pitchFamily="18" charset="0"/>
+              </a:rPr>
+              <a:t>Simultaneous Fit to get the light response curves</a:t>
+            </a:r>
+            <a:endParaRPr lang="en-US" sz="2400" b="1" u="sng" dirty="0">
+              <a:latin typeface="Times New Roman" panose="02020603050405020304" pitchFamily="18" charset="0"/>
+              <a:cs typeface="Times New Roman" panose="02020603050405020304" pitchFamily="18" charset="0"/>
+            </a:endParaRPr>
           </a:p>
         </p:txBody>
       </p:sp>
@@ -17376,8 +16801,8 @@
         </p:nvSpPr>
         <p:spPr>
           <a:xfrm>
-            <a:off x="312996" y="926988"/>
-            <a:ext cx="4738861" cy="369332"/>
+            <a:off x="0" y="2752643"/>
+            <a:ext cx="5145741" cy="923330"/>
           </a:xfrm>
           <a:prstGeom prst="rect">
             <a:avLst/>
@@ -17385,41 +16810,1106 @@
           <a:noFill/>
         </p:spPr>
         <p:txBody>
-          <a:bodyPr wrap="none" rtlCol="0">
+          <a:bodyPr wrap="square" rtlCol="0">
             <a:spAutoFit/>
           </a:bodyPr>
           <a:lstStyle/>
           <a:p>
-            <a:r>
-              <a:rPr lang="en-US" dirty="0" smtClean="0"/>
-              <a:t>D. Horn et al.,</a:t>
-            </a:r>
-            <a:r>
-              <a:rPr lang="en-US" dirty="0"/>
-              <a:t> </a:t>
-            </a:r>
-            <a:r>
-              <a:rPr lang="en-US" dirty="0" err="1" smtClean="0"/>
-              <a:t>Nucl</a:t>
-            </a:r>
-            <a:r>
-              <a:rPr lang="en-US" dirty="0" smtClean="0"/>
-              <a:t>. Instr. Meth A 320 (1992) 273</a:t>
-            </a:r>
-            <a:endParaRPr lang="en-US" dirty="0"/>
-          </a:p>
-        </p:txBody>
-      </p:sp>
-      <p:sp>
-        <p:nvSpPr>
-          <p:cNvPr id="6" name="TextBox 5"/>
+            <a:pPr algn="ctr"/>
+            <a:r>
+              <a:rPr lang="en-US" dirty="0" smtClean="0">
+                <a:latin typeface="Times New Roman" panose="02020603050405020304" pitchFamily="18" charset="0"/>
+                <a:cs typeface="Times New Roman" panose="02020603050405020304" pitchFamily="18" charset="0"/>
+              </a:rPr>
+              <a:t>● We figure out </a:t>
+            </a:r>
+            <a:r>
+              <a:rPr lang="en-US" dirty="0" smtClean="0">
+                <a:solidFill>
+                  <a:srgbClr val="00B050"/>
+                </a:solidFill>
+                <a:latin typeface="Times New Roman" panose="02020603050405020304" pitchFamily="18" charset="0"/>
+                <a:cs typeface="Times New Roman" panose="02020603050405020304" pitchFamily="18" charset="0"/>
+              </a:rPr>
+              <a:t>a new formula </a:t>
+            </a:r>
+            <a:r>
+              <a:rPr lang="en-US" dirty="0" smtClean="0">
+                <a:latin typeface="Times New Roman" panose="02020603050405020304" pitchFamily="18" charset="0"/>
+                <a:cs typeface="Times New Roman" panose="02020603050405020304" pitchFamily="18" charset="0"/>
+              </a:rPr>
+              <a:t>to fit the data of protons, deuterons and </a:t>
+            </a:r>
+            <a:r>
+              <a:rPr lang="en-US" dirty="0" smtClean="0">
+                <a:latin typeface="Times New Roman" panose="02020603050405020304" pitchFamily="18" charset="0"/>
+                <a:cs typeface="Times New Roman" panose="02020603050405020304" pitchFamily="18" charset="0"/>
+              </a:rPr>
+              <a:t>tritons </a:t>
+            </a:r>
+            <a:r>
+              <a:rPr lang="en-US" dirty="0" smtClean="0">
+                <a:solidFill>
+                  <a:srgbClr val="FF0000"/>
+                </a:solidFill>
+                <a:latin typeface="Times New Roman" panose="02020603050405020304" pitchFamily="18" charset="0"/>
+                <a:cs typeface="Times New Roman" panose="02020603050405020304" pitchFamily="18" charset="0"/>
+              </a:rPr>
+              <a:t>(Z=1)</a:t>
+            </a:r>
+            <a:endParaRPr lang="en-US" dirty="0" smtClean="0">
+              <a:solidFill>
+                <a:srgbClr val="FF0000"/>
+              </a:solidFill>
+              <a:latin typeface="Times New Roman" panose="02020603050405020304" pitchFamily="18" charset="0"/>
+              <a:cs typeface="Times New Roman" panose="02020603050405020304" pitchFamily="18" charset="0"/>
+            </a:endParaRPr>
+          </a:p>
+          <a:p>
+            <a:pPr algn="ctr"/>
+            <a:endParaRPr lang="en-US" b="0" i="1" dirty="0" smtClean="0">
+              <a:solidFill>
+                <a:srgbClr val="00B050"/>
+              </a:solidFill>
+              <a:latin typeface="Cambria Math" panose="02040503050406030204" pitchFamily="18" charset="0"/>
+              <a:cs typeface="Times New Roman" panose="02020603050405020304" pitchFamily="18" charset="0"/>
+            </a:endParaRPr>
+          </a:p>
+        </p:txBody>
+      </p:sp>
+      <mc:AlternateContent xmlns:mc="http://schemas.openxmlformats.org/markup-compatibility/2006" xmlns:a14="http://schemas.microsoft.com/office/drawing/2010/main">
+        <mc:Choice Requires="a14">
+          <p:sp>
+            <p:nvSpPr>
+              <p:cNvPr id="6" name="TextBox 5"/>
+              <p:cNvSpPr txBox="1"/>
+              <p:nvPr/>
+            </p:nvSpPr>
+            <p:spPr>
+              <a:xfrm>
+                <a:off x="591669" y="3577161"/>
+                <a:ext cx="4724400" cy="1765804"/>
+              </a:xfrm>
+              <a:prstGeom prst="rect">
+                <a:avLst/>
+              </a:prstGeom>
+              <a:noFill/>
+              <a:ln w="28575">
+                <a:solidFill>
+                  <a:srgbClr val="C00000"/>
+                </a:solidFill>
+              </a:ln>
+            </p:spPr>
+            <p:txBody>
+              <a:bodyPr wrap="square" rtlCol="0">
+                <a:spAutoFit/>
+              </a:bodyPr>
+              <a:lstStyle/>
+              <a:p>
+                <a14:m>
+                  <m:oMath xmlns:m="http://schemas.openxmlformats.org/officeDocument/2006/math">
+                    <m:r>
+                      <a:rPr lang="en-US" b="1" i="1" smtClean="0">
+                        <a:solidFill>
+                          <a:schemeClr val="tx1"/>
+                        </a:solidFill>
+                        <a:latin typeface="Cambria Math" panose="02040503050406030204" pitchFamily="18" charset="0"/>
+                        <a:cs typeface="Times New Roman" panose="02020603050405020304" pitchFamily="18" charset="0"/>
+                      </a:rPr>
+                      <m:t> </m:t>
+                    </m:r>
+                    <m:r>
+                      <a:rPr lang="en-US" b="1" i="1" smtClean="0">
+                        <a:solidFill>
+                          <a:schemeClr val="tx1"/>
+                        </a:solidFill>
+                        <a:latin typeface="Cambria Math" panose="02040503050406030204" pitchFamily="18" charset="0"/>
+                        <a:cs typeface="Times New Roman" panose="02020603050405020304" pitchFamily="18" charset="0"/>
+                      </a:rPr>
+                      <m:t>𝑳</m:t>
+                    </m:r>
+                    <m:d>
+                      <m:dPr>
+                        <m:ctrlPr>
+                          <a:rPr lang="en-US" b="1" i="1">
+                            <a:solidFill>
+                              <a:schemeClr val="tx1"/>
+                            </a:solidFill>
+                            <a:latin typeface="Cambria Math" panose="02040503050406030204" pitchFamily="18" charset="0"/>
+                            <a:cs typeface="Times New Roman" panose="02020603050405020304" pitchFamily="18" charset="0"/>
+                          </a:rPr>
+                        </m:ctrlPr>
+                      </m:dPr>
+                      <m:e>
+                        <m:r>
+                          <a:rPr lang="en-US" b="1" i="1">
+                            <a:solidFill>
+                              <a:schemeClr val="tx1"/>
+                            </a:solidFill>
+                            <a:latin typeface="Cambria Math" panose="02040503050406030204" pitchFamily="18" charset="0"/>
+                            <a:cs typeface="Times New Roman" panose="02020603050405020304" pitchFamily="18" charset="0"/>
+                          </a:rPr>
+                          <m:t>𝑬</m:t>
+                        </m:r>
+                        <m:r>
+                          <a:rPr lang="en-US" b="1" i="1">
+                            <a:solidFill>
+                              <a:schemeClr val="tx1"/>
+                            </a:solidFill>
+                            <a:latin typeface="Cambria Math" panose="02040503050406030204" pitchFamily="18" charset="0"/>
+                            <a:cs typeface="Times New Roman" panose="02020603050405020304" pitchFamily="18" charset="0"/>
+                          </a:rPr>
+                          <m:t>,</m:t>
+                        </m:r>
+                        <m:r>
+                          <a:rPr lang="en-US" b="1" i="1">
+                            <a:solidFill>
+                              <a:schemeClr val="tx1"/>
+                            </a:solidFill>
+                            <a:latin typeface="Cambria Math" panose="02040503050406030204" pitchFamily="18" charset="0"/>
+                            <a:cs typeface="Times New Roman" panose="02020603050405020304" pitchFamily="18" charset="0"/>
+                          </a:rPr>
+                          <m:t>𝑨</m:t>
+                        </m:r>
+                      </m:e>
+                    </m:d>
+                    <m:r>
+                      <a:rPr lang="en-US" b="1" i="1">
+                        <a:solidFill>
+                          <a:schemeClr val="tx1"/>
+                        </a:solidFill>
+                        <a:latin typeface="Cambria Math" panose="02040503050406030204" pitchFamily="18" charset="0"/>
+                        <a:cs typeface="Times New Roman" panose="02020603050405020304" pitchFamily="18" charset="0"/>
+                      </a:rPr>
+                      <m:t>=</m:t>
+                    </m:r>
+                    <m:sSub>
+                      <m:sSubPr>
+                        <m:ctrlPr>
+                          <a:rPr lang="en-US" b="1" i="1">
+                            <a:solidFill>
+                              <a:schemeClr val="tx1"/>
+                            </a:solidFill>
+                            <a:latin typeface="Cambria Math" panose="02040503050406030204" pitchFamily="18" charset="0"/>
+                            <a:ea typeface="Cambria Math" panose="02040503050406030204" pitchFamily="18" charset="0"/>
+                            <a:cs typeface="Times New Roman" panose="02020603050405020304" pitchFamily="18" charset="0"/>
+                          </a:rPr>
+                        </m:ctrlPr>
+                      </m:sSubPr>
+                      <m:e>
+                        <m:r>
+                          <a:rPr lang="en-US" b="1" i="1">
+                            <a:solidFill>
+                              <a:schemeClr val="tx1"/>
+                            </a:solidFill>
+                            <a:latin typeface="Cambria Math" panose="02040503050406030204" pitchFamily="18" charset="0"/>
+                            <a:ea typeface="Cambria Math" panose="02040503050406030204" pitchFamily="18" charset="0"/>
+                            <a:cs typeface="Times New Roman" panose="02020603050405020304" pitchFamily="18" charset="0"/>
+                          </a:rPr>
+                          <m:t>𝒂</m:t>
+                        </m:r>
+                      </m:e>
+                      <m:sub>
+                        <m:r>
+                          <a:rPr lang="en-US" b="1" i="1">
+                            <a:solidFill>
+                              <a:schemeClr val="tx1"/>
+                            </a:solidFill>
+                            <a:latin typeface="Cambria Math" panose="02040503050406030204" pitchFamily="18" charset="0"/>
+                            <a:ea typeface="Cambria Math" panose="02040503050406030204" pitchFamily="18" charset="0"/>
+                            <a:cs typeface="Times New Roman" panose="02020603050405020304" pitchFamily="18" charset="0"/>
+                          </a:rPr>
+                          <m:t>𝟎</m:t>
+                        </m:r>
+                      </m:sub>
+                    </m:sSub>
+                    <m:r>
+                      <a:rPr lang="en-US" b="1" i="1">
+                        <a:solidFill>
+                          <a:schemeClr val="tx1"/>
+                        </a:solidFill>
+                        <a:latin typeface="Cambria Math" panose="02040503050406030204" pitchFamily="18" charset="0"/>
+                        <a:cs typeface="Times New Roman" panose="02020603050405020304" pitchFamily="18" charset="0"/>
+                      </a:rPr>
+                      <m:t>+</m:t>
+                    </m:r>
+                    <m:sSub>
+                      <m:sSubPr>
+                        <m:ctrlPr>
+                          <a:rPr lang="en-US" b="1" i="1">
+                            <a:solidFill>
+                              <a:schemeClr val="tx1"/>
+                            </a:solidFill>
+                            <a:latin typeface="Cambria Math" panose="02040503050406030204" pitchFamily="18" charset="0"/>
+                            <a:ea typeface="Cambria Math" panose="02040503050406030204" pitchFamily="18" charset="0"/>
+                            <a:cs typeface="Times New Roman" panose="02020603050405020304" pitchFamily="18" charset="0"/>
+                          </a:rPr>
+                        </m:ctrlPr>
+                      </m:sSubPr>
+                      <m:e>
+                        <m:r>
+                          <a:rPr lang="en-US" b="1" i="1">
+                            <a:solidFill>
+                              <a:schemeClr val="tx1"/>
+                            </a:solidFill>
+                            <a:latin typeface="Cambria Math" panose="02040503050406030204" pitchFamily="18" charset="0"/>
+                            <a:ea typeface="Cambria Math" panose="02040503050406030204" pitchFamily="18" charset="0"/>
+                            <a:cs typeface="Times New Roman" panose="02020603050405020304" pitchFamily="18" charset="0"/>
+                          </a:rPr>
+                          <m:t>𝒂</m:t>
+                        </m:r>
+                      </m:e>
+                      <m:sub>
+                        <m:r>
+                          <a:rPr lang="en-US" b="1" i="1">
+                            <a:solidFill>
+                              <a:schemeClr val="tx1"/>
+                            </a:solidFill>
+                            <a:latin typeface="Cambria Math" panose="02040503050406030204" pitchFamily="18" charset="0"/>
+                            <a:ea typeface="Cambria Math" panose="02040503050406030204" pitchFamily="18" charset="0"/>
+                            <a:cs typeface="Times New Roman" panose="02020603050405020304" pitchFamily="18" charset="0"/>
+                          </a:rPr>
+                          <m:t>𝟏</m:t>
+                        </m:r>
+                      </m:sub>
+                    </m:sSub>
+                    <m:r>
+                      <a:rPr lang="en-US" b="1" i="1">
+                        <a:solidFill>
+                          <a:schemeClr val="tx1"/>
+                        </a:solidFill>
+                        <a:latin typeface="Cambria Math" panose="02040503050406030204" pitchFamily="18" charset="0"/>
+                        <a:ea typeface="Cambria Math" panose="02040503050406030204" pitchFamily="18" charset="0"/>
+                        <a:cs typeface="Times New Roman" panose="02020603050405020304" pitchFamily="18" charset="0"/>
+                      </a:rPr>
+                      <m:t>∙</m:t>
+                    </m:r>
+                    <m:sSup>
+                      <m:sSupPr>
+                        <m:ctrlPr>
+                          <a:rPr lang="en-US" b="1" i="1">
+                            <a:solidFill>
+                              <a:schemeClr val="tx1"/>
+                            </a:solidFill>
+                            <a:latin typeface="Cambria Math" panose="02040503050406030204" pitchFamily="18" charset="0"/>
+                            <a:ea typeface="Cambria Math" panose="02040503050406030204" pitchFamily="18" charset="0"/>
+                            <a:cs typeface="Times New Roman" panose="02020603050405020304" pitchFamily="18" charset="0"/>
+                          </a:rPr>
+                        </m:ctrlPr>
+                      </m:sSupPr>
+                      <m:e>
+                        <m:r>
+                          <a:rPr lang="en-US" b="1" i="1">
+                            <a:solidFill>
+                              <a:schemeClr val="tx1"/>
+                            </a:solidFill>
+                            <a:latin typeface="Cambria Math" panose="02040503050406030204" pitchFamily="18" charset="0"/>
+                            <a:ea typeface="Cambria Math" panose="02040503050406030204" pitchFamily="18" charset="0"/>
+                            <a:cs typeface="Times New Roman" panose="02020603050405020304" pitchFamily="18" charset="0"/>
+                          </a:rPr>
+                          <m:t>𝑬</m:t>
+                        </m:r>
+                      </m:e>
+                      <m:sup>
+                        <m:r>
+                          <a:rPr lang="en-US" b="1" i="1">
+                            <a:solidFill>
+                              <a:schemeClr val="tx1"/>
+                            </a:solidFill>
+                            <a:latin typeface="Cambria Math" panose="02040503050406030204" pitchFamily="18" charset="0"/>
+                            <a:ea typeface="Cambria Math" panose="02040503050406030204" pitchFamily="18" charset="0"/>
+                            <a:cs typeface="Times New Roman" panose="02020603050405020304" pitchFamily="18" charset="0"/>
+                          </a:rPr>
+                          <m:t>(</m:t>
+                        </m:r>
+                        <m:r>
+                          <a:rPr lang="en-US" b="1" i="1">
+                            <a:solidFill>
+                              <a:schemeClr val="tx1"/>
+                            </a:solidFill>
+                            <a:latin typeface="Cambria Math" panose="02040503050406030204" pitchFamily="18" charset="0"/>
+                            <a:ea typeface="Cambria Math" panose="02040503050406030204" pitchFamily="18" charset="0"/>
+                            <a:cs typeface="Times New Roman" panose="02020603050405020304" pitchFamily="18" charset="0"/>
+                          </a:rPr>
+                          <m:t>𝑨</m:t>
+                        </m:r>
+                        <m:r>
+                          <a:rPr lang="en-US" b="1" i="1">
+                            <a:solidFill>
+                              <a:schemeClr val="tx1"/>
+                            </a:solidFill>
+                            <a:latin typeface="Cambria Math" panose="02040503050406030204" pitchFamily="18" charset="0"/>
+                            <a:ea typeface="Cambria Math" panose="02040503050406030204" pitchFamily="18" charset="0"/>
+                            <a:cs typeface="Times New Roman" panose="02020603050405020304" pitchFamily="18" charset="0"/>
+                          </a:rPr>
+                          <m:t>+</m:t>
+                        </m:r>
+                        <m:sSub>
+                          <m:sSubPr>
+                            <m:ctrlPr>
+                              <a:rPr lang="en-US" b="1" i="1">
+                                <a:solidFill>
+                                  <a:schemeClr val="tx1"/>
+                                </a:solidFill>
+                                <a:latin typeface="Cambria Math" panose="02040503050406030204" pitchFamily="18" charset="0"/>
+                                <a:ea typeface="Cambria Math" panose="02040503050406030204" pitchFamily="18" charset="0"/>
+                                <a:cs typeface="Times New Roman" panose="02020603050405020304" pitchFamily="18" charset="0"/>
+                              </a:rPr>
+                            </m:ctrlPr>
+                          </m:sSubPr>
+                          <m:e>
+                            <m:r>
+                              <a:rPr lang="en-US" b="1" i="1">
+                                <a:solidFill>
+                                  <a:schemeClr val="tx1"/>
+                                </a:solidFill>
+                                <a:latin typeface="Cambria Math" panose="02040503050406030204" pitchFamily="18" charset="0"/>
+                                <a:ea typeface="Cambria Math" panose="02040503050406030204" pitchFamily="18" charset="0"/>
+                                <a:cs typeface="Times New Roman" panose="02020603050405020304" pitchFamily="18" charset="0"/>
+                              </a:rPr>
+                              <m:t>𝒂</m:t>
+                            </m:r>
+                          </m:e>
+                          <m:sub>
+                            <m:r>
+                              <a:rPr lang="en-US" b="1" i="1">
+                                <a:solidFill>
+                                  <a:schemeClr val="tx1"/>
+                                </a:solidFill>
+                                <a:latin typeface="Cambria Math" panose="02040503050406030204" pitchFamily="18" charset="0"/>
+                                <a:ea typeface="Cambria Math" panose="02040503050406030204" pitchFamily="18" charset="0"/>
+                                <a:cs typeface="Times New Roman" panose="02020603050405020304" pitchFamily="18" charset="0"/>
+                              </a:rPr>
+                              <m:t>𝟐</m:t>
+                            </m:r>
+                          </m:sub>
+                        </m:sSub>
+                        <m:r>
+                          <a:rPr lang="en-US" b="1" i="1">
+                            <a:solidFill>
+                              <a:schemeClr val="tx1"/>
+                            </a:solidFill>
+                            <a:latin typeface="Cambria Math" panose="02040503050406030204" pitchFamily="18" charset="0"/>
+                            <a:ea typeface="Cambria Math" panose="02040503050406030204" pitchFamily="18" charset="0"/>
+                            <a:cs typeface="Times New Roman" panose="02020603050405020304" pitchFamily="18" charset="0"/>
+                          </a:rPr>
+                          <m:t>)/(</m:t>
+                        </m:r>
+                        <m:r>
+                          <a:rPr lang="en-US" b="1" i="1">
+                            <a:solidFill>
+                              <a:schemeClr val="tx1"/>
+                            </a:solidFill>
+                            <a:latin typeface="Cambria Math" panose="02040503050406030204" pitchFamily="18" charset="0"/>
+                            <a:ea typeface="Cambria Math" panose="02040503050406030204" pitchFamily="18" charset="0"/>
+                            <a:cs typeface="Times New Roman" panose="02020603050405020304" pitchFamily="18" charset="0"/>
+                          </a:rPr>
+                          <m:t>𝑨</m:t>
+                        </m:r>
+                        <m:r>
+                          <a:rPr lang="en-US" b="1" i="1">
+                            <a:solidFill>
+                              <a:schemeClr val="tx1"/>
+                            </a:solidFill>
+                            <a:latin typeface="Cambria Math" panose="02040503050406030204" pitchFamily="18" charset="0"/>
+                            <a:ea typeface="Cambria Math" panose="02040503050406030204" pitchFamily="18" charset="0"/>
+                            <a:cs typeface="Times New Roman" panose="02020603050405020304" pitchFamily="18" charset="0"/>
+                          </a:rPr>
+                          <m:t>+</m:t>
+                        </m:r>
+                        <m:sSub>
+                          <m:sSubPr>
+                            <m:ctrlPr>
+                              <a:rPr lang="en-US" b="1" i="1">
+                                <a:solidFill>
+                                  <a:schemeClr val="tx1"/>
+                                </a:solidFill>
+                                <a:latin typeface="Cambria Math" panose="02040503050406030204" pitchFamily="18" charset="0"/>
+                                <a:ea typeface="Cambria Math" panose="02040503050406030204" pitchFamily="18" charset="0"/>
+                                <a:cs typeface="Times New Roman" panose="02020603050405020304" pitchFamily="18" charset="0"/>
+                              </a:rPr>
+                            </m:ctrlPr>
+                          </m:sSubPr>
+                          <m:e>
+                            <m:r>
+                              <a:rPr lang="en-US" b="1" i="1">
+                                <a:solidFill>
+                                  <a:schemeClr val="tx1"/>
+                                </a:solidFill>
+                                <a:latin typeface="Cambria Math" panose="02040503050406030204" pitchFamily="18" charset="0"/>
+                                <a:ea typeface="Cambria Math" panose="02040503050406030204" pitchFamily="18" charset="0"/>
+                                <a:cs typeface="Times New Roman" panose="02020603050405020304" pitchFamily="18" charset="0"/>
+                              </a:rPr>
+                              <m:t>𝒂</m:t>
+                            </m:r>
+                          </m:e>
+                          <m:sub>
+                            <m:r>
+                              <a:rPr lang="en-US" b="1" i="1">
+                                <a:solidFill>
+                                  <a:schemeClr val="tx1"/>
+                                </a:solidFill>
+                                <a:latin typeface="Cambria Math" panose="02040503050406030204" pitchFamily="18" charset="0"/>
+                                <a:ea typeface="Cambria Math" panose="02040503050406030204" pitchFamily="18" charset="0"/>
+                                <a:cs typeface="Times New Roman" panose="02020603050405020304" pitchFamily="18" charset="0"/>
+                              </a:rPr>
+                              <m:t>𝟑</m:t>
+                            </m:r>
+                          </m:sub>
+                        </m:sSub>
+                        <m:r>
+                          <a:rPr lang="en-US" b="1" i="1">
+                            <a:solidFill>
+                              <a:schemeClr val="tx1"/>
+                            </a:solidFill>
+                            <a:latin typeface="Cambria Math" panose="02040503050406030204" pitchFamily="18" charset="0"/>
+                            <a:ea typeface="Cambria Math" panose="02040503050406030204" pitchFamily="18" charset="0"/>
+                            <a:cs typeface="Times New Roman" panose="02020603050405020304" pitchFamily="18" charset="0"/>
+                          </a:rPr>
+                          <m:t>)</m:t>
+                        </m:r>
+                      </m:sup>
+                    </m:sSup>
+                  </m:oMath>
+                </a14:m>
+                <a:r>
+                  <a:rPr lang="en-US" b="1" dirty="0">
+                    <a:solidFill>
+                      <a:schemeClr val="tx1"/>
+                    </a:solidFill>
+                    <a:latin typeface="Times New Roman" panose="02020603050405020304" pitchFamily="18" charset="0"/>
+                    <a:cs typeface="Times New Roman" panose="02020603050405020304" pitchFamily="18" charset="0"/>
+                  </a:rPr>
+                  <a:t> (</a:t>
+                </a:r>
+                <a14:m>
+                  <m:oMath xmlns:m="http://schemas.openxmlformats.org/officeDocument/2006/math">
+                    <m:sSub>
+                      <m:sSubPr>
+                        <m:ctrlPr>
+                          <a:rPr lang="en-US" b="1" i="1">
+                            <a:solidFill>
+                              <a:schemeClr val="tx1"/>
+                            </a:solidFill>
+                            <a:latin typeface="Cambria Math" panose="02040503050406030204" pitchFamily="18" charset="0"/>
+                            <a:ea typeface="Cambria Math" panose="02040503050406030204" pitchFamily="18" charset="0"/>
+                            <a:cs typeface="Times New Roman" panose="02020603050405020304" pitchFamily="18" charset="0"/>
+                          </a:rPr>
+                        </m:ctrlPr>
+                      </m:sSubPr>
+                      <m:e>
+                        <m:r>
+                          <a:rPr lang="en-US" b="1" i="1">
+                            <a:solidFill>
+                              <a:schemeClr val="tx1"/>
+                            </a:solidFill>
+                            <a:latin typeface="Cambria Math" panose="02040503050406030204" pitchFamily="18" charset="0"/>
+                            <a:ea typeface="Cambria Math" panose="02040503050406030204" pitchFamily="18" charset="0"/>
+                            <a:cs typeface="Times New Roman" panose="02020603050405020304" pitchFamily="18" charset="0"/>
+                          </a:rPr>
+                          <m:t>𝒂</m:t>
+                        </m:r>
+                      </m:e>
+                      <m:sub>
+                        <m:r>
+                          <a:rPr lang="en-US" b="1" i="1">
+                            <a:solidFill>
+                              <a:schemeClr val="tx1"/>
+                            </a:solidFill>
+                            <a:latin typeface="Cambria Math" panose="02040503050406030204" pitchFamily="18" charset="0"/>
+                            <a:ea typeface="Cambria Math" panose="02040503050406030204" pitchFamily="18" charset="0"/>
+                            <a:cs typeface="Times New Roman" panose="02020603050405020304" pitchFamily="18" charset="0"/>
+                          </a:rPr>
+                          <m:t>𝟐</m:t>
+                        </m:r>
+                      </m:sub>
+                    </m:sSub>
+                    <m:r>
+                      <a:rPr lang="en-US" b="1" i="1">
+                        <a:solidFill>
+                          <a:schemeClr val="tx1"/>
+                        </a:solidFill>
+                        <a:latin typeface="Cambria Math" panose="02040503050406030204" pitchFamily="18" charset="0"/>
+                        <a:ea typeface="Cambria Math" panose="02040503050406030204" pitchFamily="18" charset="0"/>
+                        <a:cs typeface="Times New Roman" panose="02020603050405020304" pitchFamily="18" charset="0"/>
+                      </a:rPr>
+                      <m:t>&lt;</m:t>
+                    </m:r>
+                    <m:sSub>
+                      <m:sSubPr>
+                        <m:ctrlPr>
+                          <a:rPr lang="en-US" b="1" i="1">
+                            <a:solidFill>
+                              <a:schemeClr val="tx1"/>
+                            </a:solidFill>
+                            <a:latin typeface="Cambria Math" panose="02040503050406030204" pitchFamily="18" charset="0"/>
+                            <a:ea typeface="Cambria Math" panose="02040503050406030204" pitchFamily="18" charset="0"/>
+                            <a:cs typeface="Times New Roman" panose="02020603050405020304" pitchFamily="18" charset="0"/>
+                          </a:rPr>
+                        </m:ctrlPr>
+                      </m:sSubPr>
+                      <m:e>
+                        <m:r>
+                          <a:rPr lang="en-US" b="1" i="1">
+                            <a:solidFill>
+                              <a:schemeClr val="tx1"/>
+                            </a:solidFill>
+                            <a:latin typeface="Cambria Math" panose="02040503050406030204" pitchFamily="18" charset="0"/>
+                            <a:ea typeface="Cambria Math" panose="02040503050406030204" pitchFamily="18" charset="0"/>
+                            <a:cs typeface="Times New Roman" panose="02020603050405020304" pitchFamily="18" charset="0"/>
+                          </a:rPr>
+                          <m:t>𝒂</m:t>
+                        </m:r>
+                      </m:e>
+                      <m:sub>
+                        <m:r>
+                          <a:rPr lang="en-US" b="1" i="1">
+                            <a:solidFill>
+                              <a:schemeClr val="tx1"/>
+                            </a:solidFill>
+                            <a:latin typeface="Cambria Math" panose="02040503050406030204" pitchFamily="18" charset="0"/>
+                            <a:ea typeface="Cambria Math" panose="02040503050406030204" pitchFamily="18" charset="0"/>
+                            <a:cs typeface="Times New Roman" panose="02020603050405020304" pitchFamily="18" charset="0"/>
+                          </a:rPr>
+                          <m:t>𝟑</m:t>
+                        </m:r>
+                      </m:sub>
+                    </m:sSub>
+                    <m:r>
+                      <a:rPr lang="en-US" b="1">
+                        <a:solidFill>
+                          <a:schemeClr val="tx1"/>
+                        </a:solidFill>
+                        <a:latin typeface="Cambria Math" panose="02040503050406030204" pitchFamily="18" charset="0"/>
+                        <a:ea typeface="Cambria Math" panose="02040503050406030204" pitchFamily="18" charset="0"/>
+                        <a:cs typeface="Times New Roman" panose="02020603050405020304" pitchFamily="18" charset="0"/>
+                      </a:rPr>
+                      <m:t>)</m:t>
+                    </m:r>
+                  </m:oMath>
+                </a14:m>
+                <a:endParaRPr lang="en-US" b="1" dirty="0" smtClean="0">
+                  <a:solidFill>
+                    <a:schemeClr val="tx1"/>
+                  </a:solidFill>
+                  <a:latin typeface="Times New Roman" panose="02020603050405020304" pitchFamily="18" charset="0"/>
+                  <a:ea typeface="Cambria Math" panose="02040503050406030204" pitchFamily="18" charset="0"/>
+                  <a:cs typeface="Times New Roman" panose="02020603050405020304" pitchFamily="18" charset="0"/>
+                </a:endParaRPr>
+              </a:p>
+              <a:p>
+                <a:endParaRPr lang="en-US" b="1" dirty="0" smtClean="0">
+                  <a:solidFill>
+                    <a:schemeClr val="tx1"/>
+                  </a:solidFill>
+                  <a:latin typeface="Times New Roman" panose="02020603050405020304" pitchFamily="18" charset="0"/>
+                  <a:ea typeface="Cambria Math" panose="02040503050406030204" pitchFamily="18" charset="0"/>
+                  <a:cs typeface="Times New Roman" panose="02020603050405020304" pitchFamily="18" charset="0"/>
+                </a:endParaRPr>
+              </a:p>
+              <a:p>
+                <a:r>
+                  <a:rPr lang="en-US" b="1" dirty="0" smtClean="0">
+                    <a:solidFill>
+                      <a:schemeClr val="tx1"/>
+                    </a:solidFill>
+                  </a:rPr>
+                  <a:t>  </a:t>
+                </a:r>
+                <a14:m>
+                  <m:oMath xmlns:m="http://schemas.openxmlformats.org/officeDocument/2006/math">
+                    <m:sSub>
+                      <m:sSubPr>
+                        <m:ctrlPr>
+                          <a:rPr lang="en-US" b="1" i="1">
+                            <a:solidFill>
+                              <a:schemeClr val="tx1"/>
+                            </a:solidFill>
+                            <a:latin typeface="Cambria Math" panose="02040503050406030204" pitchFamily="18" charset="0"/>
+                            <a:ea typeface="Cambria Math" panose="02040503050406030204" pitchFamily="18" charset="0"/>
+                            <a:cs typeface="Times New Roman" panose="02020603050405020304" pitchFamily="18" charset="0"/>
+                          </a:rPr>
+                        </m:ctrlPr>
+                      </m:sSubPr>
+                      <m:e>
+                        <m:r>
+                          <a:rPr lang="en-US" b="1" i="1">
+                            <a:solidFill>
+                              <a:schemeClr val="tx1"/>
+                            </a:solidFill>
+                            <a:latin typeface="Cambria Math" panose="02040503050406030204" pitchFamily="18" charset="0"/>
+                            <a:ea typeface="Cambria Math" panose="02040503050406030204" pitchFamily="18" charset="0"/>
+                            <a:cs typeface="Times New Roman" panose="02020603050405020304" pitchFamily="18" charset="0"/>
+                          </a:rPr>
+                          <m:t>𝒂</m:t>
+                        </m:r>
+                      </m:e>
+                      <m:sub>
+                        <m:r>
+                          <a:rPr lang="en-US" b="1" i="1">
+                            <a:solidFill>
+                              <a:schemeClr val="tx1"/>
+                            </a:solidFill>
+                            <a:latin typeface="Cambria Math" panose="02040503050406030204" pitchFamily="18" charset="0"/>
+                            <a:ea typeface="Cambria Math" panose="02040503050406030204" pitchFamily="18" charset="0"/>
+                            <a:cs typeface="Times New Roman" panose="02020603050405020304" pitchFamily="18" charset="0"/>
+                          </a:rPr>
+                          <m:t>𝟎</m:t>
+                        </m:r>
+                      </m:sub>
+                    </m:sSub>
+                    <m:r>
+                      <a:rPr lang="en-US" b="1" i="0" smtClean="0">
+                        <a:solidFill>
+                          <a:schemeClr val="tx1"/>
+                        </a:solidFill>
+                        <a:latin typeface="Cambria Math" panose="02040503050406030204" pitchFamily="18" charset="0"/>
+                        <a:ea typeface="Cambria Math" panose="02040503050406030204" pitchFamily="18" charset="0"/>
+                        <a:cs typeface="Times New Roman" panose="02020603050405020304" pitchFamily="18" charset="0"/>
+                      </a:rPr>
+                      <m:t>=−</m:t>
+                    </m:r>
+                    <m:r>
+                      <a:rPr lang="en-US" b="1" i="0" smtClean="0">
+                        <a:solidFill>
+                          <a:schemeClr val="tx1"/>
+                        </a:solidFill>
+                        <a:latin typeface="Cambria Math" panose="02040503050406030204" pitchFamily="18" charset="0"/>
+                        <a:ea typeface="Cambria Math" panose="02040503050406030204" pitchFamily="18" charset="0"/>
+                        <a:cs typeface="Times New Roman" panose="02020603050405020304" pitchFamily="18" charset="0"/>
+                      </a:rPr>
+                      <m:t>𝟎</m:t>
+                    </m:r>
+                    <m:r>
+                      <a:rPr lang="en-US" b="1" i="0" smtClean="0">
+                        <a:solidFill>
+                          <a:schemeClr val="tx1"/>
+                        </a:solidFill>
+                        <a:latin typeface="Cambria Math" panose="02040503050406030204" pitchFamily="18" charset="0"/>
+                        <a:ea typeface="Cambria Math" panose="02040503050406030204" pitchFamily="18" charset="0"/>
+                        <a:cs typeface="Times New Roman" panose="02020603050405020304" pitchFamily="18" charset="0"/>
+                      </a:rPr>
+                      <m:t>.</m:t>
+                    </m:r>
+                    <m:r>
+                      <a:rPr lang="en-US" b="1" i="0" smtClean="0">
+                        <a:solidFill>
+                          <a:schemeClr val="tx1"/>
+                        </a:solidFill>
+                        <a:latin typeface="Cambria Math" panose="02040503050406030204" pitchFamily="18" charset="0"/>
+                        <a:ea typeface="Cambria Math" panose="02040503050406030204" pitchFamily="18" charset="0"/>
+                        <a:cs typeface="Times New Roman" panose="02020603050405020304" pitchFamily="18" charset="0"/>
+                      </a:rPr>
+                      <m:t>𝟎𝟎𝟏𝟔𝟏𝟑</m:t>
+                    </m:r>
+                  </m:oMath>
+                </a14:m>
+                <a:endParaRPr lang="en-US" b="1" dirty="0" smtClean="0">
+                  <a:solidFill>
+                    <a:schemeClr val="tx1"/>
+                  </a:solidFill>
+                </a:endParaRPr>
+              </a:p>
+              <a:p>
+                <a:r>
+                  <a:rPr lang="en-US" b="1" dirty="0">
+                    <a:solidFill>
+                      <a:schemeClr val="tx1"/>
+                    </a:solidFill>
+                  </a:rPr>
+                  <a:t> </a:t>
+                </a:r>
+                <a:r>
+                  <a:rPr lang="en-US" b="1" dirty="0" smtClean="0">
+                    <a:solidFill>
+                      <a:schemeClr val="tx1"/>
+                    </a:solidFill>
+                  </a:rPr>
+                  <a:t> </a:t>
+                </a:r>
+                <a14:m>
+                  <m:oMath xmlns:m="http://schemas.openxmlformats.org/officeDocument/2006/math">
+                    <m:sSub>
+                      <m:sSubPr>
+                        <m:ctrlPr>
+                          <a:rPr lang="en-US" b="1" i="1">
+                            <a:solidFill>
+                              <a:schemeClr val="tx1"/>
+                            </a:solidFill>
+                            <a:latin typeface="Cambria Math" panose="02040503050406030204" pitchFamily="18" charset="0"/>
+                            <a:ea typeface="Cambria Math" panose="02040503050406030204" pitchFamily="18" charset="0"/>
+                            <a:cs typeface="Times New Roman" panose="02020603050405020304" pitchFamily="18" charset="0"/>
+                          </a:rPr>
+                        </m:ctrlPr>
+                      </m:sSubPr>
+                      <m:e>
+                        <m:r>
+                          <a:rPr lang="en-US" b="1" i="1">
+                            <a:solidFill>
+                              <a:schemeClr val="tx1"/>
+                            </a:solidFill>
+                            <a:latin typeface="Cambria Math" panose="02040503050406030204" pitchFamily="18" charset="0"/>
+                            <a:ea typeface="Cambria Math" panose="02040503050406030204" pitchFamily="18" charset="0"/>
+                            <a:cs typeface="Times New Roman" panose="02020603050405020304" pitchFamily="18" charset="0"/>
+                          </a:rPr>
+                          <m:t>𝒂</m:t>
+                        </m:r>
+                      </m:e>
+                      <m:sub>
+                        <m:r>
+                          <a:rPr lang="en-US" b="1" i="1" smtClean="0">
+                            <a:solidFill>
+                              <a:schemeClr val="tx1"/>
+                            </a:solidFill>
+                            <a:latin typeface="Cambria Math" panose="02040503050406030204" pitchFamily="18" charset="0"/>
+                            <a:ea typeface="Cambria Math" panose="02040503050406030204" pitchFamily="18" charset="0"/>
+                            <a:cs typeface="Times New Roman" panose="02020603050405020304" pitchFamily="18" charset="0"/>
+                          </a:rPr>
+                          <m:t>𝟏</m:t>
+                        </m:r>
+                      </m:sub>
+                    </m:sSub>
+                    <m:r>
+                      <a:rPr lang="en-US" b="1" i="1" smtClean="0">
+                        <a:solidFill>
+                          <a:schemeClr val="tx1"/>
+                        </a:solidFill>
+                        <a:latin typeface="Cambria Math" panose="02040503050406030204" pitchFamily="18" charset="0"/>
+                        <a:ea typeface="Cambria Math" panose="02040503050406030204" pitchFamily="18" charset="0"/>
+                        <a:cs typeface="Times New Roman" panose="02020603050405020304" pitchFamily="18" charset="0"/>
+                      </a:rPr>
+                      <m:t>=</m:t>
+                    </m:r>
+                    <m:r>
+                      <a:rPr lang="en-US" b="1" i="1" smtClean="0">
+                        <a:solidFill>
+                          <a:schemeClr val="tx1"/>
+                        </a:solidFill>
+                        <a:latin typeface="Cambria Math" panose="02040503050406030204" pitchFamily="18" charset="0"/>
+                        <a:ea typeface="Cambria Math" panose="02040503050406030204" pitchFamily="18" charset="0"/>
+                        <a:cs typeface="Times New Roman" panose="02020603050405020304" pitchFamily="18" charset="0"/>
+                      </a:rPr>
+                      <m:t>𝟎</m:t>
+                    </m:r>
+                    <m:r>
+                      <a:rPr lang="en-US" b="1" i="1" smtClean="0">
+                        <a:solidFill>
+                          <a:schemeClr val="tx1"/>
+                        </a:solidFill>
+                        <a:latin typeface="Cambria Math" panose="02040503050406030204" pitchFamily="18" charset="0"/>
+                        <a:ea typeface="Cambria Math" panose="02040503050406030204" pitchFamily="18" charset="0"/>
+                        <a:cs typeface="Times New Roman" panose="02020603050405020304" pitchFamily="18" charset="0"/>
+                      </a:rPr>
+                      <m:t>.</m:t>
+                    </m:r>
+                    <m:r>
+                      <a:rPr lang="en-US" b="1" i="1" smtClean="0">
+                        <a:solidFill>
+                          <a:schemeClr val="tx1"/>
+                        </a:solidFill>
+                        <a:latin typeface="Cambria Math" panose="02040503050406030204" pitchFamily="18" charset="0"/>
+                        <a:ea typeface="Cambria Math" panose="02040503050406030204" pitchFamily="18" charset="0"/>
+                        <a:cs typeface="Times New Roman" panose="02020603050405020304" pitchFamily="18" charset="0"/>
+                      </a:rPr>
+                      <m:t>𝟎𝟎𝟕𝟐𝟑𝟗𝟔𝟏</m:t>
+                    </m:r>
+                  </m:oMath>
+                </a14:m>
+                <a:endParaRPr lang="en-US" b="1" dirty="0" smtClean="0">
+                  <a:solidFill>
+                    <a:schemeClr val="tx1"/>
+                  </a:solidFill>
+                  <a:ea typeface="Cambria Math" panose="02040503050406030204" pitchFamily="18" charset="0"/>
+                  <a:cs typeface="Times New Roman" panose="02020603050405020304" pitchFamily="18" charset="0"/>
+                </a:endParaRPr>
+              </a:p>
+              <a:p>
+                <a14:m>
+                  <m:oMath xmlns:m="http://schemas.openxmlformats.org/officeDocument/2006/math">
+                    <m:sSub>
+                      <m:sSubPr>
+                        <m:ctrlPr>
+                          <a:rPr lang="en-US" b="1" i="1">
+                            <a:solidFill>
+                              <a:schemeClr val="tx1"/>
+                            </a:solidFill>
+                            <a:latin typeface="Cambria Math" panose="02040503050406030204" pitchFamily="18" charset="0"/>
+                            <a:ea typeface="Cambria Math" panose="02040503050406030204" pitchFamily="18" charset="0"/>
+                            <a:cs typeface="Times New Roman" panose="02020603050405020304" pitchFamily="18" charset="0"/>
+                          </a:rPr>
+                        </m:ctrlPr>
+                      </m:sSubPr>
+                      <m:e>
+                        <m:r>
+                          <a:rPr lang="en-US" b="1" i="1" smtClean="0">
+                            <a:solidFill>
+                              <a:schemeClr val="tx1"/>
+                            </a:solidFill>
+                            <a:latin typeface="Cambria Math" panose="02040503050406030204" pitchFamily="18" charset="0"/>
+                            <a:ea typeface="Cambria Math" panose="02040503050406030204" pitchFamily="18" charset="0"/>
+                            <a:cs typeface="Times New Roman" panose="02020603050405020304" pitchFamily="18" charset="0"/>
+                          </a:rPr>
+                          <m:t>  </m:t>
+                        </m:r>
+                        <m:r>
+                          <a:rPr lang="en-US" b="1" i="1">
+                            <a:solidFill>
+                              <a:schemeClr val="tx1"/>
+                            </a:solidFill>
+                            <a:latin typeface="Cambria Math" panose="02040503050406030204" pitchFamily="18" charset="0"/>
+                            <a:ea typeface="Cambria Math" panose="02040503050406030204" pitchFamily="18" charset="0"/>
+                            <a:cs typeface="Times New Roman" panose="02020603050405020304" pitchFamily="18" charset="0"/>
+                          </a:rPr>
+                          <m:t>𝒂</m:t>
+                        </m:r>
+                      </m:e>
+                      <m:sub>
+                        <m:r>
+                          <a:rPr lang="en-US" b="1" i="1" smtClean="0">
+                            <a:solidFill>
+                              <a:schemeClr val="tx1"/>
+                            </a:solidFill>
+                            <a:latin typeface="Cambria Math" panose="02040503050406030204" pitchFamily="18" charset="0"/>
+                            <a:ea typeface="Cambria Math" panose="02040503050406030204" pitchFamily="18" charset="0"/>
+                            <a:cs typeface="Times New Roman" panose="02020603050405020304" pitchFamily="18" charset="0"/>
+                          </a:rPr>
+                          <m:t>𝟐</m:t>
+                        </m:r>
+                        <m:r>
+                          <a:rPr lang="en-US" b="1" i="1" smtClean="0">
+                            <a:solidFill>
+                              <a:schemeClr val="tx1"/>
+                            </a:solidFill>
+                            <a:latin typeface="Cambria Math" panose="02040503050406030204" pitchFamily="18" charset="0"/>
+                            <a:ea typeface="Cambria Math" panose="02040503050406030204" pitchFamily="18" charset="0"/>
+                            <a:cs typeface="Times New Roman" panose="02020603050405020304" pitchFamily="18" charset="0"/>
+                          </a:rPr>
+                          <m:t>  </m:t>
+                        </m:r>
+                      </m:sub>
+                    </m:sSub>
+                    <m:r>
+                      <a:rPr lang="en-US" b="1">
+                        <a:solidFill>
+                          <a:schemeClr val="tx1"/>
+                        </a:solidFill>
+                        <a:latin typeface="Cambria Math" panose="02040503050406030204" pitchFamily="18" charset="0"/>
+                        <a:ea typeface="Cambria Math" panose="02040503050406030204" pitchFamily="18" charset="0"/>
+                        <a:cs typeface="Times New Roman" panose="02020603050405020304" pitchFamily="18" charset="0"/>
+                      </a:rPr>
+                      <m:t>=</m:t>
+                    </m:r>
+                    <m:r>
+                      <a:rPr lang="en-US" b="1" i="0" smtClean="0">
+                        <a:solidFill>
+                          <a:schemeClr val="tx1"/>
+                        </a:solidFill>
+                        <a:latin typeface="Cambria Math" panose="02040503050406030204" pitchFamily="18" charset="0"/>
+                        <a:ea typeface="Cambria Math" panose="02040503050406030204" pitchFamily="18" charset="0"/>
+                        <a:cs typeface="Times New Roman" panose="02020603050405020304" pitchFamily="18" charset="0"/>
+                      </a:rPr>
+                      <m:t>𝟎</m:t>
+                    </m:r>
+                    <m:r>
+                      <a:rPr lang="en-US" b="1" i="0" smtClean="0">
+                        <a:solidFill>
+                          <a:schemeClr val="tx1"/>
+                        </a:solidFill>
+                        <a:latin typeface="Cambria Math" panose="02040503050406030204" pitchFamily="18" charset="0"/>
+                        <a:ea typeface="Cambria Math" panose="02040503050406030204" pitchFamily="18" charset="0"/>
+                        <a:cs typeface="Times New Roman" panose="02020603050405020304" pitchFamily="18" charset="0"/>
+                      </a:rPr>
+                      <m:t>.</m:t>
+                    </m:r>
+                    <m:r>
+                      <a:rPr lang="en-US" b="1" i="0" smtClean="0">
+                        <a:solidFill>
+                          <a:schemeClr val="tx1"/>
+                        </a:solidFill>
+                        <a:latin typeface="Cambria Math" panose="02040503050406030204" pitchFamily="18" charset="0"/>
+                        <a:ea typeface="Cambria Math" panose="02040503050406030204" pitchFamily="18" charset="0"/>
+                        <a:cs typeface="Times New Roman" panose="02020603050405020304" pitchFamily="18" charset="0"/>
+                      </a:rPr>
+                      <m:t>𝟓𝟗𝟖𝟓𝟔𝟐</m:t>
+                    </m:r>
+                  </m:oMath>
+                </a14:m>
+                <a:r>
+                  <a:rPr lang="en-US" b="1" dirty="0" smtClean="0">
+                    <a:solidFill>
+                      <a:schemeClr val="tx1"/>
+                    </a:solidFill>
+                  </a:rPr>
+                  <a:t> </a:t>
+                </a:r>
+                <a:endParaRPr lang="en-US" b="1" dirty="0">
+                  <a:solidFill>
+                    <a:schemeClr val="tx1"/>
+                  </a:solidFill>
+                </a:endParaRPr>
+              </a:p>
+              <a:p>
+                <a:r>
+                  <a:rPr lang="en-US" b="1" dirty="0">
+                    <a:solidFill>
+                      <a:schemeClr val="tx1"/>
+                    </a:solidFill>
+                  </a:rPr>
+                  <a:t>  </a:t>
+                </a:r>
+                <a14:m>
+                  <m:oMath xmlns:m="http://schemas.openxmlformats.org/officeDocument/2006/math">
+                    <m:sSub>
+                      <m:sSubPr>
+                        <m:ctrlPr>
+                          <a:rPr lang="en-US" b="1" i="1">
+                            <a:solidFill>
+                              <a:schemeClr val="tx1"/>
+                            </a:solidFill>
+                            <a:latin typeface="Cambria Math" panose="02040503050406030204" pitchFamily="18" charset="0"/>
+                            <a:ea typeface="Cambria Math" panose="02040503050406030204" pitchFamily="18" charset="0"/>
+                            <a:cs typeface="Times New Roman" panose="02020603050405020304" pitchFamily="18" charset="0"/>
+                          </a:rPr>
+                        </m:ctrlPr>
+                      </m:sSubPr>
+                      <m:e>
+                        <m:r>
+                          <a:rPr lang="en-US" b="1" i="1">
+                            <a:solidFill>
+                              <a:schemeClr val="tx1"/>
+                            </a:solidFill>
+                            <a:latin typeface="Cambria Math" panose="02040503050406030204" pitchFamily="18" charset="0"/>
+                            <a:ea typeface="Cambria Math" panose="02040503050406030204" pitchFamily="18" charset="0"/>
+                            <a:cs typeface="Times New Roman" panose="02020603050405020304" pitchFamily="18" charset="0"/>
+                          </a:rPr>
+                          <m:t>𝒂</m:t>
+                        </m:r>
+                      </m:e>
+                      <m:sub>
+                        <m:r>
+                          <a:rPr lang="en-US" b="1" i="1" smtClean="0">
+                            <a:solidFill>
+                              <a:schemeClr val="tx1"/>
+                            </a:solidFill>
+                            <a:latin typeface="Cambria Math" panose="02040503050406030204" pitchFamily="18" charset="0"/>
+                            <a:ea typeface="Cambria Math" panose="02040503050406030204" pitchFamily="18" charset="0"/>
+                            <a:cs typeface="Times New Roman" panose="02020603050405020304" pitchFamily="18" charset="0"/>
+                          </a:rPr>
+                          <m:t>𝟑</m:t>
+                        </m:r>
+                      </m:sub>
+                    </m:sSub>
+                    <m:r>
+                      <a:rPr lang="en-US" b="1" i="1">
+                        <a:solidFill>
+                          <a:schemeClr val="tx1"/>
+                        </a:solidFill>
+                        <a:latin typeface="Cambria Math" panose="02040503050406030204" pitchFamily="18" charset="0"/>
+                        <a:ea typeface="Cambria Math" panose="02040503050406030204" pitchFamily="18" charset="0"/>
+                        <a:cs typeface="Times New Roman" panose="02020603050405020304" pitchFamily="18" charset="0"/>
+                      </a:rPr>
+                      <m:t>=</m:t>
+                    </m:r>
+                    <m:r>
+                      <a:rPr lang="en-US" b="1" i="1" smtClean="0">
+                        <a:solidFill>
+                          <a:schemeClr val="tx1"/>
+                        </a:solidFill>
+                        <a:latin typeface="Cambria Math" panose="02040503050406030204" pitchFamily="18" charset="0"/>
+                        <a:ea typeface="Cambria Math" panose="02040503050406030204" pitchFamily="18" charset="0"/>
+                        <a:cs typeface="Times New Roman" panose="02020603050405020304" pitchFamily="18" charset="0"/>
+                      </a:rPr>
+                      <m:t>𝟎</m:t>
+                    </m:r>
+                    <m:r>
+                      <a:rPr lang="en-US" b="1" i="1" smtClean="0">
+                        <a:solidFill>
+                          <a:schemeClr val="tx1"/>
+                        </a:solidFill>
+                        <a:latin typeface="Cambria Math" panose="02040503050406030204" pitchFamily="18" charset="0"/>
+                        <a:ea typeface="Cambria Math" panose="02040503050406030204" pitchFamily="18" charset="0"/>
+                        <a:cs typeface="Times New Roman" panose="02020603050405020304" pitchFamily="18" charset="0"/>
+                      </a:rPr>
+                      <m:t>.</m:t>
+                    </m:r>
+                    <m:r>
+                      <a:rPr lang="en-US" b="1" i="1" smtClean="0">
+                        <a:solidFill>
+                          <a:schemeClr val="tx1"/>
+                        </a:solidFill>
+                        <a:latin typeface="Cambria Math" panose="02040503050406030204" pitchFamily="18" charset="0"/>
+                        <a:ea typeface="Cambria Math" panose="02040503050406030204" pitchFamily="18" charset="0"/>
+                        <a:cs typeface="Times New Roman" panose="02020603050405020304" pitchFamily="18" charset="0"/>
+                      </a:rPr>
+                      <m:t>𝟔𝟒𝟖𝟓𝟔𝟔</m:t>
+                    </m:r>
+                  </m:oMath>
+                </a14:m>
+                <a:endParaRPr lang="en-US" b="1" dirty="0">
+                  <a:solidFill>
+                    <a:schemeClr val="tx1"/>
+                  </a:solidFill>
+                  <a:ea typeface="Cambria Math" panose="02040503050406030204" pitchFamily="18" charset="0"/>
+                  <a:cs typeface="Times New Roman" panose="02020603050405020304" pitchFamily="18" charset="0"/>
+                </a:endParaRPr>
+              </a:p>
+            </p:txBody>
+          </p:sp>
+        </mc:Choice>
+        <mc:Fallback xmlns="">
+          <p:sp>
+            <p:nvSpPr>
+              <p:cNvPr id="6" name="TextBox 5"/>
+              <p:cNvSpPr txBox="1">
+                <a:spLocks noRot="1" noChangeAspect="1" noMove="1" noResize="1" noEditPoints="1" noAdjustHandles="1" noChangeArrowheads="1" noChangeShapeType="1" noTextEdit="1"/>
+              </p:cNvSpPr>
+              <p:nvPr/>
+            </p:nvSpPr>
+            <p:spPr>
+              <a:xfrm>
+                <a:off x="591669" y="3577161"/>
+                <a:ext cx="4724400" cy="1765804"/>
+              </a:xfrm>
+              <a:prstGeom prst="rect">
+                <a:avLst/>
+              </a:prstGeom>
+              <a:blipFill rotWithShape="0">
+                <a:blip r:embed="rId3"/>
+                <a:stretch>
+                  <a:fillRect t="-680"/>
+                </a:stretch>
+              </a:blipFill>
+              <a:ln w="28575">
+                <a:solidFill>
+                  <a:srgbClr val="C00000"/>
+                </a:solidFill>
+              </a:ln>
+            </p:spPr>
+            <p:txBody>
+              <a:bodyPr/>
+              <a:lstStyle/>
+              <a:p>
+                <a:r>
+                  <a:rPr lang="en-US">
+                    <a:noFill/>
+                  </a:rPr>
+                  <a:t> </a:t>
+                </a:r>
+              </a:p>
+            </p:txBody>
+          </p:sp>
+        </mc:Fallback>
+      </mc:AlternateContent>
+      <p:sp>
+        <p:nvSpPr>
+          <p:cNvPr id="7" name="TextBox 6"/>
           <p:cNvSpPr txBox="1"/>
           <p:nvPr/>
         </p:nvSpPr>
         <p:spPr>
           <a:xfrm>
-            <a:off x="312996" y="1573319"/>
-            <a:ext cx="5172250" cy="369332"/>
+            <a:off x="62753" y="5717323"/>
+            <a:ext cx="5145741" cy="369332"/>
           </a:xfrm>
           <a:prstGeom prst="rect">
             <a:avLst/>
@@ -17427,212 +17917,33 @@
           <a:noFill/>
         </p:spPr>
         <p:txBody>
-          <a:bodyPr wrap="none" rtlCol="0">
+          <a:bodyPr wrap="square" rtlCol="0">
             <a:spAutoFit/>
           </a:bodyPr>
           <a:lstStyle/>
           <a:p>
-            <a:r>
-              <a:rPr lang="en-US" dirty="0" smtClean="0"/>
-              <a:t>N. Colonna et al., </a:t>
-            </a:r>
-            <a:r>
-              <a:rPr lang="en-US" dirty="0" err="1" smtClean="0"/>
-              <a:t>Nucl</a:t>
-            </a:r>
-            <a:r>
-              <a:rPr lang="en-US" dirty="0" smtClean="0"/>
-              <a:t>. Instr. Meth. A 321 (1992) 529</a:t>
-            </a:r>
-            <a:endParaRPr lang="en-US" dirty="0"/>
-          </a:p>
-        </p:txBody>
-      </p:sp>
-      <p:sp>
-        <p:nvSpPr>
-          <p:cNvPr id="7" name="TextBox 6"/>
-          <p:cNvSpPr txBox="1"/>
-          <p:nvPr/>
-        </p:nvSpPr>
-        <p:spPr>
-          <a:xfrm>
-            <a:off x="312996" y="2149313"/>
-            <a:ext cx="5356595" cy="369332"/>
-          </a:xfrm>
-          <a:prstGeom prst="rect">
-            <a:avLst/>
-          </a:prstGeom>
-          <a:noFill/>
-        </p:spPr>
-        <p:txBody>
-          <a:bodyPr wrap="none" rtlCol="0">
-            <a:spAutoFit/>
-          </a:bodyPr>
-          <a:lstStyle/>
-          <a:p>
-            <a:r>
-              <a:rPr lang="en-US" dirty="0" smtClean="0"/>
-              <a:t>Y. </a:t>
-            </a:r>
-            <a:r>
-              <a:rPr lang="en-US" dirty="0" err="1" smtClean="0"/>
-              <a:t>Larochelle</a:t>
-            </a:r>
-            <a:r>
-              <a:rPr lang="en-US" dirty="0" smtClean="0"/>
-              <a:t> et al.,</a:t>
-            </a:r>
-            <a:r>
-              <a:rPr lang="en-US" dirty="0"/>
-              <a:t> </a:t>
-            </a:r>
-            <a:r>
-              <a:rPr lang="en-US" dirty="0" err="1" smtClean="0"/>
-              <a:t>Nucl</a:t>
-            </a:r>
-            <a:r>
-              <a:rPr lang="en-US" dirty="0" smtClean="0"/>
-              <a:t>. Instr. Meth. A 348 (1994) 167</a:t>
-            </a:r>
-            <a:endParaRPr lang="en-US" dirty="0"/>
-          </a:p>
-        </p:txBody>
-      </p:sp>
-      <p:sp>
-        <p:nvSpPr>
-          <p:cNvPr id="8" name="Rectangle 7"/>
-          <p:cNvSpPr/>
-          <p:nvPr/>
-        </p:nvSpPr>
-        <p:spPr>
-          <a:xfrm>
-            <a:off x="312996" y="2725307"/>
-            <a:ext cx="5013552" cy="369332"/>
-          </a:xfrm>
-          <a:prstGeom prst="rect">
-            <a:avLst/>
-          </a:prstGeom>
-        </p:spPr>
-        <p:txBody>
-          <a:bodyPr wrap="none">
-            <a:spAutoFit/>
-          </a:bodyPr>
-          <a:lstStyle/>
-          <a:p>
-            <a:r>
-              <a:rPr lang="en-US" dirty="0" smtClean="0"/>
-              <a:t>S. Aiello et al., </a:t>
-            </a:r>
-            <a:r>
-              <a:rPr lang="en-US" dirty="0" err="1" smtClean="0"/>
-              <a:t>Nucl</a:t>
-            </a:r>
-            <a:r>
-              <a:rPr lang="en-US" dirty="0" smtClean="0"/>
-              <a:t>. Instr. Meth. A 369 (1996) 50-54</a:t>
-            </a:r>
-            <a:endParaRPr lang="en-US" dirty="0"/>
-          </a:p>
-        </p:txBody>
-      </p:sp>
-      <p:sp>
-        <p:nvSpPr>
-          <p:cNvPr id="9" name="Rectangle 8"/>
-          <p:cNvSpPr/>
-          <p:nvPr/>
-        </p:nvSpPr>
-        <p:spPr>
-          <a:xfrm>
-            <a:off x="312996" y="3282059"/>
-            <a:ext cx="4679166" cy="369332"/>
-          </a:xfrm>
-          <a:prstGeom prst="rect">
-            <a:avLst/>
-          </a:prstGeom>
-        </p:spPr>
-        <p:txBody>
-          <a:bodyPr wrap="none">
-            <a:spAutoFit/>
-          </a:bodyPr>
-          <a:lstStyle/>
-          <a:p>
-            <a:r>
-              <a:rPr lang="en-US" dirty="0" smtClean="0"/>
-              <a:t>G. </a:t>
-            </a:r>
-            <a:r>
-              <a:rPr lang="en-US" dirty="0" err="1" smtClean="0"/>
-              <a:t>Viesti</a:t>
-            </a:r>
-            <a:r>
-              <a:rPr lang="en-US" dirty="0" smtClean="0"/>
-              <a:t> et al.,</a:t>
-            </a:r>
-            <a:r>
-              <a:rPr lang="en-US" dirty="0"/>
-              <a:t> </a:t>
-            </a:r>
-            <a:r>
-              <a:rPr lang="en-US" dirty="0" err="1" smtClean="0"/>
-              <a:t>Nucl</a:t>
-            </a:r>
-            <a:r>
-              <a:rPr lang="en-US" dirty="0" smtClean="0"/>
-              <a:t>. Instr. Meth A 252 (1986) 75</a:t>
-            </a:r>
-            <a:endParaRPr lang="en-US" dirty="0"/>
-          </a:p>
-        </p:txBody>
-      </p:sp>
-      <p:sp>
-        <p:nvSpPr>
-          <p:cNvPr id="10" name="Rectangle 9"/>
-          <p:cNvSpPr/>
-          <p:nvPr/>
-        </p:nvSpPr>
-        <p:spPr>
-          <a:xfrm>
-            <a:off x="301113" y="3838811"/>
-            <a:ext cx="5349413" cy="369332"/>
-          </a:xfrm>
-          <a:prstGeom prst="rect">
-            <a:avLst/>
-          </a:prstGeom>
-        </p:spPr>
-        <p:txBody>
-          <a:bodyPr wrap="none">
-            <a:spAutoFit/>
-          </a:bodyPr>
-          <a:lstStyle/>
-          <a:p>
-            <a:r>
-              <a:rPr lang="en-US" dirty="0" smtClean="0"/>
-              <a:t>C.J.W. </a:t>
-            </a:r>
-            <a:r>
-              <a:rPr lang="en-US" dirty="0" err="1" smtClean="0"/>
-              <a:t>Twenhofel</a:t>
-            </a:r>
-            <a:r>
-              <a:rPr lang="en-US" dirty="0" smtClean="0"/>
-              <a:t> et al., </a:t>
-            </a:r>
-            <a:r>
-              <a:rPr lang="en-US" dirty="0" err="1" smtClean="0"/>
-              <a:t>Nucl</a:t>
-            </a:r>
-            <a:r>
-              <a:rPr lang="en-US" dirty="0" smtClean="0"/>
-              <a:t>. Instr. Meth B 51 (1990) 58</a:t>
-            </a:r>
-            <a:endParaRPr lang="en-US" dirty="0"/>
+            <a:pPr algn="ctr"/>
+            <a:r>
+              <a:rPr lang="en-US" dirty="0" smtClean="0">
+                <a:latin typeface="Times New Roman" panose="02020603050405020304" pitchFamily="18" charset="0"/>
+                <a:cs typeface="Times New Roman" panose="02020603050405020304" pitchFamily="18" charset="0"/>
+              </a:rPr>
+              <a:t>● Obvious saturation effect can be seen for Z=1.</a:t>
+            </a:r>
+            <a:endParaRPr lang="en-US" b="0" i="1" dirty="0" smtClean="0">
+              <a:solidFill>
+                <a:srgbClr val="00B050"/>
+              </a:solidFill>
+              <a:latin typeface="Cambria Math" panose="02040503050406030204" pitchFamily="18" charset="0"/>
+              <a:cs typeface="Times New Roman" panose="02020603050405020304" pitchFamily="18" charset="0"/>
+            </a:endParaRPr>
           </a:p>
         </p:txBody>
       </p:sp>
     </p:spTree>
     <p:extLst>
       <p:ext uri="{BB962C8B-B14F-4D97-AF65-F5344CB8AC3E}">
-        <p14:creationId xmlns:p14="http://schemas.microsoft.com/office/powerpoint/2010/main" val="3036015810"/>
+        <p14:creationId xmlns:p14="http://schemas.microsoft.com/office/powerpoint/2010/main" val="1293072952"/>
       </p:ext>
     </p:extLst>
   </p:cSld>
@@ -17661,14 +17972,14 @@
       </p:grpSpPr>
       <p:sp>
         <p:nvSpPr>
-          <p:cNvPr id="6" name="TextBox 5"/>
+          <p:cNvPr id="2" name="TextBox 1"/>
           <p:cNvSpPr txBox="1"/>
           <p:nvPr/>
         </p:nvSpPr>
         <p:spPr>
           <a:xfrm>
-            <a:off x="635726" y="496389"/>
-            <a:ext cx="11556274" cy="369332"/>
+            <a:off x="170329" y="249628"/>
+            <a:ext cx="8812306" cy="461665"/>
           </a:xfrm>
           <a:prstGeom prst="rect">
             <a:avLst/>
@@ -17682,50 +17993,43 @@
           <a:lstStyle/>
           <a:p>
             <a:r>
-              <a:rPr lang="en-US" dirty="0" smtClean="0"/>
-              <a:t>Quality of fit results from the literature</a:t>
-            </a:r>
-            <a:endParaRPr lang="en-US" dirty="0"/>
-          </a:p>
-        </p:txBody>
-      </p:sp>
-      <p:sp>
-        <p:nvSpPr>
-          <p:cNvPr id="9" name="Rectangle 8"/>
-          <p:cNvSpPr/>
-          <p:nvPr/>
-        </p:nvSpPr>
-        <p:spPr>
-          <a:xfrm>
-            <a:off x="635726" y="1122571"/>
-            <a:ext cx="5059783" cy="369332"/>
-          </a:xfrm>
-          <a:prstGeom prst="rect">
-            <a:avLst/>
-          </a:prstGeom>
-        </p:spPr>
-        <p:txBody>
-          <a:bodyPr wrap="none">
-            <a:spAutoFit/>
-          </a:bodyPr>
-          <a:lstStyle/>
-          <a:p>
-            <a:r>
-              <a:rPr lang="en-US" dirty="0" smtClean="0"/>
-              <a:t>A. Wagner et al., </a:t>
-            </a:r>
-            <a:r>
-              <a:rPr lang="en-US" dirty="0" err="1" smtClean="0"/>
-              <a:t>Nucl</a:t>
-            </a:r>
-            <a:r>
-              <a:rPr lang="en-US" dirty="0" smtClean="0"/>
-              <a:t>. Instr. Meth. A 456 (2001) 290</a:t>
-            </a:r>
-            <a:endParaRPr lang="en-US" dirty="0"/>
-          </a:p>
-        </p:txBody>
-      </p:sp>
+              <a:rPr lang="en-US" sz="2400" b="1" u="sng" dirty="0" smtClean="0">
+                <a:latin typeface="Times New Roman" panose="02020603050405020304" pitchFamily="18" charset="0"/>
+                <a:cs typeface="Times New Roman" panose="02020603050405020304" pitchFamily="18" charset="0"/>
+              </a:rPr>
+              <a:t>Compared with the results in the previous literature </a:t>
+            </a:r>
+            <a:endParaRPr lang="en-US" sz="2400" b="1" u="sng" dirty="0">
+              <a:latin typeface="Times New Roman" panose="02020603050405020304" pitchFamily="18" charset="0"/>
+              <a:cs typeface="Times New Roman" panose="02020603050405020304" pitchFamily="18" charset="0"/>
+            </a:endParaRPr>
+          </a:p>
+        </p:txBody>
+      </p:sp>
+      <p:pic>
+        <p:nvPicPr>
+          <p:cNvPr id="3" name="Picture 2"/>
+          <p:cNvPicPr>
+            <a:picLocks noChangeAspect="1"/>
+          </p:cNvPicPr>
+          <p:nvPr/>
+        </p:nvPicPr>
+        <p:blipFill>
+          <a:blip r:embed="rId2"/>
+          <a:stretch>
+            <a:fillRect/>
+          </a:stretch>
+        </p:blipFill>
+        <p:spPr>
+          <a:xfrm>
+            <a:off x="1066808" y="3344842"/>
+            <a:ext cx="4670612" cy="3513158"/>
+          </a:xfrm>
+          <a:prstGeom prst="rect">
+            <a:avLst/>
+          </a:prstGeom>
+        </p:spPr>
+      </p:pic>
       <p:pic>
         <p:nvPicPr>
           <p:cNvPr id="4" name="Picture 3"/>
@@ -17735,7 +18039,7 @@
           <p:nvPr/>
         </p:nvPicPr>
         <p:blipFill>
-          <a:blip r:embed="rId2">
+          <a:blip r:embed="rId3">
             <a:extLst>
               <a:ext uri="{28A0092B-C50C-407E-A947-70E740481C1C}">
                 <a14:useLocalDpi xmlns:a14="http://schemas.microsoft.com/office/drawing/2010/main" val="0"/>
@@ -17748,524 +18052,314 @@
         </p:blipFill>
         <p:spPr>
           <a:xfrm>
-            <a:off x="635726" y="2429516"/>
-            <a:ext cx="2718924" cy="2087745"/>
+            <a:off x="6822160" y="597000"/>
+            <a:ext cx="4849887" cy="3470282"/>
           </a:xfrm>
           <a:prstGeom prst="rect">
             <a:avLst/>
           </a:prstGeom>
         </p:spPr>
       </p:pic>
-      <mc:AlternateContent xmlns:mc="http://schemas.openxmlformats.org/markup-compatibility/2006" xmlns:a14="http://schemas.microsoft.com/office/drawing/2010/main">
-        <mc:Choice Requires="a14">
-          <p:sp>
-            <p:nvSpPr>
-              <p:cNvPr id="10" name="TextBox 9"/>
-              <p:cNvSpPr txBox="1"/>
-              <p:nvPr/>
-            </p:nvSpPr>
-            <p:spPr>
-              <a:xfrm>
-                <a:off x="3968318" y="2201662"/>
-                <a:ext cx="8223682" cy="2074414"/>
-              </a:xfrm>
-              <a:prstGeom prst="rect">
-                <a:avLst/>
-              </a:prstGeom>
-              <a:noFill/>
-            </p:spPr>
-            <p:txBody>
-              <a:bodyPr wrap="square" rtlCol="0">
-                <a:spAutoFit/>
-              </a:bodyPr>
-              <a:lstStyle/>
-              <a:p>
-                <a:r>
-                  <a:rPr lang="en-US" dirty="0" smtClean="0"/>
-                  <a:t>A better fit quality is obtained by fitting isotopes of each Z with an individual empirical formula.</a:t>
-                </a:r>
-              </a:p>
-              <a:p>
-                <a:r>
-                  <a:rPr lang="en-US" b="0" dirty="0" smtClean="0"/>
-                  <a:t>For Z=3 </a:t>
-                </a:r>
-                <a:r>
-                  <a:rPr lang="en-US" b="0" dirty="0" smtClean="0">
-                    <a:sym typeface="Wingdings" panose="05000000000000000000" pitchFamily="2" charset="2"/>
-                  </a:rPr>
-                  <a:t> </a:t>
-                </a:r>
-                <a14:m>
-                  <m:oMath xmlns:m="http://schemas.openxmlformats.org/officeDocument/2006/math">
-                    <m:r>
-                      <a:rPr lang="en-US" b="0" i="1" smtClean="0">
-                        <a:latin typeface="Cambria Math" panose="02040503050406030204" pitchFamily="18" charset="0"/>
-                      </a:rPr>
-                      <m:t>𝐸</m:t>
-                    </m:r>
-                    <m:d>
-                      <m:dPr>
-                        <m:ctrlPr>
-                          <a:rPr lang="en-US" b="0" i="1" smtClean="0">
-                            <a:latin typeface="Cambria Math" panose="02040503050406030204" pitchFamily="18" charset="0"/>
-                          </a:rPr>
-                        </m:ctrlPr>
-                      </m:dPr>
-                      <m:e>
-                        <m:r>
-                          <a:rPr lang="en-US" b="0" i="1" smtClean="0">
-                            <a:latin typeface="Cambria Math" panose="02040503050406030204" pitchFamily="18" charset="0"/>
-                          </a:rPr>
-                          <m:t>𝐿</m:t>
-                        </m:r>
-                        <m:r>
-                          <a:rPr lang="en-US" b="0" i="1" smtClean="0">
-                            <a:latin typeface="Cambria Math" panose="02040503050406030204" pitchFamily="18" charset="0"/>
-                          </a:rPr>
-                          <m:t>,</m:t>
-                        </m:r>
-                        <m:r>
-                          <a:rPr lang="en-US" b="0" i="1" smtClean="0">
-                            <a:latin typeface="Cambria Math" panose="02040503050406030204" pitchFamily="18" charset="0"/>
-                          </a:rPr>
-                          <m:t>𝑍</m:t>
-                        </m:r>
-                        <m:r>
-                          <a:rPr lang="en-US" b="0" i="1" smtClean="0">
-                            <a:latin typeface="Cambria Math" panose="02040503050406030204" pitchFamily="18" charset="0"/>
-                          </a:rPr>
-                          <m:t>,</m:t>
-                        </m:r>
-                        <m:r>
-                          <a:rPr lang="en-US" b="0" i="1" smtClean="0">
-                            <a:latin typeface="Cambria Math" panose="02040503050406030204" pitchFamily="18" charset="0"/>
-                          </a:rPr>
-                          <m:t>𝐴</m:t>
-                        </m:r>
-                      </m:e>
-                    </m:d>
-                    <m:r>
-                      <a:rPr lang="en-US" b="0" i="1" smtClean="0">
-                        <a:latin typeface="Cambria Math" panose="02040503050406030204" pitchFamily="18" charset="0"/>
-                      </a:rPr>
-                      <m:t>=</m:t>
-                    </m:r>
-                    <m:r>
-                      <a:rPr lang="en-US" b="0" i="1" smtClean="0">
-                        <a:latin typeface="Cambria Math" panose="02040503050406030204" pitchFamily="18" charset="0"/>
-                      </a:rPr>
-                      <m:t>𝑎𝐴</m:t>
-                    </m:r>
-                    <m:sSup>
-                      <m:sSupPr>
-                        <m:ctrlPr>
-                          <a:rPr lang="en-US" b="0" i="1" smtClean="0">
-                            <a:latin typeface="Cambria Math" panose="02040503050406030204" pitchFamily="18" charset="0"/>
-                          </a:rPr>
-                        </m:ctrlPr>
-                      </m:sSupPr>
-                      <m:e>
-                        <m:r>
-                          <a:rPr lang="en-US" b="0" i="1" smtClean="0">
-                            <a:latin typeface="Cambria Math" panose="02040503050406030204" pitchFamily="18" charset="0"/>
-                          </a:rPr>
-                          <m:t>𝑍</m:t>
-                        </m:r>
-                      </m:e>
-                      <m:sup>
-                        <m:r>
-                          <a:rPr lang="en-US" b="0" i="1" smtClean="0">
-                            <a:latin typeface="Cambria Math" panose="02040503050406030204" pitchFamily="18" charset="0"/>
-                          </a:rPr>
-                          <m:t>2</m:t>
-                        </m:r>
-                      </m:sup>
-                    </m:sSup>
-                    <m:r>
-                      <a:rPr lang="en-US" b="0" i="1" smtClean="0">
-                        <a:latin typeface="Cambria Math" panose="02040503050406030204" pitchFamily="18" charset="0"/>
-                      </a:rPr>
-                      <m:t>𝐿</m:t>
-                    </m:r>
-                    <m:r>
-                      <a:rPr lang="en-US" b="0" i="1" smtClean="0">
-                        <a:latin typeface="Cambria Math" panose="02040503050406030204" pitchFamily="18" charset="0"/>
-                      </a:rPr>
-                      <m:t>+</m:t>
-                    </m:r>
-                    <m:r>
-                      <a:rPr lang="en-US" b="0" i="1" smtClean="0">
-                        <a:latin typeface="Cambria Math" panose="02040503050406030204" pitchFamily="18" charset="0"/>
-                      </a:rPr>
-                      <m:t>𝑏</m:t>
-                    </m:r>
-                    <m:d>
-                      <m:dPr>
-                        <m:ctrlPr>
-                          <a:rPr lang="en-US" b="0" i="1" smtClean="0">
-                            <a:latin typeface="Cambria Math" panose="02040503050406030204" pitchFamily="18" charset="0"/>
-                          </a:rPr>
-                        </m:ctrlPr>
-                      </m:dPr>
-                      <m:e>
-                        <m:r>
-                          <a:rPr lang="en-US" b="0" i="1" smtClean="0">
-                            <a:latin typeface="Cambria Math" panose="02040503050406030204" pitchFamily="18" charset="0"/>
-                          </a:rPr>
-                          <m:t>1+</m:t>
-                        </m:r>
-                        <m:r>
-                          <a:rPr lang="en-US" b="0" i="1" smtClean="0">
-                            <a:latin typeface="Cambria Math" panose="02040503050406030204" pitchFamily="18" charset="0"/>
-                          </a:rPr>
-                          <m:t>𝑐𝐴</m:t>
-                        </m:r>
-                        <m:sSup>
-                          <m:sSupPr>
-                            <m:ctrlPr>
-                              <a:rPr lang="en-US" b="0" i="1" smtClean="0">
-                                <a:latin typeface="Cambria Math" panose="02040503050406030204" pitchFamily="18" charset="0"/>
-                              </a:rPr>
-                            </m:ctrlPr>
-                          </m:sSupPr>
-                          <m:e>
-                            <m:r>
-                              <a:rPr lang="en-US" b="0" i="1" smtClean="0">
-                                <a:latin typeface="Cambria Math" panose="02040503050406030204" pitchFamily="18" charset="0"/>
-                              </a:rPr>
-                              <m:t>𝑍</m:t>
-                            </m:r>
-                          </m:e>
-                          <m:sup>
-                            <m:r>
-                              <a:rPr lang="en-US" b="0" i="1" smtClean="0">
-                                <a:latin typeface="Cambria Math" panose="02040503050406030204" pitchFamily="18" charset="0"/>
-                              </a:rPr>
-                              <m:t>2</m:t>
-                            </m:r>
-                          </m:sup>
-                        </m:sSup>
-                      </m:e>
-                    </m:d>
-                    <m:sSup>
-                      <m:sSupPr>
-                        <m:ctrlPr>
-                          <a:rPr lang="en-US" b="0" i="1" smtClean="0">
-                            <a:latin typeface="Cambria Math" panose="02040503050406030204" pitchFamily="18" charset="0"/>
-                          </a:rPr>
-                        </m:ctrlPr>
-                      </m:sSupPr>
-                      <m:e>
-                        <m:r>
-                          <a:rPr lang="en-US" b="0" i="1" smtClean="0">
-                            <a:latin typeface="Cambria Math" panose="02040503050406030204" pitchFamily="18" charset="0"/>
-                          </a:rPr>
-                          <m:t>𝐿</m:t>
-                        </m:r>
-                      </m:e>
-                      <m:sup>
-                        <m:r>
-                          <a:rPr lang="en-US" b="0" i="1" smtClean="0">
-                            <a:latin typeface="Cambria Math" panose="02040503050406030204" pitchFamily="18" charset="0"/>
-                          </a:rPr>
-                          <m:t>1−</m:t>
-                        </m:r>
-                        <m:r>
-                          <a:rPr lang="en-US" b="0" i="1" smtClean="0">
-                            <a:latin typeface="Cambria Math" panose="02040503050406030204" pitchFamily="18" charset="0"/>
-                          </a:rPr>
-                          <m:t>𝑑𝐴</m:t>
-                        </m:r>
-                        <m:sSup>
-                          <m:sSupPr>
-                            <m:ctrlPr>
-                              <a:rPr lang="en-US" b="0" i="1" smtClean="0">
-                                <a:latin typeface="Cambria Math" panose="02040503050406030204" pitchFamily="18" charset="0"/>
-                              </a:rPr>
-                            </m:ctrlPr>
-                          </m:sSupPr>
-                          <m:e>
-                            <m:r>
-                              <a:rPr lang="en-US" b="0" i="1" smtClean="0">
-                                <a:latin typeface="Cambria Math" panose="02040503050406030204" pitchFamily="18" charset="0"/>
-                              </a:rPr>
-                              <m:t>𝑍</m:t>
-                            </m:r>
-                          </m:e>
-                          <m:sup>
-                            <m:r>
-                              <a:rPr lang="en-US" b="0" i="1" smtClean="0">
-                                <a:latin typeface="Cambria Math" panose="02040503050406030204" pitchFamily="18" charset="0"/>
-                              </a:rPr>
-                              <m:t>2</m:t>
-                            </m:r>
-                          </m:sup>
-                        </m:sSup>
-                      </m:sup>
-                    </m:sSup>
-                  </m:oMath>
-                </a14:m>
-                <a:endParaRPr lang="en-US" dirty="0" smtClean="0"/>
-              </a:p>
-              <a:p>
-                <a:r>
-                  <a:rPr lang="en-US" b="0" dirty="0" smtClean="0"/>
-                  <a:t>For Z=2 </a:t>
-                </a:r>
-                <a:r>
-                  <a:rPr lang="en-US" b="0" dirty="0" smtClean="0">
-                    <a:sym typeface="Wingdings" panose="05000000000000000000" pitchFamily="2" charset="2"/>
-                  </a:rPr>
-                  <a:t> </a:t>
-                </a:r>
-                <a14:m>
-                  <m:oMath xmlns:m="http://schemas.openxmlformats.org/officeDocument/2006/math">
-                    <m:r>
-                      <a:rPr lang="en-US" b="0" i="1" smtClean="0">
-                        <a:latin typeface="Cambria Math" panose="02040503050406030204" pitchFamily="18" charset="0"/>
-                      </a:rPr>
-                      <m:t>𝐸</m:t>
-                    </m:r>
-                    <m:d>
-                      <m:dPr>
-                        <m:ctrlPr>
-                          <a:rPr lang="en-US" b="0" i="1" smtClean="0">
-                            <a:latin typeface="Cambria Math" panose="02040503050406030204" pitchFamily="18" charset="0"/>
-                          </a:rPr>
-                        </m:ctrlPr>
-                      </m:dPr>
-                      <m:e>
-                        <m:r>
-                          <a:rPr lang="en-US" b="0" i="1" smtClean="0">
-                            <a:latin typeface="Cambria Math" panose="02040503050406030204" pitchFamily="18" charset="0"/>
-                          </a:rPr>
-                          <m:t>𝐿</m:t>
-                        </m:r>
-                      </m:e>
-                    </m:d>
-                    <m:r>
-                      <a:rPr lang="en-US" b="0" i="1" smtClean="0">
-                        <a:latin typeface="Cambria Math" panose="02040503050406030204" pitchFamily="18" charset="0"/>
-                      </a:rPr>
-                      <m:t>=</m:t>
-                    </m:r>
-                    <m:r>
-                      <a:rPr lang="en-US" b="0" i="1" smtClean="0">
-                        <a:latin typeface="Cambria Math" panose="02040503050406030204" pitchFamily="18" charset="0"/>
-                      </a:rPr>
-                      <m:t>𝑎𝐿</m:t>
-                    </m:r>
-                    <m:r>
-                      <a:rPr lang="en-US" b="0" i="1" smtClean="0">
-                        <a:latin typeface="Cambria Math" panose="02040503050406030204" pitchFamily="18" charset="0"/>
-                      </a:rPr>
-                      <m:t>+</m:t>
-                    </m:r>
-                    <m:r>
-                      <a:rPr lang="en-US" b="0" i="1" smtClean="0">
-                        <a:latin typeface="Cambria Math" panose="02040503050406030204" pitchFamily="18" charset="0"/>
-                      </a:rPr>
-                      <m:t>𝑏</m:t>
-                    </m:r>
-                    <m:sSup>
-                      <m:sSupPr>
-                        <m:ctrlPr>
-                          <a:rPr lang="en-US" b="0" i="1" smtClean="0">
-                            <a:latin typeface="Cambria Math" panose="02040503050406030204" pitchFamily="18" charset="0"/>
-                          </a:rPr>
-                        </m:ctrlPr>
-                      </m:sSupPr>
-                      <m:e>
-                        <m:r>
-                          <a:rPr lang="en-US" b="0" i="1" smtClean="0">
-                            <a:latin typeface="Cambria Math" panose="02040503050406030204" pitchFamily="18" charset="0"/>
-                          </a:rPr>
-                          <m:t>𝐴</m:t>
-                        </m:r>
-                      </m:e>
-                      <m:sup>
-                        <m:r>
-                          <a:rPr lang="en-US" b="0" i="1" smtClean="0">
-                            <a:latin typeface="Cambria Math" panose="02040503050406030204" pitchFamily="18" charset="0"/>
-                          </a:rPr>
-                          <m:t>𝑐</m:t>
-                        </m:r>
-                      </m:sup>
-                    </m:sSup>
-                    <m:r>
-                      <a:rPr lang="en-US" b="0" i="1" smtClean="0">
-                        <a:latin typeface="Cambria Math" panose="02040503050406030204" pitchFamily="18" charset="0"/>
-                      </a:rPr>
-                      <m:t>[1−</m:t>
-                    </m:r>
-                    <m:sSup>
-                      <m:sSupPr>
-                        <m:ctrlPr>
-                          <a:rPr lang="en-US" b="0" i="1" smtClean="0">
-                            <a:latin typeface="Cambria Math" panose="02040503050406030204" pitchFamily="18" charset="0"/>
-                          </a:rPr>
-                        </m:ctrlPr>
-                      </m:sSupPr>
-                      <m:e>
-                        <m:r>
-                          <a:rPr lang="en-US" b="0" i="1" smtClean="0">
-                            <a:latin typeface="Cambria Math" panose="02040503050406030204" pitchFamily="18" charset="0"/>
-                          </a:rPr>
-                          <m:t>𝑒</m:t>
-                        </m:r>
-                      </m:e>
-                      <m:sup>
-                        <m:r>
-                          <a:rPr lang="en-US" b="0" i="1" smtClean="0">
-                            <a:latin typeface="Cambria Math" panose="02040503050406030204" pitchFamily="18" charset="0"/>
-                          </a:rPr>
-                          <m:t>𝑑𝐿</m:t>
-                        </m:r>
-                      </m:sup>
-                    </m:sSup>
-                    <m:r>
-                      <a:rPr lang="en-US" b="0" i="1" smtClean="0">
-                        <a:latin typeface="Cambria Math" panose="02040503050406030204" pitchFamily="18" charset="0"/>
-                      </a:rPr>
-                      <m:t>]</m:t>
-                    </m:r>
-                  </m:oMath>
-                </a14:m>
-                <a:endParaRPr lang="en-US" dirty="0" smtClean="0"/>
-              </a:p>
-              <a:p>
-                <a:r>
-                  <a:rPr lang="en-US" dirty="0" smtClean="0"/>
-                  <a:t>For Z=1 </a:t>
-                </a:r>
-                <a:r>
-                  <a:rPr lang="en-US" dirty="0" smtClean="0">
-                    <a:sym typeface="Wingdings" panose="05000000000000000000" pitchFamily="2" charset="2"/>
-                  </a:rPr>
-                  <a:t> </a:t>
-                </a:r>
-                <a14:m>
-                  <m:oMath xmlns:m="http://schemas.openxmlformats.org/officeDocument/2006/math">
-                    <m:r>
-                      <a:rPr lang="en-US" b="0" i="1" smtClean="0">
-                        <a:latin typeface="Cambria Math" panose="02040503050406030204" pitchFamily="18" charset="0"/>
-                      </a:rPr>
-                      <m:t>𝐸</m:t>
-                    </m:r>
-                    <m:d>
-                      <m:dPr>
-                        <m:ctrlPr>
-                          <a:rPr lang="en-US" b="0" i="1" smtClean="0">
-                            <a:latin typeface="Cambria Math" panose="02040503050406030204" pitchFamily="18" charset="0"/>
-                          </a:rPr>
-                        </m:ctrlPr>
-                      </m:dPr>
-                      <m:e>
-                        <m:r>
-                          <a:rPr lang="en-US" b="0" i="1" smtClean="0">
-                            <a:latin typeface="Cambria Math" panose="02040503050406030204" pitchFamily="18" charset="0"/>
-                          </a:rPr>
-                          <m:t>𝐿</m:t>
-                        </m:r>
-                      </m:e>
-                    </m:d>
-                    <m:r>
-                      <a:rPr lang="en-US" b="0" i="1" smtClean="0">
-                        <a:latin typeface="Cambria Math" panose="02040503050406030204" pitchFamily="18" charset="0"/>
-                      </a:rPr>
-                      <m:t>=</m:t>
-                    </m:r>
-                    <m:r>
-                      <a:rPr lang="en-US" b="0" i="1" smtClean="0">
-                        <a:latin typeface="Cambria Math" panose="02040503050406030204" pitchFamily="18" charset="0"/>
-                      </a:rPr>
-                      <m:t>𝑎𝐿</m:t>
-                    </m:r>
-                    <m:r>
-                      <a:rPr lang="en-US" b="0" i="1" smtClean="0">
-                        <a:latin typeface="Cambria Math" panose="02040503050406030204" pitchFamily="18" charset="0"/>
-                      </a:rPr>
-                      <m:t>+</m:t>
-                    </m:r>
-                    <m:r>
-                      <a:rPr lang="en-US" b="0" i="1" smtClean="0">
-                        <a:latin typeface="Cambria Math" panose="02040503050406030204" pitchFamily="18" charset="0"/>
-                      </a:rPr>
-                      <m:t>𝑏</m:t>
-                    </m:r>
-                  </m:oMath>
-                </a14:m>
-                <a:endParaRPr lang="en-US" dirty="0" smtClean="0"/>
-              </a:p>
-              <a:p>
-                <a:endParaRPr lang="en-US" dirty="0"/>
-              </a:p>
-              <a:p>
-                <a:r>
-                  <a:rPr lang="en-US" dirty="0" smtClean="0"/>
-                  <a:t>Only 1 calibration point is present for 1H!</a:t>
-                </a:r>
-              </a:p>
-            </p:txBody>
-          </p:sp>
-        </mc:Choice>
-        <mc:Fallback xmlns="">
-          <p:sp>
-            <p:nvSpPr>
-              <p:cNvPr id="10" name="TextBox 9"/>
-              <p:cNvSpPr txBox="1">
-                <a:spLocks noRot="1" noChangeAspect="1" noMove="1" noResize="1" noEditPoints="1" noAdjustHandles="1" noChangeArrowheads="1" noChangeShapeType="1" noTextEdit="1"/>
-              </p:cNvSpPr>
-              <p:nvPr/>
-            </p:nvSpPr>
-            <p:spPr>
-              <a:xfrm>
-                <a:off x="3968318" y="2201662"/>
-                <a:ext cx="8223682" cy="2074414"/>
-              </a:xfrm>
-              <a:prstGeom prst="rect">
-                <a:avLst/>
-              </a:prstGeom>
-              <a:blipFill rotWithShape="0">
-                <a:blip r:embed="rId3"/>
-                <a:stretch>
-                  <a:fillRect l="-667" t="-1471" r="-741" b="-3824"/>
-                </a:stretch>
-              </a:blipFill>
-            </p:spPr>
-            <p:txBody>
-              <a:bodyPr/>
-              <a:lstStyle/>
-              <a:p>
-                <a:r>
-                  <a:rPr lang="en-US">
-                    <a:noFill/>
-                  </a:rPr>
-                  <a:t> </a:t>
-                </a:r>
-              </a:p>
-            </p:txBody>
-          </p:sp>
-        </mc:Fallback>
-      </mc:AlternateContent>
+      <p:sp>
+        <p:nvSpPr>
+          <p:cNvPr id="5" name="TextBox 4"/>
+          <p:cNvSpPr txBox="1"/>
+          <p:nvPr/>
+        </p:nvSpPr>
+        <p:spPr>
+          <a:xfrm>
+            <a:off x="4576482" y="5252225"/>
+            <a:ext cx="4338918" cy="369332"/>
+          </a:xfrm>
+          <a:prstGeom prst="rect">
+            <a:avLst/>
+          </a:prstGeom>
+          <a:noFill/>
+        </p:spPr>
+        <p:txBody>
+          <a:bodyPr wrap="square" rtlCol="0">
+            <a:spAutoFit/>
+          </a:bodyPr>
+          <a:lstStyle/>
+          <a:p>
+            <a:r>
+              <a:rPr lang="en-US" dirty="0" smtClean="0">
+                <a:solidFill>
+                  <a:srgbClr val="C00000"/>
+                </a:solidFill>
+              </a:rPr>
+              <a:t>C.J.W. </a:t>
+            </a:r>
+            <a:r>
+              <a:rPr lang="en-US" dirty="0" err="1" smtClean="0">
+                <a:solidFill>
+                  <a:srgbClr val="C00000"/>
+                </a:solidFill>
+              </a:rPr>
+              <a:t>Twenhofel</a:t>
+            </a:r>
+            <a:r>
+              <a:rPr lang="en-US" dirty="0" smtClean="0">
+                <a:solidFill>
+                  <a:srgbClr val="C00000"/>
+                </a:solidFill>
+              </a:rPr>
+              <a:t> et al., NIM B 51(1990) 58</a:t>
+            </a:r>
+            <a:endParaRPr lang="en-US" dirty="0">
+              <a:solidFill>
+                <a:srgbClr val="C00000"/>
+              </a:solidFill>
+            </a:endParaRPr>
+          </a:p>
+        </p:txBody>
+      </p:sp>
+      <p:sp>
+        <p:nvSpPr>
+          <p:cNvPr id="6" name="TextBox 5"/>
+          <p:cNvSpPr txBox="1"/>
+          <p:nvPr/>
+        </p:nvSpPr>
+        <p:spPr>
+          <a:xfrm>
+            <a:off x="403412" y="1349931"/>
+            <a:ext cx="4643718" cy="646331"/>
+          </a:xfrm>
+          <a:prstGeom prst="rect">
+            <a:avLst/>
+          </a:prstGeom>
+          <a:noFill/>
+        </p:spPr>
+        <p:txBody>
+          <a:bodyPr wrap="square" rtlCol="0">
+            <a:spAutoFit/>
+          </a:bodyPr>
+          <a:lstStyle/>
+          <a:p>
+            <a:r>
+              <a:rPr lang="en-US" dirty="0">
+                <a:latin typeface="Times New Roman" panose="02020603050405020304" pitchFamily="18" charset="0"/>
+                <a:cs typeface="Times New Roman" panose="02020603050405020304" pitchFamily="18" charset="0"/>
+              </a:rPr>
+              <a:t>● </a:t>
+            </a:r>
+            <a:r>
+              <a:rPr lang="en-US" dirty="0" smtClean="0">
+                <a:latin typeface="Times New Roman" panose="02020603050405020304" pitchFamily="18" charset="0"/>
+                <a:cs typeface="Times New Roman" panose="02020603050405020304" pitchFamily="18" charset="0"/>
+              </a:rPr>
+              <a:t>Saturation effects observed for Z≤3, more important for Z=1.</a:t>
+            </a:r>
+            <a:endParaRPr lang="en-US" dirty="0">
+              <a:latin typeface="Times New Roman" panose="02020603050405020304" pitchFamily="18" charset="0"/>
+              <a:cs typeface="Times New Roman" panose="02020603050405020304" pitchFamily="18" charset="0"/>
+            </a:endParaRPr>
+          </a:p>
+        </p:txBody>
+      </p:sp>
+      <p:cxnSp>
+        <p:nvCxnSpPr>
+          <p:cNvPr id="8" name="Straight Arrow Connector 7"/>
+          <p:cNvCxnSpPr/>
+          <p:nvPr/>
+        </p:nvCxnSpPr>
+        <p:spPr>
+          <a:xfrm>
+            <a:off x="2415993" y="5875475"/>
+            <a:ext cx="8965" cy="448236"/>
+          </a:xfrm>
+          <a:prstGeom prst="straightConnector1">
+            <a:avLst/>
+          </a:prstGeom>
+          <a:ln w="19050">
+            <a:solidFill>
+              <a:srgbClr val="FF0000"/>
+            </a:solidFill>
+            <a:prstDash val="dash"/>
+            <a:tailEnd type="triangle"/>
+          </a:ln>
+        </p:spPr>
+        <p:style>
+          <a:lnRef idx="1">
+            <a:schemeClr val="accent1"/>
+          </a:lnRef>
+          <a:fillRef idx="0">
+            <a:schemeClr val="accent1"/>
+          </a:fillRef>
+          <a:effectRef idx="0">
+            <a:schemeClr val="accent1"/>
+          </a:effectRef>
+          <a:fontRef idx="minor">
+            <a:schemeClr val="tx1"/>
+          </a:fontRef>
+        </p:style>
+      </p:cxnSp>
+      <p:cxnSp>
+        <p:nvCxnSpPr>
+          <p:cNvPr id="9" name="Straight Arrow Connector 8"/>
+          <p:cNvCxnSpPr/>
+          <p:nvPr/>
+        </p:nvCxnSpPr>
+        <p:spPr>
+          <a:xfrm>
+            <a:off x="10614211" y="2752164"/>
+            <a:ext cx="35859" cy="788895"/>
+          </a:xfrm>
+          <a:prstGeom prst="straightConnector1">
+            <a:avLst/>
+          </a:prstGeom>
+          <a:ln w="19050">
+            <a:solidFill>
+              <a:srgbClr val="FF0000"/>
+            </a:solidFill>
+            <a:prstDash val="dash"/>
+            <a:tailEnd type="triangle"/>
+          </a:ln>
+        </p:spPr>
+        <p:style>
+          <a:lnRef idx="1">
+            <a:schemeClr val="accent1"/>
+          </a:lnRef>
+          <a:fillRef idx="0">
+            <a:schemeClr val="accent1"/>
+          </a:fillRef>
+          <a:effectRef idx="0">
+            <a:schemeClr val="accent1"/>
+          </a:effectRef>
+          <a:fontRef idx="minor">
+            <a:schemeClr val="tx1"/>
+          </a:fontRef>
+        </p:style>
+      </p:cxnSp>
+      <p:sp>
+        <p:nvSpPr>
+          <p:cNvPr id="11" name="TextBox 10"/>
+          <p:cNvSpPr txBox="1"/>
+          <p:nvPr/>
+        </p:nvSpPr>
+        <p:spPr>
+          <a:xfrm>
+            <a:off x="2415993" y="5905962"/>
+            <a:ext cx="1272988" cy="369332"/>
+          </a:xfrm>
+          <a:prstGeom prst="rect">
+            <a:avLst/>
+          </a:prstGeom>
+          <a:noFill/>
+        </p:spPr>
+        <p:txBody>
+          <a:bodyPr wrap="square" rtlCol="0">
+            <a:spAutoFit/>
+          </a:bodyPr>
+          <a:lstStyle/>
+          <a:p>
+            <a:r>
+              <a:rPr lang="en-US" dirty="0" smtClean="0">
+                <a:solidFill>
+                  <a:srgbClr val="FF0000"/>
+                </a:solidFill>
+              </a:rPr>
+              <a:t>~30MeV</a:t>
+            </a:r>
+            <a:endParaRPr lang="en-US" dirty="0">
+              <a:solidFill>
+                <a:srgbClr val="FF0000"/>
+              </a:solidFill>
+            </a:endParaRPr>
+          </a:p>
+        </p:txBody>
+      </p:sp>
+      <p:sp>
+        <p:nvSpPr>
+          <p:cNvPr id="12" name="TextBox 11"/>
+          <p:cNvSpPr txBox="1"/>
+          <p:nvPr/>
+        </p:nvSpPr>
+        <p:spPr>
+          <a:xfrm>
+            <a:off x="10650070" y="2975510"/>
+            <a:ext cx="1272988" cy="369332"/>
+          </a:xfrm>
+          <a:prstGeom prst="rect">
+            <a:avLst/>
+          </a:prstGeom>
+          <a:noFill/>
+        </p:spPr>
+        <p:txBody>
+          <a:bodyPr wrap="square" rtlCol="0">
+            <a:spAutoFit/>
+          </a:bodyPr>
+          <a:lstStyle/>
+          <a:p>
+            <a:r>
+              <a:rPr lang="en-US" dirty="0" smtClean="0">
+                <a:solidFill>
+                  <a:srgbClr val="FF0000"/>
+                </a:solidFill>
+              </a:rPr>
+              <a:t>~30MeV</a:t>
+            </a:r>
+            <a:endParaRPr lang="en-US" dirty="0">
+              <a:solidFill>
+                <a:srgbClr val="FF0000"/>
+              </a:solidFill>
+            </a:endParaRPr>
+          </a:p>
+        </p:txBody>
+      </p:sp>
+      <p:sp>
+        <p:nvSpPr>
+          <p:cNvPr id="13" name="TextBox 12"/>
+          <p:cNvSpPr txBox="1"/>
+          <p:nvPr/>
+        </p:nvSpPr>
+        <p:spPr>
+          <a:xfrm>
+            <a:off x="466165" y="2265568"/>
+            <a:ext cx="5396771" cy="369332"/>
+          </a:xfrm>
+          <a:prstGeom prst="rect">
+            <a:avLst/>
+          </a:prstGeom>
+          <a:noFill/>
+        </p:spPr>
+        <p:txBody>
+          <a:bodyPr wrap="square" rtlCol="0">
+            <a:spAutoFit/>
+          </a:bodyPr>
+          <a:lstStyle/>
+          <a:p>
+            <a:r>
+              <a:rPr lang="en-US" dirty="0">
+                <a:latin typeface="Times New Roman" panose="02020603050405020304" pitchFamily="18" charset="0"/>
+                <a:cs typeface="Times New Roman" panose="02020603050405020304" pitchFamily="18" charset="0"/>
+              </a:rPr>
+              <a:t>● </a:t>
+            </a:r>
+            <a:r>
+              <a:rPr lang="en-US" dirty="0" smtClean="0">
+                <a:latin typeface="Times New Roman" panose="02020603050405020304" pitchFamily="18" charset="0"/>
+                <a:cs typeface="Times New Roman" panose="02020603050405020304" pitchFamily="18" charset="0"/>
+              </a:rPr>
+              <a:t>For Z=1,  saturation effect occurs at around 30 MeV</a:t>
+            </a:r>
+            <a:endParaRPr lang="en-US" dirty="0">
+              <a:latin typeface="Times New Roman" panose="02020603050405020304" pitchFamily="18" charset="0"/>
+              <a:cs typeface="Times New Roman" panose="02020603050405020304" pitchFamily="18" charset="0"/>
+            </a:endParaRPr>
+          </a:p>
+        </p:txBody>
+      </p:sp>
     </p:spTree>
     <p:extLst>
       <p:ext uri="{BB962C8B-B14F-4D97-AF65-F5344CB8AC3E}">
-        <p14:creationId xmlns:p14="http://schemas.microsoft.com/office/powerpoint/2010/main" val="3232579096"/>
+        <p14:creationId xmlns:p14="http://schemas.microsoft.com/office/powerpoint/2010/main" val="2149974049"/>
       </p:ext>
     </p:extLst>
   </p:cSld>
   <p:clrMapOvr>
     <a:masterClrMapping/>
   </p:clrMapOvr>
-  <p:timing>
-    <p:tnLst>
-      <p:par>
-        <p:cTn id="1" dur="indefinite" restart="never" nodeType="tmRoot"/>
-      </p:par>
-    </p:tnLst>
-  </p:timing>
 </p:sld>
 </file>
 
@@ -18541,10 +18635,1655 @@
           <a:chExt cx="0" cy="0"/>
         </a:xfrm>
       </p:grpSpPr>
+      <p:sp>
+        <p:nvSpPr>
+          <p:cNvPr id="3" name="TextBox 2"/>
+          <p:cNvSpPr txBox="1"/>
+          <p:nvPr/>
+        </p:nvSpPr>
+        <p:spPr>
+          <a:xfrm>
+            <a:off x="170329" y="249628"/>
+            <a:ext cx="6571130" cy="461665"/>
+          </a:xfrm>
+          <a:prstGeom prst="rect">
+            <a:avLst/>
+          </a:prstGeom>
+          <a:noFill/>
+        </p:spPr>
+        <p:txBody>
+          <a:bodyPr wrap="square" rtlCol="0">
+            <a:spAutoFit/>
+          </a:bodyPr>
+          <a:lstStyle/>
+          <a:p>
+            <a:r>
+              <a:rPr lang="en-US" sz="2400" b="1" u="sng" dirty="0" smtClean="0">
+                <a:latin typeface="Times New Roman" panose="02020603050405020304" pitchFamily="18" charset="0"/>
+                <a:cs typeface="Times New Roman" panose="02020603050405020304" pitchFamily="18" charset="0"/>
+              </a:rPr>
+              <a:t>Simultaneous Fit for heavy ions (Z≥2)</a:t>
+            </a:r>
+            <a:endParaRPr lang="en-US" sz="2400" b="1" u="sng" dirty="0">
+              <a:latin typeface="Times New Roman" panose="02020603050405020304" pitchFamily="18" charset="0"/>
+              <a:cs typeface="Times New Roman" panose="02020603050405020304" pitchFamily="18" charset="0"/>
+            </a:endParaRPr>
+          </a:p>
+        </p:txBody>
+      </p:sp>
+      <p:sp>
+        <p:nvSpPr>
+          <p:cNvPr id="6" name="TextBox 5"/>
+          <p:cNvSpPr txBox="1"/>
+          <p:nvPr/>
+        </p:nvSpPr>
+        <p:spPr>
+          <a:xfrm>
+            <a:off x="136224" y="932410"/>
+            <a:ext cx="5145741" cy="646331"/>
+          </a:xfrm>
+          <a:prstGeom prst="rect">
+            <a:avLst/>
+          </a:prstGeom>
+          <a:noFill/>
+        </p:spPr>
+        <p:txBody>
+          <a:bodyPr wrap="square" rtlCol="0">
+            <a:spAutoFit/>
+          </a:bodyPr>
+          <a:lstStyle/>
+          <a:p>
+            <a:r>
+              <a:rPr lang="en-US" dirty="0" smtClean="0">
+                <a:latin typeface="Times New Roman" panose="02020603050405020304" pitchFamily="18" charset="0"/>
+                <a:cs typeface="Times New Roman" panose="02020603050405020304" pitchFamily="18" charset="0"/>
+              </a:rPr>
+              <a:t>● Horn Formula: </a:t>
+            </a:r>
+          </a:p>
+          <a:p>
+            <a:endParaRPr lang="en-US" b="0" i="1" dirty="0" smtClean="0">
+              <a:solidFill>
+                <a:srgbClr val="00B050"/>
+              </a:solidFill>
+              <a:latin typeface="Cambria Math" panose="02040503050406030204" pitchFamily="18" charset="0"/>
+              <a:cs typeface="Times New Roman" panose="02020603050405020304" pitchFamily="18" charset="0"/>
+            </a:endParaRPr>
+          </a:p>
+        </p:txBody>
+      </p:sp>
+      <mc:AlternateContent xmlns:mc="http://schemas.openxmlformats.org/markup-compatibility/2006" xmlns:a14="http://schemas.microsoft.com/office/drawing/2010/main">
+        <mc:Choice Requires="a14">
+          <p:sp>
+            <p:nvSpPr>
+              <p:cNvPr id="7" name="TextBox 6"/>
+              <p:cNvSpPr txBox="1"/>
+              <p:nvPr/>
+            </p:nvSpPr>
+            <p:spPr>
+              <a:xfrm>
+                <a:off x="617797" y="1429134"/>
+                <a:ext cx="5031698" cy="622350"/>
+              </a:xfrm>
+              <a:prstGeom prst="rect">
+                <a:avLst/>
+              </a:prstGeom>
+              <a:noFill/>
+            </p:spPr>
+            <p:txBody>
+              <a:bodyPr wrap="none" lIns="0" tIns="0" rIns="0" bIns="0" rtlCol="0">
+                <a:spAutoFit/>
+              </a:bodyPr>
+              <a:lstStyle/>
+              <a:p>
+                <a:pPr/>
+                <a14:m>
+                  <m:oMathPara xmlns:m="http://schemas.openxmlformats.org/officeDocument/2006/math">
+                    <m:oMathParaPr>
+                      <m:jc m:val="centerGroup"/>
+                    </m:oMathParaPr>
+                    <m:oMath xmlns:m="http://schemas.openxmlformats.org/officeDocument/2006/math">
+                      <m:r>
+                        <a:rPr lang="en-US" b="0" i="1" smtClean="0">
+                          <a:latin typeface="Cambria Math" panose="02040503050406030204" pitchFamily="18" charset="0"/>
+                        </a:rPr>
+                        <m:t>𝐿</m:t>
+                      </m:r>
+                      <m:d>
+                        <m:dPr>
+                          <m:ctrlPr>
+                            <a:rPr lang="en-US" b="0" i="1" smtClean="0">
+                              <a:latin typeface="Cambria Math" panose="02040503050406030204" pitchFamily="18" charset="0"/>
+                            </a:rPr>
+                          </m:ctrlPr>
+                        </m:dPr>
+                        <m:e>
+                          <m:r>
+                            <a:rPr lang="en-US" b="0" i="1" smtClean="0">
+                              <a:latin typeface="Cambria Math" panose="02040503050406030204" pitchFamily="18" charset="0"/>
+                            </a:rPr>
+                            <m:t>𝐸</m:t>
+                          </m:r>
+                          <m:r>
+                            <a:rPr lang="en-US" b="0" i="1" smtClean="0">
+                              <a:latin typeface="Cambria Math" panose="02040503050406030204" pitchFamily="18" charset="0"/>
+                            </a:rPr>
+                            <m:t>,</m:t>
+                          </m:r>
+                          <m:r>
+                            <a:rPr lang="en-US" b="0" i="1" smtClean="0">
+                              <a:latin typeface="Cambria Math" panose="02040503050406030204" pitchFamily="18" charset="0"/>
+                            </a:rPr>
+                            <m:t>𝑍</m:t>
+                          </m:r>
+                          <m:r>
+                            <a:rPr lang="en-US" b="0" i="1" smtClean="0">
+                              <a:latin typeface="Cambria Math" panose="02040503050406030204" pitchFamily="18" charset="0"/>
+                            </a:rPr>
+                            <m:t>,</m:t>
+                          </m:r>
+                          <m:r>
+                            <a:rPr lang="en-US" b="0" i="1" smtClean="0">
+                              <a:latin typeface="Cambria Math" panose="02040503050406030204" pitchFamily="18" charset="0"/>
+                            </a:rPr>
+                            <m:t>𝐴</m:t>
+                          </m:r>
+                        </m:e>
+                      </m:d>
+                      <m:r>
+                        <a:rPr lang="en-US" b="0" i="1" smtClean="0">
+                          <a:latin typeface="Cambria Math" panose="02040503050406030204" pitchFamily="18" charset="0"/>
+                        </a:rPr>
+                        <m:t>=</m:t>
+                      </m:r>
+                      <m:sSub>
+                        <m:sSubPr>
+                          <m:ctrlPr>
+                            <a:rPr lang="en-US" b="0" i="1" smtClean="0">
+                              <a:latin typeface="Cambria Math" panose="02040503050406030204" pitchFamily="18" charset="0"/>
+                            </a:rPr>
+                          </m:ctrlPr>
+                        </m:sSubPr>
+                        <m:e>
+                          <m:r>
+                            <a:rPr lang="en-US" b="0" i="1" smtClean="0">
+                              <a:latin typeface="Cambria Math" panose="02040503050406030204" pitchFamily="18" charset="0"/>
+                            </a:rPr>
+                            <m:t>𝑎</m:t>
+                          </m:r>
+                        </m:e>
+                        <m:sub>
+                          <m:r>
+                            <a:rPr lang="en-US" b="0" i="1" smtClean="0">
+                              <a:latin typeface="Cambria Math" panose="02040503050406030204" pitchFamily="18" charset="0"/>
+                            </a:rPr>
+                            <m:t>0</m:t>
+                          </m:r>
+                        </m:sub>
+                      </m:sSub>
+                      <m:r>
+                        <a:rPr lang="en-US" b="0" i="1" smtClean="0">
+                          <a:latin typeface="Cambria Math" panose="02040503050406030204" pitchFamily="18" charset="0"/>
+                        </a:rPr>
+                        <m:t>+</m:t>
+                      </m:r>
+                      <m:sSub>
+                        <m:sSubPr>
+                          <m:ctrlPr>
+                            <a:rPr lang="en-US" b="0" i="1" smtClean="0">
+                              <a:latin typeface="Cambria Math" panose="02040503050406030204" pitchFamily="18" charset="0"/>
+                            </a:rPr>
+                          </m:ctrlPr>
+                        </m:sSubPr>
+                        <m:e>
+                          <m:r>
+                            <a:rPr lang="en-US" b="0" i="1" smtClean="0">
+                              <a:latin typeface="Cambria Math" panose="02040503050406030204" pitchFamily="18" charset="0"/>
+                            </a:rPr>
+                            <m:t>𝑎</m:t>
+                          </m:r>
+                        </m:e>
+                        <m:sub>
+                          <m:r>
+                            <a:rPr lang="en-US" b="0" i="1" smtClean="0">
+                              <a:latin typeface="Cambria Math" panose="02040503050406030204" pitchFamily="18" charset="0"/>
+                            </a:rPr>
+                            <m:t>1</m:t>
+                          </m:r>
+                        </m:sub>
+                      </m:sSub>
+                      <m:d>
+                        <m:dPr>
+                          <m:ctrlPr>
+                            <a:rPr lang="en-US" b="0" i="1" smtClean="0">
+                              <a:latin typeface="Cambria Math" panose="02040503050406030204" pitchFamily="18" charset="0"/>
+                            </a:rPr>
+                          </m:ctrlPr>
+                        </m:dPr>
+                        <m:e>
+                          <m:r>
+                            <a:rPr lang="en-US" b="0" i="1" smtClean="0">
+                              <a:solidFill>
+                                <a:srgbClr val="FF0000"/>
+                              </a:solidFill>
+                              <a:latin typeface="Cambria Math" panose="02040503050406030204" pitchFamily="18" charset="0"/>
+                            </a:rPr>
+                            <m:t>𝐸</m:t>
+                          </m:r>
+                          <m:r>
+                            <a:rPr lang="en-US" b="0" i="1" smtClean="0">
+                              <a:latin typeface="Cambria Math" panose="02040503050406030204" pitchFamily="18" charset="0"/>
+                            </a:rPr>
+                            <m:t>−</m:t>
+                          </m:r>
+                          <m:sSub>
+                            <m:sSubPr>
+                              <m:ctrlPr>
+                                <a:rPr lang="en-US" b="0" i="1" smtClean="0">
+                                  <a:latin typeface="Cambria Math" panose="02040503050406030204" pitchFamily="18" charset="0"/>
+                                </a:rPr>
+                              </m:ctrlPr>
+                            </m:sSubPr>
+                            <m:e>
+                              <m:r>
+                                <a:rPr lang="en-US" b="0" i="1" smtClean="0">
+                                  <a:latin typeface="Cambria Math" panose="02040503050406030204" pitchFamily="18" charset="0"/>
+                                </a:rPr>
+                                <m:t>𝑎</m:t>
+                              </m:r>
+                            </m:e>
+                            <m:sub>
+                              <m:r>
+                                <a:rPr lang="en-US" b="0" i="1" smtClean="0">
+                                  <a:latin typeface="Cambria Math" panose="02040503050406030204" pitchFamily="18" charset="0"/>
+                                </a:rPr>
+                                <m:t>2</m:t>
+                              </m:r>
+                            </m:sub>
+                          </m:sSub>
+                          <m:r>
+                            <a:rPr lang="en-US" b="0" i="1" smtClean="0">
+                              <a:latin typeface="Cambria Math" panose="02040503050406030204" pitchFamily="18" charset="0"/>
+                            </a:rPr>
+                            <m:t>𝐴</m:t>
+                          </m:r>
+                          <m:sSup>
+                            <m:sSupPr>
+                              <m:ctrlPr>
+                                <a:rPr lang="en-US" b="0" i="1" smtClean="0">
+                                  <a:latin typeface="Cambria Math" panose="02040503050406030204" pitchFamily="18" charset="0"/>
+                                </a:rPr>
+                              </m:ctrlPr>
+                            </m:sSupPr>
+                            <m:e>
+                              <m:r>
+                                <a:rPr lang="en-US" b="0" i="1" smtClean="0">
+                                  <a:latin typeface="Cambria Math" panose="02040503050406030204" pitchFamily="18" charset="0"/>
+                                </a:rPr>
+                                <m:t>𝑍</m:t>
+                              </m:r>
+                            </m:e>
+                            <m:sup>
+                              <m:r>
+                                <a:rPr lang="en-US" b="0" i="1" smtClean="0">
+                                  <a:latin typeface="Cambria Math" panose="02040503050406030204" pitchFamily="18" charset="0"/>
+                                </a:rPr>
+                                <m:t>2</m:t>
+                              </m:r>
+                            </m:sup>
+                          </m:sSup>
+                          <m:func>
+                            <m:funcPr>
+                              <m:ctrlPr>
+                                <a:rPr lang="en-US" b="0" i="1" smtClean="0">
+                                  <a:latin typeface="Cambria Math" panose="02040503050406030204" pitchFamily="18" charset="0"/>
+                                </a:rPr>
+                              </m:ctrlPr>
+                            </m:funcPr>
+                            <m:fName>
+                              <m:r>
+                                <m:rPr>
+                                  <m:sty m:val="p"/>
+                                </m:rPr>
+                                <a:rPr lang="en-US" b="0" i="0" smtClean="0">
+                                  <a:latin typeface="Cambria Math" panose="02040503050406030204" pitchFamily="18" charset="0"/>
+                                </a:rPr>
+                                <m:t>ln</m:t>
+                              </m:r>
+                            </m:fName>
+                            <m:e>
+                              <m:d>
+                                <m:dPr>
+                                  <m:ctrlPr>
+                                    <a:rPr lang="en-US" b="0" i="1" smtClean="0">
+                                      <a:latin typeface="Cambria Math" panose="02040503050406030204" pitchFamily="18" charset="0"/>
+                                    </a:rPr>
+                                  </m:ctrlPr>
+                                </m:dPr>
+                                <m:e>
+                                  <m:f>
+                                    <m:fPr>
+                                      <m:ctrlPr>
+                                        <a:rPr lang="en-US" b="0" i="1" smtClean="0">
+                                          <a:latin typeface="Cambria Math" panose="02040503050406030204" pitchFamily="18" charset="0"/>
+                                        </a:rPr>
+                                      </m:ctrlPr>
+                                    </m:fPr>
+                                    <m:num>
+                                      <m:r>
+                                        <a:rPr lang="en-US" b="0" i="1" smtClean="0">
+                                          <a:latin typeface="Cambria Math" panose="02040503050406030204" pitchFamily="18" charset="0"/>
+                                        </a:rPr>
+                                        <m:t>𝐸</m:t>
+                                      </m:r>
+                                      <m:r>
+                                        <a:rPr lang="en-US" b="0" i="1" smtClean="0">
+                                          <a:latin typeface="Cambria Math" panose="02040503050406030204" pitchFamily="18" charset="0"/>
+                                        </a:rPr>
+                                        <m:t>+</m:t>
+                                      </m:r>
+                                      <m:sSub>
+                                        <m:sSubPr>
+                                          <m:ctrlPr>
+                                            <a:rPr lang="en-US" b="0" i="1" smtClean="0">
+                                              <a:latin typeface="Cambria Math" panose="02040503050406030204" pitchFamily="18" charset="0"/>
+                                            </a:rPr>
+                                          </m:ctrlPr>
+                                        </m:sSubPr>
+                                        <m:e>
+                                          <m:r>
+                                            <a:rPr lang="en-US" b="0" i="1" smtClean="0">
+                                              <a:latin typeface="Cambria Math" panose="02040503050406030204" pitchFamily="18" charset="0"/>
+                                            </a:rPr>
+                                            <m:t>𝑎</m:t>
+                                          </m:r>
+                                        </m:e>
+                                        <m:sub>
+                                          <m:r>
+                                            <a:rPr lang="en-US" b="0" i="1" smtClean="0">
+                                              <a:latin typeface="Cambria Math" panose="02040503050406030204" pitchFamily="18" charset="0"/>
+                                            </a:rPr>
+                                            <m:t>2</m:t>
+                                          </m:r>
+                                        </m:sub>
+                                      </m:sSub>
+                                      <m:r>
+                                        <a:rPr lang="en-US" b="0" i="1" smtClean="0">
+                                          <a:latin typeface="Cambria Math" panose="02040503050406030204" pitchFamily="18" charset="0"/>
+                                        </a:rPr>
+                                        <m:t>𝐴</m:t>
+                                      </m:r>
+                                      <m:sSup>
+                                        <m:sSupPr>
+                                          <m:ctrlPr>
+                                            <a:rPr lang="en-US" b="0" i="1" smtClean="0">
+                                              <a:latin typeface="Cambria Math" panose="02040503050406030204" pitchFamily="18" charset="0"/>
+                                            </a:rPr>
+                                          </m:ctrlPr>
+                                        </m:sSupPr>
+                                        <m:e>
+                                          <m:r>
+                                            <a:rPr lang="en-US" b="0" i="1" smtClean="0">
+                                              <a:latin typeface="Cambria Math" panose="02040503050406030204" pitchFamily="18" charset="0"/>
+                                            </a:rPr>
+                                            <m:t>𝑍</m:t>
+                                          </m:r>
+                                        </m:e>
+                                        <m:sup>
+                                          <m:r>
+                                            <a:rPr lang="en-US" b="0" i="1" smtClean="0">
+                                              <a:latin typeface="Cambria Math" panose="02040503050406030204" pitchFamily="18" charset="0"/>
+                                            </a:rPr>
+                                            <m:t>2</m:t>
+                                          </m:r>
+                                        </m:sup>
+                                      </m:sSup>
+                                    </m:num>
+                                    <m:den>
+                                      <m:sSub>
+                                        <m:sSubPr>
+                                          <m:ctrlPr>
+                                            <a:rPr lang="en-US" b="0" i="1" smtClean="0">
+                                              <a:latin typeface="Cambria Math" panose="02040503050406030204" pitchFamily="18" charset="0"/>
+                                            </a:rPr>
+                                          </m:ctrlPr>
+                                        </m:sSubPr>
+                                        <m:e>
+                                          <m:r>
+                                            <a:rPr lang="en-US" b="0" i="1" smtClean="0">
+                                              <a:latin typeface="Cambria Math" panose="02040503050406030204" pitchFamily="18" charset="0"/>
+                                            </a:rPr>
+                                            <m:t>𝑎</m:t>
+                                          </m:r>
+                                        </m:e>
+                                        <m:sub>
+                                          <m:r>
+                                            <a:rPr lang="en-US" b="0" i="1" smtClean="0">
+                                              <a:latin typeface="Cambria Math" panose="02040503050406030204" pitchFamily="18" charset="0"/>
+                                            </a:rPr>
+                                            <m:t>2</m:t>
+                                          </m:r>
+                                        </m:sub>
+                                      </m:sSub>
+                                      <m:r>
+                                        <a:rPr lang="en-US" b="0" i="1" smtClean="0">
+                                          <a:latin typeface="Cambria Math" panose="02040503050406030204" pitchFamily="18" charset="0"/>
+                                        </a:rPr>
+                                        <m:t>𝐴</m:t>
+                                      </m:r>
+                                      <m:sSup>
+                                        <m:sSupPr>
+                                          <m:ctrlPr>
+                                            <a:rPr lang="en-US" b="0" i="1" smtClean="0">
+                                              <a:latin typeface="Cambria Math" panose="02040503050406030204" pitchFamily="18" charset="0"/>
+                                            </a:rPr>
+                                          </m:ctrlPr>
+                                        </m:sSupPr>
+                                        <m:e>
+                                          <m:r>
+                                            <a:rPr lang="en-US" b="0" i="1" smtClean="0">
+                                              <a:latin typeface="Cambria Math" panose="02040503050406030204" pitchFamily="18" charset="0"/>
+                                            </a:rPr>
+                                            <m:t>𝑍</m:t>
+                                          </m:r>
+                                        </m:e>
+                                        <m:sup>
+                                          <m:r>
+                                            <a:rPr lang="en-US" b="0" i="1" smtClean="0">
+                                              <a:latin typeface="Cambria Math" panose="02040503050406030204" pitchFamily="18" charset="0"/>
+                                            </a:rPr>
+                                            <m:t>2</m:t>
+                                          </m:r>
+                                        </m:sup>
+                                      </m:sSup>
+                                    </m:den>
+                                  </m:f>
+                                </m:e>
+                              </m:d>
+                            </m:e>
+                          </m:func>
+                        </m:e>
+                      </m:d>
+                    </m:oMath>
+                  </m:oMathPara>
+                </a14:m>
+                <a:endParaRPr lang="en-US" dirty="0"/>
+              </a:p>
+            </p:txBody>
+          </p:sp>
+        </mc:Choice>
+        <mc:Fallback xmlns="">
+          <p:sp>
+            <p:nvSpPr>
+              <p:cNvPr id="7" name="TextBox 6"/>
+              <p:cNvSpPr txBox="1">
+                <a:spLocks noRot="1" noChangeAspect="1" noMove="1" noResize="1" noEditPoints="1" noAdjustHandles="1" noChangeArrowheads="1" noChangeShapeType="1" noTextEdit="1"/>
+              </p:cNvSpPr>
+              <p:nvPr/>
+            </p:nvSpPr>
+            <p:spPr>
+              <a:xfrm>
+                <a:off x="617797" y="1429134"/>
+                <a:ext cx="5031698" cy="622350"/>
+              </a:xfrm>
+              <a:prstGeom prst="rect">
+                <a:avLst/>
+              </a:prstGeom>
+              <a:blipFill rotWithShape="0">
+                <a:blip r:embed="rId2"/>
+                <a:stretch>
+                  <a:fillRect b="-971"/>
+                </a:stretch>
+              </a:blipFill>
+            </p:spPr>
+            <p:txBody>
+              <a:bodyPr/>
+              <a:lstStyle/>
+              <a:p>
+                <a:r>
+                  <a:rPr lang="en-US">
+                    <a:noFill/>
+                  </a:rPr>
+                  <a:t> </a:t>
+                </a:r>
+              </a:p>
+            </p:txBody>
+          </p:sp>
+        </mc:Fallback>
+      </mc:AlternateContent>
+      <p:sp>
+        <p:nvSpPr>
+          <p:cNvPr id="8" name="TextBox 7"/>
+          <p:cNvSpPr txBox="1"/>
+          <p:nvPr/>
+        </p:nvSpPr>
+        <p:spPr>
+          <a:xfrm>
+            <a:off x="1962205" y="932410"/>
+            <a:ext cx="4811895" cy="369332"/>
+          </a:xfrm>
+          <a:prstGeom prst="rect">
+            <a:avLst/>
+          </a:prstGeom>
+          <a:noFill/>
+        </p:spPr>
+        <p:txBody>
+          <a:bodyPr wrap="none" rtlCol="0">
+            <a:spAutoFit/>
+          </a:bodyPr>
+          <a:lstStyle/>
+          <a:p>
+            <a:r>
+              <a:rPr lang="en-US" i="1" dirty="0" smtClean="0">
+                <a:solidFill>
+                  <a:schemeClr val="bg1">
+                    <a:lumMod val="50000"/>
+                  </a:schemeClr>
+                </a:solidFill>
+              </a:rPr>
+              <a:t>D. Horn et al.,</a:t>
+            </a:r>
+            <a:r>
+              <a:rPr lang="en-US" i="1" dirty="0">
+                <a:solidFill>
+                  <a:schemeClr val="bg1">
+                    <a:lumMod val="50000"/>
+                  </a:schemeClr>
+                </a:solidFill>
+              </a:rPr>
+              <a:t> </a:t>
+            </a:r>
+            <a:r>
+              <a:rPr lang="en-US" i="1" dirty="0" err="1" smtClean="0">
+                <a:solidFill>
+                  <a:schemeClr val="bg1">
+                    <a:lumMod val="50000"/>
+                  </a:schemeClr>
+                </a:solidFill>
+              </a:rPr>
+              <a:t>Nucl</a:t>
+            </a:r>
+            <a:r>
+              <a:rPr lang="en-US" i="1" dirty="0" smtClean="0">
+                <a:solidFill>
+                  <a:schemeClr val="bg1">
+                    <a:lumMod val="50000"/>
+                  </a:schemeClr>
+                </a:solidFill>
+              </a:rPr>
+              <a:t>. Instr. Meth A 320 (1992) 273</a:t>
+            </a:r>
+            <a:endParaRPr lang="en-US" i="1" dirty="0">
+              <a:solidFill>
+                <a:schemeClr val="bg1">
+                  <a:lumMod val="50000"/>
+                </a:schemeClr>
+              </a:solidFill>
+            </a:endParaRPr>
+          </a:p>
+        </p:txBody>
+      </p:sp>
+      <p:sp>
+        <p:nvSpPr>
+          <p:cNvPr id="9" name="Rectangle 8"/>
+          <p:cNvSpPr/>
+          <p:nvPr/>
+        </p:nvSpPr>
+        <p:spPr>
+          <a:xfrm>
+            <a:off x="136224" y="3311471"/>
+            <a:ext cx="3651962" cy="369332"/>
+          </a:xfrm>
+          <a:prstGeom prst="rect">
+            <a:avLst/>
+          </a:prstGeom>
+        </p:spPr>
+        <p:txBody>
+          <a:bodyPr wrap="none">
+            <a:spAutoFit/>
+          </a:bodyPr>
+          <a:lstStyle/>
+          <a:p>
+            <a:r>
+              <a:rPr lang="en-US" dirty="0">
+                <a:latin typeface="Times New Roman" panose="02020603050405020304" pitchFamily="18" charset="0"/>
+                <a:cs typeface="Times New Roman" panose="02020603050405020304" pitchFamily="18" charset="0"/>
+              </a:rPr>
+              <a:t>● </a:t>
+            </a:r>
+            <a:r>
+              <a:rPr lang="en-US" dirty="0" smtClean="0">
+                <a:latin typeface="Times New Roman" panose="02020603050405020304" pitchFamily="18" charset="0"/>
+                <a:cs typeface="Times New Roman" panose="02020603050405020304" pitchFamily="18" charset="0"/>
+              </a:rPr>
+              <a:t>Fit with a modified Horn </a:t>
+            </a:r>
+            <a:r>
+              <a:rPr lang="en-US" dirty="0">
+                <a:latin typeface="Times New Roman" panose="02020603050405020304" pitchFamily="18" charset="0"/>
+                <a:cs typeface="Times New Roman" panose="02020603050405020304" pitchFamily="18" charset="0"/>
+              </a:rPr>
+              <a:t>Formula: </a:t>
+            </a:r>
+          </a:p>
+        </p:txBody>
+      </p:sp>
+      <mc:AlternateContent xmlns:mc="http://schemas.openxmlformats.org/markup-compatibility/2006" xmlns:a14="http://schemas.microsoft.com/office/drawing/2010/main">
+        <mc:Choice Requires="a14">
+          <p:sp>
+            <p:nvSpPr>
+              <p:cNvPr id="10" name="TextBox 9"/>
+              <p:cNvSpPr txBox="1"/>
+              <p:nvPr/>
+            </p:nvSpPr>
+            <p:spPr>
+              <a:xfrm>
+                <a:off x="233589" y="3818822"/>
+                <a:ext cx="6229269" cy="627992"/>
+              </a:xfrm>
+              <a:prstGeom prst="rect">
+                <a:avLst/>
+              </a:prstGeom>
+              <a:noFill/>
+            </p:spPr>
+            <p:txBody>
+              <a:bodyPr wrap="none" lIns="0" tIns="0" rIns="0" bIns="0" rtlCol="0">
+                <a:spAutoFit/>
+              </a:bodyPr>
+              <a:lstStyle/>
+              <a:p>
+                <a:pPr/>
+                <a14:m>
+                  <m:oMathPara xmlns:m="http://schemas.openxmlformats.org/officeDocument/2006/math">
+                    <m:oMathParaPr>
+                      <m:jc m:val="centerGroup"/>
+                    </m:oMathParaPr>
+                    <m:oMath xmlns:m="http://schemas.openxmlformats.org/officeDocument/2006/math">
+                      <m:r>
+                        <a:rPr lang="en-US" b="0" i="1" smtClean="0">
+                          <a:latin typeface="Cambria Math" panose="02040503050406030204" pitchFamily="18" charset="0"/>
+                        </a:rPr>
+                        <m:t>𝐿</m:t>
+                      </m:r>
+                      <m:d>
+                        <m:dPr>
+                          <m:ctrlPr>
+                            <a:rPr lang="en-US" b="0" i="1" smtClean="0">
+                              <a:latin typeface="Cambria Math" panose="02040503050406030204" pitchFamily="18" charset="0"/>
+                            </a:rPr>
+                          </m:ctrlPr>
+                        </m:dPr>
+                        <m:e>
+                          <m:r>
+                            <a:rPr lang="en-US" b="0" i="1" smtClean="0">
+                              <a:latin typeface="Cambria Math" panose="02040503050406030204" pitchFamily="18" charset="0"/>
+                            </a:rPr>
+                            <m:t>𝐸</m:t>
+                          </m:r>
+                          <m:r>
+                            <a:rPr lang="en-US" b="0" i="1" smtClean="0">
+                              <a:latin typeface="Cambria Math" panose="02040503050406030204" pitchFamily="18" charset="0"/>
+                            </a:rPr>
+                            <m:t>,</m:t>
+                          </m:r>
+                          <m:r>
+                            <a:rPr lang="en-US" b="0" i="1" smtClean="0">
+                              <a:latin typeface="Cambria Math" panose="02040503050406030204" pitchFamily="18" charset="0"/>
+                            </a:rPr>
+                            <m:t>𝑍</m:t>
+                          </m:r>
+                          <m:r>
+                            <a:rPr lang="en-US" b="0" i="1" smtClean="0">
+                              <a:latin typeface="Cambria Math" panose="02040503050406030204" pitchFamily="18" charset="0"/>
+                            </a:rPr>
+                            <m:t>,</m:t>
+                          </m:r>
+                          <m:r>
+                            <a:rPr lang="en-US" b="0" i="1" smtClean="0">
+                              <a:latin typeface="Cambria Math" panose="02040503050406030204" pitchFamily="18" charset="0"/>
+                            </a:rPr>
+                            <m:t>𝐴</m:t>
+                          </m:r>
+                        </m:e>
+                      </m:d>
+                      <m:r>
+                        <a:rPr lang="en-US" b="0" i="1" smtClean="0">
+                          <a:latin typeface="Cambria Math" panose="02040503050406030204" pitchFamily="18" charset="0"/>
+                        </a:rPr>
+                        <m:t>=</m:t>
+                      </m:r>
+                      <m:sSub>
+                        <m:sSubPr>
+                          <m:ctrlPr>
+                            <a:rPr lang="en-US" b="0" i="1" smtClean="0">
+                              <a:latin typeface="Cambria Math" panose="02040503050406030204" pitchFamily="18" charset="0"/>
+                            </a:rPr>
+                          </m:ctrlPr>
+                        </m:sSubPr>
+                        <m:e>
+                          <m:r>
+                            <a:rPr lang="en-US" b="0" i="1" smtClean="0">
+                              <a:latin typeface="Cambria Math" panose="02040503050406030204" pitchFamily="18" charset="0"/>
+                            </a:rPr>
+                            <m:t>𝑎</m:t>
+                          </m:r>
+                        </m:e>
+                        <m:sub>
+                          <m:r>
+                            <a:rPr lang="en-US" b="0" i="1" smtClean="0">
+                              <a:latin typeface="Cambria Math" panose="02040503050406030204" pitchFamily="18" charset="0"/>
+                            </a:rPr>
+                            <m:t>0</m:t>
+                          </m:r>
+                        </m:sub>
+                      </m:sSub>
+                      <m:r>
+                        <a:rPr lang="en-US" b="0" i="1" smtClean="0">
+                          <a:latin typeface="Cambria Math" panose="02040503050406030204" pitchFamily="18" charset="0"/>
+                        </a:rPr>
+                        <m:t>+</m:t>
+                      </m:r>
+                      <m:sSub>
+                        <m:sSubPr>
+                          <m:ctrlPr>
+                            <a:rPr lang="en-US" b="0" i="1" smtClean="0">
+                              <a:latin typeface="Cambria Math" panose="02040503050406030204" pitchFamily="18" charset="0"/>
+                            </a:rPr>
+                          </m:ctrlPr>
+                        </m:sSubPr>
+                        <m:e>
+                          <m:r>
+                            <a:rPr lang="en-US" b="0" i="1" smtClean="0">
+                              <a:latin typeface="Cambria Math" panose="02040503050406030204" pitchFamily="18" charset="0"/>
+                            </a:rPr>
+                            <m:t>𝑎</m:t>
+                          </m:r>
+                        </m:e>
+                        <m:sub>
+                          <m:r>
+                            <a:rPr lang="en-US" b="0" i="1" smtClean="0">
+                              <a:latin typeface="Cambria Math" panose="02040503050406030204" pitchFamily="18" charset="0"/>
+                            </a:rPr>
+                            <m:t>1</m:t>
+                          </m:r>
+                        </m:sub>
+                      </m:sSub>
+                      <m:d>
+                        <m:dPr>
+                          <m:ctrlPr>
+                            <a:rPr lang="en-US" b="0" i="1" smtClean="0">
+                              <a:latin typeface="Cambria Math" panose="02040503050406030204" pitchFamily="18" charset="0"/>
+                            </a:rPr>
+                          </m:ctrlPr>
+                        </m:dPr>
+                        <m:e>
+                          <m:sSup>
+                            <m:sSupPr>
+                              <m:ctrlPr>
+                                <a:rPr lang="en-US" b="1" i="1" smtClean="0">
+                                  <a:solidFill>
+                                    <a:srgbClr val="FF0000"/>
+                                  </a:solidFill>
+                                  <a:latin typeface="Cambria Math" panose="02040503050406030204" pitchFamily="18" charset="0"/>
+                                  <a:ea typeface="Cambria Math" panose="02040503050406030204" pitchFamily="18" charset="0"/>
+                                  <a:cs typeface="Times New Roman" panose="02020603050405020304" pitchFamily="18" charset="0"/>
+                                </a:rPr>
+                              </m:ctrlPr>
+                            </m:sSupPr>
+                            <m:e>
+                              <m:r>
+                                <a:rPr lang="en-US" b="1" i="1">
+                                  <a:solidFill>
+                                    <a:srgbClr val="FF0000"/>
+                                  </a:solidFill>
+                                  <a:latin typeface="Cambria Math" panose="02040503050406030204" pitchFamily="18" charset="0"/>
+                                  <a:ea typeface="Cambria Math" panose="02040503050406030204" pitchFamily="18" charset="0"/>
+                                  <a:cs typeface="Times New Roman" panose="02020603050405020304" pitchFamily="18" charset="0"/>
+                                </a:rPr>
+                                <m:t>𝑬</m:t>
+                              </m:r>
+                            </m:e>
+                            <m:sup>
+                              <m:r>
+                                <a:rPr lang="en-US" b="1" i="1">
+                                  <a:solidFill>
+                                    <a:srgbClr val="FF0000"/>
+                                  </a:solidFill>
+                                  <a:latin typeface="Cambria Math" panose="02040503050406030204" pitchFamily="18" charset="0"/>
+                                  <a:ea typeface="Cambria Math" panose="02040503050406030204" pitchFamily="18" charset="0"/>
+                                  <a:cs typeface="Times New Roman" panose="02020603050405020304" pitchFamily="18" charset="0"/>
+                                </a:rPr>
+                                <m:t>(</m:t>
+                              </m:r>
+                              <m:r>
+                                <a:rPr lang="en-US" b="1" i="1">
+                                  <a:solidFill>
+                                    <a:srgbClr val="FF0000"/>
+                                  </a:solidFill>
+                                  <a:latin typeface="Cambria Math" panose="02040503050406030204" pitchFamily="18" charset="0"/>
+                                  <a:ea typeface="Cambria Math" panose="02040503050406030204" pitchFamily="18" charset="0"/>
+                                  <a:cs typeface="Times New Roman" panose="02020603050405020304" pitchFamily="18" charset="0"/>
+                                </a:rPr>
+                                <m:t>𝑨</m:t>
+                              </m:r>
+                              <m:r>
+                                <a:rPr lang="en-US" b="1" i="1">
+                                  <a:solidFill>
+                                    <a:srgbClr val="FF0000"/>
+                                  </a:solidFill>
+                                  <a:latin typeface="Cambria Math" panose="02040503050406030204" pitchFamily="18" charset="0"/>
+                                  <a:ea typeface="Cambria Math" panose="02040503050406030204" pitchFamily="18" charset="0"/>
+                                  <a:cs typeface="Times New Roman" panose="02020603050405020304" pitchFamily="18" charset="0"/>
+                                </a:rPr>
+                                <m:t>+</m:t>
+                              </m:r>
+                              <m:sSub>
+                                <m:sSubPr>
+                                  <m:ctrlPr>
+                                    <a:rPr lang="en-US" b="1" i="1">
+                                      <a:solidFill>
+                                        <a:srgbClr val="FF0000"/>
+                                      </a:solidFill>
+                                      <a:latin typeface="Cambria Math" panose="02040503050406030204" pitchFamily="18" charset="0"/>
+                                      <a:ea typeface="Cambria Math" panose="02040503050406030204" pitchFamily="18" charset="0"/>
+                                      <a:cs typeface="Times New Roman" panose="02020603050405020304" pitchFamily="18" charset="0"/>
+                                    </a:rPr>
+                                  </m:ctrlPr>
+                                </m:sSubPr>
+                                <m:e>
+                                  <m:r>
+                                    <a:rPr lang="en-US" b="1" i="1">
+                                      <a:solidFill>
+                                        <a:srgbClr val="FF0000"/>
+                                      </a:solidFill>
+                                      <a:latin typeface="Cambria Math" panose="02040503050406030204" pitchFamily="18" charset="0"/>
+                                      <a:ea typeface="Cambria Math" panose="02040503050406030204" pitchFamily="18" charset="0"/>
+                                      <a:cs typeface="Times New Roman" panose="02020603050405020304" pitchFamily="18" charset="0"/>
+                                    </a:rPr>
+                                    <m:t>𝒂</m:t>
+                                  </m:r>
+                                </m:e>
+                                <m:sub>
+                                  <m:r>
+                                    <a:rPr lang="en-US" b="1" i="1">
+                                      <a:solidFill>
+                                        <a:srgbClr val="FF0000"/>
+                                      </a:solidFill>
+                                      <a:latin typeface="Cambria Math" panose="02040503050406030204" pitchFamily="18" charset="0"/>
+                                      <a:ea typeface="Cambria Math" panose="02040503050406030204" pitchFamily="18" charset="0"/>
+                                      <a:cs typeface="Times New Roman" panose="02020603050405020304" pitchFamily="18" charset="0"/>
+                                    </a:rPr>
+                                    <m:t>𝟐</m:t>
+                                  </m:r>
+                                </m:sub>
+                              </m:sSub>
+                              <m:r>
+                                <a:rPr lang="en-US" b="1" i="1">
+                                  <a:solidFill>
+                                    <a:srgbClr val="FF0000"/>
+                                  </a:solidFill>
+                                  <a:latin typeface="Cambria Math" panose="02040503050406030204" pitchFamily="18" charset="0"/>
+                                  <a:ea typeface="Cambria Math" panose="02040503050406030204" pitchFamily="18" charset="0"/>
+                                  <a:cs typeface="Times New Roman" panose="02020603050405020304" pitchFamily="18" charset="0"/>
+                                </a:rPr>
+                                <m:t>)/(</m:t>
+                              </m:r>
+                              <m:r>
+                                <a:rPr lang="en-US" b="1" i="1">
+                                  <a:solidFill>
+                                    <a:srgbClr val="FF0000"/>
+                                  </a:solidFill>
+                                  <a:latin typeface="Cambria Math" panose="02040503050406030204" pitchFamily="18" charset="0"/>
+                                  <a:ea typeface="Cambria Math" panose="02040503050406030204" pitchFamily="18" charset="0"/>
+                                  <a:cs typeface="Times New Roman" panose="02020603050405020304" pitchFamily="18" charset="0"/>
+                                </a:rPr>
+                                <m:t>𝑨</m:t>
+                              </m:r>
+                              <m:r>
+                                <a:rPr lang="en-US" b="1" i="1">
+                                  <a:solidFill>
+                                    <a:srgbClr val="FF0000"/>
+                                  </a:solidFill>
+                                  <a:latin typeface="Cambria Math" panose="02040503050406030204" pitchFamily="18" charset="0"/>
+                                  <a:ea typeface="Cambria Math" panose="02040503050406030204" pitchFamily="18" charset="0"/>
+                                  <a:cs typeface="Times New Roman" panose="02020603050405020304" pitchFamily="18" charset="0"/>
+                                </a:rPr>
+                                <m:t>+</m:t>
+                              </m:r>
+                              <m:sSub>
+                                <m:sSubPr>
+                                  <m:ctrlPr>
+                                    <a:rPr lang="en-US" b="1" i="1">
+                                      <a:solidFill>
+                                        <a:srgbClr val="FF0000"/>
+                                      </a:solidFill>
+                                      <a:latin typeface="Cambria Math" panose="02040503050406030204" pitchFamily="18" charset="0"/>
+                                      <a:ea typeface="Cambria Math" panose="02040503050406030204" pitchFamily="18" charset="0"/>
+                                      <a:cs typeface="Times New Roman" panose="02020603050405020304" pitchFamily="18" charset="0"/>
+                                    </a:rPr>
+                                  </m:ctrlPr>
+                                </m:sSubPr>
+                                <m:e>
+                                  <m:r>
+                                    <a:rPr lang="en-US" b="1" i="1">
+                                      <a:solidFill>
+                                        <a:srgbClr val="FF0000"/>
+                                      </a:solidFill>
+                                      <a:latin typeface="Cambria Math" panose="02040503050406030204" pitchFamily="18" charset="0"/>
+                                      <a:ea typeface="Cambria Math" panose="02040503050406030204" pitchFamily="18" charset="0"/>
+                                      <a:cs typeface="Times New Roman" panose="02020603050405020304" pitchFamily="18" charset="0"/>
+                                    </a:rPr>
+                                    <m:t>𝒂</m:t>
+                                  </m:r>
+                                </m:e>
+                                <m:sub>
+                                  <m:r>
+                                    <a:rPr lang="en-US" b="1" i="1">
+                                      <a:solidFill>
+                                        <a:srgbClr val="FF0000"/>
+                                      </a:solidFill>
+                                      <a:latin typeface="Cambria Math" panose="02040503050406030204" pitchFamily="18" charset="0"/>
+                                      <a:ea typeface="Cambria Math" panose="02040503050406030204" pitchFamily="18" charset="0"/>
+                                      <a:cs typeface="Times New Roman" panose="02020603050405020304" pitchFamily="18" charset="0"/>
+                                    </a:rPr>
+                                    <m:t>𝟑</m:t>
+                                  </m:r>
+                                </m:sub>
+                              </m:sSub>
+                              <m:r>
+                                <a:rPr lang="en-US" b="1" i="1">
+                                  <a:solidFill>
+                                    <a:srgbClr val="FF0000"/>
+                                  </a:solidFill>
+                                  <a:latin typeface="Cambria Math" panose="02040503050406030204" pitchFamily="18" charset="0"/>
+                                  <a:ea typeface="Cambria Math" panose="02040503050406030204" pitchFamily="18" charset="0"/>
+                                  <a:cs typeface="Times New Roman" panose="02020603050405020304" pitchFamily="18" charset="0"/>
+                                </a:rPr>
+                                <m:t>)</m:t>
+                              </m:r>
+                            </m:sup>
+                          </m:sSup>
+                          <m:r>
+                            <a:rPr lang="en-US" b="0" i="1" smtClean="0">
+                              <a:latin typeface="Cambria Math" panose="02040503050406030204" pitchFamily="18" charset="0"/>
+                            </a:rPr>
+                            <m:t>−</m:t>
+                          </m:r>
+                          <m:sSub>
+                            <m:sSubPr>
+                              <m:ctrlPr>
+                                <a:rPr lang="en-US" b="0" i="1" smtClean="0">
+                                  <a:latin typeface="Cambria Math" panose="02040503050406030204" pitchFamily="18" charset="0"/>
+                                </a:rPr>
+                              </m:ctrlPr>
+                            </m:sSubPr>
+                            <m:e>
+                              <m:r>
+                                <a:rPr lang="en-US" b="0" i="1" smtClean="0">
+                                  <a:latin typeface="Cambria Math" panose="02040503050406030204" pitchFamily="18" charset="0"/>
+                                </a:rPr>
+                                <m:t>𝑎</m:t>
+                              </m:r>
+                            </m:e>
+                            <m:sub>
+                              <m:r>
+                                <a:rPr lang="en-US" b="0" i="1" smtClean="0">
+                                  <a:latin typeface="Cambria Math" panose="02040503050406030204" pitchFamily="18" charset="0"/>
+                                </a:rPr>
+                                <m:t>4</m:t>
+                              </m:r>
+                            </m:sub>
+                          </m:sSub>
+                          <m:r>
+                            <a:rPr lang="en-US" b="0" i="1" smtClean="0">
+                              <a:latin typeface="Cambria Math" panose="02040503050406030204" pitchFamily="18" charset="0"/>
+                            </a:rPr>
+                            <m:t>𝐴</m:t>
+                          </m:r>
+                          <m:sSup>
+                            <m:sSupPr>
+                              <m:ctrlPr>
+                                <a:rPr lang="en-US" b="0" i="1" smtClean="0">
+                                  <a:latin typeface="Cambria Math" panose="02040503050406030204" pitchFamily="18" charset="0"/>
+                                </a:rPr>
+                              </m:ctrlPr>
+                            </m:sSupPr>
+                            <m:e>
+                              <m:r>
+                                <a:rPr lang="en-US" b="0" i="1" smtClean="0">
+                                  <a:latin typeface="Cambria Math" panose="02040503050406030204" pitchFamily="18" charset="0"/>
+                                </a:rPr>
+                                <m:t>𝑍</m:t>
+                              </m:r>
+                            </m:e>
+                            <m:sup>
+                              <m:r>
+                                <a:rPr lang="en-US" b="0" i="1" smtClean="0">
+                                  <a:latin typeface="Cambria Math" panose="02040503050406030204" pitchFamily="18" charset="0"/>
+                                </a:rPr>
+                                <m:t>2</m:t>
+                              </m:r>
+                            </m:sup>
+                          </m:sSup>
+                          <m:func>
+                            <m:funcPr>
+                              <m:ctrlPr>
+                                <a:rPr lang="en-US" b="0" i="1" smtClean="0">
+                                  <a:latin typeface="Cambria Math" panose="02040503050406030204" pitchFamily="18" charset="0"/>
+                                </a:rPr>
+                              </m:ctrlPr>
+                            </m:funcPr>
+                            <m:fName>
+                              <m:r>
+                                <m:rPr>
+                                  <m:sty m:val="p"/>
+                                </m:rPr>
+                                <a:rPr lang="en-US" b="0" i="0" smtClean="0">
+                                  <a:latin typeface="Cambria Math" panose="02040503050406030204" pitchFamily="18" charset="0"/>
+                                </a:rPr>
+                                <m:t>ln</m:t>
+                              </m:r>
+                            </m:fName>
+                            <m:e>
+                              <m:d>
+                                <m:dPr>
+                                  <m:ctrlPr>
+                                    <a:rPr lang="en-US" b="0" i="1" smtClean="0">
+                                      <a:latin typeface="Cambria Math" panose="02040503050406030204" pitchFamily="18" charset="0"/>
+                                    </a:rPr>
+                                  </m:ctrlPr>
+                                </m:dPr>
+                                <m:e>
+                                  <m:f>
+                                    <m:fPr>
+                                      <m:ctrlPr>
+                                        <a:rPr lang="en-US" b="0" i="1" smtClean="0">
+                                          <a:latin typeface="Cambria Math" panose="02040503050406030204" pitchFamily="18" charset="0"/>
+                                        </a:rPr>
+                                      </m:ctrlPr>
+                                    </m:fPr>
+                                    <m:num>
+                                      <m:r>
+                                        <a:rPr lang="en-US" b="0" i="1" smtClean="0">
+                                          <a:latin typeface="Cambria Math" panose="02040503050406030204" pitchFamily="18" charset="0"/>
+                                        </a:rPr>
+                                        <m:t>𝐸</m:t>
+                                      </m:r>
+                                      <m:r>
+                                        <a:rPr lang="en-US" b="0" i="1" smtClean="0">
+                                          <a:latin typeface="Cambria Math" panose="02040503050406030204" pitchFamily="18" charset="0"/>
+                                        </a:rPr>
+                                        <m:t>+</m:t>
+                                      </m:r>
+                                      <m:sSub>
+                                        <m:sSubPr>
+                                          <m:ctrlPr>
+                                            <a:rPr lang="en-US" b="0" i="1" smtClean="0">
+                                              <a:latin typeface="Cambria Math" panose="02040503050406030204" pitchFamily="18" charset="0"/>
+                                            </a:rPr>
+                                          </m:ctrlPr>
+                                        </m:sSubPr>
+                                        <m:e>
+                                          <m:r>
+                                            <a:rPr lang="en-US" b="0" i="1" smtClean="0">
+                                              <a:latin typeface="Cambria Math" panose="02040503050406030204" pitchFamily="18" charset="0"/>
+                                            </a:rPr>
+                                            <m:t>𝑎</m:t>
+                                          </m:r>
+                                        </m:e>
+                                        <m:sub>
+                                          <m:r>
+                                            <a:rPr lang="en-US" b="0" i="1" smtClean="0">
+                                              <a:latin typeface="Cambria Math" panose="02040503050406030204" pitchFamily="18" charset="0"/>
+                                            </a:rPr>
+                                            <m:t>4</m:t>
+                                          </m:r>
+                                        </m:sub>
+                                      </m:sSub>
+                                      <m:r>
+                                        <a:rPr lang="en-US" b="0" i="1" smtClean="0">
+                                          <a:latin typeface="Cambria Math" panose="02040503050406030204" pitchFamily="18" charset="0"/>
+                                        </a:rPr>
+                                        <m:t>𝐴</m:t>
+                                      </m:r>
+                                      <m:sSup>
+                                        <m:sSupPr>
+                                          <m:ctrlPr>
+                                            <a:rPr lang="en-US" b="0" i="1" smtClean="0">
+                                              <a:latin typeface="Cambria Math" panose="02040503050406030204" pitchFamily="18" charset="0"/>
+                                            </a:rPr>
+                                          </m:ctrlPr>
+                                        </m:sSupPr>
+                                        <m:e>
+                                          <m:r>
+                                            <a:rPr lang="en-US" b="0" i="1" smtClean="0">
+                                              <a:latin typeface="Cambria Math" panose="02040503050406030204" pitchFamily="18" charset="0"/>
+                                            </a:rPr>
+                                            <m:t>𝑍</m:t>
+                                          </m:r>
+                                        </m:e>
+                                        <m:sup>
+                                          <m:r>
+                                            <a:rPr lang="en-US" b="0" i="1" smtClean="0">
+                                              <a:latin typeface="Cambria Math" panose="02040503050406030204" pitchFamily="18" charset="0"/>
+                                            </a:rPr>
+                                            <m:t>2</m:t>
+                                          </m:r>
+                                        </m:sup>
+                                      </m:sSup>
+                                    </m:num>
+                                    <m:den>
+                                      <m:sSub>
+                                        <m:sSubPr>
+                                          <m:ctrlPr>
+                                            <a:rPr lang="en-US" b="0" i="1" smtClean="0">
+                                              <a:latin typeface="Cambria Math" panose="02040503050406030204" pitchFamily="18" charset="0"/>
+                                            </a:rPr>
+                                          </m:ctrlPr>
+                                        </m:sSubPr>
+                                        <m:e>
+                                          <m:r>
+                                            <a:rPr lang="en-US" b="0" i="1" smtClean="0">
+                                              <a:latin typeface="Cambria Math" panose="02040503050406030204" pitchFamily="18" charset="0"/>
+                                            </a:rPr>
+                                            <m:t>𝑎</m:t>
+                                          </m:r>
+                                        </m:e>
+                                        <m:sub>
+                                          <m:r>
+                                            <a:rPr lang="en-US" b="0" i="1" smtClean="0">
+                                              <a:latin typeface="Cambria Math" panose="02040503050406030204" pitchFamily="18" charset="0"/>
+                                            </a:rPr>
+                                            <m:t>4</m:t>
+                                          </m:r>
+                                        </m:sub>
+                                      </m:sSub>
+                                      <m:r>
+                                        <a:rPr lang="en-US" b="0" i="1" smtClean="0">
+                                          <a:latin typeface="Cambria Math" panose="02040503050406030204" pitchFamily="18" charset="0"/>
+                                        </a:rPr>
+                                        <m:t>𝐴</m:t>
+                                      </m:r>
+                                      <m:sSup>
+                                        <m:sSupPr>
+                                          <m:ctrlPr>
+                                            <a:rPr lang="en-US" b="0" i="1" smtClean="0">
+                                              <a:latin typeface="Cambria Math" panose="02040503050406030204" pitchFamily="18" charset="0"/>
+                                            </a:rPr>
+                                          </m:ctrlPr>
+                                        </m:sSupPr>
+                                        <m:e>
+                                          <m:r>
+                                            <a:rPr lang="en-US" b="0" i="1" smtClean="0">
+                                              <a:latin typeface="Cambria Math" panose="02040503050406030204" pitchFamily="18" charset="0"/>
+                                            </a:rPr>
+                                            <m:t>𝑍</m:t>
+                                          </m:r>
+                                        </m:e>
+                                        <m:sup>
+                                          <m:r>
+                                            <a:rPr lang="en-US" b="0" i="1" smtClean="0">
+                                              <a:latin typeface="Cambria Math" panose="02040503050406030204" pitchFamily="18" charset="0"/>
+                                            </a:rPr>
+                                            <m:t>2</m:t>
+                                          </m:r>
+                                        </m:sup>
+                                      </m:sSup>
+                                    </m:den>
+                                  </m:f>
+                                </m:e>
+                              </m:d>
+                            </m:e>
+                          </m:func>
+                        </m:e>
+                      </m:d>
+                    </m:oMath>
+                  </m:oMathPara>
+                </a14:m>
+                <a:endParaRPr lang="en-US" dirty="0"/>
+              </a:p>
+            </p:txBody>
+          </p:sp>
+        </mc:Choice>
+        <mc:Fallback xmlns="">
+          <p:sp>
+            <p:nvSpPr>
+              <p:cNvPr id="10" name="TextBox 9"/>
+              <p:cNvSpPr txBox="1">
+                <a:spLocks noRot="1" noChangeAspect="1" noMove="1" noResize="1" noEditPoints="1" noAdjustHandles="1" noChangeArrowheads="1" noChangeShapeType="1" noTextEdit="1"/>
+              </p:cNvSpPr>
+              <p:nvPr/>
+            </p:nvSpPr>
+            <p:spPr>
+              <a:xfrm>
+                <a:off x="233589" y="3818822"/>
+                <a:ext cx="6229269" cy="627992"/>
+              </a:xfrm>
+              <a:prstGeom prst="rect">
+                <a:avLst/>
+              </a:prstGeom>
+              <a:blipFill rotWithShape="0">
+                <a:blip r:embed="rId3"/>
+                <a:stretch>
+                  <a:fillRect b="-971"/>
+                </a:stretch>
+              </a:blipFill>
+            </p:spPr>
+            <p:txBody>
+              <a:bodyPr/>
+              <a:lstStyle/>
+              <a:p>
+                <a:r>
+                  <a:rPr lang="en-US">
+                    <a:noFill/>
+                  </a:rPr>
+                  <a:t> </a:t>
+                </a:r>
+              </a:p>
+            </p:txBody>
+          </p:sp>
+        </mc:Fallback>
+      </mc:AlternateContent>
+      <p:pic>
+        <p:nvPicPr>
+          <p:cNvPr id="2" name="Picture 1"/>
+          <p:cNvPicPr>
+            <a:picLocks noChangeAspect="1"/>
+          </p:cNvPicPr>
+          <p:nvPr/>
+        </p:nvPicPr>
+        <p:blipFill>
+          <a:blip r:embed="rId4">
+            <a:extLst>
+              <a:ext uri="{28A0092B-C50C-407E-A947-70E740481C1C}">
+                <a14:useLocalDpi xmlns:a14="http://schemas.microsoft.com/office/drawing/2010/main" val="0"/>
+              </a:ext>
+            </a:extLst>
+          </a:blip>
+          <a:stretch>
+            <a:fillRect/>
+          </a:stretch>
+        </p:blipFill>
+        <p:spPr>
+          <a:xfrm>
+            <a:off x="6544297" y="999626"/>
+            <a:ext cx="5611906" cy="4036634"/>
+          </a:xfrm>
+          <a:prstGeom prst="rect">
+            <a:avLst/>
+          </a:prstGeom>
+        </p:spPr>
+      </p:pic>
+      <p:sp>
+        <p:nvSpPr>
+          <p:cNvPr id="11" name="Oval 10"/>
+          <p:cNvSpPr/>
+          <p:nvPr/>
+        </p:nvSpPr>
+        <p:spPr>
+          <a:xfrm>
+            <a:off x="3225920" y="1318590"/>
+            <a:ext cx="2672855" cy="870913"/>
+          </a:xfrm>
+          <a:prstGeom prst="ellipse">
+            <a:avLst/>
+          </a:prstGeom>
+          <a:noFill/>
+          <a:ln w="22225">
+            <a:solidFill>
+              <a:srgbClr val="00B050"/>
+            </a:solidFill>
+          </a:ln>
+        </p:spPr>
+        <p:style>
+          <a:lnRef idx="2">
+            <a:schemeClr val="accent1">
+              <a:shade val="50000"/>
+            </a:schemeClr>
+          </a:lnRef>
+          <a:fillRef idx="1">
+            <a:schemeClr val="accent1"/>
+          </a:fillRef>
+          <a:effectRef idx="0">
+            <a:schemeClr val="accent1"/>
+          </a:effectRef>
+          <a:fontRef idx="minor">
+            <a:schemeClr val="lt1"/>
+          </a:fontRef>
+        </p:style>
+        <p:txBody>
+          <a:bodyPr rtlCol="0" anchor="ctr"/>
+          <a:lstStyle/>
+          <a:p>
+            <a:pPr algn="ctr"/>
+            <a:endParaRPr lang="en-US"/>
+          </a:p>
+        </p:txBody>
+      </p:sp>
+      <p:sp>
+        <p:nvSpPr>
+          <p:cNvPr id="12" name="TextBox 11"/>
+          <p:cNvSpPr txBox="1"/>
+          <p:nvPr/>
+        </p:nvSpPr>
+        <p:spPr>
+          <a:xfrm>
+            <a:off x="3711685" y="2440268"/>
+            <a:ext cx="1882123" cy="369332"/>
+          </a:xfrm>
+          <a:prstGeom prst="rect">
+            <a:avLst/>
+          </a:prstGeom>
+          <a:noFill/>
+        </p:spPr>
+        <p:txBody>
+          <a:bodyPr wrap="square" rtlCol="0">
+            <a:spAutoFit/>
+          </a:bodyPr>
+          <a:lstStyle/>
+          <a:p>
+            <a:r>
+              <a:rPr lang="en-US" dirty="0" smtClean="0">
+                <a:solidFill>
+                  <a:srgbClr val="00B050"/>
+                </a:solidFill>
+              </a:rPr>
+              <a:t>Quenching effect</a:t>
+            </a:r>
+            <a:endParaRPr lang="en-US" dirty="0">
+              <a:solidFill>
+                <a:srgbClr val="00B050"/>
+              </a:solidFill>
+            </a:endParaRPr>
+          </a:p>
+        </p:txBody>
+      </p:sp>
+      <p:cxnSp>
+        <p:nvCxnSpPr>
+          <p:cNvPr id="14" name="Straight Arrow Connector 13"/>
+          <p:cNvCxnSpPr>
+            <a:endCxn id="11" idx="4"/>
+          </p:cNvCxnSpPr>
+          <p:nvPr/>
+        </p:nvCxnSpPr>
+        <p:spPr>
+          <a:xfrm flipV="1">
+            <a:off x="4288971" y="2189503"/>
+            <a:ext cx="273377" cy="369332"/>
+          </a:xfrm>
+          <a:prstGeom prst="straightConnector1">
+            <a:avLst/>
+          </a:prstGeom>
+          <a:ln w="19050">
+            <a:solidFill>
+              <a:srgbClr val="00B050"/>
+            </a:solidFill>
+            <a:tailEnd type="triangle"/>
+          </a:ln>
+        </p:spPr>
+        <p:style>
+          <a:lnRef idx="1">
+            <a:schemeClr val="accent1"/>
+          </a:lnRef>
+          <a:fillRef idx="0">
+            <a:schemeClr val="accent1"/>
+          </a:fillRef>
+          <a:effectRef idx="0">
+            <a:schemeClr val="accent1"/>
+          </a:effectRef>
+          <a:fontRef idx="minor">
+            <a:schemeClr val="tx1"/>
+          </a:fontRef>
+        </p:style>
+      </p:cxnSp>
+      <p:sp>
+        <p:nvSpPr>
+          <p:cNvPr id="16" name="Oval 15"/>
+          <p:cNvSpPr/>
+          <p:nvPr/>
+        </p:nvSpPr>
+        <p:spPr>
+          <a:xfrm>
+            <a:off x="3945537" y="3697361"/>
+            <a:ext cx="2672855" cy="870913"/>
+          </a:xfrm>
+          <a:prstGeom prst="ellipse">
+            <a:avLst/>
+          </a:prstGeom>
+          <a:noFill/>
+          <a:ln w="22225">
+            <a:solidFill>
+              <a:srgbClr val="00B050"/>
+            </a:solidFill>
+          </a:ln>
+        </p:spPr>
+        <p:style>
+          <a:lnRef idx="2">
+            <a:schemeClr val="accent1">
+              <a:shade val="50000"/>
+            </a:schemeClr>
+          </a:lnRef>
+          <a:fillRef idx="1">
+            <a:schemeClr val="accent1"/>
+          </a:fillRef>
+          <a:effectRef idx="0">
+            <a:schemeClr val="accent1"/>
+          </a:effectRef>
+          <a:fontRef idx="minor">
+            <a:schemeClr val="lt1"/>
+          </a:fontRef>
+        </p:style>
+        <p:txBody>
+          <a:bodyPr rtlCol="0" anchor="ctr"/>
+          <a:lstStyle/>
+          <a:p>
+            <a:pPr algn="ctr"/>
+            <a:endParaRPr lang="en-US">
+              <a:solidFill>
+                <a:srgbClr val="00B050"/>
+              </a:solidFill>
+            </a:endParaRPr>
+          </a:p>
+        </p:txBody>
+      </p:sp>
+      <p:sp>
+        <p:nvSpPr>
+          <p:cNvPr id="18" name="TextBox 17"/>
+          <p:cNvSpPr txBox="1"/>
+          <p:nvPr/>
+        </p:nvSpPr>
+        <p:spPr>
+          <a:xfrm>
+            <a:off x="4487724" y="4803276"/>
+            <a:ext cx="1882123" cy="369332"/>
+          </a:xfrm>
+          <a:prstGeom prst="rect">
+            <a:avLst/>
+          </a:prstGeom>
+          <a:noFill/>
+        </p:spPr>
+        <p:txBody>
+          <a:bodyPr wrap="square" rtlCol="0">
+            <a:spAutoFit/>
+          </a:bodyPr>
+          <a:lstStyle/>
+          <a:p>
+            <a:r>
+              <a:rPr lang="en-US" dirty="0" smtClean="0">
+                <a:solidFill>
+                  <a:srgbClr val="00B050"/>
+                </a:solidFill>
+              </a:rPr>
+              <a:t>Quenching effect</a:t>
+            </a:r>
+            <a:endParaRPr lang="en-US" dirty="0">
+              <a:solidFill>
+                <a:srgbClr val="00B050"/>
+              </a:solidFill>
+            </a:endParaRPr>
+          </a:p>
+        </p:txBody>
+      </p:sp>
+      <p:cxnSp>
+        <p:nvCxnSpPr>
+          <p:cNvPr id="19" name="Straight Arrow Connector 18"/>
+          <p:cNvCxnSpPr/>
+          <p:nvPr/>
+        </p:nvCxnSpPr>
+        <p:spPr>
+          <a:xfrm flipV="1">
+            <a:off x="5047452" y="4574396"/>
+            <a:ext cx="273377" cy="369332"/>
+          </a:xfrm>
+          <a:prstGeom prst="straightConnector1">
+            <a:avLst/>
+          </a:prstGeom>
+          <a:ln w="19050">
+            <a:solidFill>
+              <a:srgbClr val="00B050"/>
+            </a:solidFill>
+            <a:tailEnd type="triangle"/>
+          </a:ln>
+        </p:spPr>
+        <p:style>
+          <a:lnRef idx="1">
+            <a:schemeClr val="accent1"/>
+          </a:lnRef>
+          <a:fillRef idx="0">
+            <a:schemeClr val="accent1"/>
+          </a:fillRef>
+          <a:effectRef idx="0">
+            <a:schemeClr val="accent1"/>
+          </a:effectRef>
+          <a:fontRef idx="minor">
+            <a:schemeClr val="tx1"/>
+          </a:fontRef>
+        </p:style>
+      </p:cxnSp>
+      <p:sp>
+        <p:nvSpPr>
+          <p:cNvPr id="20" name="Oval 19"/>
+          <p:cNvSpPr/>
+          <p:nvPr/>
+        </p:nvSpPr>
+        <p:spPr>
+          <a:xfrm>
+            <a:off x="2232766" y="3890481"/>
+            <a:ext cx="1607647" cy="435457"/>
+          </a:xfrm>
+          <a:prstGeom prst="ellipse">
+            <a:avLst/>
+          </a:prstGeom>
+          <a:noFill/>
+          <a:ln w="22225">
+            <a:solidFill>
+              <a:srgbClr val="00B050"/>
+            </a:solidFill>
+          </a:ln>
+        </p:spPr>
+        <p:style>
+          <a:lnRef idx="2">
+            <a:schemeClr val="accent1">
+              <a:shade val="50000"/>
+            </a:schemeClr>
+          </a:lnRef>
+          <a:fillRef idx="1">
+            <a:schemeClr val="accent1"/>
+          </a:fillRef>
+          <a:effectRef idx="0">
+            <a:schemeClr val="accent1"/>
+          </a:effectRef>
+          <a:fontRef idx="minor">
+            <a:schemeClr val="lt1"/>
+          </a:fontRef>
+        </p:style>
+        <p:txBody>
+          <a:bodyPr rtlCol="0" anchor="ctr"/>
+          <a:lstStyle/>
+          <a:p>
+            <a:pPr algn="ctr"/>
+            <a:endParaRPr lang="en-US"/>
+          </a:p>
+        </p:txBody>
+      </p:sp>
+      <p:cxnSp>
+        <p:nvCxnSpPr>
+          <p:cNvPr id="21" name="Straight Arrow Connector 20"/>
+          <p:cNvCxnSpPr/>
+          <p:nvPr/>
+        </p:nvCxnSpPr>
+        <p:spPr>
+          <a:xfrm flipV="1">
+            <a:off x="2676619" y="4395852"/>
+            <a:ext cx="273377" cy="369332"/>
+          </a:xfrm>
+          <a:prstGeom prst="straightConnector1">
+            <a:avLst/>
+          </a:prstGeom>
+          <a:ln w="19050">
+            <a:solidFill>
+              <a:srgbClr val="00B050"/>
+            </a:solidFill>
+            <a:tailEnd type="triangle"/>
+          </a:ln>
+        </p:spPr>
+        <p:style>
+          <a:lnRef idx="1">
+            <a:schemeClr val="accent1"/>
+          </a:lnRef>
+          <a:fillRef idx="0">
+            <a:schemeClr val="accent1"/>
+          </a:fillRef>
+          <a:effectRef idx="0">
+            <a:schemeClr val="accent1"/>
+          </a:effectRef>
+          <a:fontRef idx="minor">
+            <a:schemeClr val="tx1"/>
+          </a:fontRef>
+        </p:style>
+      </p:cxnSp>
+      <p:sp>
+        <p:nvSpPr>
+          <p:cNvPr id="22" name="TextBox 21"/>
+          <p:cNvSpPr txBox="1"/>
+          <p:nvPr/>
+        </p:nvSpPr>
+        <p:spPr>
+          <a:xfrm>
+            <a:off x="1923962" y="4756124"/>
+            <a:ext cx="1882123" cy="369332"/>
+          </a:xfrm>
+          <a:prstGeom prst="rect">
+            <a:avLst/>
+          </a:prstGeom>
+          <a:noFill/>
+        </p:spPr>
+        <p:txBody>
+          <a:bodyPr wrap="square" rtlCol="0">
+            <a:spAutoFit/>
+          </a:bodyPr>
+          <a:lstStyle/>
+          <a:p>
+            <a:r>
+              <a:rPr lang="en-US" dirty="0" smtClean="0">
+                <a:solidFill>
+                  <a:srgbClr val="00B050"/>
+                </a:solidFill>
+              </a:rPr>
+              <a:t>Saturation effect</a:t>
+            </a:r>
+            <a:endParaRPr lang="en-US" dirty="0">
+              <a:solidFill>
+                <a:srgbClr val="00B050"/>
+              </a:solidFill>
+            </a:endParaRPr>
+          </a:p>
+        </p:txBody>
+      </p:sp>
     </p:spTree>
     <p:extLst>
       <p:ext uri="{BB962C8B-B14F-4D97-AF65-F5344CB8AC3E}">
-        <p14:creationId xmlns:p14="http://schemas.microsoft.com/office/powerpoint/2010/main" val="3837352207"/>
+        <p14:creationId xmlns:p14="http://schemas.microsoft.com/office/powerpoint/2010/main" val="889021696"/>
       </p:ext>
     </p:extLst>
   </p:cSld>
@@ -18571,10 +20310,305 @@
           <a:chExt cx="0" cy="0"/>
         </a:xfrm>
       </p:grpSpPr>
+      <p:pic>
+        <p:nvPicPr>
+          <p:cNvPr id="2" name="Picture 1"/>
+          <p:cNvPicPr>
+            <a:picLocks noChangeAspect="1"/>
+          </p:cNvPicPr>
+          <p:nvPr/>
+        </p:nvPicPr>
+        <p:blipFill>
+          <a:blip r:embed="rId3"/>
+          <a:stretch>
+            <a:fillRect/>
+          </a:stretch>
+        </p:blipFill>
+        <p:spPr>
+          <a:xfrm>
+            <a:off x="8132053" y="282923"/>
+            <a:ext cx="4059947" cy="3194862"/>
+          </a:xfrm>
+          <a:prstGeom prst="rect">
+            <a:avLst/>
+          </a:prstGeom>
+        </p:spPr>
+      </p:pic>
+      <p:sp>
+        <p:nvSpPr>
+          <p:cNvPr id="3" name="TextBox 2"/>
+          <p:cNvSpPr txBox="1"/>
+          <p:nvPr/>
+        </p:nvSpPr>
+        <p:spPr>
+          <a:xfrm>
+            <a:off x="9665763" y="2277483"/>
+            <a:ext cx="4338918" cy="646331"/>
+          </a:xfrm>
+          <a:prstGeom prst="rect">
+            <a:avLst/>
+          </a:prstGeom>
+          <a:noFill/>
+        </p:spPr>
+        <p:txBody>
+          <a:bodyPr wrap="square" rtlCol="0">
+            <a:spAutoFit/>
+          </a:bodyPr>
+          <a:lstStyle/>
+          <a:p>
+            <a:r>
+              <a:rPr lang="en-US" dirty="0" smtClean="0">
+                <a:solidFill>
+                  <a:srgbClr val="FF0000"/>
+                </a:solidFill>
+              </a:rPr>
+              <a:t>C.J.W. </a:t>
+            </a:r>
+            <a:r>
+              <a:rPr lang="en-US" dirty="0" err="1" smtClean="0">
+                <a:solidFill>
+                  <a:srgbClr val="FF0000"/>
+                </a:solidFill>
+              </a:rPr>
+              <a:t>Twenhofel</a:t>
+            </a:r>
+            <a:r>
+              <a:rPr lang="en-US" dirty="0" smtClean="0">
+                <a:solidFill>
+                  <a:srgbClr val="FF0000"/>
+                </a:solidFill>
+              </a:rPr>
+              <a:t> et al.,</a:t>
+            </a:r>
+          </a:p>
+          <a:p>
+            <a:r>
+              <a:rPr lang="en-US" dirty="0" smtClean="0">
+                <a:solidFill>
+                  <a:srgbClr val="FF0000"/>
+                </a:solidFill>
+              </a:rPr>
+              <a:t> NIM B 51(1990) 58</a:t>
+            </a:r>
+            <a:endParaRPr lang="en-US" dirty="0">
+              <a:solidFill>
+                <a:srgbClr val="FF0000"/>
+              </a:solidFill>
+            </a:endParaRPr>
+          </a:p>
+        </p:txBody>
+      </p:sp>
+      <p:pic>
+        <p:nvPicPr>
+          <p:cNvPr id="4" name="Picture 3"/>
+          <p:cNvPicPr>
+            <a:picLocks noChangeAspect="1"/>
+          </p:cNvPicPr>
+          <p:nvPr/>
+        </p:nvPicPr>
+        <p:blipFill>
+          <a:blip r:embed="rId4"/>
+          <a:stretch>
+            <a:fillRect/>
+          </a:stretch>
+        </p:blipFill>
+        <p:spPr>
+          <a:xfrm>
+            <a:off x="8301318" y="3553431"/>
+            <a:ext cx="3533904" cy="2960367"/>
+          </a:xfrm>
+          <a:prstGeom prst="rect">
+            <a:avLst/>
+          </a:prstGeom>
+        </p:spPr>
+      </p:pic>
+      <p:sp>
+        <p:nvSpPr>
+          <p:cNvPr id="5" name="Rectangle 4"/>
+          <p:cNvSpPr/>
+          <p:nvPr/>
+        </p:nvSpPr>
+        <p:spPr>
+          <a:xfrm>
+            <a:off x="9778034" y="5149179"/>
+            <a:ext cx="2297424" cy="646331"/>
+          </a:xfrm>
+          <a:prstGeom prst="rect">
+            <a:avLst/>
+          </a:prstGeom>
+        </p:spPr>
+        <p:txBody>
+          <a:bodyPr wrap="none">
+            <a:spAutoFit/>
+          </a:bodyPr>
+          <a:lstStyle/>
+          <a:p>
+            <a:r>
+              <a:rPr lang="en-US" dirty="0" smtClean="0">
+                <a:solidFill>
+                  <a:srgbClr val="FF0000"/>
+                </a:solidFill>
+              </a:rPr>
+              <a:t> D. Horn et al.,</a:t>
+            </a:r>
+          </a:p>
+          <a:p>
+            <a:r>
+              <a:rPr lang="en-US" dirty="0" smtClean="0">
+                <a:solidFill>
+                  <a:srgbClr val="FF0000"/>
+                </a:solidFill>
+              </a:rPr>
+              <a:t> NIM A 320 (1992) 273</a:t>
+            </a:r>
+            <a:endParaRPr lang="en-US" dirty="0">
+              <a:solidFill>
+                <a:srgbClr val="FF0000"/>
+              </a:solidFill>
+            </a:endParaRPr>
+          </a:p>
+        </p:txBody>
+      </p:sp>
+      <p:sp>
+        <p:nvSpPr>
+          <p:cNvPr id="7" name="TextBox 6"/>
+          <p:cNvSpPr txBox="1"/>
+          <p:nvPr/>
+        </p:nvSpPr>
+        <p:spPr>
+          <a:xfrm>
+            <a:off x="170329" y="249628"/>
+            <a:ext cx="8812306" cy="461665"/>
+          </a:xfrm>
+          <a:prstGeom prst="rect">
+            <a:avLst/>
+          </a:prstGeom>
+          <a:noFill/>
+        </p:spPr>
+        <p:txBody>
+          <a:bodyPr wrap="square" rtlCol="0">
+            <a:spAutoFit/>
+          </a:bodyPr>
+          <a:lstStyle/>
+          <a:p>
+            <a:r>
+              <a:rPr lang="en-US" sz="2400" b="1" u="sng" dirty="0" smtClean="0">
+                <a:latin typeface="Times New Roman" panose="02020603050405020304" pitchFamily="18" charset="0"/>
+                <a:cs typeface="Times New Roman" panose="02020603050405020304" pitchFamily="18" charset="0"/>
+              </a:rPr>
+              <a:t>Compared with the results in the previous literature </a:t>
+            </a:r>
+            <a:endParaRPr lang="en-US" sz="2400" b="1" u="sng" dirty="0">
+              <a:latin typeface="Times New Roman" panose="02020603050405020304" pitchFamily="18" charset="0"/>
+              <a:cs typeface="Times New Roman" panose="02020603050405020304" pitchFamily="18" charset="0"/>
+            </a:endParaRPr>
+          </a:p>
+        </p:txBody>
+      </p:sp>
+      <p:sp>
+        <p:nvSpPr>
+          <p:cNvPr id="8" name="TextBox 7"/>
+          <p:cNvSpPr txBox="1"/>
+          <p:nvPr/>
+        </p:nvSpPr>
+        <p:spPr>
+          <a:xfrm>
+            <a:off x="439272" y="1235570"/>
+            <a:ext cx="5396771" cy="369332"/>
+          </a:xfrm>
+          <a:prstGeom prst="rect">
+            <a:avLst/>
+          </a:prstGeom>
+          <a:noFill/>
+        </p:spPr>
+        <p:txBody>
+          <a:bodyPr wrap="square" rtlCol="0">
+            <a:spAutoFit/>
+          </a:bodyPr>
+          <a:lstStyle/>
+          <a:p>
+            <a:r>
+              <a:rPr lang="en-US" dirty="0">
+                <a:latin typeface="Times New Roman" panose="02020603050405020304" pitchFamily="18" charset="0"/>
+                <a:cs typeface="Times New Roman" panose="02020603050405020304" pitchFamily="18" charset="0"/>
+              </a:rPr>
+              <a:t>● </a:t>
+            </a:r>
+            <a:r>
+              <a:rPr lang="en-US" dirty="0" smtClean="0">
+                <a:latin typeface="Times New Roman" panose="02020603050405020304" pitchFamily="18" charset="0"/>
+                <a:cs typeface="Times New Roman" panose="02020603050405020304" pitchFamily="18" charset="0"/>
+              </a:rPr>
+              <a:t>Obvious quenching effects</a:t>
+            </a:r>
+            <a:endParaRPr lang="en-US" dirty="0">
+              <a:latin typeface="Times New Roman" panose="02020603050405020304" pitchFamily="18" charset="0"/>
+              <a:cs typeface="Times New Roman" panose="02020603050405020304" pitchFamily="18" charset="0"/>
+            </a:endParaRPr>
+          </a:p>
+        </p:txBody>
+      </p:sp>
+      <p:graphicFrame>
+        <p:nvGraphicFramePr>
+          <p:cNvPr id="9" name="Object 8"/>
+          <p:cNvGraphicFramePr>
+            <a:graphicFrameLocks noChangeAspect="1"/>
+          </p:cNvGraphicFramePr>
+          <p:nvPr>
+            <p:extLst>
+              <p:ext uri="{D42A27DB-BD31-4B8C-83A1-F6EECF244321}">
+                <p14:modId xmlns:p14="http://schemas.microsoft.com/office/powerpoint/2010/main" val="4276752681"/>
+              </p:ext>
+            </p:extLst>
+          </p:nvPr>
+        </p:nvGraphicFramePr>
+        <p:xfrm>
+          <a:off x="537884" y="1694549"/>
+          <a:ext cx="6598211" cy="4747919"/>
+        </p:xfrm>
+        <a:graphic>
+          <a:graphicData uri="http://schemas.openxmlformats.org/presentationml/2006/ole">
+            <mc:AlternateContent xmlns:mc="http://schemas.openxmlformats.org/markup-compatibility/2006">
+              <mc:Choice xmlns:v="urn:schemas-microsoft-com:vml" Requires="v">
+                <p:oleObj spid="_x0000_s2054" name="Acrobat Document" r:id="rId5" imgW="5400473" imgH="3886161" progId="AcroExch.Document.2017">
+                  <p:embed/>
+                </p:oleObj>
+              </mc:Choice>
+              <mc:Fallback>
+                <p:oleObj name="Acrobat Document" r:id="rId5" imgW="5400473" imgH="3886161" progId="AcroExch.Document.2017">
+                  <p:embed/>
+                  <p:pic>
+                    <p:nvPicPr>
+                      <p:cNvPr id="0" name=""/>
+                      <p:cNvPicPr/>
+                      <p:nvPr/>
+                    </p:nvPicPr>
+                    <p:blipFill>
+                      <a:blip r:embed="rId6"/>
+                      <a:stretch>
+                        <a:fillRect/>
+                      </a:stretch>
+                    </p:blipFill>
+                    <p:spPr>
+                      <a:xfrm>
+                        <a:off x="537884" y="1694549"/>
+                        <a:ext cx="6598211" cy="4747919"/>
+                      </a:xfrm>
+                      <a:prstGeom prst="rect">
+                        <a:avLst/>
+                      </a:prstGeom>
+                    </p:spPr>
+                  </p:pic>
+                </p:oleObj>
+              </mc:Fallback>
+            </mc:AlternateContent>
+          </a:graphicData>
+        </a:graphic>
+      </p:graphicFrame>
     </p:spTree>
     <p:extLst>
       <p:ext uri="{BB962C8B-B14F-4D97-AF65-F5344CB8AC3E}">
-        <p14:creationId xmlns:p14="http://schemas.microsoft.com/office/powerpoint/2010/main" val="4032486691"/>
+        <p14:creationId xmlns:p14="http://schemas.microsoft.com/office/powerpoint/2010/main" val="3178264562"/>
       </p:ext>
     </p:extLst>
   </p:cSld>
@@ -18585,6 +20619,3117 @@
 </file>
 
 <file path=ppt/slides/slide42.xml><?xml version="1.0" encoding="utf-8"?>
+<p:sld xmlns:a="http://schemas.openxmlformats.org/drawingml/2006/main" xmlns:r="http://schemas.openxmlformats.org/officeDocument/2006/relationships" xmlns:p="http://schemas.openxmlformats.org/presentationml/2006/main">
+  <p:cSld>
+    <p:spTree>
+      <p:nvGrpSpPr>
+        <p:cNvPr id="1" name=""/>
+        <p:cNvGrpSpPr/>
+        <p:nvPr/>
+      </p:nvGrpSpPr>
+      <p:grpSpPr>
+        <a:xfrm>
+          <a:off x="0" y="0"/>
+          <a:ext cx="0" cy="0"/>
+          <a:chOff x="0" y="0"/>
+          <a:chExt cx="0" cy="0"/>
+        </a:xfrm>
+      </p:grpSpPr>
+      <p:sp>
+        <p:nvSpPr>
+          <p:cNvPr id="2" name="TextBox 1"/>
+          <p:cNvSpPr txBox="1"/>
+          <p:nvPr/>
+        </p:nvSpPr>
+        <p:spPr>
+          <a:xfrm>
+            <a:off x="268939" y="276523"/>
+            <a:ext cx="4329954" cy="461665"/>
+          </a:xfrm>
+          <a:prstGeom prst="rect">
+            <a:avLst/>
+          </a:prstGeom>
+          <a:noFill/>
+        </p:spPr>
+        <p:txBody>
+          <a:bodyPr wrap="square" rtlCol="0">
+            <a:spAutoFit/>
+          </a:bodyPr>
+          <a:lstStyle/>
+          <a:p>
+            <a:r>
+              <a:rPr lang="en-US" sz="2400" b="1" u="sng" dirty="0" smtClean="0">
+                <a:latin typeface="Times New Roman" panose="02020603050405020304" pitchFamily="18" charset="0"/>
+                <a:cs typeface="Times New Roman" panose="02020603050405020304" pitchFamily="18" charset="0"/>
+              </a:rPr>
+              <a:t>Light efficiency curves </a:t>
+            </a:r>
+            <a:endParaRPr lang="en-US" sz="2400" b="1" u="sng" dirty="0">
+              <a:latin typeface="Times New Roman" panose="02020603050405020304" pitchFamily="18" charset="0"/>
+              <a:cs typeface="Times New Roman" panose="02020603050405020304" pitchFamily="18" charset="0"/>
+            </a:endParaRPr>
+          </a:p>
+        </p:txBody>
+      </p:sp>
+      <p:sp>
+        <p:nvSpPr>
+          <p:cNvPr id="3" name="TextBox 2"/>
+          <p:cNvSpPr txBox="1"/>
+          <p:nvPr/>
+        </p:nvSpPr>
+        <p:spPr>
+          <a:xfrm>
+            <a:off x="403412" y="1072496"/>
+            <a:ext cx="5396771" cy="1200329"/>
+          </a:xfrm>
+          <a:prstGeom prst="rect">
+            <a:avLst/>
+          </a:prstGeom>
+          <a:noFill/>
+        </p:spPr>
+        <p:txBody>
+          <a:bodyPr wrap="square" rtlCol="0">
+            <a:spAutoFit/>
+          </a:bodyPr>
+          <a:lstStyle/>
+          <a:p>
+            <a:r>
+              <a:rPr lang="en-US" dirty="0" smtClean="0">
+                <a:latin typeface="Times New Roman" panose="02020603050405020304" pitchFamily="18" charset="0"/>
+                <a:cs typeface="Times New Roman" panose="02020603050405020304" pitchFamily="18" charset="0"/>
+              </a:rPr>
+              <a:t>● Linear light response</a:t>
+            </a:r>
+            <a:endParaRPr lang="en-US" b="0" i="1" dirty="0" smtClean="0">
+              <a:latin typeface="Cambria Math" panose="02040503050406030204" pitchFamily="18" charset="0"/>
+              <a:cs typeface="Times New Roman" panose="02020603050405020304" pitchFamily="18" charset="0"/>
+            </a:endParaRPr>
+          </a:p>
+          <a:p>
+            <a:endParaRPr lang="en-US" b="0" i="1" dirty="0" smtClean="0">
+              <a:latin typeface="Cambria Math" panose="02040503050406030204" pitchFamily="18" charset="0"/>
+              <a:cs typeface="Times New Roman" panose="02020603050405020304" pitchFamily="18" charset="0"/>
+            </a:endParaRPr>
+          </a:p>
+          <a:p>
+            <a:pPr algn="ctr"/>
+            <a:endParaRPr lang="en-US" dirty="0">
+              <a:latin typeface="Times New Roman" panose="02020603050405020304" pitchFamily="18" charset="0"/>
+              <a:ea typeface="Cambria Math" panose="02040503050406030204" pitchFamily="18" charset="0"/>
+              <a:cs typeface="Times New Roman" panose="02020603050405020304" pitchFamily="18" charset="0"/>
+            </a:endParaRPr>
+          </a:p>
+          <a:p>
+            <a:endParaRPr lang="en-US" dirty="0">
+              <a:latin typeface="Times New Roman" panose="02020603050405020304" pitchFamily="18" charset="0"/>
+              <a:cs typeface="Times New Roman" panose="02020603050405020304" pitchFamily="18" charset="0"/>
+            </a:endParaRPr>
+          </a:p>
+        </p:txBody>
+      </p:sp>
+      <p:sp>
+        <p:nvSpPr>
+          <p:cNvPr id="4" name="TextBox 3"/>
+          <p:cNvSpPr txBox="1"/>
+          <p:nvPr/>
+        </p:nvSpPr>
+        <p:spPr>
+          <a:xfrm>
+            <a:off x="398902" y="2235992"/>
+            <a:ext cx="5396771" cy="369332"/>
+          </a:xfrm>
+          <a:prstGeom prst="rect">
+            <a:avLst/>
+          </a:prstGeom>
+          <a:noFill/>
+        </p:spPr>
+        <p:txBody>
+          <a:bodyPr wrap="square" rtlCol="0">
+            <a:spAutoFit/>
+          </a:bodyPr>
+          <a:lstStyle/>
+          <a:p>
+            <a:r>
+              <a:rPr lang="en-US" dirty="0">
+                <a:latin typeface="Times New Roman" panose="02020603050405020304" pitchFamily="18" charset="0"/>
+                <a:cs typeface="Times New Roman" panose="02020603050405020304" pitchFamily="18" charset="0"/>
+              </a:rPr>
+              <a:t>● Saturation</a:t>
+            </a:r>
+            <a:r>
+              <a:rPr lang="en-US" dirty="0" smtClean="0">
+                <a:latin typeface="Times New Roman" panose="02020603050405020304" pitchFamily="18" charset="0"/>
+                <a:cs typeface="Times New Roman" panose="02020603050405020304" pitchFamily="18" charset="0"/>
+              </a:rPr>
+              <a:t> effect</a:t>
+            </a:r>
+            <a:endParaRPr lang="en-US" dirty="0">
+              <a:latin typeface="Times New Roman" panose="02020603050405020304" pitchFamily="18" charset="0"/>
+              <a:cs typeface="Times New Roman" panose="02020603050405020304" pitchFamily="18" charset="0"/>
+            </a:endParaRPr>
+          </a:p>
+        </p:txBody>
+      </p:sp>
+      <p:sp>
+        <p:nvSpPr>
+          <p:cNvPr id="5" name="TextBox 4"/>
+          <p:cNvSpPr txBox="1"/>
+          <p:nvPr/>
+        </p:nvSpPr>
+        <p:spPr>
+          <a:xfrm>
+            <a:off x="466165" y="4533060"/>
+            <a:ext cx="5396771" cy="369332"/>
+          </a:xfrm>
+          <a:prstGeom prst="rect">
+            <a:avLst/>
+          </a:prstGeom>
+          <a:noFill/>
+        </p:spPr>
+        <p:txBody>
+          <a:bodyPr wrap="square" rtlCol="0">
+            <a:spAutoFit/>
+          </a:bodyPr>
+          <a:lstStyle/>
+          <a:p>
+            <a:r>
+              <a:rPr lang="en-US" dirty="0" smtClean="0">
+                <a:latin typeface="Times New Roman" panose="02020603050405020304" pitchFamily="18" charset="0"/>
+                <a:cs typeface="Times New Roman" panose="02020603050405020304" pitchFamily="18" charset="0"/>
+              </a:rPr>
+              <a:t>● Quenching effect</a:t>
+            </a:r>
+            <a:endParaRPr lang="en-US" dirty="0">
+              <a:latin typeface="Times New Roman" panose="02020603050405020304" pitchFamily="18" charset="0"/>
+              <a:cs typeface="Times New Roman" panose="02020603050405020304" pitchFamily="18" charset="0"/>
+            </a:endParaRPr>
+          </a:p>
+        </p:txBody>
+      </p:sp>
+      <mc:AlternateContent xmlns:mc="http://schemas.openxmlformats.org/markup-compatibility/2006" xmlns:a14="http://schemas.microsoft.com/office/drawing/2010/main">
+        <mc:Choice Requires="a14">
+          <p:sp>
+            <p:nvSpPr>
+              <p:cNvPr id="6" name="Rectangle 5"/>
+              <p:cNvSpPr/>
+              <p:nvPr/>
+            </p:nvSpPr>
+            <p:spPr>
+              <a:xfrm>
+                <a:off x="808659" y="1404995"/>
+                <a:ext cx="3402918" cy="618246"/>
+              </a:xfrm>
+              <a:prstGeom prst="rect">
+                <a:avLst/>
+              </a:prstGeom>
+            </p:spPr>
+            <p:txBody>
+              <a:bodyPr wrap="none">
+                <a:spAutoFit/>
+              </a:bodyPr>
+              <a:lstStyle/>
+              <a:p>
+                <a:pPr/>
+                <a14:m>
+                  <m:oMathPara xmlns:m="http://schemas.openxmlformats.org/officeDocument/2006/math">
+                    <m:oMathParaPr>
+                      <m:jc m:val="centerGroup"/>
+                    </m:oMathParaPr>
+                    <m:oMath xmlns:m="http://schemas.openxmlformats.org/officeDocument/2006/math">
+                      <m:r>
+                        <a:rPr lang="en-US" i="1">
+                          <a:latin typeface="Cambria Math" panose="02040503050406030204" pitchFamily="18" charset="0"/>
+                          <a:cs typeface="Times New Roman" panose="02020603050405020304" pitchFamily="18" charset="0"/>
+                        </a:rPr>
+                        <m:t>𝐿</m:t>
+                      </m:r>
+                      <m:d>
+                        <m:dPr>
+                          <m:ctrlPr>
+                            <a:rPr lang="en-US" i="1">
+                              <a:latin typeface="Cambria Math" panose="02040503050406030204" pitchFamily="18" charset="0"/>
+                              <a:cs typeface="Times New Roman" panose="02020603050405020304" pitchFamily="18" charset="0"/>
+                            </a:rPr>
+                          </m:ctrlPr>
+                        </m:dPr>
+                        <m:e>
+                          <m:r>
+                            <a:rPr lang="en-US" i="1">
+                              <a:latin typeface="Cambria Math" panose="02040503050406030204" pitchFamily="18" charset="0"/>
+                              <a:cs typeface="Times New Roman" panose="02020603050405020304" pitchFamily="18" charset="0"/>
+                            </a:rPr>
+                            <m:t>𝐸</m:t>
+                          </m:r>
+                        </m:e>
+                      </m:d>
+                      <m:r>
+                        <a:rPr lang="en-US" i="1">
+                          <a:latin typeface="Cambria Math" panose="02040503050406030204" pitchFamily="18" charset="0"/>
+                          <a:cs typeface="Times New Roman" panose="02020603050405020304" pitchFamily="18" charset="0"/>
+                        </a:rPr>
+                        <m:t>=</m:t>
+                      </m:r>
+                      <m:sSub>
+                        <m:sSubPr>
+                          <m:ctrlPr>
+                            <a:rPr lang="en-US" i="1">
+                              <a:latin typeface="Cambria Math" panose="02040503050406030204" pitchFamily="18" charset="0"/>
+                              <a:cs typeface="Times New Roman" panose="02020603050405020304" pitchFamily="18" charset="0"/>
+                            </a:rPr>
+                          </m:ctrlPr>
+                        </m:sSubPr>
+                        <m:e>
+                          <m:r>
+                            <a:rPr lang="en-US" i="1">
+                              <a:latin typeface="Cambria Math" panose="02040503050406030204" pitchFamily="18" charset="0"/>
+                              <a:cs typeface="Times New Roman" panose="02020603050405020304" pitchFamily="18" charset="0"/>
+                            </a:rPr>
+                            <m:t>𝑎</m:t>
+                          </m:r>
+                        </m:e>
+                        <m:sub>
+                          <m:r>
+                            <a:rPr lang="en-US" i="1">
+                              <a:latin typeface="Cambria Math" panose="02040503050406030204" pitchFamily="18" charset="0"/>
+                              <a:cs typeface="Times New Roman" panose="02020603050405020304" pitchFamily="18" charset="0"/>
+                            </a:rPr>
+                            <m:t>0</m:t>
+                          </m:r>
+                        </m:sub>
+                      </m:sSub>
+                      <m:r>
+                        <a:rPr lang="en-US" i="1">
+                          <a:latin typeface="Cambria Math" panose="02040503050406030204" pitchFamily="18" charset="0"/>
+                          <a:cs typeface="Times New Roman" panose="02020603050405020304" pitchFamily="18" charset="0"/>
+                        </a:rPr>
+                        <m:t>+</m:t>
+                      </m:r>
+                      <m:sSub>
+                        <m:sSubPr>
+                          <m:ctrlPr>
+                            <a:rPr lang="en-US" i="1">
+                              <a:latin typeface="Cambria Math" panose="02040503050406030204" pitchFamily="18" charset="0"/>
+                              <a:cs typeface="Times New Roman" panose="02020603050405020304" pitchFamily="18" charset="0"/>
+                            </a:rPr>
+                          </m:ctrlPr>
+                        </m:sSubPr>
+                        <m:e>
+                          <m:r>
+                            <a:rPr lang="en-US" i="1">
+                              <a:latin typeface="Cambria Math" panose="02040503050406030204" pitchFamily="18" charset="0"/>
+                              <a:cs typeface="Times New Roman" panose="02020603050405020304" pitchFamily="18" charset="0"/>
+                            </a:rPr>
+                            <m:t>𝑎</m:t>
+                          </m:r>
+                        </m:e>
+                        <m:sub>
+                          <m:r>
+                            <a:rPr lang="en-US" i="1">
+                              <a:latin typeface="Cambria Math" panose="02040503050406030204" pitchFamily="18" charset="0"/>
+                              <a:cs typeface="Times New Roman" panose="02020603050405020304" pitchFamily="18" charset="0"/>
+                            </a:rPr>
+                            <m:t>1</m:t>
+                          </m:r>
+                        </m:sub>
+                      </m:sSub>
+                      <m:r>
+                        <a:rPr lang="en-US" i="1">
+                          <a:latin typeface="Cambria Math" panose="02040503050406030204" pitchFamily="18" charset="0"/>
+                          <a:ea typeface="Cambria Math" panose="02040503050406030204" pitchFamily="18" charset="0"/>
+                          <a:cs typeface="Times New Roman" panose="02020603050405020304" pitchFamily="18" charset="0"/>
+                        </a:rPr>
+                        <m:t>∙</m:t>
+                      </m:r>
+                      <m:r>
+                        <a:rPr lang="en-US" i="1">
+                          <a:latin typeface="Cambria Math" panose="02040503050406030204" pitchFamily="18" charset="0"/>
+                          <a:ea typeface="Cambria Math" panose="02040503050406030204" pitchFamily="18" charset="0"/>
+                          <a:cs typeface="Times New Roman" panose="02020603050405020304" pitchFamily="18" charset="0"/>
+                        </a:rPr>
+                        <m:t>𝐸</m:t>
+                      </m:r>
+                      <m:r>
+                        <a:rPr lang="en-US" i="1">
+                          <a:latin typeface="Cambria Math" panose="02040503050406030204" pitchFamily="18" charset="0"/>
+                          <a:ea typeface="Cambria Math" panose="02040503050406030204" pitchFamily="18" charset="0"/>
+                          <a:cs typeface="Times New Roman" panose="02020603050405020304" pitchFamily="18" charset="0"/>
+                        </a:rPr>
+                        <m:t>,  </m:t>
+                      </m:r>
+                      <m:f>
+                        <m:fPr>
+                          <m:ctrlPr>
+                            <a:rPr lang="en-US" i="1">
+                              <a:latin typeface="Cambria Math" panose="02040503050406030204" pitchFamily="18" charset="0"/>
+                              <a:ea typeface="Cambria Math" panose="02040503050406030204" pitchFamily="18" charset="0"/>
+                              <a:cs typeface="Times New Roman" panose="02020603050405020304" pitchFamily="18" charset="0"/>
+                            </a:rPr>
+                          </m:ctrlPr>
+                        </m:fPr>
+                        <m:num>
+                          <m:r>
+                            <a:rPr lang="en-US" i="1">
+                              <a:latin typeface="Cambria Math" panose="02040503050406030204" pitchFamily="18" charset="0"/>
+                              <a:ea typeface="Cambria Math" panose="02040503050406030204" pitchFamily="18" charset="0"/>
+                              <a:cs typeface="Times New Roman" panose="02020603050405020304" pitchFamily="18" charset="0"/>
+                            </a:rPr>
+                            <m:t>𝑑𝐿</m:t>
+                          </m:r>
+                        </m:num>
+                        <m:den>
+                          <m:r>
+                            <a:rPr lang="en-US" i="1">
+                              <a:latin typeface="Cambria Math" panose="02040503050406030204" pitchFamily="18" charset="0"/>
+                              <a:ea typeface="Cambria Math" panose="02040503050406030204" pitchFamily="18" charset="0"/>
+                              <a:cs typeface="Times New Roman" panose="02020603050405020304" pitchFamily="18" charset="0"/>
+                            </a:rPr>
+                            <m:t>𝑑𝐸</m:t>
+                          </m:r>
+                        </m:den>
+                      </m:f>
+                      <m:r>
+                        <a:rPr lang="en-US" i="1">
+                          <a:latin typeface="Cambria Math" panose="02040503050406030204" pitchFamily="18" charset="0"/>
+                          <a:ea typeface="Cambria Math" panose="02040503050406030204" pitchFamily="18" charset="0"/>
+                          <a:cs typeface="Times New Roman" panose="02020603050405020304" pitchFamily="18" charset="0"/>
+                        </a:rPr>
+                        <m:t>=</m:t>
+                      </m:r>
+                      <m:sSub>
+                        <m:sSubPr>
+                          <m:ctrlPr>
+                            <a:rPr lang="en-US" i="1">
+                              <a:latin typeface="Cambria Math" panose="02040503050406030204" pitchFamily="18" charset="0"/>
+                              <a:ea typeface="Cambria Math" panose="02040503050406030204" pitchFamily="18" charset="0"/>
+                              <a:cs typeface="Times New Roman" panose="02020603050405020304" pitchFamily="18" charset="0"/>
+                            </a:rPr>
+                          </m:ctrlPr>
+                        </m:sSubPr>
+                        <m:e>
+                          <m:r>
+                            <a:rPr lang="en-US" i="1">
+                              <a:latin typeface="Cambria Math" panose="02040503050406030204" pitchFamily="18" charset="0"/>
+                              <a:ea typeface="Cambria Math" panose="02040503050406030204" pitchFamily="18" charset="0"/>
+                              <a:cs typeface="Times New Roman" panose="02020603050405020304" pitchFamily="18" charset="0"/>
+                            </a:rPr>
+                            <m:t>𝑎</m:t>
+                          </m:r>
+                        </m:e>
+                        <m:sub>
+                          <m:r>
+                            <a:rPr lang="en-US" i="1">
+                              <a:latin typeface="Cambria Math" panose="02040503050406030204" pitchFamily="18" charset="0"/>
+                              <a:ea typeface="Cambria Math" panose="02040503050406030204" pitchFamily="18" charset="0"/>
+                              <a:cs typeface="Times New Roman" panose="02020603050405020304" pitchFamily="18" charset="0"/>
+                            </a:rPr>
+                            <m:t>1</m:t>
+                          </m:r>
+                        </m:sub>
+                      </m:sSub>
+                    </m:oMath>
+                  </m:oMathPara>
+                </a14:m>
+                <a:endParaRPr lang="en-US" dirty="0"/>
+              </a:p>
+            </p:txBody>
+          </p:sp>
+        </mc:Choice>
+        <mc:Fallback xmlns="">
+          <p:sp>
+            <p:nvSpPr>
+              <p:cNvPr id="6" name="Rectangle 5"/>
+              <p:cNvSpPr>
+                <a:spLocks noRot="1" noChangeAspect="1" noMove="1" noResize="1" noEditPoints="1" noAdjustHandles="1" noChangeArrowheads="1" noChangeShapeType="1" noTextEdit="1"/>
+              </p:cNvSpPr>
+              <p:nvPr/>
+            </p:nvSpPr>
+            <p:spPr>
+              <a:xfrm>
+                <a:off x="808659" y="1404995"/>
+                <a:ext cx="3402918" cy="618246"/>
+              </a:xfrm>
+              <a:prstGeom prst="rect">
+                <a:avLst/>
+              </a:prstGeom>
+              <a:blipFill rotWithShape="0">
+                <a:blip r:embed="rId2"/>
+                <a:stretch>
+                  <a:fillRect/>
+                </a:stretch>
+              </a:blipFill>
+            </p:spPr>
+            <p:txBody>
+              <a:bodyPr/>
+              <a:lstStyle/>
+              <a:p>
+                <a:r>
+                  <a:rPr lang="en-US">
+                    <a:noFill/>
+                  </a:rPr>
+                  <a:t> </a:t>
+                </a:r>
+              </a:p>
+            </p:txBody>
+          </p:sp>
+        </mc:Fallback>
+      </mc:AlternateContent>
+      <mc:AlternateContent xmlns:mc="http://schemas.openxmlformats.org/markup-compatibility/2006" xmlns:a14="http://schemas.microsoft.com/office/drawing/2010/main">
+        <mc:Choice Requires="a14">
+          <p:sp>
+            <p:nvSpPr>
+              <p:cNvPr id="7" name="Rectangle 6"/>
+              <p:cNvSpPr/>
+              <p:nvPr/>
+            </p:nvSpPr>
+            <p:spPr>
+              <a:xfrm>
+                <a:off x="827836" y="2660428"/>
+                <a:ext cx="3583224" cy="380810"/>
+              </a:xfrm>
+              <a:prstGeom prst="rect">
+                <a:avLst/>
+              </a:prstGeom>
+            </p:spPr>
+            <p:txBody>
+              <a:bodyPr wrap="none">
+                <a:spAutoFit/>
+              </a:bodyPr>
+              <a:lstStyle/>
+              <a:p>
+                <a:pPr/>
+                <a14:m>
+                  <m:oMathPara xmlns:m="http://schemas.openxmlformats.org/officeDocument/2006/math">
+                    <m:oMathParaPr>
+                      <m:jc m:val="centerGroup"/>
+                    </m:oMathParaPr>
+                    <m:oMath xmlns:m="http://schemas.openxmlformats.org/officeDocument/2006/math">
+                      <m:r>
+                        <a:rPr lang="en-US" b="1" i="1" smtClean="0">
+                          <a:latin typeface="Cambria Math" panose="02040503050406030204" pitchFamily="18" charset="0"/>
+                          <a:cs typeface="Times New Roman" panose="02020603050405020304" pitchFamily="18" charset="0"/>
+                        </a:rPr>
+                        <m:t>𝑳</m:t>
+                      </m:r>
+                      <m:d>
+                        <m:dPr>
+                          <m:ctrlPr>
+                            <a:rPr lang="en-US" b="1" i="1">
+                              <a:latin typeface="Cambria Math" panose="02040503050406030204" pitchFamily="18" charset="0"/>
+                              <a:cs typeface="Times New Roman" panose="02020603050405020304" pitchFamily="18" charset="0"/>
+                            </a:rPr>
+                          </m:ctrlPr>
+                        </m:dPr>
+                        <m:e>
+                          <m:r>
+                            <a:rPr lang="en-US" b="1" i="1">
+                              <a:latin typeface="Cambria Math" panose="02040503050406030204" pitchFamily="18" charset="0"/>
+                              <a:cs typeface="Times New Roman" panose="02020603050405020304" pitchFamily="18" charset="0"/>
+                            </a:rPr>
+                            <m:t>𝑬</m:t>
+                          </m:r>
+                          <m:r>
+                            <a:rPr lang="en-US" b="1" i="1">
+                              <a:latin typeface="Cambria Math" panose="02040503050406030204" pitchFamily="18" charset="0"/>
+                              <a:cs typeface="Times New Roman" panose="02020603050405020304" pitchFamily="18" charset="0"/>
+                            </a:rPr>
+                            <m:t>,</m:t>
+                          </m:r>
+                          <m:r>
+                            <a:rPr lang="en-US" b="1" i="1">
+                              <a:latin typeface="Cambria Math" panose="02040503050406030204" pitchFamily="18" charset="0"/>
+                              <a:cs typeface="Times New Roman" panose="02020603050405020304" pitchFamily="18" charset="0"/>
+                            </a:rPr>
+                            <m:t>𝑨</m:t>
+                          </m:r>
+                        </m:e>
+                      </m:d>
+                      <m:r>
+                        <a:rPr lang="en-US" b="1" i="1">
+                          <a:latin typeface="Cambria Math" panose="02040503050406030204" pitchFamily="18" charset="0"/>
+                          <a:cs typeface="Times New Roman" panose="02020603050405020304" pitchFamily="18" charset="0"/>
+                        </a:rPr>
+                        <m:t>=</m:t>
+                      </m:r>
+                      <m:sSub>
+                        <m:sSubPr>
+                          <m:ctrlPr>
+                            <a:rPr lang="en-US" b="1" i="1">
+                              <a:latin typeface="Cambria Math" panose="02040503050406030204" pitchFamily="18" charset="0"/>
+                              <a:ea typeface="Cambria Math" panose="02040503050406030204" pitchFamily="18" charset="0"/>
+                              <a:cs typeface="Times New Roman" panose="02020603050405020304" pitchFamily="18" charset="0"/>
+                            </a:rPr>
+                          </m:ctrlPr>
+                        </m:sSubPr>
+                        <m:e>
+                          <m:r>
+                            <a:rPr lang="en-US" b="1" i="1">
+                              <a:latin typeface="Cambria Math" panose="02040503050406030204" pitchFamily="18" charset="0"/>
+                              <a:ea typeface="Cambria Math" panose="02040503050406030204" pitchFamily="18" charset="0"/>
+                              <a:cs typeface="Times New Roman" panose="02020603050405020304" pitchFamily="18" charset="0"/>
+                            </a:rPr>
+                            <m:t>𝒂</m:t>
+                          </m:r>
+                        </m:e>
+                        <m:sub>
+                          <m:r>
+                            <a:rPr lang="en-US" b="1" i="1">
+                              <a:latin typeface="Cambria Math" panose="02040503050406030204" pitchFamily="18" charset="0"/>
+                              <a:ea typeface="Cambria Math" panose="02040503050406030204" pitchFamily="18" charset="0"/>
+                              <a:cs typeface="Times New Roman" panose="02020603050405020304" pitchFamily="18" charset="0"/>
+                            </a:rPr>
+                            <m:t>𝟎</m:t>
+                          </m:r>
+                        </m:sub>
+                      </m:sSub>
+                      <m:r>
+                        <a:rPr lang="en-US" b="1" i="1">
+                          <a:latin typeface="Cambria Math" panose="02040503050406030204" pitchFamily="18" charset="0"/>
+                          <a:cs typeface="Times New Roman" panose="02020603050405020304" pitchFamily="18" charset="0"/>
+                        </a:rPr>
+                        <m:t>+</m:t>
+                      </m:r>
+                      <m:sSub>
+                        <m:sSubPr>
+                          <m:ctrlPr>
+                            <a:rPr lang="en-US" b="1" i="1">
+                              <a:latin typeface="Cambria Math" panose="02040503050406030204" pitchFamily="18" charset="0"/>
+                              <a:ea typeface="Cambria Math" panose="02040503050406030204" pitchFamily="18" charset="0"/>
+                              <a:cs typeface="Times New Roman" panose="02020603050405020304" pitchFamily="18" charset="0"/>
+                            </a:rPr>
+                          </m:ctrlPr>
+                        </m:sSubPr>
+                        <m:e>
+                          <m:r>
+                            <a:rPr lang="en-US" b="1" i="1">
+                              <a:latin typeface="Cambria Math" panose="02040503050406030204" pitchFamily="18" charset="0"/>
+                              <a:ea typeface="Cambria Math" panose="02040503050406030204" pitchFamily="18" charset="0"/>
+                              <a:cs typeface="Times New Roman" panose="02020603050405020304" pitchFamily="18" charset="0"/>
+                            </a:rPr>
+                            <m:t>𝒂</m:t>
+                          </m:r>
+                        </m:e>
+                        <m:sub>
+                          <m:r>
+                            <a:rPr lang="en-US" b="1" i="1">
+                              <a:latin typeface="Cambria Math" panose="02040503050406030204" pitchFamily="18" charset="0"/>
+                              <a:ea typeface="Cambria Math" panose="02040503050406030204" pitchFamily="18" charset="0"/>
+                              <a:cs typeface="Times New Roman" panose="02020603050405020304" pitchFamily="18" charset="0"/>
+                            </a:rPr>
+                            <m:t>𝟏</m:t>
+                          </m:r>
+                        </m:sub>
+                      </m:sSub>
+                      <m:r>
+                        <a:rPr lang="en-US" b="1" i="1">
+                          <a:latin typeface="Cambria Math" panose="02040503050406030204" pitchFamily="18" charset="0"/>
+                          <a:ea typeface="Cambria Math" panose="02040503050406030204" pitchFamily="18" charset="0"/>
+                          <a:cs typeface="Times New Roman" panose="02020603050405020304" pitchFamily="18" charset="0"/>
+                        </a:rPr>
+                        <m:t>∙</m:t>
+                      </m:r>
+                      <m:sSup>
+                        <m:sSupPr>
+                          <m:ctrlPr>
+                            <a:rPr lang="en-US" b="1" i="1">
+                              <a:latin typeface="Cambria Math" panose="02040503050406030204" pitchFamily="18" charset="0"/>
+                              <a:ea typeface="Cambria Math" panose="02040503050406030204" pitchFamily="18" charset="0"/>
+                              <a:cs typeface="Times New Roman" panose="02020603050405020304" pitchFamily="18" charset="0"/>
+                            </a:rPr>
+                          </m:ctrlPr>
+                        </m:sSupPr>
+                        <m:e>
+                          <m:r>
+                            <a:rPr lang="en-US" b="1" i="1">
+                              <a:latin typeface="Cambria Math" panose="02040503050406030204" pitchFamily="18" charset="0"/>
+                              <a:ea typeface="Cambria Math" panose="02040503050406030204" pitchFamily="18" charset="0"/>
+                              <a:cs typeface="Times New Roman" panose="02020603050405020304" pitchFamily="18" charset="0"/>
+                            </a:rPr>
+                            <m:t>𝑬</m:t>
+                          </m:r>
+                        </m:e>
+                        <m:sup>
+                          <m:r>
+                            <a:rPr lang="en-US" b="1" i="1">
+                              <a:latin typeface="Cambria Math" panose="02040503050406030204" pitchFamily="18" charset="0"/>
+                              <a:ea typeface="Cambria Math" panose="02040503050406030204" pitchFamily="18" charset="0"/>
+                              <a:cs typeface="Times New Roman" panose="02020603050405020304" pitchFamily="18" charset="0"/>
+                            </a:rPr>
+                            <m:t>(</m:t>
+                          </m:r>
+                          <m:r>
+                            <a:rPr lang="en-US" b="1" i="1">
+                              <a:latin typeface="Cambria Math" panose="02040503050406030204" pitchFamily="18" charset="0"/>
+                              <a:ea typeface="Cambria Math" panose="02040503050406030204" pitchFamily="18" charset="0"/>
+                              <a:cs typeface="Times New Roman" panose="02020603050405020304" pitchFamily="18" charset="0"/>
+                            </a:rPr>
+                            <m:t>𝑨</m:t>
+                          </m:r>
+                          <m:r>
+                            <a:rPr lang="en-US" b="1" i="1">
+                              <a:latin typeface="Cambria Math" panose="02040503050406030204" pitchFamily="18" charset="0"/>
+                              <a:ea typeface="Cambria Math" panose="02040503050406030204" pitchFamily="18" charset="0"/>
+                              <a:cs typeface="Times New Roman" panose="02020603050405020304" pitchFamily="18" charset="0"/>
+                            </a:rPr>
+                            <m:t>+</m:t>
+                          </m:r>
+                          <m:sSub>
+                            <m:sSubPr>
+                              <m:ctrlPr>
+                                <a:rPr lang="en-US" b="1" i="1">
+                                  <a:latin typeface="Cambria Math" panose="02040503050406030204" pitchFamily="18" charset="0"/>
+                                  <a:ea typeface="Cambria Math" panose="02040503050406030204" pitchFamily="18" charset="0"/>
+                                  <a:cs typeface="Times New Roman" panose="02020603050405020304" pitchFamily="18" charset="0"/>
+                                </a:rPr>
+                              </m:ctrlPr>
+                            </m:sSubPr>
+                            <m:e>
+                              <m:r>
+                                <a:rPr lang="en-US" b="1" i="1">
+                                  <a:latin typeface="Cambria Math" panose="02040503050406030204" pitchFamily="18" charset="0"/>
+                                  <a:ea typeface="Cambria Math" panose="02040503050406030204" pitchFamily="18" charset="0"/>
+                                  <a:cs typeface="Times New Roman" panose="02020603050405020304" pitchFamily="18" charset="0"/>
+                                </a:rPr>
+                                <m:t>𝒂</m:t>
+                              </m:r>
+                            </m:e>
+                            <m:sub>
+                              <m:r>
+                                <a:rPr lang="en-US" b="1" i="1">
+                                  <a:latin typeface="Cambria Math" panose="02040503050406030204" pitchFamily="18" charset="0"/>
+                                  <a:ea typeface="Cambria Math" panose="02040503050406030204" pitchFamily="18" charset="0"/>
+                                  <a:cs typeface="Times New Roman" panose="02020603050405020304" pitchFamily="18" charset="0"/>
+                                </a:rPr>
+                                <m:t>𝟐</m:t>
+                              </m:r>
+                            </m:sub>
+                          </m:sSub>
+                          <m:r>
+                            <a:rPr lang="en-US" b="1" i="1">
+                              <a:latin typeface="Cambria Math" panose="02040503050406030204" pitchFamily="18" charset="0"/>
+                              <a:ea typeface="Cambria Math" panose="02040503050406030204" pitchFamily="18" charset="0"/>
+                              <a:cs typeface="Times New Roman" panose="02020603050405020304" pitchFamily="18" charset="0"/>
+                            </a:rPr>
+                            <m:t>)/(</m:t>
+                          </m:r>
+                          <m:r>
+                            <a:rPr lang="en-US" b="1" i="1">
+                              <a:latin typeface="Cambria Math" panose="02040503050406030204" pitchFamily="18" charset="0"/>
+                              <a:ea typeface="Cambria Math" panose="02040503050406030204" pitchFamily="18" charset="0"/>
+                              <a:cs typeface="Times New Roman" panose="02020603050405020304" pitchFamily="18" charset="0"/>
+                            </a:rPr>
+                            <m:t>𝑨</m:t>
+                          </m:r>
+                          <m:r>
+                            <a:rPr lang="en-US" b="1" i="1">
+                              <a:latin typeface="Cambria Math" panose="02040503050406030204" pitchFamily="18" charset="0"/>
+                              <a:ea typeface="Cambria Math" panose="02040503050406030204" pitchFamily="18" charset="0"/>
+                              <a:cs typeface="Times New Roman" panose="02020603050405020304" pitchFamily="18" charset="0"/>
+                            </a:rPr>
+                            <m:t>+</m:t>
+                          </m:r>
+                          <m:sSub>
+                            <m:sSubPr>
+                              <m:ctrlPr>
+                                <a:rPr lang="en-US" b="1" i="1">
+                                  <a:latin typeface="Cambria Math" panose="02040503050406030204" pitchFamily="18" charset="0"/>
+                                  <a:ea typeface="Cambria Math" panose="02040503050406030204" pitchFamily="18" charset="0"/>
+                                  <a:cs typeface="Times New Roman" panose="02020603050405020304" pitchFamily="18" charset="0"/>
+                                </a:rPr>
+                              </m:ctrlPr>
+                            </m:sSubPr>
+                            <m:e>
+                              <m:r>
+                                <a:rPr lang="en-US" b="1" i="1">
+                                  <a:latin typeface="Cambria Math" panose="02040503050406030204" pitchFamily="18" charset="0"/>
+                                  <a:ea typeface="Cambria Math" panose="02040503050406030204" pitchFamily="18" charset="0"/>
+                                  <a:cs typeface="Times New Roman" panose="02020603050405020304" pitchFamily="18" charset="0"/>
+                                </a:rPr>
+                                <m:t>𝒂</m:t>
+                              </m:r>
+                            </m:e>
+                            <m:sub>
+                              <m:r>
+                                <a:rPr lang="en-US" b="1" i="1">
+                                  <a:latin typeface="Cambria Math" panose="02040503050406030204" pitchFamily="18" charset="0"/>
+                                  <a:ea typeface="Cambria Math" panose="02040503050406030204" pitchFamily="18" charset="0"/>
+                                  <a:cs typeface="Times New Roman" panose="02020603050405020304" pitchFamily="18" charset="0"/>
+                                </a:rPr>
+                                <m:t>𝟑</m:t>
+                              </m:r>
+                            </m:sub>
+                          </m:sSub>
+                          <m:r>
+                            <a:rPr lang="en-US" b="1" i="1">
+                              <a:latin typeface="Cambria Math" panose="02040503050406030204" pitchFamily="18" charset="0"/>
+                              <a:ea typeface="Cambria Math" panose="02040503050406030204" pitchFamily="18" charset="0"/>
+                              <a:cs typeface="Times New Roman" panose="02020603050405020304" pitchFamily="18" charset="0"/>
+                            </a:rPr>
+                            <m:t>)</m:t>
+                          </m:r>
+                        </m:sup>
+                      </m:sSup>
+                    </m:oMath>
+                  </m:oMathPara>
+                </a14:m>
+                <a:endParaRPr lang="en-US" dirty="0" smtClean="0"/>
+              </a:p>
+            </p:txBody>
+          </p:sp>
+        </mc:Choice>
+        <mc:Fallback xmlns="">
+          <p:sp>
+            <p:nvSpPr>
+              <p:cNvPr id="7" name="Rectangle 6"/>
+              <p:cNvSpPr>
+                <a:spLocks noRot="1" noChangeAspect="1" noMove="1" noResize="1" noEditPoints="1" noAdjustHandles="1" noChangeArrowheads="1" noChangeShapeType="1" noTextEdit="1"/>
+              </p:cNvSpPr>
+              <p:nvPr/>
+            </p:nvSpPr>
+            <p:spPr>
+              <a:xfrm>
+                <a:off x="827836" y="2660428"/>
+                <a:ext cx="3583224" cy="380810"/>
+              </a:xfrm>
+              <a:prstGeom prst="rect">
+                <a:avLst/>
+              </a:prstGeom>
+              <a:blipFill rotWithShape="0">
+                <a:blip r:embed="rId3"/>
+                <a:stretch>
+                  <a:fillRect/>
+                </a:stretch>
+              </a:blipFill>
+            </p:spPr>
+            <p:txBody>
+              <a:bodyPr/>
+              <a:lstStyle/>
+              <a:p>
+                <a:r>
+                  <a:rPr lang="en-US">
+                    <a:noFill/>
+                  </a:rPr>
+                  <a:t> </a:t>
+                </a:r>
+              </a:p>
+            </p:txBody>
+          </p:sp>
+        </mc:Fallback>
+      </mc:AlternateContent>
+      <mc:AlternateContent xmlns:mc="http://schemas.openxmlformats.org/markup-compatibility/2006" xmlns:a14="http://schemas.microsoft.com/office/drawing/2010/main">
+        <mc:Choice Requires="a14">
+          <p:sp>
+            <p:nvSpPr>
+              <p:cNvPr id="8" name="Rectangle 7"/>
+              <p:cNvSpPr/>
+              <p:nvPr/>
+            </p:nvSpPr>
+            <p:spPr>
+              <a:xfrm>
+                <a:off x="808659" y="3096342"/>
+                <a:ext cx="4064767" cy="640625"/>
+              </a:xfrm>
+              <a:prstGeom prst="rect">
+                <a:avLst/>
+              </a:prstGeom>
+            </p:spPr>
+            <p:txBody>
+              <a:bodyPr wrap="none">
+                <a:spAutoFit/>
+              </a:bodyPr>
+              <a:lstStyle/>
+              <a:p>
+                <a:pPr/>
+                <a14:m>
+                  <m:oMathPara xmlns:m="http://schemas.openxmlformats.org/officeDocument/2006/math">
+                    <m:oMathParaPr>
+                      <m:jc m:val="centerGroup"/>
+                    </m:oMathParaPr>
+                    <m:oMath xmlns:m="http://schemas.openxmlformats.org/officeDocument/2006/math">
+                      <m:f>
+                        <m:fPr>
+                          <m:ctrlPr>
+                            <a:rPr lang="en-US" i="1">
+                              <a:latin typeface="Cambria Math" panose="02040503050406030204" pitchFamily="18" charset="0"/>
+                            </a:rPr>
+                          </m:ctrlPr>
+                        </m:fPr>
+                        <m:num>
+                          <m:r>
+                            <a:rPr lang="en-US" i="1">
+                              <a:latin typeface="Cambria Math" panose="02040503050406030204" pitchFamily="18" charset="0"/>
+                            </a:rPr>
+                            <m:t>𝑑𝐿</m:t>
+                          </m:r>
+                        </m:num>
+                        <m:den>
+                          <m:r>
+                            <a:rPr lang="en-US" i="1">
+                              <a:latin typeface="Cambria Math" panose="02040503050406030204" pitchFamily="18" charset="0"/>
+                            </a:rPr>
+                            <m:t>𝑑𝐸</m:t>
+                          </m:r>
+                        </m:den>
+                      </m:f>
+                      <m:r>
+                        <a:rPr lang="en-US" i="1">
+                          <a:latin typeface="Cambria Math" panose="02040503050406030204" pitchFamily="18" charset="0"/>
+                        </a:rPr>
+                        <m:t>=</m:t>
+                      </m:r>
+                      <m:sSub>
+                        <m:sSubPr>
+                          <m:ctrlPr>
+                            <a:rPr lang="en-US" i="1">
+                              <a:latin typeface="Cambria Math" panose="02040503050406030204" pitchFamily="18" charset="0"/>
+                            </a:rPr>
+                          </m:ctrlPr>
+                        </m:sSubPr>
+                        <m:e>
+                          <m:r>
+                            <a:rPr lang="en-US" i="1">
+                              <a:latin typeface="Cambria Math" panose="02040503050406030204" pitchFamily="18" charset="0"/>
+                            </a:rPr>
+                            <m:t>𝑎</m:t>
+                          </m:r>
+                        </m:e>
+                        <m:sub>
+                          <m:r>
+                            <a:rPr lang="en-US" i="1">
+                              <a:latin typeface="Cambria Math" panose="02040503050406030204" pitchFamily="18" charset="0"/>
+                            </a:rPr>
+                            <m:t>1</m:t>
+                          </m:r>
+                        </m:sub>
+                      </m:sSub>
+                      <m:r>
+                        <a:rPr lang="en-US" i="1">
+                          <a:latin typeface="Cambria Math" panose="02040503050406030204" pitchFamily="18" charset="0"/>
+                          <a:ea typeface="Cambria Math" panose="02040503050406030204" pitchFamily="18" charset="0"/>
+                        </a:rPr>
+                        <m:t>∙</m:t>
+                      </m:r>
+                      <m:r>
+                        <a:rPr lang="en-US" b="1" i="1">
+                          <a:latin typeface="Cambria Math" panose="02040503050406030204" pitchFamily="18" charset="0"/>
+                          <a:ea typeface="Cambria Math" panose="02040503050406030204" pitchFamily="18" charset="0"/>
+                          <a:cs typeface="Times New Roman" panose="02020603050405020304" pitchFamily="18" charset="0"/>
+                        </a:rPr>
+                        <m:t>(</m:t>
+                      </m:r>
+                      <m:r>
+                        <a:rPr lang="en-US" b="1" i="1">
+                          <a:latin typeface="Cambria Math" panose="02040503050406030204" pitchFamily="18" charset="0"/>
+                          <a:ea typeface="Cambria Math" panose="02040503050406030204" pitchFamily="18" charset="0"/>
+                          <a:cs typeface="Times New Roman" panose="02020603050405020304" pitchFamily="18" charset="0"/>
+                        </a:rPr>
+                        <m:t>𝑨</m:t>
+                      </m:r>
+                      <m:r>
+                        <a:rPr lang="en-US" b="1" i="1">
+                          <a:latin typeface="Cambria Math" panose="02040503050406030204" pitchFamily="18" charset="0"/>
+                          <a:ea typeface="Cambria Math" panose="02040503050406030204" pitchFamily="18" charset="0"/>
+                          <a:cs typeface="Times New Roman" panose="02020603050405020304" pitchFamily="18" charset="0"/>
+                        </a:rPr>
+                        <m:t>+</m:t>
+                      </m:r>
+                      <m:sSub>
+                        <m:sSubPr>
+                          <m:ctrlPr>
+                            <a:rPr lang="en-US" b="1" i="1">
+                              <a:latin typeface="Cambria Math" panose="02040503050406030204" pitchFamily="18" charset="0"/>
+                              <a:ea typeface="Cambria Math" panose="02040503050406030204" pitchFamily="18" charset="0"/>
+                              <a:cs typeface="Times New Roman" panose="02020603050405020304" pitchFamily="18" charset="0"/>
+                            </a:rPr>
+                          </m:ctrlPr>
+                        </m:sSubPr>
+                        <m:e>
+                          <m:r>
+                            <a:rPr lang="en-US" b="1" i="1">
+                              <a:latin typeface="Cambria Math" panose="02040503050406030204" pitchFamily="18" charset="0"/>
+                              <a:ea typeface="Cambria Math" panose="02040503050406030204" pitchFamily="18" charset="0"/>
+                              <a:cs typeface="Times New Roman" panose="02020603050405020304" pitchFamily="18" charset="0"/>
+                            </a:rPr>
+                            <m:t>𝒂</m:t>
+                          </m:r>
+                        </m:e>
+                        <m:sub>
+                          <m:r>
+                            <a:rPr lang="en-US" b="1" i="1">
+                              <a:latin typeface="Cambria Math" panose="02040503050406030204" pitchFamily="18" charset="0"/>
+                              <a:ea typeface="Cambria Math" panose="02040503050406030204" pitchFamily="18" charset="0"/>
+                              <a:cs typeface="Times New Roman" panose="02020603050405020304" pitchFamily="18" charset="0"/>
+                            </a:rPr>
+                            <m:t>𝟐</m:t>
+                          </m:r>
+                        </m:sub>
+                      </m:sSub>
+                      <m:r>
+                        <a:rPr lang="en-US" b="1" i="1">
+                          <a:latin typeface="Cambria Math" panose="02040503050406030204" pitchFamily="18" charset="0"/>
+                          <a:ea typeface="Cambria Math" panose="02040503050406030204" pitchFamily="18" charset="0"/>
+                          <a:cs typeface="Times New Roman" panose="02020603050405020304" pitchFamily="18" charset="0"/>
+                        </a:rPr>
+                        <m:t>)/(</m:t>
+                      </m:r>
+                      <m:r>
+                        <a:rPr lang="en-US" b="1" i="1">
+                          <a:latin typeface="Cambria Math" panose="02040503050406030204" pitchFamily="18" charset="0"/>
+                          <a:ea typeface="Cambria Math" panose="02040503050406030204" pitchFamily="18" charset="0"/>
+                          <a:cs typeface="Times New Roman" panose="02020603050405020304" pitchFamily="18" charset="0"/>
+                        </a:rPr>
+                        <m:t>𝑨</m:t>
+                      </m:r>
+                      <m:r>
+                        <a:rPr lang="en-US" b="1" i="1">
+                          <a:latin typeface="Cambria Math" panose="02040503050406030204" pitchFamily="18" charset="0"/>
+                          <a:ea typeface="Cambria Math" panose="02040503050406030204" pitchFamily="18" charset="0"/>
+                          <a:cs typeface="Times New Roman" panose="02020603050405020304" pitchFamily="18" charset="0"/>
+                        </a:rPr>
+                        <m:t>+</m:t>
+                      </m:r>
+                      <m:sSub>
+                        <m:sSubPr>
+                          <m:ctrlPr>
+                            <a:rPr lang="en-US" b="1" i="1">
+                              <a:latin typeface="Cambria Math" panose="02040503050406030204" pitchFamily="18" charset="0"/>
+                              <a:ea typeface="Cambria Math" panose="02040503050406030204" pitchFamily="18" charset="0"/>
+                              <a:cs typeface="Times New Roman" panose="02020603050405020304" pitchFamily="18" charset="0"/>
+                            </a:rPr>
+                          </m:ctrlPr>
+                        </m:sSubPr>
+                        <m:e>
+                          <m:r>
+                            <a:rPr lang="en-US" b="1" i="1">
+                              <a:latin typeface="Cambria Math" panose="02040503050406030204" pitchFamily="18" charset="0"/>
+                              <a:ea typeface="Cambria Math" panose="02040503050406030204" pitchFamily="18" charset="0"/>
+                              <a:cs typeface="Times New Roman" panose="02020603050405020304" pitchFamily="18" charset="0"/>
+                            </a:rPr>
+                            <m:t>𝒂</m:t>
+                          </m:r>
+                        </m:e>
+                        <m:sub>
+                          <m:r>
+                            <a:rPr lang="en-US" b="1" i="1">
+                              <a:latin typeface="Cambria Math" panose="02040503050406030204" pitchFamily="18" charset="0"/>
+                              <a:ea typeface="Cambria Math" panose="02040503050406030204" pitchFamily="18" charset="0"/>
+                              <a:cs typeface="Times New Roman" panose="02020603050405020304" pitchFamily="18" charset="0"/>
+                            </a:rPr>
+                            <m:t>𝟑</m:t>
+                          </m:r>
+                        </m:sub>
+                      </m:sSub>
+                      <m:r>
+                        <a:rPr lang="en-US" b="1" i="1">
+                          <a:latin typeface="Cambria Math" panose="02040503050406030204" pitchFamily="18" charset="0"/>
+                          <a:ea typeface="Cambria Math" panose="02040503050406030204" pitchFamily="18" charset="0"/>
+                          <a:cs typeface="Times New Roman" panose="02020603050405020304" pitchFamily="18" charset="0"/>
+                        </a:rPr>
+                        <m:t>)</m:t>
+                      </m:r>
+                      <m:r>
+                        <a:rPr lang="en-US" i="1">
+                          <a:latin typeface="Cambria Math" panose="02040503050406030204" pitchFamily="18" charset="0"/>
+                          <a:ea typeface="Cambria Math" panose="02040503050406030204" pitchFamily="18" charset="0"/>
+                        </a:rPr>
+                        <m:t>∙</m:t>
+                      </m:r>
+                      <m:sSup>
+                        <m:sSupPr>
+                          <m:ctrlPr>
+                            <a:rPr lang="en-US" b="1" i="1">
+                              <a:latin typeface="Cambria Math" panose="02040503050406030204" pitchFamily="18" charset="0"/>
+                              <a:ea typeface="Cambria Math" panose="02040503050406030204" pitchFamily="18" charset="0"/>
+                              <a:cs typeface="Times New Roman" panose="02020603050405020304" pitchFamily="18" charset="0"/>
+                            </a:rPr>
+                          </m:ctrlPr>
+                        </m:sSupPr>
+                        <m:e>
+                          <m:r>
+                            <a:rPr lang="en-US" b="1" i="1">
+                              <a:latin typeface="Cambria Math" panose="02040503050406030204" pitchFamily="18" charset="0"/>
+                              <a:ea typeface="Cambria Math" panose="02040503050406030204" pitchFamily="18" charset="0"/>
+                              <a:cs typeface="Times New Roman" panose="02020603050405020304" pitchFamily="18" charset="0"/>
+                            </a:rPr>
+                            <m:t>𝑬</m:t>
+                          </m:r>
+                        </m:e>
+                        <m:sup>
+                          <m:f>
+                            <m:fPr>
+                              <m:ctrlPr>
+                                <a:rPr lang="en-US" b="1" i="1">
+                                  <a:latin typeface="Cambria Math" panose="02040503050406030204" pitchFamily="18" charset="0"/>
+                                  <a:ea typeface="Cambria Math" panose="02040503050406030204" pitchFamily="18" charset="0"/>
+                                  <a:cs typeface="Times New Roman" panose="02020603050405020304" pitchFamily="18" charset="0"/>
+                                </a:rPr>
+                              </m:ctrlPr>
+                            </m:fPr>
+                            <m:num>
+                              <m:r>
+                                <a:rPr lang="en-US" b="1" i="1">
+                                  <a:latin typeface="Cambria Math" panose="02040503050406030204" pitchFamily="18" charset="0"/>
+                                  <a:ea typeface="Cambria Math" panose="02040503050406030204" pitchFamily="18" charset="0"/>
+                                  <a:cs typeface="Times New Roman" panose="02020603050405020304" pitchFamily="18" charset="0"/>
+                                </a:rPr>
+                                <m:t>𝑨</m:t>
+                              </m:r>
+                              <m:r>
+                                <a:rPr lang="en-US" b="1" i="1">
+                                  <a:latin typeface="Cambria Math" panose="02040503050406030204" pitchFamily="18" charset="0"/>
+                                  <a:ea typeface="Cambria Math" panose="02040503050406030204" pitchFamily="18" charset="0"/>
+                                  <a:cs typeface="Times New Roman" panose="02020603050405020304" pitchFamily="18" charset="0"/>
+                                </a:rPr>
+                                <m:t>+</m:t>
+                              </m:r>
+                              <m:sSub>
+                                <m:sSubPr>
+                                  <m:ctrlPr>
+                                    <a:rPr lang="en-US" b="1" i="1">
+                                      <a:latin typeface="Cambria Math" panose="02040503050406030204" pitchFamily="18" charset="0"/>
+                                      <a:ea typeface="Cambria Math" panose="02040503050406030204" pitchFamily="18" charset="0"/>
+                                      <a:cs typeface="Times New Roman" panose="02020603050405020304" pitchFamily="18" charset="0"/>
+                                    </a:rPr>
+                                  </m:ctrlPr>
+                                </m:sSubPr>
+                                <m:e>
+                                  <m:r>
+                                    <a:rPr lang="en-US" b="1" i="1">
+                                      <a:latin typeface="Cambria Math" panose="02040503050406030204" pitchFamily="18" charset="0"/>
+                                      <a:ea typeface="Cambria Math" panose="02040503050406030204" pitchFamily="18" charset="0"/>
+                                      <a:cs typeface="Times New Roman" panose="02020603050405020304" pitchFamily="18" charset="0"/>
+                                    </a:rPr>
+                                    <m:t>𝒂</m:t>
+                                  </m:r>
+                                </m:e>
+                                <m:sub>
+                                  <m:r>
+                                    <a:rPr lang="en-US" b="1" i="1">
+                                      <a:latin typeface="Cambria Math" panose="02040503050406030204" pitchFamily="18" charset="0"/>
+                                      <a:ea typeface="Cambria Math" panose="02040503050406030204" pitchFamily="18" charset="0"/>
+                                      <a:cs typeface="Times New Roman" panose="02020603050405020304" pitchFamily="18" charset="0"/>
+                                    </a:rPr>
+                                    <m:t>𝟐</m:t>
+                                  </m:r>
+                                </m:sub>
+                              </m:sSub>
+                            </m:num>
+                            <m:den>
+                              <m:r>
+                                <a:rPr lang="en-US" b="1" i="1">
+                                  <a:latin typeface="Cambria Math" panose="02040503050406030204" pitchFamily="18" charset="0"/>
+                                  <a:ea typeface="Cambria Math" panose="02040503050406030204" pitchFamily="18" charset="0"/>
+                                  <a:cs typeface="Times New Roman" panose="02020603050405020304" pitchFamily="18" charset="0"/>
+                                </a:rPr>
+                                <m:t>𝑨</m:t>
+                              </m:r>
+                              <m:r>
+                                <a:rPr lang="en-US" b="1" i="1">
+                                  <a:latin typeface="Cambria Math" panose="02040503050406030204" pitchFamily="18" charset="0"/>
+                                  <a:ea typeface="Cambria Math" panose="02040503050406030204" pitchFamily="18" charset="0"/>
+                                  <a:cs typeface="Times New Roman" panose="02020603050405020304" pitchFamily="18" charset="0"/>
+                                </a:rPr>
+                                <m:t>+</m:t>
+                              </m:r>
+                              <m:sSub>
+                                <m:sSubPr>
+                                  <m:ctrlPr>
+                                    <a:rPr lang="en-US" b="1" i="1">
+                                      <a:latin typeface="Cambria Math" panose="02040503050406030204" pitchFamily="18" charset="0"/>
+                                      <a:ea typeface="Cambria Math" panose="02040503050406030204" pitchFamily="18" charset="0"/>
+                                      <a:cs typeface="Times New Roman" panose="02020603050405020304" pitchFamily="18" charset="0"/>
+                                    </a:rPr>
+                                  </m:ctrlPr>
+                                </m:sSubPr>
+                                <m:e>
+                                  <m:r>
+                                    <a:rPr lang="en-US" b="1" i="1">
+                                      <a:latin typeface="Cambria Math" panose="02040503050406030204" pitchFamily="18" charset="0"/>
+                                      <a:ea typeface="Cambria Math" panose="02040503050406030204" pitchFamily="18" charset="0"/>
+                                      <a:cs typeface="Times New Roman" panose="02020603050405020304" pitchFamily="18" charset="0"/>
+                                    </a:rPr>
+                                    <m:t>𝒂</m:t>
+                                  </m:r>
+                                </m:e>
+                                <m:sub>
+                                  <m:r>
+                                    <a:rPr lang="en-US" b="1" i="1">
+                                      <a:latin typeface="Cambria Math" panose="02040503050406030204" pitchFamily="18" charset="0"/>
+                                      <a:ea typeface="Cambria Math" panose="02040503050406030204" pitchFamily="18" charset="0"/>
+                                      <a:cs typeface="Times New Roman" panose="02020603050405020304" pitchFamily="18" charset="0"/>
+                                    </a:rPr>
+                                    <m:t>𝟑</m:t>
+                                  </m:r>
+                                </m:sub>
+                              </m:sSub>
+                            </m:den>
+                          </m:f>
+                          <m:r>
+                            <a:rPr lang="en-US" b="1" i="1">
+                              <a:latin typeface="Cambria Math" panose="02040503050406030204" pitchFamily="18" charset="0"/>
+                              <a:ea typeface="Cambria Math" panose="02040503050406030204" pitchFamily="18" charset="0"/>
+                              <a:cs typeface="Times New Roman" panose="02020603050405020304" pitchFamily="18" charset="0"/>
+                            </a:rPr>
+                            <m:t>−</m:t>
+                          </m:r>
+                          <m:r>
+                            <a:rPr lang="en-US" b="1" i="1">
+                              <a:latin typeface="Cambria Math" panose="02040503050406030204" pitchFamily="18" charset="0"/>
+                              <a:ea typeface="Cambria Math" panose="02040503050406030204" pitchFamily="18" charset="0"/>
+                              <a:cs typeface="Times New Roman" panose="02020603050405020304" pitchFamily="18" charset="0"/>
+                            </a:rPr>
+                            <m:t>𝟏</m:t>
+                          </m:r>
+                        </m:sup>
+                      </m:sSup>
+                    </m:oMath>
+                  </m:oMathPara>
+                </a14:m>
+                <a:endParaRPr lang="en-US" dirty="0"/>
+              </a:p>
+            </p:txBody>
+          </p:sp>
+        </mc:Choice>
+        <mc:Fallback xmlns="">
+          <p:sp>
+            <p:nvSpPr>
+              <p:cNvPr id="8" name="Rectangle 7"/>
+              <p:cNvSpPr>
+                <a:spLocks noRot="1" noChangeAspect="1" noMove="1" noResize="1" noEditPoints="1" noAdjustHandles="1" noChangeArrowheads="1" noChangeShapeType="1" noTextEdit="1"/>
+              </p:cNvSpPr>
+              <p:nvPr/>
+            </p:nvSpPr>
+            <p:spPr>
+              <a:xfrm>
+                <a:off x="808659" y="3096342"/>
+                <a:ext cx="4064767" cy="640625"/>
+              </a:xfrm>
+              <a:prstGeom prst="rect">
+                <a:avLst/>
+              </a:prstGeom>
+              <a:blipFill rotWithShape="0">
+                <a:blip r:embed="rId4"/>
+                <a:stretch>
+                  <a:fillRect/>
+                </a:stretch>
+              </a:blipFill>
+            </p:spPr>
+            <p:txBody>
+              <a:bodyPr/>
+              <a:lstStyle/>
+              <a:p>
+                <a:r>
+                  <a:rPr lang="en-US">
+                    <a:noFill/>
+                  </a:rPr>
+                  <a:t> </a:t>
+                </a:r>
+              </a:p>
+            </p:txBody>
+          </p:sp>
+        </mc:Fallback>
+      </mc:AlternateContent>
+      <p:sp>
+        <p:nvSpPr>
+          <p:cNvPr id="9" name="Oval 8"/>
+          <p:cNvSpPr/>
+          <p:nvPr/>
+        </p:nvSpPr>
+        <p:spPr>
+          <a:xfrm>
+            <a:off x="3940542" y="3136282"/>
+            <a:ext cx="973225" cy="403371"/>
+          </a:xfrm>
+          <a:prstGeom prst="ellipse">
+            <a:avLst/>
+          </a:prstGeom>
+          <a:noFill/>
+          <a:ln w="22225">
+            <a:solidFill>
+              <a:srgbClr val="00B050"/>
+            </a:solidFill>
+          </a:ln>
+        </p:spPr>
+        <p:style>
+          <a:lnRef idx="2">
+            <a:schemeClr val="accent1">
+              <a:shade val="50000"/>
+            </a:schemeClr>
+          </a:lnRef>
+          <a:fillRef idx="1">
+            <a:schemeClr val="accent1"/>
+          </a:fillRef>
+          <a:effectRef idx="0">
+            <a:schemeClr val="accent1"/>
+          </a:effectRef>
+          <a:fontRef idx="minor">
+            <a:schemeClr val="lt1"/>
+          </a:fontRef>
+        </p:style>
+        <p:txBody>
+          <a:bodyPr rtlCol="0" anchor="ctr"/>
+          <a:lstStyle/>
+          <a:p>
+            <a:pPr algn="ctr"/>
+            <a:endParaRPr lang="en-US"/>
+          </a:p>
+        </p:txBody>
+      </p:sp>
+      <mc:AlternateContent xmlns:mc="http://schemas.openxmlformats.org/markup-compatibility/2006" xmlns:a14="http://schemas.microsoft.com/office/drawing/2010/main">
+        <mc:Choice Requires="a14">
+          <p:sp>
+            <p:nvSpPr>
+              <p:cNvPr id="10" name="TextBox 9"/>
+              <p:cNvSpPr txBox="1"/>
+              <p:nvPr/>
+            </p:nvSpPr>
+            <p:spPr>
+              <a:xfrm>
+                <a:off x="827836" y="3872153"/>
+                <a:ext cx="1497107" cy="525721"/>
+              </a:xfrm>
+              <a:prstGeom prst="rect">
+                <a:avLst/>
+              </a:prstGeom>
+              <a:noFill/>
+            </p:spPr>
+            <p:txBody>
+              <a:bodyPr wrap="square" rtlCol="0">
+                <a:spAutoFit/>
+              </a:bodyPr>
+              <a:lstStyle/>
+              <a:p>
+                <a14:m>
+                  <m:oMath xmlns:m="http://schemas.openxmlformats.org/officeDocument/2006/math">
+                    <m:f>
+                      <m:fPr>
+                        <m:ctrlPr>
+                          <a:rPr lang="en-US" b="1" i="1" smtClean="0">
+                            <a:solidFill>
+                              <a:srgbClr val="00B050"/>
+                            </a:solidFill>
+                            <a:latin typeface="Cambria Math" panose="02040503050406030204" pitchFamily="18" charset="0"/>
+                            <a:ea typeface="Cambria Math" panose="02040503050406030204" pitchFamily="18" charset="0"/>
+                            <a:cs typeface="Times New Roman" panose="02020603050405020304" pitchFamily="18" charset="0"/>
+                          </a:rPr>
+                        </m:ctrlPr>
+                      </m:fPr>
+                      <m:num>
+                        <m:r>
+                          <a:rPr lang="en-US" b="1" i="1">
+                            <a:solidFill>
+                              <a:srgbClr val="00B050"/>
+                            </a:solidFill>
+                            <a:latin typeface="Cambria Math" panose="02040503050406030204" pitchFamily="18" charset="0"/>
+                            <a:ea typeface="Cambria Math" panose="02040503050406030204" pitchFamily="18" charset="0"/>
+                            <a:cs typeface="Times New Roman" panose="02020603050405020304" pitchFamily="18" charset="0"/>
+                          </a:rPr>
+                          <m:t>𝑨</m:t>
+                        </m:r>
+                        <m:r>
+                          <a:rPr lang="en-US" b="1" i="1">
+                            <a:solidFill>
+                              <a:srgbClr val="00B050"/>
+                            </a:solidFill>
+                            <a:latin typeface="Cambria Math" panose="02040503050406030204" pitchFamily="18" charset="0"/>
+                            <a:ea typeface="Cambria Math" panose="02040503050406030204" pitchFamily="18" charset="0"/>
+                            <a:cs typeface="Times New Roman" panose="02020603050405020304" pitchFamily="18" charset="0"/>
+                          </a:rPr>
+                          <m:t>+</m:t>
+                        </m:r>
+                        <m:sSub>
+                          <m:sSubPr>
+                            <m:ctrlPr>
+                              <a:rPr lang="en-US" b="1" i="1">
+                                <a:solidFill>
+                                  <a:srgbClr val="00B050"/>
+                                </a:solidFill>
+                                <a:latin typeface="Cambria Math" panose="02040503050406030204" pitchFamily="18" charset="0"/>
+                                <a:ea typeface="Cambria Math" panose="02040503050406030204" pitchFamily="18" charset="0"/>
+                                <a:cs typeface="Times New Roman" panose="02020603050405020304" pitchFamily="18" charset="0"/>
+                              </a:rPr>
+                            </m:ctrlPr>
+                          </m:sSubPr>
+                          <m:e>
+                            <m:r>
+                              <a:rPr lang="en-US" b="1" i="1">
+                                <a:solidFill>
+                                  <a:srgbClr val="00B050"/>
+                                </a:solidFill>
+                                <a:latin typeface="Cambria Math" panose="02040503050406030204" pitchFamily="18" charset="0"/>
+                                <a:ea typeface="Cambria Math" panose="02040503050406030204" pitchFamily="18" charset="0"/>
+                                <a:cs typeface="Times New Roman" panose="02020603050405020304" pitchFamily="18" charset="0"/>
+                              </a:rPr>
+                              <m:t>𝒂</m:t>
+                            </m:r>
+                          </m:e>
+                          <m:sub>
+                            <m:r>
+                              <a:rPr lang="en-US" b="1" i="1">
+                                <a:solidFill>
+                                  <a:srgbClr val="00B050"/>
+                                </a:solidFill>
+                                <a:latin typeface="Cambria Math" panose="02040503050406030204" pitchFamily="18" charset="0"/>
+                                <a:ea typeface="Cambria Math" panose="02040503050406030204" pitchFamily="18" charset="0"/>
+                                <a:cs typeface="Times New Roman" panose="02020603050405020304" pitchFamily="18" charset="0"/>
+                              </a:rPr>
+                              <m:t>𝟐</m:t>
+                            </m:r>
+                          </m:sub>
+                        </m:sSub>
+                      </m:num>
+                      <m:den>
+                        <m:r>
+                          <a:rPr lang="en-US" b="1" i="1">
+                            <a:solidFill>
+                              <a:srgbClr val="00B050"/>
+                            </a:solidFill>
+                            <a:latin typeface="Cambria Math" panose="02040503050406030204" pitchFamily="18" charset="0"/>
+                            <a:ea typeface="Cambria Math" panose="02040503050406030204" pitchFamily="18" charset="0"/>
+                            <a:cs typeface="Times New Roman" panose="02020603050405020304" pitchFamily="18" charset="0"/>
+                          </a:rPr>
+                          <m:t>𝑨</m:t>
+                        </m:r>
+                        <m:r>
+                          <a:rPr lang="en-US" b="1" i="1">
+                            <a:solidFill>
+                              <a:srgbClr val="00B050"/>
+                            </a:solidFill>
+                            <a:latin typeface="Cambria Math" panose="02040503050406030204" pitchFamily="18" charset="0"/>
+                            <a:ea typeface="Cambria Math" panose="02040503050406030204" pitchFamily="18" charset="0"/>
+                            <a:cs typeface="Times New Roman" panose="02020603050405020304" pitchFamily="18" charset="0"/>
+                          </a:rPr>
+                          <m:t>+</m:t>
+                        </m:r>
+                        <m:sSub>
+                          <m:sSubPr>
+                            <m:ctrlPr>
+                              <a:rPr lang="en-US" b="1" i="1">
+                                <a:solidFill>
+                                  <a:srgbClr val="00B050"/>
+                                </a:solidFill>
+                                <a:latin typeface="Cambria Math" panose="02040503050406030204" pitchFamily="18" charset="0"/>
+                                <a:ea typeface="Cambria Math" panose="02040503050406030204" pitchFamily="18" charset="0"/>
+                                <a:cs typeface="Times New Roman" panose="02020603050405020304" pitchFamily="18" charset="0"/>
+                              </a:rPr>
+                            </m:ctrlPr>
+                          </m:sSubPr>
+                          <m:e>
+                            <m:r>
+                              <a:rPr lang="en-US" b="1" i="1">
+                                <a:solidFill>
+                                  <a:srgbClr val="00B050"/>
+                                </a:solidFill>
+                                <a:latin typeface="Cambria Math" panose="02040503050406030204" pitchFamily="18" charset="0"/>
+                                <a:ea typeface="Cambria Math" panose="02040503050406030204" pitchFamily="18" charset="0"/>
+                                <a:cs typeface="Times New Roman" panose="02020603050405020304" pitchFamily="18" charset="0"/>
+                              </a:rPr>
+                              <m:t>𝒂</m:t>
+                            </m:r>
+                          </m:e>
+                          <m:sub>
+                            <m:r>
+                              <a:rPr lang="en-US" b="1" i="1">
+                                <a:solidFill>
+                                  <a:srgbClr val="00B050"/>
+                                </a:solidFill>
+                                <a:latin typeface="Cambria Math" panose="02040503050406030204" pitchFamily="18" charset="0"/>
+                                <a:ea typeface="Cambria Math" panose="02040503050406030204" pitchFamily="18" charset="0"/>
+                                <a:cs typeface="Times New Roman" panose="02020603050405020304" pitchFamily="18" charset="0"/>
+                              </a:rPr>
+                              <m:t>𝟑</m:t>
+                            </m:r>
+                          </m:sub>
+                        </m:sSub>
+                      </m:den>
+                    </m:f>
+                  </m:oMath>
+                </a14:m>
+                <a:r>
+                  <a:rPr lang="en-US" dirty="0" smtClean="0">
+                    <a:solidFill>
+                      <a:srgbClr val="00B050"/>
+                    </a:solidFill>
+                  </a:rPr>
+                  <a:t>-1&lt;0</a:t>
+                </a:r>
+                <a:endParaRPr lang="en-US" dirty="0">
+                  <a:solidFill>
+                    <a:srgbClr val="00B050"/>
+                  </a:solidFill>
+                </a:endParaRPr>
+              </a:p>
+            </p:txBody>
+          </p:sp>
+        </mc:Choice>
+        <mc:Fallback xmlns="">
+          <p:sp>
+            <p:nvSpPr>
+              <p:cNvPr id="10" name="TextBox 9"/>
+              <p:cNvSpPr txBox="1">
+                <a:spLocks noRot="1" noChangeAspect="1" noMove="1" noResize="1" noEditPoints="1" noAdjustHandles="1" noChangeArrowheads="1" noChangeShapeType="1" noTextEdit="1"/>
+              </p:cNvSpPr>
+              <p:nvPr/>
+            </p:nvSpPr>
+            <p:spPr>
+              <a:xfrm>
+                <a:off x="827836" y="3872153"/>
+                <a:ext cx="1497107" cy="525721"/>
+              </a:xfrm>
+              <a:prstGeom prst="rect">
+                <a:avLst/>
+              </a:prstGeom>
+              <a:blipFill rotWithShape="0">
+                <a:blip r:embed="rId5"/>
+                <a:stretch>
+                  <a:fillRect b="-1163"/>
+                </a:stretch>
+              </a:blipFill>
+            </p:spPr>
+            <p:txBody>
+              <a:bodyPr/>
+              <a:lstStyle/>
+              <a:p>
+                <a:r>
+                  <a:rPr lang="en-US">
+                    <a:noFill/>
+                  </a:rPr>
+                  <a:t> </a:t>
+                </a:r>
+              </a:p>
+            </p:txBody>
+          </p:sp>
+        </mc:Fallback>
+      </mc:AlternateContent>
+      <p:cxnSp>
+        <p:nvCxnSpPr>
+          <p:cNvPr id="13" name="Straight Arrow Connector 12"/>
+          <p:cNvCxnSpPr/>
+          <p:nvPr/>
+        </p:nvCxnSpPr>
+        <p:spPr>
+          <a:xfrm>
+            <a:off x="6454588" y="5166849"/>
+            <a:ext cx="4706471" cy="17929"/>
+          </a:xfrm>
+          <a:prstGeom prst="straightConnector1">
+            <a:avLst/>
+          </a:prstGeom>
+          <a:ln>
+            <a:tailEnd type="triangle"/>
+          </a:ln>
+        </p:spPr>
+        <p:style>
+          <a:lnRef idx="1">
+            <a:schemeClr val="accent1"/>
+          </a:lnRef>
+          <a:fillRef idx="0">
+            <a:schemeClr val="accent1"/>
+          </a:fillRef>
+          <a:effectRef idx="0">
+            <a:schemeClr val="accent1"/>
+          </a:effectRef>
+          <a:fontRef idx="minor">
+            <a:schemeClr val="tx1"/>
+          </a:fontRef>
+        </p:style>
+      </p:cxnSp>
+      <p:cxnSp>
+        <p:nvCxnSpPr>
+          <p:cNvPr id="15" name="Straight Arrow Connector 14"/>
+          <p:cNvCxnSpPr/>
+          <p:nvPr/>
+        </p:nvCxnSpPr>
+        <p:spPr>
+          <a:xfrm flipH="1" flipV="1">
+            <a:off x="6373905" y="1667435"/>
+            <a:ext cx="80683" cy="3499414"/>
+          </a:xfrm>
+          <a:prstGeom prst="straightConnector1">
+            <a:avLst/>
+          </a:prstGeom>
+          <a:ln>
+            <a:tailEnd type="triangle"/>
+          </a:ln>
+        </p:spPr>
+        <p:style>
+          <a:lnRef idx="1">
+            <a:schemeClr val="accent1"/>
+          </a:lnRef>
+          <a:fillRef idx="0">
+            <a:schemeClr val="accent1"/>
+          </a:fillRef>
+          <a:effectRef idx="0">
+            <a:schemeClr val="accent1"/>
+          </a:effectRef>
+          <a:fontRef idx="minor">
+            <a:schemeClr val="tx1"/>
+          </a:fontRef>
+        </p:style>
+      </p:cxnSp>
+      <p:cxnSp>
+        <p:nvCxnSpPr>
+          <p:cNvPr id="18" name="Straight Connector 17"/>
+          <p:cNvCxnSpPr/>
+          <p:nvPr/>
+        </p:nvCxnSpPr>
+        <p:spPr>
+          <a:xfrm>
+            <a:off x="6414246" y="3417142"/>
+            <a:ext cx="4119283" cy="0"/>
+          </a:xfrm>
+          <a:prstGeom prst="line">
+            <a:avLst/>
+          </a:prstGeom>
+          <a:ln w="44450">
+            <a:solidFill>
+              <a:schemeClr val="tx1"/>
+            </a:solidFill>
+          </a:ln>
+        </p:spPr>
+        <p:style>
+          <a:lnRef idx="1">
+            <a:schemeClr val="accent1"/>
+          </a:lnRef>
+          <a:fillRef idx="0">
+            <a:schemeClr val="accent1"/>
+          </a:fillRef>
+          <a:effectRef idx="0">
+            <a:schemeClr val="accent1"/>
+          </a:effectRef>
+          <a:fontRef idx="minor">
+            <a:schemeClr val="tx1"/>
+          </a:fontRef>
+        </p:style>
+      </p:cxnSp>
+      <p:sp>
+        <p:nvSpPr>
+          <p:cNvPr id="20" name="Freeform 19"/>
+          <p:cNvSpPr/>
+          <p:nvPr/>
+        </p:nvSpPr>
+        <p:spPr>
+          <a:xfrm>
+            <a:off x="7266577" y="3416654"/>
+            <a:ext cx="2126458" cy="802423"/>
+          </a:xfrm>
+          <a:custGeom>
+            <a:avLst/>
+            <a:gdLst>
+              <a:gd name="connsiteX0" fmla="*/ 0 w 2043953"/>
+              <a:gd name="connsiteY0" fmla="*/ 717177 h 717177"/>
+              <a:gd name="connsiteX1" fmla="*/ 340659 w 2043953"/>
+              <a:gd name="connsiteY1" fmla="*/ 385482 h 717177"/>
+              <a:gd name="connsiteX2" fmla="*/ 941294 w 2043953"/>
+              <a:gd name="connsiteY2" fmla="*/ 71718 h 717177"/>
+              <a:gd name="connsiteX3" fmla="*/ 2043953 w 2043953"/>
+              <a:gd name="connsiteY3" fmla="*/ 0 h 717177"/>
+            </a:gdLst>
+            <a:ahLst/>
+            <a:cxnLst>
+              <a:cxn ang="0">
+                <a:pos x="connsiteX0" y="connsiteY0"/>
+              </a:cxn>
+              <a:cxn ang="0">
+                <a:pos x="connsiteX1" y="connsiteY1"/>
+              </a:cxn>
+              <a:cxn ang="0">
+                <a:pos x="connsiteX2" y="connsiteY2"/>
+              </a:cxn>
+              <a:cxn ang="0">
+                <a:pos x="connsiteX3" y="connsiteY3"/>
+              </a:cxn>
+            </a:cxnLst>
+            <a:rect l="l" t="t" r="r" b="b"/>
+            <a:pathLst>
+              <a:path w="2043953" h="717177">
+                <a:moveTo>
+                  <a:pt x="0" y="717177"/>
+                </a:moveTo>
+                <a:cubicBezTo>
+                  <a:pt x="91888" y="605118"/>
+                  <a:pt x="183777" y="493059"/>
+                  <a:pt x="340659" y="385482"/>
+                </a:cubicBezTo>
+                <a:cubicBezTo>
+                  <a:pt x="497541" y="277905"/>
+                  <a:pt x="657412" y="135965"/>
+                  <a:pt x="941294" y="71718"/>
+                </a:cubicBezTo>
+                <a:cubicBezTo>
+                  <a:pt x="1225176" y="7471"/>
+                  <a:pt x="1634564" y="3735"/>
+                  <a:pt x="2043953" y="0"/>
+                </a:cubicBezTo>
+              </a:path>
+            </a:pathLst>
+          </a:custGeom>
+          <a:noFill/>
+          <a:ln w="38100">
+            <a:solidFill>
+              <a:srgbClr val="00B050"/>
+            </a:solidFill>
+            <a:prstDash val="sysDash"/>
+          </a:ln>
+        </p:spPr>
+        <p:style>
+          <a:lnRef idx="2">
+            <a:schemeClr val="accent1">
+              <a:shade val="50000"/>
+            </a:schemeClr>
+          </a:lnRef>
+          <a:fillRef idx="1">
+            <a:schemeClr val="accent1"/>
+          </a:fillRef>
+          <a:effectRef idx="0">
+            <a:schemeClr val="accent1"/>
+          </a:effectRef>
+          <a:fontRef idx="minor">
+            <a:schemeClr val="lt1"/>
+          </a:fontRef>
+        </p:style>
+        <p:txBody>
+          <a:bodyPr rtlCol="0" anchor="ctr"/>
+          <a:lstStyle/>
+          <a:p>
+            <a:pPr algn="ctr"/>
+            <a:endParaRPr lang="en-US"/>
+          </a:p>
+        </p:txBody>
+      </p:sp>
+      <p:sp>
+        <p:nvSpPr>
+          <p:cNvPr id="23" name="Freeform 22"/>
+          <p:cNvSpPr/>
+          <p:nvPr/>
+        </p:nvSpPr>
+        <p:spPr>
+          <a:xfrm>
+            <a:off x="7584141" y="3416654"/>
+            <a:ext cx="1963271" cy="667901"/>
+          </a:xfrm>
+          <a:custGeom>
+            <a:avLst/>
+            <a:gdLst>
+              <a:gd name="connsiteX0" fmla="*/ 0 w 1963271"/>
+              <a:gd name="connsiteY0" fmla="*/ 13478 h 667901"/>
+              <a:gd name="connsiteX1" fmla="*/ 636494 w 1963271"/>
+              <a:gd name="connsiteY1" fmla="*/ 4513 h 667901"/>
+              <a:gd name="connsiteX2" fmla="*/ 1013012 w 1963271"/>
+              <a:gd name="connsiteY2" fmla="*/ 76231 h 667901"/>
+              <a:gd name="connsiteX3" fmla="*/ 1550894 w 1963271"/>
+              <a:gd name="connsiteY3" fmla="*/ 372066 h 667901"/>
+              <a:gd name="connsiteX4" fmla="*/ 1963271 w 1963271"/>
+              <a:gd name="connsiteY4" fmla="*/ 667901 h 667901"/>
+            </a:gdLst>
+            <a:ahLst/>
+            <a:cxnLst>
+              <a:cxn ang="0">
+                <a:pos x="connsiteX0" y="connsiteY0"/>
+              </a:cxn>
+              <a:cxn ang="0">
+                <a:pos x="connsiteX1" y="connsiteY1"/>
+              </a:cxn>
+              <a:cxn ang="0">
+                <a:pos x="connsiteX2" y="connsiteY2"/>
+              </a:cxn>
+              <a:cxn ang="0">
+                <a:pos x="connsiteX3" y="connsiteY3"/>
+              </a:cxn>
+              <a:cxn ang="0">
+                <a:pos x="connsiteX4" y="connsiteY4"/>
+              </a:cxn>
+            </a:cxnLst>
+            <a:rect l="l" t="t" r="r" b="b"/>
+            <a:pathLst>
+              <a:path w="1963271" h="667901">
+                <a:moveTo>
+                  <a:pt x="0" y="13478"/>
+                </a:moveTo>
+                <a:cubicBezTo>
+                  <a:pt x="233829" y="3766"/>
+                  <a:pt x="467659" y="-5946"/>
+                  <a:pt x="636494" y="4513"/>
+                </a:cubicBezTo>
+                <a:cubicBezTo>
+                  <a:pt x="805329" y="14972"/>
+                  <a:pt x="860612" y="14972"/>
+                  <a:pt x="1013012" y="76231"/>
+                </a:cubicBezTo>
+                <a:cubicBezTo>
+                  <a:pt x="1165412" y="137490"/>
+                  <a:pt x="1392518" y="273454"/>
+                  <a:pt x="1550894" y="372066"/>
+                </a:cubicBezTo>
+                <a:cubicBezTo>
+                  <a:pt x="1709270" y="470678"/>
+                  <a:pt x="1836270" y="569289"/>
+                  <a:pt x="1963271" y="667901"/>
+                </a:cubicBezTo>
+              </a:path>
+            </a:pathLst>
+          </a:custGeom>
+          <a:noFill/>
+          <a:ln w="38100">
+            <a:solidFill>
+              <a:srgbClr val="FF0000"/>
+            </a:solidFill>
+            <a:prstDash val="dash"/>
+          </a:ln>
+        </p:spPr>
+        <p:style>
+          <a:lnRef idx="2">
+            <a:schemeClr val="accent1">
+              <a:shade val="50000"/>
+            </a:schemeClr>
+          </a:lnRef>
+          <a:fillRef idx="1">
+            <a:schemeClr val="accent1"/>
+          </a:fillRef>
+          <a:effectRef idx="0">
+            <a:schemeClr val="accent1"/>
+          </a:effectRef>
+          <a:fontRef idx="minor">
+            <a:schemeClr val="lt1"/>
+          </a:fontRef>
+        </p:style>
+        <p:txBody>
+          <a:bodyPr rtlCol="0" anchor="ctr"/>
+          <a:lstStyle/>
+          <a:p>
+            <a:pPr algn="ctr"/>
+            <a:endParaRPr lang="en-US"/>
+          </a:p>
+        </p:txBody>
+      </p:sp>
+      <mc:AlternateContent xmlns:mc="http://schemas.openxmlformats.org/markup-compatibility/2006" xmlns:a14="http://schemas.microsoft.com/office/drawing/2010/main">
+        <mc:Choice Requires="a14">
+          <p:sp>
+            <p:nvSpPr>
+              <p:cNvPr id="24" name="Rectangle 23"/>
+              <p:cNvSpPr/>
+              <p:nvPr/>
+            </p:nvSpPr>
+            <p:spPr>
+              <a:xfrm>
+                <a:off x="5885512" y="1678628"/>
+                <a:ext cx="528734" cy="618246"/>
+              </a:xfrm>
+              <a:prstGeom prst="rect">
+                <a:avLst/>
+              </a:prstGeom>
+            </p:spPr>
+            <p:txBody>
+              <a:bodyPr wrap="none">
+                <a:spAutoFit/>
+              </a:bodyPr>
+              <a:lstStyle/>
+              <a:p>
+                <a:pPr/>
+                <a14:m>
+                  <m:oMathPara xmlns:m="http://schemas.openxmlformats.org/officeDocument/2006/math">
+                    <m:oMathParaPr>
+                      <m:jc m:val="centerGroup"/>
+                    </m:oMathParaPr>
+                    <m:oMath xmlns:m="http://schemas.openxmlformats.org/officeDocument/2006/math">
+                      <m:f>
+                        <m:fPr>
+                          <m:ctrlPr>
+                            <a:rPr lang="en-US" i="1">
+                              <a:latin typeface="Cambria Math" panose="02040503050406030204" pitchFamily="18" charset="0"/>
+                              <a:cs typeface="Times New Roman" panose="02020603050405020304" pitchFamily="18" charset="0"/>
+                            </a:rPr>
+                          </m:ctrlPr>
+                        </m:fPr>
+                        <m:num>
+                          <m:r>
+                            <a:rPr lang="en-US" i="1">
+                              <a:latin typeface="Cambria Math" panose="02040503050406030204" pitchFamily="18" charset="0"/>
+                              <a:cs typeface="Times New Roman" panose="02020603050405020304" pitchFamily="18" charset="0"/>
+                            </a:rPr>
+                            <m:t>𝑑𝐿</m:t>
+                          </m:r>
+                        </m:num>
+                        <m:den>
+                          <m:r>
+                            <a:rPr lang="en-US" i="1">
+                              <a:latin typeface="Cambria Math" panose="02040503050406030204" pitchFamily="18" charset="0"/>
+                              <a:cs typeface="Times New Roman" panose="02020603050405020304" pitchFamily="18" charset="0"/>
+                            </a:rPr>
+                            <m:t>𝑑𝐸</m:t>
+                          </m:r>
+                        </m:den>
+                      </m:f>
+                    </m:oMath>
+                  </m:oMathPara>
+                </a14:m>
+                <a:endParaRPr lang="en-US" dirty="0">
+                  <a:latin typeface="Times New Roman" panose="02020603050405020304" pitchFamily="18" charset="0"/>
+                  <a:cs typeface="Times New Roman" panose="02020603050405020304" pitchFamily="18" charset="0"/>
+                </a:endParaRPr>
+              </a:p>
+            </p:txBody>
+          </p:sp>
+        </mc:Choice>
+        <mc:Fallback xmlns="">
+          <p:sp>
+            <p:nvSpPr>
+              <p:cNvPr id="24" name="Rectangle 23"/>
+              <p:cNvSpPr>
+                <a:spLocks noRot="1" noChangeAspect="1" noMove="1" noResize="1" noEditPoints="1" noAdjustHandles="1" noChangeArrowheads="1" noChangeShapeType="1" noTextEdit="1"/>
+              </p:cNvSpPr>
+              <p:nvPr/>
+            </p:nvSpPr>
+            <p:spPr>
+              <a:xfrm>
+                <a:off x="5885512" y="1678628"/>
+                <a:ext cx="528734" cy="618246"/>
+              </a:xfrm>
+              <a:prstGeom prst="rect">
+                <a:avLst/>
+              </a:prstGeom>
+              <a:blipFill rotWithShape="0">
+                <a:blip r:embed="rId6"/>
+                <a:stretch>
+                  <a:fillRect/>
+                </a:stretch>
+              </a:blipFill>
+            </p:spPr>
+            <p:txBody>
+              <a:bodyPr/>
+              <a:lstStyle/>
+              <a:p>
+                <a:r>
+                  <a:rPr lang="en-US">
+                    <a:noFill/>
+                  </a:rPr>
+                  <a:t> </a:t>
+                </a:r>
+              </a:p>
+            </p:txBody>
+          </p:sp>
+        </mc:Fallback>
+      </mc:AlternateContent>
+      <mc:AlternateContent xmlns:mc="http://schemas.openxmlformats.org/markup-compatibility/2006" xmlns:a14="http://schemas.microsoft.com/office/drawing/2010/main">
+        <mc:Choice Requires="a14">
+          <p:sp>
+            <p:nvSpPr>
+              <p:cNvPr id="25" name="Rectangle 24"/>
+              <p:cNvSpPr/>
+              <p:nvPr/>
+            </p:nvSpPr>
+            <p:spPr>
+              <a:xfrm>
+                <a:off x="10419317" y="5293635"/>
+                <a:ext cx="741742" cy="618246"/>
+              </a:xfrm>
+              <a:prstGeom prst="rect">
+                <a:avLst/>
+              </a:prstGeom>
+            </p:spPr>
+            <p:txBody>
+              <a:bodyPr wrap="none">
+                <a:spAutoFit/>
+              </a:bodyPr>
+              <a:lstStyle/>
+              <a:p>
+                <a:pPr/>
+                <a14:m>
+                  <m:oMathPara xmlns:m="http://schemas.openxmlformats.org/officeDocument/2006/math">
+                    <m:oMathParaPr>
+                      <m:jc m:val="centerGroup"/>
+                    </m:oMathParaPr>
+                    <m:oMath xmlns:m="http://schemas.openxmlformats.org/officeDocument/2006/math">
+                      <m:r>
+                        <a:rPr lang="en-US" b="0" i="1" smtClean="0">
+                          <a:latin typeface="Cambria Math" panose="02040503050406030204" pitchFamily="18" charset="0"/>
+                          <a:cs typeface="Times New Roman" panose="02020603050405020304" pitchFamily="18" charset="0"/>
+                        </a:rPr>
+                        <m:t>−</m:t>
+                      </m:r>
+                      <m:f>
+                        <m:fPr>
+                          <m:ctrlPr>
+                            <a:rPr lang="en-US" i="1" smtClean="0">
+                              <a:latin typeface="Cambria Math" panose="02040503050406030204" pitchFamily="18" charset="0"/>
+                              <a:cs typeface="Times New Roman" panose="02020603050405020304" pitchFamily="18" charset="0"/>
+                            </a:rPr>
+                          </m:ctrlPr>
+                        </m:fPr>
+                        <m:num>
+                          <m:r>
+                            <a:rPr lang="en-US" i="1">
+                              <a:latin typeface="Cambria Math" panose="02040503050406030204" pitchFamily="18" charset="0"/>
+                              <a:cs typeface="Times New Roman" panose="02020603050405020304" pitchFamily="18" charset="0"/>
+                            </a:rPr>
+                            <m:t>𝑑</m:t>
+                          </m:r>
+                          <m:r>
+                            <a:rPr lang="en-US" b="0" i="1" smtClean="0">
+                              <a:latin typeface="Cambria Math" panose="02040503050406030204" pitchFamily="18" charset="0"/>
+                              <a:cs typeface="Times New Roman" panose="02020603050405020304" pitchFamily="18" charset="0"/>
+                            </a:rPr>
+                            <m:t>𝐸</m:t>
+                          </m:r>
+                        </m:num>
+                        <m:den>
+                          <m:r>
+                            <a:rPr lang="en-US" i="1">
+                              <a:latin typeface="Cambria Math" panose="02040503050406030204" pitchFamily="18" charset="0"/>
+                              <a:cs typeface="Times New Roman" panose="02020603050405020304" pitchFamily="18" charset="0"/>
+                            </a:rPr>
+                            <m:t>𝑑</m:t>
+                          </m:r>
+                          <m:r>
+                            <a:rPr lang="en-US" b="0" i="1" smtClean="0">
+                              <a:latin typeface="Cambria Math" panose="02040503050406030204" pitchFamily="18" charset="0"/>
+                              <a:cs typeface="Times New Roman" panose="02020603050405020304" pitchFamily="18" charset="0"/>
+                            </a:rPr>
+                            <m:t>𝑋</m:t>
+                          </m:r>
+                        </m:den>
+                      </m:f>
+                    </m:oMath>
+                  </m:oMathPara>
+                </a14:m>
+                <a:endParaRPr lang="en-US" dirty="0">
+                  <a:latin typeface="Times New Roman" panose="02020603050405020304" pitchFamily="18" charset="0"/>
+                  <a:cs typeface="Times New Roman" panose="02020603050405020304" pitchFamily="18" charset="0"/>
+                </a:endParaRPr>
+              </a:p>
+            </p:txBody>
+          </p:sp>
+        </mc:Choice>
+        <mc:Fallback xmlns="">
+          <p:sp>
+            <p:nvSpPr>
+              <p:cNvPr id="25" name="Rectangle 24"/>
+              <p:cNvSpPr>
+                <a:spLocks noRot="1" noChangeAspect="1" noMove="1" noResize="1" noEditPoints="1" noAdjustHandles="1" noChangeArrowheads="1" noChangeShapeType="1" noTextEdit="1"/>
+              </p:cNvSpPr>
+              <p:nvPr/>
+            </p:nvSpPr>
+            <p:spPr>
+              <a:xfrm>
+                <a:off x="10419317" y="5293635"/>
+                <a:ext cx="741742" cy="618246"/>
+              </a:xfrm>
+              <a:prstGeom prst="rect">
+                <a:avLst/>
+              </a:prstGeom>
+              <a:blipFill rotWithShape="0">
+                <a:blip r:embed="rId7"/>
+                <a:stretch>
+                  <a:fillRect/>
+                </a:stretch>
+              </a:blipFill>
+            </p:spPr>
+            <p:txBody>
+              <a:bodyPr/>
+              <a:lstStyle/>
+              <a:p>
+                <a:r>
+                  <a:rPr lang="en-US">
+                    <a:noFill/>
+                  </a:rPr>
+                  <a:t> </a:t>
+                </a:r>
+              </a:p>
+            </p:txBody>
+          </p:sp>
+        </mc:Fallback>
+      </mc:AlternateContent>
+      <p:sp>
+        <p:nvSpPr>
+          <p:cNvPr id="26" name="TextBox 25"/>
+          <p:cNvSpPr txBox="1"/>
+          <p:nvPr/>
+        </p:nvSpPr>
+        <p:spPr>
+          <a:xfrm flipH="1">
+            <a:off x="8207502" y="5464929"/>
+            <a:ext cx="603842" cy="369332"/>
+          </a:xfrm>
+          <a:prstGeom prst="rect">
+            <a:avLst/>
+          </a:prstGeom>
+          <a:noFill/>
+        </p:spPr>
+        <p:txBody>
+          <a:bodyPr wrap="square" rtlCol="0">
+            <a:spAutoFit/>
+          </a:bodyPr>
+          <a:lstStyle/>
+          <a:p>
+            <a:r>
+              <a:rPr lang="en-US" dirty="0" smtClean="0"/>
+              <a:t>   E</a:t>
+            </a:r>
+            <a:endParaRPr lang="en-US" dirty="0"/>
+          </a:p>
+        </p:txBody>
+      </p:sp>
+      <p:cxnSp>
+        <p:nvCxnSpPr>
+          <p:cNvPr id="28" name="Straight Arrow Connector 27"/>
+          <p:cNvCxnSpPr>
+            <a:stCxn id="26" idx="1"/>
+          </p:cNvCxnSpPr>
+          <p:nvPr/>
+        </p:nvCxnSpPr>
+        <p:spPr>
+          <a:xfrm>
+            <a:off x="8811344" y="5649595"/>
+            <a:ext cx="1203513" cy="0"/>
+          </a:xfrm>
+          <a:prstGeom prst="straightConnector1">
+            <a:avLst/>
+          </a:prstGeom>
+          <a:ln w="28575">
+            <a:solidFill>
+              <a:schemeClr val="tx1"/>
+            </a:solidFill>
+            <a:tailEnd type="triangle"/>
+          </a:ln>
+        </p:spPr>
+        <p:style>
+          <a:lnRef idx="1">
+            <a:schemeClr val="accent1"/>
+          </a:lnRef>
+          <a:fillRef idx="0">
+            <a:schemeClr val="accent1"/>
+          </a:fillRef>
+          <a:effectRef idx="0">
+            <a:schemeClr val="accent1"/>
+          </a:effectRef>
+          <a:fontRef idx="minor">
+            <a:schemeClr val="tx1"/>
+          </a:fontRef>
+        </p:style>
+      </p:cxnSp>
+      <p:cxnSp>
+        <p:nvCxnSpPr>
+          <p:cNvPr id="32" name="Straight Arrow Connector 31"/>
+          <p:cNvCxnSpPr>
+            <a:stCxn id="26" idx="3"/>
+          </p:cNvCxnSpPr>
+          <p:nvPr/>
+        </p:nvCxnSpPr>
+        <p:spPr>
+          <a:xfrm flipH="1">
+            <a:off x="6966857" y="5649595"/>
+            <a:ext cx="1240645" cy="0"/>
+          </a:xfrm>
+          <a:prstGeom prst="straightConnector1">
+            <a:avLst/>
+          </a:prstGeom>
+          <a:ln w="28575">
+            <a:solidFill>
+              <a:schemeClr val="tx1"/>
+            </a:solidFill>
+            <a:tailEnd type="triangle"/>
+          </a:ln>
+        </p:spPr>
+        <p:style>
+          <a:lnRef idx="1">
+            <a:schemeClr val="accent1"/>
+          </a:lnRef>
+          <a:fillRef idx="0">
+            <a:schemeClr val="accent1"/>
+          </a:fillRef>
+          <a:effectRef idx="0">
+            <a:schemeClr val="accent1"/>
+          </a:effectRef>
+          <a:fontRef idx="minor">
+            <a:schemeClr val="tx1"/>
+          </a:fontRef>
+        </p:style>
+      </p:cxnSp>
+      <p:sp>
+        <p:nvSpPr>
+          <p:cNvPr id="34" name="TextBox 33"/>
+          <p:cNvSpPr txBox="1"/>
+          <p:nvPr/>
+        </p:nvSpPr>
+        <p:spPr>
+          <a:xfrm flipH="1">
+            <a:off x="6875259" y="5258375"/>
+            <a:ext cx="1504773" cy="369332"/>
+          </a:xfrm>
+          <a:prstGeom prst="rect">
+            <a:avLst/>
+          </a:prstGeom>
+          <a:noFill/>
+        </p:spPr>
+        <p:txBody>
+          <a:bodyPr wrap="square" rtlCol="0">
+            <a:spAutoFit/>
+          </a:bodyPr>
+          <a:lstStyle/>
+          <a:p>
+            <a:r>
+              <a:rPr lang="en-US" dirty="0" smtClean="0"/>
+              <a:t>  high energy</a:t>
+            </a:r>
+            <a:endParaRPr lang="en-US" dirty="0"/>
+          </a:p>
+        </p:txBody>
+      </p:sp>
+      <p:sp>
+        <p:nvSpPr>
+          <p:cNvPr id="35" name="TextBox 34"/>
+          <p:cNvSpPr txBox="1"/>
+          <p:nvPr/>
+        </p:nvSpPr>
+        <p:spPr>
+          <a:xfrm flipH="1">
+            <a:off x="8598443" y="5232520"/>
+            <a:ext cx="1504773" cy="369332"/>
+          </a:xfrm>
+          <a:prstGeom prst="rect">
+            <a:avLst/>
+          </a:prstGeom>
+          <a:noFill/>
+        </p:spPr>
+        <p:txBody>
+          <a:bodyPr wrap="square" rtlCol="0">
+            <a:spAutoFit/>
+          </a:bodyPr>
+          <a:lstStyle/>
+          <a:p>
+            <a:r>
+              <a:rPr lang="en-US" dirty="0" smtClean="0"/>
+              <a:t>  low energy</a:t>
+            </a:r>
+            <a:endParaRPr lang="en-US" dirty="0"/>
+          </a:p>
+        </p:txBody>
+      </p:sp>
+      <p:sp>
+        <p:nvSpPr>
+          <p:cNvPr id="36" name="TextBox 35"/>
+          <p:cNvSpPr txBox="1"/>
+          <p:nvPr/>
+        </p:nvSpPr>
+        <p:spPr>
+          <a:xfrm flipH="1">
+            <a:off x="9245169" y="4070146"/>
+            <a:ext cx="2180968" cy="369332"/>
+          </a:xfrm>
+          <a:prstGeom prst="rect">
+            <a:avLst/>
+          </a:prstGeom>
+          <a:noFill/>
+        </p:spPr>
+        <p:txBody>
+          <a:bodyPr wrap="square" rtlCol="0">
+            <a:spAutoFit/>
+          </a:bodyPr>
+          <a:lstStyle/>
+          <a:p>
+            <a:r>
+              <a:rPr lang="en-US" dirty="0" smtClean="0"/>
+              <a:t>  </a:t>
+            </a:r>
+            <a:r>
+              <a:rPr lang="en-US" dirty="0" smtClean="0">
+                <a:solidFill>
+                  <a:srgbClr val="FF0000"/>
+                </a:solidFill>
+              </a:rPr>
+              <a:t>quenching</a:t>
+            </a:r>
+            <a:endParaRPr lang="en-US" dirty="0">
+              <a:solidFill>
+                <a:srgbClr val="FF0000"/>
+              </a:solidFill>
+            </a:endParaRPr>
+          </a:p>
+        </p:txBody>
+      </p:sp>
+      <p:sp>
+        <p:nvSpPr>
+          <p:cNvPr id="37" name="TextBox 36"/>
+          <p:cNvSpPr txBox="1"/>
+          <p:nvPr/>
+        </p:nvSpPr>
+        <p:spPr>
+          <a:xfrm flipH="1">
+            <a:off x="6626855" y="3048518"/>
+            <a:ext cx="2180968" cy="369332"/>
+          </a:xfrm>
+          <a:prstGeom prst="rect">
+            <a:avLst/>
+          </a:prstGeom>
+          <a:noFill/>
+        </p:spPr>
+        <p:txBody>
+          <a:bodyPr wrap="square" rtlCol="0">
+            <a:spAutoFit/>
+          </a:bodyPr>
+          <a:lstStyle/>
+          <a:p>
+            <a:r>
+              <a:rPr lang="en-US" dirty="0" smtClean="0"/>
+              <a:t>  </a:t>
+            </a:r>
+            <a:r>
+              <a:rPr lang="en-US" dirty="0" smtClean="0">
+                <a:solidFill>
+                  <a:srgbClr val="FF0000"/>
+                </a:solidFill>
+              </a:rPr>
+              <a:t>more or less linear</a:t>
+            </a:r>
+            <a:endParaRPr lang="en-US" dirty="0">
+              <a:solidFill>
+                <a:srgbClr val="FF0000"/>
+              </a:solidFill>
+            </a:endParaRPr>
+          </a:p>
+        </p:txBody>
+      </p:sp>
+      <p:sp>
+        <p:nvSpPr>
+          <p:cNvPr id="38" name="TextBox 37"/>
+          <p:cNvSpPr txBox="1"/>
+          <p:nvPr/>
+        </p:nvSpPr>
+        <p:spPr>
+          <a:xfrm flipH="1">
+            <a:off x="8922388" y="3005417"/>
+            <a:ext cx="2180968" cy="369332"/>
+          </a:xfrm>
+          <a:prstGeom prst="rect">
+            <a:avLst/>
+          </a:prstGeom>
+          <a:noFill/>
+        </p:spPr>
+        <p:txBody>
+          <a:bodyPr wrap="square" rtlCol="0">
+            <a:spAutoFit/>
+          </a:bodyPr>
+          <a:lstStyle/>
+          <a:p>
+            <a:r>
+              <a:rPr lang="en-US" dirty="0" smtClean="0"/>
+              <a:t>  </a:t>
+            </a:r>
+            <a:r>
+              <a:rPr lang="en-US" dirty="0" smtClean="0">
+                <a:solidFill>
+                  <a:srgbClr val="00B050"/>
+                </a:solidFill>
+              </a:rPr>
+              <a:t>more or less linear</a:t>
+            </a:r>
+            <a:endParaRPr lang="en-US" dirty="0">
+              <a:solidFill>
+                <a:srgbClr val="00B050"/>
+              </a:solidFill>
+            </a:endParaRPr>
+          </a:p>
+        </p:txBody>
+      </p:sp>
+      <p:sp>
+        <p:nvSpPr>
+          <p:cNvPr id="39" name="TextBox 38"/>
+          <p:cNvSpPr txBox="1"/>
+          <p:nvPr/>
+        </p:nvSpPr>
+        <p:spPr>
+          <a:xfrm flipH="1">
+            <a:off x="6714661" y="4211873"/>
+            <a:ext cx="2180968" cy="369332"/>
+          </a:xfrm>
+          <a:prstGeom prst="rect">
+            <a:avLst/>
+          </a:prstGeom>
+          <a:noFill/>
+        </p:spPr>
+        <p:txBody>
+          <a:bodyPr wrap="square" rtlCol="0">
+            <a:spAutoFit/>
+          </a:bodyPr>
+          <a:lstStyle/>
+          <a:p>
+            <a:r>
+              <a:rPr lang="en-US" dirty="0" smtClean="0">
+                <a:solidFill>
+                  <a:srgbClr val="00B050"/>
+                </a:solidFill>
+              </a:rPr>
+              <a:t>  saturation</a:t>
+            </a:r>
+            <a:endParaRPr lang="en-US" dirty="0">
+              <a:solidFill>
+                <a:srgbClr val="00B050"/>
+              </a:solidFill>
+            </a:endParaRPr>
+          </a:p>
+        </p:txBody>
+      </p:sp>
+    </p:spTree>
+    <p:extLst>
+      <p:ext uri="{BB962C8B-B14F-4D97-AF65-F5344CB8AC3E}">
+        <p14:creationId xmlns:p14="http://schemas.microsoft.com/office/powerpoint/2010/main" val="1244160706"/>
+      </p:ext>
+    </p:extLst>
+  </p:cSld>
+  <p:clrMapOvr>
+    <a:masterClrMapping/>
+  </p:clrMapOvr>
+</p:sld>
+</file>
+
+<file path=ppt/slides/slide43.xml><?xml version="1.0" encoding="utf-8"?>
+<p:sld xmlns:a="http://schemas.openxmlformats.org/drawingml/2006/main" xmlns:r="http://schemas.openxmlformats.org/officeDocument/2006/relationships" xmlns:p="http://schemas.openxmlformats.org/presentationml/2006/main">
+  <p:cSld>
+    <p:spTree>
+      <p:nvGrpSpPr>
+        <p:cNvPr id="1" name=""/>
+        <p:cNvGrpSpPr/>
+        <p:nvPr/>
+      </p:nvGrpSpPr>
+      <p:grpSpPr>
+        <a:xfrm>
+          <a:off x="0" y="0"/>
+          <a:ext cx="0" cy="0"/>
+          <a:chOff x="0" y="0"/>
+          <a:chExt cx="0" cy="0"/>
+        </a:xfrm>
+      </p:grpSpPr>
+      <p:sp>
+        <p:nvSpPr>
+          <p:cNvPr id="3" name="TextBox 2"/>
+          <p:cNvSpPr txBox="1"/>
+          <p:nvPr/>
+        </p:nvSpPr>
+        <p:spPr>
+          <a:xfrm>
+            <a:off x="152399" y="204806"/>
+            <a:ext cx="4329954" cy="461665"/>
+          </a:xfrm>
+          <a:prstGeom prst="rect">
+            <a:avLst/>
+          </a:prstGeom>
+          <a:noFill/>
+        </p:spPr>
+        <p:txBody>
+          <a:bodyPr wrap="square" rtlCol="0">
+            <a:spAutoFit/>
+          </a:bodyPr>
+          <a:lstStyle/>
+          <a:p>
+            <a:r>
+              <a:rPr lang="en-US" sz="2400" b="1" u="sng" dirty="0" smtClean="0">
+                <a:latin typeface="Times New Roman" panose="02020603050405020304" pitchFamily="18" charset="0"/>
+                <a:cs typeface="Times New Roman" panose="02020603050405020304" pitchFamily="18" charset="0"/>
+              </a:rPr>
+              <a:t>Light efficiency curves </a:t>
+            </a:r>
+            <a:endParaRPr lang="en-US" sz="2400" b="1" u="sng" dirty="0">
+              <a:latin typeface="Times New Roman" panose="02020603050405020304" pitchFamily="18" charset="0"/>
+              <a:cs typeface="Times New Roman" panose="02020603050405020304" pitchFamily="18" charset="0"/>
+            </a:endParaRPr>
+          </a:p>
+        </p:txBody>
+      </p:sp>
+      <p:sp>
+        <p:nvSpPr>
+          <p:cNvPr id="5" name="TextBox 4"/>
+          <p:cNvSpPr txBox="1"/>
+          <p:nvPr/>
+        </p:nvSpPr>
+        <p:spPr>
+          <a:xfrm>
+            <a:off x="251012" y="1266635"/>
+            <a:ext cx="5396771" cy="1477328"/>
+          </a:xfrm>
+          <a:prstGeom prst="rect">
+            <a:avLst/>
+          </a:prstGeom>
+          <a:noFill/>
+        </p:spPr>
+        <p:txBody>
+          <a:bodyPr wrap="square" rtlCol="0">
+            <a:spAutoFit/>
+          </a:bodyPr>
+          <a:lstStyle/>
+          <a:p>
+            <a:r>
+              <a:rPr lang="en-US" dirty="0" smtClean="0">
+                <a:latin typeface="Times New Roman" panose="02020603050405020304" pitchFamily="18" charset="0"/>
+                <a:cs typeface="Times New Roman" panose="02020603050405020304" pitchFamily="18" charset="0"/>
+              </a:rPr>
+              <a:t>● Obvious saturation effect for Z=1 in the whole</a:t>
+            </a:r>
+          </a:p>
+          <a:p>
+            <a:r>
+              <a:rPr lang="en-US" b="0" i="1" dirty="0">
+                <a:latin typeface="Times New Roman" panose="02020603050405020304" pitchFamily="18" charset="0"/>
+                <a:cs typeface="Times New Roman" panose="02020603050405020304" pitchFamily="18" charset="0"/>
+              </a:rPr>
+              <a:t> </a:t>
+            </a:r>
+            <a:r>
+              <a:rPr lang="en-US" b="0" i="1" dirty="0" smtClean="0">
+                <a:latin typeface="Times New Roman" panose="02020603050405020304" pitchFamily="18" charset="0"/>
+                <a:cs typeface="Times New Roman" panose="02020603050405020304" pitchFamily="18" charset="0"/>
+              </a:rPr>
+              <a:t>   energy region</a:t>
+            </a:r>
+            <a:endParaRPr lang="en-US" b="0" i="1" dirty="0" smtClean="0">
+              <a:latin typeface="Cambria Math" panose="02040503050406030204" pitchFamily="18" charset="0"/>
+              <a:cs typeface="Times New Roman" panose="02020603050405020304" pitchFamily="18" charset="0"/>
+            </a:endParaRPr>
+          </a:p>
+          <a:p>
+            <a:endParaRPr lang="en-US" b="0" i="1" dirty="0" smtClean="0">
+              <a:latin typeface="Cambria Math" panose="02040503050406030204" pitchFamily="18" charset="0"/>
+              <a:cs typeface="Times New Roman" panose="02020603050405020304" pitchFamily="18" charset="0"/>
+            </a:endParaRPr>
+          </a:p>
+          <a:p>
+            <a:pPr algn="ctr"/>
+            <a:endParaRPr lang="en-US" dirty="0">
+              <a:latin typeface="Times New Roman" panose="02020603050405020304" pitchFamily="18" charset="0"/>
+              <a:ea typeface="Cambria Math" panose="02040503050406030204" pitchFamily="18" charset="0"/>
+              <a:cs typeface="Times New Roman" panose="02020603050405020304" pitchFamily="18" charset="0"/>
+            </a:endParaRPr>
+          </a:p>
+          <a:p>
+            <a:endParaRPr lang="en-US" dirty="0">
+              <a:latin typeface="Times New Roman" panose="02020603050405020304" pitchFamily="18" charset="0"/>
+              <a:cs typeface="Times New Roman" panose="02020603050405020304" pitchFamily="18" charset="0"/>
+            </a:endParaRPr>
+          </a:p>
+        </p:txBody>
+      </p:sp>
+      <p:sp>
+        <p:nvSpPr>
+          <p:cNvPr id="6" name="TextBox 5"/>
+          <p:cNvSpPr txBox="1"/>
+          <p:nvPr/>
+        </p:nvSpPr>
+        <p:spPr>
+          <a:xfrm>
+            <a:off x="251012" y="2005299"/>
+            <a:ext cx="6840071" cy="1200329"/>
+          </a:xfrm>
+          <a:prstGeom prst="rect">
+            <a:avLst/>
+          </a:prstGeom>
+          <a:noFill/>
+        </p:spPr>
+        <p:txBody>
+          <a:bodyPr wrap="square" rtlCol="0">
+            <a:spAutoFit/>
+          </a:bodyPr>
+          <a:lstStyle/>
+          <a:p>
+            <a:r>
+              <a:rPr lang="en-US" dirty="0" smtClean="0">
+                <a:latin typeface="Times New Roman" panose="02020603050405020304" pitchFamily="18" charset="0"/>
+                <a:cs typeface="Times New Roman" panose="02020603050405020304" pitchFamily="18" charset="0"/>
+              </a:rPr>
+              <a:t>● Saturation effect as well as quenching effect for </a:t>
+            </a:r>
+            <a:r>
+              <a:rPr lang="en-US" b="0" i="1" dirty="0" smtClean="0">
+                <a:latin typeface="Times New Roman" panose="02020603050405020304" pitchFamily="18" charset="0"/>
+                <a:cs typeface="Times New Roman" panose="02020603050405020304" pitchFamily="18" charset="0"/>
+              </a:rPr>
+              <a:t>Z=2</a:t>
+            </a:r>
+            <a:endParaRPr lang="en-US" b="0" i="1" dirty="0" smtClean="0">
+              <a:latin typeface="Cambria Math" panose="02040503050406030204" pitchFamily="18" charset="0"/>
+              <a:cs typeface="Times New Roman" panose="02020603050405020304" pitchFamily="18" charset="0"/>
+            </a:endParaRPr>
+          </a:p>
+          <a:p>
+            <a:endParaRPr lang="en-US" b="0" i="1" dirty="0" smtClean="0">
+              <a:latin typeface="Cambria Math" panose="02040503050406030204" pitchFamily="18" charset="0"/>
+              <a:cs typeface="Times New Roman" panose="02020603050405020304" pitchFamily="18" charset="0"/>
+            </a:endParaRPr>
+          </a:p>
+          <a:p>
+            <a:pPr algn="ctr"/>
+            <a:endParaRPr lang="en-US" dirty="0">
+              <a:latin typeface="Times New Roman" panose="02020603050405020304" pitchFamily="18" charset="0"/>
+              <a:ea typeface="Cambria Math" panose="02040503050406030204" pitchFamily="18" charset="0"/>
+              <a:cs typeface="Times New Roman" panose="02020603050405020304" pitchFamily="18" charset="0"/>
+            </a:endParaRPr>
+          </a:p>
+          <a:p>
+            <a:endParaRPr lang="en-US" dirty="0">
+              <a:latin typeface="Times New Roman" panose="02020603050405020304" pitchFamily="18" charset="0"/>
+              <a:cs typeface="Times New Roman" panose="02020603050405020304" pitchFamily="18" charset="0"/>
+            </a:endParaRPr>
+          </a:p>
+        </p:txBody>
+      </p:sp>
+      <p:sp>
+        <p:nvSpPr>
+          <p:cNvPr id="7" name="TextBox 6"/>
+          <p:cNvSpPr txBox="1"/>
+          <p:nvPr/>
+        </p:nvSpPr>
+        <p:spPr>
+          <a:xfrm>
+            <a:off x="251012" y="2743963"/>
+            <a:ext cx="6840071" cy="1200329"/>
+          </a:xfrm>
+          <a:prstGeom prst="rect">
+            <a:avLst/>
+          </a:prstGeom>
+          <a:noFill/>
+        </p:spPr>
+        <p:txBody>
+          <a:bodyPr wrap="square" rtlCol="0">
+            <a:spAutoFit/>
+          </a:bodyPr>
+          <a:lstStyle/>
+          <a:p>
+            <a:r>
+              <a:rPr lang="en-US" dirty="0" smtClean="0">
+                <a:latin typeface="Times New Roman" panose="02020603050405020304" pitchFamily="18" charset="0"/>
+                <a:cs typeface="Times New Roman" panose="02020603050405020304" pitchFamily="18" charset="0"/>
+              </a:rPr>
+              <a:t>● Obvious quenching effect and a little bit saturation</a:t>
+            </a:r>
+          </a:p>
+          <a:p>
+            <a:r>
+              <a:rPr lang="en-US" b="0" i="1" dirty="0">
+                <a:latin typeface="Times New Roman" panose="02020603050405020304" pitchFamily="18" charset="0"/>
+                <a:cs typeface="Times New Roman" panose="02020603050405020304" pitchFamily="18" charset="0"/>
+              </a:rPr>
+              <a:t> </a:t>
+            </a:r>
+            <a:r>
+              <a:rPr lang="en-US" b="0" i="1" dirty="0" smtClean="0">
+                <a:latin typeface="Times New Roman" panose="02020603050405020304" pitchFamily="18" charset="0"/>
+                <a:cs typeface="Times New Roman" panose="02020603050405020304" pitchFamily="18" charset="0"/>
+              </a:rPr>
+              <a:t>   effect at high energy for Z=3</a:t>
+            </a:r>
+            <a:endParaRPr lang="en-US" b="0" i="1" dirty="0" smtClean="0">
+              <a:latin typeface="Cambria Math" panose="02040503050406030204" pitchFamily="18" charset="0"/>
+              <a:cs typeface="Times New Roman" panose="02020603050405020304" pitchFamily="18" charset="0"/>
+            </a:endParaRPr>
+          </a:p>
+          <a:p>
+            <a:pPr algn="ctr"/>
+            <a:endParaRPr lang="en-US" dirty="0">
+              <a:latin typeface="Times New Roman" panose="02020603050405020304" pitchFamily="18" charset="0"/>
+              <a:ea typeface="Cambria Math" panose="02040503050406030204" pitchFamily="18" charset="0"/>
+              <a:cs typeface="Times New Roman" panose="02020603050405020304" pitchFamily="18" charset="0"/>
+            </a:endParaRPr>
+          </a:p>
+          <a:p>
+            <a:endParaRPr lang="en-US" dirty="0">
+              <a:latin typeface="Times New Roman" panose="02020603050405020304" pitchFamily="18" charset="0"/>
+              <a:cs typeface="Times New Roman" panose="02020603050405020304" pitchFamily="18" charset="0"/>
+            </a:endParaRPr>
+          </a:p>
+        </p:txBody>
+      </p:sp>
+      <p:sp>
+        <p:nvSpPr>
+          <p:cNvPr id="8" name="TextBox 7"/>
+          <p:cNvSpPr txBox="1"/>
+          <p:nvPr/>
+        </p:nvSpPr>
+        <p:spPr>
+          <a:xfrm>
+            <a:off x="251012" y="3586645"/>
+            <a:ext cx="6840071" cy="923330"/>
+          </a:xfrm>
+          <a:prstGeom prst="rect">
+            <a:avLst/>
+          </a:prstGeom>
+          <a:noFill/>
+        </p:spPr>
+        <p:txBody>
+          <a:bodyPr wrap="square" rtlCol="0">
+            <a:spAutoFit/>
+          </a:bodyPr>
+          <a:lstStyle/>
+          <a:p>
+            <a:r>
+              <a:rPr lang="en-US" dirty="0" smtClean="0">
+                <a:latin typeface="Times New Roman" panose="02020603050405020304" pitchFamily="18" charset="0"/>
+                <a:cs typeface="Times New Roman" panose="02020603050405020304" pitchFamily="18" charset="0"/>
+              </a:rPr>
+              <a:t>● Completely quenching effect for Z&gt;3</a:t>
+            </a:r>
+            <a:endParaRPr lang="en-US" b="0" i="1" dirty="0" smtClean="0">
+              <a:latin typeface="Cambria Math" panose="02040503050406030204" pitchFamily="18" charset="0"/>
+              <a:cs typeface="Times New Roman" panose="02020603050405020304" pitchFamily="18" charset="0"/>
+            </a:endParaRPr>
+          </a:p>
+          <a:p>
+            <a:pPr algn="ctr"/>
+            <a:endParaRPr lang="en-US" dirty="0">
+              <a:latin typeface="Times New Roman" panose="02020603050405020304" pitchFamily="18" charset="0"/>
+              <a:ea typeface="Cambria Math" panose="02040503050406030204" pitchFamily="18" charset="0"/>
+              <a:cs typeface="Times New Roman" panose="02020603050405020304" pitchFamily="18" charset="0"/>
+            </a:endParaRPr>
+          </a:p>
+          <a:p>
+            <a:endParaRPr lang="en-US" dirty="0">
+              <a:latin typeface="Times New Roman" panose="02020603050405020304" pitchFamily="18" charset="0"/>
+              <a:cs typeface="Times New Roman" panose="02020603050405020304" pitchFamily="18" charset="0"/>
+            </a:endParaRPr>
+          </a:p>
+        </p:txBody>
+      </p:sp>
+      <p:pic>
+        <p:nvPicPr>
+          <p:cNvPr id="9" name="Picture 8"/>
+          <p:cNvPicPr>
+            <a:picLocks noChangeAspect="1"/>
+          </p:cNvPicPr>
+          <p:nvPr/>
+        </p:nvPicPr>
+        <p:blipFill>
+          <a:blip r:embed="rId2"/>
+          <a:stretch>
+            <a:fillRect/>
+          </a:stretch>
+        </p:blipFill>
+        <p:spPr>
+          <a:xfrm>
+            <a:off x="7610544" y="4334213"/>
+            <a:ext cx="3235496" cy="2478937"/>
+          </a:xfrm>
+          <a:prstGeom prst="rect">
+            <a:avLst/>
+          </a:prstGeom>
+        </p:spPr>
+      </p:pic>
+      <p:sp>
+        <p:nvSpPr>
+          <p:cNvPr id="10" name="TextBox 9"/>
+          <p:cNvSpPr txBox="1"/>
+          <p:nvPr/>
+        </p:nvSpPr>
+        <p:spPr>
+          <a:xfrm>
+            <a:off x="7440705" y="5984306"/>
+            <a:ext cx="4338918" cy="369332"/>
+          </a:xfrm>
+          <a:prstGeom prst="rect">
+            <a:avLst/>
+          </a:prstGeom>
+          <a:noFill/>
+        </p:spPr>
+        <p:txBody>
+          <a:bodyPr wrap="square" rtlCol="0">
+            <a:spAutoFit/>
+          </a:bodyPr>
+          <a:lstStyle/>
+          <a:p>
+            <a:r>
+              <a:rPr lang="en-US" dirty="0" smtClean="0">
+                <a:solidFill>
+                  <a:srgbClr val="C00000"/>
+                </a:solidFill>
+              </a:rPr>
+              <a:t>C.J.W. </a:t>
+            </a:r>
+            <a:r>
+              <a:rPr lang="en-US" dirty="0" err="1" smtClean="0">
+                <a:solidFill>
+                  <a:srgbClr val="C00000"/>
+                </a:solidFill>
+              </a:rPr>
+              <a:t>Twenhofel</a:t>
+            </a:r>
+            <a:r>
+              <a:rPr lang="en-US" dirty="0" smtClean="0">
+                <a:solidFill>
+                  <a:srgbClr val="C00000"/>
+                </a:solidFill>
+              </a:rPr>
+              <a:t> et al., NIM B 51(1990) 58</a:t>
+            </a:r>
+            <a:endParaRPr lang="en-US" dirty="0">
+              <a:solidFill>
+                <a:srgbClr val="C00000"/>
+              </a:solidFill>
+            </a:endParaRPr>
+          </a:p>
+        </p:txBody>
+      </p:sp>
+      <p:pic>
+        <p:nvPicPr>
+          <p:cNvPr id="2" name="Picture 1"/>
+          <p:cNvPicPr>
+            <a:picLocks noChangeAspect="1"/>
+          </p:cNvPicPr>
+          <p:nvPr/>
+        </p:nvPicPr>
+        <p:blipFill>
+          <a:blip r:embed="rId3">
+            <a:extLst>
+              <a:ext uri="{28A0092B-C50C-407E-A947-70E740481C1C}">
+                <a14:useLocalDpi xmlns:a14="http://schemas.microsoft.com/office/drawing/2010/main" val="0"/>
+              </a:ext>
+            </a:extLst>
+          </a:blip>
+          <a:stretch>
+            <a:fillRect/>
+          </a:stretch>
+        </p:blipFill>
+        <p:spPr>
+          <a:xfrm>
+            <a:off x="7028329" y="233934"/>
+            <a:ext cx="4661086" cy="3352711"/>
+          </a:xfrm>
+          <a:prstGeom prst="rect">
+            <a:avLst/>
+          </a:prstGeom>
+        </p:spPr>
+      </p:pic>
+    </p:spTree>
+    <p:extLst>
+      <p:ext uri="{BB962C8B-B14F-4D97-AF65-F5344CB8AC3E}">
+        <p14:creationId xmlns:p14="http://schemas.microsoft.com/office/powerpoint/2010/main" val="1602597848"/>
+      </p:ext>
+    </p:extLst>
+  </p:cSld>
+  <p:clrMapOvr>
+    <a:masterClrMapping/>
+  </p:clrMapOvr>
+</p:sld>
+</file>
+
+<file path=ppt/slides/slide44.xml><?xml version="1.0" encoding="utf-8"?>
+<p:sld xmlns:a="http://schemas.openxmlformats.org/drawingml/2006/main" xmlns:r="http://schemas.openxmlformats.org/officeDocument/2006/relationships" xmlns:p="http://schemas.openxmlformats.org/presentationml/2006/main">
+  <p:cSld>
+    <p:spTree>
+      <p:nvGrpSpPr>
+        <p:cNvPr id="1" name=""/>
+        <p:cNvGrpSpPr/>
+        <p:nvPr/>
+      </p:nvGrpSpPr>
+      <p:grpSpPr>
+        <a:xfrm>
+          <a:off x="0" y="0"/>
+          <a:ext cx="0" cy="0"/>
+          <a:chOff x="0" y="0"/>
+          <a:chExt cx="0" cy="0"/>
+        </a:xfrm>
+      </p:grpSpPr>
+      <p:sp>
+        <p:nvSpPr>
+          <p:cNvPr id="2" name="TextBox 1"/>
+          <p:cNvSpPr txBox="1"/>
+          <p:nvPr/>
+        </p:nvSpPr>
+        <p:spPr>
+          <a:xfrm>
+            <a:off x="126748" y="280657"/>
+            <a:ext cx="4481465" cy="646331"/>
+          </a:xfrm>
+          <a:prstGeom prst="rect">
+            <a:avLst/>
+          </a:prstGeom>
+          <a:noFill/>
+        </p:spPr>
+        <p:txBody>
+          <a:bodyPr wrap="square" rtlCol="0">
+            <a:spAutoFit/>
+          </a:bodyPr>
+          <a:lstStyle/>
+          <a:p>
+            <a:r>
+              <a:rPr lang="en-US" b="1" dirty="0" smtClean="0"/>
+              <a:t>● Useful references</a:t>
+            </a:r>
+          </a:p>
+          <a:p>
+            <a:endParaRPr lang="en-US" dirty="0"/>
+          </a:p>
+        </p:txBody>
+      </p:sp>
+      <p:sp>
+        <p:nvSpPr>
+          <p:cNvPr id="5" name="TextBox 4"/>
+          <p:cNvSpPr txBox="1"/>
+          <p:nvPr/>
+        </p:nvSpPr>
+        <p:spPr>
+          <a:xfrm>
+            <a:off x="312996" y="926988"/>
+            <a:ext cx="4738861" cy="369332"/>
+          </a:xfrm>
+          <a:prstGeom prst="rect">
+            <a:avLst/>
+          </a:prstGeom>
+          <a:noFill/>
+        </p:spPr>
+        <p:txBody>
+          <a:bodyPr wrap="none" rtlCol="0">
+            <a:spAutoFit/>
+          </a:bodyPr>
+          <a:lstStyle/>
+          <a:p>
+            <a:r>
+              <a:rPr lang="en-US" dirty="0" smtClean="0"/>
+              <a:t>D. Horn et al.,</a:t>
+            </a:r>
+            <a:r>
+              <a:rPr lang="en-US" dirty="0"/>
+              <a:t> </a:t>
+            </a:r>
+            <a:r>
+              <a:rPr lang="en-US" dirty="0" err="1" smtClean="0"/>
+              <a:t>Nucl</a:t>
+            </a:r>
+            <a:r>
+              <a:rPr lang="en-US" dirty="0" smtClean="0"/>
+              <a:t>. Instr. Meth A 320 (1992) 273</a:t>
+            </a:r>
+            <a:endParaRPr lang="en-US" dirty="0"/>
+          </a:p>
+        </p:txBody>
+      </p:sp>
+      <p:sp>
+        <p:nvSpPr>
+          <p:cNvPr id="6" name="TextBox 5"/>
+          <p:cNvSpPr txBox="1"/>
+          <p:nvPr/>
+        </p:nvSpPr>
+        <p:spPr>
+          <a:xfrm>
+            <a:off x="312996" y="1573319"/>
+            <a:ext cx="5172250" cy="369332"/>
+          </a:xfrm>
+          <a:prstGeom prst="rect">
+            <a:avLst/>
+          </a:prstGeom>
+          <a:noFill/>
+        </p:spPr>
+        <p:txBody>
+          <a:bodyPr wrap="none" rtlCol="0">
+            <a:spAutoFit/>
+          </a:bodyPr>
+          <a:lstStyle/>
+          <a:p>
+            <a:r>
+              <a:rPr lang="en-US" dirty="0" smtClean="0"/>
+              <a:t>N. Colonna et al., </a:t>
+            </a:r>
+            <a:r>
+              <a:rPr lang="en-US" dirty="0" err="1" smtClean="0"/>
+              <a:t>Nucl</a:t>
+            </a:r>
+            <a:r>
+              <a:rPr lang="en-US" dirty="0" smtClean="0"/>
+              <a:t>. Instr. Meth. A 321 (1992) 529</a:t>
+            </a:r>
+            <a:endParaRPr lang="en-US" dirty="0"/>
+          </a:p>
+        </p:txBody>
+      </p:sp>
+      <p:sp>
+        <p:nvSpPr>
+          <p:cNvPr id="7" name="TextBox 6"/>
+          <p:cNvSpPr txBox="1"/>
+          <p:nvPr/>
+        </p:nvSpPr>
+        <p:spPr>
+          <a:xfrm>
+            <a:off x="312996" y="2149313"/>
+            <a:ext cx="5356595" cy="369332"/>
+          </a:xfrm>
+          <a:prstGeom prst="rect">
+            <a:avLst/>
+          </a:prstGeom>
+          <a:noFill/>
+        </p:spPr>
+        <p:txBody>
+          <a:bodyPr wrap="none" rtlCol="0">
+            <a:spAutoFit/>
+          </a:bodyPr>
+          <a:lstStyle/>
+          <a:p>
+            <a:r>
+              <a:rPr lang="en-US" dirty="0" smtClean="0"/>
+              <a:t>Y. </a:t>
+            </a:r>
+            <a:r>
+              <a:rPr lang="en-US" dirty="0" err="1" smtClean="0"/>
+              <a:t>Larochelle</a:t>
+            </a:r>
+            <a:r>
+              <a:rPr lang="en-US" dirty="0" smtClean="0"/>
+              <a:t> et al.,</a:t>
+            </a:r>
+            <a:r>
+              <a:rPr lang="en-US" dirty="0"/>
+              <a:t> </a:t>
+            </a:r>
+            <a:r>
+              <a:rPr lang="en-US" dirty="0" err="1" smtClean="0"/>
+              <a:t>Nucl</a:t>
+            </a:r>
+            <a:r>
+              <a:rPr lang="en-US" dirty="0" smtClean="0"/>
+              <a:t>. Instr. Meth. A 348 (1994) 167</a:t>
+            </a:r>
+            <a:endParaRPr lang="en-US" dirty="0"/>
+          </a:p>
+        </p:txBody>
+      </p:sp>
+      <p:sp>
+        <p:nvSpPr>
+          <p:cNvPr id="8" name="Rectangle 7"/>
+          <p:cNvSpPr/>
+          <p:nvPr/>
+        </p:nvSpPr>
+        <p:spPr>
+          <a:xfrm>
+            <a:off x="312996" y="2725307"/>
+            <a:ext cx="5013552" cy="369332"/>
+          </a:xfrm>
+          <a:prstGeom prst="rect">
+            <a:avLst/>
+          </a:prstGeom>
+        </p:spPr>
+        <p:txBody>
+          <a:bodyPr wrap="none">
+            <a:spAutoFit/>
+          </a:bodyPr>
+          <a:lstStyle/>
+          <a:p>
+            <a:r>
+              <a:rPr lang="en-US" dirty="0" smtClean="0"/>
+              <a:t>S. Aiello et al., </a:t>
+            </a:r>
+            <a:r>
+              <a:rPr lang="en-US" dirty="0" err="1" smtClean="0"/>
+              <a:t>Nucl</a:t>
+            </a:r>
+            <a:r>
+              <a:rPr lang="en-US" dirty="0" smtClean="0"/>
+              <a:t>. Instr. Meth. A 369 (1996) 50-54</a:t>
+            </a:r>
+            <a:endParaRPr lang="en-US" dirty="0"/>
+          </a:p>
+        </p:txBody>
+      </p:sp>
+      <p:sp>
+        <p:nvSpPr>
+          <p:cNvPr id="9" name="Rectangle 8"/>
+          <p:cNvSpPr/>
+          <p:nvPr/>
+        </p:nvSpPr>
+        <p:spPr>
+          <a:xfrm>
+            <a:off x="312996" y="3282059"/>
+            <a:ext cx="4679166" cy="369332"/>
+          </a:xfrm>
+          <a:prstGeom prst="rect">
+            <a:avLst/>
+          </a:prstGeom>
+        </p:spPr>
+        <p:txBody>
+          <a:bodyPr wrap="none">
+            <a:spAutoFit/>
+          </a:bodyPr>
+          <a:lstStyle/>
+          <a:p>
+            <a:r>
+              <a:rPr lang="en-US" dirty="0" smtClean="0"/>
+              <a:t>G. </a:t>
+            </a:r>
+            <a:r>
+              <a:rPr lang="en-US" dirty="0" err="1" smtClean="0"/>
+              <a:t>Viesti</a:t>
+            </a:r>
+            <a:r>
+              <a:rPr lang="en-US" dirty="0" smtClean="0"/>
+              <a:t> et al.,</a:t>
+            </a:r>
+            <a:r>
+              <a:rPr lang="en-US" dirty="0"/>
+              <a:t> </a:t>
+            </a:r>
+            <a:r>
+              <a:rPr lang="en-US" dirty="0" err="1" smtClean="0"/>
+              <a:t>Nucl</a:t>
+            </a:r>
+            <a:r>
+              <a:rPr lang="en-US" dirty="0" smtClean="0"/>
+              <a:t>. Instr. Meth A 252 (1986) 75</a:t>
+            </a:r>
+            <a:endParaRPr lang="en-US" dirty="0"/>
+          </a:p>
+        </p:txBody>
+      </p:sp>
+      <p:sp>
+        <p:nvSpPr>
+          <p:cNvPr id="10" name="Rectangle 9"/>
+          <p:cNvSpPr/>
+          <p:nvPr/>
+        </p:nvSpPr>
+        <p:spPr>
+          <a:xfrm>
+            <a:off x="301113" y="3838811"/>
+            <a:ext cx="5349413" cy="369332"/>
+          </a:xfrm>
+          <a:prstGeom prst="rect">
+            <a:avLst/>
+          </a:prstGeom>
+        </p:spPr>
+        <p:txBody>
+          <a:bodyPr wrap="none">
+            <a:spAutoFit/>
+          </a:bodyPr>
+          <a:lstStyle/>
+          <a:p>
+            <a:r>
+              <a:rPr lang="en-US" dirty="0" smtClean="0"/>
+              <a:t>C.J.W. </a:t>
+            </a:r>
+            <a:r>
+              <a:rPr lang="en-US" dirty="0" err="1" smtClean="0"/>
+              <a:t>Twenhofel</a:t>
+            </a:r>
+            <a:r>
+              <a:rPr lang="en-US" dirty="0" smtClean="0"/>
+              <a:t> et al., </a:t>
+            </a:r>
+            <a:r>
+              <a:rPr lang="en-US" dirty="0" err="1" smtClean="0"/>
+              <a:t>Nucl</a:t>
+            </a:r>
+            <a:r>
+              <a:rPr lang="en-US" dirty="0" smtClean="0"/>
+              <a:t>. Instr. Meth B 51 (1990) 58</a:t>
+            </a:r>
+            <a:endParaRPr lang="en-US" dirty="0"/>
+          </a:p>
+        </p:txBody>
+      </p:sp>
+    </p:spTree>
+    <p:extLst>
+      <p:ext uri="{BB962C8B-B14F-4D97-AF65-F5344CB8AC3E}">
+        <p14:creationId xmlns:p14="http://schemas.microsoft.com/office/powerpoint/2010/main" val="3036015810"/>
+      </p:ext>
+    </p:extLst>
+  </p:cSld>
+  <p:clrMapOvr>
+    <a:masterClrMapping/>
+  </p:clrMapOvr>
+</p:sld>
+</file>
+
+<file path=ppt/slides/slide45.xml><?xml version="1.0" encoding="utf-8"?>
 <p:sld xmlns:a="http://schemas.openxmlformats.org/drawingml/2006/main" xmlns:r="http://schemas.openxmlformats.org/officeDocument/2006/relationships" xmlns:p="http://schemas.openxmlformats.org/presentationml/2006/main">
   <p:cSld>
     <p:spTree>
@@ -18614,7 +23759,7 @@
 </p:sld>
 </file>
 
-<file path=ppt/slides/slide43.xml><?xml version="1.0" encoding="utf-8"?>
+<file path=ppt/slides/slide46.xml><?xml version="1.0" encoding="utf-8"?>
 <p:sld xmlns:a="http://schemas.openxmlformats.org/drawingml/2006/main" xmlns:r="http://schemas.openxmlformats.org/officeDocument/2006/relationships" xmlns:p="http://schemas.openxmlformats.org/presentationml/2006/main">
   <p:cSld>
     <p:spTree>
@@ -18631,36 +23776,6 @@
           <a:chExt cx="0" cy="0"/>
         </a:xfrm>
       </p:grpSpPr>
-    </p:spTree>
-    <p:extLst>
-      <p:ext uri="{BB962C8B-B14F-4D97-AF65-F5344CB8AC3E}">
-        <p14:creationId xmlns:p14="http://schemas.microsoft.com/office/powerpoint/2010/main" val="3342750008"/>
-      </p:ext>
-    </p:extLst>
-  </p:cSld>
-  <p:clrMapOvr>
-    <a:masterClrMapping/>
-  </p:clrMapOvr>
-</p:sld>
-</file>
-
-<file path=ppt/slides/slide44.xml><?xml version="1.0" encoding="utf-8"?>
-<p:sld xmlns:a="http://schemas.openxmlformats.org/drawingml/2006/main" xmlns:r="http://schemas.openxmlformats.org/officeDocument/2006/relationships" xmlns:p="http://schemas.openxmlformats.org/presentationml/2006/main">
-  <p:cSld>
-    <p:spTree>
-      <p:nvGrpSpPr>
-        <p:cNvPr id="1" name=""/>
-        <p:cNvGrpSpPr/>
-        <p:nvPr/>
-      </p:nvGrpSpPr>
-      <p:grpSpPr>
-        <a:xfrm>
-          <a:off x="0" y="0"/>
-          <a:ext cx="0" cy="0"/>
-          <a:chOff x="0" y="0"/>
-          <a:chExt cx="0" cy="0"/>
-        </a:xfrm>
-      </p:grpSpPr>
       <p:sp>
         <p:nvSpPr>
           <p:cNvPr id="2" name="文本框 1"/>
@@ -18712,7 +23827,7 @@
 </p:sld>
 </file>
 
-<file path=ppt/slides/slide45.xml><?xml version="1.0" encoding="utf-8"?>
+<file path=ppt/slides/slide47.xml><?xml version="1.0" encoding="utf-8"?>
 <p:sld xmlns:a="http://schemas.openxmlformats.org/drawingml/2006/main" xmlns:r="http://schemas.openxmlformats.org/officeDocument/2006/relationships" xmlns:p="http://schemas.openxmlformats.org/presentationml/2006/main">
   <p:cSld>
     <p:spTree>
@@ -18808,7 +23923,7 @@
 </p:sld>
 </file>
 
-<file path=ppt/slides/slide46.xml><?xml version="1.0" encoding="utf-8"?>
+<file path=ppt/slides/slide48.xml><?xml version="1.0" encoding="utf-8"?>
 <p:sld xmlns:a="http://schemas.openxmlformats.org/drawingml/2006/main" xmlns:r="http://schemas.openxmlformats.org/officeDocument/2006/relationships" xmlns:p="http://schemas.openxmlformats.org/presentationml/2006/main">
   <p:cSld>
     <p:spTree>
@@ -18904,7 +24019,7 @@
 </p:sld>
 </file>
 
-<file path=ppt/slides/slide47.xml><?xml version="1.0" encoding="utf-8"?>
+<file path=ppt/slides/slide49.xml><?xml version="1.0" encoding="utf-8"?>
 <p:sld xmlns:a="http://schemas.openxmlformats.org/drawingml/2006/main" xmlns:r="http://schemas.openxmlformats.org/officeDocument/2006/relationships" xmlns:p="http://schemas.openxmlformats.org/presentationml/2006/main">
   <p:cSld>
     <p:spTree>

--- a/2018Oct-Tutorial_HiRACsICalibrations.pptx
+++ b/2018Oct-Tutorial_HiRACsICalibrations.pptx
@@ -16838,17 +16838,10 @@
                 <a:latin typeface="Times New Roman" panose="02020603050405020304" pitchFamily="18" charset="0"/>
                 <a:cs typeface="Times New Roman" panose="02020603050405020304" pitchFamily="18" charset="0"/>
               </a:rPr>
-              <a:t>to fit the data of protons, deuterons and </a:t>
+              <a:t>to fit the data of protons, deuterons and tritons </a:t>
             </a:r>
             <a:r>
               <a:rPr lang="en-US" dirty="0" smtClean="0">
-                <a:latin typeface="Times New Roman" panose="02020603050405020304" pitchFamily="18" charset="0"/>
-                <a:cs typeface="Times New Roman" panose="02020603050405020304" pitchFamily="18" charset="0"/>
-              </a:rPr>
-              <a:t>tritons </a:t>
-            </a:r>
-            <a:r>
-              <a:rPr lang="en-US" dirty="0" smtClean="0">
                 <a:solidFill>
                   <a:srgbClr val="FF0000"/>
                 </a:solidFill>
@@ -16857,13 +16850,6 @@
               </a:rPr>
               <a:t>(Z=1)</a:t>
             </a:r>
-            <a:endParaRPr lang="en-US" dirty="0" smtClean="0">
-              <a:solidFill>
-                <a:srgbClr val="FF0000"/>
-              </a:solidFill>
-              <a:latin typeface="Times New Roman" panose="02020603050405020304" pitchFamily="18" charset="0"/>
-              <a:cs typeface="Times New Roman" panose="02020603050405020304" pitchFamily="18" charset="0"/>
-            </a:endParaRPr>
           </a:p>
           <a:p>
             <a:pPr algn="ctr"/>
@@ -20570,7 +20556,7 @@
           <a:graphicData uri="http://schemas.openxmlformats.org/presentationml/2006/ole">
             <mc:AlternateContent xmlns:mc="http://schemas.openxmlformats.org/markup-compatibility/2006">
               <mc:Choice xmlns:v="urn:schemas-microsoft-com:vml" Requires="v">
-                <p:oleObj spid="_x0000_s2054" name="Acrobat Document" r:id="rId5" imgW="5400473" imgH="3886161" progId="AcroExch.Document.2017">
+                <p:oleObj spid="_x0000_s2056" name="Acrobat Document" r:id="rId5" imgW="5400473" imgH="3886161" progId="AcroExch.Document.2017">
                   <p:embed/>
                 </p:oleObj>
               </mc:Choice>
